--- a/figures/figures.pptx
+++ b/figures/figures.pptx
@@ -3991,10 +3991,18 @@
           <a:p>
             <a:pPr algn="ctr"/>
             <a:r>
-              <a:rPr lang="en-CA" dirty="0" smtClean="0"/>
-              <a:t>AA</a:t>
-            </a:r>
-            <a:endParaRPr lang="en-CA" dirty="0"/>
+              <a:rPr lang="en-CA" sz="4800" dirty="0" smtClean="0">
+                <a:solidFill>
+                  <a:schemeClr val="tx1"/>
+                </a:solidFill>
+              </a:rPr>
+              <a:t>W</a:t>
+            </a:r>
+            <a:endParaRPr lang="en-CA" sz="4800" dirty="0">
+              <a:solidFill>
+                <a:schemeClr val="tx1"/>
+              </a:solidFill>
+            </a:endParaRPr>
           </a:p>
         </p:txBody>
       </p:sp>

--- a/figures/figures.pptx
+++ b/figures/figures.pptx
@@ -5,11 +5,13 @@
     <p:sldMasterId id="2147483648" r:id="rId1"/>
   </p:sldMasterIdLst>
   <p:notesMasterIdLst>
-    <p:notesMasterId r:id="rId4"/>
+    <p:notesMasterId r:id="rId6"/>
   </p:notesMasterIdLst>
   <p:sldIdLst>
     <p:sldId id="256" r:id="rId2"/>
     <p:sldId id="257" r:id="rId3"/>
+    <p:sldId id="258" r:id="rId4"/>
+    <p:sldId id="259" r:id="rId5"/>
   </p:sldIdLst>
   <p:sldSz cx="9144000" cy="6858000" type="screen4x3"/>
   <p:notesSz cx="6858000" cy="9144000"/>
@@ -193,7 +195,8 @@
           <a:p>
             <a:fld id="{507DC840-FE98-4570-9088-7CD08FF35371}" type="datetimeFigureOut">
               <a:rPr lang="en-US" smtClean="0"/>
-              <a:t>11/8/2010</a:t>
+              <a:pPr/>
+              <a:t>3/1/2011</a:t>
             </a:fld>
             <a:endParaRPr lang="en-CA"/>
           </a:p>
@@ -354,6 +357,7 @@
           <a:p>
             <a:fld id="{6EF94E7C-2F5C-43F1-B293-0A85B1BBD729}" type="slidenum">
               <a:rPr lang="en-CA" smtClean="0"/>
+              <a:pPr/>
               <a:t>‹#›</a:t>
             </a:fld>
             <a:endParaRPr lang="en-CA"/>
@@ -525,6 +529,7 @@
           <a:p>
             <a:fld id="{6EF94E7C-2F5C-43F1-B293-0A85B1BBD729}" type="slidenum">
               <a:rPr lang="en-CA" smtClean="0"/>
+              <a:pPr/>
               <a:t>1</a:t>
             </a:fld>
             <a:endParaRPr lang="en-CA"/>
@@ -606,6 +611,7 @@
           <a:p>
             <a:fld id="{6EF94E7C-2F5C-43F1-B293-0A85B1BBD729}" type="slidenum">
               <a:rPr lang="en-CA" smtClean="0"/>
+              <a:pPr/>
               <a:t>2</a:t>
             </a:fld>
             <a:endParaRPr lang="en-CA"/>
@@ -801,7 +807,8 @@
           <a:p>
             <a:fld id="{E8DC4A0C-9A40-4E9F-8BE1-0BD636236BA7}" type="datetimeFigureOut">
               <a:rPr lang="en-US" smtClean="0"/>
-              <a:t>11/8/2010</a:t>
+              <a:pPr/>
+              <a:t>3/1/2011</a:t>
             </a:fld>
             <a:endParaRPr lang="en-CA"/>
           </a:p>
@@ -843,6 +850,7 @@
           <a:p>
             <a:fld id="{3164CB3E-950A-4B7F-97F9-4C944BE13ECE}" type="slidenum">
               <a:rPr lang="en-CA" smtClean="0"/>
+              <a:pPr/>
               <a:t>‹#›</a:t>
             </a:fld>
             <a:endParaRPr lang="en-CA"/>
@@ -966,7 +974,8 @@
           <a:p>
             <a:fld id="{E8DC4A0C-9A40-4E9F-8BE1-0BD636236BA7}" type="datetimeFigureOut">
               <a:rPr lang="en-US" smtClean="0"/>
-              <a:t>11/8/2010</a:t>
+              <a:pPr/>
+              <a:t>3/1/2011</a:t>
             </a:fld>
             <a:endParaRPr lang="en-CA"/>
           </a:p>
@@ -1008,6 +1017,7 @@
           <a:p>
             <a:fld id="{3164CB3E-950A-4B7F-97F9-4C944BE13ECE}" type="slidenum">
               <a:rPr lang="en-CA" smtClean="0"/>
+              <a:pPr/>
               <a:t>‹#›</a:t>
             </a:fld>
             <a:endParaRPr lang="en-CA"/>
@@ -1141,7 +1151,8 @@
           <a:p>
             <a:fld id="{E8DC4A0C-9A40-4E9F-8BE1-0BD636236BA7}" type="datetimeFigureOut">
               <a:rPr lang="en-US" smtClean="0"/>
-              <a:t>11/8/2010</a:t>
+              <a:pPr/>
+              <a:t>3/1/2011</a:t>
             </a:fld>
             <a:endParaRPr lang="en-CA"/>
           </a:p>
@@ -1183,6 +1194,7 @@
           <a:p>
             <a:fld id="{3164CB3E-950A-4B7F-97F9-4C944BE13ECE}" type="slidenum">
               <a:rPr lang="en-CA" smtClean="0"/>
+              <a:pPr/>
               <a:t>‹#›</a:t>
             </a:fld>
             <a:endParaRPr lang="en-CA"/>
@@ -1306,7 +1318,8 @@
           <a:p>
             <a:fld id="{E8DC4A0C-9A40-4E9F-8BE1-0BD636236BA7}" type="datetimeFigureOut">
               <a:rPr lang="en-US" smtClean="0"/>
-              <a:t>11/8/2010</a:t>
+              <a:pPr/>
+              <a:t>3/1/2011</a:t>
             </a:fld>
             <a:endParaRPr lang="en-CA"/>
           </a:p>
@@ -1348,6 +1361,7 @@
           <a:p>
             <a:fld id="{3164CB3E-950A-4B7F-97F9-4C944BE13ECE}" type="slidenum">
               <a:rPr lang="en-CA" smtClean="0"/>
+              <a:pPr/>
               <a:t>‹#›</a:t>
             </a:fld>
             <a:endParaRPr lang="en-CA"/>
@@ -1547,7 +1561,8 @@
           <a:p>
             <a:fld id="{E8DC4A0C-9A40-4E9F-8BE1-0BD636236BA7}" type="datetimeFigureOut">
               <a:rPr lang="en-US" smtClean="0"/>
-              <a:t>11/8/2010</a:t>
+              <a:pPr/>
+              <a:t>3/1/2011</a:t>
             </a:fld>
             <a:endParaRPr lang="en-CA"/>
           </a:p>
@@ -1589,6 +1604,7 @@
           <a:p>
             <a:fld id="{3164CB3E-950A-4B7F-97F9-4C944BE13ECE}" type="slidenum">
               <a:rPr lang="en-CA" smtClean="0"/>
+              <a:pPr/>
               <a:t>‹#›</a:t>
             </a:fld>
             <a:endParaRPr lang="en-CA"/>
@@ -1830,7 +1846,8 @@
           <a:p>
             <a:fld id="{E8DC4A0C-9A40-4E9F-8BE1-0BD636236BA7}" type="datetimeFigureOut">
               <a:rPr lang="en-US" smtClean="0"/>
-              <a:t>11/8/2010</a:t>
+              <a:pPr/>
+              <a:t>3/1/2011</a:t>
             </a:fld>
             <a:endParaRPr lang="en-CA"/>
           </a:p>
@@ -1872,6 +1889,7 @@
           <a:p>
             <a:fld id="{3164CB3E-950A-4B7F-97F9-4C944BE13ECE}" type="slidenum">
               <a:rPr lang="en-CA" smtClean="0"/>
+              <a:pPr/>
               <a:t>‹#›</a:t>
             </a:fld>
             <a:endParaRPr lang="en-CA"/>
@@ -2247,7 +2265,8 @@
           <a:p>
             <a:fld id="{E8DC4A0C-9A40-4E9F-8BE1-0BD636236BA7}" type="datetimeFigureOut">
               <a:rPr lang="en-US" smtClean="0"/>
-              <a:t>11/8/2010</a:t>
+              <a:pPr/>
+              <a:t>3/1/2011</a:t>
             </a:fld>
             <a:endParaRPr lang="en-CA"/>
           </a:p>
@@ -2289,6 +2308,7 @@
           <a:p>
             <a:fld id="{3164CB3E-950A-4B7F-97F9-4C944BE13ECE}" type="slidenum">
               <a:rPr lang="en-CA" smtClean="0"/>
+              <a:pPr/>
               <a:t>‹#›</a:t>
             </a:fld>
             <a:endParaRPr lang="en-CA"/>
@@ -2360,7 +2380,8 @@
           <a:p>
             <a:fld id="{E8DC4A0C-9A40-4E9F-8BE1-0BD636236BA7}" type="datetimeFigureOut">
               <a:rPr lang="en-US" smtClean="0"/>
-              <a:t>11/8/2010</a:t>
+              <a:pPr/>
+              <a:t>3/1/2011</a:t>
             </a:fld>
             <a:endParaRPr lang="en-CA"/>
           </a:p>
@@ -2402,6 +2423,7 @@
           <a:p>
             <a:fld id="{3164CB3E-950A-4B7F-97F9-4C944BE13ECE}" type="slidenum">
               <a:rPr lang="en-CA" smtClean="0"/>
+              <a:pPr/>
               <a:t>‹#›</a:t>
             </a:fld>
             <a:endParaRPr lang="en-CA"/>
@@ -2450,7 +2472,8 @@
           <a:p>
             <a:fld id="{E8DC4A0C-9A40-4E9F-8BE1-0BD636236BA7}" type="datetimeFigureOut">
               <a:rPr lang="en-US" smtClean="0"/>
-              <a:t>11/8/2010</a:t>
+              <a:pPr/>
+              <a:t>3/1/2011</a:t>
             </a:fld>
             <a:endParaRPr lang="en-CA"/>
           </a:p>
@@ -2492,6 +2515,7 @@
           <a:p>
             <a:fld id="{3164CB3E-950A-4B7F-97F9-4C944BE13ECE}" type="slidenum">
               <a:rPr lang="en-CA" smtClean="0"/>
+              <a:pPr/>
               <a:t>‹#›</a:t>
             </a:fld>
             <a:endParaRPr lang="en-CA"/>
@@ -2722,7 +2746,8 @@
           <a:p>
             <a:fld id="{E8DC4A0C-9A40-4E9F-8BE1-0BD636236BA7}" type="datetimeFigureOut">
               <a:rPr lang="en-US" smtClean="0"/>
-              <a:t>11/8/2010</a:t>
+              <a:pPr/>
+              <a:t>3/1/2011</a:t>
             </a:fld>
             <a:endParaRPr lang="en-CA"/>
           </a:p>
@@ -2764,6 +2789,7 @@
           <a:p>
             <a:fld id="{3164CB3E-950A-4B7F-97F9-4C944BE13ECE}" type="slidenum">
               <a:rPr lang="en-CA" smtClean="0"/>
+              <a:pPr/>
               <a:t>‹#›</a:t>
             </a:fld>
             <a:endParaRPr lang="en-CA"/>
@@ -2970,7 +2996,8 @@
           <a:p>
             <a:fld id="{E8DC4A0C-9A40-4E9F-8BE1-0BD636236BA7}" type="datetimeFigureOut">
               <a:rPr lang="en-US" smtClean="0"/>
-              <a:t>11/8/2010</a:t>
+              <a:pPr/>
+              <a:t>3/1/2011</a:t>
             </a:fld>
             <a:endParaRPr lang="en-CA"/>
           </a:p>
@@ -3012,6 +3039,7 @@
           <a:p>
             <a:fld id="{3164CB3E-950A-4B7F-97F9-4C944BE13ECE}" type="slidenum">
               <a:rPr lang="en-CA" smtClean="0"/>
+              <a:pPr/>
               <a:t>‹#›</a:t>
             </a:fld>
             <a:endParaRPr lang="en-CA"/>
@@ -3178,7 +3206,8 @@
           <a:p>
             <a:fld id="{E8DC4A0C-9A40-4E9F-8BE1-0BD636236BA7}" type="datetimeFigureOut">
               <a:rPr lang="en-US" smtClean="0"/>
-              <a:t>11/8/2010</a:t>
+              <a:pPr/>
+              <a:t>3/1/2011</a:t>
             </a:fld>
             <a:endParaRPr lang="en-CA"/>
           </a:p>
@@ -3256,6 +3285,7 @@
           <a:p>
             <a:fld id="{3164CB3E-950A-4B7F-97F9-4C944BE13ECE}" type="slidenum">
               <a:rPr lang="en-CA" smtClean="0"/>
+              <a:pPr/>
               <a:t>‹#›</a:t>
             </a:fld>
             <a:endParaRPr lang="en-CA"/>
@@ -4296,6 +4326,4683 @@
           </a:p>
         </p:txBody>
       </p:sp>
+    </p:spTree>
+  </p:cSld>
+  <p:clrMapOvr>
+    <a:masterClrMapping/>
+  </p:clrMapOvr>
+</p:sld>
+</file>
+
+<file path=ppt/slides/slide3.xml><?xml version="1.0" encoding="utf-8"?>
+<p:sld xmlns:a="http://schemas.openxmlformats.org/drawingml/2006/main" xmlns:r="http://schemas.openxmlformats.org/officeDocument/2006/relationships" xmlns:p="http://schemas.openxmlformats.org/presentationml/2006/main">
+  <p:cSld>
+    <p:spTree>
+      <p:nvGrpSpPr>
+        <p:cNvPr id="1" name=""/>
+        <p:cNvGrpSpPr/>
+        <p:nvPr/>
+      </p:nvGrpSpPr>
+      <p:grpSpPr>
+        <a:xfrm>
+          <a:off x="0" y="0"/>
+          <a:ext cx="0" cy="0"/>
+          <a:chOff x="0" y="0"/>
+          <a:chExt cx="0" cy="0"/>
+        </a:xfrm>
+      </p:grpSpPr>
+      <p:graphicFrame>
+        <p:nvGraphicFramePr>
+          <p:cNvPr id="4" name="表格 3"/>
+          <p:cNvGraphicFramePr>
+            <a:graphicFrameLocks noGrp="1"/>
+          </p:cNvGraphicFramePr>
+          <p:nvPr/>
+        </p:nvGraphicFramePr>
+        <p:xfrm>
+          <a:off x="1371600" y="609600"/>
+          <a:ext cx="6262712" cy="5715040"/>
+        </p:xfrm>
+        <a:graphic>
+          <a:graphicData uri="http://schemas.openxmlformats.org/drawingml/2006/table">
+            <a:tbl>
+              <a:tblPr firstRow="1" bandRow="1">
+                <a:tableStyleId>{5C22544A-7EE6-4342-B048-85BDC9FD1C3A}</a:tableStyleId>
+              </a:tblPr>
+              <a:tblGrid>
+                <a:gridCol w="785818"/>
+                <a:gridCol w="779860"/>
+                <a:gridCol w="782839"/>
+                <a:gridCol w="782839"/>
+                <a:gridCol w="782839"/>
+                <a:gridCol w="782839"/>
+                <a:gridCol w="782839"/>
+                <a:gridCol w="782839"/>
+              </a:tblGrid>
+              <a:tr h="714380">
+                <a:tc>
+                  <a:txBody>
+                    <a:bodyPr/>
+                    <a:lstStyle/>
+                    <a:p>
+                      <a:endParaRPr lang="zh-TW" altLang="en-US" dirty="0"/>
+                    </a:p>
+                  </a:txBody>
+                  <a:tcPr>
+                    <a:lnL w="12700" cap="flat" cmpd="sng" algn="ctr">
+                      <a:solidFill>
+                        <a:schemeClr val="tx1"/>
+                      </a:solidFill>
+                      <a:prstDash val="solid"/>
+                      <a:round/>
+                      <a:headEnd type="none" w="med" len="med"/>
+                      <a:tailEnd type="none" w="med" len="med"/>
+                    </a:lnL>
+                    <a:lnR w="12700" cap="flat" cmpd="sng" algn="ctr">
+                      <a:solidFill>
+                        <a:schemeClr val="tx1"/>
+                      </a:solidFill>
+                      <a:prstDash val="solid"/>
+                      <a:round/>
+                      <a:headEnd type="none" w="med" len="med"/>
+                      <a:tailEnd type="none" w="med" len="med"/>
+                    </a:lnR>
+                    <a:lnT w="12700" cap="flat" cmpd="sng" algn="ctr">
+                      <a:solidFill>
+                        <a:schemeClr val="tx1"/>
+                      </a:solidFill>
+                      <a:prstDash val="solid"/>
+                      <a:round/>
+                      <a:headEnd type="none" w="med" len="med"/>
+                      <a:tailEnd type="none" w="med" len="med"/>
+                    </a:lnT>
+                    <a:lnB w="12700" cap="flat" cmpd="sng" algn="ctr">
+                      <a:solidFill>
+                        <a:schemeClr val="tx1"/>
+                      </a:solidFill>
+                      <a:prstDash val="solid"/>
+                      <a:round/>
+                      <a:headEnd type="none" w="med" len="med"/>
+                      <a:tailEnd type="none" w="med" len="med"/>
+                    </a:lnB>
+                    <a:lnTlToBr w="12700" cmpd="sng">
+                      <a:noFill/>
+                      <a:prstDash val="solid"/>
+                    </a:lnTlToBr>
+                    <a:lnBlToTr w="12700" cmpd="sng">
+                      <a:noFill/>
+                      <a:prstDash val="solid"/>
+                    </a:lnBlToTr>
+                    <a:noFill/>
+                  </a:tcPr>
+                </a:tc>
+                <a:tc>
+                  <a:txBody>
+                    <a:bodyPr/>
+                    <a:lstStyle/>
+                    <a:p>
+                      <a:endParaRPr lang="zh-TW" altLang="en-US" dirty="0"/>
+                    </a:p>
+                  </a:txBody>
+                  <a:tcPr>
+                    <a:lnL w="12700" cap="flat" cmpd="sng" algn="ctr">
+                      <a:solidFill>
+                        <a:schemeClr val="tx1"/>
+                      </a:solidFill>
+                      <a:prstDash val="solid"/>
+                      <a:round/>
+                      <a:headEnd type="none" w="med" len="med"/>
+                      <a:tailEnd type="none" w="med" len="med"/>
+                    </a:lnL>
+                    <a:lnR w="12700" cap="flat" cmpd="sng" algn="ctr">
+                      <a:solidFill>
+                        <a:schemeClr val="tx1"/>
+                      </a:solidFill>
+                      <a:prstDash val="solid"/>
+                      <a:round/>
+                      <a:headEnd type="none" w="med" len="med"/>
+                      <a:tailEnd type="none" w="med" len="med"/>
+                    </a:lnR>
+                    <a:lnT w="12700" cap="flat" cmpd="sng" algn="ctr">
+                      <a:solidFill>
+                        <a:schemeClr val="tx1"/>
+                      </a:solidFill>
+                      <a:prstDash val="solid"/>
+                      <a:round/>
+                      <a:headEnd type="none" w="med" len="med"/>
+                      <a:tailEnd type="none" w="med" len="med"/>
+                    </a:lnT>
+                    <a:lnB w="12700" cap="flat" cmpd="sng" algn="ctr">
+                      <a:solidFill>
+                        <a:schemeClr val="tx1"/>
+                      </a:solidFill>
+                      <a:prstDash val="solid"/>
+                      <a:round/>
+                      <a:headEnd type="none" w="med" len="med"/>
+                      <a:tailEnd type="none" w="med" len="med"/>
+                    </a:lnB>
+                    <a:noFill/>
+                  </a:tcPr>
+                </a:tc>
+                <a:tc>
+                  <a:txBody>
+                    <a:bodyPr/>
+                    <a:lstStyle/>
+                    <a:p>
+                      <a:endParaRPr lang="zh-TW" altLang="en-US" dirty="0"/>
+                    </a:p>
+                  </a:txBody>
+                  <a:tcPr>
+                    <a:lnL w="12700" cap="flat" cmpd="sng" algn="ctr">
+                      <a:solidFill>
+                        <a:schemeClr val="tx1"/>
+                      </a:solidFill>
+                      <a:prstDash val="solid"/>
+                      <a:round/>
+                      <a:headEnd type="none" w="med" len="med"/>
+                      <a:tailEnd type="none" w="med" len="med"/>
+                    </a:lnL>
+                    <a:lnR w="12700" cap="flat" cmpd="sng" algn="ctr">
+                      <a:solidFill>
+                        <a:schemeClr val="tx1"/>
+                      </a:solidFill>
+                      <a:prstDash val="solid"/>
+                      <a:round/>
+                      <a:headEnd type="none" w="med" len="med"/>
+                      <a:tailEnd type="none" w="med" len="med"/>
+                    </a:lnR>
+                    <a:lnT w="12700" cap="flat" cmpd="sng" algn="ctr">
+                      <a:solidFill>
+                        <a:schemeClr val="tx1"/>
+                      </a:solidFill>
+                      <a:prstDash val="solid"/>
+                      <a:round/>
+                      <a:headEnd type="none" w="med" len="med"/>
+                      <a:tailEnd type="none" w="med" len="med"/>
+                    </a:lnT>
+                    <a:lnB w="12700" cap="flat" cmpd="sng" algn="ctr">
+                      <a:solidFill>
+                        <a:schemeClr val="tx1"/>
+                      </a:solidFill>
+                      <a:prstDash val="solid"/>
+                      <a:round/>
+                      <a:headEnd type="none" w="med" len="med"/>
+                      <a:tailEnd type="none" w="med" len="med"/>
+                    </a:lnB>
+                    <a:noFill/>
+                  </a:tcPr>
+                </a:tc>
+                <a:tc>
+                  <a:txBody>
+                    <a:bodyPr/>
+                    <a:lstStyle/>
+                    <a:p>
+                      <a:endParaRPr lang="zh-TW" altLang="en-US" dirty="0"/>
+                    </a:p>
+                  </a:txBody>
+                  <a:tcPr>
+                    <a:lnL w="12700" cap="flat" cmpd="sng" algn="ctr">
+                      <a:solidFill>
+                        <a:schemeClr val="tx1"/>
+                      </a:solidFill>
+                      <a:prstDash val="solid"/>
+                      <a:round/>
+                      <a:headEnd type="none" w="med" len="med"/>
+                      <a:tailEnd type="none" w="med" len="med"/>
+                    </a:lnL>
+                    <a:lnR w="12700" cap="flat" cmpd="sng" algn="ctr">
+                      <a:solidFill>
+                        <a:schemeClr val="tx1"/>
+                      </a:solidFill>
+                      <a:prstDash val="solid"/>
+                      <a:round/>
+                      <a:headEnd type="none" w="med" len="med"/>
+                      <a:tailEnd type="none" w="med" len="med"/>
+                    </a:lnR>
+                    <a:lnT w="12700" cap="flat" cmpd="sng" algn="ctr">
+                      <a:solidFill>
+                        <a:schemeClr val="tx1"/>
+                      </a:solidFill>
+                      <a:prstDash val="solid"/>
+                      <a:round/>
+                      <a:headEnd type="none" w="med" len="med"/>
+                      <a:tailEnd type="none" w="med" len="med"/>
+                    </a:lnT>
+                    <a:lnB w="12700" cap="flat" cmpd="sng" algn="ctr">
+                      <a:solidFill>
+                        <a:schemeClr val="tx1"/>
+                      </a:solidFill>
+                      <a:prstDash val="solid"/>
+                      <a:round/>
+                      <a:headEnd type="none" w="med" len="med"/>
+                      <a:tailEnd type="none" w="med" len="med"/>
+                    </a:lnB>
+                    <a:noFill/>
+                  </a:tcPr>
+                </a:tc>
+                <a:tc>
+                  <a:txBody>
+                    <a:bodyPr/>
+                    <a:lstStyle/>
+                    <a:p>
+                      <a:endParaRPr lang="zh-TW" altLang="en-US" dirty="0"/>
+                    </a:p>
+                  </a:txBody>
+                  <a:tcPr>
+                    <a:lnL w="12700" cap="flat" cmpd="sng" algn="ctr">
+                      <a:solidFill>
+                        <a:schemeClr val="tx1"/>
+                      </a:solidFill>
+                      <a:prstDash val="solid"/>
+                      <a:round/>
+                      <a:headEnd type="none" w="med" len="med"/>
+                      <a:tailEnd type="none" w="med" len="med"/>
+                    </a:lnL>
+                    <a:lnR w="12700" cap="flat" cmpd="sng" algn="ctr">
+                      <a:solidFill>
+                        <a:schemeClr val="tx1"/>
+                      </a:solidFill>
+                      <a:prstDash val="solid"/>
+                      <a:round/>
+                      <a:headEnd type="none" w="med" len="med"/>
+                      <a:tailEnd type="none" w="med" len="med"/>
+                    </a:lnR>
+                    <a:lnT w="12700" cap="flat" cmpd="sng" algn="ctr">
+                      <a:solidFill>
+                        <a:schemeClr val="tx1"/>
+                      </a:solidFill>
+                      <a:prstDash val="solid"/>
+                      <a:round/>
+                      <a:headEnd type="none" w="med" len="med"/>
+                      <a:tailEnd type="none" w="med" len="med"/>
+                    </a:lnT>
+                    <a:lnB w="12700" cap="flat" cmpd="sng" algn="ctr">
+                      <a:solidFill>
+                        <a:schemeClr val="tx1"/>
+                      </a:solidFill>
+                      <a:prstDash val="solid"/>
+                      <a:round/>
+                      <a:headEnd type="none" w="med" len="med"/>
+                      <a:tailEnd type="none" w="med" len="med"/>
+                    </a:lnB>
+                    <a:noFill/>
+                  </a:tcPr>
+                </a:tc>
+                <a:tc>
+                  <a:txBody>
+                    <a:bodyPr/>
+                    <a:lstStyle/>
+                    <a:p>
+                      <a:endParaRPr lang="zh-TW" altLang="en-US" dirty="0"/>
+                    </a:p>
+                  </a:txBody>
+                  <a:tcPr>
+                    <a:lnL w="12700" cap="flat" cmpd="sng" algn="ctr">
+                      <a:solidFill>
+                        <a:schemeClr val="tx1"/>
+                      </a:solidFill>
+                      <a:prstDash val="solid"/>
+                      <a:round/>
+                      <a:headEnd type="none" w="med" len="med"/>
+                      <a:tailEnd type="none" w="med" len="med"/>
+                    </a:lnL>
+                    <a:lnR w="12700" cap="flat" cmpd="sng" algn="ctr">
+                      <a:solidFill>
+                        <a:schemeClr val="tx1"/>
+                      </a:solidFill>
+                      <a:prstDash val="solid"/>
+                      <a:round/>
+                      <a:headEnd type="none" w="med" len="med"/>
+                      <a:tailEnd type="none" w="med" len="med"/>
+                    </a:lnR>
+                    <a:lnT w="12700" cap="flat" cmpd="sng" algn="ctr">
+                      <a:solidFill>
+                        <a:schemeClr val="tx1"/>
+                      </a:solidFill>
+                      <a:prstDash val="solid"/>
+                      <a:round/>
+                      <a:headEnd type="none" w="med" len="med"/>
+                      <a:tailEnd type="none" w="med" len="med"/>
+                    </a:lnT>
+                    <a:lnB w="12700" cap="flat" cmpd="sng" algn="ctr">
+                      <a:solidFill>
+                        <a:schemeClr val="tx1"/>
+                      </a:solidFill>
+                      <a:prstDash val="solid"/>
+                      <a:round/>
+                      <a:headEnd type="none" w="med" len="med"/>
+                      <a:tailEnd type="none" w="med" len="med"/>
+                    </a:lnB>
+                    <a:noFill/>
+                  </a:tcPr>
+                </a:tc>
+                <a:tc>
+                  <a:txBody>
+                    <a:bodyPr/>
+                    <a:lstStyle/>
+                    <a:p>
+                      <a:endParaRPr lang="zh-TW" altLang="en-US" dirty="0"/>
+                    </a:p>
+                  </a:txBody>
+                  <a:tcPr>
+                    <a:lnL w="12700" cap="flat" cmpd="sng" algn="ctr">
+                      <a:solidFill>
+                        <a:schemeClr val="tx1"/>
+                      </a:solidFill>
+                      <a:prstDash val="solid"/>
+                      <a:round/>
+                      <a:headEnd type="none" w="med" len="med"/>
+                      <a:tailEnd type="none" w="med" len="med"/>
+                    </a:lnL>
+                    <a:lnR w="12700" cap="flat" cmpd="sng" algn="ctr">
+                      <a:solidFill>
+                        <a:schemeClr val="tx1"/>
+                      </a:solidFill>
+                      <a:prstDash val="solid"/>
+                      <a:round/>
+                      <a:headEnd type="none" w="med" len="med"/>
+                      <a:tailEnd type="none" w="med" len="med"/>
+                    </a:lnR>
+                    <a:lnT w="12700" cap="flat" cmpd="sng" algn="ctr">
+                      <a:solidFill>
+                        <a:schemeClr val="tx1"/>
+                      </a:solidFill>
+                      <a:prstDash val="solid"/>
+                      <a:round/>
+                      <a:headEnd type="none" w="med" len="med"/>
+                      <a:tailEnd type="none" w="med" len="med"/>
+                    </a:lnT>
+                    <a:lnB w="12700" cap="flat" cmpd="sng" algn="ctr">
+                      <a:solidFill>
+                        <a:schemeClr val="tx1"/>
+                      </a:solidFill>
+                      <a:prstDash val="solid"/>
+                      <a:round/>
+                      <a:headEnd type="none" w="med" len="med"/>
+                      <a:tailEnd type="none" w="med" len="med"/>
+                    </a:lnB>
+                    <a:noFill/>
+                  </a:tcPr>
+                </a:tc>
+                <a:tc>
+                  <a:txBody>
+                    <a:bodyPr/>
+                    <a:lstStyle/>
+                    <a:p>
+                      <a:endParaRPr lang="zh-TW" altLang="en-US" dirty="0"/>
+                    </a:p>
+                  </a:txBody>
+                  <a:tcPr>
+                    <a:lnL w="12700" cap="flat" cmpd="sng" algn="ctr">
+                      <a:solidFill>
+                        <a:schemeClr val="tx1"/>
+                      </a:solidFill>
+                      <a:prstDash val="solid"/>
+                      <a:round/>
+                      <a:headEnd type="none" w="med" len="med"/>
+                      <a:tailEnd type="none" w="med" len="med"/>
+                    </a:lnL>
+                    <a:lnR w="12700" cap="flat" cmpd="sng" algn="ctr">
+                      <a:solidFill>
+                        <a:schemeClr val="tx1"/>
+                      </a:solidFill>
+                      <a:prstDash val="solid"/>
+                      <a:round/>
+                      <a:headEnd type="none" w="med" len="med"/>
+                      <a:tailEnd type="none" w="med" len="med"/>
+                    </a:lnR>
+                    <a:lnT w="12700" cap="flat" cmpd="sng" algn="ctr">
+                      <a:solidFill>
+                        <a:schemeClr val="tx1"/>
+                      </a:solidFill>
+                      <a:prstDash val="solid"/>
+                      <a:round/>
+                      <a:headEnd type="none" w="med" len="med"/>
+                      <a:tailEnd type="none" w="med" len="med"/>
+                    </a:lnT>
+                    <a:lnB w="12700" cap="flat" cmpd="sng" algn="ctr">
+                      <a:solidFill>
+                        <a:schemeClr val="tx1"/>
+                      </a:solidFill>
+                      <a:prstDash val="solid"/>
+                      <a:round/>
+                      <a:headEnd type="none" w="med" len="med"/>
+                      <a:tailEnd type="none" w="med" len="med"/>
+                    </a:lnB>
+                    <a:noFill/>
+                  </a:tcPr>
+                </a:tc>
+              </a:tr>
+              <a:tr h="714380">
+                <a:tc>
+                  <a:txBody>
+                    <a:bodyPr/>
+                    <a:lstStyle/>
+                    <a:p>
+                      <a:endParaRPr lang="zh-TW" altLang="en-US" dirty="0"/>
+                    </a:p>
+                  </a:txBody>
+                  <a:tcPr>
+                    <a:lnL w="12700" cap="flat" cmpd="sng" algn="ctr">
+                      <a:solidFill>
+                        <a:schemeClr val="tx1"/>
+                      </a:solidFill>
+                      <a:prstDash val="solid"/>
+                      <a:round/>
+                      <a:headEnd type="none" w="med" len="med"/>
+                      <a:tailEnd type="none" w="med" len="med"/>
+                    </a:lnL>
+                    <a:lnR w="12700" cap="flat" cmpd="sng" algn="ctr">
+                      <a:solidFill>
+                        <a:schemeClr val="tx1"/>
+                      </a:solidFill>
+                      <a:prstDash val="solid"/>
+                      <a:round/>
+                      <a:headEnd type="none" w="med" len="med"/>
+                      <a:tailEnd type="none" w="med" len="med"/>
+                    </a:lnR>
+                    <a:lnT w="12700" cap="flat" cmpd="sng" algn="ctr">
+                      <a:solidFill>
+                        <a:schemeClr val="tx1"/>
+                      </a:solidFill>
+                      <a:prstDash val="solid"/>
+                      <a:round/>
+                      <a:headEnd type="none" w="med" len="med"/>
+                      <a:tailEnd type="none" w="med" len="med"/>
+                    </a:lnT>
+                    <a:lnB w="12700" cap="flat" cmpd="sng" algn="ctr">
+                      <a:solidFill>
+                        <a:schemeClr val="tx1"/>
+                      </a:solidFill>
+                      <a:prstDash val="solid"/>
+                      <a:round/>
+                      <a:headEnd type="none" w="med" len="med"/>
+                      <a:tailEnd type="none" w="med" len="med"/>
+                    </a:lnB>
+                    <a:noFill/>
+                  </a:tcPr>
+                </a:tc>
+                <a:tc>
+                  <a:txBody>
+                    <a:bodyPr/>
+                    <a:lstStyle/>
+                    <a:p>
+                      <a:endParaRPr lang="zh-TW" altLang="en-US" dirty="0"/>
+                    </a:p>
+                  </a:txBody>
+                  <a:tcPr>
+                    <a:lnL w="12700" cap="flat" cmpd="sng" algn="ctr">
+                      <a:solidFill>
+                        <a:schemeClr val="tx1"/>
+                      </a:solidFill>
+                      <a:prstDash val="solid"/>
+                      <a:round/>
+                      <a:headEnd type="none" w="med" len="med"/>
+                      <a:tailEnd type="none" w="med" len="med"/>
+                    </a:lnL>
+                    <a:lnR w="12700" cap="flat" cmpd="sng" algn="ctr">
+                      <a:solidFill>
+                        <a:schemeClr val="tx1"/>
+                      </a:solidFill>
+                      <a:prstDash val="solid"/>
+                      <a:round/>
+                      <a:headEnd type="none" w="med" len="med"/>
+                      <a:tailEnd type="none" w="med" len="med"/>
+                    </a:lnR>
+                    <a:lnT w="12700" cap="flat" cmpd="sng" algn="ctr">
+                      <a:solidFill>
+                        <a:schemeClr val="tx1"/>
+                      </a:solidFill>
+                      <a:prstDash val="solid"/>
+                      <a:round/>
+                      <a:headEnd type="none" w="med" len="med"/>
+                      <a:tailEnd type="none" w="med" len="med"/>
+                    </a:lnT>
+                    <a:lnB w="12700" cap="flat" cmpd="sng" algn="ctr">
+                      <a:solidFill>
+                        <a:schemeClr val="tx1"/>
+                      </a:solidFill>
+                      <a:prstDash val="solid"/>
+                      <a:round/>
+                      <a:headEnd type="none" w="med" len="med"/>
+                      <a:tailEnd type="none" w="med" len="med"/>
+                    </a:lnB>
+                    <a:noFill/>
+                  </a:tcPr>
+                </a:tc>
+                <a:tc>
+                  <a:txBody>
+                    <a:bodyPr/>
+                    <a:lstStyle/>
+                    <a:p>
+                      <a:endParaRPr lang="zh-TW" altLang="en-US" dirty="0"/>
+                    </a:p>
+                  </a:txBody>
+                  <a:tcPr>
+                    <a:lnL w="12700" cap="flat" cmpd="sng" algn="ctr">
+                      <a:solidFill>
+                        <a:schemeClr val="tx1"/>
+                      </a:solidFill>
+                      <a:prstDash val="solid"/>
+                      <a:round/>
+                      <a:headEnd type="none" w="med" len="med"/>
+                      <a:tailEnd type="none" w="med" len="med"/>
+                    </a:lnL>
+                    <a:lnR w="12700" cap="flat" cmpd="sng" algn="ctr">
+                      <a:solidFill>
+                        <a:schemeClr val="tx1"/>
+                      </a:solidFill>
+                      <a:prstDash val="solid"/>
+                      <a:round/>
+                      <a:headEnd type="none" w="med" len="med"/>
+                      <a:tailEnd type="none" w="med" len="med"/>
+                    </a:lnR>
+                    <a:lnT w="12700" cap="flat" cmpd="sng" algn="ctr">
+                      <a:solidFill>
+                        <a:schemeClr val="tx1"/>
+                      </a:solidFill>
+                      <a:prstDash val="solid"/>
+                      <a:round/>
+                      <a:headEnd type="none" w="med" len="med"/>
+                      <a:tailEnd type="none" w="med" len="med"/>
+                    </a:lnT>
+                    <a:lnB w="12700" cap="flat" cmpd="sng" algn="ctr">
+                      <a:solidFill>
+                        <a:schemeClr val="tx1"/>
+                      </a:solidFill>
+                      <a:prstDash val="solid"/>
+                      <a:round/>
+                      <a:headEnd type="none" w="med" len="med"/>
+                      <a:tailEnd type="none" w="med" len="med"/>
+                    </a:lnB>
+                    <a:noFill/>
+                  </a:tcPr>
+                </a:tc>
+                <a:tc>
+                  <a:txBody>
+                    <a:bodyPr/>
+                    <a:lstStyle/>
+                    <a:p>
+                      <a:endParaRPr lang="zh-TW" altLang="en-US" dirty="0"/>
+                    </a:p>
+                  </a:txBody>
+                  <a:tcPr>
+                    <a:lnL w="12700" cap="flat" cmpd="sng" algn="ctr">
+                      <a:solidFill>
+                        <a:schemeClr val="tx1"/>
+                      </a:solidFill>
+                      <a:prstDash val="solid"/>
+                      <a:round/>
+                      <a:headEnd type="none" w="med" len="med"/>
+                      <a:tailEnd type="none" w="med" len="med"/>
+                    </a:lnL>
+                    <a:lnR w="12700" cap="flat" cmpd="sng" algn="ctr">
+                      <a:solidFill>
+                        <a:schemeClr val="tx1"/>
+                      </a:solidFill>
+                      <a:prstDash val="solid"/>
+                      <a:round/>
+                      <a:headEnd type="none" w="med" len="med"/>
+                      <a:tailEnd type="none" w="med" len="med"/>
+                    </a:lnR>
+                    <a:lnT w="12700" cap="flat" cmpd="sng" algn="ctr">
+                      <a:solidFill>
+                        <a:schemeClr val="tx1"/>
+                      </a:solidFill>
+                      <a:prstDash val="solid"/>
+                      <a:round/>
+                      <a:headEnd type="none" w="med" len="med"/>
+                      <a:tailEnd type="none" w="med" len="med"/>
+                    </a:lnT>
+                    <a:lnB w="12700" cap="flat" cmpd="sng" algn="ctr">
+                      <a:solidFill>
+                        <a:schemeClr val="tx1"/>
+                      </a:solidFill>
+                      <a:prstDash val="solid"/>
+                      <a:round/>
+                      <a:headEnd type="none" w="med" len="med"/>
+                      <a:tailEnd type="none" w="med" len="med"/>
+                    </a:lnB>
+                    <a:noFill/>
+                  </a:tcPr>
+                </a:tc>
+                <a:tc>
+                  <a:txBody>
+                    <a:bodyPr/>
+                    <a:lstStyle/>
+                    <a:p>
+                      <a:endParaRPr lang="zh-TW" altLang="en-US"/>
+                    </a:p>
+                  </a:txBody>
+                  <a:tcPr>
+                    <a:lnL w="12700" cap="flat" cmpd="sng" algn="ctr">
+                      <a:solidFill>
+                        <a:schemeClr val="tx1"/>
+                      </a:solidFill>
+                      <a:prstDash val="solid"/>
+                      <a:round/>
+                      <a:headEnd type="none" w="med" len="med"/>
+                      <a:tailEnd type="none" w="med" len="med"/>
+                    </a:lnL>
+                    <a:lnR w="12700" cap="flat" cmpd="sng" algn="ctr">
+                      <a:solidFill>
+                        <a:schemeClr val="tx1"/>
+                      </a:solidFill>
+                      <a:prstDash val="solid"/>
+                      <a:round/>
+                      <a:headEnd type="none" w="med" len="med"/>
+                      <a:tailEnd type="none" w="med" len="med"/>
+                    </a:lnR>
+                    <a:lnT w="12700" cap="flat" cmpd="sng" algn="ctr">
+                      <a:solidFill>
+                        <a:schemeClr val="tx1"/>
+                      </a:solidFill>
+                      <a:prstDash val="solid"/>
+                      <a:round/>
+                      <a:headEnd type="none" w="med" len="med"/>
+                      <a:tailEnd type="none" w="med" len="med"/>
+                    </a:lnT>
+                    <a:lnB w="12700" cap="flat" cmpd="sng" algn="ctr">
+                      <a:solidFill>
+                        <a:schemeClr val="tx1"/>
+                      </a:solidFill>
+                      <a:prstDash val="solid"/>
+                      <a:round/>
+                      <a:headEnd type="none" w="med" len="med"/>
+                      <a:tailEnd type="none" w="med" len="med"/>
+                    </a:lnB>
+                    <a:noFill/>
+                  </a:tcPr>
+                </a:tc>
+                <a:tc>
+                  <a:txBody>
+                    <a:bodyPr/>
+                    <a:lstStyle/>
+                    <a:p>
+                      <a:endParaRPr lang="zh-TW" altLang="en-US" dirty="0"/>
+                    </a:p>
+                  </a:txBody>
+                  <a:tcPr>
+                    <a:lnL w="12700" cap="flat" cmpd="sng" algn="ctr">
+                      <a:solidFill>
+                        <a:schemeClr val="tx1"/>
+                      </a:solidFill>
+                      <a:prstDash val="solid"/>
+                      <a:round/>
+                      <a:headEnd type="none" w="med" len="med"/>
+                      <a:tailEnd type="none" w="med" len="med"/>
+                    </a:lnL>
+                    <a:lnR w="12700" cap="flat" cmpd="sng" algn="ctr">
+                      <a:solidFill>
+                        <a:schemeClr val="tx1"/>
+                      </a:solidFill>
+                      <a:prstDash val="solid"/>
+                      <a:round/>
+                      <a:headEnd type="none" w="med" len="med"/>
+                      <a:tailEnd type="none" w="med" len="med"/>
+                    </a:lnR>
+                    <a:lnT w="12700" cap="flat" cmpd="sng" algn="ctr">
+                      <a:solidFill>
+                        <a:schemeClr val="tx1"/>
+                      </a:solidFill>
+                      <a:prstDash val="solid"/>
+                      <a:round/>
+                      <a:headEnd type="none" w="med" len="med"/>
+                      <a:tailEnd type="none" w="med" len="med"/>
+                    </a:lnT>
+                    <a:lnB w="12700" cap="flat" cmpd="sng" algn="ctr">
+                      <a:solidFill>
+                        <a:schemeClr val="tx1"/>
+                      </a:solidFill>
+                      <a:prstDash val="solid"/>
+                      <a:round/>
+                      <a:headEnd type="none" w="med" len="med"/>
+                      <a:tailEnd type="none" w="med" len="med"/>
+                    </a:lnB>
+                    <a:noFill/>
+                  </a:tcPr>
+                </a:tc>
+                <a:tc>
+                  <a:txBody>
+                    <a:bodyPr/>
+                    <a:lstStyle/>
+                    <a:p>
+                      <a:endParaRPr lang="zh-TW" altLang="en-US"/>
+                    </a:p>
+                  </a:txBody>
+                  <a:tcPr>
+                    <a:lnL w="12700" cap="flat" cmpd="sng" algn="ctr">
+                      <a:solidFill>
+                        <a:schemeClr val="tx1"/>
+                      </a:solidFill>
+                      <a:prstDash val="solid"/>
+                      <a:round/>
+                      <a:headEnd type="none" w="med" len="med"/>
+                      <a:tailEnd type="none" w="med" len="med"/>
+                    </a:lnL>
+                    <a:lnR w="12700" cap="flat" cmpd="sng" algn="ctr">
+                      <a:solidFill>
+                        <a:schemeClr val="tx1"/>
+                      </a:solidFill>
+                      <a:prstDash val="solid"/>
+                      <a:round/>
+                      <a:headEnd type="none" w="med" len="med"/>
+                      <a:tailEnd type="none" w="med" len="med"/>
+                    </a:lnR>
+                    <a:lnT w="12700" cap="flat" cmpd="sng" algn="ctr">
+                      <a:solidFill>
+                        <a:schemeClr val="tx1"/>
+                      </a:solidFill>
+                      <a:prstDash val="solid"/>
+                      <a:round/>
+                      <a:headEnd type="none" w="med" len="med"/>
+                      <a:tailEnd type="none" w="med" len="med"/>
+                    </a:lnT>
+                    <a:lnB w="12700" cap="flat" cmpd="sng" algn="ctr">
+                      <a:solidFill>
+                        <a:schemeClr val="tx1"/>
+                      </a:solidFill>
+                      <a:prstDash val="solid"/>
+                      <a:round/>
+                      <a:headEnd type="none" w="med" len="med"/>
+                      <a:tailEnd type="none" w="med" len="med"/>
+                    </a:lnB>
+                    <a:noFill/>
+                  </a:tcPr>
+                </a:tc>
+                <a:tc>
+                  <a:txBody>
+                    <a:bodyPr/>
+                    <a:lstStyle/>
+                    <a:p>
+                      <a:endParaRPr lang="zh-TW" altLang="en-US"/>
+                    </a:p>
+                  </a:txBody>
+                  <a:tcPr>
+                    <a:lnL w="12700" cap="flat" cmpd="sng" algn="ctr">
+                      <a:solidFill>
+                        <a:schemeClr val="tx1"/>
+                      </a:solidFill>
+                      <a:prstDash val="solid"/>
+                      <a:round/>
+                      <a:headEnd type="none" w="med" len="med"/>
+                      <a:tailEnd type="none" w="med" len="med"/>
+                    </a:lnL>
+                    <a:lnR w="12700" cap="flat" cmpd="sng" algn="ctr">
+                      <a:solidFill>
+                        <a:schemeClr val="tx1"/>
+                      </a:solidFill>
+                      <a:prstDash val="solid"/>
+                      <a:round/>
+                      <a:headEnd type="none" w="med" len="med"/>
+                      <a:tailEnd type="none" w="med" len="med"/>
+                    </a:lnR>
+                    <a:lnT w="12700" cap="flat" cmpd="sng" algn="ctr">
+                      <a:solidFill>
+                        <a:schemeClr val="tx1"/>
+                      </a:solidFill>
+                      <a:prstDash val="solid"/>
+                      <a:round/>
+                      <a:headEnd type="none" w="med" len="med"/>
+                      <a:tailEnd type="none" w="med" len="med"/>
+                    </a:lnT>
+                    <a:lnB w="12700" cap="flat" cmpd="sng" algn="ctr">
+                      <a:solidFill>
+                        <a:schemeClr val="tx1"/>
+                      </a:solidFill>
+                      <a:prstDash val="solid"/>
+                      <a:round/>
+                      <a:headEnd type="none" w="med" len="med"/>
+                      <a:tailEnd type="none" w="med" len="med"/>
+                    </a:lnB>
+                    <a:noFill/>
+                  </a:tcPr>
+                </a:tc>
+              </a:tr>
+              <a:tr h="714380">
+                <a:tc>
+                  <a:txBody>
+                    <a:bodyPr/>
+                    <a:lstStyle/>
+                    <a:p>
+                      <a:endParaRPr lang="zh-TW" altLang="en-US" dirty="0"/>
+                    </a:p>
+                  </a:txBody>
+                  <a:tcPr>
+                    <a:lnL w="12700" cap="flat" cmpd="sng" algn="ctr">
+                      <a:solidFill>
+                        <a:schemeClr val="tx1"/>
+                      </a:solidFill>
+                      <a:prstDash val="solid"/>
+                      <a:round/>
+                      <a:headEnd type="none" w="med" len="med"/>
+                      <a:tailEnd type="none" w="med" len="med"/>
+                    </a:lnL>
+                    <a:lnR w="12700" cap="flat" cmpd="sng" algn="ctr">
+                      <a:solidFill>
+                        <a:schemeClr val="tx1"/>
+                      </a:solidFill>
+                      <a:prstDash val="solid"/>
+                      <a:round/>
+                      <a:headEnd type="none" w="med" len="med"/>
+                      <a:tailEnd type="none" w="med" len="med"/>
+                    </a:lnR>
+                    <a:lnT w="12700" cap="flat" cmpd="sng" algn="ctr">
+                      <a:solidFill>
+                        <a:schemeClr val="tx1"/>
+                      </a:solidFill>
+                      <a:prstDash val="solid"/>
+                      <a:round/>
+                      <a:headEnd type="none" w="med" len="med"/>
+                      <a:tailEnd type="none" w="med" len="med"/>
+                    </a:lnT>
+                    <a:lnB w="12700" cap="flat" cmpd="sng" algn="ctr">
+                      <a:solidFill>
+                        <a:schemeClr val="tx1"/>
+                      </a:solidFill>
+                      <a:prstDash val="solid"/>
+                      <a:round/>
+                      <a:headEnd type="none" w="med" len="med"/>
+                      <a:tailEnd type="none" w="med" len="med"/>
+                    </a:lnB>
+                    <a:noFill/>
+                  </a:tcPr>
+                </a:tc>
+                <a:tc>
+                  <a:txBody>
+                    <a:bodyPr/>
+                    <a:lstStyle/>
+                    <a:p>
+                      <a:endParaRPr lang="zh-TW" altLang="en-US"/>
+                    </a:p>
+                  </a:txBody>
+                  <a:tcPr>
+                    <a:lnL w="12700" cap="flat" cmpd="sng" algn="ctr">
+                      <a:solidFill>
+                        <a:schemeClr val="tx1"/>
+                      </a:solidFill>
+                      <a:prstDash val="solid"/>
+                      <a:round/>
+                      <a:headEnd type="none" w="med" len="med"/>
+                      <a:tailEnd type="none" w="med" len="med"/>
+                    </a:lnL>
+                    <a:lnR w="12700" cap="flat" cmpd="sng" algn="ctr">
+                      <a:solidFill>
+                        <a:schemeClr val="tx1"/>
+                      </a:solidFill>
+                      <a:prstDash val="solid"/>
+                      <a:round/>
+                      <a:headEnd type="none" w="med" len="med"/>
+                      <a:tailEnd type="none" w="med" len="med"/>
+                    </a:lnR>
+                    <a:lnT w="12700" cap="flat" cmpd="sng" algn="ctr">
+                      <a:solidFill>
+                        <a:schemeClr val="tx1"/>
+                      </a:solidFill>
+                      <a:prstDash val="solid"/>
+                      <a:round/>
+                      <a:headEnd type="none" w="med" len="med"/>
+                      <a:tailEnd type="none" w="med" len="med"/>
+                    </a:lnT>
+                    <a:lnB w="12700" cap="flat" cmpd="sng" algn="ctr">
+                      <a:solidFill>
+                        <a:schemeClr val="tx1"/>
+                      </a:solidFill>
+                      <a:prstDash val="solid"/>
+                      <a:round/>
+                      <a:headEnd type="none" w="med" len="med"/>
+                      <a:tailEnd type="none" w="med" len="med"/>
+                    </a:lnB>
+                    <a:noFill/>
+                  </a:tcPr>
+                </a:tc>
+                <a:tc>
+                  <a:txBody>
+                    <a:bodyPr/>
+                    <a:lstStyle/>
+                    <a:p>
+                      <a:endParaRPr lang="zh-TW" altLang="en-US"/>
+                    </a:p>
+                  </a:txBody>
+                  <a:tcPr>
+                    <a:lnL w="12700" cap="flat" cmpd="sng" algn="ctr">
+                      <a:solidFill>
+                        <a:schemeClr val="tx1"/>
+                      </a:solidFill>
+                      <a:prstDash val="solid"/>
+                      <a:round/>
+                      <a:headEnd type="none" w="med" len="med"/>
+                      <a:tailEnd type="none" w="med" len="med"/>
+                    </a:lnL>
+                    <a:lnR w="12700" cap="flat" cmpd="sng" algn="ctr">
+                      <a:solidFill>
+                        <a:schemeClr val="tx1"/>
+                      </a:solidFill>
+                      <a:prstDash val="solid"/>
+                      <a:round/>
+                      <a:headEnd type="none" w="med" len="med"/>
+                      <a:tailEnd type="none" w="med" len="med"/>
+                    </a:lnR>
+                    <a:lnT w="12700" cap="flat" cmpd="sng" algn="ctr">
+                      <a:solidFill>
+                        <a:schemeClr val="tx1"/>
+                      </a:solidFill>
+                      <a:prstDash val="solid"/>
+                      <a:round/>
+                      <a:headEnd type="none" w="med" len="med"/>
+                      <a:tailEnd type="none" w="med" len="med"/>
+                    </a:lnT>
+                    <a:lnB w="12700" cap="flat" cmpd="sng" algn="ctr">
+                      <a:solidFill>
+                        <a:schemeClr val="tx1"/>
+                      </a:solidFill>
+                      <a:prstDash val="solid"/>
+                      <a:round/>
+                      <a:headEnd type="none" w="med" len="med"/>
+                      <a:tailEnd type="none" w="med" len="med"/>
+                    </a:lnB>
+                    <a:noFill/>
+                  </a:tcPr>
+                </a:tc>
+                <a:tc>
+                  <a:txBody>
+                    <a:bodyPr/>
+                    <a:lstStyle/>
+                    <a:p>
+                      <a:endParaRPr lang="zh-TW" altLang="en-US" dirty="0"/>
+                    </a:p>
+                  </a:txBody>
+                  <a:tcPr>
+                    <a:lnL w="12700" cap="flat" cmpd="sng" algn="ctr">
+                      <a:solidFill>
+                        <a:schemeClr val="tx1"/>
+                      </a:solidFill>
+                      <a:prstDash val="solid"/>
+                      <a:round/>
+                      <a:headEnd type="none" w="med" len="med"/>
+                      <a:tailEnd type="none" w="med" len="med"/>
+                    </a:lnL>
+                    <a:lnR w="12700" cap="flat" cmpd="sng" algn="ctr">
+                      <a:solidFill>
+                        <a:schemeClr val="tx1"/>
+                      </a:solidFill>
+                      <a:prstDash val="solid"/>
+                      <a:round/>
+                      <a:headEnd type="none" w="med" len="med"/>
+                      <a:tailEnd type="none" w="med" len="med"/>
+                    </a:lnR>
+                    <a:lnT w="12700" cap="flat" cmpd="sng" algn="ctr">
+                      <a:solidFill>
+                        <a:schemeClr val="tx1"/>
+                      </a:solidFill>
+                      <a:prstDash val="solid"/>
+                      <a:round/>
+                      <a:headEnd type="none" w="med" len="med"/>
+                      <a:tailEnd type="none" w="med" len="med"/>
+                    </a:lnT>
+                    <a:lnB w="12700" cap="flat" cmpd="sng" algn="ctr">
+                      <a:solidFill>
+                        <a:schemeClr val="tx1"/>
+                      </a:solidFill>
+                      <a:prstDash val="solid"/>
+                      <a:round/>
+                      <a:headEnd type="none" w="med" len="med"/>
+                      <a:tailEnd type="none" w="med" len="med"/>
+                    </a:lnB>
+                    <a:noFill/>
+                  </a:tcPr>
+                </a:tc>
+                <a:tc>
+                  <a:txBody>
+                    <a:bodyPr/>
+                    <a:lstStyle/>
+                    <a:p>
+                      <a:endParaRPr lang="zh-TW" altLang="en-US"/>
+                    </a:p>
+                  </a:txBody>
+                  <a:tcPr>
+                    <a:lnL w="12700" cap="flat" cmpd="sng" algn="ctr">
+                      <a:solidFill>
+                        <a:schemeClr val="tx1"/>
+                      </a:solidFill>
+                      <a:prstDash val="solid"/>
+                      <a:round/>
+                      <a:headEnd type="none" w="med" len="med"/>
+                      <a:tailEnd type="none" w="med" len="med"/>
+                    </a:lnL>
+                    <a:lnR w="12700" cap="flat" cmpd="sng" algn="ctr">
+                      <a:solidFill>
+                        <a:schemeClr val="tx1"/>
+                      </a:solidFill>
+                      <a:prstDash val="solid"/>
+                      <a:round/>
+                      <a:headEnd type="none" w="med" len="med"/>
+                      <a:tailEnd type="none" w="med" len="med"/>
+                    </a:lnR>
+                    <a:lnT w="12700" cap="flat" cmpd="sng" algn="ctr">
+                      <a:solidFill>
+                        <a:schemeClr val="tx1"/>
+                      </a:solidFill>
+                      <a:prstDash val="solid"/>
+                      <a:round/>
+                      <a:headEnd type="none" w="med" len="med"/>
+                      <a:tailEnd type="none" w="med" len="med"/>
+                    </a:lnT>
+                    <a:lnB w="12700" cap="flat" cmpd="sng" algn="ctr">
+                      <a:solidFill>
+                        <a:schemeClr val="tx1"/>
+                      </a:solidFill>
+                      <a:prstDash val="solid"/>
+                      <a:round/>
+                      <a:headEnd type="none" w="med" len="med"/>
+                      <a:tailEnd type="none" w="med" len="med"/>
+                    </a:lnB>
+                    <a:noFill/>
+                  </a:tcPr>
+                </a:tc>
+                <a:tc>
+                  <a:txBody>
+                    <a:bodyPr/>
+                    <a:lstStyle/>
+                    <a:p>
+                      <a:endParaRPr lang="zh-TW" altLang="en-US"/>
+                    </a:p>
+                  </a:txBody>
+                  <a:tcPr>
+                    <a:lnL w="12700" cap="flat" cmpd="sng" algn="ctr">
+                      <a:solidFill>
+                        <a:schemeClr val="tx1"/>
+                      </a:solidFill>
+                      <a:prstDash val="solid"/>
+                      <a:round/>
+                      <a:headEnd type="none" w="med" len="med"/>
+                      <a:tailEnd type="none" w="med" len="med"/>
+                    </a:lnL>
+                    <a:lnR w="12700" cap="flat" cmpd="sng" algn="ctr">
+                      <a:solidFill>
+                        <a:schemeClr val="tx1"/>
+                      </a:solidFill>
+                      <a:prstDash val="solid"/>
+                      <a:round/>
+                      <a:headEnd type="none" w="med" len="med"/>
+                      <a:tailEnd type="none" w="med" len="med"/>
+                    </a:lnR>
+                    <a:lnT w="12700" cap="flat" cmpd="sng" algn="ctr">
+                      <a:solidFill>
+                        <a:schemeClr val="tx1"/>
+                      </a:solidFill>
+                      <a:prstDash val="solid"/>
+                      <a:round/>
+                      <a:headEnd type="none" w="med" len="med"/>
+                      <a:tailEnd type="none" w="med" len="med"/>
+                    </a:lnT>
+                    <a:lnB w="12700" cap="flat" cmpd="sng" algn="ctr">
+                      <a:solidFill>
+                        <a:schemeClr val="tx1"/>
+                      </a:solidFill>
+                      <a:prstDash val="solid"/>
+                      <a:round/>
+                      <a:headEnd type="none" w="med" len="med"/>
+                      <a:tailEnd type="none" w="med" len="med"/>
+                    </a:lnB>
+                    <a:noFill/>
+                  </a:tcPr>
+                </a:tc>
+                <a:tc>
+                  <a:txBody>
+                    <a:bodyPr/>
+                    <a:lstStyle/>
+                    <a:p>
+                      <a:endParaRPr lang="zh-TW" altLang="en-US"/>
+                    </a:p>
+                  </a:txBody>
+                  <a:tcPr>
+                    <a:lnL w="12700" cap="flat" cmpd="sng" algn="ctr">
+                      <a:solidFill>
+                        <a:schemeClr val="tx1"/>
+                      </a:solidFill>
+                      <a:prstDash val="solid"/>
+                      <a:round/>
+                      <a:headEnd type="none" w="med" len="med"/>
+                      <a:tailEnd type="none" w="med" len="med"/>
+                    </a:lnL>
+                    <a:lnR w="12700" cap="flat" cmpd="sng" algn="ctr">
+                      <a:solidFill>
+                        <a:schemeClr val="tx1"/>
+                      </a:solidFill>
+                      <a:prstDash val="solid"/>
+                      <a:round/>
+                      <a:headEnd type="none" w="med" len="med"/>
+                      <a:tailEnd type="none" w="med" len="med"/>
+                    </a:lnR>
+                    <a:lnT w="12700" cap="flat" cmpd="sng" algn="ctr">
+                      <a:solidFill>
+                        <a:schemeClr val="tx1"/>
+                      </a:solidFill>
+                      <a:prstDash val="solid"/>
+                      <a:round/>
+                      <a:headEnd type="none" w="med" len="med"/>
+                      <a:tailEnd type="none" w="med" len="med"/>
+                    </a:lnT>
+                    <a:lnB w="12700" cap="flat" cmpd="sng" algn="ctr">
+                      <a:solidFill>
+                        <a:schemeClr val="tx1"/>
+                      </a:solidFill>
+                      <a:prstDash val="solid"/>
+                      <a:round/>
+                      <a:headEnd type="none" w="med" len="med"/>
+                      <a:tailEnd type="none" w="med" len="med"/>
+                    </a:lnB>
+                    <a:noFill/>
+                  </a:tcPr>
+                </a:tc>
+                <a:tc>
+                  <a:txBody>
+                    <a:bodyPr/>
+                    <a:lstStyle/>
+                    <a:p>
+                      <a:endParaRPr lang="zh-TW" altLang="en-US"/>
+                    </a:p>
+                  </a:txBody>
+                  <a:tcPr>
+                    <a:lnL w="12700" cap="flat" cmpd="sng" algn="ctr">
+                      <a:solidFill>
+                        <a:schemeClr val="tx1"/>
+                      </a:solidFill>
+                      <a:prstDash val="solid"/>
+                      <a:round/>
+                      <a:headEnd type="none" w="med" len="med"/>
+                      <a:tailEnd type="none" w="med" len="med"/>
+                    </a:lnL>
+                    <a:lnR w="12700" cap="flat" cmpd="sng" algn="ctr">
+                      <a:solidFill>
+                        <a:schemeClr val="tx1"/>
+                      </a:solidFill>
+                      <a:prstDash val="solid"/>
+                      <a:round/>
+                      <a:headEnd type="none" w="med" len="med"/>
+                      <a:tailEnd type="none" w="med" len="med"/>
+                    </a:lnR>
+                    <a:lnT w="12700" cap="flat" cmpd="sng" algn="ctr">
+                      <a:solidFill>
+                        <a:schemeClr val="tx1"/>
+                      </a:solidFill>
+                      <a:prstDash val="solid"/>
+                      <a:round/>
+                      <a:headEnd type="none" w="med" len="med"/>
+                      <a:tailEnd type="none" w="med" len="med"/>
+                    </a:lnT>
+                    <a:lnB w="12700" cap="flat" cmpd="sng" algn="ctr">
+                      <a:solidFill>
+                        <a:schemeClr val="tx1"/>
+                      </a:solidFill>
+                      <a:prstDash val="solid"/>
+                      <a:round/>
+                      <a:headEnd type="none" w="med" len="med"/>
+                      <a:tailEnd type="none" w="med" len="med"/>
+                    </a:lnB>
+                    <a:noFill/>
+                  </a:tcPr>
+                </a:tc>
+              </a:tr>
+              <a:tr h="714380">
+                <a:tc>
+                  <a:txBody>
+                    <a:bodyPr/>
+                    <a:lstStyle/>
+                    <a:p>
+                      <a:endParaRPr lang="zh-TW" altLang="en-US"/>
+                    </a:p>
+                  </a:txBody>
+                  <a:tcPr>
+                    <a:lnL w="12700" cap="flat" cmpd="sng" algn="ctr">
+                      <a:solidFill>
+                        <a:schemeClr val="tx1"/>
+                      </a:solidFill>
+                      <a:prstDash val="solid"/>
+                      <a:round/>
+                      <a:headEnd type="none" w="med" len="med"/>
+                      <a:tailEnd type="none" w="med" len="med"/>
+                    </a:lnL>
+                    <a:lnR w="12700" cap="flat" cmpd="sng" algn="ctr">
+                      <a:solidFill>
+                        <a:schemeClr val="tx1"/>
+                      </a:solidFill>
+                      <a:prstDash val="solid"/>
+                      <a:round/>
+                      <a:headEnd type="none" w="med" len="med"/>
+                      <a:tailEnd type="none" w="med" len="med"/>
+                    </a:lnR>
+                    <a:lnT w="12700" cap="flat" cmpd="sng" algn="ctr">
+                      <a:solidFill>
+                        <a:schemeClr val="tx1"/>
+                      </a:solidFill>
+                      <a:prstDash val="solid"/>
+                      <a:round/>
+                      <a:headEnd type="none" w="med" len="med"/>
+                      <a:tailEnd type="none" w="med" len="med"/>
+                    </a:lnT>
+                    <a:lnB w="12700" cap="flat" cmpd="sng" algn="ctr">
+                      <a:solidFill>
+                        <a:schemeClr val="tx1"/>
+                      </a:solidFill>
+                      <a:prstDash val="solid"/>
+                      <a:round/>
+                      <a:headEnd type="none" w="med" len="med"/>
+                      <a:tailEnd type="none" w="med" len="med"/>
+                    </a:lnB>
+                    <a:noFill/>
+                  </a:tcPr>
+                </a:tc>
+                <a:tc>
+                  <a:txBody>
+                    <a:bodyPr/>
+                    <a:lstStyle/>
+                    <a:p>
+                      <a:endParaRPr lang="zh-TW" altLang="en-US"/>
+                    </a:p>
+                  </a:txBody>
+                  <a:tcPr>
+                    <a:lnL w="12700" cap="flat" cmpd="sng" algn="ctr">
+                      <a:solidFill>
+                        <a:schemeClr val="tx1"/>
+                      </a:solidFill>
+                      <a:prstDash val="solid"/>
+                      <a:round/>
+                      <a:headEnd type="none" w="med" len="med"/>
+                      <a:tailEnd type="none" w="med" len="med"/>
+                    </a:lnL>
+                    <a:lnR w="12700" cap="flat" cmpd="sng" algn="ctr">
+                      <a:solidFill>
+                        <a:schemeClr val="tx1"/>
+                      </a:solidFill>
+                      <a:prstDash val="solid"/>
+                      <a:round/>
+                      <a:headEnd type="none" w="med" len="med"/>
+                      <a:tailEnd type="none" w="med" len="med"/>
+                    </a:lnR>
+                    <a:lnT w="12700" cap="flat" cmpd="sng" algn="ctr">
+                      <a:solidFill>
+                        <a:schemeClr val="tx1"/>
+                      </a:solidFill>
+                      <a:prstDash val="solid"/>
+                      <a:round/>
+                      <a:headEnd type="none" w="med" len="med"/>
+                      <a:tailEnd type="none" w="med" len="med"/>
+                    </a:lnT>
+                    <a:lnB w="12700" cap="flat" cmpd="sng" algn="ctr">
+                      <a:solidFill>
+                        <a:schemeClr val="tx1"/>
+                      </a:solidFill>
+                      <a:prstDash val="solid"/>
+                      <a:round/>
+                      <a:headEnd type="none" w="med" len="med"/>
+                      <a:tailEnd type="none" w="med" len="med"/>
+                    </a:lnB>
+                    <a:noFill/>
+                  </a:tcPr>
+                </a:tc>
+                <a:tc>
+                  <a:txBody>
+                    <a:bodyPr/>
+                    <a:lstStyle/>
+                    <a:p>
+                      <a:endParaRPr lang="zh-TW" altLang="en-US"/>
+                    </a:p>
+                  </a:txBody>
+                  <a:tcPr>
+                    <a:lnL w="12700" cap="flat" cmpd="sng" algn="ctr">
+                      <a:solidFill>
+                        <a:schemeClr val="tx1"/>
+                      </a:solidFill>
+                      <a:prstDash val="solid"/>
+                      <a:round/>
+                      <a:headEnd type="none" w="med" len="med"/>
+                      <a:tailEnd type="none" w="med" len="med"/>
+                    </a:lnL>
+                    <a:lnR w="12700" cap="flat" cmpd="sng" algn="ctr">
+                      <a:solidFill>
+                        <a:schemeClr val="tx1"/>
+                      </a:solidFill>
+                      <a:prstDash val="solid"/>
+                      <a:round/>
+                      <a:headEnd type="none" w="med" len="med"/>
+                      <a:tailEnd type="none" w="med" len="med"/>
+                    </a:lnR>
+                    <a:lnT w="12700" cap="flat" cmpd="sng" algn="ctr">
+                      <a:solidFill>
+                        <a:schemeClr val="tx1"/>
+                      </a:solidFill>
+                      <a:prstDash val="solid"/>
+                      <a:round/>
+                      <a:headEnd type="none" w="med" len="med"/>
+                      <a:tailEnd type="none" w="med" len="med"/>
+                    </a:lnT>
+                    <a:lnB w="12700" cap="flat" cmpd="sng" algn="ctr">
+                      <a:solidFill>
+                        <a:schemeClr val="tx1"/>
+                      </a:solidFill>
+                      <a:prstDash val="solid"/>
+                      <a:round/>
+                      <a:headEnd type="none" w="med" len="med"/>
+                      <a:tailEnd type="none" w="med" len="med"/>
+                    </a:lnB>
+                    <a:noFill/>
+                  </a:tcPr>
+                </a:tc>
+                <a:tc>
+                  <a:txBody>
+                    <a:bodyPr/>
+                    <a:lstStyle/>
+                    <a:p>
+                      <a:endParaRPr lang="zh-TW" altLang="en-US" dirty="0"/>
+                    </a:p>
+                  </a:txBody>
+                  <a:tcPr>
+                    <a:lnL w="12700" cap="flat" cmpd="sng" algn="ctr">
+                      <a:solidFill>
+                        <a:schemeClr val="tx1"/>
+                      </a:solidFill>
+                      <a:prstDash val="solid"/>
+                      <a:round/>
+                      <a:headEnd type="none" w="med" len="med"/>
+                      <a:tailEnd type="none" w="med" len="med"/>
+                    </a:lnL>
+                    <a:lnR w="12700" cap="flat" cmpd="sng" algn="ctr">
+                      <a:solidFill>
+                        <a:schemeClr val="tx1"/>
+                      </a:solidFill>
+                      <a:prstDash val="solid"/>
+                      <a:round/>
+                      <a:headEnd type="none" w="med" len="med"/>
+                      <a:tailEnd type="none" w="med" len="med"/>
+                    </a:lnR>
+                    <a:lnT w="12700" cap="flat" cmpd="sng" algn="ctr">
+                      <a:solidFill>
+                        <a:schemeClr val="tx1"/>
+                      </a:solidFill>
+                      <a:prstDash val="solid"/>
+                      <a:round/>
+                      <a:headEnd type="none" w="med" len="med"/>
+                      <a:tailEnd type="none" w="med" len="med"/>
+                    </a:lnT>
+                    <a:lnB w="12700" cap="flat" cmpd="sng" algn="ctr">
+                      <a:solidFill>
+                        <a:schemeClr val="tx1"/>
+                      </a:solidFill>
+                      <a:prstDash val="solid"/>
+                      <a:round/>
+                      <a:headEnd type="none" w="med" len="med"/>
+                      <a:tailEnd type="none" w="med" len="med"/>
+                    </a:lnB>
+                    <a:noFill/>
+                  </a:tcPr>
+                </a:tc>
+                <a:tc>
+                  <a:txBody>
+                    <a:bodyPr/>
+                    <a:lstStyle/>
+                    <a:p>
+                      <a:endParaRPr lang="zh-TW" altLang="en-US"/>
+                    </a:p>
+                  </a:txBody>
+                  <a:tcPr>
+                    <a:lnL w="12700" cap="flat" cmpd="sng" algn="ctr">
+                      <a:solidFill>
+                        <a:schemeClr val="tx1"/>
+                      </a:solidFill>
+                      <a:prstDash val="solid"/>
+                      <a:round/>
+                      <a:headEnd type="none" w="med" len="med"/>
+                      <a:tailEnd type="none" w="med" len="med"/>
+                    </a:lnL>
+                    <a:lnR w="12700" cap="flat" cmpd="sng" algn="ctr">
+                      <a:solidFill>
+                        <a:schemeClr val="tx1"/>
+                      </a:solidFill>
+                      <a:prstDash val="solid"/>
+                      <a:round/>
+                      <a:headEnd type="none" w="med" len="med"/>
+                      <a:tailEnd type="none" w="med" len="med"/>
+                    </a:lnR>
+                    <a:lnT w="12700" cap="flat" cmpd="sng" algn="ctr">
+                      <a:solidFill>
+                        <a:schemeClr val="tx1"/>
+                      </a:solidFill>
+                      <a:prstDash val="solid"/>
+                      <a:round/>
+                      <a:headEnd type="none" w="med" len="med"/>
+                      <a:tailEnd type="none" w="med" len="med"/>
+                    </a:lnT>
+                    <a:lnB w="12700" cap="flat" cmpd="sng" algn="ctr">
+                      <a:solidFill>
+                        <a:schemeClr val="tx1"/>
+                      </a:solidFill>
+                      <a:prstDash val="solid"/>
+                      <a:round/>
+                      <a:headEnd type="none" w="med" len="med"/>
+                      <a:tailEnd type="none" w="med" len="med"/>
+                    </a:lnB>
+                    <a:noFill/>
+                  </a:tcPr>
+                </a:tc>
+                <a:tc>
+                  <a:txBody>
+                    <a:bodyPr/>
+                    <a:lstStyle/>
+                    <a:p>
+                      <a:endParaRPr lang="zh-TW" altLang="en-US"/>
+                    </a:p>
+                  </a:txBody>
+                  <a:tcPr>
+                    <a:lnL w="12700" cap="flat" cmpd="sng" algn="ctr">
+                      <a:solidFill>
+                        <a:schemeClr val="tx1"/>
+                      </a:solidFill>
+                      <a:prstDash val="solid"/>
+                      <a:round/>
+                      <a:headEnd type="none" w="med" len="med"/>
+                      <a:tailEnd type="none" w="med" len="med"/>
+                    </a:lnL>
+                    <a:lnR w="12700" cap="flat" cmpd="sng" algn="ctr">
+                      <a:solidFill>
+                        <a:schemeClr val="tx1"/>
+                      </a:solidFill>
+                      <a:prstDash val="solid"/>
+                      <a:round/>
+                      <a:headEnd type="none" w="med" len="med"/>
+                      <a:tailEnd type="none" w="med" len="med"/>
+                    </a:lnR>
+                    <a:lnT w="12700" cap="flat" cmpd="sng" algn="ctr">
+                      <a:solidFill>
+                        <a:schemeClr val="tx1"/>
+                      </a:solidFill>
+                      <a:prstDash val="solid"/>
+                      <a:round/>
+                      <a:headEnd type="none" w="med" len="med"/>
+                      <a:tailEnd type="none" w="med" len="med"/>
+                    </a:lnT>
+                    <a:lnB w="12700" cap="flat" cmpd="sng" algn="ctr">
+                      <a:solidFill>
+                        <a:schemeClr val="tx1"/>
+                      </a:solidFill>
+                      <a:prstDash val="solid"/>
+                      <a:round/>
+                      <a:headEnd type="none" w="med" len="med"/>
+                      <a:tailEnd type="none" w="med" len="med"/>
+                    </a:lnB>
+                    <a:noFill/>
+                  </a:tcPr>
+                </a:tc>
+                <a:tc>
+                  <a:txBody>
+                    <a:bodyPr/>
+                    <a:lstStyle/>
+                    <a:p>
+                      <a:endParaRPr lang="zh-TW" altLang="en-US"/>
+                    </a:p>
+                  </a:txBody>
+                  <a:tcPr>
+                    <a:lnL w="12700" cap="flat" cmpd="sng" algn="ctr">
+                      <a:solidFill>
+                        <a:schemeClr val="tx1"/>
+                      </a:solidFill>
+                      <a:prstDash val="solid"/>
+                      <a:round/>
+                      <a:headEnd type="none" w="med" len="med"/>
+                      <a:tailEnd type="none" w="med" len="med"/>
+                    </a:lnL>
+                    <a:lnR w="12700" cap="flat" cmpd="sng" algn="ctr">
+                      <a:solidFill>
+                        <a:schemeClr val="tx1"/>
+                      </a:solidFill>
+                      <a:prstDash val="solid"/>
+                      <a:round/>
+                      <a:headEnd type="none" w="med" len="med"/>
+                      <a:tailEnd type="none" w="med" len="med"/>
+                    </a:lnR>
+                    <a:lnT w="12700" cap="flat" cmpd="sng" algn="ctr">
+                      <a:solidFill>
+                        <a:schemeClr val="tx1"/>
+                      </a:solidFill>
+                      <a:prstDash val="solid"/>
+                      <a:round/>
+                      <a:headEnd type="none" w="med" len="med"/>
+                      <a:tailEnd type="none" w="med" len="med"/>
+                    </a:lnT>
+                    <a:lnB w="12700" cap="flat" cmpd="sng" algn="ctr">
+                      <a:solidFill>
+                        <a:schemeClr val="tx1"/>
+                      </a:solidFill>
+                      <a:prstDash val="solid"/>
+                      <a:round/>
+                      <a:headEnd type="none" w="med" len="med"/>
+                      <a:tailEnd type="none" w="med" len="med"/>
+                    </a:lnB>
+                    <a:noFill/>
+                  </a:tcPr>
+                </a:tc>
+                <a:tc>
+                  <a:txBody>
+                    <a:bodyPr/>
+                    <a:lstStyle/>
+                    <a:p>
+                      <a:endParaRPr lang="zh-TW" altLang="en-US"/>
+                    </a:p>
+                  </a:txBody>
+                  <a:tcPr>
+                    <a:lnL w="12700" cap="flat" cmpd="sng" algn="ctr">
+                      <a:solidFill>
+                        <a:schemeClr val="tx1"/>
+                      </a:solidFill>
+                      <a:prstDash val="solid"/>
+                      <a:round/>
+                      <a:headEnd type="none" w="med" len="med"/>
+                      <a:tailEnd type="none" w="med" len="med"/>
+                    </a:lnL>
+                    <a:lnR w="12700" cap="flat" cmpd="sng" algn="ctr">
+                      <a:solidFill>
+                        <a:schemeClr val="tx1"/>
+                      </a:solidFill>
+                      <a:prstDash val="solid"/>
+                      <a:round/>
+                      <a:headEnd type="none" w="med" len="med"/>
+                      <a:tailEnd type="none" w="med" len="med"/>
+                    </a:lnR>
+                    <a:lnT w="12700" cap="flat" cmpd="sng" algn="ctr">
+                      <a:solidFill>
+                        <a:schemeClr val="tx1"/>
+                      </a:solidFill>
+                      <a:prstDash val="solid"/>
+                      <a:round/>
+                      <a:headEnd type="none" w="med" len="med"/>
+                      <a:tailEnd type="none" w="med" len="med"/>
+                    </a:lnT>
+                    <a:lnB w="12700" cap="flat" cmpd="sng" algn="ctr">
+                      <a:solidFill>
+                        <a:schemeClr val="tx1"/>
+                      </a:solidFill>
+                      <a:prstDash val="solid"/>
+                      <a:round/>
+                      <a:headEnd type="none" w="med" len="med"/>
+                      <a:tailEnd type="none" w="med" len="med"/>
+                    </a:lnB>
+                    <a:noFill/>
+                  </a:tcPr>
+                </a:tc>
+              </a:tr>
+              <a:tr h="714380">
+                <a:tc>
+                  <a:txBody>
+                    <a:bodyPr/>
+                    <a:lstStyle/>
+                    <a:p>
+                      <a:endParaRPr lang="zh-TW" altLang="en-US"/>
+                    </a:p>
+                  </a:txBody>
+                  <a:tcPr>
+                    <a:lnL w="12700" cap="flat" cmpd="sng" algn="ctr">
+                      <a:solidFill>
+                        <a:schemeClr val="tx1"/>
+                      </a:solidFill>
+                      <a:prstDash val="solid"/>
+                      <a:round/>
+                      <a:headEnd type="none" w="med" len="med"/>
+                      <a:tailEnd type="none" w="med" len="med"/>
+                    </a:lnL>
+                    <a:lnR w="12700" cap="flat" cmpd="sng" algn="ctr">
+                      <a:solidFill>
+                        <a:schemeClr val="tx1"/>
+                      </a:solidFill>
+                      <a:prstDash val="solid"/>
+                      <a:round/>
+                      <a:headEnd type="none" w="med" len="med"/>
+                      <a:tailEnd type="none" w="med" len="med"/>
+                    </a:lnR>
+                    <a:lnT w="12700" cap="flat" cmpd="sng" algn="ctr">
+                      <a:solidFill>
+                        <a:schemeClr val="tx1"/>
+                      </a:solidFill>
+                      <a:prstDash val="solid"/>
+                      <a:round/>
+                      <a:headEnd type="none" w="med" len="med"/>
+                      <a:tailEnd type="none" w="med" len="med"/>
+                    </a:lnT>
+                    <a:lnB w="12700" cap="flat" cmpd="sng" algn="ctr">
+                      <a:solidFill>
+                        <a:schemeClr val="tx1"/>
+                      </a:solidFill>
+                      <a:prstDash val="solid"/>
+                      <a:round/>
+                      <a:headEnd type="none" w="med" len="med"/>
+                      <a:tailEnd type="none" w="med" len="med"/>
+                    </a:lnB>
+                    <a:noFill/>
+                  </a:tcPr>
+                </a:tc>
+                <a:tc>
+                  <a:txBody>
+                    <a:bodyPr/>
+                    <a:lstStyle/>
+                    <a:p>
+                      <a:endParaRPr lang="zh-TW" altLang="en-US"/>
+                    </a:p>
+                  </a:txBody>
+                  <a:tcPr>
+                    <a:lnL w="12700" cap="flat" cmpd="sng" algn="ctr">
+                      <a:solidFill>
+                        <a:schemeClr val="tx1"/>
+                      </a:solidFill>
+                      <a:prstDash val="solid"/>
+                      <a:round/>
+                      <a:headEnd type="none" w="med" len="med"/>
+                      <a:tailEnd type="none" w="med" len="med"/>
+                    </a:lnL>
+                    <a:lnR w="12700" cap="flat" cmpd="sng" algn="ctr">
+                      <a:solidFill>
+                        <a:schemeClr val="tx1"/>
+                      </a:solidFill>
+                      <a:prstDash val="solid"/>
+                      <a:round/>
+                      <a:headEnd type="none" w="med" len="med"/>
+                      <a:tailEnd type="none" w="med" len="med"/>
+                    </a:lnR>
+                    <a:lnT w="12700" cap="flat" cmpd="sng" algn="ctr">
+                      <a:solidFill>
+                        <a:schemeClr val="tx1"/>
+                      </a:solidFill>
+                      <a:prstDash val="solid"/>
+                      <a:round/>
+                      <a:headEnd type="none" w="med" len="med"/>
+                      <a:tailEnd type="none" w="med" len="med"/>
+                    </a:lnT>
+                    <a:lnB w="12700" cap="flat" cmpd="sng" algn="ctr">
+                      <a:solidFill>
+                        <a:schemeClr val="tx1"/>
+                      </a:solidFill>
+                      <a:prstDash val="solid"/>
+                      <a:round/>
+                      <a:headEnd type="none" w="med" len="med"/>
+                      <a:tailEnd type="none" w="med" len="med"/>
+                    </a:lnB>
+                    <a:noFill/>
+                  </a:tcPr>
+                </a:tc>
+                <a:tc>
+                  <a:txBody>
+                    <a:bodyPr/>
+                    <a:lstStyle/>
+                    <a:p>
+                      <a:endParaRPr lang="zh-TW" altLang="en-US"/>
+                    </a:p>
+                  </a:txBody>
+                  <a:tcPr>
+                    <a:lnL w="12700" cap="flat" cmpd="sng" algn="ctr">
+                      <a:solidFill>
+                        <a:schemeClr val="tx1"/>
+                      </a:solidFill>
+                      <a:prstDash val="solid"/>
+                      <a:round/>
+                      <a:headEnd type="none" w="med" len="med"/>
+                      <a:tailEnd type="none" w="med" len="med"/>
+                    </a:lnL>
+                    <a:lnR w="12700" cap="flat" cmpd="sng" algn="ctr">
+                      <a:solidFill>
+                        <a:schemeClr val="tx1"/>
+                      </a:solidFill>
+                      <a:prstDash val="solid"/>
+                      <a:round/>
+                      <a:headEnd type="none" w="med" len="med"/>
+                      <a:tailEnd type="none" w="med" len="med"/>
+                    </a:lnR>
+                    <a:lnT w="12700" cap="flat" cmpd="sng" algn="ctr">
+                      <a:solidFill>
+                        <a:schemeClr val="tx1"/>
+                      </a:solidFill>
+                      <a:prstDash val="solid"/>
+                      <a:round/>
+                      <a:headEnd type="none" w="med" len="med"/>
+                      <a:tailEnd type="none" w="med" len="med"/>
+                    </a:lnT>
+                    <a:lnB w="12700" cap="flat" cmpd="sng" algn="ctr">
+                      <a:solidFill>
+                        <a:schemeClr val="tx1"/>
+                      </a:solidFill>
+                      <a:prstDash val="solid"/>
+                      <a:round/>
+                      <a:headEnd type="none" w="med" len="med"/>
+                      <a:tailEnd type="none" w="med" len="med"/>
+                    </a:lnB>
+                    <a:noFill/>
+                  </a:tcPr>
+                </a:tc>
+                <a:tc>
+                  <a:txBody>
+                    <a:bodyPr/>
+                    <a:lstStyle/>
+                    <a:p>
+                      <a:endParaRPr lang="zh-TW" altLang="en-US"/>
+                    </a:p>
+                  </a:txBody>
+                  <a:tcPr>
+                    <a:lnL w="12700" cap="flat" cmpd="sng" algn="ctr">
+                      <a:solidFill>
+                        <a:schemeClr val="tx1"/>
+                      </a:solidFill>
+                      <a:prstDash val="solid"/>
+                      <a:round/>
+                      <a:headEnd type="none" w="med" len="med"/>
+                      <a:tailEnd type="none" w="med" len="med"/>
+                    </a:lnL>
+                    <a:lnR w="12700" cap="flat" cmpd="sng" algn="ctr">
+                      <a:solidFill>
+                        <a:schemeClr val="tx1"/>
+                      </a:solidFill>
+                      <a:prstDash val="solid"/>
+                      <a:round/>
+                      <a:headEnd type="none" w="med" len="med"/>
+                      <a:tailEnd type="none" w="med" len="med"/>
+                    </a:lnR>
+                    <a:lnT w="12700" cap="flat" cmpd="sng" algn="ctr">
+                      <a:solidFill>
+                        <a:schemeClr val="tx1"/>
+                      </a:solidFill>
+                      <a:prstDash val="solid"/>
+                      <a:round/>
+                      <a:headEnd type="none" w="med" len="med"/>
+                      <a:tailEnd type="none" w="med" len="med"/>
+                    </a:lnT>
+                    <a:lnB w="12700" cap="flat" cmpd="sng" algn="ctr">
+                      <a:solidFill>
+                        <a:schemeClr val="tx1"/>
+                      </a:solidFill>
+                      <a:prstDash val="solid"/>
+                      <a:round/>
+                      <a:headEnd type="none" w="med" len="med"/>
+                      <a:tailEnd type="none" w="med" len="med"/>
+                    </a:lnB>
+                    <a:noFill/>
+                  </a:tcPr>
+                </a:tc>
+                <a:tc>
+                  <a:txBody>
+                    <a:bodyPr/>
+                    <a:lstStyle/>
+                    <a:p>
+                      <a:endParaRPr lang="zh-TW" altLang="en-US"/>
+                    </a:p>
+                  </a:txBody>
+                  <a:tcPr>
+                    <a:lnL w="12700" cap="flat" cmpd="sng" algn="ctr">
+                      <a:solidFill>
+                        <a:schemeClr val="tx1"/>
+                      </a:solidFill>
+                      <a:prstDash val="solid"/>
+                      <a:round/>
+                      <a:headEnd type="none" w="med" len="med"/>
+                      <a:tailEnd type="none" w="med" len="med"/>
+                    </a:lnL>
+                    <a:lnR w="12700" cap="flat" cmpd="sng" algn="ctr">
+                      <a:solidFill>
+                        <a:schemeClr val="tx1"/>
+                      </a:solidFill>
+                      <a:prstDash val="solid"/>
+                      <a:round/>
+                      <a:headEnd type="none" w="med" len="med"/>
+                      <a:tailEnd type="none" w="med" len="med"/>
+                    </a:lnR>
+                    <a:lnT w="12700" cap="flat" cmpd="sng" algn="ctr">
+                      <a:solidFill>
+                        <a:schemeClr val="tx1"/>
+                      </a:solidFill>
+                      <a:prstDash val="solid"/>
+                      <a:round/>
+                      <a:headEnd type="none" w="med" len="med"/>
+                      <a:tailEnd type="none" w="med" len="med"/>
+                    </a:lnT>
+                    <a:lnB w="12700" cap="flat" cmpd="sng" algn="ctr">
+                      <a:solidFill>
+                        <a:schemeClr val="tx1"/>
+                      </a:solidFill>
+                      <a:prstDash val="solid"/>
+                      <a:round/>
+                      <a:headEnd type="none" w="med" len="med"/>
+                      <a:tailEnd type="none" w="med" len="med"/>
+                    </a:lnB>
+                    <a:noFill/>
+                  </a:tcPr>
+                </a:tc>
+                <a:tc>
+                  <a:txBody>
+                    <a:bodyPr/>
+                    <a:lstStyle/>
+                    <a:p>
+                      <a:endParaRPr lang="zh-TW" altLang="en-US"/>
+                    </a:p>
+                  </a:txBody>
+                  <a:tcPr>
+                    <a:lnL w="12700" cap="flat" cmpd="sng" algn="ctr">
+                      <a:solidFill>
+                        <a:schemeClr val="tx1"/>
+                      </a:solidFill>
+                      <a:prstDash val="solid"/>
+                      <a:round/>
+                      <a:headEnd type="none" w="med" len="med"/>
+                      <a:tailEnd type="none" w="med" len="med"/>
+                    </a:lnL>
+                    <a:lnR w="12700" cap="flat" cmpd="sng" algn="ctr">
+                      <a:solidFill>
+                        <a:schemeClr val="tx1"/>
+                      </a:solidFill>
+                      <a:prstDash val="solid"/>
+                      <a:round/>
+                      <a:headEnd type="none" w="med" len="med"/>
+                      <a:tailEnd type="none" w="med" len="med"/>
+                    </a:lnR>
+                    <a:lnT w="12700" cap="flat" cmpd="sng" algn="ctr">
+                      <a:solidFill>
+                        <a:schemeClr val="tx1"/>
+                      </a:solidFill>
+                      <a:prstDash val="solid"/>
+                      <a:round/>
+                      <a:headEnd type="none" w="med" len="med"/>
+                      <a:tailEnd type="none" w="med" len="med"/>
+                    </a:lnT>
+                    <a:lnB w="12700" cap="flat" cmpd="sng" algn="ctr">
+                      <a:solidFill>
+                        <a:schemeClr val="tx1"/>
+                      </a:solidFill>
+                      <a:prstDash val="solid"/>
+                      <a:round/>
+                      <a:headEnd type="none" w="med" len="med"/>
+                      <a:tailEnd type="none" w="med" len="med"/>
+                    </a:lnB>
+                    <a:noFill/>
+                  </a:tcPr>
+                </a:tc>
+                <a:tc>
+                  <a:txBody>
+                    <a:bodyPr/>
+                    <a:lstStyle/>
+                    <a:p>
+                      <a:endParaRPr lang="zh-TW" altLang="en-US"/>
+                    </a:p>
+                  </a:txBody>
+                  <a:tcPr>
+                    <a:lnL w="12700" cap="flat" cmpd="sng" algn="ctr">
+                      <a:solidFill>
+                        <a:schemeClr val="tx1"/>
+                      </a:solidFill>
+                      <a:prstDash val="solid"/>
+                      <a:round/>
+                      <a:headEnd type="none" w="med" len="med"/>
+                      <a:tailEnd type="none" w="med" len="med"/>
+                    </a:lnL>
+                    <a:lnR w="12700" cap="flat" cmpd="sng" algn="ctr">
+                      <a:solidFill>
+                        <a:schemeClr val="tx1"/>
+                      </a:solidFill>
+                      <a:prstDash val="solid"/>
+                      <a:round/>
+                      <a:headEnd type="none" w="med" len="med"/>
+                      <a:tailEnd type="none" w="med" len="med"/>
+                    </a:lnR>
+                    <a:lnT w="12700" cap="flat" cmpd="sng" algn="ctr">
+                      <a:solidFill>
+                        <a:schemeClr val="tx1"/>
+                      </a:solidFill>
+                      <a:prstDash val="solid"/>
+                      <a:round/>
+                      <a:headEnd type="none" w="med" len="med"/>
+                      <a:tailEnd type="none" w="med" len="med"/>
+                    </a:lnT>
+                    <a:lnB w="12700" cap="flat" cmpd="sng" algn="ctr">
+                      <a:solidFill>
+                        <a:schemeClr val="tx1"/>
+                      </a:solidFill>
+                      <a:prstDash val="solid"/>
+                      <a:round/>
+                      <a:headEnd type="none" w="med" len="med"/>
+                      <a:tailEnd type="none" w="med" len="med"/>
+                    </a:lnB>
+                    <a:noFill/>
+                  </a:tcPr>
+                </a:tc>
+                <a:tc>
+                  <a:txBody>
+                    <a:bodyPr/>
+                    <a:lstStyle/>
+                    <a:p>
+                      <a:endParaRPr lang="zh-TW" altLang="en-US"/>
+                    </a:p>
+                  </a:txBody>
+                  <a:tcPr>
+                    <a:lnL w="12700" cap="flat" cmpd="sng" algn="ctr">
+                      <a:solidFill>
+                        <a:schemeClr val="tx1"/>
+                      </a:solidFill>
+                      <a:prstDash val="solid"/>
+                      <a:round/>
+                      <a:headEnd type="none" w="med" len="med"/>
+                      <a:tailEnd type="none" w="med" len="med"/>
+                    </a:lnL>
+                    <a:lnR w="12700" cap="flat" cmpd="sng" algn="ctr">
+                      <a:solidFill>
+                        <a:schemeClr val="tx1"/>
+                      </a:solidFill>
+                      <a:prstDash val="solid"/>
+                      <a:round/>
+                      <a:headEnd type="none" w="med" len="med"/>
+                      <a:tailEnd type="none" w="med" len="med"/>
+                    </a:lnR>
+                    <a:lnT w="12700" cap="flat" cmpd="sng" algn="ctr">
+                      <a:solidFill>
+                        <a:schemeClr val="tx1"/>
+                      </a:solidFill>
+                      <a:prstDash val="solid"/>
+                      <a:round/>
+                      <a:headEnd type="none" w="med" len="med"/>
+                      <a:tailEnd type="none" w="med" len="med"/>
+                    </a:lnT>
+                    <a:lnB w="12700" cap="flat" cmpd="sng" algn="ctr">
+                      <a:solidFill>
+                        <a:schemeClr val="tx1"/>
+                      </a:solidFill>
+                      <a:prstDash val="solid"/>
+                      <a:round/>
+                      <a:headEnd type="none" w="med" len="med"/>
+                      <a:tailEnd type="none" w="med" len="med"/>
+                    </a:lnB>
+                    <a:noFill/>
+                  </a:tcPr>
+                </a:tc>
+              </a:tr>
+              <a:tr h="714380">
+                <a:tc>
+                  <a:txBody>
+                    <a:bodyPr/>
+                    <a:lstStyle/>
+                    <a:p>
+                      <a:endParaRPr lang="zh-TW" altLang="en-US"/>
+                    </a:p>
+                  </a:txBody>
+                  <a:tcPr>
+                    <a:lnL w="12700" cap="flat" cmpd="sng" algn="ctr">
+                      <a:solidFill>
+                        <a:schemeClr val="tx1"/>
+                      </a:solidFill>
+                      <a:prstDash val="solid"/>
+                      <a:round/>
+                      <a:headEnd type="none" w="med" len="med"/>
+                      <a:tailEnd type="none" w="med" len="med"/>
+                    </a:lnL>
+                    <a:lnR w="12700" cap="flat" cmpd="sng" algn="ctr">
+                      <a:solidFill>
+                        <a:schemeClr val="tx1"/>
+                      </a:solidFill>
+                      <a:prstDash val="solid"/>
+                      <a:round/>
+                      <a:headEnd type="none" w="med" len="med"/>
+                      <a:tailEnd type="none" w="med" len="med"/>
+                    </a:lnR>
+                    <a:lnT w="12700" cap="flat" cmpd="sng" algn="ctr">
+                      <a:solidFill>
+                        <a:schemeClr val="tx1"/>
+                      </a:solidFill>
+                      <a:prstDash val="solid"/>
+                      <a:round/>
+                      <a:headEnd type="none" w="med" len="med"/>
+                      <a:tailEnd type="none" w="med" len="med"/>
+                    </a:lnT>
+                    <a:lnB w="12700" cap="flat" cmpd="sng" algn="ctr">
+                      <a:solidFill>
+                        <a:schemeClr val="tx1"/>
+                      </a:solidFill>
+                      <a:prstDash val="solid"/>
+                      <a:round/>
+                      <a:headEnd type="none" w="med" len="med"/>
+                      <a:tailEnd type="none" w="med" len="med"/>
+                    </a:lnB>
+                    <a:noFill/>
+                  </a:tcPr>
+                </a:tc>
+                <a:tc>
+                  <a:txBody>
+                    <a:bodyPr/>
+                    <a:lstStyle/>
+                    <a:p>
+                      <a:endParaRPr lang="zh-TW" altLang="en-US"/>
+                    </a:p>
+                  </a:txBody>
+                  <a:tcPr>
+                    <a:lnL w="12700" cap="flat" cmpd="sng" algn="ctr">
+                      <a:solidFill>
+                        <a:schemeClr val="tx1"/>
+                      </a:solidFill>
+                      <a:prstDash val="solid"/>
+                      <a:round/>
+                      <a:headEnd type="none" w="med" len="med"/>
+                      <a:tailEnd type="none" w="med" len="med"/>
+                    </a:lnL>
+                    <a:lnR w="12700" cap="flat" cmpd="sng" algn="ctr">
+                      <a:solidFill>
+                        <a:schemeClr val="tx1"/>
+                      </a:solidFill>
+                      <a:prstDash val="solid"/>
+                      <a:round/>
+                      <a:headEnd type="none" w="med" len="med"/>
+                      <a:tailEnd type="none" w="med" len="med"/>
+                    </a:lnR>
+                    <a:lnT w="12700" cap="flat" cmpd="sng" algn="ctr">
+                      <a:solidFill>
+                        <a:schemeClr val="tx1"/>
+                      </a:solidFill>
+                      <a:prstDash val="solid"/>
+                      <a:round/>
+                      <a:headEnd type="none" w="med" len="med"/>
+                      <a:tailEnd type="none" w="med" len="med"/>
+                    </a:lnT>
+                    <a:lnB w="12700" cap="flat" cmpd="sng" algn="ctr">
+                      <a:solidFill>
+                        <a:schemeClr val="tx1"/>
+                      </a:solidFill>
+                      <a:prstDash val="solid"/>
+                      <a:round/>
+                      <a:headEnd type="none" w="med" len="med"/>
+                      <a:tailEnd type="none" w="med" len="med"/>
+                    </a:lnB>
+                    <a:noFill/>
+                  </a:tcPr>
+                </a:tc>
+                <a:tc>
+                  <a:txBody>
+                    <a:bodyPr/>
+                    <a:lstStyle/>
+                    <a:p>
+                      <a:endParaRPr lang="zh-TW" altLang="en-US"/>
+                    </a:p>
+                  </a:txBody>
+                  <a:tcPr>
+                    <a:lnL w="12700" cap="flat" cmpd="sng" algn="ctr">
+                      <a:solidFill>
+                        <a:schemeClr val="tx1"/>
+                      </a:solidFill>
+                      <a:prstDash val="solid"/>
+                      <a:round/>
+                      <a:headEnd type="none" w="med" len="med"/>
+                      <a:tailEnd type="none" w="med" len="med"/>
+                    </a:lnL>
+                    <a:lnR w="12700" cap="flat" cmpd="sng" algn="ctr">
+                      <a:solidFill>
+                        <a:schemeClr val="tx1"/>
+                      </a:solidFill>
+                      <a:prstDash val="solid"/>
+                      <a:round/>
+                      <a:headEnd type="none" w="med" len="med"/>
+                      <a:tailEnd type="none" w="med" len="med"/>
+                    </a:lnR>
+                    <a:lnT w="12700" cap="flat" cmpd="sng" algn="ctr">
+                      <a:solidFill>
+                        <a:schemeClr val="tx1"/>
+                      </a:solidFill>
+                      <a:prstDash val="solid"/>
+                      <a:round/>
+                      <a:headEnd type="none" w="med" len="med"/>
+                      <a:tailEnd type="none" w="med" len="med"/>
+                    </a:lnT>
+                    <a:lnB w="12700" cap="flat" cmpd="sng" algn="ctr">
+                      <a:solidFill>
+                        <a:schemeClr val="tx1"/>
+                      </a:solidFill>
+                      <a:prstDash val="solid"/>
+                      <a:round/>
+                      <a:headEnd type="none" w="med" len="med"/>
+                      <a:tailEnd type="none" w="med" len="med"/>
+                    </a:lnB>
+                    <a:noFill/>
+                  </a:tcPr>
+                </a:tc>
+                <a:tc>
+                  <a:txBody>
+                    <a:bodyPr/>
+                    <a:lstStyle/>
+                    <a:p>
+                      <a:endParaRPr lang="zh-TW" altLang="en-US"/>
+                    </a:p>
+                  </a:txBody>
+                  <a:tcPr>
+                    <a:lnL w="12700" cap="flat" cmpd="sng" algn="ctr">
+                      <a:solidFill>
+                        <a:schemeClr val="tx1"/>
+                      </a:solidFill>
+                      <a:prstDash val="solid"/>
+                      <a:round/>
+                      <a:headEnd type="none" w="med" len="med"/>
+                      <a:tailEnd type="none" w="med" len="med"/>
+                    </a:lnL>
+                    <a:lnR w="12700" cap="flat" cmpd="sng" algn="ctr">
+                      <a:solidFill>
+                        <a:schemeClr val="tx1"/>
+                      </a:solidFill>
+                      <a:prstDash val="solid"/>
+                      <a:round/>
+                      <a:headEnd type="none" w="med" len="med"/>
+                      <a:tailEnd type="none" w="med" len="med"/>
+                    </a:lnR>
+                    <a:lnT w="12700" cap="flat" cmpd="sng" algn="ctr">
+                      <a:solidFill>
+                        <a:schemeClr val="tx1"/>
+                      </a:solidFill>
+                      <a:prstDash val="solid"/>
+                      <a:round/>
+                      <a:headEnd type="none" w="med" len="med"/>
+                      <a:tailEnd type="none" w="med" len="med"/>
+                    </a:lnT>
+                    <a:lnB w="12700" cap="flat" cmpd="sng" algn="ctr">
+                      <a:solidFill>
+                        <a:schemeClr val="tx1"/>
+                      </a:solidFill>
+                      <a:prstDash val="solid"/>
+                      <a:round/>
+                      <a:headEnd type="none" w="med" len="med"/>
+                      <a:tailEnd type="none" w="med" len="med"/>
+                    </a:lnB>
+                    <a:noFill/>
+                  </a:tcPr>
+                </a:tc>
+                <a:tc>
+                  <a:txBody>
+                    <a:bodyPr/>
+                    <a:lstStyle/>
+                    <a:p>
+                      <a:endParaRPr lang="zh-TW" altLang="en-US"/>
+                    </a:p>
+                  </a:txBody>
+                  <a:tcPr>
+                    <a:lnL w="12700" cap="flat" cmpd="sng" algn="ctr">
+                      <a:solidFill>
+                        <a:schemeClr val="tx1"/>
+                      </a:solidFill>
+                      <a:prstDash val="solid"/>
+                      <a:round/>
+                      <a:headEnd type="none" w="med" len="med"/>
+                      <a:tailEnd type="none" w="med" len="med"/>
+                    </a:lnL>
+                    <a:lnR w="12700" cap="flat" cmpd="sng" algn="ctr">
+                      <a:solidFill>
+                        <a:schemeClr val="tx1"/>
+                      </a:solidFill>
+                      <a:prstDash val="solid"/>
+                      <a:round/>
+                      <a:headEnd type="none" w="med" len="med"/>
+                      <a:tailEnd type="none" w="med" len="med"/>
+                    </a:lnR>
+                    <a:lnT w="12700" cap="flat" cmpd="sng" algn="ctr">
+                      <a:solidFill>
+                        <a:schemeClr val="tx1"/>
+                      </a:solidFill>
+                      <a:prstDash val="solid"/>
+                      <a:round/>
+                      <a:headEnd type="none" w="med" len="med"/>
+                      <a:tailEnd type="none" w="med" len="med"/>
+                    </a:lnT>
+                    <a:lnB w="12700" cap="flat" cmpd="sng" algn="ctr">
+                      <a:solidFill>
+                        <a:schemeClr val="tx1"/>
+                      </a:solidFill>
+                      <a:prstDash val="solid"/>
+                      <a:round/>
+                      <a:headEnd type="none" w="med" len="med"/>
+                      <a:tailEnd type="none" w="med" len="med"/>
+                    </a:lnB>
+                    <a:noFill/>
+                  </a:tcPr>
+                </a:tc>
+                <a:tc>
+                  <a:txBody>
+                    <a:bodyPr/>
+                    <a:lstStyle/>
+                    <a:p>
+                      <a:endParaRPr lang="zh-TW" altLang="en-US"/>
+                    </a:p>
+                  </a:txBody>
+                  <a:tcPr>
+                    <a:lnL w="12700" cap="flat" cmpd="sng" algn="ctr">
+                      <a:solidFill>
+                        <a:schemeClr val="tx1"/>
+                      </a:solidFill>
+                      <a:prstDash val="solid"/>
+                      <a:round/>
+                      <a:headEnd type="none" w="med" len="med"/>
+                      <a:tailEnd type="none" w="med" len="med"/>
+                    </a:lnL>
+                    <a:lnR w="12700" cap="flat" cmpd="sng" algn="ctr">
+                      <a:solidFill>
+                        <a:schemeClr val="tx1"/>
+                      </a:solidFill>
+                      <a:prstDash val="solid"/>
+                      <a:round/>
+                      <a:headEnd type="none" w="med" len="med"/>
+                      <a:tailEnd type="none" w="med" len="med"/>
+                    </a:lnR>
+                    <a:lnT w="12700" cap="flat" cmpd="sng" algn="ctr">
+                      <a:solidFill>
+                        <a:schemeClr val="tx1"/>
+                      </a:solidFill>
+                      <a:prstDash val="solid"/>
+                      <a:round/>
+                      <a:headEnd type="none" w="med" len="med"/>
+                      <a:tailEnd type="none" w="med" len="med"/>
+                    </a:lnT>
+                    <a:lnB w="12700" cap="flat" cmpd="sng" algn="ctr">
+                      <a:solidFill>
+                        <a:schemeClr val="tx1"/>
+                      </a:solidFill>
+                      <a:prstDash val="solid"/>
+                      <a:round/>
+                      <a:headEnd type="none" w="med" len="med"/>
+                      <a:tailEnd type="none" w="med" len="med"/>
+                    </a:lnB>
+                    <a:noFill/>
+                  </a:tcPr>
+                </a:tc>
+                <a:tc>
+                  <a:txBody>
+                    <a:bodyPr/>
+                    <a:lstStyle/>
+                    <a:p>
+                      <a:endParaRPr lang="zh-TW" altLang="en-US"/>
+                    </a:p>
+                  </a:txBody>
+                  <a:tcPr>
+                    <a:lnL w="12700" cap="flat" cmpd="sng" algn="ctr">
+                      <a:solidFill>
+                        <a:schemeClr val="tx1"/>
+                      </a:solidFill>
+                      <a:prstDash val="solid"/>
+                      <a:round/>
+                      <a:headEnd type="none" w="med" len="med"/>
+                      <a:tailEnd type="none" w="med" len="med"/>
+                    </a:lnL>
+                    <a:lnR w="12700" cap="flat" cmpd="sng" algn="ctr">
+                      <a:solidFill>
+                        <a:schemeClr val="tx1"/>
+                      </a:solidFill>
+                      <a:prstDash val="solid"/>
+                      <a:round/>
+                      <a:headEnd type="none" w="med" len="med"/>
+                      <a:tailEnd type="none" w="med" len="med"/>
+                    </a:lnR>
+                    <a:lnT w="12700" cap="flat" cmpd="sng" algn="ctr">
+                      <a:solidFill>
+                        <a:schemeClr val="tx1"/>
+                      </a:solidFill>
+                      <a:prstDash val="solid"/>
+                      <a:round/>
+                      <a:headEnd type="none" w="med" len="med"/>
+                      <a:tailEnd type="none" w="med" len="med"/>
+                    </a:lnT>
+                    <a:lnB w="12700" cap="flat" cmpd="sng" algn="ctr">
+                      <a:solidFill>
+                        <a:schemeClr val="tx1"/>
+                      </a:solidFill>
+                      <a:prstDash val="solid"/>
+                      <a:round/>
+                      <a:headEnd type="none" w="med" len="med"/>
+                      <a:tailEnd type="none" w="med" len="med"/>
+                    </a:lnB>
+                    <a:noFill/>
+                  </a:tcPr>
+                </a:tc>
+                <a:tc>
+                  <a:txBody>
+                    <a:bodyPr/>
+                    <a:lstStyle/>
+                    <a:p>
+                      <a:endParaRPr lang="zh-TW" altLang="en-US"/>
+                    </a:p>
+                  </a:txBody>
+                  <a:tcPr>
+                    <a:lnL w="12700" cap="flat" cmpd="sng" algn="ctr">
+                      <a:solidFill>
+                        <a:schemeClr val="tx1"/>
+                      </a:solidFill>
+                      <a:prstDash val="solid"/>
+                      <a:round/>
+                      <a:headEnd type="none" w="med" len="med"/>
+                      <a:tailEnd type="none" w="med" len="med"/>
+                    </a:lnL>
+                    <a:lnR w="12700" cap="flat" cmpd="sng" algn="ctr">
+                      <a:solidFill>
+                        <a:schemeClr val="tx1"/>
+                      </a:solidFill>
+                      <a:prstDash val="solid"/>
+                      <a:round/>
+                      <a:headEnd type="none" w="med" len="med"/>
+                      <a:tailEnd type="none" w="med" len="med"/>
+                    </a:lnR>
+                    <a:lnT w="12700" cap="flat" cmpd="sng" algn="ctr">
+                      <a:solidFill>
+                        <a:schemeClr val="tx1"/>
+                      </a:solidFill>
+                      <a:prstDash val="solid"/>
+                      <a:round/>
+                      <a:headEnd type="none" w="med" len="med"/>
+                      <a:tailEnd type="none" w="med" len="med"/>
+                    </a:lnT>
+                    <a:lnB w="12700" cap="flat" cmpd="sng" algn="ctr">
+                      <a:solidFill>
+                        <a:schemeClr val="tx1"/>
+                      </a:solidFill>
+                      <a:prstDash val="solid"/>
+                      <a:round/>
+                      <a:headEnd type="none" w="med" len="med"/>
+                      <a:tailEnd type="none" w="med" len="med"/>
+                    </a:lnB>
+                    <a:noFill/>
+                  </a:tcPr>
+                </a:tc>
+              </a:tr>
+              <a:tr h="714380">
+                <a:tc>
+                  <a:txBody>
+                    <a:bodyPr/>
+                    <a:lstStyle/>
+                    <a:p>
+                      <a:endParaRPr lang="zh-TW" altLang="en-US"/>
+                    </a:p>
+                  </a:txBody>
+                  <a:tcPr>
+                    <a:lnL w="12700" cap="flat" cmpd="sng" algn="ctr">
+                      <a:solidFill>
+                        <a:schemeClr val="tx1"/>
+                      </a:solidFill>
+                      <a:prstDash val="solid"/>
+                      <a:round/>
+                      <a:headEnd type="none" w="med" len="med"/>
+                      <a:tailEnd type="none" w="med" len="med"/>
+                    </a:lnL>
+                    <a:lnR w="12700" cap="flat" cmpd="sng" algn="ctr">
+                      <a:solidFill>
+                        <a:schemeClr val="tx1"/>
+                      </a:solidFill>
+                      <a:prstDash val="solid"/>
+                      <a:round/>
+                      <a:headEnd type="none" w="med" len="med"/>
+                      <a:tailEnd type="none" w="med" len="med"/>
+                    </a:lnR>
+                    <a:lnT w="12700" cap="flat" cmpd="sng" algn="ctr">
+                      <a:solidFill>
+                        <a:schemeClr val="tx1"/>
+                      </a:solidFill>
+                      <a:prstDash val="solid"/>
+                      <a:round/>
+                      <a:headEnd type="none" w="med" len="med"/>
+                      <a:tailEnd type="none" w="med" len="med"/>
+                    </a:lnT>
+                    <a:lnB w="12700" cap="flat" cmpd="sng" algn="ctr">
+                      <a:solidFill>
+                        <a:schemeClr val="tx1"/>
+                      </a:solidFill>
+                      <a:prstDash val="solid"/>
+                      <a:round/>
+                      <a:headEnd type="none" w="med" len="med"/>
+                      <a:tailEnd type="none" w="med" len="med"/>
+                    </a:lnB>
+                    <a:noFill/>
+                  </a:tcPr>
+                </a:tc>
+                <a:tc>
+                  <a:txBody>
+                    <a:bodyPr/>
+                    <a:lstStyle/>
+                    <a:p>
+                      <a:endParaRPr lang="zh-TW" altLang="en-US"/>
+                    </a:p>
+                  </a:txBody>
+                  <a:tcPr>
+                    <a:lnL w="12700" cap="flat" cmpd="sng" algn="ctr">
+                      <a:solidFill>
+                        <a:schemeClr val="tx1"/>
+                      </a:solidFill>
+                      <a:prstDash val="solid"/>
+                      <a:round/>
+                      <a:headEnd type="none" w="med" len="med"/>
+                      <a:tailEnd type="none" w="med" len="med"/>
+                    </a:lnL>
+                    <a:lnR w="12700" cap="flat" cmpd="sng" algn="ctr">
+                      <a:solidFill>
+                        <a:schemeClr val="tx1"/>
+                      </a:solidFill>
+                      <a:prstDash val="solid"/>
+                      <a:round/>
+                      <a:headEnd type="none" w="med" len="med"/>
+                      <a:tailEnd type="none" w="med" len="med"/>
+                    </a:lnR>
+                    <a:lnT w="12700" cap="flat" cmpd="sng" algn="ctr">
+                      <a:solidFill>
+                        <a:schemeClr val="tx1"/>
+                      </a:solidFill>
+                      <a:prstDash val="solid"/>
+                      <a:round/>
+                      <a:headEnd type="none" w="med" len="med"/>
+                      <a:tailEnd type="none" w="med" len="med"/>
+                    </a:lnT>
+                    <a:lnB w="12700" cap="flat" cmpd="sng" algn="ctr">
+                      <a:solidFill>
+                        <a:schemeClr val="tx1"/>
+                      </a:solidFill>
+                      <a:prstDash val="solid"/>
+                      <a:round/>
+                      <a:headEnd type="none" w="med" len="med"/>
+                      <a:tailEnd type="none" w="med" len="med"/>
+                    </a:lnB>
+                    <a:noFill/>
+                  </a:tcPr>
+                </a:tc>
+                <a:tc>
+                  <a:txBody>
+                    <a:bodyPr/>
+                    <a:lstStyle/>
+                    <a:p>
+                      <a:endParaRPr lang="zh-TW" altLang="en-US"/>
+                    </a:p>
+                  </a:txBody>
+                  <a:tcPr>
+                    <a:lnL w="12700" cap="flat" cmpd="sng" algn="ctr">
+                      <a:solidFill>
+                        <a:schemeClr val="tx1"/>
+                      </a:solidFill>
+                      <a:prstDash val="solid"/>
+                      <a:round/>
+                      <a:headEnd type="none" w="med" len="med"/>
+                      <a:tailEnd type="none" w="med" len="med"/>
+                    </a:lnL>
+                    <a:lnR w="12700" cap="flat" cmpd="sng" algn="ctr">
+                      <a:solidFill>
+                        <a:schemeClr val="tx1"/>
+                      </a:solidFill>
+                      <a:prstDash val="solid"/>
+                      <a:round/>
+                      <a:headEnd type="none" w="med" len="med"/>
+                      <a:tailEnd type="none" w="med" len="med"/>
+                    </a:lnR>
+                    <a:lnT w="12700" cap="flat" cmpd="sng" algn="ctr">
+                      <a:solidFill>
+                        <a:schemeClr val="tx1"/>
+                      </a:solidFill>
+                      <a:prstDash val="solid"/>
+                      <a:round/>
+                      <a:headEnd type="none" w="med" len="med"/>
+                      <a:tailEnd type="none" w="med" len="med"/>
+                    </a:lnT>
+                    <a:lnB w="12700" cap="flat" cmpd="sng" algn="ctr">
+                      <a:solidFill>
+                        <a:schemeClr val="tx1"/>
+                      </a:solidFill>
+                      <a:prstDash val="solid"/>
+                      <a:round/>
+                      <a:headEnd type="none" w="med" len="med"/>
+                      <a:tailEnd type="none" w="med" len="med"/>
+                    </a:lnB>
+                    <a:noFill/>
+                  </a:tcPr>
+                </a:tc>
+                <a:tc>
+                  <a:txBody>
+                    <a:bodyPr/>
+                    <a:lstStyle/>
+                    <a:p>
+                      <a:endParaRPr lang="zh-TW" altLang="en-US"/>
+                    </a:p>
+                  </a:txBody>
+                  <a:tcPr>
+                    <a:lnL w="12700" cap="flat" cmpd="sng" algn="ctr">
+                      <a:solidFill>
+                        <a:schemeClr val="tx1"/>
+                      </a:solidFill>
+                      <a:prstDash val="solid"/>
+                      <a:round/>
+                      <a:headEnd type="none" w="med" len="med"/>
+                      <a:tailEnd type="none" w="med" len="med"/>
+                    </a:lnL>
+                    <a:lnR w="12700" cap="flat" cmpd="sng" algn="ctr">
+                      <a:solidFill>
+                        <a:schemeClr val="tx1"/>
+                      </a:solidFill>
+                      <a:prstDash val="solid"/>
+                      <a:round/>
+                      <a:headEnd type="none" w="med" len="med"/>
+                      <a:tailEnd type="none" w="med" len="med"/>
+                    </a:lnR>
+                    <a:lnT w="12700" cap="flat" cmpd="sng" algn="ctr">
+                      <a:solidFill>
+                        <a:schemeClr val="tx1"/>
+                      </a:solidFill>
+                      <a:prstDash val="solid"/>
+                      <a:round/>
+                      <a:headEnd type="none" w="med" len="med"/>
+                      <a:tailEnd type="none" w="med" len="med"/>
+                    </a:lnT>
+                    <a:lnB w="12700" cap="flat" cmpd="sng" algn="ctr">
+                      <a:solidFill>
+                        <a:schemeClr val="tx1"/>
+                      </a:solidFill>
+                      <a:prstDash val="solid"/>
+                      <a:round/>
+                      <a:headEnd type="none" w="med" len="med"/>
+                      <a:tailEnd type="none" w="med" len="med"/>
+                    </a:lnB>
+                    <a:noFill/>
+                  </a:tcPr>
+                </a:tc>
+                <a:tc>
+                  <a:txBody>
+                    <a:bodyPr/>
+                    <a:lstStyle/>
+                    <a:p>
+                      <a:endParaRPr lang="zh-TW" altLang="en-US"/>
+                    </a:p>
+                  </a:txBody>
+                  <a:tcPr>
+                    <a:lnL w="12700" cap="flat" cmpd="sng" algn="ctr">
+                      <a:solidFill>
+                        <a:schemeClr val="tx1"/>
+                      </a:solidFill>
+                      <a:prstDash val="solid"/>
+                      <a:round/>
+                      <a:headEnd type="none" w="med" len="med"/>
+                      <a:tailEnd type="none" w="med" len="med"/>
+                    </a:lnL>
+                    <a:lnR w="12700" cap="flat" cmpd="sng" algn="ctr">
+                      <a:solidFill>
+                        <a:schemeClr val="tx1"/>
+                      </a:solidFill>
+                      <a:prstDash val="solid"/>
+                      <a:round/>
+                      <a:headEnd type="none" w="med" len="med"/>
+                      <a:tailEnd type="none" w="med" len="med"/>
+                    </a:lnR>
+                    <a:lnT w="12700" cap="flat" cmpd="sng" algn="ctr">
+                      <a:solidFill>
+                        <a:schemeClr val="tx1"/>
+                      </a:solidFill>
+                      <a:prstDash val="solid"/>
+                      <a:round/>
+                      <a:headEnd type="none" w="med" len="med"/>
+                      <a:tailEnd type="none" w="med" len="med"/>
+                    </a:lnT>
+                    <a:lnB w="12700" cap="flat" cmpd="sng" algn="ctr">
+                      <a:solidFill>
+                        <a:schemeClr val="tx1"/>
+                      </a:solidFill>
+                      <a:prstDash val="solid"/>
+                      <a:round/>
+                      <a:headEnd type="none" w="med" len="med"/>
+                      <a:tailEnd type="none" w="med" len="med"/>
+                    </a:lnB>
+                    <a:noFill/>
+                  </a:tcPr>
+                </a:tc>
+                <a:tc>
+                  <a:txBody>
+                    <a:bodyPr/>
+                    <a:lstStyle/>
+                    <a:p>
+                      <a:endParaRPr lang="zh-TW" altLang="en-US"/>
+                    </a:p>
+                  </a:txBody>
+                  <a:tcPr>
+                    <a:lnL w="12700" cap="flat" cmpd="sng" algn="ctr">
+                      <a:solidFill>
+                        <a:schemeClr val="tx1"/>
+                      </a:solidFill>
+                      <a:prstDash val="solid"/>
+                      <a:round/>
+                      <a:headEnd type="none" w="med" len="med"/>
+                      <a:tailEnd type="none" w="med" len="med"/>
+                    </a:lnL>
+                    <a:lnR w="12700" cap="flat" cmpd="sng" algn="ctr">
+                      <a:solidFill>
+                        <a:schemeClr val="tx1"/>
+                      </a:solidFill>
+                      <a:prstDash val="solid"/>
+                      <a:round/>
+                      <a:headEnd type="none" w="med" len="med"/>
+                      <a:tailEnd type="none" w="med" len="med"/>
+                    </a:lnR>
+                    <a:lnT w="12700" cap="flat" cmpd="sng" algn="ctr">
+                      <a:solidFill>
+                        <a:schemeClr val="tx1"/>
+                      </a:solidFill>
+                      <a:prstDash val="solid"/>
+                      <a:round/>
+                      <a:headEnd type="none" w="med" len="med"/>
+                      <a:tailEnd type="none" w="med" len="med"/>
+                    </a:lnT>
+                    <a:lnB w="12700" cap="flat" cmpd="sng" algn="ctr">
+                      <a:solidFill>
+                        <a:schemeClr val="tx1"/>
+                      </a:solidFill>
+                      <a:prstDash val="solid"/>
+                      <a:round/>
+                      <a:headEnd type="none" w="med" len="med"/>
+                      <a:tailEnd type="none" w="med" len="med"/>
+                    </a:lnB>
+                    <a:noFill/>
+                  </a:tcPr>
+                </a:tc>
+                <a:tc>
+                  <a:txBody>
+                    <a:bodyPr/>
+                    <a:lstStyle/>
+                    <a:p>
+                      <a:endParaRPr lang="zh-TW" altLang="en-US"/>
+                    </a:p>
+                  </a:txBody>
+                  <a:tcPr>
+                    <a:lnL w="12700" cap="flat" cmpd="sng" algn="ctr">
+                      <a:solidFill>
+                        <a:schemeClr val="tx1"/>
+                      </a:solidFill>
+                      <a:prstDash val="solid"/>
+                      <a:round/>
+                      <a:headEnd type="none" w="med" len="med"/>
+                      <a:tailEnd type="none" w="med" len="med"/>
+                    </a:lnL>
+                    <a:lnR w="12700" cap="flat" cmpd="sng" algn="ctr">
+                      <a:solidFill>
+                        <a:schemeClr val="tx1"/>
+                      </a:solidFill>
+                      <a:prstDash val="solid"/>
+                      <a:round/>
+                      <a:headEnd type="none" w="med" len="med"/>
+                      <a:tailEnd type="none" w="med" len="med"/>
+                    </a:lnR>
+                    <a:lnT w="12700" cap="flat" cmpd="sng" algn="ctr">
+                      <a:solidFill>
+                        <a:schemeClr val="tx1"/>
+                      </a:solidFill>
+                      <a:prstDash val="solid"/>
+                      <a:round/>
+                      <a:headEnd type="none" w="med" len="med"/>
+                      <a:tailEnd type="none" w="med" len="med"/>
+                    </a:lnT>
+                    <a:lnB w="12700" cap="flat" cmpd="sng" algn="ctr">
+                      <a:solidFill>
+                        <a:schemeClr val="tx1"/>
+                      </a:solidFill>
+                      <a:prstDash val="solid"/>
+                      <a:round/>
+                      <a:headEnd type="none" w="med" len="med"/>
+                      <a:tailEnd type="none" w="med" len="med"/>
+                    </a:lnB>
+                    <a:noFill/>
+                  </a:tcPr>
+                </a:tc>
+                <a:tc>
+                  <a:txBody>
+                    <a:bodyPr/>
+                    <a:lstStyle/>
+                    <a:p>
+                      <a:endParaRPr lang="zh-TW" altLang="en-US"/>
+                    </a:p>
+                  </a:txBody>
+                  <a:tcPr>
+                    <a:lnL w="12700" cap="flat" cmpd="sng" algn="ctr">
+                      <a:solidFill>
+                        <a:schemeClr val="tx1"/>
+                      </a:solidFill>
+                      <a:prstDash val="solid"/>
+                      <a:round/>
+                      <a:headEnd type="none" w="med" len="med"/>
+                      <a:tailEnd type="none" w="med" len="med"/>
+                    </a:lnL>
+                    <a:lnR w="12700" cap="flat" cmpd="sng" algn="ctr">
+                      <a:solidFill>
+                        <a:schemeClr val="tx1"/>
+                      </a:solidFill>
+                      <a:prstDash val="solid"/>
+                      <a:round/>
+                      <a:headEnd type="none" w="med" len="med"/>
+                      <a:tailEnd type="none" w="med" len="med"/>
+                    </a:lnR>
+                    <a:lnT w="12700" cap="flat" cmpd="sng" algn="ctr">
+                      <a:solidFill>
+                        <a:schemeClr val="tx1"/>
+                      </a:solidFill>
+                      <a:prstDash val="solid"/>
+                      <a:round/>
+                      <a:headEnd type="none" w="med" len="med"/>
+                      <a:tailEnd type="none" w="med" len="med"/>
+                    </a:lnT>
+                    <a:lnB w="12700" cap="flat" cmpd="sng" algn="ctr">
+                      <a:solidFill>
+                        <a:schemeClr val="tx1"/>
+                      </a:solidFill>
+                      <a:prstDash val="solid"/>
+                      <a:round/>
+                      <a:headEnd type="none" w="med" len="med"/>
+                      <a:tailEnd type="none" w="med" len="med"/>
+                    </a:lnB>
+                    <a:noFill/>
+                  </a:tcPr>
+                </a:tc>
+              </a:tr>
+              <a:tr h="714380">
+                <a:tc>
+                  <a:txBody>
+                    <a:bodyPr/>
+                    <a:lstStyle/>
+                    <a:p>
+                      <a:endParaRPr lang="zh-TW" altLang="en-US"/>
+                    </a:p>
+                  </a:txBody>
+                  <a:tcPr>
+                    <a:lnL w="12700" cap="flat" cmpd="sng" algn="ctr">
+                      <a:solidFill>
+                        <a:schemeClr val="tx1"/>
+                      </a:solidFill>
+                      <a:prstDash val="solid"/>
+                      <a:round/>
+                      <a:headEnd type="none" w="med" len="med"/>
+                      <a:tailEnd type="none" w="med" len="med"/>
+                    </a:lnL>
+                    <a:lnR w="12700" cap="flat" cmpd="sng" algn="ctr">
+                      <a:solidFill>
+                        <a:schemeClr val="tx1"/>
+                      </a:solidFill>
+                      <a:prstDash val="solid"/>
+                      <a:round/>
+                      <a:headEnd type="none" w="med" len="med"/>
+                      <a:tailEnd type="none" w="med" len="med"/>
+                    </a:lnR>
+                    <a:lnT w="12700" cap="flat" cmpd="sng" algn="ctr">
+                      <a:solidFill>
+                        <a:schemeClr val="tx1"/>
+                      </a:solidFill>
+                      <a:prstDash val="solid"/>
+                      <a:round/>
+                      <a:headEnd type="none" w="med" len="med"/>
+                      <a:tailEnd type="none" w="med" len="med"/>
+                    </a:lnT>
+                    <a:lnB w="12700" cap="flat" cmpd="sng" algn="ctr">
+                      <a:solidFill>
+                        <a:schemeClr val="tx1"/>
+                      </a:solidFill>
+                      <a:prstDash val="solid"/>
+                      <a:round/>
+                      <a:headEnd type="none" w="med" len="med"/>
+                      <a:tailEnd type="none" w="med" len="med"/>
+                    </a:lnB>
+                    <a:noFill/>
+                  </a:tcPr>
+                </a:tc>
+                <a:tc>
+                  <a:txBody>
+                    <a:bodyPr/>
+                    <a:lstStyle/>
+                    <a:p>
+                      <a:endParaRPr lang="zh-TW" altLang="en-US" dirty="0"/>
+                    </a:p>
+                  </a:txBody>
+                  <a:tcPr>
+                    <a:lnL w="12700" cap="flat" cmpd="sng" algn="ctr">
+                      <a:solidFill>
+                        <a:schemeClr val="tx1"/>
+                      </a:solidFill>
+                      <a:prstDash val="solid"/>
+                      <a:round/>
+                      <a:headEnd type="none" w="med" len="med"/>
+                      <a:tailEnd type="none" w="med" len="med"/>
+                    </a:lnL>
+                    <a:lnR w="12700" cap="flat" cmpd="sng" algn="ctr">
+                      <a:solidFill>
+                        <a:schemeClr val="tx1"/>
+                      </a:solidFill>
+                      <a:prstDash val="solid"/>
+                      <a:round/>
+                      <a:headEnd type="none" w="med" len="med"/>
+                      <a:tailEnd type="none" w="med" len="med"/>
+                    </a:lnR>
+                    <a:lnT w="12700" cap="flat" cmpd="sng" algn="ctr">
+                      <a:solidFill>
+                        <a:schemeClr val="tx1"/>
+                      </a:solidFill>
+                      <a:prstDash val="solid"/>
+                      <a:round/>
+                      <a:headEnd type="none" w="med" len="med"/>
+                      <a:tailEnd type="none" w="med" len="med"/>
+                    </a:lnT>
+                    <a:lnB w="12700" cap="flat" cmpd="sng" algn="ctr">
+                      <a:solidFill>
+                        <a:schemeClr val="tx1"/>
+                      </a:solidFill>
+                      <a:prstDash val="solid"/>
+                      <a:round/>
+                      <a:headEnd type="none" w="med" len="med"/>
+                      <a:tailEnd type="none" w="med" len="med"/>
+                    </a:lnB>
+                    <a:noFill/>
+                  </a:tcPr>
+                </a:tc>
+                <a:tc>
+                  <a:txBody>
+                    <a:bodyPr/>
+                    <a:lstStyle/>
+                    <a:p>
+                      <a:endParaRPr lang="zh-TW" altLang="en-US"/>
+                    </a:p>
+                  </a:txBody>
+                  <a:tcPr>
+                    <a:lnL w="12700" cap="flat" cmpd="sng" algn="ctr">
+                      <a:solidFill>
+                        <a:schemeClr val="tx1"/>
+                      </a:solidFill>
+                      <a:prstDash val="solid"/>
+                      <a:round/>
+                      <a:headEnd type="none" w="med" len="med"/>
+                      <a:tailEnd type="none" w="med" len="med"/>
+                    </a:lnL>
+                    <a:lnR w="12700" cap="flat" cmpd="sng" algn="ctr">
+                      <a:solidFill>
+                        <a:schemeClr val="tx1"/>
+                      </a:solidFill>
+                      <a:prstDash val="solid"/>
+                      <a:round/>
+                      <a:headEnd type="none" w="med" len="med"/>
+                      <a:tailEnd type="none" w="med" len="med"/>
+                    </a:lnR>
+                    <a:lnT w="12700" cap="flat" cmpd="sng" algn="ctr">
+                      <a:solidFill>
+                        <a:schemeClr val="tx1"/>
+                      </a:solidFill>
+                      <a:prstDash val="solid"/>
+                      <a:round/>
+                      <a:headEnd type="none" w="med" len="med"/>
+                      <a:tailEnd type="none" w="med" len="med"/>
+                    </a:lnT>
+                    <a:lnB w="12700" cap="flat" cmpd="sng" algn="ctr">
+                      <a:solidFill>
+                        <a:schemeClr val="tx1"/>
+                      </a:solidFill>
+                      <a:prstDash val="solid"/>
+                      <a:round/>
+                      <a:headEnd type="none" w="med" len="med"/>
+                      <a:tailEnd type="none" w="med" len="med"/>
+                    </a:lnB>
+                    <a:noFill/>
+                  </a:tcPr>
+                </a:tc>
+                <a:tc>
+                  <a:txBody>
+                    <a:bodyPr/>
+                    <a:lstStyle/>
+                    <a:p>
+                      <a:endParaRPr lang="zh-TW" altLang="en-US"/>
+                    </a:p>
+                  </a:txBody>
+                  <a:tcPr>
+                    <a:lnL w="12700" cap="flat" cmpd="sng" algn="ctr">
+                      <a:solidFill>
+                        <a:schemeClr val="tx1"/>
+                      </a:solidFill>
+                      <a:prstDash val="solid"/>
+                      <a:round/>
+                      <a:headEnd type="none" w="med" len="med"/>
+                      <a:tailEnd type="none" w="med" len="med"/>
+                    </a:lnL>
+                    <a:lnR w="12700" cap="flat" cmpd="sng" algn="ctr">
+                      <a:solidFill>
+                        <a:schemeClr val="tx1"/>
+                      </a:solidFill>
+                      <a:prstDash val="solid"/>
+                      <a:round/>
+                      <a:headEnd type="none" w="med" len="med"/>
+                      <a:tailEnd type="none" w="med" len="med"/>
+                    </a:lnR>
+                    <a:lnT w="12700" cap="flat" cmpd="sng" algn="ctr">
+                      <a:solidFill>
+                        <a:schemeClr val="tx1"/>
+                      </a:solidFill>
+                      <a:prstDash val="solid"/>
+                      <a:round/>
+                      <a:headEnd type="none" w="med" len="med"/>
+                      <a:tailEnd type="none" w="med" len="med"/>
+                    </a:lnT>
+                    <a:lnB w="12700" cap="flat" cmpd="sng" algn="ctr">
+                      <a:solidFill>
+                        <a:schemeClr val="tx1"/>
+                      </a:solidFill>
+                      <a:prstDash val="solid"/>
+                      <a:round/>
+                      <a:headEnd type="none" w="med" len="med"/>
+                      <a:tailEnd type="none" w="med" len="med"/>
+                    </a:lnB>
+                    <a:noFill/>
+                  </a:tcPr>
+                </a:tc>
+                <a:tc>
+                  <a:txBody>
+                    <a:bodyPr/>
+                    <a:lstStyle/>
+                    <a:p>
+                      <a:endParaRPr lang="zh-TW" altLang="en-US"/>
+                    </a:p>
+                  </a:txBody>
+                  <a:tcPr>
+                    <a:lnL w="12700" cap="flat" cmpd="sng" algn="ctr">
+                      <a:solidFill>
+                        <a:schemeClr val="tx1"/>
+                      </a:solidFill>
+                      <a:prstDash val="solid"/>
+                      <a:round/>
+                      <a:headEnd type="none" w="med" len="med"/>
+                      <a:tailEnd type="none" w="med" len="med"/>
+                    </a:lnL>
+                    <a:lnR w="12700" cap="flat" cmpd="sng" algn="ctr">
+                      <a:solidFill>
+                        <a:schemeClr val="tx1"/>
+                      </a:solidFill>
+                      <a:prstDash val="solid"/>
+                      <a:round/>
+                      <a:headEnd type="none" w="med" len="med"/>
+                      <a:tailEnd type="none" w="med" len="med"/>
+                    </a:lnR>
+                    <a:lnT w="12700" cap="flat" cmpd="sng" algn="ctr">
+                      <a:solidFill>
+                        <a:schemeClr val="tx1"/>
+                      </a:solidFill>
+                      <a:prstDash val="solid"/>
+                      <a:round/>
+                      <a:headEnd type="none" w="med" len="med"/>
+                      <a:tailEnd type="none" w="med" len="med"/>
+                    </a:lnT>
+                    <a:lnB w="12700" cap="flat" cmpd="sng" algn="ctr">
+                      <a:solidFill>
+                        <a:schemeClr val="tx1"/>
+                      </a:solidFill>
+                      <a:prstDash val="solid"/>
+                      <a:round/>
+                      <a:headEnd type="none" w="med" len="med"/>
+                      <a:tailEnd type="none" w="med" len="med"/>
+                    </a:lnB>
+                    <a:noFill/>
+                  </a:tcPr>
+                </a:tc>
+                <a:tc>
+                  <a:txBody>
+                    <a:bodyPr/>
+                    <a:lstStyle/>
+                    <a:p>
+                      <a:endParaRPr lang="zh-TW" altLang="en-US"/>
+                    </a:p>
+                  </a:txBody>
+                  <a:tcPr>
+                    <a:lnL w="12700" cap="flat" cmpd="sng" algn="ctr">
+                      <a:solidFill>
+                        <a:schemeClr val="tx1"/>
+                      </a:solidFill>
+                      <a:prstDash val="solid"/>
+                      <a:round/>
+                      <a:headEnd type="none" w="med" len="med"/>
+                      <a:tailEnd type="none" w="med" len="med"/>
+                    </a:lnL>
+                    <a:lnR w="12700" cap="flat" cmpd="sng" algn="ctr">
+                      <a:solidFill>
+                        <a:schemeClr val="tx1"/>
+                      </a:solidFill>
+                      <a:prstDash val="solid"/>
+                      <a:round/>
+                      <a:headEnd type="none" w="med" len="med"/>
+                      <a:tailEnd type="none" w="med" len="med"/>
+                    </a:lnR>
+                    <a:lnT w="12700" cap="flat" cmpd="sng" algn="ctr">
+                      <a:solidFill>
+                        <a:schemeClr val="tx1"/>
+                      </a:solidFill>
+                      <a:prstDash val="solid"/>
+                      <a:round/>
+                      <a:headEnd type="none" w="med" len="med"/>
+                      <a:tailEnd type="none" w="med" len="med"/>
+                    </a:lnT>
+                    <a:lnB w="12700" cap="flat" cmpd="sng" algn="ctr">
+                      <a:solidFill>
+                        <a:schemeClr val="tx1"/>
+                      </a:solidFill>
+                      <a:prstDash val="solid"/>
+                      <a:round/>
+                      <a:headEnd type="none" w="med" len="med"/>
+                      <a:tailEnd type="none" w="med" len="med"/>
+                    </a:lnB>
+                    <a:noFill/>
+                  </a:tcPr>
+                </a:tc>
+                <a:tc>
+                  <a:txBody>
+                    <a:bodyPr/>
+                    <a:lstStyle/>
+                    <a:p>
+                      <a:endParaRPr lang="zh-TW" altLang="en-US"/>
+                    </a:p>
+                  </a:txBody>
+                  <a:tcPr>
+                    <a:lnL w="12700" cap="flat" cmpd="sng" algn="ctr">
+                      <a:solidFill>
+                        <a:schemeClr val="tx1"/>
+                      </a:solidFill>
+                      <a:prstDash val="solid"/>
+                      <a:round/>
+                      <a:headEnd type="none" w="med" len="med"/>
+                      <a:tailEnd type="none" w="med" len="med"/>
+                    </a:lnL>
+                    <a:lnR w="12700" cap="flat" cmpd="sng" algn="ctr">
+                      <a:solidFill>
+                        <a:schemeClr val="tx1"/>
+                      </a:solidFill>
+                      <a:prstDash val="solid"/>
+                      <a:round/>
+                      <a:headEnd type="none" w="med" len="med"/>
+                      <a:tailEnd type="none" w="med" len="med"/>
+                    </a:lnR>
+                    <a:lnT w="12700" cap="flat" cmpd="sng" algn="ctr">
+                      <a:solidFill>
+                        <a:schemeClr val="tx1"/>
+                      </a:solidFill>
+                      <a:prstDash val="solid"/>
+                      <a:round/>
+                      <a:headEnd type="none" w="med" len="med"/>
+                      <a:tailEnd type="none" w="med" len="med"/>
+                    </a:lnT>
+                    <a:lnB w="12700" cap="flat" cmpd="sng" algn="ctr">
+                      <a:solidFill>
+                        <a:schemeClr val="tx1"/>
+                      </a:solidFill>
+                      <a:prstDash val="solid"/>
+                      <a:round/>
+                      <a:headEnd type="none" w="med" len="med"/>
+                      <a:tailEnd type="none" w="med" len="med"/>
+                    </a:lnB>
+                    <a:noFill/>
+                  </a:tcPr>
+                </a:tc>
+                <a:tc>
+                  <a:txBody>
+                    <a:bodyPr/>
+                    <a:lstStyle/>
+                    <a:p>
+                      <a:endParaRPr lang="zh-TW" altLang="en-US" dirty="0"/>
+                    </a:p>
+                  </a:txBody>
+                  <a:tcPr>
+                    <a:lnL w="12700" cap="flat" cmpd="sng" algn="ctr">
+                      <a:solidFill>
+                        <a:schemeClr val="tx1"/>
+                      </a:solidFill>
+                      <a:prstDash val="solid"/>
+                      <a:round/>
+                      <a:headEnd type="none" w="med" len="med"/>
+                      <a:tailEnd type="none" w="med" len="med"/>
+                    </a:lnL>
+                    <a:lnR w="12700" cap="flat" cmpd="sng" algn="ctr">
+                      <a:solidFill>
+                        <a:schemeClr val="tx1"/>
+                      </a:solidFill>
+                      <a:prstDash val="solid"/>
+                      <a:round/>
+                      <a:headEnd type="none" w="med" len="med"/>
+                      <a:tailEnd type="none" w="med" len="med"/>
+                    </a:lnR>
+                    <a:lnT w="12700" cap="flat" cmpd="sng" algn="ctr">
+                      <a:solidFill>
+                        <a:schemeClr val="tx1"/>
+                      </a:solidFill>
+                      <a:prstDash val="solid"/>
+                      <a:round/>
+                      <a:headEnd type="none" w="med" len="med"/>
+                      <a:tailEnd type="none" w="med" len="med"/>
+                    </a:lnT>
+                    <a:lnB w="12700" cap="flat" cmpd="sng" algn="ctr">
+                      <a:solidFill>
+                        <a:schemeClr val="tx1"/>
+                      </a:solidFill>
+                      <a:prstDash val="solid"/>
+                      <a:round/>
+                      <a:headEnd type="none" w="med" len="med"/>
+                      <a:tailEnd type="none" w="med" len="med"/>
+                    </a:lnB>
+                    <a:noFill/>
+                  </a:tcPr>
+                </a:tc>
+              </a:tr>
+            </a:tbl>
+          </a:graphicData>
+        </a:graphic>
+      </p:graphicFrame>
+      <p:sp>
+        <p:nvSpPr>
+          <p:cNvPr id="5" name="矩形 4"/>
+          <p:cNvSpPr/>
+          <p:nvPr/>
+        </p:nvSpPr>
+        <p:spPr>
+          <a:xfrm>
+            <a:off x="3733800" y="2819400"/>
+            <a:ext cx="762000" cy="646331"/>
+          </a:xfrm>
+          <a:prstGeom prst="rect">
+            <a:avLst/>
+          </a:prstGeom>
+        </p:spPr>
+        <p:txBody>
+          <a:bodyPr wrap="square">
+            <a:spAutoFit/>
+          </a:bodyPr>
+          <a:lstStyle/>
+          <a:p>
+            <a:pPr algn="ctr"/>
+            <a:r>
+              <a:rPr lang="en-CA" sz="3600" dirty="0" smtClean="0"/>
+              <a:t>A</a:t>
+            </a:r>
+            <a:endParaRPr lang="en-CA" sz="3600" dirty="0"/>
+          </a:p>
+        </p:txBody>
+      </p:sp>
+      <p:sp>
+        <p:nvSpPr>
+          <p:cNvPr id="8" name="矩形 7"/>
+          <p:cNvSpPr/>
+          <p:nvPr/>
+        </p:nvSpPr>
+        <p:spPr>
+          <a:xfrm>
+            <a:off x="5257800" y="4191000"/>
+            <a:ext cx="838200" cy="646331"/>
+          </a:xfrm>
+          <a:prstGeom prst="rect">
+            <a:avLst/>
+          </a:prstGeom>
+        </p:spPr>
+        <p:txBody>
+          <a:bodyPr wrap="square">
+            <a:spAutoFit/>
+          </a:bodyPr>
+          <a:lstStyle/>
+          <a:p>
+            <a:pPr algn="ctr"/>
+            <a:r>
+              <a:rPr lang="en-CA" sz="3600" dirty="0" smtClean="0"/>
+              <a:t>F</a:t>
+            </a:r>
+            <a:endParaRPr lang="en-CA" sz="3600" dirty="0"/>
+          </a:p>
+        </p:txBody>
+      </p:sp>
+      <p:sp>
+        <p:nvSpPr>
+          <p:cNvPr id="9" name="矩形 8"/>
+          <p:cNvSpPr/>
+          <p:nvPr/>
+        </p:nvSpPr>
+        <p:spPr>
+          <a:xfrm>
+            <a:off x="5257800" y="2057400"/>
+            <a:ext cx="838200" cy="646331"/>
+          </a:xfrm>
+          <a:prstGeom prst="rect">
+            <a:avLst/>
+          </a:prstGeom>
+        </p:spPr>
+        <p:txBody>
+          <a:bodyPr wrap="square">
+            <a:spAutoFit/>
+          </a:bodyPr>
+          <a:lstStyle/>
+          <a:p>
+            <a:pPr algn="ctr"/>
+            <a:r>
+              <a:rPr lang="en-CA" sz="3600" dirty="0" smtClean="0"/>
+              <a:t>F</a:t>
+            </a:r>
+            <a:endParaRPr lang="en-CA" sz="3600" dirty="0"/>
+          </a:p>
+        </p:txBody>
+      </p:sp>
+      <p:sp>
+        <p:nvSpPr>
+          <p:cNvPr id="10" name="矩形 9"/>
+          <p:cNvSpPr/>
+          <p:nvPr/>
+        </p:nvSpPr>
+        <p:spPr>
+          <a:xfrm>
+            <a:off x="2971800" y="4191000"/>
+            <a:ext cx="838200" cy="646331"/>
+          </a:xfrm>
+          <a:prstGeom prst="rect">
+            <a:avLst/>
+          </a:prstGeom>
+        </p:spPr>
+        <p:txBody>
+          <a:bodyPr wrap="square">
+            <a:spAutoFit/>
+          </a:bodyPr>
+          <a:lstStyle/>
+          <a:p>
+            <a:pPr algn="ctr"/>
+            <a:r>
+              <a:rPr lang="en-CA" sz="3600" dirty="0" smtClean="0"/>
+              <a:t>F</a:t>
+            </a:r>
+            <a:endParaRPr lang="en-CA" sz="3600" dirty="0"/>
+          </a:p>
+        </p:txBody>
+      </p:sp>
+    </p:spTree>
+  </p:cSld>
+  <p:clrMapOvr>
+    <a:masterClrMapping/>
+  </p:clrMapOvr>
+</p:sld>
+</file>
+
+<file path=ppt/slides/slide4.xml><?xml version="1.0" encoding="utf-8"?>
+<p:sld xmlns:a="http://schemas.openxmlformats.org/drawingml/2006/main" xmlns:r="http://schemas.openxmlformats.org/officeDocument/2006/relationships" xmlns:p="http://schemas.openxmlformats.org/presentationml/2006/main">
+  <p:cSld>
+    <p:spTree>
+      <p:nvGrpSpPr>
+        <p:cNvPr id="1" name=""/>
+        <p:cNvGrpSpPr/>
+        <p:nvPr/>
+      </p:nvGrpSpPr>
+      <p:grpSpPr>
+        <a:xfrm>
+          <a:off x="0" y="0"/>
+          <a:ext cx="0" cy="0"/>
+          <a:chOff x="0" y="0"/>
+          <a:chExt cx="0" cy="0"/>
+        </a:xfrm>
+      </p:grpSpPr>
+      <p:graphicFrame>
+        <p:nvGraphicFramePr>
+          <p:cNvPr id="4" name="表格 3"/>
+          <p:cNvGraphicFramePr>
+            <a:graphicFrameLocks noGrp="1"/>
+          </p:cNvGraphicFramePr>
+          <p:nvPr/>
+        </p:nvGraphicFramePr>
+        <p:xfrm>
+          <a:off x="1447800" y="685800"/>
+          <a:ext cx="6096000" cy="5308600"/>
+        </p:xfrm>
+        <a:graphic>
+          <a:graphicData uri="http://schemas.openxmlformats.org/drawingml/2006/table">
+            <a:tbl>
+              <a:tblPr firstRow="1" bandRow="1">
+                <a:tableStyleId>{5940675A-B579-460E-94D1-54222C63F5DA}</a:tableStyleId>
+              </a:tblPr>
+              <a:tblGrid>
+                <a:gridCol w="762000"/>
+                <a:gridCol w="762000"/>
+                <a:gridCol w="762000"/>
+                <a:gridCol w="762000"/>
+                <a:gridCol w="762000"/>
+                <a:gridCol w="762000"/>
+                <a:gridCol w="762000"/>
+                <a:gridCol w="762000"/>
+              </a:tblGrid>
+              <a:tr h="663575">
+                <a:tc>
+                  <a:txBody>
+                    <a:bodyPr/>
+                    <a:lstStyle/>
+                    <a:p>
+                      <a:pPr marL="0" algn="ctr" defTabSz="914400" rtl="0" eaLnBrk="1" latinLnBrk="0" hangingPunct="1"/>
+                      <a:endParaRPr lang="zh-TW" altLang="en-US" sz="3200" kern="1200" dirty="0" smtClean="0">
+                        <a:solidFill>
+                          <a:schemeClr val="tx1"/>
+                        </a:solidFill>
+                        <a:latin typeface="+mn-lt"/>
+                        <a:ea typeface="+mn-ea"/>
+                        <a:cs typeface="+mn-cs"/>
+                      </a:endParaRPr>
+                    </a:p>
+                  </a:txBody>
+                  <a:tcPr/>
+                </a:tc>
+                <a:tc>
+                  <a:txBody>
+                    <a:bodyPr/>
+                    <a:lstStyle/>
+                    <a:p>
+                      <a:pPr marL="0" algn="ctr" defTabSz="914400" rtl="0" eaLnBrk="1" latinLnBrk="0" hangingPunct="1"/>
+                      <a:endParaRPr lang="zh-TW" altLang="en-US" sz="3200" kern="1200" dirty="0" smtClean="0">
+                        <a:solidFill>
+                          <a:schemeClr val="tx1"/>
+                        </a:solidFill>
+                        <a:latin typeface="+mn-lt"/>
+                        <a:ea typeface="+mn-ea"/>
+                        <a:cs typeface="+mn-cs"/>
+                      </a:endParaRPr>
+                    </a:p>
+                  </a:txBody>
+                  <a:tcPr/>
+                </a:tc>
+                <a:tc>
+                  <a:txBody>
+                    <a:bodyPr/>
+                    <a:lstStyle/>
+                    <a:p>
+                      <a:pPr marL="0" algn="ctr" defTabSz="914400" rtl="0" eaLnBrk="1" latinLnBrk="0" hangingPunct="1"/>
+                      <a:endParaRPr lang="zh-TW" altLang="en-US" sz="3200" kern="1200" dirty="0" smtClean="0">
+                        <a:solidFill>
+                          <a:schemeClr val="tx1"/>
+                        </a:solidFill>
+                        <a:latin typeface="+mn-lt"/>
+                        <a:ea typeface="+mn-ea"/>
+                        <a:cs typeface="+mn-cs"/>
+                      </a:endParaRPr>
+                    </a:p>
+                  </a:txBody>
+                  <a:tcPr/>
+                </a:tc>
+                <a:tc>
+                  <a:txBody>
+                    <a:bodyPr/>
+                    <a:lstStyle/>
+                    <a:p>
+                      <a:pPr marL="0" algn="ctr" defTabSz="914400" rtl="0" eaLnBrk="1" latinLnBrk="0" hangingPunct="1"/>
+                      <a:endParaRPr lang="zh-TW" altLang="en-US" sz="3200" kern="1200" dirty="0" smtClean="0">
+                        <a:solidFill>
+                          <a:schemeClr val="tx1"/>
+                        </a:solidFill>
+                        <a:latin typeface="+mn-lt"/>
+                        <a:ea typeface="+mn-ea"/>
+                        <a:cs typeface="+mn-cs"/>
+                      </a:endParaRPr>
+                    </a:p>
+                  </a:txBody>
+                  <a:tcPr/>
+                </a:tc>
+                <a:tc>
+                  <a:txBody>
+                    <a:bodyPr/>
+                    <a:lstStyle/>
+                    <a:p>
+                      <a:pPr marL="0" algn="ctr" defTabSz="914400" rtl="0" eaLnBrk="1" latinLnBrk="0" hangingPunct="1"/>
+                      <a:endParaRPr lang="zh-TW" altLang="en-US" sz="3200" kern="1200" dirty="0" smtClean="0">
+                        <a:solidFill>
+                          <a:schemeClr val="tx1"/>
+                        </a:solidFill>
+                        <a:latin typeface="+mn-lt"/>
+                        <a:ea typeface="+mn-ea"/>
+                        <a:cs typeface="+mn-cs"/>
+                      </a:endParaRPr>
+                    </a:p>
+                  </a:txBody>
+                  <a:tcPr/>
+                </a:tc>
+                <a:tc>
+                  <a:txBody>
+                    <a:bodyPr/>
+                    <a:lstStyle/>
+                    <a:p>
+                      <a:pPr marL="0" algn="ctr" defTabSz="914400" rtl="0" eaLnBrk="1" latinLnBrk="0" hangingPunct="1"/>
+                      <a:endParaRPr lang="zh-TW" altLang="en-US" sz="3200" kern="1200" dirty="0" smtClean="0">
+                        <a:solidFill>
+                          <a:schemeClr val="tx1"/>
+                        </a:solidFill>
+                        <a:latin typeface="+mn-lt"/>
+                        <a:ea typeface="+mn-ea"/>
+                        <a:cs typeface="+mn-cs"/>
+                      </a:endParaRPr>
+                    </a:p>
+                  </a:txBody>
+                  <a:tcPr/>
+                </a:tc>
+                <a:tc>
+                  <a:txBody>
+                    <a:bodyPr/>
+                    <a:lstStyle/>
+                    <a:p>
+                      <a:pPr marL="0" algn="ctr" defTabSz="914400" rtl="0" eaLnBrk="1" latinLnBrk="0" hangingPunct="1"/>
+                      <a:endParaRPr lang="zh-TW" altLang="en-US" sz="3200" kern="1200" dirty="0" smtClean="0">
+                        <a:solidFill>
+                          <a:schemeClr val="tx1"/>
+                        </a:solidFill>
+                        <a:latin typeface="+mn-lt"/>
+                        <a:ea typeface="+mn-ea"/>
+                        <a:cs typeface="+mn-cs"/>
+                      </a:endParaRPr>
+                    </a:p>
+                  </a:txBody>
+                  <a:tcPr/>
+                </a:tc>
+                <a:tc>
+                  <a:txBody>
+                    <a:bodyPr/>
+                    <a:lstStyle/>
+                    <a:p>
+                      <a:pPr marL="0" algn="ctr" defTabSz="914400" rtl="0" eaLnBrk="1" latinLnBrk="0" hangingPunct="1"/>
+                      <a:endParaRPr lang="zh-TW" altLang="en-US" sz="3200" kern="1200" dirty="0" smtClean="0">
+                        <a:solidFill>
+                          <a:schemeClr val="tx1"/>
+                        </a:solidFill>
+                        <a:latin typeface="+mn-lt"/>
+                        <a:ea typeface="+mn-ea"/>
+                        <a:cs typeface="+mn-cs"/>
+                      </a:endParaRPr>
+                    </a:p>
+                  </a:txBody>
+                  <a:tcPr/>
+                </a:tc>
+              </a:tr>
+              <a:tr h="663575">
+                <a:tc>
+                  <a:txBody>
+                    <a:bodyPr/>
+                    <a:lstStyle/>
+                    <a:p>
+                      <a:pPr marL="0" algn="ctr" defTabSz="914400" rtl="0" eaLnBrk="1" latinLnBrk="0" hangingPunct="1"/>
+                      <a:endParaRPr lang="zh-TW" altLang="en-US" sz="3200" kern="1200" dirty="0" smtClean="0">
+                        <a:solidFill>
+                          <a:schemeClr val="tx1"/>
+                        </a:solidFill>
+                        <a:latin typeface="+mn-lt"/>
+                        <a:ea typeface="+mn-ea"/>
+                        <a:cs typeface="+mn-cs"/>
+                      </a:endParaRPr>
+                    </a:p>
+                  </a:txBody>
+                  <a:tcPr/>
+                </a:tc>
+                <a:tc>
+                  <a:txBody>
+                    <a:bodyPr/>
+                    <a:lstStyle/>
+                    <a:p>
+                      <a:pPr marL="0" algn="ctr" defTabSz="914400" rtl="0" eaLnBrk="1" latinLnBrk="0" hangingPunct="1"/>
+                      <a:endParaRPr lang="zh-TW" altLang="en-US" sz="3200" kern="1200" dirty="0" smtClean="0">
+                        <a:solidFill>
+                          <a:schemeClr val="tx1"/>
+                        </a:solidFill>
+                        <a:latin typeface="+mn-lt"/>
+                        <a:ea typeface="+mn-ea"/>
+                        <a:cs typeface="+mn-cs"/>
+                      </a:endParaRPr>
+                    </a:p>
+                  </a:txBody>
+                  <a:tcPr/>
+                </a:tc>
+                <a:tc>
+                  <a:txBody>
+                    <a:bodyPr/>
+                    <a:lstStyle/>
+                    <a:p>
+                      <a:pPr marL="0" algn="ctr" defTabSz="914400" rtl="0" eaLnBrk="1" latinLnBrk="0" hangingPunct="1"/>
+                      <a:endParaRPr lang="zh-TW" altLang="en-US" sz="3200" kern="1200" dirty="0" smtClean="0">
+                        <a:solidFill>
+                          <a:schemeClr val="tx1"/>
+                        </a:solidFill>
+                        <a:latin typeface="+mn-lt"/>
+                        <a:ea typeface="+mn-ea"/>
+                        <a:cs typeface="+mn-cs"/>
+                      </a:endParaRPr>
+                    </a:p>
+                  </a:txBody>
+                  <a:tcPr/>
+                </a:tc>
+                <a:tc>
+                  <a:txBody>
+                    <a:bodyPr/>
+                    <a:lstStyle/>
+                    <a:p>
+                      <a:pPr marL="0" algn="ctr" defTabSz="914400" rtl="0" eaLnBrk="1" latinLnBrk="0" hangingPunct="1"/>
+                      <a:endParaRPr lang="zh-TW" altLang="en-US" sz="3200" kern="1200" dirty="0" smtClean="0">
+                        <a:solidFill>
+                          <a:schemeClr val="tx1"/>
+                        </a:solidFill>
+                        <a:latin typeface="+mn-lt"/>
+                        <a:ea typeface="+mn-ea"/>
+                        <a:cs typeface="+mn-cs"/>
+                      </a:endParaRPr>
+                    </a:p>
+                  </a:txBody>
+                  <a:tcPr/>
+                </a:tc>
+                <a:tc>
+                  <a:txBody>
+                    <a:bodyPr/>
+                    <a:lstStyle/>
+                    <a:p>
+                      <a:pPr marL="0" algn="ctr" defTabSz="914400" rtl="0" eaLnBrk="1" latinLnBrk="0" hangingPunct="1"/>
+                      <a:r>
+                        <a:rPr lang="en-US" altLang="zh-TW" sz="3200" kern="1200" dirty="0" smtClean="0">
+                          <a:solidFill>
+                            <a:schemeClr val="tx1"/>
+                          </a:solidFill>
+                          <a:latin typeface="+mn-lt"/>
+                          <a:ea typeface="+mn-ea"/>
+                          <a:cs typeface="+mn-cs"/>
+                        </a:rPr>
+                        <a:t>M</a:t>
+                      </a:r>
+                      <a:endParaRPr lang="zh-TW" altLang="en-US" sz="3200" kern="1200" dirty="0" smtClean="0">
+                        <a:solidFill>
+                          <a:schemeClr val="tx1"/>
+                        </a:solidFill>
+                        <a:latin typeface="+mn-lt"/>
+                        <a:ea typeface="+mn-ea"/>
+                        <a:cs typeface="+mn-cs"/>
+                      </a:endParaRPr>
+                    </a:p>
+                  </a:txBody>
+                  <a:tcPr/>
+                </a:tc>
+                <a:tc>
+                  <a:txBody>
+                    <a:bodyPr/>
+                    <a:lstStyle/>
+                    <a:p>
+                      <a:pPr marL="0" algn="ctr" defTabSz="914400" rtl="0" eaLnBrk="1" latinLnBrk="0" hangingPunct="1"/>
+                      <a:endParaRPr lang="zh-TW" altLang="en-US" sz="3200" kern="1200" dirty="0" smtClean="0">
+                        <a:solidFill>
+                          <a:schemeClr val="tx1"/>
+                        </a:solidFill>
+                        <a:latin typeface="+mn-lt"/>
+                        <a:ea typeface="+mn-ea"/>
+                        <a:cs typeface="+mn-cs"/>
+                      </a:endParaRPr>
+                    </a:p>
+                  </a:txBody>
+                  <a:tcPr/>
+                </a:tc>
+                <a:tc>
+                  <a:txBody>
+                    <a:bodyPr/>
+                    <a:lstStyle/>
+                    <a:p>
+                      <a:pPr marL="0" algn="ctr" defTabSz="914400" rtl="0" eaLnBrk="1" latinLnBrk="0" hangingPunct="1"/>
+                      <a:endParaRPr lang="zh-TW" altLang="en-US" sz="3200" kern="1200" dirty="0" smtClean="0">
+                        <a:solidFill>
+                          <a:schemeClr val="tx1"/>
+                        </a:solidFill>
+                        <a:latin typeface="+mn-lt"/>
+                        <a:ea typeface="+mn-ea"/>
+                        <a:cs typeface="+mn-cs"/>
+                      </a:endParaRPr>
+                    </a:p>
+                  </a:txBody>
+                  <a:tcPr/>
+                </a:tc>
+                <a:tc>
+                  <a:txBody>
+                    <a:bodyPr/>
+                    <a:lstStyle/>
+                    <a:p>
+                      <a:pPr marL="0" marR="0" indent="0" algn="ctr" defTabSz="914400" rtl="0" eaLnBrk="1" fontAlgn="auto" latinLnBrk="0" hangingPunct="1">
+                        <a:lnSpc>
+                          <a:spcPct val="100000"/>
+                        </a:lnSpc>
+                        <a:spcBef>
+                          <a:spcPts val="0"/>
+                        </a:spcBef>
+                        <a:spcAft>
+                          <a:spcPts val="0"/>
+                        </a:spcAft>
+                        <a:buClrTx/>
+                        <a:buSzTx/>
+                        <a:buFontTx/>
+                        <a:buNone/>
+                        <a:tabLst/>
+                        <a:defRPr/>
+                      </a:pPr>
+                      <a:r>
+                        <a:rPr lang="en-US" altLang="zh-TW" sz="3200" kern="1200" dirty="0" smtClean="0">
+                          <a:solidFill>
+                            <a:schemeClr val="tx1"/>
+                          </a:solidFill>
+                          <a:latin typeface="+mn-lt"/>
+                          <a:ea typeface="+mn-ea"/>
+                          <a:cs typeface="+mn-cs"/>
+                        </a:rPr>
+                        <a:t>F</a:t>
+                      </a:r>
+                      <a:endParaRPr lang="zh-TW" altLang="en-US" sz="3200" kern="1200" dirty="0" smtClean="0">
+                        <a:solidFill>
+                          <a:schemeClr val="tx1"/>
+                        </a:solidFill>
+                        <a:latin typeface="+mn-lt"/>
+                        <a:ea typeface="+mn-ea"/>
+                        <a:cs typeface="+mn-cs"/>
+                      </a:endParaRPr>
+                    </a:p>
+                  </a:txBody>
+                  <a:tcPr/>
+                </a:tc>
+              </a:tr>
+              <a:tr h="663575">
+                <a:tc>
+                  <a:txBody>
+                    <a:bodyPr/>
+                    <a:lstStyle/>
+                    <a:p>
+                      <a:pPr marL="0" algn="ctr" defTabSz="914400" rtl="0" eaLnBrk="1" latinLnBrk="0" hangingPunct="1"/>
+                      <a:r>
+                        <a:rPr lang="en-US" altLang="zh-TW" sz="3200" kern="1200" dirty="0" smtClean="0">
+                          <a:solidFill>
+                            <a:schemeClr val="tx1"/>
+                          </a:solidFill>
+                          <a:latin typeface="+mn-lt"/>
+                          <a:ea typeface="+mn-ea"/>
+                          <a:cs typeface="+mn-cs"/>
+                        </a:rPr>
+                        <a:t>F</a:t>
+                      </a:r>
+                      <a:endParaRPr lang="zh-TW" altLang="en-US" sz="3200" kern="1200" dirty="0" smtClean="0">
+                        <a:solidFill>
+                          <a:schemeClr val="tx1"/>
+                        </a:solidFill>
+                        <a:latin typeface="+mn-lt"/>
+                        <a:ea typeface="+mn-ea"/>
+                        <a:cs typeface="+mn-cs"/>
+                      </a:endParaRPr>
+                    </a:p>
+                  </a:txBody>
+                  <a:tcPr/>
+                </a:tc>
+                <a:tc>
+                  <a:txBody>
+                    <a:bodyPr/>
+                    <a:lstStyle/>
+                    <a:p>
+                      <a:pPr marL="0" algn="ctr" defTabSz="914400" rtl="0" eaLnBrk="1" latinLnBrk="0" hangingPunct="1"/>
+                      <a:endParaRPr lang="zh-TW" altLang="en-US" sz="3200" kern="1200" dirty="0" smtClean="0">
+                        <a:solidFill>
+                          <a:schemeClr val="tx1"/>
+                        </a:solidFill>
+                        <a:latin typeface="+mn-lt"/>
+                        <a:ea typeface="+mn-ea"/>
+                        <a:cs typeface="+mn-cs"/>
+                      </a:endParaRPr>
+                    </a:p>
+                  </a:txBody>
+                  <a:tcPr/>
+                </a:tc>
+                <a:tc>
+                  <a:txBody>
+                    <a:bodyPr/>
+                    <a:lstStyle/>
+                    <a:p>
+                      <a:pPr marL="0" marR="0" indent="0" algn="ctr" defTabSz="914400" rtl="0" eaLnBrk="1" fontAlgn="auto" latinLnBrk="0" hangingPunct="1">
+                        <a:lnSpc>
+                          <a:spcPct val="100000"/>
+                        </a:lnSpc>
+                        <a:spcBef>
+                          <a:spcPts val="0"/>
+                        </a:spcBef>
+                        <a:spcAft>
+                          <a:spcPts val="0"/>
+                        </a:spcAft>
+                        <a:buClrTx/>
+                        <a:buSzTx/>
+                        <a:buFontTx/>
+                        <a:buNone/>
+                        <a:tabLst/>
+                        <a:defRPr/>
+                      </a:pPr>
+                      <a:r>
+                        <a:rPr lang="en-US" altLang="zh-TW" sz="3200" kern="1200" dirty="0" smtClean="0">
+                          <a:solidFill>
+                            <a:schemeClr val="tx1"/>
+                          </a:solidFill>
+                          <a:latin typeface="+mn-lt"/>
+                          <a:ea typeface="+mn-ea"/>
+                          <a:cs typeface="+mn-cs"/>
+                        </a:rPr>
+                        <a:t>M</a:t>
+                      </a:r>
+                      <a:endParaRPr lang="zh-TW" altLang="en-US" sz="3200" kern="1200" dirty="0" smtClean="0">
+                        <a:solidFill>
+                          <a:schemeClr val="tx1"/>
+                        </a:solidFill>
+                        <a:latin typeface="+mn-lt"/>
+                        <a:ea typeface="+mn-ea"/>
+                        <a:cs typeface="+mn-cs"/>
+                      </a:endParaRPr>
+                    </a:p>
+                  </a:txBody>
+                  <a:tcPr/>
+                </a:tc>
+                <a:tc>
+                  <a:txBody>
+                    <a:bodyPr/>
+                    <a:lstStyle/>
+                    <a:p>
+                      <a:pPr marL="0" algn="ctr" defTabSz="914400" rtl="0" eaLnBrk="1" latinLnBrk="0" hangingPunct="1"/>
+                      <a:endParaRPr lang="zh-TW" altLang="en-US" sz="3200" kern="1200" dirty="0" smtClean="0">
+                        <a:solidFill>
+                          <a:schemeClr val="tx1"/>
+                        </a:solidFill>
+                        <a:latin typeface="+mn-lt"/>
+                        <a:ea typeface="+mn-ea"/>
+                        <a:cs typeface="+mn-cs"/>
+                      </a:endParaRPr>
+                    </a:p>
+                  </a:txBody>
+                  <a:tcPr/>
+                </a:tc>
+                <a:tc>
+                  <a:txBody>
+                    <a:bodyPr/>
+                    <a:lstStyle/>
+                    <a:p>
+                      <a:pPr marL="0" algn="ctr" defTabSz="914400" rtl="0" eaLnBrk="1" latinLnBrk="0" hangingPunct="1"/>
+                      <a:endParaRPr lang="zh-TW" altLang="en-US" sz="3200" kern="1200" dirty="0" smtClean="0">
+                        <a:solidFill>
+                          <a:schemeClr val="tx1"/>
+                        </a:solidFill>
+                        <a:latin typeface="+mn-lt"/>
+                        <a:ea typeface="+mn-ea"/>
+                        <a:cs typeface="+mn-cs"/>
+                      </a:endParaRPr>
+                    </a:p>
+                  </a:txBody>
+                  <a:tcPr/>
+                </a:tc>
+                <a:tc>
+                  <a:txBody>
+                    <a:bodyPr/>
+                    <a:lstStyle/>
+                    <a:p>
+                      <a:pPr marL="0" marR="0" indent="0" algn="ctr" defTabSz="914400" rtl="0" eaLnBrk="1" fontAlgn="auto" latinLnBrk="0" hangingPunct="1">
+                        <a:lnSpc>
+                          <a:spcPct val="100000"/>
+                        </a:lnSpc>
+                        <a:spcBef>
+                          <a:spcPts val="0"/>
+                        </a:spcBef>
+                        <a:spcAft>
+                          <a:spcPts val="0"/>
+                        </a:spcAft>
+                        <a:buClrTx/>
+                        <a:buSzTx/>
+                        <a:buFontTx/>
+                        <a:buNone/>
+                        <a:tabLst/>
+                        <a:defRPr/>
+                      </a:pPr>
+                      <a:endParaRPr lang="zh-TW" altLang="en-US" sz="3200" kern="1200" dirty="0" smtClean="0">
+                        <a:solidFill>
+                          <a:schemeClr val="tx1"/>
+                        </a:solidFill>
+                        <a:latin typeface="+mn-lt"/>
+                        <a:ea typeface="+mn-ea"/>
+                        <a:cs typeface="+mn-cs"/>
+                      </a:endParaRPr>
+                    </a:p>
+                  </a:txBody>
+                  <a:tcPr/>
+                </a:tc>
+                <a:tc>
+                  <a:txBody>
+                    <a:bodyPr/>
+                    <a:lstStyle/>
+                    <a:p>
+                      <a:pPr marL="0" algn="ctr" defTabSz="914400" rtl="0" eaLnBrk="1" latinLnBrk="0" hangingPunct="1"/>
+                      <a:endParaRPr lang="zh-TW" altLang="en-US" sz="3200" kern="1200" dirty="0" smtClean="0">
+                        <a:solidFill>
+                          <a:schemeClr val="tx1"/>
+                        </a:solidFill>
+                        <a:latin typeface="+mn-lt"/>
+                        <a:ea typeface="+mn-ea"/>
+                        <a:cs typeface="+mn-cs"/>
+                      </a:endParaRPr>
+                    </a:p>
+                  </a:txBody>
+                  <a:tcPr/>
+                </a:tc>
+                <a:tc>
+                  <a:txBody>
+                    <a:bodyPr/>
+                    <a:lstStyle/>
+                    <a:p>
+                      <a:pPr marL="0" algn="ctr" defTabSz="914400" rtl="0" eaLnBrk="1" latinLnBrk="0" hangingPunct="1"/>
+                      <a:endParaRPr lang="zh-TW" altLang="en-US" sz="3200" kern="1200" dirty="0" smtClean="0">
+                        <a:solidFill>
+                          <a:schemeClr val="tx1"/>
+                        </a:solidFill>
+                        <a:latin typeface="+mn-lt"/>
+                        <a:ea typeface="+mn-ea"/>
+                        <a:cs typeface="+mn-cs"/>
+                      </a:endParaRPr>
+                    </a:p>
+                  </a:txBody>
+                  <a:tcPr/>
+                </a:tc>
+              </a:tr>
+              <a:tr h="663575">
+                <a:tc>
+                  <a:txBody>
+                    <a:bodyPr/>
+                    <a:lstStyle/>
+                    <a:p>
+                      <a:pPr marL="0" algn="ctr" defTabSz="914400" rtl="0" eaLnBrk="1" latinLnBrk="0" hangingPunct="1"/>
+                      <a:endParaRPr lang="zh-TW" altLang="en-US" sz="3200" kern="1200" dirty="0" smtClean="0">
+                        <a:solidFill>
+                          <a:schemeClr val="tx1"/>
+                        </a:solidFill>
+                        <a:latin typeface="+mn-lt"/>
+                        <a:ea typeface="+mn-ea"/>
+                        <a:cs typeface="+mn-cs"/>
+                      </a:endParaRPr>
+                    </a:p>
+                  </a:txBody>
+                  <a:tcPr/>
+                </a:tc>
+                <a:tc>
+                  <a:txBody>
+                    <a:bodyPr/>
+                    <a:lstStyle/>
+                    <a:p>
+                      <a:pPr marL="0" algn="ctr" defTabSz="914400" rtl="0" eaLnBrk="1" latinLnBrk="0" hangingPunct="1"/>
+                      <a:endParaRPr lang="zh-TW" altLang="en-US" sz="3200" kern="1200" dirty="0" smtClean="0">
+                        <a:solidFill>
+                          <a:schemeClr val="tx1"/>
+                        </a:solidFill>
+                        <a:latin typeface="+mn-lt"/>
+                        <a:ea typeface="+mn-ea"/>
+                        <a:cs typeface="+mn-cs"/>
+                      </a:endParaRPr>
+                    </a:p>
+                  </a:txBody>
+                  <a:tcPr/>
+                </a:tc>
+                <a:tc>
+                  <a:txBody>
+                    <a:bodyPr/>
+                    <a:lstStyle/>
+                    <a:p>
+                      <a:pPr marL="0" algn="ctr" defTabSz="914400" rtl="0" eaLnBrk="1" latinLnBrk="0" hangingPunct="1"/>
+                      <a:endParaRPr lang="zh-TW" altLang="en-US" sz="3200" kern="1200" dirty="0" smtClean="0">
+                        <a:solidFill>
+                          <a:schemeClr val="tx1"/>
+                        </a:solidFill>
+                        <a:latin typeface="+mn-lt"/>
+                        <a:ea typeface="+mn-ea"/>
+                        <a:cs typeface="+mn-cs"/>
+                      </a:endParaRPr>
+                    </a:p>
+                  </a:txBody>
+                  <a:tcPr/>
+                </a:tc>
+                <a:tc>
+                  <a:txBody>
+                    <a:bodyPr/>
+                    <a:lstStyle/>
+                    <a:p>
+                      <a:pPr marL="0" algn="ctr" defTabSz="914400" rtl="0" eaLnBrk="1" latinLnBrk="0" hangingPunct="1"/>
+                      <a:r>
+                        <a:rPr lang="en-US" altLang="zh-TW" sz="3200" kern="1200" dirty="0" smtClean="0">
+                          <a:solidFill>
+                            <a:schemeClr val="tx1"/>
+                          </a:solidFill>
+                          <a:latin typeface="+mn-lt"/>
+                          <a:ea typeface="+mn-ea"/>
+                          <a:cs typeface="+mn-cs"/>
+                        </a:rPr>
+                        <a:t>A</a:t>
+                      </a:r>
+                      <a:endParaRPr lang="zh-TW" altLang="en-US" sz="3200" kern="1200" dirty="0" smtClean="0">
+                        <a:solidFill>
+                          <a:schemeClr val="tx1"/>
+                        </a:solidFill>
+                        <a:latin typeface="+mn-lt"/>
+                        <a:ea typeface="+mn-ea"/>
+                        <a:cs typeface="+mn-cs"/>
+                      </a:endParaRPr>
+                    </a:p>
+                  </a:txBody>
+                  <a:tcPr/>
+                </a:tc>
+                <a:tc>
+                  <a:txBody>
+                    <a:bodyPr/>
+                    <a:lstStyle/>
+                    <a:p>
+                      <a:pPr marL="0" algn="ctr" defTabSz="914400" rtl="0" eaLnBrk="1" latinLnBrk="0" hangingPunct="1"/>
+                      <a:endParaRPr lang="zh-TW" altLang="en-US" sz="3200" kern="1200" dirty="0" smtClean="0">
+                        <a:solidFill>
+                          <a:schemeClr val="tx1"/>
+                        </a:solidFill>
+                        <a:latin typeface="+mn-lt"/>
+                        <a:ea typeface="+mn-ea"/>
+                        <a:cs typeface="+mn-cs"/>
+                      </a:endParaRPr>
+                    </a:p>
+                  </a:txBody>
+                  <a:tcPr/>
+                </a:tc>
+                <a:tc>
+                  <a:txBody>
+                    <a:bodyPr/>
+                    <a:lstStyle/>
+                    <a:p>
+                      <a:pPr marL="0" algn="ctr" defTabSz="914400" rtl="0" eaLnBrk="1" latinLnBrk="0" hangingPunct="1"/>
+                      <a:endParaRPr lang="zh-TW" altLang="en-US" sz="3200" kern="1200" dirty="0" smtClean="0">
+                        <a:solidFill>
+                          <a:schemeClr val="tx1"/>
+                        </a:solidFill>
+                        <a:latin typeface="+mn-lt"/>
+                        <a:ea typeface="+mn-ea"/>
+                        <a:cs typeface="+mn-cs"/>
+                      </a:endParaRPr>
+                    </a:p>
+                  </a:txBody>
+                  <a:tcPr/>
+                </a:tc>
+                <a:tc>
+                  <a:txBody>
+                    <a:bodyPr/>
+                    <a:lstStyle/>
+                    <a:p>
+                      <a:pPr marL="0" algn="ctr" defTabSz="914400" rtl="0" eaLnBrk="1" latinLnBrk="0" hangingPunct="1"/>
+                      <a:endParaRPr lang="zh-TW" altLang="en-US" sz="3200" kern="1200" dirty="0" smtClean="0">
+                        <a:solidFill>
+                          <a:schemeClr val="tx1"/>
+                        </a:solidFill>
+                        <a:latin typeface="+mn-lt"/>
+                        <a:ea typeface="+mn-ea"/>
+                        <a:cs typeface="+mn-cs"/>
+                      </a:endParaRPr>
+                    </a:p>
+                  </a:txBody>
+                  <a:tcPr/>
+                </a:tc>
+                <a:tc>
+                  <a:txBody>
+                    <a:bodyPr/>
+                    <a:lstStyle/>
+                    <a:p>
+                      <a:pPr marL="0" algn="ctr" defTabSz="914400" rtl="0" eaLnBrk="1" latinLnBrk="0" hangingPunct="1"/>
+                      <a:endParaRPr lang="zh-TW" altLang="en-US" sz="3200" kern="1200" dirty="0" smtClean="0">
+                        <a:solidFill>
+                          <a:schemeClr val="tx1"/>
+                        </a:solidFill>
+                        <a:latin typeface="+mn-lt"/>
+                        <a:ea typeface="+mn-ea"/>
+                        <a:cs typeface="+mn-cs"/>
+                      </a:endParaRPr>
+                    </a:p>
+                  </a:txBody>
+                  <a:tcPr/>
+                </a:tc>
+              </a:tr>
+              <a:tr h="663575">
+                <a:tc>
+                  <a:txBody>
+                    <a:bodyPr/>
+                    <a:lstStyle/>
+                    <a:p>
+                      <a:pPr marL="0" algn="ctr" defTabSz="914400" rtl="0" eaLnBrk="1" latinLnBrk="0" hangingPunct="1"/>
+                      <a:endParaRPr lang="zh-TW" altLang="en-US" sz="3200" kern="1200" dirty="0" smtClean="0">
+                        <a:solidFill>
+                          <a:schemeClr val="tx1"/>
+                        </a:solidFill>
+                        <a:latin typeface="+mn-lt"/>
+                        <a:ea typeface="+mn-ea"/>
+                        <a:cs typeface="+mn-cs"/>
+                      </a:endParaRPr>
+                    </a:p>
+                  </a:txBody>
+                  <a:tcPr/>
+                </a:tc>
+                <a:tc>
+                  <a:txBody>
+                    <a:bodyPr/>
+                    <a:lstStyle/>
+                    <a:p>
+                      <a:pPr marL="0" algn="ctr" defTabSz="914400" rtl="0" eaLnBrk="1" latinLnBrk="0" hangingPunct="1"/>
+                      <a:r>
+                        <a:rPr lang="en-US" altLang="zh-TW" sz="3200" kern="1200" dirty="0" smtClean="0">
+                          <a:solidFill>
+                            <a:schemeClr val="tx1"/>
+                          </a:solidFill>
+                          <a:latin typeface="+mn-lt"/>
+                          <a:ea typeface="+mn-ea"/>
+                          <a:cs typeface="+mn-cs"/>
+                        </a:rPr>
+                        <a:t>F</a:t>
+                      </a:r>
+                      <a:endParaRPr lang="zh-TW" altLang="en-US" sz="3200" kern="1200" dirty="0" smtClean="0">
+                        <a:solidFill>
+                          <a:schemeClr val="tx1"/>
+                        </a:solidFill>
+                        <a:latin typeface="+mn-lt"/>
+                        <a:ea typeface="+mn-ea"/>
+                        <a:cs typeface="+mn-cs"/>
+                      </a:endParaRPr>
+                    </a:p>
+                  </a:txBody>
+                  <a:tcPr/>
+                </a:tc>
+                <a:tc>
+                  <a:txBody>
+                    <a:bodyPr/>
+                    <a:lstStyle/>
+                    <a:p>
+                      <a:pPr marL="0" algn="ctr" defTabSz="914400" rtl="0" eaLnBrk="1" latinLnBrk="0" hangingPunct="1"/>
+                      <a:endParaRPr lang="zh-TW" altLang="en-US" sz="3200" kern="1200" dirty="0" smtClean="0">
+                        <a:solidFill>
+                          <a:schemeClr val="tx1"/>
+                        </a:solidFill>
+                        <a:latin typeface="+mn-lt"/>
+                        <a:ea typeface="+mn-ea"/>
+                        <a:cs typeface="+mn-cs"/>
+                      </a:endParaRPr>
+                    </a:p>
+                  </a:txBody>
+                  <a:tcPr/>
+                </a:tc>
+                <a:tc>
+                  <a:txBody>
+                    <a:bodyPr/>
+                    <a:lstStyle/>
+                    <a:p>
+                      <a:pPr marL="0" algn="ctr" defTabSz="914400" rtl="0" eaLnBrk="1" latinLnBrk="0" hangingPunct="1"/>
+                      <a:endParaRPr lang="zh-TW" altLang="en-US" sz="3200" kern="1200" dirty="0" smtClean="0">
+                        <a:solidFill>
+                          <a:schemeClr val="tx1"/>
+                        </a:solidFill>
+                        <a:latin typeface="+mn-lt"/>
+                        <a:ea typeface="+mn-ea"/>
+                        <a:cs typeface="+mn-cs"/>
+                      </a:endParaRPr>
+                    </a:p>
+                  </a:txBody>
+                  <a:tcPr/>
+                </a:tc>
+                <a:tc>
+                  <a:txBody>
+                    <a:bodyPr/>
+                    <a:lstStyle/>
+                    <a:p>
+                      <a:pPr marL="0" algn="ctr" defTabSz="914400" rtl="0" eaLnBrk="1" latinLnBrk="0" hangingPunct="1"/>
+                      <a:endParaRPr lang="zh-TW" altLang="en-US" sz="3200" kern="1200" dirty="0" smtClean="0">
+                        <a:solidFill>
+                          <a:schemeClr val="tx1"/>
+                        </a:solidFill>
+                        <a:latin typeface="+mn-lt"/>
+                        <a:ea typeface="+mn-ea"/>
+                        <a:cs typeface="+mn-cs"/>
+                      </a:endParaRPr>
+                    </a:p>
+                  </a:txBody>
+                  <a:tcPr/>
+                </a:tc>
+                <a:tc>
+                  <a:txBody>
+                    <a:bodyPr/>
+                    <a:lstStyle/>
+                    <a:p>
+                      <a:pPr marL="0" algn="ctr" defTabSz="914400" rtl="0" eaLnBrk="1" latinLnBrk="0" hangingPunct="1"/>
+                      <a:endParaRPr lang="zh-TW" altLang="en-US" sz="3200" kern="1200" dirty="0" smtClean="0">
+                        <a:solidFill>
+                          <a:schemeClr val="tx1"/>
+                        </a:solidFill>
+                        <a:latin typeface="+mn-lt"/>
+                        <a:ea typeface="+mn-ea"/>
+                        <a:cs typeface="+mn-cs"/>
+                      </a:endParaRPr>
+                    </a:p>
+                  </a:txBody>
+                  <a:tcPr/>
+                </a:tc>
+                <a:tc>
+                  <a:txBody>
+                    <a:bodyPr/>
+                    <a:lstStyle/>
+                    <a:p>
+                      <a:pPr marL="0" algn="ctr" defTabSz="914400" rtl="0" eaLnBrk="1" latinLnBrk="0" hangingPunct="1"/>
+                      <a:endParaRPr lang="zh-TW" altLang="en-US" sz="3200" kern="1200" dirty="0" smtClean="0">
+                        <a:solidFill>
+                          <a:schemeClr val="tx1"/>
+                        </a:solidFill>
+                        <a:latin typeface="+mn-lt"/>
+                        <a:ea typeface="+mn-ea"/>
+                        <a:cs typeface="+mn-cs"/>
+                      </a:endParaRPr>
+                    </a:p>
+                  </a:txBody>
+                  <a:tcPr/>
+                </a:tc>
+                <a:tc>
+                  <a:txBody>
+                    <a:bodyPr/>
+                    <a:lstStyle/>
+                    <a:p>
+                      <a:pPr marL="0" algn="ctr" defTabSz="914400" rtl="0" eaLnBrk="1" latinLnBrk="0" hangingPunct="1"/>
+                      <a:endParaRPr lang="zh-TW" altLang="en-US" sz="3200" kern="1200" dirty="0" smtClean="0">
+                        <a:solidFill>
+                          <a:schemeClr val="tx1"/>
+                        </a:solidFill>
+                        <a:latin typeface="+mn-lt"/>
+                        <a:ea typeface="+mn-ea"/>
+                        <a:cs typeface="+mn-cs"/>
+                      </a:endParaRPr>
+                    </a:p>
+                  </a:txBody>
+                  <a:tcPr/>
+                </a:tc>
+              </a:tr>
+              <a:tr h="663575">
+                <a:tc>
+                  <a:txBody>
+                    <a:bodyPr/>
+                    <a:lstStyle/>
+                    <a:p>
+                      <a:pPr marL="0" algn="ctr" defTabSz="914400" rtl="0" eaLnBrk="1" latinLnBrk="0" hangingPunct="1"/>
+                      <a:endParaRPr lang="zh-TW" altLang="en-US" sz="3200" kern="1200" dirty="0" smtClean="0">
+                        <a:solidFill>
+                          <a:schemeClr val="tx1"/>
+                        </a:solidFill>
+                        <a:latin typeface="+mn-lt"/>
+                        <a:ea typeface="+mn-ea"/>
+                        <a:cs typeface="+mn-cs"/>
+                      </a:endParaRPr>
+                    </a:p>
+                  </a:txBody>
+                  <a:tcPr/>
+                </a:tc>
+                <a:tc>
+                  <a:txBody>
+                    <a:bodyPr/>
+                    <a:lstStyle/>
+                    <a:p>
+                      <a:pPr marL="0" algn="ctr" defTabSz="914400" rtl="0" eaLnBrk="1" latinLnBrk="0" hangingPunct="1"/>
+                      <a:endParaRPr lang="zh-TW" altLang="en-US" sz="3200" kern="1200" dirty="0" smtClean="0">
+                        <a:solidFill>
+                          <a:schemeClr val="tx1"/>
+                        </a:solidFill>
+                        <a:latin typeface="+mn-lt"/>
+                        <a:ea typeface="+mn-ea"/>
+                        <a:cs typeface="+mn-cs"/>
+                      </a:endParaRPr>
+                    </a:p>
+                  </a:txBody>
+                  <a:tcPr/>
+                </a:tc>
+                <a:tc>
+                  <a:txBody>
+                    <a:bodyPr/>
+                    <a:lstStyle/>
+                    <a:p>
+                      <a:pPr marL="0" algn="ctr" defTabSz="914400" rtl="0" eaLnBrk="1" latinLnBrk="0" hangingPunct="1"/>
+                      <a:endParaRPr lang="zh-TW" altLang="en-US" sz="3200" kern="1200" dirty="0" smtClean="0">
+                        <a:solidFill>
+                          <a:schemeClr val="tx1"/>
+                        </a:solidFill>
+                        <a:latin typeface="+mn-lt"/>
+                        <a:ea typeface="+mn-ea"/>
+                        <a:cs typeface="+mn-cs"/>
+                      </a:endParaRPr>
+                    </a:p>
+                  </a:txBody>
+                  <a:tcPr/>
+                </a:tc>
+                <a:tc>
+                  <a:txBody>
+                    <a:bodyPr/>
+                    <a:lstStyle/>
+                    <a:p>
+                      <a:pPr marL="0" algn="ctr" defTabSz="914400" rtl="0" eaLnBrk="1" latinLnBrk="0" hangingPunct="1"/>
+                      <a:endParaRPr lang="zh-TW" altLang="en-US" sz="3200" kern="1200" dirty="0" smtClean="0">
+                        <a:solidFill>
+                          <a:schemeClr val="tx1"/>
+                        </a:solidFill>
+                        <a:latin typeface="+mn-lt"/>
+                        <a:ea typeface="+mn-ea"/>
+                        <a:cs typeface="+mn-cs"/>
+                      </a:endParaRPr>
+                    </a:p>
+                  </a:txBody>
+                  <a:tcPr/>
+                </a:tc>
+                <a:tc>
+                  <a:txBody>
+                    <a:bodyPr/>
+                    <a:lstStyle/>
+                    <a:p>
+                      <a:pPr marL="0" algn="ctr" defTabSz="914400" rtl="0" eaLnBrk="1" latinLnBrk="0" hangingPunct="1"/>
+                      <a:endParaRPr lang="zh-TW" altLang="en-US" sz="3200" kern="1200" dirty="0" smtClean="0">
+                        <a:solidFill>
+                          <a:schemeClr val="tx1"/>
+                        </a:solidFill>
+                        <a:latin typeface="+mn-lt"/>
+                        <a:ea typeface="+mn-ea"/>
+                        <a:cs typeface="+mn-cs"/>
+                      </a:endParaRPr>
+                    </a:p>
+                  </a:txBody>
+                  <a:tcPr/>
+                </a:tc>
+                <a:tc>
+                  <a:txBody>
+                    <a:bodyPr/>
+                    <a:lstStyle/>
+                    <a:p>
+                      <a:pPr marL="0" marR="0" indent="0" algn="ctr" defTabSz="914400" rtl="0" eaLnBrk="1" fontAlgn="auto" latinLnBrk="0" hangingPunct="1">
+                        <a:lnSpc>
+                          <a:spcPct val="100000"/>
+                        </a:lnSpc>
+                        <a:spcBef>
+                          <a:spcPts val="0"/>
+                        </a:spcBef>
+                        <a:spcAft>
+                          <a:spcPts val="0"/>
+                        </a:spcAft>
+                        <a:buClrTx/>
+                        <a:buSzTx/>
+                        <a:buFontTx/>
+                        <a:buNone/>
+                        <a:tabLst/>
+                        <a:defRPr/>
+                      </a:pPr>
+                      <a:r>
+                        <a:rPr lang="en-US" altLang="zh-TW" sz="3200" kern="1200" dirty="0" smtClean="0">
+                          <a:solidFill>
+                            <a:schemeClr val="tx1"/>
+                          </a:solidFill>
+                          <a:latin typeface="+mn-lt"/>
+                          <a:ea typeface="+mn-ea"/>
+                          <a:cs typeface="+mn-cs"/>
+                        </a:rPr>
+                        <a:t>M</a:t>
+                      </a:r>
+                      <a:endParaRPr lang="zh-TW" altLang="en-US" sz="3200" kern="1200" dirty="0" smtClean="0">
+                        <a:solidFill>
+                          <a:schemeClr val="tx1"/>
+                        </a:solidFill>
+                        <a:latin typeface="+mn-lt"/>
+                        <a:ea typeface="+mn-ea"/>
+                        <a:cs typeface="+mn-cs"/>
+                      </a:endParaRPr>
+                    </a:p>
+                  </a:txBody>
+                  <a:tcPr/>
+                </a:tc>
+                <a:tc>
+                  <a:txBody>
+                    <a:bodyPr/>
+                    <a:lstStyle/>
+                    <a:p>
+                      <a:pPr marL="0" algn="ctr" defTabSz="914400" rtl="0" eaLnBrk="1" latinLnBrk="0" hangingPunct="1"/>
+                      <a:endParaRPr lang="zh-TW" altLang="en-US" sz="3200" kern="1200" dirty="0" smtClean="0">
+                        <a:solidFill>
+                          <a:schemeClr val="tx1"/>
+                        </a:solidFill>
+                        <a:latin typeface="+mn-lt"/>
+                        <a:ea typeface="+mn-ea"/>
+                        <a:cs typeface="+mn-cs"/>
+                      </a:endParaRPr>
+                    </a:p>
+                  </a:txBody>
+                  <a:tcPr/>
+                </a:tc>
+                <a:tc>
+                  <a:txBody>
+                    <a:bodyPr/>
+                    <a:lstStyle/>
+                    <a:p>
+                      <a:pPr marL="0" marR="0" indent="0" algn="ctr" defTabSz="914400" rtl="0" eaLnBrk="1" fontAlgn="auto" latinLnBrk="0" hangingPunct="1">
+                        <a:lnSpc>
+                          <a:spcPct val="100000"/>
+                        </a:lnSpc>
+                        <a:spcBef>
+                          <a:spcPts val="0"/>
+                        </a:spcBef>
+                        <a:spcAft>
+                          <a:spcPts val="0"/>
+                        </a:spcAft>
+                        <a:buClrTx/>
+                        <a:buSzTx/>
+                        <a:buFontTx/>
+                        <a:buNone/>
+                        <a:tabLst/>
+                        <a:defRPr/>
+                      </a:pPr>
+                      <a:r>
+                        <a:rPr lang="en-US" altLang="zh-TW" sz="3200" kern="1200" dirty="0" smtClean="0">
+                          <a:solidFill>
+                            <a:schemeClr val="tx1"/>
+                          </a:solidFill>
+                          <a:latin typeface="+mn-lt"/>
+                          <a:ea typeface="+mn-ea"/>
+                          <a:cs typeface="+mn-cs"/>
+                        </a:rPr>
+                        <a:t>F</a:t>
+                      </a:r>
+                      <a:endParaRPr lang="zh-TW" altLang="en-US" sz="3200" kern="1200" dirty="0" smtClean="0">
+                        <a:solidFill>
+                          <a:schemeClr val="tx1"/>
+                        </a:solidFill>
+                        <a:latin typeface="+mn-lt"/>
+                        <a:ea typeface="+mn-ea"/>
+                        <a:cs typeface="+mn-cs"/>
+                      </a:endParaRPr>
+                    </a:p>
+                  </a:txBody>
+                  <a:tcPr/>
+                </a:tc>
+              </a:tr>
+              <a:tr h="663575">
+                <a:tc>
+                  <a:txBody>
+                    <a:bodyPr/>
+                    <a:lstStyle/>
+                    <a:p>
+                      <a:pPr marL="0" algn="ctr" defTabSz="914400" rtl="0" eaLnBrk="1" latinLnBrk="0" hangingPunct="1"/>
+                      <a:endParaRPr lang="zh-TW" altLang="en-US" sz="3200" kern="1200" dirty="0" smtClean="0">
+                        <a:solidFill>
+                          <a:schemeClr val="tx1"/>
+                        </a:solidFill>
+                        <a:latin typeface="+mn-lt"/>
+                        <a:ea typeface="+mn-ea"/>
+                        <a:cs typeface="+mn-cs"/>
+                      </a:endParaRPr>
+                    </a:p>
+                  </a:txBody>
+                  <a:tcPr/>
+                </a:tc>
+                <a:tc>
+                  <a:txBody>
+                    <a:bodyPr/>
+                    <a:lstStyle/>
+                    <a:p>
+                      <a:pPr marL="0" algn="ctr" defTabSz="914400" rtl="0" eaLnBrk="1" latinLnBrk="0" hangingPunct="1"/>
+                      <a:endParaRPr lang="zh-TW" altLang="en-US" sz="3200" kern="1200" dirty="0" smtClean="0">
+                        <a:solidFill>
+                          <a:schemeClr val="tx1"/>
+                        </a:solidFill>
+                        <a:latin typeface="+mn-lt"/>
+                        <a:ea typeface="+mn-ea"/>
+                        <a:cs typeface="+mn-cs"/>
+                      </a:endParaRPr>
+                    </a:p>
+                  </a:txBody>
+                  <a:tcPr/>
+                </a:tc>
+                <a:tc>
+                  <a:txBody>
+                    <a:bodyPr/>
+                    <a:lstStyle/>
+                    <a:p>
+                      <a:pPr marL="0" algn="ctr" defTabSz="914400" rtl="0" eaLnBrk="1" latinLnBrk="0" hangingPunct="1"/>
+                      <a:endParaRPr lang="zh-TW" altLang="en-US" sz="3200" kern="1200" dirty="0" smtClean="0">
+                        <a:solidFill>
+                          <a:schemeClr val="tx1"/>
+                        </a:solidFill>
+                        <a:latin typeface="+mn-lt"/>
+                        <a:ea typeface="+mn-ea"/>
+                        <a:cs typeface="+mn-cs"/>
+                      </a:endParaRPr>
+                    </a:p>
+                  </a:txBody>
+                  <a:tcPr/>
+                </a:tc>
+                <a:tc>
+                  <a:txBody>
+                    <a:bodyPr/>
+                    <a:lstStyle/>
+                    <a:p>
+                      <a:pPr marL="0" algn="ctr" defTabSz="914400" rtl="0" eaLnBrk="1" latinLnBrk="0" hangingPunct="1"/>
+                      <a:endParaRPr lang="zh-TW" altLang="en-US" sz="3200" kern="1200" dirty="0" smtClean="0">
+                        <a:solidFill>
+                          <a:schemeClr val="tx1"/>
+                        </a:solidFill>
+                        <a:latin typeface="+mn-lt"/>
+                        <a:ea typeface="+mn-ea"/>
+                        <a:cs typeface="+mn-cs"/>
+                      </a:endParaRPr>
+                    </a:p>
+                  </a:txBody>
+                  <a:tcPr/>
+                </a:tc>
+                <a:tc>
+                  <a:txBody>
+                    <a:bodyPr/>
+                    <a:lstStyle/>
+                    <a:p>
+                      <a:pPr marL="0" algn="ctr" defTabSz="914400" rtl="0" eaLnBrk="1" latinLnBrk="0" hangingPunct="1"/>
+                      <a:endParaRPr lang="zh-TW" altLang="en-US" sz="3200" kern="1200" dirty="0" smtClean="0">
+                        <a:solidFill>
+                          <a:schemeClr val="tx1"/>
+                        </a:solidFill>
+                        <a:latin typeface="+mn-lt"/>
+                        <a:ea typeface="+mn-ea"/>
+                        <a:cs typeface="+mn-cs"/>
+                      </a:endParaRPr>
+                    </a:p>
+                  </a:txBody>
+                  <a:tcPr/>
+                </a:tc>
+                <a:tc>
+                  <a:txBody>
+                    <a:bodyPr/>
+                    <a:lstStyle/>
+                    <a:p>
+                      <a:pPr marL="0" algn="ctr" defTabSz="914400" rtl="0" eaLnBrk="1" latinLnBrk="0" hangingPunct="1"/>
+                      <a:endParaRPr lang="zh-TW" altLang="en-US" sz="3200" kern="1200" dirty="0" smtClean="0">
+                        <a:solidFill>
+                          <a:schemeClr val="tx1"/>
+                        </a:solidFill>
+                        <a:latin typeface="+mn-lt"/>
+                        <a:ea typeface="+mn-ea"/>
+                        <a:cs typeface="+mn-cs"/>
+                      </a:endParaRPr>
+                    </a:p>
+                  </a:txBody>
+                  <a:tcPr/>
+                </a:tc>
+                <a:tc>
+                  <a:txBody>
+                    <a:bodyPr/>
+                    <a:lstStyle/>
+                    <a:p>
+                      <a:pPr marL="0" algn="ctr" defTabSz="914400" rtl="0" eaLnBrk="1" latinLnBrk="0" hangingPunct="1"/>
+                      <a:endParaRPr lang="zh-TW" altLang="en-US" sz="3200" kern="1200" dirty="0" smtClean="0">
+                        <a:solidFill>
+                          <a:schemeClr val="tx1"/>
+                        </a:solidFill>
+                        <a:latin typeface="+mn-lt"/>
+                        <a:ea typeface="+mn-ea"/>
+                        <a:cs typeface="+mn-cs"/>
+                      </a:endParaRPr>
+                    </a:p>
+                  </a:txBody>
+                  <a:tcPr/>
+                </a:tc>
+                <a:tc>
+                  <a:txBody>
+                    <a:bodyPr/>
+                    <a:lstStyle/>
+                    <a:p>
+                      <a:pPr marL="0" algn="ctr" defTabSz="914400" rtl="0" eaLnBrk="1" latinLnBrk="0" hangingPunct="1"/>
+                      <a:endParaRPr lang="zh-TW" altLang="en-US" sz="3200" kern="1200" dirty="0" smtClean="0">
+                        <a:solidFill>
+                          <a:schemeClr val="tx1"/>
+                        </a:solidFill>
+                        <a:latin typeface="+mn-lt"/>
+                        <a:ea typeface="+mn-ea"/>
+                        <a:cs typeface="+mn-cs"/>
+                      </a:endParaRPr>
+                    </a:p>
+                  </a:txBody>
+                  <a:tcPr/>
+                </a:tc>
+              </a:tr>
+              <a:tr h="663575">
+                <a:tc>
+                  <a:txBody>
+                    <a:bodyPr/>
+                    <a:lstStyle/>
+                    <a:p>
+                      <a:pPr marL="0" algn="ctr" defTabSz="914400" rtl="0" eaLnBrk="1" latinLnBrk="0" hangingPunct="1"/>
+                      <a:r>
+                        <a:rPr lang="en-US" altLang="zh-TW" sz="3200" kern="1200" dirty="0" smtClean="0">
+                          <a:solidFill>
+                            <a:schemeClr val="tx1"/>
+                          </a:solidFill>
+                          <a:latin typeface="+mn-lt"/>
+                          <a:ea typeface="+mn-ea"/>
+                          <a:cs typeface="+mn-cs"/>
+                        </a:rPr>
+                        <a:t>F</a:t>
+                      </a:r>
+                      <a:endParaRPr lang="zh-TW" altLang="en-US" sz="3200" kern="1200" dirty="0" smtClean="0">
+                        <a:solidFill>
+                          <a:schemeClr val="tx1"/>
+                        </a:solidFill>
+                        <a:latin typeface="+mn-lt"/>
+                        <a:ea typeface="+mn-ea"/>
+                        <a:cs typeface="+mn-cs"/>
+                      </a:endParaRPr>
+                    </a:p>
+                  </a:txBody>
+                  <a:tcPr/>
+                </a:tc>
+                <a:tc>
+                  <a:txBody>
+                    <a:bodyPr/>
+                    <a:lstStyle/>
+                    <a:p>
+                      <a:pPr marL="0" algn="ctr" defTabSz="914400" rtl="0" eaLnBrk="1" latinLnBrk="0" hangingPunct="1"/>
+                      <a:endParaRPr lang="zh-TW" altLang="en-US" sz="3200" kern="1200" dirty="0" smtClean="0">
+                        <a:solidFill>
+                          <a:schemeClr val="tx1"/>
+                        </a:solidFill>
+                        <a:latin typeface="+mn-lt"/>
+                        <a:ea typeface="+mn-ea"/>
+                        <a:cs typeface="+mn-cs"/>
+                      </a:endParaRPr>
+                    </a:p>
+                  </a:txBody>
+                  <a:tcPr/>
+                </a:tc>
+                <a:tc>
+                  <a:txBody>
+                    <a:bodyPr/>
+                    <a:lstStyle/>
+                    <a:p>
+                      <a:pPr marL="0" algn="ctr" defTabSz="914400" rtl="0" eaLnBrk="1" latinLnBrk="0" hangingPunct="1"/>
+                      <a:endParaRPr lang="zh-TW" altLang="en-US" sz="3200" kern="1200" dirty="0" smtClean="0">
+                        <a:solidFill>
+                          <a:schemeClr val="tx1"/>
+                        </a:solidFill>
+                        <a:latin typeface="+mn-lt"/>
+                        <a:ea typeface="+mn-ea"/>
+                        <a:cs typeface="+mn-cs"/>
+                      </a:endParaRPr>
+                    </a:p>
+                  </a:txBody>
+                  <a:tcPr/>
+                </a:tc>
+                <a:tc>
+                  <a:txBody>
+                    <a:bodyPr/>
+                    <a:lstStyle/>
+                    <a:p>
+                      <a:pPr marL="0" algn="ctr" defTabSz="914400" rtl="0" eaLnBrk="1" latinLnBrk="0" hangingPunct="1"/>
+                      <a:endParaRPr lang="zh-TW" altLang="en-US" sz="3200" kern="1200" dirty="0" smtClean="0">
+                        <a:solidFill>
+                          <a:schemeClr val="tx1"/>
+                        </a:solidFill>
+                        <a:latin typeface="+mn-lt"/>
+                        <a:ea typeface="+mn-ea"/>
+                        <a:cs typeface="+mn-cs"/>
+                      </a:endParaRPr>
+                    </a:p>
+                  </a:txBody>
+                  <a:tcPr/>
+                </a:tc>
+                <a:tc>
+                  <a:txBody>
+                    <a:bodyPr/>
+                    <a:lstStyle/>
+                    <a:p>
+                      <a:pPr marL="0" algn="ctr" defTabSz="914400" rtl="0" eaLnBrk="1" latinLnBrk="0" hangingPunct="1"/>
+                      <a:endParaRPr lang="zh-TW" altLang="en-US" sz="3200" kern="1200" dirty="0" smtClean="0">
+                        <a:solidFill>
+                          <a:schemeClr val="tx1"/>
+                        </a:solidFill>
+                        <a:latin typeface="+mn-lt"/>
+                        <a:ea typeface="+mn-ea"/>
+                        <a:cs typeface="+mn-cs"/>
+                      </a:endParaRPr>
+                    </a:p>
+                  </a:txBody>
+                  <a:tcPr/>
+                </a:tc>
+                <a:tc>
+                  <a:txBody>
+                    <a:bodyPr/>
+                    <a:lstStyle/>
+                    <a:p>
+                      <a:pPr marL="0" algn="ctr" defTabSz="914400" rtl="0" eaLnBrk="1" latinLnBrk="0" hangingPunct="1"/>
+                      <a:endParaRPr lang="zh-TW" altLang="en-US" sz="3200" kern="1200" dirty="0" smtClean="0">
+                        <a:solidFill>
+                          <a:schemeClr val="tx1"/>
+                        </a:solidFill>
+                        <a:latin typeface="+mn-lt"/>
+                        <a:ea typeface="+mn-ea"/>
+                        <a:cs typeface="+mn-cs"/>
+                      </a:endParaRPr>
+                    </a:p>
+                  </a:txBody>
+                  <a:tcPr/>
+                </a:tc>
+                <a:tc>
+                  <a:txBody>
+                    <a:bodyPr/>
+                    <a:lstStyle/>
+                    <a:p>
+                      <a:pPr marL="0" algn="ctr" defTabSz="914400" rtl="0" eaLnBrk="1" latinLnBrk="0" hangingPunct="1"/>
+                      <a:endParaRPr lang="zh-TW" altLang="en-US" sz="3200" kern="1200" dirty="0" smtClean="0">
+                        <a:solidFill>
+                          <a:schemeClr val="tx1"/>
+                        </a:solidFill>
+                        <a:latin typeface="+mn-lt"/>
+                        <a:ea typeface="+mn-ea"/>
+                        <a:cs typeface="+mn-cs"/>
+                      </a:endParaRPr>
+                    </a:p>
+                  </a:txBody>
+                  <a:tcPr/>
+                </a:tc>
+                <a:tc>
+                  <a:txBody>
+                    <a:bodyPr/>
+                    <a:lstStyle/>
+                    <a:p>
+                      <a:pPr marL="0" algn="ctr" defTabSz="914400" rtl="0" eaLnBrk="1" latinLnBrk="0" hangingPunct="1"/>
+                      <a:endParaRPr lang="zh-TW" altLang="en-US" sz="3200" kern="1200" dirty="0" smtClean="0">
+                        <a:solidFill>
+                          <a:schemeClr val="tx1"/>
+                        </a:solidFill>
+                        <a:latin typeface="+mn-lt"/>
+                        <a:ea typeface="+mn-ea"/>
+                        <a:cs typeface="+mn-cs"/>
+                      </a:endParaRPr>
+                    </a:p>
+                  </a:txBody>
+                  <a:tcPr/>
+                </a:tc>
+              </a:tr>
+            </a:tbl>
+          </a:graphicData>
+        </a:graphic>
+      </p:graphicFrame>
     </p:spTree>
   </p:cSld>
   <p:clrMapOvr>

--- a/figures/figures.pptx
+++ b/figures/figures.pptx
@@ -5,13 +5,14 @@
     <p:sldMasterId id="2147483648" r:id="rId1"/>
   </p:sldMasterIdLst>
   <p:notesMasterIdLst>
-    <p:notesMasterId r:id="rId6"/>
+    <p:notesMasterId r:id="rId7"/>
   </p:notesMasterIdLst>
   <p:sldIdLst>
     <p:sldId id="256" r:id="rId2"/>
     <p:sldId id="257" r:id="rId3"/>
     <p:sldId id="258" r:id="rId4"/>
     <p:sldId id="259" r:id="rId5"/>
+    <p:sldId id="260" r:id="rId6"/>
   </p:sldIdLst>
   <p:sldSz cx="9144000" cy="6858000" type="screen4x3"/>
   <p:notesSz cx="6858000" cy="9144000"/>
@@ -196,7 +197,7 @@
             <a:fld id="{507DC840-FE98-4570-9088-7CD08FF35371}" type="datetimeFigureOut">
               <a:rPr lang="en-US" smtClean="0"/>
               <a:pPr/>
-              <a:t>3/1/2011</a:t>
+              <a:t>3/24/2011</a:t>
             </a:fld>
             <a:endParaRPr lang="en-CA"/>
           </a:p>
@@ -626,6 +627,252 @@
 </p:notes>
 </file>
 
+<file path=ppt/notesSlides/notesSlide3.xml><?xml version="1.0" encoding="utf-8"?>
+<p:notes xmlns:a="http://schemas.openxmlformats.org/drawingml/2006/main" xmlns:r="http://schemas.openxmlformats.org/officeDocument/2006/relationships" xmlns:p="http://schemas.openxmlformats.org/presentationml/2006/main">
+  <p:cSld>
+    <p:spTree>
+      <p:nvGrpSpPr>
+        <p:cNvPr id="1" name=""/>
+        <p:cNvGrpSpPr/>
+        <p:nvPr/>
+      </p:nvGrpSpPr>
+      <p:grpSpPr>
+        <a:xfrm>
+          <a:off x="0" y="0"/>
+          <a:ext cx="0" cy="0"/>
+          <a:chOff x="0" y="0"/>
+          <a:chExt cx="0" cy="0"/>
+        </a:xfrm>
+      </p:grpSpPr>
+      <p:sp>
+        <p:nvSpPr>
+          <p:cNvPr id="2" name="投影片圖像版面配置區 1"/>
+          <p:cNvSpPr>
+            <a:spLocks noGrp="1" noRot="1" noChangeAspect="1"/>
+          </p:cNvSpPr>
+          <p:nvPr>
+            <p:ph type="sldImg"/>
+          </p:nvPr>
+        </p:nvSpPr>
+        <p:spPr/>
+      </p:sp>
+      <p:sp>
+        <p:nvSpPr>
+          <p:cNvPr id="3" name="備忘稿版面配置區 2"/>
+          <p:cNvSpPr>
+            <a:spLocks noGrp="1"/>
+          </p:cNvSpPr>
+          <p:nvPr>
+            <p:ph type="body" idx="1"/>
+          </p:nvPr>
+        </p:nvSpPr>
+        <p:spPr/>
+        <p:txBody>
+          <a:bodyPr>
+            <a:normAutofit/>
+          </a:bodyPr>
+          <a:lstStyle/>
+          <a:p>
+            <a:endParaRPr lang="en-CA"/>
+          </a:p>
+        </p:txBody>
+      </p:sp>
+      <p:sp>
+        <p:nvSpPr>
+          <p:cNvPr id="4" name="投影片編號版面配置區 3"/>
+          <p:cNvSpPr>
+            <a:spLocks noGrp="1"/>
+          </p:cNvSpPr>
+          <p:nvPr>
+            <p:ph type="sldNum" sz="quarter" idx="10"/>
+          </p:nvPr>
+        </p:nvSpPr>
+        <p:spPr/>
+        <p:txBody>
+          <a:bodyPr/>
+          <a:lstStyle/>
+          <a:p>
+            <a:fld id="{6EF94E7C-2F5C-43F1-B293-0A85B1BBD729}" type="slidenum">
+              <a:rPr lang="en-CA" smtClean="0"/>
+              <a:pPr/>
+              <a:t>3</a:t>
+            </a:fld>
+            <a:endParaRPr lang="en-CA"/>
+          </a:p>
+        </p:txBody>
+      </p:sp>
+    </p:spTree>
+  </p:cSld>
+  <p:clrMapOvr>
+    <a:masterClrMapping/>
+  </p:clrMapOvr>
+</p:notes>
+</file>
+
+<file path=ppt/notesSlides/notesSlide4.xml><?xml version="1.0" encoding="utf-8"?>
+<p:notes xmlns:a="http://schemas.openxmlformats.org/drawingml/2006/main" xmlns:r="http://schemas.openxmlformats.org/officeDocument/2006/relationships" xmlns:p="http://schemas.openxmlformats.org/presentationml/2006/main">
+  <p:cSld>
+    <p:spTree>
+      <p:nvGrpSpPr>
+        <p:cNvPr id="1" name=""/>
+        <p:cNvGrpSpPr/>
+        <p:nvPr/>
+      </p:nvGrpSpPr>
+      <p:grpSpPr>
+        <a:xfrm>
+          <a:off x="0" y="0"/>
+          <a:ext cx="0" cy="0"/>
+          <a:chOff x="0" y="0"/>
+          <a:chExt cx="0" cy="0"/>
+        </a:xfrm>
+      </p:grpSpPr>
+      <p:sp>
+        <p:nvSpPr>
+          <p:cNvPr id="2" name="投影片圖像版面配置區 1"/>
+          <p:cNvSpPr>
+            <a:spLocks noGrp="1" noRot="1" noChangeAspect="1"/>
+          </p:cNvSpPr>
+          <p:nvPr>
+            <p:ph type="sldImg"/>
+          </p:nvPr>
+        </p:nvSpPr>
+        <p:spPr/>
+      </p:sp>
+      <p:sp>
+        <p:nvSpPr>
+          <p:cNvPr id="3" name="備忘稿版面配置區 2"/>
+          <p:cNvSpPr>
+            <a:spLocks noGrp="1"/>
+          </p:cNvSpPr>
+          <p:nvPr>
+            <p:ph type="body" idx="1"/>
+          </p:nvPr>
+        </p:nvSpPr>
+        <p:spPr/>
+        <p:txBody>
+          <a:bodyPr>
+            <a:normAutofit/>
+          </a:bodyPr>
+          <a:lstStyle/>
+          <a:p>
+            <a:endParaRPr lang="en-CA"/>
+          </a:p>
+        </p:txBody>
+      </p:sp>
+      <p:sp>
+        <p:nvSpPr>
+          <p:cNvPr id="4" name="投影片編號版面配置區 3"/>
+          <p:cNvSpPr>
+            <a:spLocks noGrp="1"/>
+          </p:cNvSpPr>
+          <p:nvPr>
+            <p:ph type="sldNum" sz="quarter" idx="10"/>
+          </p:nvPr>
+        </p:nvSpPr>
+        <p:spPr/>
+        <p:txBody>
+          <a:bodyPr/>
+          <a:lstStyle/>
+          <a:p>
+            <a:fld id="{6EF94E7C-2F5C-43F1-B293-0A85B1BBD729}" type="slidenum">
+              <a:rPr lang="en-CA" smtClean="0"/>
+              <a:pPr/>
+              <a:t>4</a:t>
+            </a:fld>
+            <a:endParaRPr lang="en-CA"/>
+          </a:p>
+        </p:txBody>
+      </p:sp>
+    </p:spTree>
+  </p:cSld>
+  <p:clrMapOvr>
+    <a:masterClrMapping/>
+  </p:clrMapOvr>
+</p:notes>
+</file>
+
+<file path=ppt/notesSlides/notesSlide5.xml><?xml version="1.0" encoding="utf-8"?>
+<p:notes xmlns:a="http://schemas.openxmlformats.org/drawingml/2006/main" xmlns:r="http://schemas.openxmlformats.org/officeDocument/2006/relationships" xmlns:p="http://schemas.openxmlformats.org/presentationml/2006/main">
+  <p:cSld>
+    <p:spTree>
+      <p:nvGrpSpPr>
+        <p:cNvPr id="1" name=""/>
+        <p:cNvGrpSpPr/>
+        <p:nvPr/>
+      </p:nvGrpSpPr>
+      <p:grpSpPr>
+        <a:xfrm>
+          <a:off x="0" y="0"/>
+          <a:ext cx="0" cy="0"/>
+          <a:chOff x="0" y="0"/>
+          <a:chExt cx="0" cy="0"/>
+        </a:xfrm>
+      </p:grpSpPr>
+      <p:sp>
+        <p:nvSpPr>
+          <p:cNvPr id="2" name="投影片圖像版面配置區 1"/>
+          <p:cNvSpPr>
+            <a:spLocks noGrp="1" noRot="1" noChangeAspect="1"/>
+          </p:cNvSpPr>
+          <p:nvPr>
+            <p:ph type="sldImg"/>
+          </p:nvPr>
+        </p:nvSpPr>
+        <p:spPr/>
+      </p:sp>
+      <p:sp>
+        <p:nvSpPr>
+          <p:cNvPr id="3" name="備忘稿版面配置區 2"/>
+          <p:cNvSpPr>
+            <a:spLocks noGrp="1"/>
+          </p:cNvSpPr>
+          <p:nvPr>
+            <p:ph type="body" idx="1"/>
+          </p:nvPr>
+        </p:nvSpPr>
+        <p:spPr/>
+        <p:txBody>
+          <a:bodyPr>
+            <a:normAutofit/>
+          </a:bodyPr>
+          <a:lstStyle/>
+          <a:p>
+            <a:endParaRPr lang="en-CA"/>
+          </a:p>
+        </p:txBody>
+      </p:sp>
+      <p:sp>
+        <p:nvSpPr>
+          <p:cNvPr id="4" name="投影片編號版面配置區 3"/>
+          <p:cNvSpPr>
+            <a:spLocks noGrp="1"/>
+          </p:cNvSpPr>
+          <p:nvPr>
+            <p:ph type="sldNum" sz="quarter" idx="10"/>
+          </p:nvPr>
+        </p:nvSpPr>
+        <p:spPr/>
+        <p:txBody>
+          <a:bodyPr/>
+          <a:lstStyle/>
+          <a:p>
+            <a:fld id="{6EF94E7C-2F5C-43F1-B293-0A85B1BBD729}" type="slidenum">
+              <a:rPr lang="en-CA" smtClean="0"/>
+              <a:pPr/>
+              <a:t>5</a:t>
+            </a:fld>
+            <a:endParaRPr lang="en-CA"/>
+          </a:p>
+        </p:txBody>
+      </p:sp>
+    </p:spTree>
+  </p:cSld>
+  <p:clrMapOvr>
+    <a:masterClrMapping/>
+  </p:clrMapOvr>
+</p:notes>
+</file>
+
 <file path=ppt/slideLayouts/slideLayout1.xml><?xml version="1.0" encoding="utf-8"?>
 <p:sldLayout xmlns:a="http://schemas.openxmlformats.org/drawingml/2006/main" xmlns:r="http://schemas.openxmlformats.org/officeDocument/2006/relationships" xmlns:p="http://schemas.openxmlformats.org/presentationml/2006/main" type="title" preserve="1">
   <p:cSld name="標題投影片">
@@ -808,7 +1055,7 @@
             <a:fld id="{E8DC4A0C-9A40-4E9F-8BE1-0BD636236BA7}" type="datetimeFigureOut">
               <a:rPr lang="en-US" smtClean="0"/>
               <a:pPr/>
-              <a:t>3/1/2011</a:t>
+              <a:t>3/24/2011</a:t>
             </a:fld>
             <a:endParaRPr lang="en-CA"/>
           </a:p>
@@ -975,7 +1222,7 @@
             <a:fld id="{E8DC4A0C-9A40-4E9F-8BE1-0BD636236BA7}" type="datetimeFigureOut">
               <a:rPr lang="en-US" smtClean="0"/>
               <a:pPr/>
-              <a:t>3/1/2011</a:t>
+              <a:t>3/24/2011</a:t>
             </a:fld>
             <a:endParaRPr lang="en-CA"/>
           </a:p>
@@ -1152,7 +1399,7 @@
             <a:fld id="{E8DC4A0C-9A40-4E9F-8BE1-0BD636236BA7}" type="datetimeFigureOut">
               <a:rPr lang="en-US" smtClean="0"/>
               <a:pPr/>
-              <a:t>3/1/2011</a:t>
+              <a:t>3/24/2011</a:t>
             </a:fld>
             <a:endParaRPr lang="en-CA"/>
           </a:p>
@@ -1319,7 +1566,7 @@
             <a:fld id="{E8DC4A0C-9A40-4E9F-8BE1-0BD636236BA7}" type="datetimeFigureOut">
               <a:rPr lang="en-US" smtClean="0"/>
               <a:pPr/>
-              <a:t>3/1/2011</a:t>
+              <a:t>3/24/2011</a:t>
             </a:fld>
             <a:endParaRPr lang="en-CA"/>
           </a:p>
@@ -1562,7 +1809,7 @@
             <a:fld id="{E8DC4A0C-9A40-4E9F-8BE1-0BD636236BA7}" type="datetimeFigureOut">
               <a:rPr lang="en-US" smtClean="0"/>
               <a:pPr/>
-              <a:t>3/1/2011</a:t>
+              <a:t>3/24/2011</a:t>
             </a:fld>
             <a:endParaRPr lang="en-CA"/>
           </a:p>
@@ -1847,7 +2094,7 @@
             <a:fld id="{E8DC4A0C-9A40-4E9F-8BE1-0BD636236BA7}" type="datetimeFigureOut">
               <a:rPr lang="en-US" smtClean="0"/>
               <a:pPr/>
-              <a:t>3/1/2011</a:t>
+              <a:t>3/24/2011</a:t>
             </a:fld>
             <a:endParaRPr lang="en-CA"/>
           </a:p>
@@ -2266,7 +2513,7 @@
             <a:fld id="{E8DC4A0C-9A40-4E9F-8BE1-0BD636236BA7}" type="datetimeFigureOut">
               <a:rPr lang="en-US" smtClean="0"/>
               <a:pPr/>
-              <a:t>3/1/2011</a:t>
+              <a:t>3/24/2011</a:t>
             </a:fld>
             <a:endParaRPr lang="en-CA"/>
           </a:p>
@@ -2381,7 +2628,7 @@
             <a:fld id="{E8DC4A0C-9A40-4E9F-8BE1-0BD636236BA7}" type="datetimeFigureOut">
               <a:rPr lang="en-US" smtClean="0"/>
               <a:pPr/>
-              <a:t>3/1/2011</a:t>
+              <a:t>3/24/2011</a:t>
             </a:fld>
             <a:endParaRPr lang="en-CA"/>
           </a:p>
@@ -2473,7 +2720,7 @@
             <a:fld id="{E8DC4A0C-9A40-4E9F-8BE1-0BD636236BA7}" type="datetimeFigureOut">
               <a:rPr lang="en-US" smtClean="0"/>
               <a:pPr/>
-              <a:t>3/1/2011</a:t>
+              <a:t>3/24/2011</a:t>
             </a:fld>
             <a:endParaRPr lang="en-CA"/>
           </a:p>
@@ -2747,7 +2994,7 @@
             <a:fld id="{E8DC4A0C-9A40-4E9F-8BE1-0BD636236BA7}" type="datetimeFigureOut">
               <a:rPr lang="en-US" smtClean="0"/>
               <a:pPr/>
-              <a:t>3/1/2011</a:t>
+              <a:t>3/24/2011</a:t>
             </a:fld>
             <a:endParaRPr lang="en-CA"/>
           </a:p>
@@ -2997,7 +3244,7 @@
             <a:fld id="{E8DC4A0C-9A40-4E9F-8BE1-0BD636236BA7}" type="datetimeFigureOut">
               <a:rPr lang="en-US" smtClean="0"/>
               <a:pPr/>
-              <a:t>3/1/2011</a:t>
+              <a:t>3/24/2011</a:t>
             </a:fld>
             <a:endParaRPr lang="en-CA"/>
           </a:p>
@@ -3207,7 +3454,7 @@
             <a:fld id="{E8DC4A0C-9A40-4E9F-8BE1-0BD636236BA7}" type="datetimeFigureOut">
               <a:rPr lang="en-US" smtClean="0"/>
               <a:pPr/>
-              <a:t>3/1/2011</a:t>
+              <a:t>3/24/2011</a:t>
             </a:fld>
             <a:endParaRPr lang="en-CA"/>
           </a:p>
@@ -9003,6 +9250,114 @@
           </a:graphicData>
         </a:graphic>
       </p:graphicFrame>
+    </p:spTree>
+  </p:cSld>
+  <p:clrMapOvr>
+    <a:masterClrMapping/>
+  </p:clrMapOvr>
+</p:sld>
+</file>
+
+<file path=ppt/slides/slide5.xml><?xml version="1.0" encoding="utf-8"?>
+<p:sld xmlns:a="http://schemas.openxmlformats.org/drawingml/2006/main" xmlns:r="http://schemas.openxmlformats.org/officeDocument/2006/relationships" xmlns:p="http://schemas.openxmlformats.org/presentationml/2006/main">
+  <p:cSld>
+    <p:spTree>
+      <p:nvGrpSpPr>
+        <p:cNvPr id="1" name=""/>
+        <p:cNvGrpSpPr/>
+        <p:nvPr/>
+      </p:nvGrpSpPr>
+      <p:grpSpPr>
+        <a:xfrm>
+          <a:off x="0" y="0"/>
+          <a:ext cx="0" cy="0"/>
+          <a:chOff x="0" y="0"/>
+          <a:chExt cx="0" cy="0"/>
+        </a:xfrm>
+      </p:grpSpPr>
+      <p:sp>
+        <p:nvSpPr>
+          <p:cNvPr id="2" name="標題 1"/>
+          <p:cNvSpPr>
+            <a:spLocks noGrp="1"/>
+          </p:cNvSpPr>
+          <p:nvPr>
+            <p:ph type="title"/>
+          </p:nvPr>
+        </p:nvSpPr>
+        <p:spPr/>
+        <p:txBody>
+          <a:bodyPr/>
+          <a:lstStyle/>
+          <a:p>
+            <a:endParaRPr lang="en-CA"/>
+          </a:p>
+        </p:txBody>
+      </p:sp>
+      <p:pic>
+        <p:nvPicPr>
+          <p:cNvPr id="1026" name="Picture 2" descr="D:\Thesis_Workgroup\figures\monster_plan.png"/>
+          <p:cNvPicPr>
+            <a:picLocks noChangeAspect="1" noChangeArrowheads="1"/>
+          </p:cNvPicPr>
+          <p:nvPr/>
+        </p:nvPicPr>
+        <p:blipFill>
+          <a:blip r:embed="rId3"/>
+          <a:srcRect/>
+          <a:stretch>
+            <a:fillRect/>
+          </a:stretch>
+        </p:blipFill>
+        <p:spPr bwMode="auto">
+          <a:xfrm>
+            <a:off x="3162300" y="2062163"/>
+            <a:ext cx="2819400" cy="2733675"/>
+          </a:xfrm>
+          <a:prstGeom prst="rect">
+            <a:avLst/>
+          </a:prstGeom>
+          <a:noFill/>
+        </p:spPr>
+      </p:pic>
+      <p:cxnSp>
+        <p:nvCxnSpPr>
+          <p:cNvPr id="7" name="肘形接點 6"/>
+          <p:cNvCxnSpPr/>
+          <p:nvPr/>
+        </p:nvCxnSpPr>
+        <p:spPr>
+          <a:xfrm rot="5400000" flipH="1" flipV="1">
+            <a:off x="4648200" y="2743200"/>
+            <a:ext cx="685800" cy="685800"/>
+          </a:xfrm>
+          <a:prstGeom prst="bentConnector3">
+            <a:avLst>
+              <a:gd name="adj1" fmla="val 2743"/>
+            </a:avLst>
+          </a:prstGeom>
+          <a:ln w="53975">
+            <a:solidFill>
+              <a:srgbClr val="FF0000"/>
+            </a:solidFill>
+            <a:tailEnd type="triangle" w="lg" len="med"/>
+          </a:ln>
+        </p:spPr>
+        <p:style>
+          <a:lnRef idx="1">
+            <a:schemeClr val="accent1"/>
+          </a:lnRef>
+          <a:fillRef idx="0">
+            <a:schemeClr val="accent1"/>
+          </a:fillRef>
+          <a:effectRef idx="0">
+            <a:schemeClr val="accent1"/>
+          </a:effectRef>
+          <a:fontRef idx="minor">
+            <a:schemeClr val="tx1"/>
+          </a:fontRef>
+        </p:style>
+      </p:cxnSp>
     </p:spTree>
   </p:cSld>
   <p:clrMapOvr>

--- a/figures/figures.pptx
+++ b/figures/figures.pptx
@@ -5,13 +5,14 @@
     <p:sldMasterId id="2147483648" r:id="rId1"/>
   </p:sldMasterIdLst>
   <p:notesMasterIdLst>
-    <p:notesMasterId r:id="rId6"/>
+    <p:notesMasterId r:id="rId7"/>
   </p:notesMasterIdLst>
   <p:sldIdLst>
     <p:sldId id="256" r:id="rId2"/>
     <p:sldId id="257" r:id="rId3"/>
     <p:sldId id="258" r:id="rId4"/>
     <p:sldId id="259" r:id="rId5"/>
+    <p:sldId id="260" r:id="rId6"/>
   </p:sldIdLst>
   <p:sldSz cx="9144000" cy="6858000" type="screen4x3"/>
   <p:notesSz cx="6858000" cy="9144000"/>
@@ -196,7 +197,7 @@
             <a:fld id="{507DC840-FE98-4570-9088-7CD08FF35371}" type="datetimeFigureOut">
               <a:rPr lang="en-US" smtClean="0"/>
               <a:pPr/>
-              <a:t>3/1/2011</a:t>
+              <a:t>3/28/2011</a:t>
             </a:fld>
             <a:endParaRPr lang="en-CA"/>
           </a:p>
@@ -808,7 +809,7 @@
             <a:fld id="{E8DC4A0C-9A40-4E9F-8BE1-0BD636236BA7}" type="datetimeFigureOut">
               <a:rPr lang="en-US" smtClean="0"/>
               <a:pPr/>
-              <a:t>3/1/2011</a:t>
+              <a:t>3/28/2011</a:t>
             </a:fld>
             <a:endParaRPr lang="en-CA"/>
           </a:p>
@@ -975,7 +976,7 @@
             <a:fld id="{E8DC4A0C-9A40-4E9F-8BE1-0BD636236BA7}" type="datetimeFigureOut">
               <a:rPr lang="en-US" smtClean="0"/>
               <a:pPr/>
-              <a:t>3/1/2011</a:t>
+              <a:t>3/28/2011</a:t>
             </a:fld>
             <a:endParaRPr lang="en-CA"/>
           </a:p>
@@ -1152,7 +1153,7 @@
             <a:fld id="{E8DC4A0C-9A40-4E9F-8BE1-0BD636236BA7}" type="datetimeFigureOut">
               <a:rPr lang="en-US" smtClean="0"/>
               <a:pPr/>
-              <a:t>3/1/2011</a:t>
+              <a:t>3/28/2011</a:t>
             </a:fld>
             <a:endParaRPr lang="en-CA"/>
           </a:p>
@@ -1319,7 +1320,7 @@
             <a:fld id="{E8DC4A0C-9A40-4E9F-8BE1-0BD636236BA7}" type="datetimeFigureOut">
               <a:rPr lang="en-US" smtClean="0"/>
               <a:pPr/>
-              <a:t>3/1/2011</a:t>
+              <a:t>3/28/2011</a:t>
             </a:fld>
             <a:endParaRPr lang="en-CA"/>
           </a:p>
@@ -1562,7 +1563,7 @@
             <a:fld id="{E8DC4A0C-9A40-4E9F-8BE1-0BD636236BA7}" type="datetimeFigureOut">
               <a:rPr lang="en-US" smtClean="0"/>
               <a:pPr/>
-              <a:t>3/1/2011</a:t>
+              <a:t>3/28/2011</a:t>
             </a:fld>
             <a:endParaRPr lang="en-CA"/>
           </a:p>
@@ -1847,7 +1848,7 @@
             <a:fld id="{E8DC4A0C-9A40-4E9F-8BE1-0BD636236BA7}" type="datetimeFigureOut">
               <a:rPr lang="en-US" smtClean="0"/>
               <a:pPr/>
-              <a:t>3/1/2011</a:t>
+              <a:t>3/28/2011</a:t>
             </a:fld>
             <a:endParaRPr lang="en-CA"/>
           </a:p>
@@ -2266,7 +2267,7 @@
             <a:fld id="{E8DC4A0C-9A40-4E9F-8BE1-0BD636236BA7}" type="datetimeFigureOut">
               <a:rPr lang="en-US" smtClean="0"/>
               <a:pPr/>
-              <a:t>3/1/2011</a:t>
+              <a:t>3/28/2011</a:t>
             </a:fld>
             <a:endParaRPr lang="en-CA"/>
           </a:p>
@@ -2381,7 +2382,7 @@
             <a:fld id="{E8DC4A0C-9A40-4E9F-8BE1-0BD636236BA7}" type="datetimeFigureOut">
               <a:rPr lang="en-US" smtClean="0"/>
               <a:pPr/>
-              <a:t>3/1/2011</a:t>
+              <a:t>3/28/2011</a:t>
             </a:fld>
             <a:endParaRPr lang="en-CA"/>
           </a:p>
@@ -2473,7 +2474,7 @@
             <a:fld id="{E8DC4A0C-9A40-4E9F-8BE1-0BD636236BA7}" type="datetimeFigureOut">
               <a:rPr lang="en-US" smtClean="0"/>
               <a:pPr/>
-              <a:t>3/1/2011</a:t>
+              <a:t>3/28/2011</a:t>
             </a:fld>
             <a:endParaRPr lang="en-CA"/>
           </a:p>
@@ -2747,7 +2748,7 @@
             <a:fld id="{E8DC4A0C-9A40-4E9F-8BE1-0BD636236BA7}" type="datetimeFigureOut">
               <a:rPr lang="en-US" smtClean="0"/>
               <a:pPr/>
-              <a:t>3/1/2011</a:t>
+              <a:t>3/28/2011</a:t>
             </a:fld>
             <a:endParaRPr lang="en-CA"/>
           </a:p>
@@ -2997,7 +2998,7 @@
             <a:fld id="{E8DC4A0C-9A40-4E9F-8BE1-0BD636236BA7}" type="datetimeFigureOut">
               <a:rPr lang="en-US" smtClean="0"/>
               <a:pPr/>
-              <a:t>3/1/2011</a:t>
+              <a:t>3/28/2011</a:t>
             </a:fld>
             <a:endParaRPr lang="en-CA"/>
           </a:p>
@@ -3207,7 +3208,7 @@
             <a:fld id="{E8DC4A0C-9A40-4E9F-8BE1-0BD636236BA7}" type="datetimeFigureOut">
               <a:rPr lang="en-US" smtClean="0"/>
               <a:pPr/>
-              <a:t>3/1/2011</a:t>
+              <a:t>3/28/2011</a:t>
             </a:fld>
             <a:endParaRPr lang="en-CA"/>
           </a:p>
@@ -9003,6 +9004,638 @@
           </a:graphicData>
         </a:graphic>
       </p:graphicFrame>
+    </p:spTree>
+  </p:cSld>
+  <p:clrMapOvr>
+    <a:masterClrMapping/>
+  </p:clrMapOvr>
+</p:sld>
+</file>
+
+<file path=ppt/slides/slide5.xml><?xml version="1.0" encoding="utf-8"?>
+<p:sld xmlns:a="http://schemas.openxmlformats.org/drawingml/2006/main" xmlns:r="http://schemas.openxmlformats.org/officeDocument/2006/relationships" xmlns:p="http://schemas.openxmlformats.org/presentationml/2006/main">
+  <p:cSld>
+    <p:spTree>
+      <p:nvGrpSpPr>
+        <p:cNvPr id="1" name=""/>
+        <p:cNvGrpSpPr/>
+        <p:nvPr/>
+      </p:nvGrpSpPr>
+      <p:grpSpPr>
+        <a:xfrm>
+          <a:off x="0" y="0"/>
+          <a:ext cx="0" cy="0"/>
+          <a:chOff x="0" y="0"/>
+          <a:chExt cx="0" cy="0"/>
+        </a:xfrm>
+      </p:grpSpPr>
+      <p:sp>
+        <p:nvSpPr>
+          <p:cNvPr id="2" name="標題 1"/>
+          <p:cNvSpPr>
+            <a:spLocks noGrp="1"/>
+          </p:cNvSpPr>
+          <p:nvPr>
+            <p:ph type="title"/>
+          </p:nvPr>
+        </p:nvSpPr>
+        <p:spPr/>
+        <p:txBody>
+          <a:bodyPr/>
+          <a:lstStyle/>
+          <a:p>
+            <a:endParaRPr lang="zh-TW" altLang="en-US"/>
+          </a:p>
+        </p:txBody>
+      </p:sp>
+      <p:grpSp>
+        <p:nvGrpSpPr>
+          <p:cNvPr id="31" name="群組 30"/>
+          <p:cNvGrpSpPr/>
+          <p:nvPr/>
+        </p:nvGrpSpPr>
+        <p:grpSpPr>
+          <a:xfrm>
+            <a:off x="1600200" y="2286000"/>
+            <a:ext cx="4003940" cy="2590800"/>
+            <a:chOff x="1600200" y="2286000"/>
+            <a:chExt cx="4003940" cy="2590800"/>
+          </a:xfrm>
+        </p:grpSpPr>
+        <p:sp>
+          <p:nvSpPr>
+            <p:cNvPr id="4" name="橢圓 3"/>
+            <p:cNvSpPr/>
+            <p:nvPr/>
+          </p:nvSpPr>
+          <p:spPr>
+            <a:xfrm>
+              <a:off x="1600200" y="2895600"/>
+              <a:ext cx="685800" cy="685800"/>
+            </a:xfrm>
+            <a:prstGeom prst="ellipse">
+              <a:avLst/>
+            </a:prstGeom>
+            <a:noFill/>
+            <a:ln>
+              <a:solidFill>
+                <a:schemeClr val="tx1"/>
+              </a:solidFill>
+            </a:ln>
+          </p:spPr>
+          <p:style>
+            <a:lnRef idx="2">
+              <a:schemeClr val="accent1">
+                <a:shade val="50000"/>
+              </a:schemeClr>
+            </a:lnRef>
+            <a:fillRef idx="1">
+              <a:schemeClr val="accent1"/>
+            </a:fillRef>
+            <a:effectRef idx="0">
+              <a:schemeClr val="accent1"/>
+            </a:effectRef>
+            <a:fontRef idx="minor">
+              <a:schemeClr val="lt1"/>
+            </a:fontRef>
+          </p:style>
+          <p:txBody>
+            <a:bodyPr rtlCol="0" anchor="ctr"/>
+            <a:lstStyle/>
+            <a:p>
+              <a:pPr algn="ctr"/>
+              <a:r>
+                <a:rPr lang="en-US" altLang="zh-TW" dirty="0" smtClean="0">
+                  <a:solidFill>
+                    <a:schemeClr val="tx1"/>
+                  </a:solidFill>
+                </a:rPr>
+                <a:t>S</a:t>
+              </a:r>
+              <a:r>
+                <a:rPr lang="en-US" altLang="zh-TW" baseline="-25000" dirty="0" smtClean="0">
+                  <a:solidFill>
+                    <a:schemeClr val="tx1"/>
+                  </a:solidFill>
+                </a:rPr>
+                <a:t>1</a:t>
+              </a:r>
+              <a:endParaRPr lang="zh-TW" altLang="en-US" baseline="-25000" dirty="0">
+                <a:solidFill>
+                  <a:schemeClr val="tx1"/>
+                </a:solidFill>
+              </a:endParaRPr>
+            </a:p>
+          </p:txBody>
+        </p:sp>
+        <p:sp>
+          <p:nvSpPr>
+            <p:cNvPr id="6" name="橢圓 5"/>
+            <p:cNvSpPr/>
+            <p:nvPr/>
+          </p:nvSpPr>
+          <p:spPr>
+            <a:xfrm>
+              <a:off x="4191000" y="2286000"/>
+              <a:ext cx="685800" cy="685800"/>
+            </a:xfrm>
+            <a:prstGeom prst="ellipse">
+              <a:avLst/>
+            </a:prstGeom>
+            <a:noFill/>
+            <a:ln>
+              <a:solidFill>
+                <a:schemeClr val="tx1"/>
+              </a:solidFill>
+            </a:ln>
+          </p:spPr>
+          <p:style>
+            <a:lnRef idx="2">
+              <a:schemeClr val="accent1">
+                <a:shade val="50000"/>
+              </a:schemeClr>
+            </a:lnRef>
+            <a:fillRef idx="1">
+              <a:schemeClr val="accent1"/>
+            </a:fillRef>
+            <a:effectRef idx="0">
+              <a:schemeClr val="accent1"/>
+            </a:effectRef>
+            <a:fontRef idx="minor">
+              <a:schemeClr val="lt1"/>
+            </a:fontRef>
+          </p:style>
+          <p:txBody>
+            <a:bodyPr rtlCol="0" anchor="ctr"/>
+            <a:lstStyle/>
+            <a:p>
+              <a:pPr algn="ctr"/>
+              <a:r>
+                <a:rPr lang="en-US" altLang="zh-TW" dirty="0" smtClean="0">
+                  <a:solidFill>
+                    <a:schemeClr val="tx1"/>
+                  </a:solidFill>
+                </a:rPr>
+                <a:t>S</a:t>
+              </a:r>
+              <a:r>
+                <a:rPr lang="en-US" altLang="zh-TW" baseline="-25000" dirty="0" smtClean="0">
+                  <a:solidFill>
+                    <a:schemeClr val="tx1"/>
+                  </a:solidFill>
+                </a:rPr>
+                <a:t>2</a:t>
+              </a:r>
+              <a:endParaRPr lang="zh-TW" altLang="en-US" baseline="-25000" dirty="0">
+                <a:solidFill>
+                  <a:schemeClr val="tx1"/>
+                </a:solidFill>
+              </a:endParaRPr>
+            </a:p>
+          </p:txBody>
+        </p:sp>
+        <p:sp>
+          <p:nvSpPr>
+            <p:cNvPr id="7" name="橢圓 6"/>
+            <p:cNvSpPr/>
+            <p:nvPr/>
+          </p:nvSpPr>
+          <p:spPr>
+            <a:xfrm>
+              <a:off x="4191000" y="3276600"/>
+              <a:ext cx="685800" cy="685800"/>
+            </a:xfrm>
+            <a:prstGeom prst="ellipse">
+              <a:avLst/>
+            </a:prstGeom>
+            <a:noFill/>
+            <a:ln>
+              <a:solidFill>
+                <a:schemeClr val="tx1"/>
+              </a:solidFill>
+            </a:ln>
+          </p:spPr>
+          <p:style>
+            <a:lnRef idx="2">
+              <a:schemeClr val="accent1">
+                <a:shade val="50000"/>
+              </a:schemeClr>
+            </a:lnRef>
+            <a:fillRef idx="1">
+              <a:schemeClr val="accent1"/>
+            </a:fillRef>
+            <a:effectRef idx="0">
+              <a:schemeClr val="accent1"/>
+            </a:effectRef>
+            <a:fontRef idx="minor">
+              <a:schemeClr val="lt1"/>
+            </a:fontRef>
+          </p:style>
+          <p:txBody>
+            <a:bodyPr rtlCol="0" anchor="ctr"/>
+            <a:lstStyle/>
+            <a:p>
+              <a:pPr algn="ctr"/>
+              <a:r>
+                <a:rPr lang="en-US" altLang="zh-TW" dirty="0" smtClean="0">
+                  <a:solidFill>
+                    <a:schemeClr val="tx1"/>
+                  </a:solidFill>
+                </a:rPr>
+                <a:t>S</a:t>
+              </a:r>
+              <a:r>
+                <a:rPr lang="en-US" altLang="zh-TW" baseline="-25000" dirty="0" smtClean="0">
+                  <a:solidFill>
+                    <a:schemeClr val="tx1"/>
+                  </a:solidFill>
+                </a:rPr>
+                <a:t>3</a:t>
+              </a:r>
+              <a:endParaRPr lang="zh-TW" altLang="en-US" baseline="-25000" dirty="0">
+                <a:solidFill>
+                  <a:schemeClr val="tx1"/>
+                </a:solidFill>
+              </a:endParaRPr>
+            </a:p>
+          </p:txBody>
+        </p:sp>
+        <p:sp>
+          <p:nvSpPr>
+            <p:cNvPr id="8" name="橢圓 7"/>
+            <p:cNvSpPr/>
+            <p:nvPr/>
+          </p:nvSpPr>
+          <p:spPr>
+            <a:xfrm>
+              <a:off x="4191000" y="4191000"/>
+              <a:ext cx="685800" cy="685800"/>
+            </a:xfrm>
+            <a:prstGeom prst="ellipse">
+              <a:avLst/>
+            </a:prstGeom>
+            <a:noFill/>
+            <a:ln>
+              <a:solidFill>
+                <a:schemeClr val="tx1"/>
+              </a:solidFill>
+            </a:ln>
+          </p:spPr>
+          <p:style>
+            <a:lnRef idx="2">
+              <a:schemeClr val="accent1">
+                <a:shade val="50000"/>
+              </a:schemeClr>
+            </a:lnRef>
+            <a:fillRef idx="1">
+              <a:schemeClr val="accent1"/>
+            </a:fillRef>
+            <a:effectRef idx="0">
+              <a:schemeClr val="accent1"/>
+            </a:effectRef>
+            <a:fontRef idx="minor">
+              <a:schemeClr val="lt1"/>
+            </a:fontRef>
+          </p:style>
+          <p:txBody>
+            <a:bodyPr rtlCol="0" anchor="ctr"/>
+            <a:lstStyle/>
+            <a:p>
+              <a:pPr algn="ctr"/>
+              <a:r>
+                <a:rPr lang="en-US" altLang="zh-TW" dirty="0" smtClean="0">
+                  <a:solidFill>
+                    <a:schemeClr val="tx1"/>
+                  </a:solidFill>
+                </a:rPr>
+                <a:t>S</a:t>
+              </a:r>
+              <a:r>
+                <a:rPr lang="en-US" altLang="zh-TW" baseline="-25000" dirty="0" smtClean="0">
+                  <a:solidFill>
+                    <a:schemeClr val="tx1"/>
+                  </a:solidFill>
+                </a:rPr>
+                <a:t>4</a:t>
+              </a:r>
+              <a:endParaRPr lang="zh-TW" altLang="en-US" baseline="-25000" dirty="0">
+                <a:solidFill>
+                  <a:schemeClr val="tx1"/>
+                </a:solidFill>
+              </a:endParaRPr>
+            </a:p>
+          </p:txBody>
+        </p:sp>
+        <p:cxnSp>
+          <p:nvCxnSpPr>
+            <p:cNvPr id="10" name="直線單箭頭接點 9"/>
+            <p:cNvCxnSpPr>
+              <a:stCxn id="4" idx="6"/>
+              <a:endCxn id="6" idx="2"/>
+            </p:cNvCxnSpPr>
+            <p:nvPr/>
+          </p:nvCxnSpPr>
+          <p:spPr>
+            <a:xfrm flipV="1">
+              <a:off x="2286000" y="2628900"/>
+              <a:ext cx="1905000" cy="609600"/>
+            </a:xfrm>
+            <a:prstGeom prst="straightConnector1">
+              <a:avLst/>
+            </a:prstGeom>
+            <a:ln w="31750">
+              <a:solidFill>
+                <a:schemeClr val="tx1"/>
+              </a:solidFill>
+              <a:tailEnd type="triangle"/>
+            </a:ln>
+          </p:spPr>
+          <p:style>
+            <a:lnRef idx="1">
+              <a:schemeClr val="accent1"/>
+            </a:lnRef>
+            <a:fillRef idx="0">
+              <a:schemeClr val="accent1"/>
+            </a:fillRef>
+            <a:effectRef idx="0">
+              <a:schemeClr val="accent1"/>
+            </a:effectRef>
+            <a:fontRef idx="minor">
+              <a:schemeClr val="tx1"/>
+            </a:fontRef>
+          </p:style>
+        </p:cxnSp>
+        <p:cxnSp>
+          <p:nvCxnSpPr>
+            <p:cNvPr id="11" name="直線單箭頭接點 10"/>
+            <p:cNvCxnSpPr>
+              <a:stCxn id="4" idx="6"/>
+              <a:endCxn id="7" idx="2"/>
+            </p:cNvCxnSpPr>
+            <p:nvPr/>
+          </p:nvCxnSpPr>
+          <p:spPr>
+            <a:xfrm>
+              <a:off x="2286000" y="3238500"/>
+              <a:ext cx="1905000" cy="381000"/>
+            </a:xfrm>
+            <a:prstGeom prst="straightConnector1">
+              <a:avLst/>
+            </a:prstGeom>
+            <a:ln w="31750">
+              <a:solidFill>
+                <a:schemeClr val="tx1"/>
+              </a:solidFill>
+              <a:tailEnd type="triangle"/>
+            </a:ln>
+          </p:spPr>
+          <p:style>
+            <a:lnRef idx="1">
+              <a:schemeClr val="accent1"/>
+            </a:lnRef>
+            <a:fillRef idx="0">
+              <a:schemeClr val="accent1"/>
+            </a:fillRef>
+            <a:effectRef idx="0">
+              <a:schemeClr val="accent1"/>
+            </a:effectRef>
+            <a:fontRef idx="minor">
+              <a:schemeClr val="tx1"/>
+            </a:fontRef>
+          </p:style>
+        </p:cxnSp>
+        <p:cxnSp>
+          <p:nvCxnSpPr>
+            <p:cNvPr id="14" name="直線單箭頭接點 13"/>
+            <p:cNvCxnSpPr>
+              <a:stCxn id="4" idx="6"/>
+              <a:endCxn id="8" idx="2"/>
+            </p:cNvCxnSpPr>
+            <p:nvPr/>
+          </p:nvCxnSpPr>
+          <p:spPr>
+            <a:xfrm>
+              <a:off x="2286000" y="3238500"/>
+              <a:ext cx="1905000" cy="1295400"/>
+            </a:xfrm>
+            <a:prstGeom prst="straightConnector1">
+              <a:avLst/>
+            </a:prstGeom>
+            <a:ln w="31750">
+              <a:solidFill>
+                <a:schemeClr val="tx1"/>
+              </a:solidFill>
+              <a:tailEnd type="triangle"/>
+            </a:ln>
+          </p:spPr>
+          <p:style>
+            <a:lnRef idx="1">
+              <a:schemeClr val="accent1"/>
+            </a:lnRef>
+            <a:fillRef idx="0">
+              <a:schemeClr val="accent1"/>
+            </a:fillRef>
+            <a:effectRef idx="0">
+              <a:schemeClr val="accent1"/>
+            </a:effectRef>
+            <a:fontRef idx="minor">
+              <a:schemeClr val="tx1"/>
+            </a:fontRef>
+          </p:style>
+        </p:cxnSp>
+        <p:sp>
+          <p:nvSpPr>
+            <p:cNvPr id="22" name="文字方塊 21"/>
+            <p:cNvSpPr txBox="1"/>
+            <p:nvPr/>
+          </p:nvSpPr>
+          <p:spPr>
+            <a:xfrm>
+              <a:off x="2971800" y="2438400"/>
+              <a:ext cx="697627" cy="369332"/>
+            </a:xfrm>
+            <a:prstGeom prst="rect">
+              <a:avLst/>
+            </a:prstGeom>
+            <a:noFill/>
+          </p:spPr>
+          <p:txBody>
+            <a:bodyPr wrap="none" rtlCol="0">
+              <a:spAutoFit/>
+            </a:bodyPr>
+            <a:lstStyle/>
+            <a:p>
+              <a:r>
+                <a:rPr lang="en-US" altLang="zh-TW" dirty="0" smtClean="0"/>
+                <a:t>a</a:t>
+              </a:r>
+              <a:r>
+                <a:rPr lang="en-US" altLang="zh-TW" dirty="0" smtClean="0"/>
+                <a:t>, 0.5</a:t>
+              </a:r>
+              <a:endParaRPr lang="zh-TW" altLang="en-US" dirty="0"/>
+            </a:p>
+          </p:txBody>
+        </p:sp>
+        <p:sp>
+          <p:nvSpPr>
+            <p:cNvPr id="23" name="文字方塊 22"/>
+            <p:cNvSpPr txBox="1"/>
+            <p:nvPr/>
+          </p:nvSpPr>
+          <p:spPr>
+            <a:xfrm>
+              <a:off x="2971800" y="3048000"/>
+              <a:ext cx="750526" cy="369332"/>
+            </a:xfrm>
+            <a:prstGeom prst="rect">
+              <a:avLst/>
+            </a:prstGeom>
+            <a:noFill/>
+          </p:spPr>
+          <p:txBody>
+            <a:bodyPr wrap="none" rtlCol="0">
+              <a:spAutoFit/>
+            </a:bodyPr>
+            <a:lstStyle/>
+            <a:p>
+              <a:r>
+                <a:rPr lang="en-US" altLang="zh-TW" dirty="0" smtClean="0"/>
+                <a:t>a</a:t>
+              </a:r>
+              <a:r>
+                <a:rPr lang="en-US" altLang="zh-TW" dirty="0" smtClean="0"/>
+                <a:t>, 0.5 </a:t>
+              </a:r>
+              <a:endParaRPr lang="zh-TW" altLang="en-US" dirty="0"/>
+            </a:p>
+          </p:txBody>
+        </p:sp>
+        <p:sp>
+          <p:nvSpPr>
+            <p:cNvPr id="24" name="文字方塊 23"/>
+            <p:cNvSpPr txBox="1"/>
+            <p:nvPr/>
+          </p:nvSpPr>
+          <p:spPr>
+            <a:xfrm>
+              <a:off x="2743200" y="3886200"/>
+              <a:ext cx="708848" cy="369332"/>
+            </a:xfrm>
+            <a:prstGeom prst="rect">
+              <a:avLst/>
+            </a:prstGeom>
+            <a:noFill/>
+          </p:spPr>
+          <p:txBody>
+            <a:bodyPr wrap="none" rtlCol="0">
+              <a:spAutoFit/>
+            </a:bodyPr>
+            <a:lstStyle/>
+            <a:p>
+              <a:r>
+                <a:rPr lang="en-US" altLang="zh-TW" dirty="0" smtClean="0"/>
+                <a:t>b</a:t>
+              </a:r>
+              <a:r>
+                <a:rPr lang="en-US" altLang="zh-TW" dirty="0" smtClean="0"/>
+                <a:t>, 1.0</a:t>
+              </a:r>
+              <a:endParaRPr lang="zh-TW" altLang="en-US" dirty="0"/>
+            </a:p>
+          </p:txBody>
+        </p:sp>
+        <p:sp>
+          <p:nvSpPr>
+            <p:cNvPr id="28" name="文字方塊 27"/>
+            <p:cNvSpPr txBox="1"/>
+            <p:nvPr/>
+          </p:nvSpPr>
+          <p:spPr>
+            <a:xfrm>
+              <a:off x="4953000" y="2362200"/>
+              <a:ext cx="651140" cy="369332"/>
+            </a:xfrm>
+            <a:prstGeom prst="rect">
+              <a:avLst/>
+            </a:prstGeom>
+            <a:noFill/>
+          </p:spPr>
+          <p:txBody>
+            <a:bodyPr wrap="none" rtlCol="0">
+              <a:spAutoFit/>
+            </a:bodyPr>
+            <a:lstStyle/>
+            <a:p>
+              <a:r>
+                <a:rPr lang="en-US" altLang="zh-TW" dirty="0" smtClean="0"/>
+                <a:t>+120</a:t>
+              </a:r>
+              <a:endParaRPr lang="zh-TW" altLang="en-US" dirty="0"/>
+            </a:p>
+          </p:txBody>
+        </p:sp>
+        <p:sp>
+          <p:nvSpPr>
+            <p:cNvPr id="29" name="文字方塊 28"/>
+            <p:cNvSpPr txBox="1"/>
+            <p:nvPr/>
+          </p:nvSpPr>
+          <p:spPr>
+            <a:xfrm>
+              <a:off x="4953000" y="3429000"/>
+              <a:ext cx="651140" cy="369332"/>
+            </a:xfrm>
+            <a:prstGeom prst="rect">
+              <a:avLst/>
+            </a:prstGeom>
+            <a:noFill/>
+          </p:spPr>
+          <p:txBody>
+            <a:bodyPr wrap="none" rtlCol="0">
+              <a:spAutoFit/>
+            </a:bodyPr>
+            <a:lstStyle/>
+            <a:p>
+              <a:r>
+                <a:rPr lang="en-US" altLang="zh-TW" dirty="0" smtClean="0"/>
+                <a:t>+120</a:t>
+              </a:r>
+              <a:endParaRPr lang="zh-TW" altLang="en-US" dirty="0"/>
+            </a:p>
+          </p:txBody>
+        </p:sp>
+        <p:sp>
+          <p:nvSpPr>
+            <p:cNvPr id="30" name="文字方塊 29"/>
+            <p:cNvSpPr txBox="1"/>
+            <p:nvPr/>
+          </p:nvSpPr>
+          <p:spPr>
+            <a:xfrm>
+              <a:off x="4953000" y="4419600"/>
+              <a:ext cx="651140" cy="369332"/>
+            </a:xfrm>
+            <a:prstGeom prst="rect">
+              <a:avLst/>
+            </a:prstGeom>
+            <a:noFill/>
+          </p:spPr>
+          <p:txBody>
+            <a:bodyPr wrap="none" rtlCol="0">
+              <a:spAutoFit/>
+            </a:bodyPr>
+            <a:lstStyle/>
+            <a:p>
+              <a:r>
+                <a:rPr lang="en-US" altLang="zh-TW" dirty="0" smtClean="0"/>
+                <a:t>+100</a:t>
+              </a:r>
+              <a:endParaRPr lang="zh-TW" altLang="en-US" dirty="0"/>
+            </a:p>
+          </p:txBody>
+        </p:sp>
+      </p:grpSp>
     </p:spTree>
   </p:cSld>
   <p:clrMapOvr>

--- a/figures/figures.pptx
+++ b/figures/figures.pptx
@@ -5,7 +5,7 @@
     <p:sldMasterId id="2147483648" r:id="rId1"/>
   </p:sldMasterIdLst>
   <p:notesMasterIdLst>
-    <p:notesMasterId r:id="rId13"/>
+    <p:notesMasterId r:id="rId14"/>
   </p:notesMasterIdLst>
   <p:sldIdLst>
     <p:sldId id="256" r:id="rId2"/>
@@ -16,9 +16,10 @@
     <p:sldId id="263" r:id="rId7"/>
     <p:sldId id="267" r:id="rId8"/>
     <p:sldId id="266" r:id="rId9"/>
-    <p:sldId id="264" r:id="rId10"/>
-    <p:sldId id="265" r:id="rId11"/>
-    <p:sldId id="262" r:id="rId12"/>
+    <p:sldId id="268" r:id="rId10"/>
+    <p:sldId id="264" r:id="rId11"/>
+    <p:sldId id="265" r:id="rId12"/>
+    <p:sldId id="262" r:id="rId13"/>
   </p:sldIdLst>
   <p:sldSz cx="9144000" cy="6858000" type="screen4x3"/>
   <p:notesSz cx="6858000" cy="9144000"/>
@@ -203,7 +204,7 @@
             <a:fld id="{507DC840-FE98-4570-9088-7CD08FF35371}" type="datetimeFigureOut">
               <a:rPr lang="en-US" smtClean="0"/>
               <a:pPr/>
-              <a:t>4/12/2011</a:t>
+              <a:t>4/14/2011</a:t>
             </a:fld>
             <a:endParaRPr lang="en-CA"/>
           </a:p>
@@ -633,6 +634,88 @@
 </p:notes>
 </file>
 
+<file path=ppt/notesSlides/notesSlide11.xml><?xml version="1.0" encoding="utf-8"?>
+<p:notes xmlns:a="http://schemas.openxmlformats.org/drawingml/2006/main" xmlns:r="http://schemas.openxmlformats.org/officeDocument/2006/relationships" xmlns:p="http://schemas.openxmlformats.org/presentationml/2006/main">
+  <p:cSld>
+    <p:spTree>
+      <p:nvGrpSpPr>
+        <p:cNvPr id="1" name=""/>
+        <p:cNvGrpSpPr/>
+        <p:nvPr/>
+      </p:nvGrpSpPr>
+      <p:grpSpPr>
+        <a:xfrm>
+          <a:off x="0" y="0"/>
+          <a:ext cx="0" cy="0"/>
+          <a:chOff x="0" y="0"/>
+          <a:chExt cx="0" cy="0"/>
+        </a:xfrm>
+      </p:grpSpPr>
+      <p:sp>
+        <p:nvSpPr>
+          <p:cNvPr id="2" name="投影片圖像版面配置區 1"/>
+          <p:cNvSpPr>
+            <a:spLocks noGrp="1" noRot="1" noChangeAspect="1"/>
+          </p:cNvSpPr>
+          <p:nvPr>
+            <p:ph type="sldImg"/>
+          </p:nvPr>
+        </p:nvSpPr>
+        <p:spPr/>
+      </p:sp>
+      <p:sp>
+        <p:nvSpPr>
+          <p:cNvPr id="3" name="備忘稿版面配置區 2"/>
+          <p:cNvSpPr>
+            <a:spLocks noGrp="1"/>
+          </p:cNvSpPr>
+          <p:nvPr>
+            <p:ph type="body" idx="1"/>
+          </p:nvPr>
+        </p:nvSpPr>
+        <p:spPr/>
+        <p:txBody>
+          <a:bodyPr>
+            <a:normAutofit/>
+          </a:bodyPr>
+          <a:lstStyle/>
+          <a:p>
+            <a:endParaRPr lang="en-CA"/>
+          </a:p>
+        </p:txBody>
+      </p:sp>
+      <p:sp>
+        <p:nvSpPr>
+          <p:cNvPr id="4" name="投影片編號版面配置區 3"/>
+          <p:cNvSpPr>
+            <a:spLocks noGrp="1"/>
+          </p:cNvSpPr>
+          <p:nvPr>
+            <p:ph type="sldNum" sz="quarter" idx="10"/>
+          </p:nvPr>
+        </p:nvSpPr>
+        <p:spPr/>
+        <p:txBody>
+          <a:bodyPr/>
+          <a:lstStyle/>
+          <a:p>
+            <a:fld id="{6EF94E7C-2F5C-43F1-B293-0A85B1BBD729}" type="slidenum">
+              <a:rPr lang="en-CA" smtClean="0"/>
+              <a:pPr/>
+              <a:t>11</a:t>
+            </a:fld>
+            <a:endParaRPr lang="en-CA"/>
+          </a:p>
+        </p:txBody>
+      </p:sp>
+    </p:spTree>
+  </p:cSld>
+  <p:clrMapOvr>
+    <a:masterClrMapping/>
+  </p:clrMapOvr>
+</p:notes>
+</file>
+
 <file path=ppt/notesSlides/notesSlide2.xml><?xml version="1.0" encoding="utf-8"?>
 <p:notes xmlns:a="http://schemas.openxmlformats.org/drawingml/2006/main" xmlns:r="http://schemas.openxmlformats.org/officeDocument/2006/relationships" xmlns:p="http://schemas.openxmlformats.org/presentationml/2006/main">
   <p:cSld>
@@ -1471,7 +1554,7 @@
             <a:fld id="{E8DC4A0C-9A40-4E9F-8BE1-0BD636236BA7}" type="datetimeFigureOut">
               <a:rPr lang="en-US" smtClean="0"/>
               <a:pPr/>
-              <a:t>4/12/2011</a:t>
+              <a:t>4/14/2011</a:t>
             </a:fld>
             <a:endParaRPr lang="en-CA"/>
           </a:p>
@@ -1638,7 +1721,7 @@
             <a:fld id="{E8DC4A0C-9A40-4E9F-8BE1-0BD636236BA7}" type="datetimeFigureOut">
               <a:rPr lang="en-US" smtClean="0"/>
               <a:pPr/>
-              <a:t>4/12/2011</a:t>
+              <a:t>4/14/2011</a:t>
             </a:fld>
             <a:endParaRPr lang="en-CA"/>
           </a:p>
@@ -1815,7 +1898,7 @@
             <a:fld id="{E8DC4A0C-9A40-4E9F-8BE1-0BD636236BA7}" type="datetimeFigureOut">
               <a:rPr lang="en-US" smtClean="0"/>
               <a:pPr/>
-              <a:t>4/12/2011</a:t>
+              <a:t>4/14/2011</a:t>
             </a:fld>
             <a:endParaRPr lang="en-CA"/>
           </a:p>
@@ -1982,7 +2065,7 @@
             <a:fld id="{E8DC4A0C-9A40-4E9F-8BE1-0BD636236BA7}" type="datetimeFigureOut">
               <a:rPr lang="en-US" smtClean="0"/>
               <a:pPr/>
-              <a:t>4/12/2011</a:t>
+              <a:t>4/14/2011</a:t>
             </a:fld>
             <a:endParaRPr lang="en-CA"/>
           </a:p>
@@ -2225,7 +2308,7 @@
             <a:fld id="{E8DC4A0C-9A40-4E9F-8BE1-0BD636236BA7}" type="datetimeFigureOut">
               <a:rPr lang="en-US" smtClean="0"/>
               <a:pPr/>
-              <a:t>4/12/2011</a:t>
+              <a:t>4/14/2011</a:t>
             </a:fld>
             <a:endParaRPr lang="en-CA"/>
           </a:p>
@@ -2510,7 +2593,7 @@
             <a:fld id="{E8DC4A0C-9A40-4E9F-8BE1-0BD636236BA7}" type="datetimeFigureOut">
               <a:rPr lang="en-US" smtClean="0"/>
               <a:pPr/>
-              <a:t>4/12/2011</a:t>
+              <a:t>4/14/2011</a:t>
             </a:fld>
             <a:endParaRPr lang="en-CA"/>
           </a:p>
@@ -2929,7 +3012,7 @@
             <a:fld id="{E8DC4A0C-9A40-4E9F-8BE1-0BD636236BA7}" type="datetimeFigureOut">
               <a:rPr lang="en-US" smtClean="0"/>
               <a:pPr/>
-              <a:t>4/12/2011</a:t>
+              <a:t>4/14/2011</a:t>
             </a:fld>
             <a:endParaRPr lang="en-CA"/>
           </a:p>
@@ -3044,7 +3127,7 @@
             <a:fld id="{E8DC4A0C-9A40-4E9F-8BE1-0BD636236BA7}" type="datetimeFigureOut">
               <a:rPr lang="en-US" smtClean="0"/>
               <a:pPr/>
-              <a:t>4/12/2011</a:t>
+              <a:t>4/14/2011</a:t>
             </a:fld>
             <a:endParaRPr lang="en-CA"/>
           </a:p>
@@ -3136,7 +3219,7 @@
             <a:fld id="{E8DC4A0C-9A40-4E9F-8BE1-0BD636236BA7}" type="datetimeFigureOut">
               <a:rPr lang="en-US" smtClean="0"/>
               <a:pPr/>
-              <a:t>4/12/2011</a:t>
+              <a:t>4/14/2011</a:t>
             </a:fld>
             <a:endParaRPr lang="en-CA"/>
           </a:p>
@@ -3410,7 +3493,7 @@
             <a:fld id="{E8DC4A0C-9A40-4E9F-8BE1-0BD636236BA7}" type="datetimeFigureOut">
               <a:rPr lang="en-US" smtClean="0"/>
               <a:pPr/>
-              <a:t>4/12/2011</a:t>
+              <a:t>4/14/2011</a:t>
             </a:fld>
             <a:endParaRPr lang="en-CA"/>
           </a:p>
@@ -3660,7 +3743,7 @@
             <a:fld id="{E8DC4A0C-9A40-4E9F-8BE1-0BD636236BA7}" type="datetimeFigureOut">
               <a:rPr lang="en-US" smtClean="0"/>
               <a:pPr/>
-              <a:t>4/12/2011</a:t>
+              <a:t>4/14/2011</a:t>
             </a:fld>
             <a:endParaRPr lang="en-CA"/>
           </a:p>
@@ -3870,7 +3953,7 @@
             <a:fld id="{E8DC4A0C-9A40-4E9F-8BE1-0BD636236BA7}" type="datetimeFigureOut">
               <a:rPr lang="en-US" smtClean="0"/>
               <a:pPr/>
-              <a:t>4/12/2011</a:t>
+              <a:t>4/14/2011</a:t>
             </a:fld>
             <a:endParaRPr lang="en-CA"/>
           </a:p>
@@ -4284,10 +4367,2584 @@
   <p:clrMapOvr>
     <a:masterClrMapping/>
   </p:clrMapOvr>
+  <p:timing>
+    <p:tnLst>
+      <p:par>
+        <p:cTn id="1" dur="indefinite" restart="never" nodeType="tmRoot"/>
+      </p:par>
+    </p:tnLst>
+  </p:timing>
 </p:sld>
 </file>
 
 <file path=ppt/slides/slide10.xml><?xml version="1.0" encoding="utf-8"?>
+<p:sld xmlns:a="http://schemas.openxmlformats.org/drawingml/2006/main" xmlns:r="http://schemas.openxmlformats.org/officeDocument/2006/relationships" xmlns:p="http://schemas.openxmlformats.org/presentationml/2006/main">
+  <p:cSld>
+    <p:spTree>
+      <p:nvGrpSpPr>
+        <p:cNvPr id="1" name=""/>
+        <p:cNvGrpSpPr/>
+        <p:nvPr/>
+      </p:nvGrpSpPr>
+      <p:grpSpPr>
+        <a:xfrm>
+          <a:off x="0" y="0"/>
+          <a:ext cx="0" cy="0"/>
+          <a:chOff x="0" y="0"/>
+          <a:chExt cx="0" cy="0"/>
+        </a:xfrm>
+      </p:grpSpPr>
+      <p:sp>
+        <p:nvSpPr>
+          <p:cNvPr id="4" name="橢圓 3"/>
+          <p:cNvSpPr/>
+          <p:nvPr/>
+        </p:nvSpPr>
+        <p:spPr>
+          <a:xfrm>
+            <a:off x="1752600" y="533399"/>
+            <a:ext cx="304800" cy="306000"/>
+          </a:xfrm>
+          <a:prstGeom prst="ellipse">
+            <a:avLst/>
+          </a:prstGeom>
+          <a:solidFill>
+            <a:schemeClr val="bg1"/>
+          </a:solidFill>
+          <a:ln w="19050"/>
+        </p:spPr>
+        <p:style>
+          <a:lnRef idx="2">
+            <a:schemeClr val="dk1">
+              <a:shade val="50000"/>
+            </a:schemeClr>
+          </a:lnRef>
+          <a:fillRef idx="1">
+            <a:schemeClr val="dk1"/>
+          </a:fillRef>
+          <a:effectRef idx="0">
+            <a:schemeClr val="dk1"/>
+          </a:effectRef>
+          <a:fontRef idx="minor">
+            <a:schemeClr val="lt1"/>
+          </a:fontRef>
+        </p:style>
+        <p:txBody>
+          <a:bodyPr rtlCol="0" anchor="ctr"/>
+          <a:lstStyle/>
+          <a:p>
+            <a:pPr algn="ctr"/>
+            <a:endParaRPr lang="zh-TW" altLang="en-US"/>
+          </a:p>
+        </p:txBody>
+      </p:sp>
+      <p:sp>
+        <p:nvSpPr>
+          <p:cNvPr id="6" name="橢圓 5"/>
+          <p:cNvSpPr/>
+          <p:nvPr/>
+        </p:nvSpPr>
+        <p:spPr>
+          <a:xfrm>
+            <a:off x="1752600" y="1600199"/>
+            <a:ext cx="304800" cy="306000"/>
+          </a:xfrm>
+          <a:prstGeom prst="ellipse">
+            <a:avLst/>
+          </a:prstGeom>
+          <a:solidFill>
+            <a:schemeClr val="bg1"/>
+          </a:solidFill>
+          <a:ln w="19050"/>
+        </p:spPr>
+        <p:style>
+          <a:lnRef idx="2">
+            <a:schemeClr val="dk1">
+              <a:shade val="50000"/>
+            </a:schemeClr>
+          </a:lnRef>
+          <a:fillRef idx="1">
+            <a:schemeClr val="dk1"/>
+          </a:fillRef>
+          <a:effectRef idx="0">
+            <a:schemeClr val="dk1"/>
+          </a:effectRef>
+          <a:fontRef idx="minor">
+            <a:schemeClr val="lt1"/>
+          </a:fontRef>
+        </p:style>
+        <p:txBody>
+          <a:bodyPr rtlCol="0" anchor="ctr"/>
+          <a:lstStyle/>
+          <a:p>
+            <a:pPr algn="ctr"/>
+            <a:endParaRPr lang="zh-TW" altLang="en-US"/>
+          </a:p>
+        </p:txBody>
+      </p:sp>
+      <p:cxnSp>
+        <p:nvCxnSpPr>
+          <p:cNvPr id="8" name="直線接點 7"/>
+          <p:cNvCxnSpPr>
+            <a:stCxn id="4" idx="4"/>
+            <a:endCxn id="6" idx="0"/>
+          </p:cNvCxnSpPr>
+          <p:nvPr/>
+        </p:nvCxnSpPr>
+        <p:spPr>
+          <a:xfrm rot="5400000">
+            <a:off x="1524600" y="1219799"/>
+            <a:ext cx="760800" cy="1588"/>
+          </a:xfrm>
+          <a:prstGeom prst="line">
+            <a:avLst/>
+          </a:prstGeom>
+          <a:ln w="19050"/>
+        </p:spPr>
+        <p:style>
+          <a:lnRef idx="1">
+            <a:schemeClr val="dk1"/>
+          </a:lnRef>
+          <a:fillRef idx="0">
+            <a:schemeClr val="dk1"/>
+          </a:fillRef>
+          <a:effectRef idx="0">
+            <a:schemeClr val="dk1"/>
+          </a:effectRef>
+          <a:fontRef idx="minor">
+            <a:schemeClr val="tx1"/>
+          </a:fontRef>
+        </p:style>
+      </p:cxnSp>
+      <p:sp>
+        <p:nvSpPr>
+          <p:cNvPr id="14" name="橢圓 13"/>
+          <p:cNvSpPr/>
+          <p:nvPr/>
+        </p:nvSpPr>
+        <p:spPr>
+          <a:xfrm>
+            <a:off x="1752600" y="2666999"/>
+            <a:ext cx="304800" cy="306000"/>
+          </a:xfrm>
+          <a:prstGeom prst="ellipse">
+            <a:avLst/>
+          </a:prstGeom>
+          <a:solidFill>
+            <a:schemeClr val="bg1"/>
+          </a:solidFill>
+          <a:ln w="19050"/>
+        </p:spPr>
+        <p:style>
+          <a:lnRef idx="2">
+            <a:schemeClr val="dk1">
+              <a:shade val="50000"/>
+            </a:schemeClr>
+          </a:lnRef>
+          <a:fillRef idx="1">
+            <a:schemeClr val="dk1"/>
+          </a:fillRef>
+          <a:effectRef idx="0">
+            <a:schemeClr val="dk1"/>
+          </a:effectRef>
+          <a:fontRef idx="minor">
+            <a:schemeClr val="lt1"/>
+          </a:fontRef>
+        </p:style>
+        <p:txBody>
+          <a:bodyPr rtlCol="0" anchor="ctr"/>
+          <a:lstStyle/>
+          <a:p>
+            <a:pPr algn="ctr"/>
+            <a:endParaRPr lang="zh-TW" altLang="en-US"/>
+          </a:p>
+        </p:txBody>
+      </p:sp>
+      <p:cxnSp>
+        <p:nvCxnSpPr>
+          <p:cNvPr id="15" name="直線接點 14"/>
+          <p:cNvCxnSpPr>
+            <a:stCxn id="6" idx="4"/>
+            <a:endCxn id="14" idx="0"/>
+          </p:cNvCxnSpPr>
+          <p:nvPr/>
+        </p:nvCxnSpPr>
+        <p:spPr>
+          <a:xfrm rot="5400000">
+            <a:off x="1524600" y="2286599"/>
+            <a:ext cx="760800" cy="1588"/>
+          </a:xfrm>
+          <a:prstGeom prst="line">
+            <a:avLst/>
+          </a:prstGeom>
+          <a:ln w="19050"/>
+        </p:spPr>
+        <p:style>
+          <a:lnRef idx="1">
+            <a:schemeClr val="dk1"/>
+          </a:lnRef>
+          <a:fillRef idx="0">
+            <a:schemeClr val="dk1"/>
+          </a:fillRef>
+          <a:effectRef idx="0">
+            <a:schemeClr val="dk1"/>
+          </a:effectRef>
+          <a:fontRef idx="minor">
+            <a:schemeClr val="tx1"/>
+          </a:fontRef>
+        </p:style>
+      </p:cxnSp>
+      <p:sp>
+        <p:nvSpPr>
+          <p:cNvPr id="21" name="橢圓 20"/>
+          <p:cNvSpPr/>
+          <p:nvPr/>
+        </p:nvSpPr>
+        <p:spPr>
+          <a:xfrm>
+            <a:off x="1752600" y="3733799"/>
+            <a:ext cx="304800" cy="306000"/>
+          </a:xfrm>
+          <a:prstGeom prst="ellipse">
+            <a:avLst/>
+          </a:prstGeom>
+          <a:solidFill>
+            <a:schemeClr val="bg1"/>
+          </a:solidFill>
+          <a:ln w="19050"/>
+        </p:spPr>
+        <p:style>
+          <a:lnRef idx="2">
+            <a:schemeClr val="dk1">
+              <a:shade val="50000"/>
+            </a:schemeClr>
+          </a:lnRef>
+          <a:fillRef idx="1">
+            <a:schemeClr val="dk1"/>
+          </a:fillRef>
+          <a:effectRef idx="0">
+            <a:schemeClr val="dk1"/>
+          </a:effectRef>
+          <a:fontRef idx="minor">
+            <a:schemeClr val="lt1"/>
+          </a:fontRef>
+        </p:style>
+        <p:txBody>
+          <a:bodyPr rtlCol="0" anchor="ctr"/>
+          <a:lstStyle/>
+          <a:p>
+            <a:pPr algn="ctr"/>
+            <a:endParaRPr lang="zh-TW" altLang="en-US"/>
+          </a:p>
+        </p:txBody>
+      </p:sp>
+      <p:cxnSp>
+        <p:nvCxnSpPr>
+          <p:cNvPr id="22" name="直線接點 21"/>
+          <p:cNvCxnSpPr>
+            <a:stCxn id="14" idx="4"/>
+            <a:endCxn id="21" idx="0"/>
+          </p:cNvCxnSpPr>
+          <p:nvPr/>
+        </p:nvCxnSpPr>
+        <p:spPr>
+          <a:xfrm rot="5400000">
+            <a:off x="1524600" y="3353399"/>
+            <a:ext cx="760800" cy="1588"/>
+          </a:xfrm>
+          <a:prstGeom prst="line">
+            <a:avLst/>
+          </a:prstGeom>
+          <a:ln w="19050"/>
+        </p:spPr>
+        <p:style>
+          <a:lnRef idx="1">
+            <a:schemeClr val="dk1"/>
+          </a:lnRef>
+          <a:fillRef idx="0">
+            <a:schemeClr val="dk1"/>
+          </a:fillRef>
+          <a:effectRef idx="0">
+            <a:schemeClr val="dk1"/>
+          </a:effectRef>
+          <a:fontRef idx="minor">
+            <a:schemeClr val="tx1"/>
+          </a:fontRef>
+        </p:style>
+      </p:cxnSp>
+      <p:sp>
+        <p:nvSpPr>
+          <p:cNvPr id="23" name="橢圓 22"/>
+          <p:cNvSpPr/>
+          <p:nvPr/>
+        </p:nvSpPr>
+        <p:spPr>
+          <a:xfrm>
+            <a:off x="1752600" y="4800599"/>
+            <a:ext cx="304800" cy="306000"/>
+          </a:xfrm>
+          <a:prstGeom prst="ellipse">
+            <a:avLst/>
+          </a:prstGeom>
+          <a:solidFill>
+            <a:schemeClr val="bg1"/>
+          </a:solidFill>
+          <a:ln w="19050"/>
+        </p:spPr>
+        <p:style>
+          <a:lnRef idx="2">
+            <a:schemeClr val="dk1">
+              <a:shade val="50000"/>
+            </a:schemeClr>
+          </a:lnRef>
+          <a:fillRef idx="1">
+            <a:schemeClr val="dk1"/>
+          </a:fillRef>
+          <a:effectRef idx="0">
+            <a:schemeClr val="dk1"/>
+          </a:effectRef>
+          <a:fontRef idx="minor">
+            <a:schemeClr val="lt1"/>
+          </a:fontRef>
+        </p:style>
+        <p:txBody>
+          <a:bodyPr rtlCol="0" anchor="ctr"/>
+          <a:lstStyle/>
+          <a:p>
+            <a:pPr algn="ctr"/>
+            <a:endParaRPr lang="zh-TW" altLang="en-US"/>
+          </a:p>
+        </p:txBody>
+      </p:sp>
+      <p:cxnSp>
+        <p:nvCxnSpPr>
+          <p:cNvPr id="24" name="直線接點 23"/>
+          <p:cNvCxnSpPr>
+            <a:stCxn id="21" idx="4"/>
+            <a:endCxn id="23" idx="0"/>
+          </p:cNvCxnSpPr>
+          <p:nvPr/>
+        </p:nvCxnSpPr>
+        <p:spPr>
+          <a:xfrm rot="5400000">
+            <a:off x="1524600" y="4420199"/>
+            <a:ext cx="760800" cy="1588"/>
+          </a:xfrm>
+          <a:prstGeom prst="line">
+            <a:avLst/>
+          </a:prstGeom>
+          <a:ln w="19050"/>
+        </p:spPr>
+        <p:style>
+          <a:lnRef idx="1">
+            <a:schemeClr val="dk1"/>
+          </a:lnRef>
+          <a:fillRef idx="0">
+            <a:schemeClr val="dk1"/>
+          </a:fillRef>
+          <a:effectRef idx="0">
+            <a:schemeClr val="dk1"/>
+          </a:effectRef>
+          <a:fontRef idx="minor">
+            <a:schemeClr val="tx1"/>
+          </a:fontRef>
+        </p:style>
+      </p:cxnSp>
+      <p:grpSp>
+        <p:nvGrpSpPr>
+          <p:cNvPr id="53" name="群組 52"/>
+          <p:cNvGrpSpPr/>
+          <p:nvPr/>
+        </p:nvGrpSpPr>
+        <p:grpSpPr>
+          <a:xfrm rot="16200000">
+            <a:off x="4038203" y="-1447403"/>
+            <a:ext cx="304800" cy="4266406"/>
+            <a:chOff x="1752600" y="840193"/>
+            <a:chExt cx="304800" cy="4266406"/>
+          </a:xfrm>
+        </p:grpSpPr>
+        <p:sp>
+          <p:nvSpPr>
+            <p:cNvPr id="54" name="橢圓 53"/>
+            <p:cNvSpPr/>
+            <p:nvPr/>
+          </p:nvSpPr>
+          <p:spPr>
+            <a:xfrm>
+              <a:off x="1752600" y="1600199"/>
+              <a:ext cx="304800" cy="306000"/>
+            </a:xfrm>
+            <a:prstGeom prst="ellipse">
+              <a:avLst/>
+            </a:prstGeom>
+            <a:solidFill>
+              <a:schemeClr val="bg1"/>
+            </a:solidFill>
+            <a:ln w="19050"/>
+          </p:spPr>
+          <p:style>
+            <a:lnRef idx="2">
+              <a:schemeClr val="dk1">
+                <a:shade val="50000"/>
+              </a:schemeClr>
+            </a:lnRef>
+            <a:fillRef idx="1">
+              <a:schemeClr val="dk1"/>
+            </a:fillRef>
+            <a:effectRef idx="0">
+              <a:schemeClr val="dk1"/>
+            </a:effectRef>
+            <a:fontRef idx="minor">
+              <a:schemeClr val="lt1"/>
+            </a:fontRef>
+          </p:style>
+          <p:txBody>
+            <a:bodyPr rtlCol="0" anchor="ctr"/>
+            <a:lstStyle/>
+            <a:p>
+              <a:pPr algn="ctr"/>
+              <a:endParaRPr lang="zh-TW" altLang="en-US"/>
+            </a:p>
+          </p:txBody>
+        </p:sp>
+        <p:cxnSp>
+          <p:nvCxnSpPr>
+            <p:cNvPr id="55" name="直線接點 54"/>
+            <p:cNvCxnSpPr>
+              <a:endCxn id="54" idx="0"/>
+            </p:cNvCxnSpPr>
+            <p:nvPr/>
+          </p:nvCxnSpPr>
+          <p:spPr>
+            <a:xfrm rot="5400000">
+              <a:off x="1524600" y="1219799"/>
+              <a:ext cx="760800" cy="1588"/>
+            </a:xfrm>
+            <a:prstGeom prst="line">
+              <a:avLst/>
+            </a:prstGeom>
+            <a:ln w="19050"/>
+          </p:spPr>
+          <p:style>
+            <a:lnRef idx="1">
+              <a:schemeClr val="dk1"/>
+            </a:lnRef>
+            <a:fillRef idx="0">
+              <a:schemeClr val="dk1"/>
+            </a:fillRef>
+            <a:effectRef idx="0">
+              <a:schemeClr val="dk1"/>
+            </a:effectRef>
+            <a:fontRef idx="minor">
+              <a:schemeClr val="tx1"/>
+            </a:fontRef>
+          </p:style>
+        </p:cxnSp>
+        <p:sp>
+          <p:nvSpPr>
+            <p:cNvPr id="56" name="橢圓 55"/>
+            <p:cNvSpPr/>
+            <p:nvPr/>
+          </p:nvSpPr>
+          <p:spPr>
+            <a:xfrm>
+              <a:off x="1752600" y="2666999"/>
+              <a:ext cx="304800" cy="306000"/>
+            </a:xfrm>
+            <a:prstGeom prst="ellipse">
+              <a:avLst/>
+            </a:prstGeom>
+            <a:solidFill>
+              <a:schemeClr val="bg1"/>
+            </a:solidFill>
+            <a:ln w="19050"/>
+          </p:spPr>
+          <p:style>
+            <a:lnRef idx="2">
+              <a:schemeClr val="dk1">
+                <a:shade val="50000"/>
+              </a:schemeClr>
+            </a:lnRef>
+            <a:fillRef idx="1">
+              <a:schemeClr val="dk1"/>
+            </a:fillRef>
+            <a:effectRef idx="0">
+              <a:schemeClr val="dk1"/>
+            </a:effectRef>
+            <a:fontRef idx="minor">
+              <a:schemeClr val="lt1"/>
+            </a:fontRef>
+          </p:style>
+          <p:txBody>
+            <a:bodyPr rtlCol="0" anchor="ctr"/>
+            <a:lstStyle/>
+            <a:p>
+              <a:pPr algn="ctr"/>
+              <a:endParaRPr lang="zh-TW" altLang="en-US"/>
+            </a:p>
+          </p:txBody>
+        </p:sp>
+        <p:cxnSp>
+          <p:nvCxnSpPr>
+            <p:cNvPr id="57" name="直線接點 56"/>
+            <p:cNvCxnSpPr>
+              <a:stCxn id="54" idx="4"/>
+              <a:endCxn id="56" idx="0"/>
+            </p:cNvCxnSpPr>
+            <p:nvPr/>
+          </p:nvCxnSpPr>
+          <p:spPr>
+            <a:xfrm rot="5400000">
+              <a:off x="1524600" y="2286599"/>
+              <a:ext cx="760800" cy="1588"/>
+            </a:xfrm>
+            <a:prstGeom prst="line">
+              <a:avLst/>
+            </a:prstGeom>
+            <a:ln w="19050"/>
+          </p:spPr>
+          <p:style>
+            <a:lnRef idx="1">
+              <a:schemeClr val="dk1"/>
+            </a:lnRef>
+            <a:fillRef idx="0">
+              <a:schemeClr val="dk1"/>
+            </a:fillRef>
+            <a:effectRef idx="0">
+              <a:schemeClr val="dk1"/>
+            </a:effectRef>
+            <a:fontRef idx="minor">
+              <a:schemeClr val="tx1"/>
+            </a:fontRef>
+          </p:style>
+        </p:cxnSp>
+        <p:sp>
+          <p:nvSpPr>
+            <p:cNvPr id="58" name="橢圓 57"/>
+            <p:cNvSpPr/>
+            <p:nvPr/>
+          </p:nvSpPr>
+          <p:spPr>
+            <a:xfrm>
+              <a:off x="1752600" y="3733799"/>
+              <a:ext cx="304800" cy="306000"/>
+            </a:xfrm>
+            <a:prstGeom prst="ellipse">
+              <a:avLst/>
+            </a:prstGeom>
+            <a:solidFill>
+              <a:schemeClr val="bg1"/>
+            </a:solidFill>
+            <a:ln w="19050"/>
+          </p:spPr>
+          <p:style>
+            <a:lnRef idx="2">
+              <a:schemeClr val="dk1">
+                <a:shade val="50000"/>
+              </a:schemeClr>
+            </a:lnRef>
+            <a:fillRef idx="1">
+              <a:schemeClr val="dk1"/>
+            </a:fillRef>
+            <a:effectRef idx="0">
+              <a:schemeClr val="dk1"/>
+            </a:effectRef>
+            <a:fontRef idx="minor">
+              <a:schemeClr val="lt1"/>
+            </a:fontRef>
+          </p:style>
+          <p:txBody>
+            <a:bodyPr rtlCol="0" anchor="ctr"/>
+            <a:lstStyle/>
+            <a:p>
+              <a:pPr algn="ctr"/>
+              <a:endParaRPr lang="zh-TW" altLang="en-US"/>
+            </a:p>
+          </p:txBody>
+        </p:sp>
+        <p:cxnSp>
+          <p:nvCxnSpPr>
+            <p:cNvPr id="59" name="直線接點 58"/>
+            <p:cNvCxnSpPr>
+              <a:stCxn id="56" idx="4"/>
+              <a:endCxn id="58" idx="0"/>
+            </p:cNvCxnSpPr>
+            <p:nvPr/>
+          </p:nvCxnSpPr>
+          <p:spPr>
+            <a:xfrm rot="5400000">
+              <a:off x="1524600" y="3353399"/>
+              <a:ext cx="760800" cy="1588"/>
+            </a:xfrm>
+            <a:prstGeom prst="line">
+              <a:avLst/>
+            </a:prstGeom>
+            <a:ln w="19050"/>
+          </p:spPr>
+          <p:style>
+            <a:lnRef idx="1">
+              <a:schemeClr val="dk1"/>
+            </a:lnRef>
+            <a:fillRef idx="0">
+              <a:schemeClr val="dk1"/>
+            </a:fillRef>
+            <a:effectRef idx="0">
+              <a:schemeClr val="dk1"/>
+            </a:effectRef>
+            <a:fontRef idx="minor">
+              <a:schemeClr val="tx1"/>
+            </a:fontRef>
+          </p:style>
+        </p:cxnSp>
+        <p:sp>
+          <p:nvSpPr>
+            <p:cNvPr id="60" name="橢圓 59"/>
+            <p:cNvSpPr/>
+            <p:nvPr/>
+          </p:nvSpPr>
+          <p:spPr>
+            <a:xfrm>
+              <a:off x="1752600" y="4800599"/>
+              <a:ext cx="304800" cy="306000"/>
+            </a:xfrm>
+            <a:prstGeom prst="ellipse">
+              <a:avLst/>
+            </a:prstGeom>
+            <a:solidFill>
+              <a:schemeClr val="bg1"/>
+            </a:solidFill>
+            <a:ln w="19050"/>
+          </p:spPr>
+          <p:style>
+            <a:lnRef idx="2">
+              <a:schemeClr val="dk1">
+                <a:shade val="50000"/>
+              </a:schemeClr>
+            </a:lnRef>
+            <a:fillRef idx="1">
+              <a:schemeClr val="dk1"/>
+            </a:fillRef>
+            <a:effectRef idx="0">
+              <a:schemeClr val="dk1"/>
+            </a:effectRef>
+            <a:fontRef idx="minor">
+              <a:schemeClr val="lt1"/>
+            </a:fontRef>
+          </p:style>
+          <p:txBody>
+            <a:bodyPr rtlCol="0" anchor="ctr"/>
+            <a:lstStyle/>
+            <a:p>
+              <a:pPr algn="ctr"/>
+              <a:endParaRPr lang="zh-TW" altLang="en-US"/>
+            </a:p>
+          </p:txBody>
+        </p:sp>
+        <p:cxnSp>
+          <p:nvCxnSpPr>
+            <p:cNvPr id="61" name="直線接點 60"/>
+            <p:cNvCxnSpPr>
+              <a:stCxn id="58" idx="4"/>
+              <a:endCxn id="60" idx="0"/>
+            </p:cNvCxnSpPr>
+            <p:nvPr/>
+          </p:nvCxnSpPr>
+          <p:spPr>
+            <a:xfrm rot="5400000">
+              <a:off x="1524600" y="4420199"/>
+              <a:ext cx="760800" cy="1588"/>
+            </a:xfrm>
+            <a:prstGeom prst="line">
+              <a:avLst/>
+            </a:prstGeom>
+            <a:ln w="19050"/>
+          </p:spPr>
+          <p:style>
+            <a:lnRef idx="1">
+              <a:schemeClr val="dk1"/>
+            </a:lnRef>
+            <a:fillRef idx="0">
+              <a:schemeClr val="dk1"/>
+            </a:fillRef>
+            <a:effectRef idx="0">
+              <a:schemeClr val="dk1"/>
+            </a:effectRef>
+            <a:fontRef idx="minor">
+              <a:schemeClr val="tx1"/>
+            </a:fontRef>
+          </p:style>
+        </p:cxnSp>
+      </p:grpSp>
+      <p:grpSp>
+        <p:nvGrpSpPr>
+          <p:cNvPr id="71" name="群組 70"/>
+          <p:cNvGrpSpPr/>
+          <p:nvPr/>
+        </p:nvGrpSpPr>
+        <p:grpSpPr>
+          <a:xfrm rot="16200000">
+            <a:off x="4038203" y="-380603"/>
+            <a:ext cx="304800" cy="4266406"/>
+            <a:chOff x="1752600" y="840193"/>
+            <a:chExt cx="304800" cy="4266406"/>
+          </a:xfrm>
+        </p:grpSpPr>
+        <p:sp>
+          <p:nvSpPr>
+            <p:cNvPr id="72" name="橢圓 71"/>
+            <p:cNvSpPr/>
+            <p:nvPr/>
+          </p:nvSpPr>
+          <p:spPr>
+            <a:xfrm>
+              <a:off x="1752600" y="1600199"/>
+              <a:ext cx="304800" cy="306000"/>
+            </a:xfrm>
+            <a:prstGeom prst="ellipse">
+              <a:avLst/>
+            </a:prstGeom>
+            <a:solidFill>
+              <a:schemeClr val="bg1"/>
+            </a:solidFill>
+            <a:ln w="19050"/>
+          </p:spPr>
+          <p:style>
+            <a:lnRef idx="2">
+              <a:schemeClr val="dk1">
+                <a:shade val="50000"/>
+              </a:schemeClr>
+            </a:lnRef>
+            <a:fillRef idx="1">
+              <a:schemeClr val="dk1"/>
+            </a:fillRef>
+            <a:effectRef idx="0">
+              <a:schemeClr val="dk1"/>
+            </a:effectRef>
+            <a:fontRef idx="minor">
+              <a:schemeClr val="lt1"/>
+            </a:fontRef>
+          </p:style>
+          <p:txBody>
+            <a:bodyPr rtlCol="0" anchor="ctr"/>
+            <a:lstStyle/>
+            <a:p>
+              <a:pPr algn="ctr"/>
+              <a:endParaRPr lang="zh-TW" altLang="en-US"/>
+            </a:p>
+          </p:txBody>
+        </p:sp>
+        <p:cxnSp>
+          <p:nvCxnSpPr>
+            <p:cNvPr id="73" name="直線接點 72"/>
+            <p:cNvCxnSpPr>
+              <a:endCxn id="72" idx="0"/>
+            </p:cNvCxnSpPr>
+            <p:nvPr/>
+          </p:nvCxnSpPr>
+          <p:spPr>
+            <a:xfrm rot="5400000">
+              <a:off x="1524600" y="1219799"/>
+              <a:ext cx="760800" cy="1588"/>
+            </a:xfrm>
+            <a:prstGeom prst="line">
+              <a:avLst/>
+            </a:prstGeom>
+            <a:ln w="19050"/>
+          </p:spPr>
+          <p:style>
+            <a:lnRef idx="1">
+              <a:schemeClr val="dk1"/>
+            </a:lnRef>
+            <a:fillRef idx="0">
+              <a:schemeClr val="dk1"/>
+            </a:fillRef>
+            <a:effectRef idx="0">
+              <a:schemeClr val="dk1"/>
+            </a:effectRef>
+            <a:fontRef idx="minor">
+              <a:schemeClr val="tx1"/>
+            </a:fontRef>
+          </p:style>
+        </p:cxnSp>
+        <p:sp>
+          <p:nvSpPr>
+            <p:cNvPr id="74" name="橢圓 73"/>
+            <p:cNvSpPr/>
+            <p:nvPr/>
+          </p:nvSpPr>
+          <p:spPr>
+            <a:xfrm>
+              <a:off x="1752600" y="2666999"/>
+              <a:ext cx="304800" cy="306000"/>
+            </a:xfrm>
+            <a:prstGeom prst="ellipse">
+              <a:avLst/>
+            </a:prstGeom>
+            <a:solidFill>
+              <a:schemeClr val="bg1"/>
+            </a:solidFill>
+            <a:ln w="19050"/>
+          </p:spPr>
+          <p:style>
+            <a:lnRef idx="2">
+              <a:schemeClr val="dk1">
+                <a:shade val="50000"/>
+              </a:schemeClr>
+            </a:lnRef>
+            <a:fillRef idx="1">
+              <a:schemeClr val="dk1"/>
+            </a:fillRef>
+            <a:effectRef idx="0">
+              <a:schemeClr val="dk1"/>
+            </a:effectRef>
+            <a:fontRef idx="minor">
+              <a:schemeClr val="lt1"/>
+            </a:fontRef>
+          </p:style>
+          <p:txBody>
+            <a:bodyPr rtlCol="0" anchor="ctr"/>
+            <a:lstStyle/>
+            <a:p>
+              <a:pPr algn="ctr"/>
+              <a:endParaRPr lang="zh-TW" altLang="en-US"/>
+            </a:p>
+          </p:txBody>
+        </p:sp>
+        <p:cxnSp>
+          <p:nvCxnSpPr>
+            <p:cNvPr id="75" name="直線接點 74"/>
+            <p:cNvCxnSpPr>
+              <a:stCxn id="72" idx="4"/>
+              <a:endCxn id="74" idx="0"/>
+            </p:cNvCxnSpPr>
+            <p:nvPr/>
+          </p:nvCxnSpPr>
+          <p:spPr>
+            <a:xfrm rot="5400000">
+              <a:off x="1524600" y="2286599"/>
+              <a:ext cx="760800" cy="1588"/>
+            </a:xfrm>
+            <a:prstGeom prst="line">
+              <a:avLst/>
+            </a:prstGeom>
+            <a:ln w="19050"/>
+          </p:spPr>
+          <p:style>
+            <a:lnRef idx="1">
+              <a:schemeClr val="dk1"/>
+            </a:lnRef>
+            <a:fillRef idx="0">
+              <a:schemeClr val="dk1"/>
+            </a:fillRef>
+            <a:effectRef idx="0">
+              <a:schemeClr val="dk1"/>
+            </a:effectRef>
+            <a:fontRef idx="minor">
+              <a:schemeClr val="tx1"/>
+            </a:fontRef>
+          </p:style>
+        </p:cxnSp>
+        <p:sp>
+          <p:nvSpPr>
+            <p:cNvPr id="76" name="橢圓 75"/>
+            <p:cNvSpPr/>
+            <p:nvPr/>
+          </p:nvSpPr>
+          <p:spPr>
+            <a:xfrm>
+              <a:off x="1752600" y="3733799"/>
+              <a:ext cx="304800" cy="306000"/>
+            </a:xfrm>
+            <a:prstGeom prst="ellipse">
+              <a:avLst/>
+            </a:prstGeom>
+            <a:solidFill>
+              <a:schemeClr val="bg1"/>
+            </a:solidFill>
+            <a:ln w="19050"/>
+          </p:spPr>
+          <p:style>
+            <a:lnRef idx="2">
+              <a:schemeClr val="dk1">
+                <a:shade val="50000"/>
+              </a:schemeClr>
+            </a:lnRef>
+            <a:fillRef idx="1">
+              <a:schemeClr val="dk1"/>
+            </a:fillRef>
+            <a:effectRef idx="0">
+              <a:schemeClr val="dk1"/>
+            </a:effectRef>
+            <a:fontRef idx="minor">
+              <a:schemeClr val="lt1"/>
+            </a:fontRef>
+          </p:style>
+          <p:txBody>
+            <a:bodyPr rtlCol="0" anchor="ctr"/>
+            <a:lstStyle/>
+            <a:p>
+              <a:pPr algn="ctr"/>
+              <a:endParaRPr lang="zh-TW" altLang="en-US"/>
+            </a:p>
+          </p:txBody>
+        </p:sp>
+        <p:cxnSp>
+          <p:nvCxnSpPr>
+            <p:cNvPr id="77" name="直線接點 76"/>
+            <p:cNvCxnSpPr>
+              <a:stCxn id="74" idx="4"/>
+              <a:endCxn id="76" idx="0"/>
+            </p:cNvCxnSpPr>
+            <p:nvPr/>
+          </p:nvCxnSpPr>
+          <p:spPr>
+            <a:xfrm rot="5400000">
+              <a:off x="1524600" y="3353399"/>
+              <a:ext cx="760800" cy="1588"/>
+            </a:xfrm>
+            <a:prstGeom prst="line">
+              <a:avLst/>
+            </a:prstGeom>
+            <a:ln w="19050"/>
+          </p:spPr>
+          <p:style>
+            <a:lnRef idx="1">
+              <a:schemeClr val="dk1"/>
+            </a:lnRef>
+            <a:fillRef idx="0">
+              <a:schemeClr val="dk1"/>
+            </a:fillRef>
+            <a:effectRef idx="0">
+              <a:schemeClr val="dk1"/>
+            </a:effectRef>
+            <a:fontRef idx="minor">
+              <a:schemeClr val="tx1"/>
+            </a:fontRef>
+          </p:style>
+        </p:cxnSp>
+        <p:sp>
+          <p:nvSpPr>
+            <p:cNvPr id="78" name="橢圓 77"/>
+            <p:cNvSpPr/>
+            <p:nvPr/>
+          </p:nvSpPr>
+          <p:spPr>
+            <a:xfrm>
+              <a:off x="1752600" y="4800599"/>
+              <a:ext cx="304800" cy="306000"/>
+            </a:xfrm>
+            <a:prstGeom prst="ellipse">
+              <a:avLst/>
+            </a:prstGeom>
+            <a:solidFill>
+              <a:schemeClr val="bg1"/>
+            </a:solidFill>
+            <a:ln w="19050"/>
+          </p:spPr>
+          <p:style>
+            <a:lnRef idx="2">
+              <a:schemeClr val="dk1">
+                <a:shade val="50000"/>
+              </a:schemeClr>
+            </a:lnRef>
+            <a:fillRef idx="1">
+              <a:schemeClr val="dk1"/>
+            </a:fillRef>
+            <a:effectRef idx="0">
+              <a:schemeClr val="dk1"/>
+            </a:effectRef>
+            <a:fontRef idx="minor">
+              <a:schemeClr val="lt1"/>
+            </a:fontRef>
+          </p:style>
+          <p:txBody>
+            <a:bodyPr rtlCol="0" anchor="ctr"/>
+            <a:lstStyle/>
+            <a:p>
+              <a:pPr algn="ctr"/>
+              <a:endParaRPr lang="zh-TW" altLang="en-US"/>
+            </a:p>
+          </p:txBody>
+        </p:sp>
+        <p:cxnSp>
+          <p:nvCxnSpPr>
+            <p:cNvPr id="79" name="直線接點 78"/>
+            <p:cNvCxnSpPr>
+              <a:stCxn id="76" idx="4"/>
+              <a:endCxn id="78" idx="0"/>
+            </p:cNvCxnSpPr>
+            <p:nvPr/>
+          </p:nvCxnSpPr>
+          <p:spPr>
+            <a:xfrm rot="5400000">
+              <a:off x="1524600" y="4420199"/>
+              <a:ext cx="760800" cy="1588"/>
+            </a:xfrm>
+            <a:prstGeom prst="line">
+              <a:avLst/>
+            </a:prstGeom>
+            <a:ln w="19050"/>
+          </p:spPr>
+          <p:style>
+            <a:lnRef idx="1">
+              <a:schemeClr val="dk1"/>
+            </a:lnRef>
+            <a:fillRef idx="0">
+              <a:schemeClr val="dk1"/>
+            </a:fillRef>
+            <a:effectRef idx="0">
+              <a:schemeClr val="dk1"/>
+            </a:effectRef>
+            <a:fontRef idx="minor">
+              <a:schemeClr val="tx1"/>
+            </a:fontRef>
+          </p:style>
+        </p:cxnSp>
+      </p:grpSp>
+      <p:grpSp>
+        <p:nvGrpSpPr>
+          <p:cNvPr id="80" name="群組 79"/>
+          <p:cNvGrpSpPr/>
+          <p:nvPr/>
+        </p:nvGrpSpPr>
+        <p:grpSpPr>
+          <a:xfrm rot="16200000">
+            <a:off x="4038203" y="686197"/>
+            <a:ext cx="304800" cy="4266406"/>
+            <a:chOff x="1752600" y="840193"/>
+            <a:chExt cx="304800" cy="4266406"/>
+          </a:xfrm>
+        </p:grpSpPr>
+        <p:sp>
+          <p:nvSpPr>
+            <p:cNvPr id="81" name="橢圓 80"/>
+            <p:cNvSpPr/>
+            <p:nvPr/>
+          </p:nvSpPr>
+          <p:spPr>
+            <a:xfrm>
+              <a:off x="1752600" y="1600199"/>
+              <a:ext cx="304800" cy="306000"/>
+            </a:xfrm>
+            <a:prstGeom prst="ellipse">
+              <a:avLst/>
+            </a:prstGeom>
+            <a:solidFill>
+              <a:schemeClr val="bg1"/>
+            </a:solidFill>
+            <a:ln w="19050"/>
+          </p:spPr>
+          <p:style>
+            <a:lnRef idx="2">
+              <a:schemeClr val="dk1">
+                <a:shade val="50000"/>
+              </a:schemeClr>
+            </a:lnRef>
+            <a:fillRef idx="1">
+              <a:schemeClr val="dk1"/>
+            </a:fillRef>
+            <a:effectRef idx="0">
+              <a:schemeClr val="dk1"/>
+            </a:effectRef>
+            <a:fontRef idx="minor">
+              <a:schemeClr val="lt1"/>
+            </a:fontRef>
+          </p:style>
+          <p:txBody>
+            <a:bodyPr rtlCol="0" anchor="ctr"/>
+            <a:lstStyle/>
+            <a:p>
+              <a:pPr algn="ctr"/>
+              <a:endParaRPr lang="zh-TW" altLang="en-US"/>
+            </a:p>
+          </p:txBody>
+        </p:sp>
+        <p:cxnSp>
+          <p:nvCxnSpPr>
+            <p:cNvPr id="82" name="直線接點 81"/>
+            <p:cNvCxnSpPr>
+              <a:endCxn id="81" idx="0"/>
+            </p:cNvCxnSpPr>
+            <p:nvPr/>
+          </p:nvCxnSpPr>
+          <p:spPr>
+            <a:xfrm rot="5400000">
+              <a:off x="1524600" y="1219799"/>
+              <a:ext cx="760800" cy="1588"/>
+            </a:xfrm>
+            <a:prstGeom prst="line">
+              <a:avLst/>
+            </a:prstGeom>
+            <a:ln w="19050"/>
+          </p:spPr>
+          <p:style>
+            <a:lnRef idx="1">
+              <a:schemeClr val="dk1"/>
+            </a:lnRef>
+            <a:fillRef idx="0">
+              <a:schemeClr val="dk1"/>
+            </a:fillRef>
+            <a:effectRef idx="0">
+              <a:schemeClr val="dk1"/>
+            </a:effectRef>
+            <a:fontRef idx="minor">
+              <a:schemeClr val="tx1"/>
+            </a:fontRef>
+          </p:style>
+        </p:cxnSp>
+        <p:sp>
+          <p:nvSpPr>
+            <p:cNvPr id="83" name="橢圓 82"/>
+            <p:cNvSpPr/>
+            <p:nvPr/>
+          </p:nvSpPr>
+          <p:spPr>
+            <a:xfrm>
+              <a:off x="1752600" y="2666999"/>
+              <a:ext cx="304800" cy="306000"/>
+            </a:xfrm>
+            <a:prstGeom prst="ellipse">
+              <a:avLst/>
+            </a:prstGeom>
+            <a:solidFill>
+              <a:schemeClr val="bg1"/>
+            </a:solidFill>
+            <a:ln w="19050"/>
+          </p:spPr>
+          <p:style>
+            <a:lnRef idx="2">
+              <a:schemeClr val="dk1">
+                <a:shade val="50000"/>
+              </a:schemeClr>
+            </a:lnRef>
+            <a:fillRef idx="1">
+              <a:schemeClr val="dk1"/>
+            </a:fillRef>
+            <a:effectRef idx="0">
+              <a:schemeClr val="dk1"/>
+            </a:effectRef>
+            <a:fontRef idx="minor">
+              <a:schemeClr val="lt1"/>
+            </a:fontRef>
+          </p:style>
+          <p:txBody>
+            <a:bodyPr rtlCol="0" anchor="ctr"/>
+            <a:lstStyle/>
+            <a:p>
+              <a:pPr algn="ctr"/>
+              <a:endParaRPr lang="zh-TW" altLang="en-US"/>
+            </a:p>
+          </p:txBody>
+        </p:sp>
+        <p:cxnSp>
+          <p:nvCxnSpPr>
+            <p:cNvPr id="84" name="直線接點 83"/>
+            <p:cNvCxnSpPr>
+              <a:stCxn id="81" idx="4"/>
+              <a:endCxn id="83" idx="0"/>
+            </p:cNvCxnSpPr>
+            <p:nvPr/>
+          </p:nvCxnSpPr>
+          <p:spPr>
+            <a:xfrm rot="5400000">
+              <a:off x="1524600" y="2286599"/>
+              <a:ext cx="760800" cy="1588"/>
+            </a:xfrm>
+            <a:prstGeom prst="line">
+              <a:avLst/>
+            </a:prstGeom>
+            <a:ln w="19050"/>
+          </p:spPr>
+          <p:style>
+            <a:lnRef idx="1">
+              <a:schemeClr val="dk1"/>
+            </a:lnRef>
+            <a:fillRef idx="0">
+              <a:schemeClr val="dk1"/>
+            </a:fillRef>
+            <a:effectRef idx="0">
+              <a:schemeClr val="dk1"/>
+            </a:effectRef>
+            <a:fontRef idx="minor">
+              <a:schemeClr val="tx1"/>
+            </a:fontRef>
+          </p:style>
+        </p:cxnSp>
+        <p:sp>
+          <p:nvSpPr>
+            <p:cNvPr id="85" name="橢圓 84"/>
+            <p:cNvSpPr/>
+            <p:nvPr/>
+          </p:nvSpPr>
+          <p:spPr>
+            <a:xfrm>
+              <a:off x="1752600" y="3733799"/>
+              <a:ext cx="304800" cy="306000"/>
+            </a:xfrm>
+            <a:prstGeom prst="ellipse">
+              <a:avLst/>
+            </a:prstGeom>
+            <a:solidFill>
+              <a:schemeClr val="bg1"/>
+            </a:solidFill>
+            <a:ln w="19050"/>
+          </p:spPr>
+          <p:style>
+            <a:lnRef idx="2">
+              <a:schemeClr val="dk1">
+                <a:shade val="50000"/>
+              </a:schemeClr>
+            </a:lnRef>
+            <a:fillRef idx="1">
+              <a:schemeClr val="dk1"/>
+            </a:fillRef>
+            <a:effectRef idx="0">
+              <a:schemeClr val="dk1"/>
+            </a:effectRef>
+            <a:fontRef idx="minor">
+              <a:schemeClr val="lt1"/>
+            </a:fontRef>
+          </p:style>
+          <p:txBody>
+            <a:bodyPr rtlCol="0" anchor="ctr"/>
+            <a:lstStyle/>
+            <a:p>
+              <a:pPr algn="ctr"/>
+              <a:endParaRPr lang="zh-TW" altLang="en-US"/>
+            </a:p>
+          </p:txBody>
+        </p:sp>
+        <p:cxnSp>
+          <p:nvCxnSpPr>
+            <p:cNvPr id="86" name="直線接點 85"/>
+            <p:cNvCxnSpPr>
+              <a:stCxn id="83" idx="4"/>
+              <a:endCxn id="85" idx="0"/>
+            </p:cNvCxnSpPr>
+            <p:nvPr/>
+          </p:nvCxnSpPr>
+          <p:spPr>
+            <a:xfrm rot="5400000">
+              <a:off x="1524600" y="3353399"/>
+              <a:ext cx="760800" cy="1588"/>
+            </a:xfrm>
+            <a:prstGeom prst="line">
+              <a:avLst/>
+            </a:prstGeom>
+            <a:ln w="19050"/>
+          </p:spPr>
+          <p:style>
+            <a:lnRef idx="1">
+              <a:schemeClr val="dk1"/>
+            </a:lnRef>
+            <a:fillRef idx="0">
+              <a:schemeClr val="dk1"/>
+            </a:fillRef>
+            <a:effectRef idx="0">
+              <a:schemeClr val="dk1"/>
+            </a:effectRef>
+            <a:fontRef idx="minor">
+              <a:schemeClr val="tx1"/>
+            </a:fontRef>
+          </p:style>
+        </p:cxnSp>
+        <p:sp>
+          <p:nvSpPr>
+            <p:cNvPr id="87" name="橢圓 86"/>
+            <p:cNvSpPr/>
+            <p:nvPr/>
+          </p:nvSpPr>
+          <p:spPr>
+            <a:xfrm>
+              <a:off x="1752600" y="4800599"/>
+              <a:ext cx="304800" cy="306000"/>
+            </a:xfrm>
+            <a:prstGeom prst="ellipse">
+              <a:avLst/>
+            </a:prstGeom>
+            <a:solidFill>
+              <a:schemeClr val="bg1"/>
+            </a:solidFill>
+            <a:ln w="19050"/>
+          </p:spPr>
+          <p:style>
+            <a:lnRef idx="2">
+              <a:schemeClr val="dk1">
+                <a:shade val="50000"/>
+              </a:schemeClr>
+            </a:lnRef>
+            <a:fillRef idx="1">
+              <a:schemeClr val="dk1"/>
+            </a:fillRef>
+            <a:effectRef idx="0">
+              <a:schemeClr val="dk1"/>
+            </a:effectRef>
+            <a:fontRef idx="minor">
+              <a:schemeClr val="lt1"/>
+            </a:fontRef>
+          </p:style>
+          <p:txBody>
+            <a:bodyPr rtlCol="0" anchor="ctr"/>
+            <a:lstStyle/>
+            <a:p>
+              <a:pPr algn="ctr"/>
+              <a:endParaRPr lang="zh-TW" altLang="en-US"/>
+            </a:p>
+          </p:txBody>
+        </p:sp>
+        <p:cxnSp>
+          <p:nvCxnSpPr>
+            <p:cNvPr id="88" name="直線接點 87"/>
+            <p:cNvCxnSpPr>
+              <a:stCxn id="85" idx="4"/>
+              <a:endCxn id="87" idx="0"/>
+            </p:cNvCxnSpPr>
+            <p:nvPr/>
+          </p:nvCxnSpPr>
+          <p:spPr>
+            <a:xfrm rot="5400000">
+              <a:off x="1524600" y="4420199"/>
+              <a:ext cx="760800" cy="1588"/>
+            </a:xfrm>
+            <a:prstGeom prst="line">
+              <a:avLst/>
+            </a:prstGeom>
+            <a:ln w="19050"/>
+          </p:spPr>
+          <p:style>
+            <a:lnRef idx="1">
+              <a:schemeClr val="dk1"/>
+            </a:lnRef>
+            <a:fillRef idx="0">
+              <a:schemeClr val="dk1"/>
+            </a:fillRef>
+            <a:effectRef idx="0">
+              <a:schemeClr val="dk1"/>
+            </a:effectRef>
+            <a:fontRef idx="minor">
+              <a:schemeClr val="tx1"/>
+            </a:fontRef>
+          </p:style>
+        </p:cxnSp>
+      </p:grpSp>
+      <p:grpSp>
+        <p:nvGrpSpPr>
+          <p:cNvPr id="89" name="群組 88"/>
+          <p:cNvGrpSpPr/>
+          <p:nvPr/>
+        </p:nvGrpSpPr>
+        <p:grpSpPr>
+          <a:xfrm rot="16200000">
+            <a:off x="4038203" y="1752997"/>
+            <a:ext cx="304800" cy="4266406"/>
+            <a:chOff x="1752600" y="840193"/>
+            <a:chExt cx="304800" cy="4266406"/>
+          </a:xfrm>
+        </p:grpSpPr>
+        <p:sp>
+          <p:nvSpPr>
+            <p:cNvPr id="90" name="橢圓 89"/>
+            <p:cNvSpPr/>
+            <p:nvPr/>
+          </p:nvSpPr>
+          <p:spPr>
+            <a:xfrm>
+              <a:off x="1752600" y="1600199"/>
+              <a:ext cx="304800" cy="306000"/>
+            </a:xfrm>
+            <a:prstGeom prst="ellipse">
+              <a:avLst/>
+            </a:prstGeom>
+            <a:solidFill>
+              <a:schemeClr val="bg1"/>
+            </a:solidFill>
+            <a:ln w="19050"/>
+          </p:spPr>
+          <p:style>
+            <a:lnRef idx="2">
+              <a:schemeClr val="dk1">
+                <a:shade val="50000"/>
+              </a:schemeClr>
+            </a:lnRef>
+            <a:fillRef idx="1">
+              <a:schemeClr val="dk1"/>
+            </a:fillRef>
+            <a:effectRef idx="0">
+              <a:schemeClr val="dk1"/>
+            </a:effectRef>
+            <a:fontRef idx="minor">
+              <a:schemeClr val="lt1"/>
+            </a:fontRef>
+          </p:style>
+          <p:txBody>
+            <a:bodyPr rtlCol="0" anchor="ctr"/>
+            <a:lstStyle/>
+            <a:p>
+              <a:pPr algn="ctr"/>
+              <a:endParaRPr lang="zh-TW" altLang="en-US"/>
+            </a:p>
+          </p:txBody>
+        </p:sp>
+        <p:cxnSp>
+          <p:nvCxnSpPr>
+            <p:cNvPr id="91" name="直線接點 90"/>
+            <p:cNvCxnSpPr>
+              <a:endCxn id="90" idx="0"/>
+            </p:cNvCxnSpPr>
+            <p:nvPr/>
+          </p:nvCxnSpPr>
+          <p:spPr>
+            <a:xfrm rot="5400000">
+              <a:off x="1524600" y="1219799"/>
+              <a:ext cx="760800" cy="1588"/>
+            </a:xfrm>
+            <a:prstGeom prst="line">
+              <a:avLst/>
+            </a:prstGeom>
+            <a:ln w="19050"/>
+          </p:spPr>
+          <p:style>
+            <a:lnRef idx="1">
+              <a:schemeClr val="dk1"/>
+            </a:lnRef>
+            <a:fillRef idx="0">
+              <a:schemeClr val="dk1"/>
+            </a:fillRef>
+            <a:effectRef idx="0">
+              <a:schemeClr val="dk1"/>
+            </a:effectRef>
+            <a:fontRef idx="minor">
+              <a:schemeClr val="tx1"/>
+            </a:fontRef>
+          </p:style>
+        </p:cxnSp>
+        <p:sp>
+          <p:nvSpPr>
+            <p:cNvPr id="92" name="橢圓 91"/>
+            <p:cNvSpPr/>
+            <p:nvPr/>
+          </p:nvSpPr>
+          <p:spPr>
+            <a:xfrm>
+              <a:off x="1752600" y="2666999"/>
+              <a:ext cx="304800" cy="306000"/>
+            </a:xfrm>
+            <a:prstGeom prst="ellipse">
+              <a:avLst/>
+            </a:prstGeom>
+            <a:solidFill>
+              <a:schemeClr val="bg1"/>
+            </a:solidFill>
+            <a:ln w="19050"/>
+          </p:spPr>
+          <p:style>
+            <a:lnRef idx="2">
+              <a:schemeClr val="dk1">
+                <a:shade val="50000"/>
+              </a:schemeClr>
+            </a:lnRef>
+            <a:fillRef idx="1">
+              <a:schemeClr val="dk1"/>
+            </a:fillRef>
+            <a:effectRef idx="0">
+              <a:schemeClr val="dk1"/>
+            </a:effectRef>
+            <a:fontRef idx="minor">
+              <a:schemeClr val="lt1"/>
+            </a:fontRef>
+          </p:style>
+          <p:txBody>
+            <a:bodyPr rtlCol="0" anchor="ctr"/>
+            <a:lstStyle/>
+            <a:p>
+              <a:pPr algn="ctr"/>
+              <a:endParaRPr lang="zh-TW" altLang="en-US"/>
+            </a:p>
+          </p:txBody>
+        </p:sp>
+        <p:cxnSp>
+          <p:nvCxnSpPr>
+            <p:cNvPr id="93" name="直線接點 92"/>
+            <p:cNvCxnSpPr>
+              <a:stCxn id="90" idx="4"/>
+              <a:endCxn id="92" idx="0"/>
+            </p:cNvCxnSpPr>
+            <p:nvPr/>
+          </p:nvCxnSpPr>
+          <p:spPr>
+            <a:xfrm rot="5400000">
+              <a:off x="1524600" y="2286599"/>
+              <a:ext cx="760800" cy="1588"/>
+            </a:xfrm>
+            <a:prstGeom prst="line">
+              <a:avLst/>
+            </a:prstGeom>
+            <a:ln w="19050"/>
+          </p:spPr>
+          <p:style>
+            <a:lnRef idx="1">
+              <a:schemeClr val="dk1"/>
+            </a:lnRef>
+            <a:fillRef idx="0">
+              <a:schemeClr val="dk1"/>
+            </a:fillRef>
+            <a:effectRef idx="0">
+              <a:schemeClr val="dk1"/>
+            </a:effectRef>
+            <a:fontRef idx="minor">
+              <a:schemeClr val="tx1"/>
+            </a:fontRef>
+          </p:style>
+        </p:cxnSp>
+        <p:sp>
+          <p:nvSpPr>
+            <p:cNvPr id="94" name="橢圓 93"/>
+            <p:cNvSpPr/>
+            <p:nvPr/>
+          </p:nvSpPr>
+          <p:spPr>
+            <a:xfrm>
+              <a:off x="1752600" y="3733799"/>
+              <a:ext cx="304800" cy="306000"/>
+            </a:xfrm>
+            <a:prstGeom prst="ellipse">
+              <a:avLst/>
+            </a:prstGeom>
+            <a:solidFill>
+              <a:schemeClr val="bg1"/>
+            </a:solidFill>
+            <a:ln w="19050"/>
+          </p:spPr>
+          <p:style>
+            <a:lnRef idx="2">
+              <a:schemeClr val="dk1">
+                <a:shade val="50000"/>
+              </a:schemeClr>
+            </a:lnRef>
+            <a:fillRef idx="1">
+              <a:schemeClr val="dk1"/>
+            </a:fillRef>
+            <a:effectRef idx="0">
+              <a:schemeClr val="dk1"/>
+            </a:effectRef>
+            <a:fontRef idx="minor">
+              <a:schemeClr val="lt1"/>
+            </a:fontRef>
+          </p:style>
+          <p:txBody>
+            <a:bodyPr rtlCol="0" anchor="ctr"/>
+            <a:lstStyle/>
+            <a:p>
+              <a:pPr algn="ctr"/>
+              <a:endParaRPr lang="zh-TW" altLang="en-US"/>
+            </a:p>
+          </p:txBody>
+        </p:sp>
+        <p:cxnSp>
+          <p:nvCxnSpPr>
+            <p:cNvPr id="95" name="直線接點 94"/>
+            <p:cNvCxnSpPr>
+              <a:stCxn id="92" idx="4"/>
+              <a:endCxn id="94" idx="0"/>
+            </p:cNvCxnSpPr>
+            <p:nvPr/>
+          </p:nvCxnSpPr>
+          <p:spPr>
+            <a:xfrm rot="5400000">
+              <a:off x="1524600" y="3353399"/>
+              <a:ext cx="760800" cy="1588"/>
+            </a:xfrm>
+            <a:prstGeom prst="line">
+              <a:avLst/>
+            </a:prstGeom>
+            <a:ln w="19050"/>
+          </p:spPr>
+          <p:style>
+            <a:lnRef idx="1">
+              <a:schemeClr val="dk1"/>
+            </a:lnRef>
+            <a:fillRef idx="0">
+              <a:schemeClr val="dk1"/>
+            </a:fillRef>
+            <a:effectRef idx="0">
+              <a:schemeClr val="dk1"/>
+            </a:effectRef>
+            <a:fontRef idx="minor">
+              <a:schemeClr val="tx1"/>
+            </a:fontRef>
+          </p:style>
+        </p:cxnSp>
+        <p:sp>
+          <p:nvSpPr>
+            <p:cNvPr id="96" name="橢圓 95"/>
+            <p:cNvSpPr/>
+            <p:nvPr/>
+          </p:nvSpPr>
+          <p:spPr>
+            <a:xfrm>
+              <a:off x="1752600" y="4800599"/>
+              <a:ext cx="304800" cy="306000"/>
+            </a:xfrm>
+            <a:prstGeom prst="ellipse">
+              <a:avLst/>
+            </a:prstGeom>
+            <a:solidFill>
+              <a:schemeClr val="bg1"/>
+            </a:solidFill>
+            <a:ln w="19050"/>
+          </p:spPr>
+          <p:style>
+            <a:lnRef idx="2">
+              <a:schemeClr val="dk1">
+                <a:shade val="50000"/>
+              </a:schemeClr>
+            </a:lnRef>
+            <a:fillRef idx="1">
+              <a:schemeClr val="dk1"/>
+            </a:fillRef>
+            <a:effectRef idx="0">
+              <a:schemeClr val="dk1"/>
+            </a:effectRef>
+            <a:fontRef idx="minor">
+              <a:schemeClr val="lt1"/>
+            </a:fontRef>
+          </p:style>
+          <p:txBody>
+            <a:bodyPr rtlCol="0" anchor="ctr"/>
+            <a:lstStyle/>
+            <a:p>
+              <a:pPr algn="ctr"/>
+              <a:endParaRPr lang="zh-TW" altLang="en-US"/>
+            </a:p>
+          </p:txBody>
+        </p:sp>
+        <p:cxnSp>
+          <p:nvCxnSpPr>
+            <p:cNvPr id="97" name="直線接點 96"/>
+            <p:cNvCxnSpPr>
+              <a:stCxn id="94" idx="4"/>
+              <a:endCxn id="96" idx="0"/>
+            </p:cNvCxnSpPr>
+            <p:nvPr/>
+          </p:nvCxnSpPr>
+          <p:spPr>
+            <a:xfrm rot="5400000">
+              <a:off x="1524600" y="4420199"/>
+              <a:ext cx="760800" cy="1588"/>
+            </a:xfrm>
+            <a:prstGeom prst="line">
+              <a:avLst/>
+            </a:prstGeom>
+            <a:ln w="19050"/>
+          </p:spPr>
+          <p:style>
+            <a:lnRef idx="1">
+              <a:schemeClr val="dk1"/>
+            </a:lnRef>
+            <a:fillRef idx="0">
+              <a:schemeClr val="dk1"/>
+            </a:fillRef>
+            <a:effectRef idx="0">
+              <a:schemeClr val="dk1"/>
+            </a:effectRef>
+            <a:fontRef idx="minor">
+              <a:schemeClr val="tx1"/>
+            </a:fontRef>
+          </p:style>
+        </p:cxnSp>
+      </p:grpSp>
+      <p:grpSp>
+        <p:nvGrpSpPr>
+          <p:cNvPr id="98" name="群組 97"/>
+          <p:cNvGrpSpPr/>
+          <p:nvPr/>
+        </p:nvGrpSpPr>
+        <p:grpSpPr>
+          <a:xfrm rot="16200000">
+            <a:off x="4038203" y="2819797"/>
+            <a:ext cx="304800" cy="4266406"/>
+            <a:chOff x="1752600" y="840193"/>
+            <a:chExt cx="304800" cy="4266406"/>
+          </a:xfrm>
+        </p:grpSpPr>
+        <p:sp>
+          <p:nvSpPr>
+            <p:cNvPr id="99" name="橢圓 98"/>
+            <p:cNvSpPr/>
+            <p:nvPr/>
+          </p:nvSpPr>
+          <p:spPr>
+            <a:xfrm>
+              <a:off x="1752600" y="1600199"/>
+              <a:ext cx="304800" cy="306000"/>
+            </a:xfrm>
+            <a:prstGeom prst="ellipse">
+              <a:avLst/>
+            </a:prstGeom>
+            <a:solidFill>
+              <a:schemeClr val="bg1"/>
+            </a:solidFill>
+            <a:ln w="19050"/>
+          </p:spPr>
+          <p:style>
+            <a:lnRef idx="2">
+              <a:schemeClr val="dk1">
+                <a:shade val="50000"/>
+              </a:schemeClr>
+            </a:lnRef>
+            <a:fillRef idx="1">
+              <a:schemeClr val="dk1"/>
+            </a:fillRef>
+            <a:effectRef idx="0">
+              <a:schemeClr val="dk1"/>
+            </a:effectRef>
+            <a:fontRef idx="minor">
+              <a:schemeClr val="lt1"/>
+            </a:fontRef>
+          </p:style>
+          <p:txBody>
+            <a:bodyPr rtlCol="0" anchor="ctr"/>
+            <a:lstStyle/>
+            <a:p>
+              <a:pPr algn="ctr"/>
+              <a:endParaRPr lang="zh-TW" altLang="en-US"/>
+            </a:p>
+          </p:txBody>
+        </p:sp>
+        <p:cxnSp>
+          <p:nvCxnSpPr>
+            <p:cNvPr id="100" name="直線接點 99"/>
+            <p:cNvCxnSpPr>
+              <a:endCxn id="99" idx="0"/>
+            </p:cNvCxnSpPr>
+            <p:nvPr/>
+          </p:nvCxnSpPr>
+          <p:spPr>
+            <a:xfrm rot="5400000">
+              <a:off x="1524600" y="1219799"/>
+              <a:ext cx="760800" cy="1588"/>
+            </a:xfrm>
+            <a:prstGeom prst="line">
+              <a:avLst/>
+            </a:prstGeom>
+            <a:ln w="19050"/>
+          </p:spPr>
+          <p:style>
+            <a:lnRef idx="1">
+              <a:schemeClr val="dk1"/>
+            </a:lnRef>
+            <a:fillRef idx="0">
+              <a:schemeClr val="dk1"/>
+            </a:fillRef>
+            <a:effectRef idx="0">
+              <a:schemeClr val="dk1"/>
+            </a:effectRef>
+            <a:fontRef idx="minor">
+              <a:schemeClr val="tx1"/>
+            </a:fontRef>
+          </p:style>
+        </p:cxnSp>
+        <p:sp>
+          <p:nvSpPr>
+            <p:cNvPr id="101" name="橢圓 100"/>
+            <p:cNvSpPr/>
+            <p:nvPr/>
+          </p:nvSpPr>
+          <p:spPr>
+            <a:xfrm>
+              <a:off x="1752600" y="2666999"/>
+              <a:ext cx="304800" cy="306000"/>
+            </a:xfrm>
+            <a:prstGeom prst="ellipse">
+              <a:avLst/>
+            </a:prstGeom>
+            <a:solidFill>
+              <a:schemeClr val="bg1"/>
+            </a:solidFill>
+            <a:ln w="19050"/>
+          </p:spPr>
+          <p:style>
+            <a:lnRef idx="2">
+              <a:schemeClr val="dk1">
+                <a:shade val="50000"/>
+              </a:schemeClr>
+            </a:lnRef>
+            <a:fillRef idx="1">
+              <a:schemeClr val="dk1"/>
+            </a:fillRef>
+            <a:effectRef idx="0">
+              <a:schemeClr val="dk1"/>
+            </a:effectRef>
+            <a:fontRef idx="minor">
+              <a:schemeClr val="lt1"/>
+            </a:fontRef>
+          </p:style>
+          <p:txBody>
+            <a:bodyPr rtlCol="0" anchor="ctr"/>
+            <a:lstStyle/>
+            <a:p>
+              <a:pPr algn="ctr"/>
+              <a:endParaRPr lang="zh-TW" altLang="en-US"/>
+            </a:p>
+          </p:txBody>
+        </p:sp>
+        <p:cxnSp>
+          <p:nvCxnSpPr>
+            <p:cNvPr id="102" name="直線接點 101"/>
+            <p:cNvCxnSpPr>
+              <a:stCxn id="99" idx="4"/>
+              <a:endCxn id="101" idx="0"/>
+            </p:cNvCxnSpPr>
+            <p:nvPr/>
+          </p:nvCxnSpPr>
+          <p:spPr>
+            <a:xfrm rot="5400000">
+              <a:off x="1524600" y="2286599"/>
+              <a:ext cx="760800" cy="1588"/>
+            </a:xfrm>
+            <a:prstGeom prst="line">
+              <a:avLst/>
+            </a:prstGeom>
+            <a:ln w="19050"/>
+          </p:spPr>
+          <p:style>
+            <a:lnRef idx="1">
+              <a:schemeClr val="dk1"/>
+            </a:lnRef>
+            <a:fillRef idx="0">
+              <a:schemeClr val="dk1"/>
+            </a:fillRef>
+            <a:effectRef idx="0">
+              <a:schemeClr val="dk1"/>
+            </a:effectRef>
+            <a:fontRef idx="minor">
+              <a:schemeClr val="tx1"/>
+            </a:fontRef>
+          </p:style>
+        </p:cxnSp>
+        <p:sp>
+          <p:nvSpPr>
+            <p:cNvPr id="103" name="橢圓 102"/>
+            <p:cNvSpPr/>
+            <p:nvPr/>
+          </p:nvSpPr>
+          <p:spPr>
+            <a:xfrm>
+              <a:off x="1752600" y="3733799"/>
+              <a:ext cx="304800" cy="306000"/>
+            </a:xfrm>
+            <a:prstGeom prst="ellipse">
+              <a:avLst/>
+            </a:prstGeom>
+            <a:solidFill>
+              <a:schemeClr val="bg1"/>
+            </a:solidFill>
+            <a:ln w="19050"/>
+          </p:spPr>
+          <p:style>
+            <a:lnRef idx="2">
+              <a:schemeClr val="dk1">
+                <a:shade val="50000"/>
+              </a:schemeClr>
+            </a:lnRef>
+            <a:fillRef idx="1">
+              <a:schemeClr val="dk1"/>
+            </a:fillRef>
+            <a:effectRef idx="0">
+              <a:schemeClr val="dk1"/>
+            </a:effectRef>
+            <a:fontRef idx="minor">
+              <a:schemeClr val="lt1"/>
+            </a:fontRef>
+          </p:style>
+          <p:txBody>
+            <a:bodyPr rtlCol="0" anchor="ctr"/>
+            <a:lstStyle/>
+            <a:p>
+              <a:pPr algn="ctr"/>
+              <a:endParaRPr lang="zh-TW" altLang="en-US"/>
+            </a:p>
+          </p:txBody>
+        </p:sp>
+        <p:cxnSp>
+          <p:nvCxnSpPr>
+            <p:cNvPr id="104" name="直線接點 103"/>
+            <p:cNvCxnSpPr>
+              <a:stCxn id="101" idx="4"/>
+              <a:endCxn id="103" idx="0"/>
+            </p:cNvCxnSpPr>
+            <p:nvPr/>
+          </p:nvCxnSpPr>
+          <p:spPr>
+            <a:xfrm rot="5400000">
+              <a:off x="1524600" y="3353399"/>
+              <a:ext cx="760800" cy="1588"/>
+            </a:xfrm>
+            <a:prstGeom prst="line">
+              <a:avLst/>
+            </a:prstGeom>
+            <a:ln w="19050"/>
+          </p:spPr>
+          <p:style>
+            <a:lnRef idx="1">
+              <a:schemeClr val="dk1"/>
+            </a:lnRef>
+            <a:fillRef idx="0">
+              <a:schemeClr val="dk1"/>
+            </a:fillRef>
+            <a:effectRef idx="0">
+              <a:schemeClr val="dk1"/>
+            </a:effectRef>
+            <a:fontRef idx="minor">
+              <a:schemeClr val="tx1"/>
+            </a:fontRef>
+          </p:style>
+        </p:cxnSp>
+        <p:sp>
+          <p:nvSpPr>
+            <p:cNvPr id="105" name="橢圓 104"/>
+            <p:cNvSpPr/>
+            <p:nvPr/>
+          </p:nvSpPr>
+          <p:spPr>
+            <a:xfrm>
+              <a:off x="1752600" y="4800599"/>
+              <a:ext cx="304800" cy="306000"/>
+            </a:xfrm>
+            <a:prstGeom prst="ellipse">
+              <a:avLst/>
+            </a:prstGeom>
+            <a:solidFill>
+              <a:schemeClr val="bg1"/>
+            </a:solidFill>
+            <a:ln w="19050"/>
+          </p:spPr>
+          <p:style>
+            <a:lnRef idx="2">
+              <a:schemeClr val="dk1">
+                <a:shade val="50000"/>
+              </a:schemeClr>
+            </a:lnRef>
+            <a:fillRef idx="1">
+              <a:schemeClr val="dk1"/>
+            </a:fillRef>
+            <a:effectRef idx="0">
+              <a:schemeClr val="dk1"/>
+            </a:effectRef>
+            <a:fontRef idx="minor">
+              <a:schemeClr val="lt1"/>
+            </a:fontRef>
+          </p:style>
+          <p:txBody>
+            <a:bodyPr rtlCol="0" anchor="ctr"/>
+            <a:lstStyle/>
+            <a:p>
+              <a:pPr algn="ctr"/>
+              <a:endParaRPr lang="zh-TW" altLang="en-US"/>
+            </a:p>
+          </p:txBody>
+        </p:sp>
+        <p:cxnSp>
+          <p:nvCxnSpPr>
+            <p:cNvPr id="106" name="直線接點 105"/>
+            <p:cNvCxnSpPr>
+              <a:stCxn id="103" idx="4"/>
+              <a:endCxn id="105" idx="0"/>
+            </p:cNvCxnSpPr>
+            <p:nvPr/>
+          </p:nvCxnSpPr>
+          <p:spPr>
+            <a:xfrm rot="5400000">
+              <a:off x="1524600" y="4420199"/>
+              <a:ext cx="760800" cy="1588"/>
+            </a:xfrm>
+            <a:prstGeom prst="line">
+              <a:avLst/>
+            </a:prstGeom>
+            <a:ln w="19050"/>
+          </p:spPr>
+          <p:style>
+            <a:lnRef idx="1">
+              <a:schemeClr val="dk1"/>
+            </a:lnRef>
+            <a:fillRef idx="0">
+              <a:schemeClr val="dk1"/>
+            </a:fillRef>
+            <a:effectRef idx="0">
+              <a:schemeClr val="dk1"/>
+            </a:effectRef>
+            <a:fontRef idx="minor">
+              <a:schemeClr val="tx1"/>
+            </a:fontRef>
+          </p:style>
+        </p:cxnSp>
+      </p:grpSp>
+      <p:grpSp>
+        <p:nvGrpSpPr>
+          <p:cNvPr id="111" name="群組 110"/>
+          <p:cNvGrpSpPr/>
+          <p:nvPr/>
+        </p:nvGrpSpPr>
+        <p:grpSpPr>
+          <a:xfrm>
+            <a:off x="2971800" y="838200"/>
+            <a:ext cx="3201988" cy="760800"/>
+            <a:chOff x="2971800" y="838200"/>
+            <a:chExt cx="3201988" cy="760800"/>
+          </a:xfrm>
+        </p:grpSpPr>
+        <p:cxnSp>
+          <p:nvCxnSpPr>
+            <p:cNvPr id="107" name="直線接點 106"/>
+            <p:cNvCxnSpPr/>
+            <p:nvPr/>
+          </p:nvCxnSpPr>
+          <p:spPr>
+            <a:xfrm rot="5400000">
+              <a:off x="2592194" y="1217806"/>
+              <a:ext cx="760800" cy="1588"/>
+            </a:xfrm>
+            <a:prstGeom prst="line">
+              <a:avLst/>
+            </a:prstGeom>
+            <a:ln w="19050"/>
+          </p:spPr>
+          <p:style>
+            <a:lnRef idx="1">
+              <a:schemeClr val="dk1"/>
+            </a:lnRef>
+            <a:fillRef idx="0">
+              <a:schemeClr val="dk1"/>
+            </a:fillRef>
+            <a:effectRef idx="0">
+              <a:schemeClr val="dk1"/>
+            </a:effectRef>
+            <a:fontRef idx="minor">
+              <a:schemeClr val="tx1"/>
+            </a:fontRef>
+          </p:style>
+        </p:cxnSp>
+        <p:cxnSp>
+          <p:nvCxnSpPr>
+            <p:cNvPr id="108" name="直線接點 107"/>
+            <p:cNvCxnSpPr/>
+            <p:nvPr/>
+          </p:nvCxnSpPr>
+          <p:spPr>
+            <a:xfrm rot="5400000">
+              <a:off x="3658994" y="1217806"/>
+              <a:ext cx="760800" cy="1588"/>
+            </a:xfrm>
+            <a:prstGeom prst="line">
+              <a:avLst/>
+            </a:prstGeom>
+            <a:ln w="19050"/>
+          </p:spPr>
+          <p:style>
+            <a:lnRef idx="1">
+              <a:schemeClr val="dk1"/>
+            </a:lnRef>
+            <a:fillRef idx="0">
+              <a:schemeClr val="dk1"/>
+            </a:fillRef>
+            <a:effectRef idx="0">
+              <a:schemeClr val="dk1"/>
+            </a:effectRef>
+            <a:fontRef idx="minor">
+              <a:schemeClr val="tx1"/>
+            </a:fontRef>
+          </p:style>
+        </p:cxnSp>
+        <p:cxnSp>
+          <p:nvCxnSpPr>
+            <p:cNvPr id="109" name="直線接點 108"/>
+            <p:cNvCxnSpPr/>
+            <p:nvPr/>
+          </p:nvCxnSpPr>
+          <p:spPr>
+            <a:xfrm rot="5400000">
+              <a:off x="4725794" y="1217806"/>
+              <a:ext cx="760800" cy="1588"/>
+            </a:xfrm>
+            <a:prstGeom prst="line">
+              <a:avLst/>
+            </a:prstGeom>
+            <a:ln w="19050"/>
+          </p:spPr>
+          <p:style>
+            <a:lnRef idx="1">
+              <a:schemeClr val="dk1"/>
+            </a:lnRef>
+            <a:fillRef idx="0">
+              <a:schemeClr val="dk1"/>
+            </a:fillRef>
+            <a:effectRef idx="0">
+              <a:schemeClr val="dk1"/>
+            </a:effectRef>
+            <a:fontRef idx="minor">
+              <a:schemeClr val="tx1"/>
+            </a:fontRef>
+          </p:style>
+        </p:cxnSp>
+        <p:cxnSp>
+          <p:nvCxnSpPr>
+            <p:cNvPr id="110" name="直線接點 109"/>
+            <p:cNvCxnSpPr/>
+            <p:nvPr/>
+          </p:nvCxnSpPr>
+          <p:spPr>
+            <a:xfrm rot="5400000">
+              <a:off x="5792594" y="1217806"/>
+              <a:ext cx="760800" cy="1588"/>
+            </a:xfrm>
+            <a:prstGeom prst="line">
+              <a:avLst/>
+            </a:prstGeom>
+            <a:ln w="19050"/>
+          </p:spPr>
+          <p:style>
+            <a:lnRef idx="1">
+              <a:schemeClr val="dk1"/>
+            </a:lnRef>
+            <a:fillRef idx="0">
+              <a:schemeClr val="dk1"/>
+            </a:fillRef>
+            <a:effectRef idx="0">
+              <a:schemeClr val="dk1"/>
+            </a:effectRef>
+            <a:fontRef idx="minor">
+              <a:schemeClr val="tx1"/>
+            </a:fontRef>
+          </p:style>
+        </p:cxnSp>
+      </p:grpSp>
+      <p:grpSp>
+        <p:nvGrpSpPr>
+          <p:cNvPr id="113" name="群組 112"/>
+          <p:cNvGrpSpPr/>
+          <p:nvPr/>
+        </p:nvGrpSpPr>
+        <p:grpSpPr>
+          <a:xfrm>
+            <a:off x="2971800" y="1905000"/>
+            <a:ext cx="3201988" cy="760800"/>
+            <a:chOff x="2971800" y="838200"/>
+            <a:chExt cx="3201988" cy="760800"/>
+          </a:xfrm>
+        </p:grpSpPr>
+        <p:cxnSp>
+          <p:nvCxnSpPr>
+            <p:cNvPr id="114" name="直線接點 113"/>
+            <p:cNvCxnSpPr/>
+            <p:nvPr/>
+          </p:nvCxnSpPr>
+          <p:spPr>
+            <a:xfrm rot="5400000">
+              <a:off x="2592194" y="1217806"/>
+              <a:ext cx="760800" cy="1588"/>
+            </a:xfrm>
+            <a:prstGeom prst="line">
+              <a:avLst/>
+            </a:prstGeom>
+            <a:ln w="19050"/>
+          </p:spPr>
+          <p:style>
+            <a:lnRef idx="1">
+              <a:schemeClr val="dk1"/>
+            </a:lnRef>
+            <a:fillRef idx="0">
+              <a:schemeClr val="dk1"/>
+            </a:fillRef>
+            <a:effectRef idx="0">
+              <a:schemeClr val="dk1"/>
+            </a:effectRef>
+            <a:fontRef idx="minor">
+              <a:schemeClr val="tx1"/>
+            </a:fontRef>
+          </p:style>
+        </p:cxnSp>
+        <p:cxnSp>
+          <p:nvCxnSpPr>
+            <p:cNvPr id="115" name="直線接點 114"/>
+            <p:cNvCxnSpPr/>
+            <p:nvPr/>
+          </p:nvCxnSpPr>
+          <p:spPr>
+            <a:xfrm rot="5400000">
+              <a:off x="3658994" y="1217806"/>
+              <a:ext cx="760800" cy="1588"/>
+            </a:xfrm>
+            <a:prstGeom prst="line">
+              <a:avLst/>
+            </a:prstGeom>
+            <a:ln w="19050"/>
+          </p:spPr>
+          <p:style>
+            <a:lnRef idx="1">
+              <a:schemeClr val="dk1"/>
+            </a:lnRef>
+            <a:fillRef idx="0">
+              <a:schemeClr val="dk1"/>
+            </a:fillRef>
+            <a:effectRef idx="0">
+              <a:schemeClr val="dk1"/>
+            </a:effectRef>
+            <a:fontRef idx="minor">
+              <a:schemeClr val="tx1"/>
+            </a:fontRef>
+          </p:style>
+        </p:cxnSp>
+        <p:cxnSp>
+          <p:nvCxnSpPr>
+            <p:cNvPr id="116" name="直線接點 115"/>
+            <p:cNvCxnSpPr/>
+            <p:nvPr/>
+          </p:nvCxnSpPr>
+          <p:spPr>
+            <a:xfrm rot="5400000">
+              <a:off x="4725794" y="1217806"/>
+              <a:ext cx="760800" cy="1588"/>
+            </a:xfrm>
+            <a:prstGeom prst="line">
+              <a:avLst/>
+            </a:prstGeom>
+            <a:ln w="19050"/>
+          </p:spPr>
+          <p:style>
+            <a:lnRef idx="1">
+              <a:schemeClr val="dk1"/>
+            </a:lnRef>
+            <a:fillRef idx="0">
+              <a:schemeClr val="dk1"/>
+            </a:fillRef>
+            <a:effectRef idx="0">
+              <a:schemeClr val="dk1"/>
+            </a:effectRef>
+            <a:fontRef idx="minor">
+              <a:schemeClr val="tx1"/>
+            </a:fontRef>
+          </p:style>
+        </p:cxnSp>
+        <p:cxnSp>
+          <p:nvCxnSpPr>
+            <p:cNvPr id="117" name="直線接點 116"/>
+            <p:cNvCxnSpPr/>
+            <p:nvPr/>
+          </p:nvCxnSpPr>
+          <p:spPr>
+            <a:xfrm rot="5400000">
+              <a:off x="5792594" y="1217806"/>
+              <a:ext cx="760800" cy="1588"/>
+            </a:xfrm>
+            <a:prstGeom prst="line">
+              <a:avLst/>
+            </a:prstGeom>
+            <a:ln w="19050"/>
+          </p:spPr>
+          <p:style>
+            <a:lnRef idx="1">
+              <a:schemeClr val="dk1"/>
+            </a:lnRef>
+            <a:fillRef idx="0">
+              <a:schemeClr val="dk1"/>
+            </a:fillRef>
+            <a:effectRef idx="0">
+              <a:schemeClr val="dk1"/>
+            </a:effectRef>
+            <a:fontRef idx="minor">
+              <a:schemeClr val="tx1"/>
+            </a:fontRef>
+          </p:style>
+        </p:cxnSp>
+      </p:grpSp>
+      <p:grpSp>
+        <p:nvGrpSpPr>
+          <p:cNvPr id="118" name="群組 117"/>
+          <p:cNvGrpSpPr/>
+          <p:nvPr/>
+        </p:nvGrpSpPr>
+        <p:grpSpPr>
+          <a:xfrm>
+            <a:off x="2971800" y="2971800"/>
+            <a:ext cx="3201988" cy="760800"/>
+            <a:chOff x="2971800" y="838200"/>
+            <a:chExt cx="3201988" cy="760800"/>
+          </a:xfrm>
+        </p:grpSpPr>
+        <p:cxnSp>
+          <p:nvCxnSpPr>
+            <p:cNvPr id="119" name="直線接點 118"/>
+            <p:cNvCxnSpPr/>
+            <p:nvPr/>
+          </p:nvCxnSpPr>
+          <p:spPr>
+            <a:xfrm rot="5400000">
+              <a:off x="2592194" y="1217806"/>
+              <a:ext cx="760800" cy="1588"/>
+            </a:xfrm>
+            <a:prstGeom prst="line">
+              <a:avLst/>
+            </a:prstGeom>
+            <a:ln w="19050"/>
+          </p:spPr>
+          <p:style>
+            <a:lnRef idx="1">
+              <a:schemeClr val="dk1"/>
+            </a:lnRef>
+            <a:fillRef idx="0">
+              <a:schemeClr val="dk1"/>
+            </a:fillRef>
+            <a:effectRef idx="0">
+              <a:schemeClr val="dk1"/>
+            </a:effectRef>
+            <a:fontRef idx="minor">
+              <a:schemeClr val="tx1"/>
+            </a:fontRef>
+          </p:style>
+        </p:cxnSp>
+        <p:cxnSp>
+          <p:nvCxnSpPr>
+            <p:cNvPr id="120" name="直線接點 119"/>
+            <p:cNvCxnSpPr/>
+            <p:nvPr/>
+          </p:nvCxnSpPr>
+          <p:spPr>
+            <a:xfrm rot="5400000">
+              <a:off x="3658994" y="1217806"/>
+              <a:ext cx="760800" cy="1588"/>
+            </a:xfrm>
+            <a:prstGeom prst="line">
+              <a:avLst/>
+            </a:prstGeom>
+            <a:ln w="19050"/>
+          </p:spPr>
+          <p:style>
+            <a:lnRef idx="1">
+              <a:schemeClr val="dk1"/>
+            </a:lnRef>
+            <a:fillRef idx="0">
+              <a:schemeClr val="dk1"/>
+            </a:fillRef>
+            <a:effectRef idx="0">
+              <a:schemeClr val="dk1"/>
+            </a:effectRef>
+            <a:fontRef idx="minor">
+              <a:schemeClr val="tx1"/>
+            </a:fontRef>
+          </p:style>
+        </p:cxnSp>
+        <p:cxnSp>
+          <p:nvCxnSpPr>
+            <p:cNvPr id="121" name="直線接點 120"/>
+            <p:cNvCxnSpPr/>
+            <p:nvPr/>
+          </p:nvCxnSpPr>
+          <p:spPr>
+            <a:xfrm rot="5400000">
+              <a:off x="4725794" y="1217806"/>
+              <a:ext cx="760800" cy="1588"/>
+            </a:xfrm>
+            <a:prstGeom prst="line">
+              <a:avLst/>
+            </a:prstGeom>
+            <a:ln w="19050"/>
+          </p:spPr>
+          <p:style>
+            <a:lnRef idx="1">
+              <a:schemeClr val="dk1"/>
+            </a:lnRef>
+            <a:fillRef idx="0">
+              <a:schemeClr val="dk1"/>
+            </a:fillRef>
+            <a:effectRef idx="0">
+              <a:schemeClr val="dk1"/>
+            </a:effectRef>
+            <a:fontRef idx="minor">
+              <a:schemeClr val="tx1"/>
+            </a:fontRef>
+          </p:style>
+        </p:cxnSp>
+        <p:cxnSp>
+          <p:nvCxnSpPr>
+            <p:cNvPr id="122" name="直線接點 121"/>
+            <p:cNvCxnSpPr/>
+            <p:nvPr/>
+          </p:nvCxnSpPr>
+          <p:spPr>
+            <a:xfrm rot="5400000">
+              <a:off x="5792594" y="1217806"/>
+              <a:ext cx="760800" cy="1588"/>
+            </a:xfrm>
+            <a:prstGeom prst="line">
+              <a:avLst/>
+            </a:prstGeom>
+            <a:ln w="19050"/>
+          </p:spPr>
+          <p:style>
+            <a:lnRef idx="1">
+              <a:schemeClr val="dk1"/>
+            </a:lnRef>
+            <a:fillRef idx="0">
+              <a:schemeClr val="dk1"/>
+            </a:fillRef>
+            <a:effectRef idx="0">
+              <a:schemeClr val="dk1"/>
+            </a:effectRef>
+            <a:fontRef idx="minor">
+              <a:schemeClr val="tx1"/>
+            </a:fontRef>
+          </p:style>
+        </p:cxnSp>
+      </p:grpSp>
+      <p:grpSp>
+        <p:nvGrpSpPr>
+          <p:cNvPr id="123" name="群組 122"/>
+          <p:cNvGrpSpPr/>
+          <p:nvPr/>
+        </p:nvGrpSpPr>
+        <p:grpSpPr>
+          <a:xfrm>
+            <a:off x="2971800" y="4038600"/>
+            <a:ext cx="3201988" cy="760800"/>
+            <a:chOff x="2971800" y="838200"/>
+            <a:chExt cx="3201988" cy="760800"/>
+          </a:xfrm>
+        </p:grpSpPr>
+        <p:cxnSp>
+          <p:nvCxnSpPr>
+            <p:cNvPr id="124" name="直線接點 123"/>
+            <p:cNvCxnSpPr/>
+            <p:nvPr/>
+          </p:nvCxnSpPr>
+          <p:spPr>
+            <a:xfrm rot="5400000">
+              <a:off x="2592194" y="1217806"/>
+              <a:ext cx="760800" cy="1588"/>
+            </a:xfrm>
+            <a:prstGeom prst="line">
+              <a:avLst/>
+            </a:prstGeom>
+            <a:ln w="19050"/>
+          </p:spPr>
+          <p:style>
+            <a:lnRef idx="1">
+              <a:schemeClr val="dk1"/>
+            </a:lnRef>
+            <a:fillRef idx="0">
+              <a:schemeClr val="dk1"/>
+            </a:fillRef>
+            <a:effectRef idx="0">
+              <a:schemeClr val="dk1"/>
+            </a:effectRef>
+            <a:fontRef idx="minor">
+              <a:schemeClr val="tx1"/>
+            </a:fontRef>
+          </p:style>
+        </p:cxnSp>
+        <p:cxnSp>
+          <p:nvCxnSpPr>
+            <p:cNvPr id="125" name="直線接點 124"/>
+            <p:cNvCxnSpPr/>
+            <p:nvPr/>
+          </p:nvCxnSpPr>
+          <p:spPr>
+            <a:xfrm rot="5400000">
+              <a:off x="3658994" y="1217806"/>
+              <a:ext cx="760800" cy="1588"/>
+            </a:xfrm>
+            <a:prstGeom prst="line">
+              <a:avLst/>
+            </a:prstGeom>
+            <a:ln w="19050"/>
+          </p:spPr>
+          <p:style>
+            <a:lnRef idx="1">
+              <a:schemeClr val="dk1"/>
+            </a:lnRef>
+            <a:fillRef idx="0">
+              <a:schemeClr val="dk1"/>
+            </a:fillRef>
+            <a:effectRef idx="0">
+              <a:schemeClr val="dk1"/>
+            </a:effectRef>
+            <a:fontRef idx="minor">
+              <a:schemeClr val="tx1"/>
+            </a:fontRef>
+          </p:style>
+        </p:cxnSp>
+        <p:cxnSp>
+          <p:nvCxnSpPr>
+            <p:cNvPr id="126" name="直線接點 125"/>
+            <p:cNvCxnSpPr/>
+            <p:nvPr/>
+          </p:nvCxnSpPr>
+          <p:spPr>
+            <a:xfrm rot="5400000">
+              <a:off x="4725794" y="1217806"/>
+              <a:ext cx="760800" cy="1588"/>
+            </a:xfrm>
+            <a:prstGeom prst="line">
+              <a:avLst/>
+            </a:prstGeom>
+            <a:ln w="19050"/>
+          </p:spPr>
+          <p:style>
+            <a:lnRef idx="1">
+              <a:schemeClr val="dk1"/>
+            </a:lnRef>
+            <a:fillRef idx="0">
+              <a:schemeClr val="dk1"/>
+            </a:fillRef>
+            <a:effectRef idx="0">
+              <a:schemeClr val="dk1"/>
+            </a:effectRef>
+            <a:fontRef idx="minor">
+              <a:schemeClr val="tx1"/>
+            </a:fontRef>
+          </p:style>
+        </p:cxnSp>
+        <p:cxnSp>
+          <p:nvCxnSpPr>
+            <p:cNvPr id="127" name="直線接點 126"/>
+            <p:cNvCxnSpPr/>
+            <p:nvPr/>
+          </p:nvCxnSpPr>
+          <p:spPr>
+            <a:xfrm rot="5400000">
+              <a:off x="5792594" y="1217806"/>
+              <a:ext cx="760800" cy="1588"/>
+            </a:xfrm>
+            <a:prstGeom prst="line">
+              <a:avLst/>
+            </a:prstGeom>
+            <a:ln w="19050"/>
+          </p:spPr>
+          <p:style>
+            <a:lnRef idx="1">
+              <a:schemeClr val="dk1"/>
+            </a:lnRef>
+            <a:fillRef idx="0">
+              <a:schemeClr val="dk1"/>
+            </a:fillRef>
+            <a:effectRef idx="0">
+              <a:schemeClr val="dk1"/>
+            </a:effectRef>
+            <a:fontRef idx="minor">
+              <a:schemeClr val="tx1"/>
+            </a:fontRef>
+          </p:style>
+        </p:cxnSp>
+      </p:grpSp>
+    </p:spTree>
+  </p:cSld>
+  <p:clrMapOvr>
+    <a:masterClrMapping/>
+  </p:clrMapOvr>
+</p:sld>
+</file>
+
+<file path=ppt/slides/slide11.xml><?xml version="1.0" encoding="utf-8"?>
 <p:sld xmlns:a="http://schemas.openxmlformats.org/drawingml/2006/main" xmlns:r="http://schemas.openxmlformats.org/officeDocument/2006/relationships" xmlns:p="http://schemas.openxmlformats.org/presentationml/2006/main">
   <p:cSld>
     <p:spTree>
@@ -6914,7 +9571,7 @@
 </p:sld>
 </file>
 
-<file path=ppt/slides/slide11.xml><?xml version="1.0" encoding="utf-8"?>
+<file path=ppt/slides/slide12.xml><?xml version="1.0" encoding="utf-8"?>
 <p:sld xmlns:a="http://schemas.openxmlformats.org/drawingml/2006/main" xmlns:r="http://schemas.openxmlformats.org/officeDocument/2006/relationships" xmlns:p="http://schemas.openxmlformats.org/presentationml/2006/main">
   <p:cSld>
     <p:spTree>
@@ -8241,6 +10898,13 @@
   <p:clrMapOvr>
     <a:masterClrMapping/>
   </p:clrMapOvr>
+  <p:timing>
+    <p:tnLst>
+      <p:par>
+        <p:cTn id="1" dur="indefinite" restart="never" nodeType="tmRoot"/>
+      </p:par>
+    </p:tnLst>
+  </p:timing>
 </p:sld>
 </file>
 
@@ -18053,2006 +20717,1369 @@
           <a:chExt cx="0" cy="0"/>
         </a:xfrm>
       </p:grpSpPr>
-      <p:sp>
-        <p:nvSpPr>
-          <p:cNvPr id="4" name="橢圓 3"/>
-          <p:cNvSpPr/>
-          <p:nvPr/>
-        </p:nvSpPr>
-        <p:spPr>
-          <a:xfrm>
-            <a:off x="1752600" y="533399"/>
-            <a:ext cx="304800" cy="306000"/>
-          </a:xfrm>
-          <a:prstGeom prst="ellipse">
-            <a:avLst/>
-          </a:prstGeom>
-          <a:solidFill>
-            <a:schemeClr val="bg1"/>
-          </a:solidFill>
-          <a:ln w="19050"/>
-        </p:spPr>
-        <p:style>
-          <a:lnRef idx="2">
-            <a:schemeClr val="dk1">
-              <a:shade val="50000"/>
-            </a:schemeClr>
-          </a:lnRef>
-          <a:fillRef idx="1">
-            <a:schemeClr val="dk1"/>
-          </a:fillRef>
-          <a:effectRef idx="0">
-            <a:schemeClr val="dk1"/>
-          </a:effectRef>
-          <a:fontRef idx="minor">
-            <a:schemeClr val="lt1"/>
-          </a:fontRef>
-        </p:style>
-        <p:txBody>
-          <a:bodyPr rtlCol="0" anchor="ctr"/>
-          <a:lstStyle/>
-          <a:p>
-            <a:pPr algn="ctr"/>
-            <a:endParaRPr lang="zh-TW" altLang="en-US"/>
-          </a:p>
-        </p:txBody>
-      </p:sp>
-      <p:sp>
-        <p:nvSpPr>
-          <p:cNvPr id="6" name="橢圓 5"/>
-          <p:cNvSpPr/>
-          <p:nvPr/>
-        </p:nvSpPr>
-        <p:spPr>
-          <a:xfrm>
-            <a:off x="1752600" y="1600199"/>
-            <a:ext cx="304800" cy="306000"/>
-          </a:xfrm>
-          <a:prstGeom prst="ellipse">
-            <a:avLst/>
-          </a:prstGeom>
-          <a:solidFill>
-            <a:schemeClr val="bg1"/>
-          </a:solidFill>
-          <a:ln w="19050"/>
-        </p:spPr>
-        <p:style>
-          <a:lnRef idx="2">
-            <a:schemeClr val="dk1">
-              <a:shade val="50000"/>
-            </a:schemeClr>
-          </a:lnRef>
-          <a:fillRef idx="1">
-            <a:schemeClr val="dk1"/>
-          </a:fillRef>
-          <a:effectRef idx="0">
-            <a:schemeClr val="dk1"/>
-          </a:effectRef>
-          <a:fontRef idx="minor">
-            <a:schemeClr val="lt1"/>
-          </a:fontRef>
-        </p:style>
-        <p:txBody>
-          <a:bodyPr rtlCol="0" anchor="ctr"/>
-          <a:lstStyle/>
-          <a:p>
-            <a:pPr algn="ctr"/>
-            <a:endParaRPr lang="zh-TW" altLang="en-US"/>
-          </a:p>
-        </p:txBody>
-      </p:sp>
-      <p:cxnSp>
-        <p:nvCxnSpPr>
-          <p:cNvPr id="8" name="直線接點 7"/>
-          <p:cNvCxnSpPr>
-            <a:stCxn id="4" idx="4"/>
-            <a:endCxn id="6" idx="0"/>
-          </p:cNvCxnSpPr>
-          <p:nvPr/>
-        </p:nvCxnSpPr>
-        <p:spPr>
-          <a:xfrm rot="5400000">
-            <a:off x="1524600" y="1219799"/>
-            <a:ext cx="760800" cy="1588"/>
-          </a:xfrm>
-          <a:prstGeom prst="line">
-            <a:avLst/>
-          </a:prstGeom>
-          <a:ln w="19050"/>
-        </p:spPr>
-        <p:style>
-          <a:lnRef idx="1">
-            <a:schemeClr val="dk1"/>
-          </a:lnRef>
-          <a:fillRef idx="0">
-            <a:schemeClr val="dk1"/>
-          </a:fillRef>
-          <a:effectRef idx="0">
-            <a:schemeClr val="dk1"/>
-          </a:effectRef>
-          <a:fontRef idx="minor">
-            <a:schemeClr val="tx1"/>
-          </a:fontRef>
-        </p:style>
-      </p:cxnSp>
-      <p:sp>
-        <p:nvSpPr>
-          <p:cNvPr id="14" name="橢圓 13"/>
-          <p:cNvSpPr/>
-          <p:nvPr/>
-        </p:nvSpPr>
-        <p:spPr>
-          <a:xfrm>
-            <a:off x="1752600" y="2666999"/>
-            <a:ext cx="304800" cy="306000"/>
-          </a:xfrm>
-          <a:prstGeom prst="ellipse">
-            <a:avLst/>
-          </a:prstGeom>
-          <a:solidFill>
-            <a:schemeClr val="bg1"/>
-          </a:solidFill>
-          <a:ln w="19050"/>
-        </p:spPr>
-        <p:style>
-          <a:lnRef idx="2">
-            <a:schemeClr val="dk1">
-              <a:shade val="50000"/>
-            </a:schemeClr>
-          </a:lnRef>
-          <a:fillRef idx="1">
-            <a:schemeClr val="dk1"/>
-          </a:fillRef>
-          <a:effectRef idx="0">
-            <a:schemeClr val="dk1"/>
-          </a:effectRef>
-          <a:fontRef idx="minor">
-            <a:schemeClr val="lt1"/>
-          </a:fontRef>
-        </p:style>
-        <p:txBody>
-          <a:bodyPr rtlCol="0" anchor="ctr"/>
-          <a:lstStyle/>
-          <a:p>
-            <a:pPr algn="ctr"/>
-            <a:endParaRPr lang="zh-TW" altLang="en-US"/>
-          </a:p>
-        </p:txBody>
-      </p:sp>
-      <p:cxnSp>
-        <p:nvCxnSpPr>
-          <p:cNvPr id="15" name="直線接點 14"/>
-          <p:cNvCxnSpPr>
-            <a:stCxn id="6" idx="4"/>
-            <a:endCxn id="14" idx="0"/>
-          </p:cNvCxnSpPr>
-          <p:nvPr/>
-        </p:nvCxnSpPr>
-        <p:spPr>
-          <a:xfrm rot="5400000">
-            <a:off x="1524600" y="2286599"/>
-            <a:ext cx="760800" cy="1588"/>
-          </a:xfrm>
-          <a:prstGeom prst="line">
-            <a:avLst/>
-          </a:prstGeom>
-          <a:ln w="19050"/>
-        </p:spPr>
-        <p:style>
-          <a:lnRef idx="1">
-            <a:schemeClr val="dk1"/>
-          </a:lnRef>
-          <a:fillRef idx="0">
-            <a:schemeClr val="dk1"/>
-          </a:fillRef>
-          <a:effectRef idx="0">
-            <a:schemeClr val="dk1"/>
-          </a:effectRef>
-          <a:fontRef idx="minor">
-            <a:schemeClr val="tx1"/>
-          </a:fontRef>
-        </p:style>
-      </p:cxnSp>
-      <p:sp>
-        <p:nvSpPr>
-          <p:cNvPr id="21" name="橢圓 20"/>
-          <p:cNvSpPr/>
-          <p:nvPr/>
-        </p:nvSpPr>
-        <p:spPr>
-          <a:xfrm>
-            <a:off x="1752600" y="3733799"/>
-            <a:ext cx="304800" cy="306000"/>
-          </a:xfrm>
-          <a:prstGeom prst="ellipse">
-            <a:avLst/>
-          </a:prstGeom>
-          <a:solidFill>
-            <a:schemeClr val="bg1"/>
-          </a:solidFill>
-          <a:ln w="19050"/>
-        </p:spPr>
-        <p:style>
-          <a:lnRef idx="2">
-            <a:schemeClr val="dk1">
-              <a:shade val="50000"/>
-            </a:schemeClr>
-          </a:lnRef>
-          <a:fillRef idx="1">
-            <a:schemeClr val="dk1"/>
-          </a:fillRef>
-          <a:effectRef idx="0">
-            <a:schemeClr val="dk1"/>
-          </a:effectRef>
-          <a:fontRef idx="minor">
-            <a:schemeClr val="lt1"/>
-          </a:fontRef>
-        </p:style>
-        <p:txBody>
-          <a:bodyPr rtlCol="0" anchor="ctr"/>
-          <a:lstStyle/>
-          <a:p>
-            <a:pPr algn="ctr"/>
-            <a:endParaRPr lang="zh-TW" altLang="en-US"/>
-          </a:p>
-        </p:txBody>
-      </p:sp>
-      <p:cxnSp>
-        <p:nvCxnSpPr>
-          <p:cNvPr id="22" name="直線接點 21"/>
-          <p:cNvCxnSpPr>
-            <a:stCxn id="14" idx="4"/>
-            <a:endCxn id="21" idx="0"/>
-          </p:cNvCxnSpPr>
-          <p:nvPr/>
-        </p:nvCxnSpPr>
-        <p:spPr>
-          <a:xfrm rot="5400000">
-            <a:off x="1524600" y="3353399"/>
-            <a:ext cx="760800" cy="1588"/>
-          </a:xfrm>
-          <a:prstGeom prst="line">
-            <a:avLst/>
-          </a:prstGeom>
-          <a:ln w="19050"/>
-        </p:spPr>
-        <p:style>
-          <a:lnRef idx="1">
-            <a:schemeClr val="dk1"/>
-          </a:lnRef>
-          <a:fillRef idx="0">
-            <a:schemeClr val="dk1"/>
-          </a:fillRef>
-          <a:effectRef idx="0">
-            <a:schemeClr val="dk1"/>
-          </a:effectRef>
-          <a:fontRef idx="minor">
-            <a:schemeClr val="tx1"/>
-          </a:fontRef>
-        </p:style>
-      </p:cxnSp>
-      <p:sp>
-        <p:nvSpPr>
-          <p:cNvPr id="23" name="橢圓 22"/>
-          <p:cNvSpPr/>
-          <p:nvPr/>
-        </p:nvSpPr>
-        <p:spPr>
-          <a:xfrm>
-            <a:off x="1752600" y="4800599"/>
-            <a:ext cx="304800" cy="306000"/>
-          </a:xfrm>
-          <a:prstGeom prst="ellipse">
-            <a:avLst/>
-          </a:prstGeom>
-          <a:solidFill>
-            <a:schemeClr val="bg1"/>
-          </a:solidFill>
-          <a:ln w="19050"/>
-        </p:spPr>
-        <p:style>
-          <a:lnRef idx="2">
-            <a:schemeClr val="dk1">
-              <a:shade val="50000"/>
-            </a:schemeClr>
-          </a:lnRef>
-          <a:fillRef idx="1">
-            <a:schemeClr val="dk1"/>
-          </a:fillRef>
-          <a:effectRef idx="0">
-            <a:schemeClr val="dk1"/>
-          </a:effectRef>
-          <a:fontRef idx="minor">
-            <a:schemeClr val="lt1"/>
-          </a:fontRef>
-        </p:style>
-        <p:txBody>
-          <a:bodyPr rtlCol="0" anchor="ctr"/>
-          <a:lstStyle/>
-          <a:p>
-            <a:pPr algn="ctr"/>
-            <a:endParaRPr lang="zh-TW" altLang="en-US"/>
-          </a:p>
-        </p:txBody>
-      </p:sp>
-      <p:cxnSp>
-        <p:nvCxnSpPr>
-          <p:cNvPr id="24" name="直線接點 23"/>
-          <p:cNvCxnSpPr>
-            <a:stCxn id="21" idx="4"/>
-            <a:endCxn id="23" idx="0"/>
-          </p:cNvCxnSpPr>
-          <p:nvPr/>
-        </p:nvCxnSpPr>
-        <p:spPr>
-          <a:xfrm rot="5400000">
-            <a:off x="1524600" y="4420199"/>
-            <a:ext cx="760800" cy="1588"/>
-          </a:xfrm>
-          <a:prstGeom prst="line">
-            <a:avLst/>
-          </a:prstGeom>
-          <a:ln w="19050"/>
-        </p:spPr>
-        <p:style>
-          <a:lnRef idx="1">
-            <a:schemeClr val="dk1"/>
-          </a:lnRef>
-          <a:fillRef idx="0">
-            <a:schemeClr val="dk1"/>
-          </a:fillRef>
-          <a:effectRef idx="0">
-            <a:schemeClr val="dk1"/>
-          </a:effectRef>
-          <a:fontRef idx="minor">
-            <a:schemeClr val="tx1"/>
-          </a:fontRef>
-        </p:style>
-      </p:cxnSp>
       <p:grpSp>
         <p:nvGrpSpPr>
-          <p:cNvPr id="53" name="群組 52"/>
-          <p:cNvGrpSpPr/>
-          <p:nvPr/>
-        </p:nvGrpSpPr>
-        <p:grpSpPr>
-          <a:xfrm rot="16200000">
-            <a:off x="4038203" y="-1447403"/>
-            <a:ext cx="304800" cy="4266406"/>
-            <a:chOff x="1752600" y="840193"/>
-            <a:chExt cx="304800" cy="4266406"/>
-          </a:xfrm>
-        </p:grpSpPr>
-        <p:sp>
-          <p:nvSpPr>
-            <p:cNvPr id="54" name="橢圓 53"/>
-            <p:cNvSpPr/>
-            <p:nvPr/>
-          </p:nvSpPr>
-          <p:spPr>
-            <a:xfrm>
-              <a:off x="1752600" y="1600199"/>
-              <a:ext cx="304800" cy="306000"/>
-            </a:xfrm>
-            <a:prstGeom prst="ellipse">
-              <a:avLst/>
-            </a:prstGeom>
-            <a:solidFill>
-              <a:schemeClr val="bg1"/>
-            </a:solidFill>
-            <a:ln w="19050"/>
-          </p:spPr>
-          <p:style>
-            <a:lnRef idx="2">
-              <a:schemeClr val="dk1">
-                <a:shade val="50000"/>
-              </a:schemeClr>
-            </a:lnRef>
-            <a:fillRef idx="1">
-              <a:schemeClr val="dk1"/>
-            </a:fillRef>
-            <a:effectRef idx="0">
-              <a:schemeClr val="dk1"/>
-            </a:effectRef>
-            <a:fontRef idx="minor">
-              <a:schemeClr val="lt1"/>
-            </a:fontRef>
-          </p:style>
-          <p:txBody>
-            <a:bodyPr rtlCol="0" anchor="ctr"/>
-            <a:lstStyle/>
-            <a:p>
-              <a:pPr algn="ctr"/>
-              <a:endParaRPr lang="zh-TW" altLang="en-US"/>
-            </a:p>
-          </p:txBody>
-        </p:sp>
-        <p:cxnSp>
-          <p:nvCxnSpPr>
-            <p:cNvPr id="55" name="直線接點 54"/>
-            <p:cNvCxnSpPr>
-              <a:endCxn id="54" idx="0"/>
-            </p:cNvCxnSpPr>
-            <p:nvPr/>
-          </p:nvCxnSpPr>
-          <p:spPr>
-            <a:xfrm rot="5400000">
-              <a:off x="1524600" y="1219799"/>
-              <a:ext cx="760800" cy="1588"/>
-            </a:xfrm>
-            <a:prstGeom prst="line">
-              <a:avLst/>
-            </a:prstGeom>
-            <a:ln w="19050"/>
-          </p:spPr>
-          <p:style>
-            <a:lnRef idx="1">
-              <a:schemeClr val="dk1"/>
-            </a:lnRef>
-            <a:fillRef idx="0">
-              <a:schemeClr val="dk1"/>
-            </a:fillRef>
-            <a:effectRef idx="0">
-              <a:schemeClr val="dk1"/>
-            </a:effectRef>
-            <a:fontRef idx="minor">
-              <a:schemeClr val="tx1"/>
-            </a:fontRef>
-          </p:style>
-        </p:cxnSp>
-        <p:sp>
-          <p:nvSpPr>
-            <p:cNvPr id="56" name="橢圓 55"/>
-            <p:cNvSpPr/>
-            <p:nvPr/>
-          </p:nvSpPr>
-          <p:spPr>
-            <a:xfrm>
-              <a:off x="1752600" y="2666999"/>
-              <a:ext cx="304800" cy="306000"/>
-            </a:xfrm>
-            <a:prstGeom prst="ellipse">
-              <a:avLst/>
-            </a:prstGeom>
-            <a:solidFill>
-              <a:schemeClr val="bg1"/>
-            </a:solidFill>
-            <a:ln w="19050"/>
-          </p:spPr>
-          <p:style>
-            <a:lnRef idx="2">
-              <a:schemeClr val="dk1">
-                <a:shade val="50000"/>
-              </a:schemeClr>
-            </a:lnRef>
-            <a:fillRef idx="1">
-              <a:schemeClr val="dk1"/>
-            </a:fillRef>
-            <a:effectRef idx="0">
-              <a:schemeClr val="dk1"/>
-            </a:effectRef>
-            <a:fontRef idx="minor">
-              <a:schemeClr val="lt1"/>
-            </a:fontRef>
-          </p:style>
-          <p:txBody>
-            <a:bodyPr rtlCol="0" anchor="ctr"/>
-            <a:lstStyle/>
-            <a:p>
-              <a:pPr algn="ctr"/>
-              <a:endParaRPr lang="zh-TW" altLang="en-US"/>
-            </a:p>
-          </p:txBody>
-        </p:sp>
-        <p:cxnSp>
-          <p:nvCxnSpPr>
-            <p:cNvPr id="57" name="直線接點 56"/>
-            <p:cNvCxnSpPr>
-              <a:stCxn id="54" idx="4"/>
-              <a:endCxn id="56" idx="0"/>
-            </p:cNvCxnSpPr>
-            <p:nvPr/>
-          </p:nvCxnSpPr>
-          <p:spPr>
-            <a:xfrm rot="5400000">
-              <a:off x="1524600" y="2286599"/>
-              <a:ext cx="760800" cy="1588"/>
-            </a:xfrm>
-            <a:prstGeom prst="line">
-              <a:avLst/>
-            </a:prstGeom>
-            <a:ln w="19050"/>
-          </p:spPr>
-          <p:style>
-            <a:lnRef idx="1">
-              <a:schemeClr val="dk1"/>
-            </a:lnRef>
-            <a:fillRef idx="0">
-              <a:schemeClr val="dk1"/>
-            </a:fillRef>
-            <a:effectRef idx="0">
-              <a:schemeClr val="dk1"/>
-            </a:effectRef>
-            <a:fontRef idx="minor">
-              <a:schemeClr val="tx1"/>
-            </a:fontRef>
-          </p:style>
-        </p:cxnSp>
-        <p:sp>
-          <p:nvSpPr>
-            <p:cNvPr id="58" name="橢圓 57"/>
-            <p:cNvSpPr/>
-            <p:nvPr/>
-          </p:nvSpPr>
-          <p:spPr>
-            <a:xfrm>
-              <a:off x="1752600" y="3733799"/>
-              <a:ext cx="304800" cy="306000"/>
-            </a:xfrm>
-            <a:prstGeom prst="ellipse">
-              <a:avLst/>
-            </a:prstGeom>
-            <a:solidFill>
-              <a:schemeClr val="bg1"/>
-            </a:solidFill>
-            <a:ln w="19050"/>
-          </p:spPr>
-          <p:style>
-            <a:lnRef idx="2">
-              <a:schemeClr val="dk1">
-                <a:shade val="50000"/>
-              </a:schemeClr>
-            </a:lnRef>
-            <a:fillRef idx="1">
-              <a:schemeClr val="dk1"/>
-            </a:fillRef>
-            <a:effectRef idx="0">
-              <a:schemeClr val="dk1"/>
-            </a:effectRef>
-            <a:fontRef idx="minor">
-              <a:schemeClr val="lt1"/>
-            </a:fontRef>
-          </p:style>
-          <p:txBody>
-            <a:bodyPr rtlCol="0" anchor="ctr"/>
-            <a:lstStyle/>
-            <a:p>
-              <a:pPr algn="ctr"/>
-              <a:endParaRPr lang="zh-TW" altLang="en-US"/>
-            </a:p>
-          </p:txBody>
-        </p:sp>
-        <p:cxnSp>
-          <p:nvCxnSpPr>
-            <p:cNvPr id="59" name="直線接點 58"/>
-            <p:cNvCxnSpPr>
-              <a:stCxn id="56" idx="4"/>
-              <a:endCxn id="58" idx="0"/>
-            </p:cNvCxnSpPr>
-            <p:nvPr/>
-          </p:nvCxnSpPr>
-          <p:spPr>
-            <a:xfrm rot="5400000">
-              <a:off x="1524600" y="3353399"/>
-              <a:ext cx="760800" cy="1588"/>
-            </a:xfrm>
-            <a:prstGeom prst="line">
-              <a:avLst/>
-            </a:prstGeom>
-            <a:ln w="19050"/>
-          </p:spPr>
-          <p:style>
-            <a:lnRef idx="1">
-              <a:schemeClr val="dk1"/>
-            </a:lnRef>
-            <a:fillRef idx="0">
-              <a:schemeClr val="dk1"/>
-            </a:fillRef>
-            <a:effectRef idx="0">
-              <a:schemeClr val="dk1"/>
-            </a:effectRef>
-            <a:fontRef idx="minor">
-              <a:schemeClr val="tx1"/>
-            </a:fontRef>
-          </p:style>
-        </p:cxnSp>
-        <p:sp>
-          <p:nvSpPr>
-            <p:cNvPr id="60" name="橢圓 59"/>
-            <p:cNvSpPr/>
-            <p:nvPr/>
-          </p:nvSpPr>
-          <p:spPr>
-            <a:xfrm>
-              <a:off x="1752600" y="4800599"/>
-              <a:ext cx="304800" cy="306000"/>
-            </a:xfrm>
-            <a:prstGeom prst="ellipse">
-              <a:avLst/>
-            </a:prstGeom>
-            <a:solidFill>
-              <a:schemeClr val="bg1"/>
-            </a:solidFill>
-            <a:ln w="19050"/>
-          </p:spPr>
-          <p:style>
-            <a:lnRef idx="2">
-              <a:schemeClr val="dk1">
-                <a:shade val="50000"/>
-              </a:schemeClr>
-            </a:lnRef>
-            <a:fillRef idx="1">
-              <a:schemeClr val="dk1"/>
-            </a:fillRef>
-            <a:effectRef idx="0">
-              <a:schemeClr val="dk1"/>
-            </a:effectRef>
-            <a:fontRef idx="minor">
-              <a:schemeClr val="lt1"/>
-            </a:fontRef>
-          </p:style>
-          <p:txBody>
-            <a:bodyPr rtlCol="0" anchor="ctr"/>
-            <a:lstStyle/>
-            <a:p>
-              <a:pPr algn="ctr"/>
-              <a:endParaRPr lang="zh-TW" altLang="en-US"/>
-            </a:p>
-          </p:txBody>
-        </p:sp>
-        <p:cxnSp>
-          <p:nvCxnSpPr>
-            <p:cNvPr id="61" name="直線接點 60"/>
-            <p:cNvCxnSpPr>
-              <a:stCxn id="58" idx="4"/>
-              <a:endCxn id="60" idx="0"/>
-            </p:cNvCxnSpPr>
-            <p:nvPr/>
-          </p:nvCxnSpPr>
-          <p:spPr>
-            <a:xfrm rot="5400000">
-              <a:off x="1524600" y="4420199"/>
-              <a:ext cx="760800" cy="1588"/>
-            </a:xfrm>
-            <a:prstGeom prst="line">
-              <a:avLst/>
-            </a:prstGeom>
-            <a:ln w="19050"/>
-          </p:spPr>
-          <p:style>
-            <a:lnRef idx="1">
-              <a:schemeClr val="dk1"/>
-            </a:lnRef>
-            <a:fillRef idx="0">
-              <a:schemeClr val="dk1"/>
-            </a:fillRef>
-            <a:effectRef idx="0">
-              <a:schemeClr val="dk1"/>
-            </a:effectRef>
-            <a:fontRef idx="minor">
-              <a:schemeClr val="tx1"/>
-            </a:fontRef>
-          </p:style>
-        </p:cxnSp>
-      </p:grpSp>
-      <p:grpSp>
-        <p:nvGrpSpPr>
-          <p:cNvPr id="71" name="群組 70"/>
-          <p:cNvGrpSpPr/>
-          <p:nvPr/>
-        </p:nvGrpSpPr>
-        <p:grpSpPr>
-          <a:xfrm rot="16200000">
-            <a:off x="4038203" y="-380603"/>
-            <a:ext cx="304800" cy="4266406"/>
-            <a:chOff x="1752600" y="840193"/>
-            <a:chExt cx="304800" cy="4266406"/>
-          </a:xfrm>
-        </p:grpSpPr>
-        <p:sp>
-          <p:nvSpPr>
-            <p:cNvPr id="72" name="橢圓 71"/>
-            <p:cNvSpPr/>
-            <p:nvPr/>
-          </p:nvSpPr>
-          <p:spPr>
-            <a:xfrm>
-              <a:off x="1752600" y="1600199"/>
-              <a:ext cx="304800" cy="306000"/>
-            </a:xfrm>
-            <a:prstGeom prst="ellipse">
-              <a:avLst/>
-            </a:prstGeom>
-            <a:solidFill>
-              <a:schemeClr val="bg1"/>
-            </a:solidFill>
-            <a:ln w="19050"/>
-          </p:spPr>
-          <p:style>
-            <a:lnRef idx="2">
-              <a:schemeClr val="dk1">
-                <a:shade val="50000"/>
-              </a:schemeClr>
-            </a:lnRef>
-            <a:fillRef idx="1">
-              <a:schemeClr val="dk1"/>
-            </a:fillRef>
-            <a:effectRef idx="0">
-              <a:schemeClr val="dk1"/>
-            </a:effectRef>
-            <a:fontRef idx="minor">
-              <a:schemeClr val="lt1"/>
-            </a:fontRef>
-          </p:style>
-          <p:txBody>
-            <a:bodyPr rtlCol="0" anchor="ctr"/>
-            <a:lstStyle/>
-            <a:p>
-              <a:pPr algn="ctr"/>
-              <a:endParaRPr lang="zh-TW" altLang="en-US"/>
-            </a:p>
-          </p:txBody>
-        </p:sp>
-        <p:cxnSp>
-          <p:nvCxnSpPr>
-            <p:cNvPr id="73" name="直線接點 72"/>
-            <p:cNvCxnSpPr>
-              <a:endCxn id="72" idx="0"/>
-            </p:cNvCxnSpPr>
-            <p:nvPr/>
-          </p:nvCxnSpPr>
-          <p:spPr>
-            <a:xfrm rot="5400000">
-              <a:off x="1524600" y="1219799"/>
-              <a:ext cx="760800" cy="1588"/>
-            </a:xfrm>
-            <a:prstGeom prst="line">
-              <a:avLst/>
-            </a:prstGeom>
-            <a:ln w="19050"/>
-          </p:spPr>
-          <p:style>
-            <a:lnRef idx="1">
-              <a:schemeClr val="dk1"/>
-            </a:lnRef>
-            <a:fillRef idx="0">
-              <a:schemeClr val="dk1"/>
-            </a:fillRef>
-            <a:effectRef idx="0">
-              <a:schemeClr val="dk1"/>
-            </a:effectRef>
-            <a:fontRef idx="minor">
-              <a:schemeClr val="tx1"/>
-            </a:fontRef>
-          </p:style>
-        </p:cxnSp>
-        <p:sp>
-          <p:nvSpPr>
-            <p:cNvPr id="74" name="橢圓 73"/>
-            <p:cNvSpPr/>
-            <p:nvPr/>
-          </p:nvSpPr>
-          <p:spPr>
-            <a:xfrm>
-              <a:off x="1752600" y="2666999"/>
-              <a:ext cx="304800" cy="306000"/>
-            </a:xfrm>
-            <a:prstGeom prst="ellipse">
-              <a:avLst/>
-            </a:prstGeom>
-            <a:solidFill>
-              <a:schemeClr val="bg1"/>
-            </a:solidFill>
-            <a:ln w="19050"/>
-          </p:spPr>
-          <p:style>
-            <a:lnRef idx="2">
-              <a:schemeClr val="dk1">
-                <a:shade val="50000"/>
-              </a:schemeClr>
-            </a:lnRef>
-            <a:fillRef idx="1">
-              <a:schemeClr val="dk1"/>
-            </a:fillRef>
-            <a:effectRef idx="0">
-              <a:schemeClr val="dk1"/>
-            </a:effectRef>
-            <a:fontRef idx="minor">
-              <a:schemeClr val="lt1"/>
-            </a:fontRef>
-          </p:style>
-          <p:txBody>
-            <a:bodyPr rtlCol="0" anchor="ctr"/>
-            <a:lstStyle/>
-            <a:p>
-              <a:pPr algn="ctr"/>
-              <a:endParaRPr lang="zh-TW" altLang="en-US"/>
-            </a:p>
-          </p:txBody>
-        </p:sp>
-        <p:cxnSp>
-          <p:nvCxnSpPr>
-            <p:cNvPr id="75" name="直線接點 74"/>
-            <p:cNvCxnSpPr>
-              <a:stCxn id="72" idx="4"/>
-              <a:endCxn id="74" idx="0"/>
-            </p:cNvCxnSpPr>
-            <p:nvPr/>
-          </p:nvCxnSpPr>
-          <p:spPr>
-            <a:xfrm rot="5400000">
-              <a:off x="1524600" y="2286599"/>
-              <a:ext cx="760800" cy="1588"/>
-            </a:xfrm>
-            <a:prstGeom prst="line">
-              <a:avLst/>
-            </a:prstGeom>
-            <a:ln w="19050"/>
-          </p:spPr>
-          <p:style>
-            <a:lnRef idx="1">
-              <a:schemeClr val="dk1"/>
-            </a:lnRef>
-            <a:fillRef idx="0">
-              <a:schemeClr val="dk1"/>
-            </a:fillRef>
-            <a:effectRef idx="0">
-              <a:schemeClr val="dk1"/>
-            </a:effectRef>
-            <a:fontRef idx="minor">
-              <a:schemeClr val="tx1"/>
-            </a:fontRef>
-          </p:style>
-        </p:cxnSp>
-        <p:sp>
-          <p:nvSpPr>
-            <p:cNvPr id="76" name="橢圓 75"/>
-            <p:cNvSpPr/>
-            <p:nvPr/>
-          </p:nvSpPr>
-          <p:spPr>
-            <a:xfrm>
-              <a:off x="1752600" y="3733799"/>
-              <a:ext cx="304800" cy="306000"/>
-            </a:xfrm>
-            <a:prstGeom prst="ellipse">
-              <a:avLst/>
-            </a:prstGeom>
-            <a:solidFill>
-              <a:schemeClr val="bg1"/>
-            </a:solidFill>
-            <a:ln w="19050"/>
-          </p:spPr>
-          <p:style>
-            <a:lnRef idx="2">
-              <a:schemeClr val="dk1">
-                <a:shade val="50000"/>
-              </a:schemeClr>
-            </a:lnRef>
-            <a:fillRef idx="1">
-              <a:schemeClr val="dk1"/>
-            </a:fillRef>
-            <a:effectRef idx="0">
-              <a:schemeClr val="dk1"/>
-            </a:effectRef>
-            <a:fontRef idx="minor">
-              <a:schemeClr val="lt1"/>
-            </a:fontRef>
-          </p:style>
-          <p:txBody>
-            <a:bodyPr rtlCol="0" anchor="ctr"/>
-            <a:lstStyle/>
-            <a:p>
-              <a:pPr algn="ctr"/>
-              <a:endParaRPr lang="zh-TW" altLang="en-US"/>
-            </a:p>
-          </p:txBody>
-        </p:sp>
-        <p:cxnSp>
-          <p:nvCxnSpPr>
-            <p:cNvPr id="77" name="直線接點 76"/>
-            <p:cNvCxnSpPr>
-              <a:stCxn id="74" idx="4"/>
-              <a:endCxn id="76" idx="0"/>
-            </p:cNvCxnSpPr>
-            <p:nvPr/>
-          </p:nvCxnSpPr>
-          <p:spPr>
-            <a:xfrm rot="5400000">
-              <a:off x="1524600" y="3353399"/>
-              <a:ext cx="760800" cy="1588"/>
-            </a:xfrm>
-            <a:prstGeom prst="line">
-              <a:avLst/>
-            </a:prstGeom>
-            <a:ln w="19050"/>
-          </p:spPr>
-          <p:style>
-            <a:lnRef idx="1">
-              <a:schemeClr val="dk1"/>
-            </a:lnRef>
-            <a:fillRef idx="0">
-              <a:schemeClr val="dk1"/>
-            </a:fillRef>
-            <a:effectRef idx="0">
-              <a:schemeClr val="dk1"/>
-            </a:effectRef>
-            <a:fontRef idx="minor">
-              <a:schemeClr val="tx1"/>
-            </a:fontRef>
-          </p:style>
-        </p:cxnSp>
-        <p:sp>
-          <p:nvSpPr>
-            <p:cNvPr id="78" name="橢圓 77"/>
-            <p:cNvSpPr/>
-            <p:nvPr/>
-          </p:nvSpPr>
-          <p:spPr>
-            <a:xfrm>
-              <a:off x="1752600" y="4800599"/>
-              <a:ext cx="304800" cy="306000"/>
-            </a:xfrm>
-            <a:prstGeom prst="ellipse">
-              <a:avLst/>
-            </a:prstGeom>
-            <a:solidFill>
-              <a:schemeClr val="bg1"/>
-            </a:solidFill>
-            <a:ln w="19050"/>
-          </p:spPr>
-          <p:style>
-            <a:lnRef idx="2">
-              <a:schemeClr val="dk1">
-                <a:shade val="50000"/>
-              </a:schemeClr>
-            </a:lnRef>
-            <a:fillRef idx="1">
-              <a:schemeClr val="dk1"/>
-            </a:fillRef>
-            <a:effectRef idx="0">
-              <a:schemeClr val="dk1"/>
-            </a:effectRef>
-            <a:fontRef idx="minor">
-              <a:schemeClr val="lt1"/>
-            </a:fontRef>
-          </p:style>
-          <p:txBody>
-            <a:bodyPr rtlCol="0" anchor="ctr"/>
-            <a:lstStyle/>
-            <a:p>
-              <a:pPr algn="ctr"/>
-              <a:endParaRPr lang="zh-TW" altLang="en-US"/>
-            </a:p>
-          </p:txBody>
-        </p:sp>
-        <p:cxnSp>
-          <p:nvCxnSpPr>
-            <p:cNvPr id="79" name="直線接點 78"/>
-            <p:cNvCxnSpPr>
-              <a:stCxn id="76" idx="4"/>
-              <a:endCxn id="78" idx="0"/>
-            </p:cNvCxnSpPr>
-            <p:nvPr/>
-          </p:nvCxnSpPr>
-          <p:spPr>
-            <a:xfrm rot="5400000">
-              <a:off x="1524600" y="4420199"/>
-              <a:ext cx="760800" cy="1588"/>
-            </a:xfrm>
-            <a:prstGeom prst="line">
-              <a:avLst/>
-            </a:prstGeom>
-            <a:ln w="19050"/>
-          </p:spPr>
-          <p:style>
-            <a:lnRef idx="1">
-              <a:schemeClr val="dk1"/>
-            </a:lnRef>
-            <a:fillRef idx="0">
-              <a:schemeClr val="dk1"/>
-            </a:fillRef>
-            <a:effectRef idx="0">
-              <a:schemeClr val="dk1"/>
-            </a:effectRef>
-            <a:fontRef idx="minor">
-              <a:schemeClr val="tx1"/>
-            </a:fontRef>
-          </p:style>
-        </p:cxnSp>
-      </p:grpSp>
-      <p:grpSp>
-        <p:nvGrpSpPr>
-          <p:cNvPr id="80" name="群組 79"/>
-          <p:cNvGrpSpPr/>
-          <p:nvPr/>
-        </p:nvGrpSpPr>
-        <p:grpSpPr>
-          <a:xfrm rot="16200000">
-            <a:off x="4038203" y="686197"/>
-            <a:ext cx="304800" cy="4266406"/>
-            <a:chOff x="1752600" y="840193"/>
-            <a:chExt cx="304800" cy="4266406"/>
-          </a:xfrm>
-        </p:grpSpPr>
-        <p:sp>
-          <p:nvSpPr>
-            <p:cNvPr id="81" name="橢圓 80"/>
-            <p:cNvSpPr/>
-            <p:nvPr/>
-          </p:nvSpPr>
-          <p:spPr>
-            <a:xfrm>
-              <a:off x="1752600" y="1600199"/>
-              <a:ext cx="304800" cy="306000"/>
-            </a:xfrm>
-            <a:prstGeom prst="ellipse">
-              <a:avLst/>
-            </a:prstGeom>
-            <a:solidFill>
-              <a:schemeClr val="bg1"/>
-            </a:solidFill>
-            <a:ln w="19050"/>
-          </p:spPr>
-          <p:style>
-            <a:lnRef idx="2">
-              <a:schemeClr val="dk1">
-                <a:shade val="50000"/>
-              </a:schemeClr>
-            </a:lnRef>
-            <a:fillRef idx="1">
-              <a:schemeClr val="dk1"/>
-            </a:fillRef>
-            <a:effectRef idx="0">
-              <a:schemeClr val="dk1"/>
-            </a:effectRef>
-            <a:fontRef idx="minor">
-              <a:schemeClr val="lt1"/>
-            </a:fontRef>
-          </p:style>
-          <p:txBody>
-            <a:bodyPr rtlCol="0" anchor="ctr"/>
-            <a:lstStyle/>
-            <a:p>
-              <a:pPr algn="ctr"/>
-              <a:endParaRPr lang="zh-TW" altLang="en-US"/>
-            </a:p>
-          </p:txBody>
-        </p:sp>
-        <p:cxnSp>
-          <p:nvCxnSpPr>
-            <p:cNvPr id="82" name="直線接點 81"/>
-            <p:cNvCxnSpPr>
-              <a:endCxn id="81" idx="0"/>
-            </p:cNvCxnSpPr>
-            <p:nvPr/>
-          </p:nvCxnSpPr>
-          <p:spPr>
-            <a:xfrm rot="5400000">
-              <a:off x="1524600" y="1219799"/>
-              <a:ext cx="760800" cy="1588"/>
-            </a:xfrm>
-            <a:prstGeom prst="line">
-              <a:avLst/>
-            </a:prstGeom>
-            <a:ln w="19050"/>
-          </p:spPr>
-          <p:style>
-            <a:lnRef idx="1">
-              <a:schemeClr val="dk1"/>
-            </a:lnRef>
-            <a:fillRef idx="0">
-              <a:schemeClr val="dk1"/>
-            </a:fillRef>
-            <a:effectRef idx="0">
-              <a:schemeClr val="dk1"/>
-            </a:effectRef>
-            <a:fontRef idx="minor">
-              <a:schemeClr val="tx1"/>
-            </a:fontRef>
-          </p:style>
-        </p:cxnSp>
-        <p:sp>
-          <p:nvSpPr>
-            <p:cNvPr id="83" name="橢圓 82"/>
-            <p:cNvSpPr/>
-            <p:nvPr/>
-          </p:nvSpPr>
-          <p:spPr>
-            <a:xfrm>
-              <a:off x="1752600" y="2666999"/>
-              <a:ext cx="304800" cy="306000"/>
-            </a:xfrm>
-            <a:prstGeom prst="ellipse">
-              <a:avLst/>
-            </a:prstGeom>
-            <a:solidFill>
-              <a:schemeClr val="bg1"/>
-            </a:solidFill>
-            <a:ln w="19050"/>
-          </p:spPr>
-          <p:style>
-            <a:lnRef idx="2">
-              <a:schemeClr val="dk1">
-                <a:shade val="50000"/>
-              </a:schemeClr>
-            </a:lnRef>
-            <a:fillRef idx="1">
-              <a:schemeClr val="dk1"/>
-            </a:fillRef>
-            <a:effectRef idx="0">
-              <a:schemeClr val="dk1"/>
-            </a:effectRef>
-            <a:fontRef idx="minor">
-              <a:schemeClr val="lt1"/>
-            </a:fontRef>
-          </p:style>
-          <p:txBody>
-            <a:bodyPr rtlCol="0" anchor="ctr"/>
-            <a:lstStyle/>
-            <a:p>
-              <a:pPr algn="ctr"/>
-              <a:endParaRPr lang="zh-TW" altLang="en-US"/>
-            </a:p>
-          </p:txBody>
-        </p:sp>
-        <p:cxnSp>
-          <p:nvCxnSpPr>
-            <p:cNvPr id="84" name="直線接點 83"/>
-            <p:cNvCxnSpPr>
-              <a:stCxn id="81" idx="4"/>
-              <a:endCxn id="83" idx="0"/>
-            </p:cNvCxnSpPr>
-            <p:nvPr/>
-          </p:nvCxnSpPr>
-          <p:spPr>
-            <a:xfrm rot="5400000">
-              <a:off x="1524600" y="2286599"/>
-              <a:ext cx="760800" cy="1588"/>
-            </a:xfrm>
-            <a:prstGeom prst="line">
-              <a:avLst/>
-            </a:prstGeom>
-            <a:ln w="19050"/>
-          </p:spPr>
-          <p:style>
-            <a:lnRef idx="1">
-              <a:schemeClr val="dk1"/>
-            </a:lnRef>
-            <a:fillRef idx="0">
-              <a:schemeClr val="dk1"/>
-            </a:fillRef>
-            <a:effectRef idx="0">
-              <a:schemeClr val="dk1"/>
-            </a:effectRef>
-            <a:fontRef idx="minor">
-              <a:schemeClr val="tx1"/>
-            </a:fontRef>
-          </p:style>
-        </p:cxnSp>
-        <p:sp>
-          <p:nvSpPr>
-            <p:cNvPr id="85" name="橢圓 84"/>
-            <p:cNvSpPr/>
-            <p:nvPr/>
-          </p:nvSpPr>
-          <p:spPr>
-            <a:xfrm>
-              <a:off x="1752600" y="3733799"/>
-              <a:ext cx="304800" cy="306000"/>
-            </a:xfrm>
-            <a:prstGeom prst="ellipse">
-              <a:avLst/>
-            </a:prstGeom>
-            <a:solidFill>
-              <a:schemeClr val="bg1"/>
-            </a:solidFill>
-            <a:ln w="19050"/>
-          </p:spPr>
-          <p:style>
-            <a:lnRef idx="2">
-              <a:schemeClr val="dk1">
-                <a:shade val="50000"/>
-              </a:schemeClr>
-            </a:lnRef>
-            <a:fillRef idx="1">
-              <a:schemeClr val="dk1"/>
-            </a:fillRef>
-            <a:effectRef idx="0">
-              <a:schemeClr val="dk1"/>
-            </a:effectRef>
-            <a:fontRef idx="minor">
-              <a:schemeClr val="lt1"/>
-            </a:fontRef>
-          </p:style>
-          <p:txBody>
-            <a:bodyPr rtlCol="0" anchor="ctr"/>
-            <a:lstStyle/>
-            <a:p>
-              <a:pPr algn="ctr"/>
-              <a:endParaRPr lang="zh-TW" altLang="en-US"/>
-            </a:p>
-          </p:txBody>
-        </p:sp>
-        <p:cxnSp>
-          <p:nvCxnSpPr>
-            <p:cNvPr id="86" name="直線接點 85"/>
-            <p:cNvCxnSpPr>
-              <a:stCxn id="83" idx="4"/>
-              <a:endCxn id="85" idx="0"/>
-            </p:cNvCxnSpPr>
-            <p:nvPr/>
-          </p:nvCxnSpPr>
-          <p:spPr>
-            <a:xfrm rot="5400000">
-              <a:off x="1524600" y="3353399"/>
-              <a:ext cx="760800" cy="1588"/>
-            </a:xfrm>
-            <a:prstGeom prst="line">
-              <a:avLst/>
-            </a:prstGeom>
-            <a:ln w="19050"/>
-          </p:spPr>
-          <p:style>
-            <a:lnRef idx="1">
-              <a:schemeClr val="dk1"/>
-            </a:lnRef>
-            <a:fillRef idx="0">
-              <a:schemeClr val="dk1"/>
-            </a:fillRef>
-            <a:effectRef idx="0">
-              <a:schemeClr val="dk1"/>
-            </a:effectRef>
-            <a:fontRef idx="minor">
-              <a:schemeClr val="tx1"/>
-            </a:fontRef>
-          </p:style>
-        </p:cxnSp>
-        <p:sp>
-          <p:nvSpPr>
-            <p:cNvPr id="87" name="橢圓 86"/>
-            <p:cNvSpPr/>
-            <p:nvPr/>
-          </p:nvSpPr>
-          <p:spPr>
-            <a:xfrm>
-              <a:off x="1752600" y="4800599"/>
-              <a:ext cx="304800" cy="306000"/>
-            </a:xfrm>
-            <a:prstGeom prst="ellipse">
-              <a:avLst/>
-            </a:prstGeom>
-            <a:solidFill>
-              <a:schemeClr val="bg1"/>
-            </a:solidFill>
-            <a:ln w="19050"/>
-          </p:spPr>
-          <p:style>
-            <a:lnRef idx="2">
-              <a:schemeClr val="dk1">
-                <a:shade val="50000"/>
-              </a:schemeClr>
-            </a:lnRef>
-            <a:fillRef idx="1">
-              <a:schemeClr val="dk1"/>
-            </a:fillRef>
-            <a:effectRef idx="0">
-              <a:schemeClr val="dk1"/>
-            </a:effectRef>
-            <a:fontRef idx="minor">
-              <a:schemeClr val="lt1"/>
-            </a:fontRef>
-          </p:style>
-          <p:txBody>
-            <a:bodyPr rtlCol="0" anchor="ctr"/>
-            <a:lstStyle/>
-            <a:p>
-              <a:pPr algn="ctr"/>
-              <a:endParaRPr lang="zh-TW" altLang="en-US"/>
-            </a:p>
-          </p:txBody>
-        </p:sp>
-        <p:cxnSp>
-          <p:nvCxnSpPr>
-            <p:cNvPr id="88" name="直線接點 87"/>
-            <p:cNvCxnSpPr>
-              <a:stCxn id="85" idx="4"/>
-              <a:endCxn id="87" idx="0"/>
-            </p:cNvCxnSpPr>
-            <p:nvPr/>
-          </p:nvCxnSpPr>
-          <p:spPr>
-            <a:xfrm rot="5400000">
-              <a:off x="1524600" y="4420199"/>
-              <a:ext cx="760800" cy="1588"/>
-            </a:xfrm>
-            <a:prstGeom prst="line">
-              <a:avLst/>
-            </a:prstGeom>
-            <a:ln w="19050"/>
-          </p:spPr>
-          <p:style>
-            <a:lnRef idx="1">
-              <a:schemeClr val="dk1"/>
-            </a:lnRef>
-            <a:fillRef idx="0">
-              <a:schemeClr val="dk1"/>
-            </a:fillRef>
-            <a:effectRef idx="0">
-              <a:schemeClr val="dk1"/>
-            </a:effectRef>
-            <a:fontRef idx="minor">
-              <a:schemeClr val="tx1"/>
-            </a:fontRef>
-          </p:style>
-        </p:cxnSp>
-      </p:grpSp>
-      <p:grpSp>
-        <p:nvGrpSpPr>
-          <p:cNvPr id="89" name="群組 88"/>
-          <p:cNvGrpSpPr/>
-          <p:nvPr/>
-        </p:nvGrpSpPr>
-        <p:grpSpPr>
-          <a:xfrm rot="16200000">
-            <a:off x="4038203" y="1752997"/>
-            <a:ext cx="304800" cy="4266406"/>
-            <a:chOff x="1752600" y="840193"/>
-            <a:chExt cx="304800" cy="4266406"/>
-          </a:xfrm>
-        </p:grpSpPr>
-        <p:sp>
-          <p:nvSpPr>
-            <p:cNvPr id="90" name="橢圓 89"/>
-            <p:cNvSpPr/>
-            <p:nvPr/>
-          </p:nvSpPr>
-          <p:spPr>
-            <a:xfrm>
-              <a:off x="1752600" y="1600199"/>
-              <a:ext cx="304800" cy="306000"/>
-            </a:xfrm>
-            <a:prstGeom prst="ellipse">
-              <a:avLst/>
-            </a:prstGeom>
-            <a:solidFill>
-              <a:schemeClr val="bg1"/>
-            </a:solidFill>
-            <a:ln w="19050"/>
-          </p:spPr>
-          <p:style>
-            <a:lnRef idx="2">
-              <a:schemeClr val="dk1">
-                <a:shade val="50000"/>
-              </a:schemeClr>
-            </a:lnRef>
-            <a:fillRef idx="1">
-              <a:schemeClr val="dk1"/>
-            </a:fillRef>
-            <a:effectRef idx="0">
-              <a:schemeClr val="dk1"/>
-            </a:effectRef>
-            <a:fontRef idx="minor">
-              <a:schemeClr val="lt1"/>
-            </a:fontRef>
-          </p:style>
-          <p:txBody>
-            <a:bodyPr rtlCol="0" anchor="ctr"/>
-            <a:lstStyle/>
-            <a:p>
-              <a:pPr algn="ctr"/>
-              <a:endParaRPr lang="zh-TW" altLang="en-US"/>
-            </a:p>
-          </p:txBody>
-        </p:sp>
-        <p:cxnSp>
-          <p:nvCxnSpPr>
-            <p:cNvPr id="91" name="直線接點 90"/>
-            <p:cNvCxnSpPr>
-              <a:endCxn id="90" idx="0"/>
-            </p:cNvCxnSpPr>
-            <p:nvPr/>
-          </p:nvCxnSpPr>
-          <p:spPr>
-            <a:xfrm rot="5400000">
-              <a:off x="1524600" y="1219799"/>
-              <a:ext cx="760800" cy="1588"/>
-            </a:xfrm>
-            <a:prstGeom prst="line">
-              <a:avLst/>
-            </a:prstGeom>
-            <a:ln w="19050"/>
-          </p:spPr>
-          <p:style>
-            <a:lnRef idx="1">
-              <a:schemeClr val="dk1"/>
-            </a:lnRef>
-            <a:fillRef idx="0">
-              <a:schemeClr val="dk1"/>
-            </a:fillRef>
-            <a:effectRef idx="0">
-              <a:schemeClr val="dk1"/>
-            </a:effectRef>
-            <a:fontRef idx="minor">
-              <a:schemeClr val="tx1"/>
-            </a:fontRef>
-          </p:style>
-        </p:cxnSp>
-        <p:sp>
-          <p:nvSpPr>
-            <p:cNvPr id="92" name="橢圓 91"/>
-            <p:cNvSpPr/>
-            <p:nvPr/>
-          </p:nvSpPr>
-          <p:spPr>
-            <a:xfrm>
-              <a:off x="1752600" y="2666999"/>
-              <a:ext cx="304800" cy="306000"/>
-            </a:xfrm>
-            <a:prstGeom prst="ellipse">
-              <a:avLst/>
-            </a:prstGeom>
-            <a:solidFill>
-              <a:schemeClr val="bg1"/>
-            </a:solidFill>
-            <a:ln w="19050"/>
-          </p:spPr>
-          <p:style>
-            <a:lnRef idx="2">
-              <a:schemeClr val="dk1">
-                <a:shade val="50000"/>
-              </a:schemeClr>
-            </a:lnRef>
-            <a:fillRef idx="1">
-              <a:schemeClr val="dk1"/>
-            </a:fillRef>
-            <a:effectRef idx="0">
-              <a:schemeClr val="dk1"/>
-            </a:effectRef>
-            <a:fontRef idx="minor">
-              <a:schemeClr val="lt1"/>
-            </a:fontRef>
-          </p:style>
-          <p:txBody>
-            <a:bodyPr rtlCol="0" anchor="ctr"/>
-            <a:lstStyle/>
-            <a:p>
-              <a:pPr algn="ctr"/>
-              <a:endParaRPr lang="zh-TW" altLang="en-US"/>
-            </a:p>
-          </p:txBody>
-        </p:sp>
-        <p:cxnSp>
-          <p:nvCxnSpPr>
-            <p:cNvPr id="93" name="直線接點 92"/>
-            <p:cNvCxnSpPr>
-              <a:stCxn id="90" idx="4"/>
-              <a:endCxn id="92" idx="0"/>
-            </p:cNvCxnSpPr>
-            <p:nvPr/>
-          </p:nvCxnSpPr>
-          <p:spPr>
-            <a:xfrm rot="5400000">
-              <a:off x="1524600" y="2286599"/>
-              <a:ext cx="760800" cy="1588"/>
-            </a:xfrm>
-            <a:prstGeom prst="line">
-              <a:avLst/>
-            </a:prstGeom>
-            <a:ln w="19050"/>
-          </p:spPr>
-          <p:style>
-            <a:lnRef idx="1">
-              <a:schemeClr val="dk1"/>
-            </a:lnRef>
-            <a:fillRef idx="0">
-              <a:schemeClr val="dk1"/>
-            </a:fillRef>
-            <a:effectRef idx="0">
-              <a:schemeClr val="dk1"/>
-            </a:effectRef>
-            <a:fontRef idx="minor">
-              <a:schemeClr val="tx1"/>
-            </a:fontRef>
-          </p:style>
-        </p:cxnSp>
-        <p:sp>
-          <p:nvSpPr>
-            <p:cNvPr id="94" name="橢圓 93"/>
-            <p:cNvSpPr/>
-            <p:nvPr/>
-          </p:nvSpPr>
-          <p:spPr>
-            <a:xfrm>
-              <a:off x="1752600" y="3733799"/>
-              <a:ext cx="304800" cy="306000"/>
-            </a:xfrm>
-            <a:prstGeom prst="ellipse">
-              <a:avLst/>
-            </a:prstGeom>
-            <a:solidFill>
-              <a:schemeClr val="bg1"/>
-            </a:solidFill>
-            <a:ln w="19050"/>
-          </p:spPr>
-          <p:style>
-            <a:lnRef idx="2">
-              <a:schemeClr val="dk1">
-                <a:shade val="50000"/>
-              </a:schemeClr>
-            </a:lnRef>
-            <a:fillRef idx="1">
-              <a:schemeClr val="dk1"/>
-            </a:fillRef>
-            <a:effectRef idx="0">
-              <a:schemeClr val="dk1"/>
-            </a:effectRef>
-            <a:fontRef idx="minor">
-              <a:schemeClr val="lt1"/>
-            </a:fontRef>
-          </p:style>
-          <p:txBody>
-            <a:bodyPr rtlCol="0" anchor="ctr"/>
-            <a:lstStyle/>
-            <a:p>
-              <a:pPr algn="ctr"/>
-              <a:endParaRPr lang="zh-TW" altLang="en-US"/>
-            </a:p>
-          </p:txBody>
-        </p:sp>
-        <p:cxnSp>
-          <p:nvCxnSpPr>
-            <p:cNvPr id="95" name="直線接點 94"/>
-            <p:cNvCxnSpPr>
-              <a:stCxn id="92" idx="4"/>
-              <a:endCxn id="94" idx="0"/>
-            </p:cNvCxnSpPr>
-            <p:nvPr/>
-          </p:nvCxnSpPr>
-          <p:spPr>
-            <a:xfrm rot="5400000">
-              <a:off x="1524600" y="3353399"/>
-              <a:ext cx="760800" cy="1588"/>
-            </a:xfrm>
-            <a:prstGeom prst="line">
-              <a:avLst/>
-            </a:prstGeom>
-            <a:ln w="19050"/>
-          </p:spPr>
-          <p:style>
-            <a:lnRef idx="1">
-              <a:schemeClr val="dk1"/>
-            </a:lnRef>
-            <a:fillRef idx="0">
-              <a:schemeClr val="dk1"/>
-            </a:fillRef>
-            <a:effectRef idx="0">
-              <a:schemeClr val="dk1"/>
-            </a:effectRef>
-            <a:fontRef idx="minor">
-              <a:schemeClr val="tx1"/>
-            </a:fontRef>
-          </p:style>
-        </p:cxnSp>
-        <p:sp>
-          <p:nvSpPr>
-            <p:cNvPr id="96" name="橢圓 95"/>
-            <p:cNvSpPr/>
-            <p:nvPr/>
-          </p:nvSpPr>
-          <p:spPr>
-            <a:xfrm>
-              <a:off x="1752600" y="4800599"/>
-              <a:ext cx="304800" cy="306000"/>
-            </a:xfrm>
-            <a:prstGeom prst="ellipse">
-              <a:avLst/>
-            </a:prstGeom>
-            <a:solidFill>
-              <a:schemeClr val="bg1"/>
-            </a:solidFill>
-            <a:ln w="19050"/>
-          </p:spPr>
-          <p:style>
-            <a:lnRef idx="2">
-              <a:schemeClr val="dk1">
-                <a:shade val="50000"/>
-              </a:schemeClr>
-            </a:lnRef>
-            <a:fillRef idx="1">
-              <a:schemeClr val="dk1"/>
-            </a:fillRef>
-            <a:effectRef idx="0">
-              <a:schemeClr val="dk1"/>
-            </a:effectRef>
-            <a:fontRef idx="minor">
-              <a:schemeClr val="lt1"/>
-            </a:fontRef>
-          </p:style>
-          <p:txBody>
-            <a:bodyPr rtlCol="0" anchor="ctr"/>
-            <a:lstStyle/>
-            <a:p>
-              <a:pPr algn="ctr"/>
-              <a:endParaRPr lang="zh-TW" altLang="en-US"/>
-            </a:p>
-          </p:txBody>
-        </p:sp>
-        <p:cxnSp>
-          <p:nvCxnSpPr>
-            <p:cNvPr id="97" name="直線接點 96"/>
-            <p:cNvCxnSpPr>
-              <a:stCxn id="94" idx="4"/>
-              <a:endCxn id="96" idx="0"/>
-            </p:cNvCxnSpPr>
-            <p:nvPr/>
-          </p:nvCxnSpPr>
-          <p:spPr>
-            <a:xfrm rot="5400000">
-              <a:off x="1524600" y="4420199"/>
-              <a:ext cx="760800" cy="1588"/>
-            </a:xfrm>
-            <a:prstGeom prst="line">
-              <a:avLst/>
-            </a:prstGeom>
-            <a:ln w="19050"/>
-          </p:spPr>
-          <p:style>
-            <a:lnRef idx="1">
-              <a:schemeClr val="dk1"/>
-            </a:lnRef>
-            <a:fillRef idx="0">
-              <a:schemeClr val="dk1"/>
-            </a:fillRef>
-            <a:effectRef idx="0">
-              <a:schemeClr val="dk1"/>
-            </a:effectRef>
-            <a:fontRef idx="minor">
-              <a:schemeClr val="tx1"/>
-            </a:fontRef>
-          </p:style>
-        </p:cxnSp>
-      </p:grpSp>
-      <p:grpSp>
-        <p:nvGrpSpPr>
-          <p:cNvPr id="98" name="群組 97"/>
-          <p:cNvGrpSpPr/>
-          <p:nvPr/>
-        </p:nvGrpSpPr>
-        <p:grpSpPr>
-          <a:xfrm rot="16200000">
-            <a:off x="4038203" y="2819797"/>
-            <a:ext cx="304800" cy="4266406"/>
-            <a:chOff x="1752600" y="840193"/>
-            <a:chExt cx="304800" cy="4266406"/>
-          </a:xfrm>
-        </p:grpSpPr>
-        <p:sp>
-          <p:nvSpPr>
-            <p:cNvPr id="99" name="橢圓 98"/>
-            <p:cNvSpPr/>
-            <p:nvPr/>
-          </p:nvSpPr>
-          <p:spPr>
-            <a:xfrm>
-              <a:off x="1752600" y="1600199"/>
-              <a:ext cx="304800" cy="306000"/>
-            </a:xfrm>
-            <a:prstGeom prst="ellipse">
-              <a:avLst/>
-            </a:prstGeom>
-            <a:solidFill>
-              <a:schemeClr val="bg1"/>
-            </a:solidFill>
-            <a:ln w="19050"/>
-          </p:spPr>
-          <p:style>
-            <a:lnRef idx="2">
-              <a:schemeClr val="dk1">
-                <a:shade val="50000"/>
-              </a:schemeClr>
-            </a:lnRef>
-            <a:fillRef idx="1">
-              <a:schemeClr val="dk1"/>
-            </a:fillRef>
-            <a:effectRef idx="0">
-              <a:schemeClr val="dk1"/>
-            </a:effectRef>
-            <a:fontRef idx="minor">
-              <a:schemeClr val="lt1"/>
-            </a:fontRef>
-          </p:style>
-          <p:txBody>
-            <a:bodyPr rtlCol="0" anchor="ctr"/>
-            <a:lstStyle/>
-            <a:p>
-              <a:pPr algn="ctr"/>
-              <a:endParaRPr lang="zh-TW" altLang="en-US"/>
-            </a:p>
-          </p:txBody>
-        </p:sp>
-        <p:cxnSp>
-          <p:nvCxnSpPr>
-            <p:cNvPr id="100" name="直線接點 99"/>
-            <p:cNvCxnSpPr>
-              <a:endCxn id="99" idx="0"/>
-            </p:cNvCxnSpPr>
-            <p:nvPr/>
-          </p:nvCxnSpPr>
-          <p:spPr>
-            <a:xfrm rot="5400000">
-              <a:off x="1524600" y="1219799"/>
-              <a:ext cx="760800" cy="1588"/>
-            </a:xfrm>
-            <a:prstGeom prst="line">
-              <a:avLst/>
-            </a:prstGeom>
-            <a:ln w="19050"/>
-          </p:spPr>
-          <p:style>
-            <a:lnRef idx="1">
-              <a:schemeClr val="dk1"/>
-            </a:lnRef>
-            <a:fillRef idx="0">
-              <a:schemeClr val="dk1"/>
-            </a:fillRef>
-            <a:effectRef idx="0">
-              <a:schemeClr val="dk1"/>
-            </a:effectRef>
-            <a:fontRef idx="minor">
-              <a:schemeClr val="tx1"/>
-            </a:fontRef>
-          </p:style>
-        </p:cxnSp>
-        <p:sp>
-          <p:nvSpPr>
-            <p:cNvPr id="101" name="橢圓 100"/>
-            <p:cNvSpPr/>
-            <p:nvPr/>
-          </p:nvSpPr>
-          <p:spPr>
-            <a:xfrm>
-              <a:off x="1752600" y="2666999"/>
-              <a:ext cx="304800" cy="306000"/>
-            </a:xfrm>
-            <a:prstGeom prst="ellipse">
-              <a:avLst/>
-            </a:prstGeom>
-            <a:solidFill>
-              <a:schemeClr val="bg1"/>
-            </a:solidFill>
-            <a:ln w="19050"/>
-          </p:spPr>
-          <p:style>
-            <a:lnRef idx="2">
-              <a:schemeClr val="dk1">
-                <a:shade val="50000"/>
-              </a:schemeClr>
-            </a:lnRef>
-            <a:fillRef idx="1">
-              <a:schemeClr val="dk1"/>
-            </a:fillRef>
-            <a:effectRef idx="0">
-              <a:schemeClr val="dk1"/>
-            </a:effectRef>
-            <a:fontRef idx="minor">
-              <a:schemeClr val="lt1"/>
-            </a:fontRef>
-          </p:style>
-          <p:txBody>
-            <a:bodyPr rtlCol="0" anchor="ctr"/>
-            <a:lstStyle/>
-            <a:p>
-              <a:pPr algn="ctr"/>
-              <a:endParaRPr lang="zh-TW" altLang="en-US"/>
-            </a:p>
-          </p:txBody>
-        </p:sp>
-        <p:cxnSp>
-          <p:nvCxnSpPr>
-            <p:cNvPr id="102" name="直線接點 101"/>
-            <p:cNvCxnSpPr>
-              <a:stCxn id="99" idx="4"/>
-              <a:endCxn id="101" idx="0"/>
-            </p:cNvCxnSpPr>
-            <p:nvPr/>
-          </p:nvCxnSpPr>
-          <p:spPr>
-            <a:xfrm rot="5400000">
-              <a:off x="1524600" y="2286599"/>
-              <a:ext cx="760800" cy="1588"/>
-            </a:xfrm>
-            <a:prstGeom prst="line">
-              <a:avLst/>
-            </a:prstGeom>
-            <a:ln w="19050"/>
-          </p:spPr>
-          <p:style>
-            <a:lnRef idx="1">
-              <a:schemeClr val="dk1"/>
-            </a:lnRef>
-            <a:fillRef idx="0">
-              <a:schemeClr val="dk1"/>
-            </a:fillRef>
-            <a:effectRef idx="0">
-              <a:schemeClr val="dk1"/>
-            </a:effectRef>
-            <a:fontRef idx="minor">
-              <a:schemeClr val="tx1"/>
-            </a:fontRef>
-          </p:style>
-        </p:cxnSp>
-        <p:sp>
-          <p:nvSpPr>
-            <p:cNvPr id="103" name="橢圓 102"/>
-            <p:cNvSpPr/>
-            <p:nvPr/>
-          </p:nvSpPr>
-          <p:spPr>
-            <a:xfrm>
-              <a:off x="1752600" y="3733799"/>
-              <a:ext cx="304800" cy="306000"/>
-            </a:xfrm>
-            <a:prstGeom prst="ellipse">
-              <a:avLst/>
-            </a:prstGeom>
-            <a:solidFill>
-              <a:schemeClr val="bg1"/>
-            </a:solidFill>
-            <a:ln w="19050"/>
-          </p:spPr>
-          <p:style>
-            <a:lnRef idx="2">
-              <a:schemeClr val="dk1">
-                <a:shade val="50000"/>
-              </a:schemeClr>
-            </a:lnRef>
-            <a:fillRef idx="1">
-              <a:schemeClr val="dk1"/>
-            </a:fillRef>
-            <a:effectRef idx="0">
-              <a:schemeClr val="dk1"/>
-            </a:effectRef>
-            <a:fontRef idx="minor">
-              <a:schemeClr val="lt1"/>
-            </a:fontRef>
-          </p:style>
-          <p:txBody>
-            <a:bodyPr rtlCol="0" anchor="ctr"/>
-            <a:lstStyle/>
-            <a:p>
-              <a:pPr algn="ctr"/>
-              <a:endParaRPr lang="zh-TW" altLang="en-US"/>
-            </a:p>
-          </p:txBody>
-        </p:sp>
-        <p:cxnSp>
-          <p:nvCxnSpPr>
-            <p:cNvPr id="104" name="直線接點 103"/>
-            <p:cNvCxnSpPr>
-              <a:stCxn id="101" idx="4"/>
-              <a:endCxn id="103" idx="0"/>
-            </p:cNvCxnSpPr>
-            <p:nvPr/>
-          </p:nvCxnSpPr>
-          <p:spPr>
-            <a:xfrm rot="5400000">
-              <a:off x="1524600" y="3353399"/>
-              <a:ext cx="760800" cy="1588"/>
-            </a:xfrm>
-            <a:prstGeom prst="line">
-              <a:avLst/>
-            </a:prstGeom>
-            <a:ln w="19050"/>
-          </p:spPr>
-          <p:style>
-            <a:lnRef idx="1">
-              <a:schemeClr val="dk1"/>
-            </a:lnRef>
-            <a:fillRef idx="0">
-              <a:schemeClr val="dk1"/>
-            </a:fillRef>
-            <a:effectRef idx="0">
-              <a:schemeClr val="dk1"/>
-            </a:effectRef>
-            <a:fontRef idx="minor">
-              <a:schemeClr val="tx1"/>
-            </a:fontRef>
-          </p:style>
-        </p:cxnSp>
-        <p:sp>
-          <p:nvSpPr>
-            <p:cNvPr id="105" name="橢圓 104"/>
-            <p:cNvSpPr/>
-            <p:nvPr/>
-          </p:nvSpPr>
-          <p:spPr>
-            <a:xfrm>
-              <a:off x="1752600" y="4800599"/>
-              <a:ext cx="304800" cy="306000"/>
-            </a:xfrm>
-            <a:prstGeom prst="ellipse">
-              <a:avLst/>
-            </a:prstGeom>
-            <a:solidFill>
-              <a:schemeClr val="bg1"/>
-            </a:solidFill>
-            <a:ln w="19050"/>
-          </p:spPr>
-          <p:style>
-            <a:lnRef idx="2">
-              <a:schemeClr val="dk1">
-                <a:shade val="50000"/>
-              </a:schemeClr>
-            </a:lnRef>
-            <a:fillRef idx="1">
-              <a:schemeClr val="dk1"/>
-            </a:fillRef>
-            <a:effectRef idx="0">
-              <a:schemeClr val="dk1"/>
-            </a:effectRef>
-            <a:fontRef idx="minor">
-              <a:schemeClr val="lt1"/>
-            </a:fontRef>
-          </p:style>
-          <p:txBody>
-            <a:bodyPr rtlCol="0" anchor="ctr"/>
-            <a:lstStyle/>
-            <a:p>
-              <a:pPr algn="ctr"/>
-              <a:endParaRPr lang="zh-TW" altLang="en-US"/>
-            </a:p>
-          </p:txBody>
-        </p:sp>
-        <p:cxnSp>
-          <p:nvCxnSpPr>
-            <p:cNvPr id="106" name="直線接點 105"/>
-            <p:cNvCxnSpPr>
-              <a:stCxn id="103" idx="4"/>
-              <a:endCxn id="105" idx="0"/>
-            </p:cNvCxnSpPr>
-            <p:nvPr/>
-          </p:nvCxnSpPr>
-          <p:spPr>
-            <a:xfrm rot="5400000">
-              <a:off x="1524600" y="4420199"/>
-              <a:ext cx="760800" cy="1588"/>
-            </a:xfrm>
-            <a:prstGeom prst="line">
-              <a:avLst/>
-            </a:prstGeom>
-            <a:ln w="19050"/>
-          </p:spPr>
-          <p:style>
-            <a:lnRef idx="1">
-              <a:schemeClr val="dk1"/>
-            </a:lnRef>
-            <a:fillRef idx="0">
-              <a:schemeClr val="dk1"/>
-            </a:fillRef>
-            <a:effectRef idx="0">
-              <a:schemeClr val="dk1"/>
-            </a:effectRef>
-            <a:fontRef idx="minor">
-              <a:schemeClr val="tx1"/>
-            </a:fontRef>
-          </p:style>
-        </p:cxnSp>
-      </p:grpSp>
-      <p:grpSp>
-        <p:nvGrpSpPr>
-          <p:cNvPr id="111" name="群組 110"/>
+          <p:cNvPr id="2" name="群組 185"/>
           <p:cNvGrpSpPr/>
           <p:nvPr/>
         </p:nvGrpSpPr>
         <p:grpSpPr>
           <a:xfrm>
-            <a:off x="2971800" y="838200"/>
-            <a:ext cx="3201988" cy="760800"/>
-            <a:chOff x="2971800" y="838200"/>
-            <a:chExt cx="3201988" cy="760800"/>
+            <a:off x="1752600" y="533399"/>
+            <a:ext cx="4571206" cy="4573200"/>
+            <a:chOff x="1752600" y="533399"/>
+            <a:chExt cx="4571206" cy="4573200"/>
           </a:xfrm>
         </p:grpSpPr>
+        <p:grpSp>
+          <p:nvGrpSpPr>
+            <p:cNvPr id="3" name="群組 182"/>
+            <p:cNvGrpSpPr/>
+            <p:nvPr/>
+          </p:nvGrpSpPr>
+          <p:grpSpPr>
+            <a:xfrm>
+              <a:off x="1752600" y="533399"/>
+              <a:ext cx="304800" cy="4573200"/>
+              <a:chOff x="1752600" y="533399"/>
+              <a:chExt cx="304800" cy="4573200"/>
+            </a:xfrm>
+          </p:grpSpPr>
+          <p:sp>
+            <p:nvSpPr>
+              <p:cNvPr id="4" name="橢圓 3"/>
+              <p:cNvSpPr/>
+              <p:nvPr/>
+            </p:nvSpPr>
+            <p:spPr>
+              <a:xfrm>
+                <a:off x="1752600" y="533399"/>
+                <a:ext cx="304800" cy="306000"/>
+              </a:xfrm>
+              <a:prstGeom prst="ellipse">
+                <a:avLst/>
+              </a:prstGeom>
+              <a:solidFill>
+                <a:schemeClr val="bg1"/>
+              </a:solidFill>
+              <a:ln w="19050"/>
+            </p:spPr>
+            <p:style>
+              <a:lnRef idx="2">
+                <a:schemeClr val="dk1">
+                  <a:shade val="50000"/>
+                </a:schemeClr>
+              </a:lnRef>
+              <a:fillRef idx="1">
+                <a:schemeClr val="dk1"/>
+              </a:fillRef>
+              <a:effectRef idx="0">
+                <a:schemeClr val="dk1"/>
+              </a:effectRef>
+              <a:fontRef idx="minor">
+                <a:schemeClr val="lt1"/>
+              </a:fontRef>
+            </p:style>
+            <p:txBody>
+              <a:bodyPr rtlCol="0" anchor="ctr"/>
+              <a:lstStyle/>
+              <a:p>
+                <a:pPr algn="ctr"/>
+                <a:endParaRPr lang="zh-TW" altLang="en-US"/>
+              </a:p>
+            </p:txBody>
+          </p:sp>
+          <p:sp>
+            <p:nvSpPr>
+              <p:cNvPr id="6" name="橢圓 5"/>
+              <p:cNvSpPr/>
+              <p:nvPr/>
+            </p:nvSpPr>
+            <p:spPr>
+              <a:xfrm>
+                <a:off x="1752600" y="1600199"/>
+                <a:ext cx="304800" cy="306000"/>
+              </a:xfrm>
+              <a:prstGeom prst="ellipse">
+                <a:avLst/>
+              </a:prstGeom>
+              <a:solidFill>
+                <a:schemeClr val="bg1"/>
+              </a:solidFill>
+              <a:ln w="19050"/>
+            </p:spPr>
+            <p:style>
+              <a:lnRef idx="2">
+                <a:schemeClr val="dk1">
+                  <a:shade val="50000"/>
+                </a:schemeClr>
+              </a:lnRef>
+              <a:fillRef idx="1">
+                <a:schemeClr val="dk1"/>
+              </a:fillRef>
+              <a:effectRef idx="0">
+                <a:schemeClr val="dk1"/>
+              </a:effectRef>
+              <a:fontRef idx="minor">
+                <a:schemeClr val="lt1"/>
+              </a:fontRef>
+            </p:style>
+            <p:txBody>
+              <a:bodyPr rtlCol="0" anchor="ctr"/>
+              <a:lstStyle/>
+              <a:p>
+                <a:pPr algn="ctr"/>
+                <a:endParaRPr lang="zh-TW" altLang="en-US"/>
+              </a:p>
+            </p:txBody>
+          </p:sp>
+          <p:cxnSp>
+            <p:nvCxnSpPr>
+              <p:cNvPr id="8" name="直線接點 7"/>
+              <p:cNvCxnSpPr>
+                <a:stCxn id="4" idx="4"/>
+                <a:endCxn id="6" idx="0"/>
+              </p:cNvCxnSpPr>
+              <p:nvPr/>
+            </p:nvCxnSpPr>
+            <p:spPr>
+              <a:xfrm rot="5400000">
+                <a:off x="1524600" y="1219799"/>
+                <a:ext cx="760800" cy="1588"/>
+              </a:xfrm>
+              <a:prstGeom prst="line">
+                <a:avLst/>
+              </a:prstGeom>
+              <a:ln w="19050"/>
+            </p:spPr>
+            <p:style>
+              <a:lnRef idx="1">
+                <a:schemeClr val="dk1"/>
+              </a:lnRef>
+              <a:fillRef idx="0">
+                <a:schemeClr val="dk1"/>
+              </a:fillRef>
+              <a:effectRef idx="0">
+                <a:schemeClr val="dk1"/>
+              </a:effectRef>
+              <a:fontRef idx="minor">
+                <a:schemeClr val="tx1"/>
+              </a:fontRef>
+            </p:style>
+          </p:cxnSp>
+          <p:sp>
+            <p:nvSpPr>
+              <p:cNvPr id="14" name="橢圓 13"/>
+              <p:cNvSpPr/>
+              <p:nvPr/>
+            </p:nvSpPr>
+            <p:spPr>
+              <a:xfrm>
+                <a:off x="1752600" y="2666999"/>
+                <a:ext cx="304800" cy="306000"/>
+              </a:xfrm>
+              <a:prstGeom prst="ellipse">
+                <a:avLst/>
+              </a:prstGeom>
+              <a:solidFill>
+                <a:schemeClr val="bg1"/>
+              </a:solidFill>
+              <a:ln w="19050"/>
+            </p:spPr>
+            <p:style>
+              <a:lnRef idx="2">
+                <a:schemeClr val="dk1">
+                  <a:shade val="50000"/>
+                </a:schemeClr>
+              </a:lnRef>
+              <a:fillRef idx="1">
+                <a:schemeClr val="dk1"/>
+              </a:fillRef>
+              <a:effectRef idx="0">
+                <a:schemeClr val="dk1"/>
+              </a:effectRef>
+              <a:fontRef idx="minor">
+                <a:schemeClr val="lt1"/>
+              </a:fontRef>
+            </p:style>
+            <p:txBody>
+              <a:bodyPr rtlCol="0" anchor="ctr"/>
+              <a:lstStyle/>
+              <a:p>
+                <a:pPr algn="ctr"/>
+                <a:endParaRPr lang="zh-TW" altLang="en-US"/>
+              </a:p>
+            </p:txBody>
+          </p:sp>
+          <p:cxnSp>
+            <p:nvCxnSpPr>
+              <p:cNvPr id="15" name="直線接點 14"/>
+              <p:cNvCxnSpPr>
+                <a:stCxn id="6" idx="4"/>
+                <a:endCxn id="14" idx="0"/>
+              </p:cNvCxnSpPr>
+              <p:nvPr/>
+            </p:nvCxnSpPr>
+            <p:spPr>
+              <a:xfrm rot="5400000">
+                <a:off x="1524600" y="2286599"/>
+                <a:ext cx="760800" cy="1588"/>
+              </a:xfrm>
+              <a:prstGeom prst="line">
+                <a:avLst/>
+              </a:prstGeom>
+              <a:ln w="19050"/>
+            </p:spPr>
+            <p:style>
+              <a:lnRef idx="1">
+                <a:schemeClr val="dk1"/>
+              </a:lnRef>
+              <a:fillRef idx="0">
+                <a:schemeClr val="dk1"/>
+              </a:fillRef>
+              <a:effectRef idx="0">
+                <a:schemeClr val="dk1"/>
+              </a:effectRef>
+              <a:fontRef idx="minor">
+                <a:schemeClr val="tx1"/>
+              </a:fontRef>
+            </p:style>
+          </p:cxnSp>
+          <p:sp>
+            <p:nvSpPr>
+              <p:cNvPr id="21" name="橢圓 20"/>
+              <p:cNvSpPr/>
+              <p:nvPr/>
+            </p:nvSpPr>
+            <p:spPr>
+              <a:xfrm>
+                <a:off x="1752600" y="3733799"/>
+                <a:ext cx="304800" cy="306000"/>
+              </a:xfrm>
+              <a:prstGeom prst="ellipse">
+                <a:avLst/>
+              </a:prstGeom>
+              <a:solidFill>
+                <a:schemeClr val="bg1"/>
+              </a:solidFill>
+              <a:ln w="19050"/>
+            </p:spPr>
+            <p:style>
+              <a:lnRef idx="2">
+                <a:schemeClr val="dk1">
+                  <a:shade val="50000"/>
+                </a:schemeClr>
+              </a:lnRef>
+              <a:fillRef idx="1">
+                <a:schemeClr val="dk1"/>
+              </a:fillRef>
+              <a:effectRef idx="0">
+                <a:schemeClr val="dk1"/>
+              </a:effectRef>
+              <a:fontRef idx="minor">
+                <a:schemeClr val="lt1"/>
+              </a:fontRef>
+            </p:style>
+            <p:txBody>
+              <a:bodyPr rtlCol="0" anchor="ctr"/>
+              <a:lstStyle/>
+              <a:p>
+                <a:pPr algn="ctr"/>
+                <a:endParaRPr lang="zh-TW" altLang="en-US"/>
+              </a:p>
+            </p:txBody>
+          </p:sp>
+          <p:cxnSp>
+            <p:nvCxnSpPr>
+              <p:cNvPr id="22" name="直線接點 21"/>
+              <p:cNvCxnSpPr>
+                <a:stCxn id="14" idx="4"/>
+                <a:endCxn id="21" idx="0"/>
+              </p:cNvCxnSpPr>
+              <p:nvPr/>
+            </p:nvCxnSpPr>
+            <p:spPr>
+              <a:xfrm rot="5400000">
+                <a:off x="1524600" y="3353399"/>
+                <a:ext cx="760800" cy="1588"/>
+              </a:xfrm>
+              <a:prstGeom prst="line">
+                <a:avLst/>
+              </a:prstGeom>
+              <a:ln w="19050"/>
+            </p:spPr>
+            <p:style>
+              <a:lnRef idx="1">
+                <a:schemeClr val="dk1"/>
+              </a:lnRef>
+              <a:fillRef idx="0">
+                <a:schemeClr val="dk1"/>
+              </a:fillRef>
+              <a:effectRef idx="0">
+                <a:schemeClr val="dk1"/>
+              </a:effectRef>
+              <a:fontRef idx="minor">
+                <a:schemeClr val="tx1"/>
+              </a:fontRef>
+            </p:style>
+          </p:cxnSp>
+          <p:sp>
+            <p:nvSpPr>
+              <p:cNvPr id="23" name="橢圓 22"/>
+              <p:cNvSpPr/>
+              <p:nvPr/>
+            </p:nvSpPr>
+            <p:spPr>
+              <a:xfrm>
+                <a:off x="1752600" y="4800599"/>
+                <a:ext cx="304800" cy="306000"/>
+              </a:xfrm>
+              <a:prstGeom prst="ellipse">
+                <a:avLst/>
+              </a:prstGeom>
+              <a:solidFill>
+                <a:schemeClr val="bg1"/>
+              </a:solidFill>
+              <a:ln w="19050"/>
+            </p:spPr>
+            <p:style>
+              <a:lnRef idx="2">
+                <a:schemeClr val="dk1">
+                  <a:shade val="50000"/>
+                </a:schemeClr>
+              </a:lnRef>
+              <a:fillRef idx="1">
+                <a:schemeClr val="dk1"/>
+              </a:fillRef>
+              <a:effectRef idx="0">
+                <a:schemeClr val="dk1"/>
+              </a:effectRef>
+              <a:fontRef idx="minor">
+                <a:schemeClr val="lt1"/>
+              </a:fontRef>
+            </p:style>
+            <p:txBody>
+              <a:bodyPr rtlCol="0" anchor="ctr"/>
+              <a:lstStyle/>
+              <a:p>
+                <a:pPr algn="ctr"/>
+                <a:endParaRPr lang="zh-TW" altLang="en-US"/>
+              </a:p>
+            </p:txBody>
+          </p:sp>
+          <p:cxnSp>
+            <p:nvCxnSpPr>
+              <p:cNvPr id="24" name="直線接點 23"/>
+              <p:cNvCxnSpPr>
+                <a:stCxn id="21" idx="4"/>
+                <a:endCxn id="23" idx="0"/>
+              </p:cNvCxnSpPr>
+              <p:nvPr/>
+            </p:nvCxnSpPr>
+            <p:spPr>
+              <a:xfrm rot="5400000">
+                <a:off x="1524600" y="4420199"/>
+                <a:ext cx="760800" cy="1588"/>
+              </a:xfrm>
+              <a:prstGeom prst="line">
+                <a:avLst/>
+              </a:prstGeom>
+              <a:ln w="19050"/>
+            </p:spPr>
+            <p:style>
+              <a:lnRef idx="1">
+                <a:schemeClr val="dk1"/>
+              </a:lnRef>
+              <a:fillRef idx="0">
+                <a:schemeClr val="dk1"/>
+              </a:fillRef>
+              <a:effectRef idx="0">
+                <a:schemeClr val="dk1"/>
+              </a:effectRef>
+              <a:fontRef idx="minor">
+                <a:schemeClr val="tx1"/>
+              </a:fontRef>
+            </p:style>
+          </p:cxnSp>
+        </p:grpSp>
+        <p:grpSp>
+          <p:nvGrpSpPr>
+            <p:cNvPr id="5" name="群組 52"/>
+            <p:cNvGrpSpPr/>
+            <p:nvPr/>
+          </p:nvGrpSpPr>
+          <p:grpSpPr>
+            <a:xfrm rot="16200000">
+              <a:off x="4038203" y="-1447403"/>
+              <a:ext cx="304800" cy="4266406"/>
+              <a:chOff x="1752600" y="840193"/>
+              <a:chExt cx="304800" cy="4266406"/>
+            </a:xfrm>
+          </p:grpSpPr>
+          <p:sp>
+            <p:nvSpPr>
+              <p:cNvPr id="54" name="橢圓 53"/>
+              <p:cNvSpPr/>
+              <p:nvPr/>
+            </p:nvSpPr>
+            <p:spPr>
+              <a:xfrm>
+                <a:off x="1752600" y="1600199"/>
+                <a:ext cx="304800" cy="306000"/>
+              </a:xfrm>
+              <a:prstGeom prst="ellipse">
+                <a:avLst/>
+              </a:prstGeom>
+              <a:solidFill>
+                <a:schemeClr val="bg1"/>
+              </a:solidFill>
+              <a:ln w="19050"/>
+            </p:spPr>
+            <p:style>
+              <a:lnRef idx="2">
+                <a:schemeClr val="dk1">
+                  <a:shade val="50000"/>
+                </a:schemeClr>
+              </a:lnRef>
+              <a:fillRef idx="1">
+                <a:schemeClr val="dk1"/>
+              </a:fillRef>
+              <a:effectRef idx="0">
+                <a:schemeClr val="dk1"/>
+              </a:effectRef>
+              <a:fontRef idx="minor">
+                <a:schemeClr val="lt1"/>
+              </a:fontRef>
+            </p:style>
+            <p:txBody>
+              <a:bodyPr rtlCol="0" anchor="ctr"/>
+              <a:lstStyle/>
+              <a:p>
+                <a:pPr algn="ctr"/>
+                <a:endParaRPr lang="zh-TW" altLang="en-US"/>
+              </a:p>
+            </p:txBody>
+          </p:sp>
+          <p:cxnSp>
+            <p:nvCxnSpPr>
+              <p:cNvPr id="55" name="直線接點 54"/>
+              <p:cNvCxnSpPr>
+                <a:endCxn id="54" idx="0"/>
+              </p:cNvCxnSpPr>
+              <p:nvPr/>
+            </p:nvCxnSpPr>
+            <p:spPr>
+              <a:xfrm rot="5400000">
+                <a:off x="1524600" y="1219799"/>
+                <a:ext cx="760800" cy="1588"/>
+              </a:xfrm>
+              <a:prstGeom prst="line">
+                <a:avLst/>
+              </a:prstGeom>
+              <a:ln w="19050"/>
+            </p:spPr>
+            <p:style>
+              <a:lnRef idx="1">
+                <a:schemeClr val="dk1"/>
+              </a:lnRef>
+              <a:fillRef idx="0">
+                <a:schemeClr val="dk1"/>
+              </a:fillRef>
+              <a:effectRef idx="0">
+                <a:schemeClr val="dk1"/>
+              </a:effectRef>
+              <a:fontRef idx="minor">
+                <a:schemeClr val="tx1"/>
+              </a:fontRef>
+            </p:style>
+          </p:cxnSp>
+          <p:sp>
+            <p:nvSpPr>
+              <p:cNvPr id="56" name="橢圓 55"/>
+              <p:cNvSpPr/>
+              <p:nvPr/>
+            </p:nvSpPr>
+            <p:spPr>
+              <a:xfrm>
+                <a:off x="1752600" y="2666999"/>
+                <a:ext cx="304800" cy="306000"/>
+              </a:xfrm>
+              <a:prstGeom prst="ellipse">
+                <a:avLst/>
+              </a:prstGeom>
+              <a:solidFill>
+                <a:schemeClr val="bg1"/>
+              </a:solidFill>
+              <a:ln w="19050"/>
+            </p:spPr>
+            <p:style>
+              <a:lnRef idx="2">
+                <a:schemeClr val="dk1">
+                  <a:shade val="50000"/>
+                </a:schemeClr>
+              </a:lnRef>
+              <a:fillRef idx="1">
+                <a:schemeClr val="dk1"/>
+              </a:fillRef>
+              <a:effectRef idx="0">
+                <a:schemeClr val="dk1"/>
+              </a:effectRef>
+              <a:fontRef idx="minor">
+                <a:schemeClr val="lt1"/>
+              </a:fontRef>
+            </p:style>
+            <p:txBody>
+              <a:bodyPr rtlCol="0" anchor="ctr"/>
+              <a:lstStyle/>
+              <a:p>
+                <a:pPr algn="ctr"/>
+                <a:endParaRPr lang="zh-TW" altLang="en-US"/>
+              </a:p>
+            </p:txBody>
+          </p:sp>
+          <p:cxnSp>
+            <p:nvCxnSpPr>
+              <p:cNvPr id="57" name="直線接點 56"/>
+              <p:cNvCxnSpPr>
+                <a:stCxn id="54" idx="4"/>
+                <a:endCxn id="56" idx="0"/>
+              </p:cNvCxnSpPr>
+              <p:nvPr/>
+            </p:nvCxnSpPr>
+            <p:spPr>
+              <a:xfrm rot="5400000">
+                <a:off x="1524600" y="2286599"/>
+                <a:ext cx="760800" cy="1588"/>
+              </a:xfrm>
+              <a:prstGeom prst="line">
+                <a:avLst/>
+              </a:prstGeom>
+              <a:ln w="19050"/>
+            </p:spPr>
+            <p:style>
+              <a:lnRef idx="1">
+                <a:schemeClr val="dk1"/>
+              </a:lnRef>
+              <a:fillRef idx="0">
+                <a:schemeClr val="dk1"/>
+              </a:fillRef>
+              <a:effectRef idx="0">
+                <a:schemeClr val="dk1"/>
+              </a:effectRef>
+              <a:fontRef idx="minor">
+                <a:schemeClr val="tx1"/>
+              </a:fontRef>
+            </p:style>
+          </p:cxnSp>
+          <p:sp>
+            <p:nvSpPr>
+              <p:cNvPr id="58" name="橢圓 57"/>
+              <p:cNvSpPr/>
+              <p:nvPr/>
+            </p:nvSpPr>
+            <p:spPr>
+              <a:xfrm>
+                <a:off x="1752600" y="3733799"/>
+                <a:ext cx="304800" cy="306000"/>
+              </a:xfrm>
+              <a:prstGeom prst="ellipse">
+                <a:avLst/>
+              </a:prstGeom>
+              <a:solidFill>
+                <a:schemeClr val="bg1"/>
+              </a:solidFill>
+              <a:ln w="19050"/>
+            </p:spPr>
+            <p:style>
+              <a:lnRef idx="2">
+                <a:schemeClr val="dk1">
+                  <a:shade val="50000"/>
+                </a:schemeClr>
+              </a:lnRef>
+              <a:fillRef idx="1">
+                <a:schemeClr val="dk1"/>
+              </a:fillRef>
+              <a:effectRef idx="0">
+                <a:schemeClr val="dk1"/>
+              </a:effectRef>
+              <a:fontRef idx="minor">
+                <a:schemeClr val="lt1"/>
+              </a:fontRef>
+            </p:style>
+            <p:txBody>
+              <a:bodyPr rtlCol="0" anchor="ctr"/>
+              <a:lstStyle/>
+              <a:p>
+                <a:pPr algn="ctr"/>
+                <a:endParaRPr lang="zh-TW" altLang="en-US"/>
+              </a:p>
+            </p:txBody>
+          </p:sp>
+          <p:cxnSp>
+            <p:nvCxnSpPr>
+              <p:cNvPr id="59" name="直線接點 58"/>
+              <p:cNvCxnSpPr>
+                <a:stCxn id="56" idx="4"/>
+                <a:endCxn id="58" idx="0"/>
+              </p:cNvCxnSpPr>
+              <p:nvPr/>
+            </p:nvCxnSpPr>
+            <p:spPr>
+              <a:xfrm rot="5400000">
+                <a:off x="1524600" y="3353399"/>
+                <a:ext cx="760800" cy="1588"/>
+              </a:xfrm>
+              <a:prstGeom prst="line">
+                <a:avLst/>
+              </a:prstGeom>
+              <a:ln w="19050"/>
+            </p:spPr>
+            <p:style>
+              <a:lnRef idx="1">
+                <a:schemeClr val="dk1"/>
+              </a:lnRef>
+              <a:fillRef idx="0">
+                <a:schemeClr val="dk1"/>
+              </a:fillRef>
+              <a:effectRef idx="0">
+                <a:schemeClr val="dk1"/>
+              </a:effectRef>
+              <a:fontRef idx="minor">
+                <a:schemeClr val="tx1"/>
+              </a:fontRef>
+            </p:style>
+          </p:cxnSp>
+          <p:sp>
+            <p:nvSpPr>
+              <p:cNvPr id="60" name="橢圓 59"/>
+              <p:cNvSpPr/>
+              <p:nvPr/>
+            </p:nvSpPr>
+            <p:spPr>
+              <a:xfrm>
+                <a:off x="1752600" y="4800599"/>
+                <a:ext cx="304800" cy="306000"/>
+              </a:xfrm>
+              <a:prstGeom prst="ellipse">
+                <a:avLst/>
+              </a:prstGeom>
+              <a:solidFill>
+                <a:schemeClr val="bg1"/>
+              </a:solidFill>
+              <a:ln w="19050"/>
+            </p:spPr>
+            <p:style>
+              <a:lnRef idx="2">
+                <a:schemeClr val="dk1">
+                  <a:shade val="50000"/>
+                </a:schemeClr>
+              </a:lnRef>
+              <a:fillRef idx="1">
+                <a:schemeClr val="dk1"/>
+              </a:fillRef>
+              <a:effectRef idx="0">
+                <a:schemeClr val="dk1"/>
+              </a:effectRef>
+              <a:fontRef idx="minor">
+                <a:schemeClr val="lt1"/>
+              </a:fontRef>
+            </p:style>
+            <p:txBody>
+              <a:bodyPr rtlCol="0" anchor="ctr"/>
+              <a:lstStyle/>
+              <a:p>
+                <a:pPr algn="ctr"/>
+                <a:endParaRPr lang="zh-TW" altLang="en-US"/>
+              </a:p>
+            </p:txBody>
+          </p:sp>
+          <p:cxnSp>
+            <p:nvCxnSpPr>
+              <p:cNvPr id="61" name="直線接點 60"/>
+              <p:cNvCxnSpPr>
+                <a:stCxn id="58" idx="4"/>
+                <a:endCxn id="60" idx="0"/>
+              </p:cNvCxnSpPr>
+              <p:nvPr/>
+            </p:nvCxnSpPr>
+            <p:spPr>
+              <a:xfrm rot="5400000">
+                <a:off x="1524600" y="4420199"/>
+                <a:ext cx="760800" cy="1588"/>
+              </a:xfrm>
+              <a:prstGeom prst="line">
+                <a:avLst/>
+              </a:prstGeom>
+              <a:ln w="19050"/>
+            </p:spPr>
+            <p:style>
+              <a:lnRef idx="1">
+                <a:schemeClr val="dk1"/>
+              </a:lnRef>
+              <a:fillRef idx="0">
+                <a:schemeClr val="dk1"/>
+              </a:fillRef>
+              <a:effectRef idx="0">
+                <a:schemeClr val="dk1"/>
+              </a:effectRef>
+              <a:fontRef idx="minor">
+                <a:schemeClr val="tx1"/>
+              </a:fontRef>
+            </p:style>
+          </p:cxnSp>
+        </p:grpSp>
+        <p:grpSp>
+          <p:nvGrpSpPr>
+            <p:cNvPr id="7" name="群組 88"/>
+            <p:cNvGrpSpPr/>
+            <p:nvPr/>
+          </p:nvGrpSpPr>
+          <p:grpSpPr>
+            <a:xfrm rot="16200000">
+              <a:off x="4038203" y="1752997"/>
+              <a:ext cx="304800" cy="4266406"/>
+              <a:chOff x="1752600" y="840193"/>
+              <a:chExt cx="304800" cy="4266406"/>
+            </a:xfrm>
+          </p:grpSpPr>
+          <p:sp>
+            <p:nvSpPr>
+              <p:cNvPr id="90" name="橢圓 89"/>
+              <p:cNvSpPr/>
+              <p:nvPr/>
+            </p:nvSpPr>
+            <p:spPr>
+              <a:xfrm>
+                <a:off x="1752600" y="1600199"/>
+                <a:ext cx="304800" cy="306000"/>
+              </a:xfrm>
+              <a:prstGeom prst="ellipse">
+                <a:avLst/>
+              </a:prstGeom>
+              <a:solidFill>
+                <a:schemeClr val="bg1"/>
+              </a:solidFill>
+              <a:ln w="19050"/>
+            </p:spPr>
+            <p:style>
+              <a:lnRef idx="2">
+                <a:schemeClr val="dk1">
+                  <a:shade val="50000"/>
+                </a:schemeClr>
+              </a:lnRef>
+              <a:fillRef idx="1">
+                <a:schemeClr val="dk1"/>
+              </a:fillRef>
+              <a:effectRef idx="0">
+                <a:schemeClr val="dk1"/>
+              </a:effectRef>
+              <a:fontRef idx="minor">
+                <a:schemeClr val="lt1"/>
+              </a:fontRef>
+            </p:style>
+            <p:txBody>
+              <a:bodyPr rtlCol="0" anchor="ctr"/>
+              <a:lstStyle/>
+              <a:p>
+                <a:pPr algn="ctr"/>
+                <a:endParaRPr lang="zh-TW" altLang="en-US"/>
+              </a:p>
+            </p:txBody>
+          </p:sp>
+          <p:cxnSp>
+            <p:nvCxnSpPr>
+              <p:cNvPr id="91" name="直線接點 90"/>
+              <p:cNvCxnSpPr>
+                <a:endCxn id="90" idx="0"/>
+              </p:cNvCxnSpPr>
+              <p:nvPr/>
+            </p:nvCxnSpPr>
+            <p:spPr>
+              <a:xfrm rot="5400000">
+                <a:off x="1524600" y="1219799"/>
+                <a:ext cx="760800" cy="1588"/>
+              </a:xfrm>
+              <a:prstGeom prst="line">
+                <a:avLst/>
+              </a:prstGeom>
+              <a:ln w="19050"/>
+            </p:spPr>
+            <p:style>
+              <a:lnRef idx="1">
+                <a:schemeClr val="dk1"/>
+              </a:lnRef>
+              <a:fillRef idx="0">
+                <a:schemeClr val="dk1"/>
+              </a:fillRef>
+              <a:effectRef idx="0">
+                <a:schemeClr val="dk1"/>
+              </a:effectRef>
+              <a:fontRef idx="minor">
+                <a:schemeClr val="tx1"/>
+              </a:fontRef>
+            </p:style>
+          </p:cxnSp>
+          <p:sp>
+            <p:nvSpPr>
+              <p:cNvPr id="92" name="橢圓 91"/>
+              <p:cNvSpPr/>
+              <p:nvPr/>
+            </p:nvSpPr>
+            <p:spPr>
+              <a:xfrm>
+                <a:off x="1752600" y="2666999"/>
+                <a:ext cx="304800" cy="306000"/>
+              </a:xfrm>
+              <a:prstGeom prst="ellipse">
+                <a:avLst/>
+              </a:prstGeom>
+              <a:solidFill>
+                <a:schemeClr val="bg1"/>
+              </a:solidFill>
+              <a:ln w="19050"/>
+            </p:spPr>
+            <p:style>
+              <a:lnRef idx="2">
+                <a:schemeClr val="dk1">
+                  <a:shade val="50000"/>
+                </a:schemeClr>
+              </a:lnRef>
+              <a:fillRef idx="1">
+                <a:schemeClr val="dk1"/>
+              </a:fillRef>
+              <a:effectRef idx="0">
+                <a:schemeClr val="dk1"/>
+              </a:effectRef>
+              <a:fontRef idx="minor">
+                <a:schemeClr val="lt1"/>
+              </a:fontRef>
+            </p:style>
+            <p:txBody>
+              <a:bodyPr rtlCol="0" anchor="ctr"/>
+              <a:lstStyle/>
+              <a:p>
+                <a:pPr algn="ctr"/>
+                <a:endParaRPr lang="zh-TW" altLang="en-US"/>
+              </a:p>
+            </p:txBody>
+          </p:sp>
+          <p:cxnSp>
+            <p:nvCxnSpPr>
+              <p:cNvPr id="93" name="直線接點 92"/>
+              <p:cNvCxnSpPr>
+                <a:stCxn id="90" idx="4"/>
+                <a:endCxn id="92" idx="0"/>
+              </p:cNvCxnSpPr>
+              <p:nvPr/>
+            </p:nvCxnSpPr>
+            <p:spPr>
+              <a:xfrm rot="5400000">
+                <a:off x="1524600" y="2286599"/>
+                <a:ext cx="760800" cy="1588"/>
+              </a:xfrm>
+              <a:prstGeom prst="line">
+                <a:avLst/>
+              </a:prstGeom>
+              <a:ln w="19050"/>
+            </p:spPr>
+            <p:style>
+              <a:lnRef idx="1">
+                <a:schemeClr val="dk1"/>
+              </a:lnRef>
+              <a:fillRef idx="0">
+                <a:schemeClr val="dk1"/>
+              </a:fillRef>
+              <a:effectRef idx="0">
+                <a:schemeClr val="dk1"/>
+              </a:effectRef>
+              <a:fontRef idx="minor">
+                <a:schemeClr val="tx1"/>
+              </a:fontRef>
+            </p:style>
+          </p:cxnSp>
+          <p:sp>
+            <p:nvSpPr>
+              <p:cNvPr id="94" name="橢圓 93"/>
+              <p:cNvSpPr/>
+              <p:nvPr/>
+            </p:nvSpPr>
+            <p:spPr>
+              <a:xfrm>
+                <a:off x="1752600" y="3733799"/>
+                <a:ext cx="304800" cy="306000"/>
+              </a:xfrm>
+              <a:prstGeom prst="ellipse">
+                <a:avLst/>
+              </a:prstGeom>
+              <a:solidFill>
+                <a:schemeClr val="bg1"/>
+              </a:solidFill>
+              <a:ln w="19050"/>
+            </p:spPr>
+            <p:style>
+              <a:lnRef idx="2">
+                <a:schemeClr val="dk1">
+                  <a:shade val="50000"/>
+                </a:schemeClr>
+              </a:lnRef>
+              <a:fillRef idx="1">
+                <a:schemeClr val="dk1"/>
+              </a:fillRef>
+              <a:effectRef idx="0">
+                <a:schemeClr val="dk1"/>
+              </a:effectRef>
+              <a:fontRef idx="minor">
+                <a:schemeClr val="lt1"/>
+              </a:fontRef>
+            </p:style>
+            <p:txBody>
+              <a:bodyPr rtlCol="0" anchor="ctr"/>
+              <a:lstStyle/>
+              <a:p>
+                <a:pPr algn="ctr"/>
+                <a:endParaRPr lang="zh-TW" altLang="en-US"/>
+              </a:p>
+            </p:txBody>
+          </p:sp>
+          <p:cxnSp>
+            <p:nvCxnSpPr>
+              <p:cNvPr id="95" name="直線接點 94"/>
+              <p:cNvCxnSpPr>
+                <a:stCxn id="92" idx="4"/>
+                <a:endCxn id="94" idx="0"/>
+              </p:cNvCxnSpPr>
+              <p:nvPr/>
+            </p:nvCxnSpPr>
+            <p:spPr>
+              <a:xfrm rot="5400000">
+                <a:off x="1524600" y="3353399"/>
+                <a:ext cx="760800" cy="1588"/>
+              </a:xfrm>
+              <a:prstGeom prst="line">
+                <a:avLst/>
+              </a:prstGeom>
+              <a:ln w="19050"/>
+            </p:spPr>
+            <p:style>
+              <a:lnRef idx="1">
+                <a:schemeClr val="dk1"/>
+              </a:lnRef>
+              <a:fillRef idx="0">
+                <a:schemeClr val="dk1"/>
+              </a:fillRef>
+              <a:effectRef idx="0">
+                <a:schemeClr val="dk1"/>
+              </a:effectRef>
+              <a:fontRef idx="minor">
+                <a:schemeClr val="tx1"/>
+              </a:fontRef>
+            </p:style>
+          </p:cxnSp>
+          <p:sp>
+            <p:nvSpPr>
+              <p:cNvPr id="96" name="橢圓 95"/>
+              <p:cNvSpPr/>
+              <p:nvPr/>
+            </p:nvSpPr>
+            <p:spPr>
+              <a:xfrm>
+                <a:off x="1752600" y="4800599"/>
+                <a:ext cx="304800" cy="306000"/>
+              </a:xfrm>
+              <a:prstGeom prst="ellipse">
+                <a:avLst/>
+              </a:prstGeom>
+              <a:solidFill>
+                <a:schemeClr val="bg1"/>
+              </a:solidFill>
+              <a:ln w="19050"/>
+            </p:spPr>
+            <p:style>
+              <a:lnRef idx="2">
+                <a:schemeClr val="dk1">
+                  <a:shade val="50000"/>
+                </a:schemeClr>
+              </a:lnRef>
+              <a:fillRef idx="1">
+                <a:schemeClr val="dk1"/>
+              </a:fillRef>
+              <a:effectRef idx="0">
+                <a:schemeClr val="dk1"/>
+              </a:effectRef>
+              <a:fontRef idx="minor">
+                <a:schemeClr val="lt1"/>
+              </a:fontRef>
+            </p:style>
+            <p:txBody>
+              <a:bodyPr rtlCol="0" anchor="ctr"/>
+              <a:lstStyle/>
+              <a:p>
+                <a:pPr algn="ctr"/>
+                <a:endParaRPr lang="zh-TW" altLang="en-US"/>
+              </a:p>
+            </p:txBody>
+          </p:sp>
+          <p:cxnSp>
+            <p:nvCxnSpPr>
+              <p:cNvPr id="97" name="直線接點 96"/>
+              <p:cNvCxnSpPr>
+                <a:stCxn id="94" idx="4"/>
+                <a:endCxn id="96" idx="0"/>
+              </p:cNvCxnSpPr>
+              <p:nvPr/>
+            </p:nvCxnSpPr>
+            <p:spPr>
+              <a:xfrm rot="5400000">
+                <a:off x="1524600" y="4420199"/>
+                <a:ext cx="760800" cy="1588"/>
+              </a:xfrm>
+              <a:prstGeom prst="line">
+                <a:avLst/>
+              </a:prstGeom>
+              <a:ln w="19050"/>
+            </p:spPr>
+            <p:style>
+              <a:lnRef idx="1">
+                <a:schemeClr val="dk1"/>
+              </a:lnRef>
+              <a:fillRef idx="0">
+                <a:schemeClr val="dk1"/>
+              </a:fillRef>
+              <a:effectRef idx="0">
+                <a:schemeClr val="dk1"/>
+              </a:effectRef>
+              <a:fontRef idx="minor">
+                <a:schemeClr val="tx1"/>
+              </a:fontRef>
+            </p:style>
+          </p:cxnSp>
+        </p:grpSp>
+        <p:grpSp>
+          <p:nvGrpSpPr>
+            <p:cNvPr id="9" name="群組 97"/>
+            <p:cNvGrpSpPr/>
+            <p:nvPr/>
+          </p:nvGrpSpPr>
+          <p:grpSpPr>
+            <a:xfrm rot="16200000">
+              <a:off x="4038203" y="2819797"/>
+              <a:ext cx="304800" cy="4266406"/>
+              <a:chOff x="1752600" y="840193"/>
+              <a:chExt cx="304800" cy="4266406"/>
+            </a:xfrm>
+          </p:grpSpPr>
+          <p:sp>
+            <p:nvSpPr>
+              <p:cNvPr id="99" name="橢圓 98"/>
+              <p:cNvSpPr/>
+              <p:nvPr/>
+            </p:nvSpPr>
+            <p:spPr>
+              <a:xfrm>
+                <a:off x="1752600" y="1600199"/>
+                <a:ext cx="304800" cy="306000"/>
+              </a:xfrm>
+              <a:prstGeom prst="ellipse">
+                <a:avLst/>
+              </a:prstGeom>
+              <a:solidFill>
+                <a:schemeClr val="bg1"/>
+              </a:solidFill>
+              <a:ln w="19050"/>
+            </p:spPr>
+            <p:style>
+              <a:lnRef idx="2">
+                <a:schemeClr val="dk1">
+                  <a:shade val="50000"/>
+                </a:schemeClr>
+              </a:lnRef>
+              <a:fillRef idx="1">
+                <a:schemeClr val="dk1"/>
+              </a:fillRef>
+              <a:effectRef idx="0">
+                <a:schemeClr val="dk1"/>
+              </a:effectRef>
+              <a:fontRef idx="minor">
+                <a:schemeClr val="lt1"/>
+              </a:fontRef>
+            </p:style>
+            <p:txBody>
+              <a:bodyPr rtlCol="0" anchor="ctr"/>
+              <a:lstStyle/>
+              <a:p>
+                <a:pPr algn="ctr"/>
+                <a:endParaRPr lang="zh-TW" altLang="en-US"/>
+              </a:p>
+            </p:txBody>
+          </p:sp>
+          <p:cxnSp>
+            <p:nvCxnSpPr>
+              <p:cNvPr id="100" name="直線接點 99"/>
+              <p:cNvCxnSpPr>
+                <a:endCxn id="99" idx="0"/>
+              </p:cNvCxnSpPr>
+              <p:nvPr/>
+            </p:nvCxnSpPr>
+            <p:spPr>
+              <a:xfrm rot="5400000">
+                <a:off x="1524600" y="1219799"/>
+                <a:ext cx="760800" cy="1588"/>
+              </a:xfrm>
+              <a:prstGeom prst="line">
+                <a:avLst/>
+              </a:prstGeom>
+              <a:ln w="19050"/>
+            </p:spPr>
+            <p:style>
+              <a:lnRef idx="1">
+                <a:schemeClr val="dk1"/>
+              </a:lnRef>
+              <a:fillRef idx="0">
+                <a:schemeClr val="dk1"/>
+              </a:fillRef>
+              <a:effectRef idx="0">
+                <a:schemeClr val="dk1"/>
+              </a:effectRef>
+              <a:fontRef idx="minor">
+                <a:schemeClr val="tx1"/>
+              </a:fontRef>
+            </p:style>
+          </p:cxnSp>
+          <p:sp>
+            <p:nvSpPr>
+              <p:cNvPr id="101" name="橢圓 100"/>
+              <p:cNvSpPr/>
+              <p:nvPr/>
+            </p:nvSpPr>
+            <p:spPr>
+              <a:xfrm>
+                <a:off x="1752600" y="2666999"/>
+                <a:ext cx="304800" cy="306000"/>
+              </a:xfrm>
+              <a:prstGeom prst="ellipse">
+                <a:avLst/>
+              </a:prstGeom>
+              <a:solidFill>
+                <a:schemeClr val="bg1"/>
+              </a:solidFill>
+              <a:ln w="19050"/>
+            </p:spPr>
+            <p:style>
+              <a:lnRef idx="2">
+                <a:schemeClr val="dk1">
+                  <a:shade val="50000"/>
+                </a:schemeClr>
+              </a:lnRef>
+              <a:fillRef idx="1">
+                <a:schemeClr val="dk1"/>
+              </a:fillRef>
+              <a:effectRef idx="0">
+                <a:schemeClr val="dk1"/>
+              </a:effectRef>
+              <a:fontRef idx="minor">
+                <a:schemeClr val="lt1"/>
+              </a:fontRef>
+            </p:style>
+            <p:txBody>
+              <a:bodyPr rtlCol="0" anchor="ctr"/>
+              <a:lstStyle/>
+              <a:p>
+                <a:pPr algn="ctr"/>
+                <a:endParaRPr lang="zh-TW" altLang="en-US"/>
+              </a:p>
+            </p:txBody>
+          </p:sp>
+          <p:cxnSp>
+            <p:nvCxnSpPr>
+              <p:cNvPr id="102" name="直線接點 101"/>
+              <p:cNvCxnSpPr>
+                <a:stCxn id="99" idx="4"/>
+                <a:endCxn id="101" idx="0"/>
+              </p:cNvCxnSpPr>
+              <p:nvPr/>
+            </p:nvCxnSpPr>
+            <p:spPr>
+              <a:xfrm rot="5400000">
+                <a:off x="1524600" y="2286599"/>
+                <a:ext cx="760800" cy="1588"/>
+              </a:xfrm>
+              <a:prstGeom prst="line">
+                <a:avLst/>
+              </a:prstGeom>
+              <a:ln w="19050"/>
+            </p:spPr>
+            <p:style>
+              <a:lnRef idx="1">
+                <a:schemeClr val="dk1"/>
+              </a:lnRef>
+              <a:fillRef idx="0">
+                <a:schemeClr val="dk1"/>
+              </a:fillRef>
+              <a:effectRef idx="0">
+                <a:schemeClr val="dk1"/>
+              </a:effectRef>
+              <a:fontRef idx="minor">
+                <a:schemeClr val="tx1"/>
+              </a:fontRef>
+            </p:style>
+          </p:cxnSp>
+          <p:sp>
+            <p:nvSpPr>
+              <p:cNvPr id="103" name="橢圓 102"/>
+              <p:cNvSpPr/>
+              <p:nvPr/>
+            </p:nvSpPr>
+            <p:spPr>
+              <a:xfrm>
+                <a:off x="1752600" y="3733799"/>
+                <a:ext cx="304800" cy="306000"/>
+              </a:xfrm>
+              <a:prstGeom prst="ellipse">
+                <a:avLst/>
+              </a:prstGeom>
+              <a:solidFill>
+                <a:schemeClr val="bg1"/>
+              </a:solidFill>
+              <a:ln w="19050"/>
+            </p:spPr>
+            <p:style>
+              <a:lnRef idx="2">
+                <a:schemeClr val="dk1">
+                  <a:shade val="50000"/>
+                </a:schemeClr>
+              </a:lnRef>
+              <a:fillRef idx="1">
+                <a:schemeClr val="dk1"/>
+              </a:fillRef>
+              <a:effectRef idx="0">
+                <a:schemeClr val="dk1"/>
+              </a:effectRef>
+              <a:fontRef idx="minor">
+                <a:schemeClr val="lt1"/>
+              </a:fontRef>
+            </p:style>
+            <p:txBody>
+              <a:bodyPr rtlCol="0" anchor="ctr"/>
+              <a:lstStyle/>
+              <a:p>
+                <a:pPr algn="ctr"/>
+                <a:endParaRPr lang="zh-TW" altLang="en-US"/>
+              </a:p>
+            </p:txBody>
+          </p:sp>
+          <p:cxnSp>
+            <p:nvCxnSpPr>
+              <p:cNvPr id="104" name="直線接點 103"/>
+              <p:cNvCxnSpPr>
+                <a:stCxn id="101" idx="4"/>
+                <a:endCxn id="103" idx="0"/>
+              </p:cNvCxnSpPr>
+              <p:nvPr/>
+            </p:nvCxnSpPr>
+            <p:spPr>
+              <a:xfrm rot="5400000">
+                <a:off x="1524600" y="3353399"/>
+                <a:ext cx="760800" cy="1588"/>
+              </a:xfrm>
+              <a:prstGeom prst="line">
+                <a:avLst/>
+              </a:prstGeom>
+              <a:ln w="19050"/>
+            </p:spPr>
+            <p:style>
+              <a:lnRef idx="1">
+                <a:schemeClr val="dk1"/>
+              </a:lnRef>
+              <a:fillRef idx="0">
+                <a:schemeClr val="dk1"/>
+              </a:fillRef>
+              <a:effectRef idx="0">
+                <a:schemeClr val="dk1"/>
+              </a:effectRef>
+              <a:fontRef idx="minor">
+                <a:schemeClr val="tx1"/>
+              </a:fontRef>
+            </p:style>
+          </p:cxnSp>
+          <p:sp>
+            <p:nvSpPr>
+              <p:cNvPr id="105" name="橢圓 104"/>
+              <p:cNvSpPr/>
+              <p:nvPr/>
+            </p:nvSpPr>
+            <p:spPr>
+              <a:xfrm>
+                <a:off x="1752600" y="4800599"/>
+                <a:ext cx="304800" cy="306000"/>
+              </a:xfrm>
+              <a:prstGeom prst="ellipse">
+                <a:avLst/>
+              </a:prstGeom>
+              <a:solidFill>
+                <a:schemeClr val="bg1"/>
+              </a:solidFill>
+              <a:ln w="19050"/>
+            </p:spPr>
+            <p:style>
+              <a:lnRef idx="2">
+                <a:schemeClr val="dk1">
+                  <a:shade val="50000"/>
+                </a:schemeClr>
+              </a:lnRef>
+              <a:fillRef idx="1">
+                <a:schemeClr val="dk1"/>
+              </a:fillRef>
+              <a:effectRef idx="0">
+                <a:schemeClr val="dk1"/>
+              </a:effectRef>
+              <a:fontRef idx="minor">
+                <a:schemeClr val="lt1"/>
+              </a:fontRef>
+            </p:style>
+            <p:txBody>
+              <a:bodyPr rtlCol="0" anchor="ctr"/>
+              <a:lstStyle/>
+              <a:p>
+                <a:pPr algn="ctr"/>
+                <a:endParaRPr lang="zh-TW" altLang="en-US"/>
+              </a:p>
+            </p:txBody>
+          </p:sp>
+          <p:cxnSp>
+            <p:nvCxnSpPr>
+              <p:cNvPr id="106" name="直線接點 105"/>
+              <p:cNvCxnSpPr>
+                <a:stCxn id="103" idx="4"/>
+                <a:endCxn id="105" idx="0"/>
+              </p:cNvCxnSpPr>
+              <p:nvPr/>
+            </p:nvCxnSpPr>
+            <p:spPr>
+              <a:xfrm rot="5400000">
+                <a:off x="1524600" y="4420199"/>
+                <a:ext cx="760800" cy="1588"/>
+              </a:xfrm>
+              <a:prstGeom prst="line">
+                <a:avLst/>
+              </a:prstGeom>
+              <a:ln w="19050"/>
+            </p:spPr>
+            <p:style>
+              <a:lnRef idx="1">
+                <a:schemeClr val="dk1"/>
+              </a:lnRef>
+              <a:fillRef idx="0">
+                <a:schemeClr val="dk1"/>
+              </a:fillRef>
+              <a:effectRef idx="0">
+                <a:schemeClr val="dk1"/>
+              </a:effectRef>
+              <a:fontRef idx="minor">
+                <a:schemeClr val="tx1"/>
+              </a:fontRef>
+            </p:style>
+          </p:cxnSp>
+        </p:grpSp>
         <p:cxnSp>
           <p:nvCxnSpPr>
             <p:cNvPr id="107" name="直線接點 106"/>
@@ -20117,37 +22144,6 @@
         </p:cxnSp>
         <p:cxnSp>
           <p:nvCxnSpPr>
-            <p:cNvPr id="109" name="直線接點 108"/>
-            <p:cNvCxnSpPr/>
-            <p:nvPr/>
-          </p:nvCxnSpPr>
-          <p:spPr>
-            <a:xfrm rot="5400000">
-              <a:off x="4725794" y="1217806"/>
-              <a:ext cx="760800" cy="1588"/>
-            </a:xfrm>
-            <a:prstGeom prst="line">
-              <a:avLst/>
-            </a:prstGeom>
-            <a:ln w="19050"/>
-          </p:spPr>
-          <p:style>
-            <a:lnRef idx="1">
-              <a:schemeClr val="dk1"/>
-            </a:lnRef>
-            <a:fillRef idx="0">
-              <a:schemeClr val="dk1"/>
-            </a:fillRef>
-            <a:effectRef idx="0">
-              <a:schemeClr val="dk1"/>
-            </a:effectRef>
-            <a:fontRef idx="minor">
-              <a:schemeClr val="tx1"/>
-            </a:fontRef>
-          </p:style>
-        </p:cxnSp>
-        <p:cxnSp>
-          <p:nvCxnSpPr>
             <p:cNvPr id="110" name="直線接點 109"/>
             <p:cNvCxnSpPr/>
             <p:nvPr/>
@@ -20177,21 +22173,6 @@
             </a:fontRef>
           </p:style>
         </p:cxnSp>
-      </p:grpSp>
-      <p:grpSp>
-        <p:nvGrpSpPr>
-          <p:cNvPr id="113" name="群組 112"/>
-          <p:cNvGrpSpPr/>
-          <p:nvPr/>
-        </p:nvGrpSpPr>
-        <p:grpSpPr>
-          <a:xfrm>
-            <a:off x="2971800" y="1905000"/>
-            <a:ext cx="3201988" cy="760800"/>
-            <a:chOff x="2971800" y="838200"/>
-            <a:chExt cx="3201988" cy="760800"/>
-          </a:xfrm>
-        </p:grpSpPr>
         <p:cxnSp>
           <p:nvCxnSpPr>
             <p:cNvPr id="114" name="直線接點 113"/>
@@ -20200,7 +22181,7 @@
           </p:nvCxnSpPr>
           <p:spPr>
             <a:xfrm rot="5400000">
-              <a:off x="2592194" y="1217806"/>
+              <a:off x="2592194" y="2284606"/>
               <a:ext cx="760800" cy="1588"/>
             </a:xfrm>
             <a:prstGeom prst="line">
@@ -20231,38 +22212,7 @@
           </p:nvCxnSpPr>
           <p:spPr>
             <a:xfrm rot="5400000">
-              <a:off x="3658994" y="1217806"/>
-              <a:ext cx="760800" cy="1588"/>
-            </a:xfrm>
-            <a:prstGeom prst="line">
-              <a:avLst/>
-            </a:prstGeom>
-            <a:ln w="19050"/>
-          </p:spPr>
-          <p:style>
-            <a:lnRef idx="1">
-              <a:schemeClr val="dk1"/>
-            </a:lnRef>
-            <a:fillRef idx="0">
-              <a:schemeClr val="dk1"/>
-            </a:fillRef>
-            <a:effectRef idx="0">
-              <a:schemeClr val="dk1"/>
-            </a:effectRef>
-            <a:fontRef idx="minor">
-              <a:schemeClr val="tx1"/>
-            </a:fontRef>
-          </p:style>
-        </p:cxnSp>
-        <p:cxnSp>
-          <p:nvCxnSpPr>
-            <p:cNvPr id="116" name="直線接點 115"/>
-            <p:cNvCxnSpPr/>
-            <p:nvPr/>
-          </p:nvCxnSpPr>
-          <p:spPr>
-            <a:xfrm rot="5400000">
-              <a:off x="4725794" y="1217806"/>
+              <a:off x="3658994" y="2284606"/>
               <a:ext cx="760800" cy="1588"/>
             </a:xfrm>
             <a:prstGeom prst="line">
@@ -20293,7 +22243,7 @@
           </p:nvCxnSpPr>
           <p:spPr>
             <a:xfrm rot="5400000">
-              <a:off x="5792594" y="1217806"/>
+              <a:off x="5792594" y="2284606"/>
               <a:ext cx="760800" cy="1588"/>
             </a:xfrm>
             <a:prstGeom prst="line">
@@ -20316,21 +22266,6 @@
             </a:fontRef>
           </p:style>
         </p:cxnSp>
-      </p:grpSp>
-      <p:grpSp>
-        <p:nvGrpSpPr>
-          <p:cNvPr id="118" name="群組 117"/>
-          <p:cNvGrpSpPr/>
-          <p:nvPr/>
-        </p:nvGrpSpPr>
-        <p:grpSpPr>
-          <a:xfrm>
-            <a:off x="2971800" y="2971800"/>
-            <a:ext cx="3201988" cy="760800"/>
-            <a:chOff x="2971800" y="838200"/>
-            <a:chExt cx="3201988" cy="760800"/>
-          </a:xfrm>
-        </p:grpSpPr>
         <p:cxnSp>
           <p:nvCxnSpPr>
             <p:cNvPr id="119" name="直線接點 118"/>
@@ -20339,7 +22274,7 @@
           </p:nvCxnSpPr>
           <p:spPr>
             <a:xfrm rot="5400000">
-              <a:off x="2592194" y="1217806"/>
+              <a:off x="2592194" y="3351406"/>
               <a:ext cx="760800" cy="1588"/>
             </a:xfrm>
             <a:prstGeom prst="line">
@@ -20370,38 +22305,7 @@
           </p:nvCxnSpPr>
           <p:spPr>
             <a:xfrm rot="5400000">
-              <a:off x="3658994" y="1217806"/>
-              <a:ext cx="760800" cy="1588"/>
-            </a:xfrm>
-            <a:prstGeom prst="line">
-              <a:avLst/>
-            </a:prstGeom>
-            <a:ln w="19050"/>
-          </p:spPr>
-          <p:style>
-            <a:lnRef idx="1">
-              <a:schemeClr val="dk1"/>
-            </a:lnRef>
-            <a:fillRef idx="0">
-              <a:schemeClr val="dk1"/>
-            </a:fillRef>
-            <a:effectRef idx="0">
-              <a:schemeClr val="dk1"/>
-            </a:effectRef>
-            <a:fontRef idx="minor">
-              <a:schemeClr val="tx1"/>
-            </a:fontRef>
-          </p:style>
-        </p:cxnSp>
-        <p:cxnSp>
-          <p:nvCxnSpPr>
-            <p:cNvPr id="121" name="直線接點 120"/>
-            <p:cNvCxnSpPr/>
-            <p:nvPr/>
-          </p:nvCxnSpPr>
-          <p:spPr>
-            <a:xfrm rot="5400000">
-              <a:off x="4725794" y="1217806"/>
+              <a:off x="3658994" y="3351406"/>
               <a:ext cx="760800" cy="1588"/>
             </a:xfrm>
             <a:prstGeom prst="line">
@@ -20432,7 +22336,7 @@
           </p:nvCxnSpPr>
           <p:spPr>
             <a:xfrm rot="5400000">
-              <a:off x="5792594" y="1217806"/>
+              <a:off x="5792594" y="3351406"/>
               <a:ext cx="760800" cy="1588"/>
             </a:xfrm>
             <a:prstGeom prst="line">
@@ -20455,46 +22359,175 @@
             </a:fontRef>
           </p:style>
         </p:cxnSp>
-      </p:grpSp>
-      <p:grpSp>
-        <p:nvGrpSpPr>
-          <p:cNvPr id="123" name="群組 122"/>
-          <p:cNvGrpSpPr/>
-          <p:nvPr/>
-        </p:nvGrpSpPr>
-        <p:grpSpPr>
-          <a:xfrm>
-            <a:off x="2971800" y="4038600"/>
-            <a:ext cx="3201988" cy="760800"/>
-            <a:chOff x="2971800" y="838200"/>
-            <a:chExt cx="3201988" cy="760800"/>
-          </a:xfrm>
-        </p:grpSpPr>
+        <p:grpSp>
+          <p:nvGrpSpPr>
+            <p:cNvPr id="10" name="群組 122"/>
+            <p:cNvGrpSpPr/>
+            <p:nvPr/>
+          </p:nvGrpSpPr>
+          <p:grpSpPr>
+            <a:xfrm>
+              <a:off x="2971800" y="4038600"/>
+              <a:ext cx="3201988" cy="760800"/>
+              <a:chOff x="2971800" y="838200"/>
+              <a:chExt cx="3201988" cy="760800"/>
+            </a:xfrm>
+          </p:grpSpPr>
+          <p:cxnSp>
+            <p:nvCxnSpPr>
+              <p:cNvPr id="124" name="直線接點 123"/>
+              <p:cNvCxnSpPr/>
+              <p:nvPr/>
+            </p:nvCxnSpPr>
+            <p:spPr>
+              <a:xfrm rot="5400000">
+                <a:off x="2592194" y="1217806"/>
+                <a:ext cx="760800" cy="1588"/>
+              </a:xfrm>
+              <a:prstGeom prst="line">
+                <a:avLst/>
+              </a:prstGeom>
+              <a:ln w="19050"/>
+            </p:spPr>
+            <p:style>
+              <a:lnRef idx="1">
+                <a:schemeClr val="dk1"/>
+              </a:lnRef>
+              <a:fillRef idx="0">
+                <a:schemeClr val="dk1"/>
+              </a:fillRef>
+              <a:effectRef idx="0">
+                <a:schemeClr val="dk1"/>
+              </a:effectRef>
+              <a:fontRef idx="minor">
+                <a:schemeClr val="tx1"/>
+              </a:fontRef>
+            </p:style>
+          </p:cxnSp>
+          <p:cxnSp>
+            <p:nvCxnSpPr>
+              <p:cNvPr id="125" name="直線接點 124"/>
+              <p:cNvCxnSpPr/>
+              <p:nvPr/>
+            </p:nvCxnSpPr>
+            <p:spPr>
+              <a:xfrm rot="5400000">
+                <a:off x="3658994" y="1217806"/>
+                <a:ext cx="760800" cy="1588"/>
+              </a:xfrm>
+              <a:prstGeom prst="line">
+                <a:avLst/>
+              </a:prstGeom>
+              <a:ln w="19050"/>
+            </p:spPr>
+            <p:style>
+              <a:lnRef idx="1">
+                <a:schemeClr val="dk1"/>
+              </a:lnRef>
+              <a:fillRef idx="0">
+                <a:schemeClr val="dk1"/>
+              </a:fillRef>
+              <a:effectRef idx="0">
+                <a:schemeClr val="dk1"/>
+              </a:effectRef>
+              <a:fontRef idx="minor">
+                <a:schemeClr val="tx1"/>
+              </a:fontRef>
+            </p:style>
+          </p:cxnSp>
+          <p:cxnSp>
+            <p:nvCxnSpPr>
+              <p:cNvPr id="126" name="直線接點 125"/>
+              <p:cNvCxnSpPr/>
+              <p:nvPr/>
+            </p:nvCxnSpPr>
+            <p:spPr>
+              <a:xfrm rot="5400000">
+                <a:off x="4725794" y="1217806"/>
+                <a:ext cx="760800" cy="1588"/>
+              </a:xfrm>
+              <a:prstGeom prst="line">
+                <a:avLst/>
+              </a:prstGeom>
+              <a:ln w="19050"/>
+            </p:spPr>
+            <p:style>
+              <a:lnRef idx="1">
+                <a:schemeClr val="dk1"/>
+              </a:lnRef>
+              <a:fillRef idx="0">
+                <a:schemeClr val="dk1"/>
+              </a:fillRef>
+              <a:effectRef idx="0">
+                <a:schemeClr val="dk1"/>
+              </a:effectRef>
+              <a:fontRef idx="minor">
+                <a:schemeClr val="tx1"/>
+              </a:fontRef>
+            </p:style>
+          </p:cxnSp>
+          <p:cxnSp>
+            <p:nvCxnSpPr>
+              <p:cNvPr id="127" name="直線接點 126"/>
+              <p:cNvCxnSpPr/>
+              <p:nvPr/>
+            </p:nvCxnSpPr>
+            <p:spPr>
+              <a:xfrm rot="5400000">
+                <a:off x="5792594" y="1217806"/>
+                <a:ext cx="760800" cy="1588"/>
+              </a:xfrm>
+              <a:prstGeom prst="line">
+                <a:avLst/>
+              </a:prstGeom>
+              <a:ln w="19050"/>
+            </p:spPr>
+            <p:style>
+              <a:lnRef idx="1">
+                <a:schemeClr val="dk1"/>
+              </a:lnRef>
+              <a:fillRef idx="0">
+                <a:schemeClr val="dk1"/>
+              </a:fillRef>
+              <a:effectRef idx="0">
+                <a:schemeClr val="dk1"/>
+              </a:effectRef>
+              <a:fontRef idx="minor">
+                <a:schemeClr val="tx1"/>
+              </a:fontRef>
+            </p:style>
+          </p:cxnSp>
+        </p:grpSp>
         <p:cxnSp>
           <p:nvCxnSpPr>
-            <p:cNvPr id="124" name="直線接點 123"/>
+            <p:cNvPr id="118" name="直線單箭頭接點 117"/>
             <p:cNvCxnSpPr/>
             <p:nvPr/>
           </p:nvCxnSpPr>
           <p:spPr>
             <a:xfrm rot="5400000">
-              <a:off x="2592194" y="1217806"/>
-              <a:ext cx="760800" cy="1588"/>
+              <a:off x="4648994" y="1218406"/>
+              <a:ext cx="762000" cy="1588"/>
             </a:xfrm>
-            <a:prstGeom prst="line">
+            <a:prstGeom prst="straightConnector1">
               <a:avLst/>
             </a:prstGeom>
-            <a:ln w="19050"/>
+            <a:ln w="19050">
+              <a:solidFill>
+                <a:schemeClr val="tx1"/>
+              </a:solidFill>
+              <a:tailEnd type="triangle"/>
+            </a:ln>
           </p:spPr>
           <p:style>
             <a:lnRef idx="1">
-              <a:schemeClr val="dk1"/>
+              <a:schemeClr val="accent1"/>
             </a:lnRef>
             <a:fillRef idx="0">
-              <a:schemeClr val="dk1"/>
+              <a:schemeClr val="accent1"/>
             </a:fillRef>
             <a:effectRef idx="0">
-              <a:schemeClr val="dk1"/>
+              <a:schemeClr val="accent1"/>
             </a:effectRef>
             <a:fontRef idx="minor">
               <a:schemeClr val="tx1"/>
@@ -20503,29 +22536,34 @@
         </p:cxnSp>
         <p:cxnSp>
           <p:nvCxnSpPr>
-            <p:cNvPr id="125" name="直線接點 124"/>
+            <p:cNvPr id="132" name="直線單箭頭接點 131"/>
             <p:cNvCxnSpPr/>
             <p:nvPr/>
           </p:nvCxnSpPr>
           <p:spPr>
-            <a:xfrm rot="5400000">
-              <a:off x="3658994" y="1217806"/>
-              <a:ext cx="760800" cy="1588"/>
+            <a:xfrm rot="5400000" flipH="1" flipV="1">
+              <a:off x="4801394" y="2285206"/>
+              <a:ext cx="762000" cy="1588"/>
             </a:xfrm>
-            <a:prstGeom prst="line">
+            <a:prstGeom prst="straightConnector1">
               <a:avLst/>
             </a:prstGeom>
-            <a:ln w="19050"/>
+            <a:ln w="19050">
+              <a:solidFill>
+                <a:schemeClr val="tx1"/>
+              </a:solidFill>
+              <a:tailEnd type="triangle"/>
+            </a:ln>
           </p:spPr>
           <p:style>
             <a:lnRef idx="1">
-              <a:schemeClr val="dk1"/>
+              <a:schemeClr val="accent1"/>
             </a:lnRef>
             <a:fillRef idx="0">
-              <a:schemeClr val="dk1"/>
+              <a:schemeClr val="accent1"/>
             </a:fillRef>
             <a:effectRef idx="0">
-              <a:schemeClr val="dk1"/>
+              <a:schemeClr val="accent1"/>
             </a:effectRef>
             <a:fontRef idx="minor">
               <a:schemeClr val="tx1"/>
@@ -20534,29 +22572,34 @@
         </p:cxnSp>
         <p:cxnSp>
           <p:nvCxnSpPr>
-            <p:cNvPr id="126" name="直線接點 125"/>
+            <p:cNvPr id="135" name="直線單箭頭接點 134"/>
             <p:cNvCxnSpPr/>
             <p:nvPr/>
           </p:nvCxnSpPr>
           <p:spPr>
-            <a:xfrm rot="5400000">
-              <a:off x="4725794" y="1217806"/>
-              <a:ext cx="760800" cy="1588"/>
+            <a:xfrm rot="5400000" flipH="1" flipV="1">
+              <a:off x="4801394" y="3352006"/>
+              <a:ext cx="762000" cy="1588"/>
             </a:xfrm>
-            <a:prstGeom prst="line">
+            <a:prstGeom prst="straightConnector1">
               <a:avLst/>
             </a:prstGeom>
-            <a:ln w="19050"/>
+            <a:ln w="19050">
+              <a:solidFill>
+                <a:schemeClr val="tx1"/>
+              </a:solidFill>
+              <a:tailEnd type="triangle"/>
+            </a:ln>
           </p:spPr>
           <p:style>
             <a:lnRef idx="1">
-              <a:schemeClr val="dk1"/>
+              <a:schemeClr val="accent1"/>
             </a:lnRef>
             <a:fillRef idx="0">
-              <a:schemeClr val="dk1"/>
+              <a:schemeClr val="accent1"/>
             </a:fillRef>
             <a:effectRef idx="0">
-              <a:schemeClr val="dk1"/>
+              <a:schemeClr val="accent1"/>
             </a:effectRef>
             <a:fontRef idx="minor">
               <a:schemeClr val="tx1"/>
@@ -20565,36 +22608,2580 @@
         </p:cxnSp>
         <p:cxnSp>
           <p:nvCxnSpPr>
-            <p:cNvPr id="127" name="直線接點 126"/>
+            <p:cNvPr id="144" name="直線單箭頭接點 143"/>
             <p:cNvCxnSpPr/>
             <p:nvPr/>
           </p:nvCxnSpPr>
           <p:spPr>
             <a:xfrm rot="5400000">
-              <a:off x="5792594" y="1217806"/>
-              <a:ext cx="760800" cy="1588"/>
+              <a:off x="4648994" y="2285206"/>
+              <a:ext cx="762000" cy="1588"/>
             </a:xfrm>
-            <a:prstGeom prst="line">
+            <a:prstGeom prst="straightConnector1">
               <a:avLst/>
             </a:prstGeom>
-            <a:ln w="19050"/>
+            <a:ln w="19050">
+              <a:solidFill>
+                <a:schemeClr val="tx1"/>
+              </a:solidFill>
+              <a:tailEnd type="triangle"/>
+            </a:ln>
           </p:spPr>
           <p:style>
             <a:lnRef idx="1">
-              <a:schemeClr val="dk1"/>
+              <a:schemeClr val="accent1"/>
             </a:lnRef>
             <a:fillRef idx="0">
-              <a:schemeClr val="dk1"/>
+              <a:schemeClr val="accent1"/>
             </a:fillRef>
             <a:effectRef idx="0">
-              <a:schemeClr val="dk1"/>
+              <a:schemeClr val="accent1"/>
             </a:effectRef>
             <a:fontRef idx="minor">
               <a:schemeClr val="tx1"/>
             </a:fontRef>
           </p:style>
         </p:cxnSp>
+        <p:cxnSp>
+          <p:nvCxnSpPr>
+            <p:cNvPr id="145" name="直線單箭頭接點 144"/>
+            <p:cNvCxnSpPr/>
+            <p:nvPr/>
+          </p:nvCxnSpPr>
+          <p:spPr>
+            <a:xfrm rot="5400000">
+              <a:off x="4648994" y="3352006"/>
+              <a:ext cx="762000" cy="1588"/>
+            </a:xfrm>
+            <a:prstGeom prst="straightConnector1">
+              <a:avLst/>
+            </a:prstGeom>
+            <a:ln w="19050">
+              <a:solidFill>
+                <a:schemeClr val="tx1"/>
+              </a:solidFill>
+              <a:tailEnd type="triangle"/>
+            </a:ln>
+          </p:spPr>
+          <p:style>
+            <a:lnRef idx="1">
+              <a:schemeClr val="accent1"/>
+            </a:lnRef>
+            <a:fillRef idx="0">
+              <a:schemeClr val="accent1"/>
+            </a:fillRef>
+            <a:effectRef idx="0">
+              <a:schemeClr val="accent1"/>
+            </a:effectRef>
+            <a:fontRef idx="minor">
+              <a:schemeClr val="tx1"/>
+            </a:fontRef>
+          </p:style>
+        </p:cxnSp>
+        <p:cxnSp>
+          <p:nvCxnSpPr>
+            <p:cNvPr id="146" name="直線單箭頭接點 145"/>
+            <p:cNvCxnSpPr/>
+            <p:nvPr/>
+          </p:nvCxnSpPr>
+          <p:spPr>
+            <a:xfrm rot="5400000" flipH="1" flipV="1">
+              <a:off x="4801394" y="1218406"/>
+              <a:ext cx="762000" cy="1588"/>
+            </a:xfrm>
+            <a:prstGeom prst="straightConnector1">
+              <a:avLst/>
+            </a:prstGeom>
+            <a:ln w="19050">
+              <a:solidFill>
+                <a:schemeClr val="tx1"/>
+              </a:solidFill>
+              <a:tailEnd type="triangle"/>
+            </a:ln>
+          </p:spPr>
+          <p:style>
+            <a:lnRef idx="1">
+              <a:schemeClr val="accent1"/>
+            </a:lnRef>
+            <a:fillRef idx="0">
+              <a:schemeClr val="accent1"/>
+            </a:fillRef>
+            <a:effectRef idx="0">
+              <a:schemeClr val="accent1"/>
+            </a:effectRef>
+            <a:fontRef idx="minor">
+              <a:schemeClr val="tx1"/>
+            </a:fontRef>
+          </p:style>
+        </p:cxnSp>
+        <p:grpSp>
+          <p:nvGrpSpPr>
+            <p:cNvPr id="11" name="群組 184"/>
+            <p:cNvGrpSpPr/>
+            <p:nvPr/>
+          </p:nvGrpSpPr>
+          <p:grpSpPr>
+            <a:xfrm>
+              <a:off x="2057400" y="1600200"/>
+              <a:ext cx="4266406" cy="304800"/>
+              <a:chOff x="2057400" y="1600200"/>
+              <a:chExt cx="4266406" cy="304800"/>
+            </a:xfrm>
+          </p:grpSpPr>
+          <p:sp>
+            <p:nvSpPr>
+              <p:cNvPr id="72" name="橢圓 71"/>
+              <p:cNvSpPr/>
+              <p:nvPr/>
+            </p:nvSpPr>
+            <p:spPr>
+              <a:xfrm rot="16200000">
+                <a:off x="2818006" y="1599600"/>
+                <a:ext cx="304800" cy="306000"/>
+              </a:xfrm>
+              <a:prstGeom prst="ellipse">
+                <a:avLst/>
+              </a:prstGeom>
+              <a:solidFill>
+                <a:schemeClr val="bg1"/>
+              </a:solidFill>
+              <a:ln w="19050"/>
+            </p:spPr>
+            <p:style>
+              <a:lnRef idx="2">
+                <a:schemeClr val="dk1">
+                  <a:shade val="50000"/>
+                </a:schemeClr>
+              </a:lnRef>
+              <a:fillRef idx="1">
+                <a:schemeClr val="dk1"/>
+              </a:fillRef>
+              <a:effectRef idx="0">
+                <a:schemeClr val="dk1"/>
+              </a:effectRef>
+              <a:fontRef idx="minor">
+                <a:schemeClr val="lt1"/>
+              </a:fontRef>
+            </p:style>
+            <p:txBody>
+              <a:bodyPr rtlCol="0" anchor="ctr"/>
+              <a:lstStyle/>
+              <a:p>
+                <a:pPr algn="ctr"/>
+                <a:endParaRPr lang="zh-TW" altLang="en-US"/>
+              </a:p>
+            </p:txBody>
+          </p:sp>
+          <p:cxnSp>
+            <p:nvCxnSpPr>
+              <p:cNvPr id="73" name="直線接點 72"/>
+              <p:cNvCxnSpPr>
+                <a:endCxn id="72" idx="0"/>
+              </p:cNvCxnSpPr>
+              <p:nvPr/>
+            </p:nvCxnSpPr>
+            <p:spPr>
+              <a:xfrm>
+                <a:off x="2057400" y="1751806"/>
+                <a:ext cx="760800" cy="1588"/>
+              </a:xfrm>
+              <a:prstGeom prst="line">
+                <a:avLst/>
+              </a:prstGeom>
+              <a:ln w="19050"/>
+            </p:spPr>
+            <p:style>
+              <a:lnRef idx="1">
+                <a:schemeClr val="dk1"/>
+              </a:lnRef>
+              <a:fillRef idx="0">
+                <a:schemeClr val="dk1"/>
+              </a:fillRef>
+              <a:effectRef idx="0">
+                <a:schemeClr val="dk1"/>
+              </a:effectRef>
+              <a:fontRef idx="minor">
+                <a:schemeClr val="tx1"/>
+              </a:fontRef>
+            </p:style>
+          </p:cxnSp>
+          <p:sp>
+            <p:nvSpPr>
+              <p:cNvPr id="74" name="橢圓 73"/>
+              <p:cNvSpPr/>
+              <p:nvPr/>
+            </p:nvSpPr>
+            <p:spPr>
+              <a:xfrm rot="16200000">
+                <a:off x="3884806" y="1599600"/>
+                <a:ext cx="304800" cy="306000"/>
+              </a:xfrm>
+              <a:prstGeom prst="ellipse">
+                <a:avLst/>
+              </a:prstGeom>
+              <a:solidFill>
+                <a:schemeClr val="bg1"/>
+              </a:solidFill>
+              <a:ln w="19050"/>
+            </p:spPr>
+            <p:style>
+              <a:lnRef idx="2">
+                <a:schemeClr val="dk1">
+                  <a:shade val="50000"/>
+                </a:schemeClr>
+              </a:lnRef>
+              <a:fillRef idx="1">
+                <a:schemeClr val="dk1"/>
+              </a:fillRef>
+              <a:effectRef idx="0">
+                <a:schemeClr val="dk1"/>
+              </a:effectRef>
+              <a:fontRef idx="minor">
+                <a:schemeClr val="lt1"/>
+              </a:fontRef>
+            </p:style>
+            <p:txBody>
+              <a:bodyPr rtlCol="0" anchor="ctr"/>
+              <a:lstStyle/>
+              <a:p>
+                <a:pPr algn="ctr"/>
+                <a:endParaRPr lang="zh-TW" altLang="en-US"/>
+              </a:p>
+            </p:txBody>
+          </p:sp>
+          <p:cxnSp>
+            <p:nvCxnSpPr>
+              <p:cNvPr id="75" name="直線接點 74"/>
+              <p:cNvCxnSpPr>
+                <a:stCxn id="72" idx="4"/>
+                <a:endCxn id="74" idx="0"/>
+              </p:cNvCxnSpPr>
+              <p:nvPr/>
+            </p:nvCxnSpPr>
+            <p:spPr>
+              <a:xfrm>
+                <a:off x="3124200" y="1751806"/>
+                <a:ext cx="760800" cy="1588"/>
+              </a:xfrm>
+              <a:prstGeom prst="line">
+                <a:avLst/>
+              </a:prstGeom>
+              <a:ln w="19050"/>
+            </p:spPr>
+            <p:style>
+              <a:lnRef idx="1">
+                <a:schemeClr val="dk1"/>
+              </a:lnRef>
+              <a:fillRef idx="0">
+                <a:schemeClr val="dk1"/>
+              </a:fillRef>
+              <a:effectRef idx="0">
+                <a:schemeClr val="dk1"/>
+              </a:effectRef>
+              <a:fontRef idx="minor">
+                <a:schemeClr val="tx1"/>
+              </a:fontRef>
+            </p:style>
+          </p:cxnSp>
+          <p:sp>
+            <p:nvSpPr>
+              <p:cNvPr id="76" name="橢圓 75"/>
+              <p:cNvSpPr/>
+              <p:nvPr/>
+            </p:nvSpPr>
+            <p:spPr>
+              <a:xfrm rot="16200000">
+                <a:off x="4951606" y="1599600"/>
+                <a:ext cx="304800" cy="306000"/>
+              </a:xfrm>
+              <a:prstGeom prst="ellipse">
+                <a:avLst/>
+              </a:prstGeom>
+              <a:solidFill>
+                <a:schemeClr val="bg1"/>
+              </a:solidFill>
+              <a:ln w="19050"/>
+            </p:spPr>
+            <p:style>
+              <a:lnRef idx="2">
+                <a:schemeClr val="dk1">
+                  <a:shade val="50000"/>
+                </a:schemeClr>
+              </a:lnRef>
+              <a:fillRef idx="1">
+                <a:schemeClr val="dk1"/>
+              </a:fillRef>
+              <a:effectRef idx="0">
+                <a:schemeClr val="dk1"/>
+              </a:effectRef>
+              <a:fontRef idx="minor">
+                <a:schemeClr val="lt1"/>
+              </a:fontRef>
+            </p:style>
+            <p:txBody>
+              <a:bodyPr rtlCol="0" anchor="ctr"/>
+              <a:lstStyle/>
+              <a:p>
+                <a:pPr algn="ctr"/>
+                <a:endParaRPr lang="zh-TW" altLang="en-US"/>
+              </a:p>
+            </p:txBody>
+          </p:sp>
+          <p:sp>
+            <p:nvSpPr>
+              <p:cNvPr id="78" name="橢圓 77"/>
+              <p:cNvSpPr/>
+              <p:nvPr/>
+            </p:nvSpPr>
+            <p:spPr>
+              <a:xfrm rot="16200000">
+                <a:off x="6018406" y="1599600"/>
+                <a:ext cx="304800" cy="306000"/>
+              </a:xfrm>
+              <a:prstGeom prst="ellipse">
+                <a:avLst/>
+              </a:prstGeom>
+              <a:solidFill>
+                <a:schemeClr val="bg1"/>
+              </a:solidFill>
+              <a:ln w="19050"/>
+            </p:spPr>
+            <p:style>
+              <a:lnRef idx="2">
+                <a:schemeClr val="dk1">
+                  <a:shade val="50000"/>
+                </a:schemeClr>
+              </a:lnRef>
+              <a:fillRef idx="1">
+                <a:schemeClr val="dk1"/>
+              </a:fillRef>
+              <a:effectRef idx="0">
+                <a:schemeClr val="dk1"/>
+              </a:effectRef>
+              <a:fontRef idx="minor">
+                <a:schemeClr val="lt1"/>
+              </a:fontRef>
+            </p:style>
+            <p:txBody>
+              <a:bodyPr rtlCol="0" anchor="ctr"/>
+              <a:lstStyle/>
+              <a:p>
+                <a:pPr algn="ctr"/>
+                <a:endParaRPr lang="zh-TW" altLang="en-US"/>
+              </a:p>
+            </p:txBody>
+          </p:sp>
+          <p:cxnSp>
+            <p:nvCxnSpPr>
+              <p:cNvPr id="89" name="直線單箭頭接點 88"/>
+              <p:cNvCxnSpPr/>
+              <p:nvPr/>
+            </p:nvCxnSpPr>
+            <p:spPr>
+              <a:xfrm>
+                <a:off x="4191000" y="1828800"/>
+                <a:ext cx="760800" cy="1588"/>
+              </a:xfrm>
+              <a:prstGeom prst="straightConnector1">
+                <a:avLst/>
+              </a:prstGeom>
+              <a:ln w="19050">
+                <a:solidFill>
+                  <a:schemeClr val="tx1"/>
+                </a:solidFill>
+                <a:tailEnd type="triangle"/>
+              </a:ln>
+            </p:spPr>
+            <p:style>
+              <a:lnRef idx="1">
+                <a:schemeClr val="accent1"/>
+              </a:lnRef>
+              <a:fillRef idx="0">
+                <a:schemeClr val="accent1"/>
+              </a:fillRef>
+              <a:effectRef idx="0">
+                <a:schemeClr val="accent1"/>
+              </a:effectRef>
+              <a:fontRef idx="minor">
+                <a:schemeClr val="tx1"/>
+              </a:fontRef>
+            </p:style>
+          </p:cxnSp>
+          <p:cxnSp>
+            <p:nvCxnSpPr>
+              <p:cNvPr id="133" name="直線單箭頭接點 132"/>
+              <p:cNvCxnSpPr/>
+              <p:nvPr/>
+            </p:nvCxnSpPr>
+            <p:spPr>
+              <a:xfrm rot="10800000">
+                <a:off x="5257800" y="1676400"/>
+                <a:ext cx="760800" cy="1588"/>
+              </a:xfrm>
+              <a:prstGeom prst="straightConnector1">
+                <a:avLst/>
+              </a:prstGeom>
+              <a:ln w="19050">
+                <a:solidFill>
+                  <a:schemeClr val="tx1"/>
+                </a:solidFill>
+                <a:tailEnd type="triangle"/>
+              </a:ln>
+            </p:spPr>
+            <p:style>
+              <a:lnRef idx="1">
+                <a:schemeClr val="accent1"/>
+              </a:lnRef>
+              <a:fillRef idx="0">
+                <a:schemeClr val="accent1"/>
+              </a:fillRef>
+              <a:effectRef idx="0">
+                <a:schemeClr val="accent1"/>
+              </a:effectRef>
+              <a:fontRef idx="minor">
+                <a:schemeClr val="tx1"/>
+              </a:fontRef>
+            </p:style>
+          </p:cxnSp>
+          <p:cxnSp>
+            <p:nvCxnSpPr>
+              <p:cNvPr id="147" name="直線單箭頭接點 146"/>
+              <p:cNvCxnSpPr/>
+              <p:nvPr/>
+            </p:nvCxnSpPr>
+            <p:spPr>
+              <a:xfrm rot="10800000">
+                <a:off x="4191000" y="1676400"/>
+                <a:ext cx="760800" cy="1588"/>
+              </a:xfrm>
+              <a:prstGeom prst="straightConnector1">
+                <a:avLst/>
+              </a:prstGeom>
+              <a:ln w="19050">
+                <a:solidFill>
+                  <a:schemeClr val="tx1"/>
+                </a:solidFill>
+                <a:tailEnd type="triangle"/>
+              </a:ln>
+            </p:spPr>
+            <p:style>
+              <a:lnRef idx="1">
+                <a:schemeClr val="accent1"/>
+              </a:lnRef>
+              <a:fillRef idx="0">
+                <a:schemeClr val="accent1"/>
+              </a:fillRef>
+              <a:effectRef idx="0">
+                <a:schemeClr val="accent1"/>
+              </a:effectRef>
+              <a:fontRef idx="minor">
+                <a:schemeClr val="tx1"/>
+              </a:fontRef>
+            </p:style>
+          </p:cxnSp>
+          <p:cxnSp>
+            <p:nvCxnSpPr>
+              <p:cNvPr id="148" name="直線單箭頭接點 147"/>
+              <p:cNvCxnSpPr/>
+              <p:nvPr/>
+            </p:nvCxnSpPr>
+            <p:spPr>
+              <a:xfrm>
+                <a:off x="5257800" y="1828800"/>
+                <a:ext cx="760800" cy="1588"/>
+              </a:xfrm>
+              <a:prstGeom prst="straightConnector1">
+                <a:avLst/>
+              </a:prstGeom>
+              <a:ln w="19050">
+                <a:solidFill>
+                  <a:schemeClr val="tx1"/>
+                </a:solidFill>
+                <a:tailEnd type="triangle"/>
+              </a:ln>
+            </p:spPr>
+            <p:style>
+              <a:lnRef idx="1">
+                <a:schemeClr val="accent1"/>
+              </a:lnRef>
+              <a:fillRef idx="0">
+                <a:schemeClr val="accent1"/>
+              </a:fillRef>
+              <a:effectRef idx="0">
+                <a:schemeClr val="accent1"/>
+              </a:effectRef>
+              <a:fontRef idx="minor">
+                <a:schemeClr val="tx1"/>
+              </a:fontRef>
+            </p:style>
+          </p:cxnSp>
+        </p:grpSp>
+        <p:grpSp>
+          <p:nvGrpSpPr>
+            <p:cNvPr id="12" name="群組 183"/>
+            <p:cNvGrpSpPr/>
+            <p:nvPr/>
+          </p:nvGrpSpPr>
+          <p:grpSpPr>
+            <a:xfrm>
+              <a:off x="2057400" y="2667000"/>
+              <a:ext cx="4266406" cy="304800"/>
+              <a:chOff x="2057400" y="2667000"/>
+              <a:chExt cx="4266406" cy="304800"/>
+            </a:xfrm>
+          </p:grpSpPr>
+          <p:sp>
+            <p:nvSpPr>
+              <p:cNvPr id="81" name="橢圓 80"/>
+              <p:cNvSpPr/>
+              <p:nvPr/>
+            </p:nvSpPr>
+            <p:spPr>
+              <a:xfrm rot="16200000">
+                <a:off x="2818006" y="2666400"/>
+                <a:ext cx="304800" cy="306000"/>
+              </a:xfrm>
+              <a:prstGeom prst="ellipse">
+                <a:avLst/>
+              </a:prstGeom>
+              <a:solidFill>
+                <a:schemeClr val="bg1"/>
+              </a:solidFill>
+              <a:ln w="19050"/>
+            </p:spPr>
+            <p:style>
+              <a:lnRef idx="2">
+                <a:schemeClr val="dk1">
+                  <a:shade val="50000"/>
+                </a:schemeClr>
+              </a:lnRef>
+              <a:fillRef idx="1">
+                <a:schemeClr val="dk1"/>
+              </a:fillRef>
+              <a:effectRef idx="0">
+                <a:schemeClr val="dk1"/>
+              </a:effectRef>
+              <a:fontRef idx="minor">
+                <a:schemeClr val="lt1"/>
+              </a:fontRef>
+            </p:style>
+            <p:txBody>
+              <a:bodyPr rtlCol="0" anchor="ctr"/>
+              <a:lstStyle/>
+              <a:p>
+                <a:pPr algn="ctr"/>
+                <a:endParaRPr lang="zh-TW" altLang="en-US"/>
+              </a:p>
+            </p:txBody>
+          </p:sp>
+          <p:cxnSp>
+            <p:nvCxnSpPr>
+              <p:cNvPr id="82" name="直線接點 81"/>
+              <p:cNvCxnSpPr>
+                <a:endCxn id="81" idx="0"/>
+              </p:cNvCxnSpPr>
+              <p:nvPr/>
+            </p:nvCxnSpPr>
+            <p:spPr>
+              <a:xfrm>
+                <a:off x="2057400" y="2818606"/>
+                <a:ext cx="760800" cy="1588"/>
+              </a:xfrm>
+              <a:prstGeom prst="line">
+                <a:avLst/>
+              </a:prstGeom>
+              <a:ln w="19050"/>
+            </p:spPr>
+            <p:style>
+              <a:lnRef idx="1">
+                <a:schemeClr val="dk1"/>
+              </a:lnRef>
+              <a:fillRef idx="0">
+                <a:schemeClr val="dk1"/>
+              </a:fillRef>
+              <a:effectRef idx="0">
+                <a:schemeClr val="dk1"/>
+              </a:effectRef>
+              <a:fontRef idx="minor">
+                <a:schemeClr val="tx1"/>
+              </a:fontRef>
+            </p:style>
+          </p:cxnSp>
+          <p:sp>
+            <p:nvSpPr>
+              <p:cNvPr id="83" name="橢圓 82"/>
+              <p:cNvSpPr/>
+              <p:nvPr/>
+            </p:nvSpPr>
+            <p:spPr>
+              <a:xfrm rot="16200000">
+                <a:off x="3884806" y="2666400"/>
+                <a:ext cx="304800" cy="306000"/>
+              </a:xfrm>
+              <a:prstGeom prst="ellipse">
+                <a:avLst/>
+              </a:prstGeom>
+              <a:solidFill>
+                <a:schemeClr val="bg1"/>
+              </a:solidFill>
+              <a:ln w="19050"/>
+            </p:spPr>
+            <p:style>
+              <a:lnRef idx="2">
+                <a:schemeClr val="dk1">
+                  <a:shade val="50000"/>
+                </a:schemeClr>
+              </a:lnRef>
+              <a:fillRef idx="1">
+                <a:schemeClr val="dk1"/>
+              </a:fillRef>
+              <a:effectRef idx="0">
+                <a:schemeClr val="dk1"/>
+              </a:effectRef>
+              <a:fontRef idx="minor">
+                <a:schemeClr val="lt1"/>
+              </a:fontRef>
+            </p:style>
+            <p:txBody>
+              <a:bodyPr rtlCol="0" anchor="ctr"/>
+              <a:lstStyle/>
+              <a:p>
+                <a:pPr algn="ctr"/>
+                <a:endParaRPr lang="zh-TW" altLang="en-US"/>
+              </a:p>
+            </p:txBody>
+          </p:sp>
+          <p:cxnSp>
+            <p:nvCxnSpPr>
+              <p:cNvPr id="84" name="直線接點 83"/>
+              <p:cNvCxnSpPr>
+                <a:stCxn id="81" idx="4"/>
+                <a:endCxn id="83" idx="0"/>
+              </p:cNvCxnSpPr>
+              <p:nvPr/>
+            </p:nvCxnSpPr>
+            <p:spPr>
+              <a:xfrm>
+                <a:off x="3124200" y="2818606"/>
+                <a:ext cx="760800" cy="1588"/>
+              </a:xfrm>
+              <a:prstGeom prst="line">
+                <a:avLst/>
+              </a:prstGeom>
+              <a:ln w="19050"/>
+            </p:spPr>
+            <p:style>
+              <a:lnRef idx="1">
+                <a:schemeClr val="dk1"/>
+              </a:lnRef>
+              <a:fillRef idx="0">
+                <a:schemeClr val="dk1"/>
+              </a:fillRef>
+              <a:effectRef idx="0">
+                <a:schemeClr val="dk1"/>
+              </a:effectRef>
+              <a:fontRef idx="minor">
+                <a:schemeClr val="tx1"/>
+              </a:fontRef>
+            </p:style>
+          </p:cxnSp>
+          <p:sp>
+            <p:nvSpPr>
+              <p:cNvPr id="85" name="橢圓 84"/>
+              <p:cNvSpPr/>
+              <p:nvPr/>
+            </p:nvSpPr>
+            <p:spPr>
+              <a:xfrm rot="16200000">
+                <a:off x="4951606" y="2666400"/>
+                <a:ext cx="304800" cy="306000"/>
+              </a:xfrm>
+              <a:prstGeom prst="ellipse">
+                <a:avLst/>
+              </a:prstGeom>
+              <a:solidFill>
+                <a:schemeClr val="bg1"/>
+              </a:solidFill>
+              <a:ln w="19050"/>
+            </p:spPr>
+            <p:style>
+              <a:lnRef idx="2">
+                <a:schemeClr val="dk1">
+                  <a:shade val="50000"/>
+                </a:schemeClr>
+              </a:lnRef>
+              <a:fillRef idx="1">
+                <a:schemeClr val="dk1"/>
+              </a:fillRef>
+              <a:effectRef idx="0">
+                <a:schemeClr val="dk1"/>
+              </a:effectRef>
+              <a:fontRef idx="minor">
+                <a:schemeClr val="lt1"/>
+              </a:fontRef>
+            </p:style>
+            <p:txBody>
+              <a:bodyPr rtlCol="0" anchor="ctr"/>
+              <a:lstStyle/>
+              <a:p>
+                <a:pPr algn="ctr"/>
+                <a:endParaRPr lang="zh-TW" altLang="en-US"/>
+              </a:p>
+            </p:txBody>
+          </p:sp>
+          <p:sp>
+            <p:nvSpPr>
+              <p:cNvPr id="87" name="橢圓 86"/>
+              <p:cNvSpPr/>
+              <p:nvPr/>
+            </p:nvSpPr>
+            <p:spPr>
+              <a:xfrm rot="16200000">
+                <a:off x="6018406" y="2666400"/>
+                <a:ext cx="304800" cy="306000"/>
+              </a:xfrm>
+              <a:prstGeom prst="ellipse">
+                <a:avLst/>
+              </a:prstGeom>
+              <a:solidFill>
+                <a:schemeClr val="bg1"/>
+              </a:solidFill>
+              <a:ln w="19050"/>
+            </p:spPr>
+            <p:style>
+              <a:lnRef idx="2">
+                <a:schemeClr val="dk1">
+                  <a:shade val="50000"/>
+                </a:schemeClr>
+              </a:lnRef>
+              <a:fillRef idx="1">
+                <a:schemeClr val="dk1"/>
+              </a:fillRef>
+              <a:effectRef idx="0">
+                <a:schemeClr val="dk1"/>
+              </a:effectRef>
+              <a:fontRef idx="minor">
+                <a:schemeClr val="lt1"/>
+              </a:fontRef>
+            </p:style>
+            <p:txBody>
+              <a:bodyPr rtlCol="0" anchor="ctr"/>
+              <a:lstStyle/>
+              <a:p>
+                <a:pPr algn="ctr"/>
+                <a:endParaRPr lang="zh-TW" altLang="en-US"/>
+              </a:p>
+            </p:txBody>
+          </p:sp>
+          <p:cxnSp>
+            <p:nvCxnSpPr>
+              <p:cNvPr id="98" name="直線單箭頭接點 97"/>
+              <p:cNvCxnSpPr/>
+              <p:nvPr/>
+            </p:nvCxnSpPr>
+            <p:spPr>
+              <a:xfrm>
+                <a:off x="4191000" y="2895600"/>
+                <a:ext cx="760800" cy="1588"/>
+              </a:xfrm>
+              <a:prstGeom prst="straightConnector1">
+                <a:avLst/>
+              </a:prstGeom>
+              <a:ln w="19050">
+                <a:solidFill>
+                  <a:schemeClr val="tx1"/>
+                </a:solidFill>
+                <a:tailEnd type="triangle"/>
+              </a:ln>
+            </p:spPr>
+            <p:style>
+              <a:lnRef idx="1">
+                <a:schemeClr val="accent1"/>
+              </a:lnRef>
+              <a:fillRef idx="0">
+                <a:schemeClr val="accent1"/>
+              </a:fillRef>
+              <a:effectRef idx="0">
+                <a:schemeClr val="accent1"/>
+              </a:effectRef>
+              <a:fontRef idx="minor">
+                <a:schemeClr val="tx1"/>
+              </a:fontRef>
+            </p:style>
+          </p:cxnSp>
+          <p:cxnSp>
+            <p:nvCxnSpPr>
+              <p:cNvPr id="134" name="直線單箭頭接點 133"/>
+              <p:cNvCxnSpPr/>
+              <p:nvPr/>
+            </p:nvCxnSpPr>
+            <p:spPr>
+              <a:xfrm rot="10800000">
+                <a:off x="5257800" y="2743200"/>
+                <a:ext cx="760800" cy="1588"/>
+              </a:xfrm>
+              <a:prstGeom prst="straightConnector1">
+                <a:avLst/>
+              </a:prstGeom>
+              <a:ln w="19050">
+                <a:solidFill>
+                  <a:schemeClr val="tx1"/>
+                </a:solidFill>
+                <a:tailEnd type="triangle"/>
+              </a:ln>
+            </p:spPr>
+            <p:style>
+              <a:lnRef idx="1">
+                <a:schemeClr val="accent1"/>
+              </a:lnRef>
+              <a:fillRef idx="0">
+                <a:schemeClr val="accent1"/>
+              </a:fillRef>
+              <a:effectRef idx="0">
+                <a:schemeClr val="accent1"/>
+              </a:effectRef>
+              <a:fontRef idx="minor">
+                <a:schemeClr val="tx1"/>
+              </a:fontRef>
+            </p:style>
+          </p:cxnSp>
+          <p:cxnSp>
+            <p:nvCxnSpPr>
+              <p:cNvPr id="149" name="直線單箭頭接點 148"/>
+              <p:cNvCxnSpPr/>
+              <p:nvPr/>
+            </p:nvCxnSpPr>
+            <p:spPr>
+              <a:xfrm>
+                <a:off x="5257800" y="2895600"/>
+                <a:ext cx="760800" cy="1588"/>
+              </a:xfrm>
+              <a:prstGeom prst="straightConnector1">
+                <a:avLst/>
+              </a:prstGeom>
+              <a:ln w="19050">
+                <a:solidFill>
+                  <a:schemeClr val="tx1"/>
+                </a:solidFill>
+                <a:tailEnd type="triangle"/>
+              </a:ln>
+            </p:spPr>
+            <p:style>
+              <a:lnRef idx="1">
+                <a:schemeClr val="accent1"/>
+              </a:lnRef>
+              <a:fillRef idx="0">
+                <a:schemeClr val="accent1"/>
+              </a:fillRef>
+              <a:effectRef idx="0">
+                <a:schemeClr val="accent1"/>
+              </a:effectRef>
+              <a:fontRef idx="minor">
+                <a:schemeClr val="tx1"/>
+              </a:fontRef>
+            </p:style>
+          </p:cxnSp>
+          <p:cxnSp>
+            <p:nvCxnSpPr>
+              <p:cNvPr id="150" name="直線單箭頭接點 149"/>
+              <p:cNvCxnSpPr/>
+              <p:nvPr/>
+            </p:nvCxnSpPr>
+            <p:spPr>
+              <a:xfrm rot="10800000">
+                <a:off x="4191000" y="2743200"/>
+                <a:ext cx="760800" cy="1588"/>
+              </a:xfrm>
+              <a:prstGeom prst="straightConnector1">
+                <a:avLst/>
+              </a:prstGeom>
+              <a:ln w="19050">
+                <a:solidFill>
+                  <a:schemeClr val="tx1"/>
+                </a:solidFill>
+                <a:tailEnd type="triangle"/>
+              </a:ln>
+            </p:spPr>
+            <p:style>
+              <a:lnRef idx="1">
+                <a:schemeClr val="accent1"/>
+              </a:lnRef>
+              <a:fillRef idx="0">
+                <a:schemeClr val="accent1"/>
+              </a:fillRef>
+              <a:effectRef idx="0">
+                <a:schemeClr val="accent1"/>
+              </a:effectRef>
+              <a:fontRef idx="minor">
+                <a:schemeClr val="tx1"/>
+              </a:fontRef>
+            </p:style>
+          </p:cxnSp>
+        </p:grpSp>
       </p:grpSp>
+      <p:sp>
+        <p:nvSpPr>
+          <p:cNvPr id="151" name="文字方塊 150"/>
+          <p:cNvSpPr txBox="1"/>
+          <p:nvPr/>
+        </p:nvSpPr>
+        <p:spPr>
+          <a:xfrm>
+            <a:off x="1143000" y="1066800"/>
+            <a:ext cx="609600" cy="230832"/>
+          </a:xfrm>
+          <a:prstGeom prst="rect">
+            <a:avLst/>
+          </a:prstGeom>
+          <a:noFill/>
+        </p:spPr>
+        <p:txBody>
+          <a:bodyPr wrap="square" rtlCol="0">
+            <a:spAutoFit/>
+          </a:bodyPr>
+          <a:lstStyle/>
+          <a:p>
+            <a:r>
+              <a:rPr lang="en-US" altLang="zh-TW" sz="900" dirty="0" smtClean="0"/>
+              <a:t>(0.9</a:t>
+            </a:r>
+            <a:r>
+              <a:rPr lang="en-US" altLang="zh-TW" sz="900" dirty="0" smtClean="0"/>
+              <a:t>, 0)</a:t>
+            </a:r>
+            <a:endParaRPr lang="zh-TW" altLang="en-US" sz="900" dirty="0"/>
+          </a:p>
+        </p:txBody>
+      </p:sp>
+      <p:sp>
+        <p:nvSpPr>
+          <p:cNvPr id="153" name="文字方塊 152"/>
+          <p:cNvSpPr txBox="1"/>
+          <p:nvPr/>
+        </p:nvSpPr>
+        <p:spPr>
+          <a:xfrm>
+            <a:off x="1143000" y="3200400"/>
+            <a:ext cx="867545" cy="230832"/>
+          </a:xfrm>
+          <a:prstGeom prst="rect">
+            <a:avLst/>
+          </a:prstGeom>
+          <a:noFill/>
+        </p:spPr>
+        <p:txBody>
+          <a:bodyPr wrap="square" rtlCol="0">
+            <a:spAutoFit/>
+          </a:bodyPr>
+          <a:lstStyle/>
+          <a:p>
+            <a:r>
+              <a:rPr lang="en-US" altLang="zh-TW" sz="900" dirty="0" smtClean="0"/>
+              <a:t>(0.9, </a:t>
+            </a:r>
+            <a:r>
+              <a:rPr lang="en-US" altLang="zh-TW" sz="900" dirty="0" smtClean="0"/>
+              <a:t>0</a:t>
+            </a:r>
+            <a:r>
+              <a:rPr lang="en-US" altLang="zh-TW" sz="900" dirty="0" smtClean="0"/>
+              <a:t>)</a:t>
+            </a:r>
+            <a:endParaRPr lang="zh-TW" altLang="en-US" sz="900" dirty="0"/>
+          </a:p>
+        </p:txBody>
+      </p:sp>
+      <p:sp>
+        <p:nvSpPr>
+          <p:cNvPr id="154" name="文字方塊 153"/>
+          <p:cNvSpPr txBox="1"/>
+          <p:nvPr/>
+        </p:nvSpPr>
+        <p:spPr>
+          <a:xfrm>
+            <a:off x="1143000" y="4343400"/>
+            <a:ext cx="867545" cy="230832"/>
+          </a:xfrm>
+          <a:prstGeom prst="rect">
+            <a:avLst/>
+          </a:prstGeom>
+          <a:noFill/>
+        </p:spPr>
+        <p:txBody>
+          <a:bodyPr wrap="square" rtlCol="0">
+            <a:spAutoFit/>
+          </a:bodyPr>
+          <a:lstStyle/>
+          <a:p>
+            <a:r>
+              <a:rPr lang="en-US" altLang="zh-TW" sz="900" dirty="0" smtClean="0"/>
+              <a:t>(0.9, </a:t>
+            </a:r>
+            <a:r>
+              <a:rPr lang="en-US" altLang="zh-TW" sz="900" dirty="0" smtClean="0"/>
+              <a:t>0)</a:t>
+            </a:r>
+            <a:endParaRPr lang="zh-TW" altLang="en-US" sz="900" dirty="0"/>
+          </a:p>
+        </p:txBody>
+      </p:sp>
+      <p:sp>
+        <p:nvSpPr>
+          <p:cNvPr id="155" name="文字方塊 154"/>
+          <p:cNvSpPr txBox="1"/>
+          <p:nvPr/>
+        </p:nvSpPr>
+        <p:spPr>
+          <a:xfrm>
+            <a:off x="6248400" y="1066800"/>
+            <a:ext cx="511679" cy="230832"/>
+          </a:xfrm>
+          <a:prstGeom prst="rect">
+            <a:avLst/>
+          </a:prstGeom>
+          <a:noFill/>
+        </p:spPr>
+        <p:txBody>
+          <a:bodyPr wrap="none" rtlCol="0">
+            <a:spAutoFit/>
+          </a:bodyPr>
+          <a:lstStyle/>
+          <a:p>
+            <a:r>
+              <a:rPr lang="en-US" altLang="zh-TW" sz="900" dirty="0" smtClean="0"/>
+              <a:t>(0.9, </a:t>
+            </a:r>
+            <a:r>
+              <a:rPr lang="en-US" altLang="zh-TW" sz="900" dirty="0" smtClean="0"/>
+              <a:t>1</a:t>
+            </a:r>
+            <a:r>
+              <a:rPr lang="en-US" altLang="zh-TW" sz="900" dirty="0" smtClean="0"/>
+              <a:t>)</a:t>
+            </a:r>
+            <a:endParaRPr lang="zh-TW" altLang="en-US" sz="900" dirty="0"/>
+          </a:p>
+        </p:txBody>
+      </p:sp>
+      <p:sp>
+        <p:nvSpPr>
+          <p:cNvPr id="156" name="文字方塊 155"/>
+          <p:cNvSpPr txBox="1"/>
+          <p:nvPr/>
+        </p:nvSpPr>
+        <p:spPr>
+          <a:xfrm>
+            <a:off x="6248400" y="2209800"/>
+            <a:ext cx="633507" cy="230832"/>
+          </a:xfrm>
+          <a:prstGeom prst="rect">
+            <a:avLst/>
+          </a:prstGeom>
+          <a:noFill/>
+        </p:spPr>
+        <p:txBody>
+          <a:bodyPr wrap="none" rtlCol="0">
+            <a:spAutoFit/>
+          </a:bodyPr>
+          <a:lstStyle/>
+          <a:p>
+            <a:r>
+              <a:rPr lang="en-US" altLang="zh-TW" sz="900" dirty="0" smtClean="0"/>
+              <a:t>(0.9, </a:t>
+            </a:r>
+            <a:r>
+              <a:rPr lang="en-US" altLang="zh-TW" sz="900" dirty="0" smtClean="0"/>
+              <a:t>-1.5)</a:t>
+            </a:r>
+            <a:endParaRPr lang="zh-TW" altLang="en-US" sz="900" dirty="0"/>
+          </a:p>
+        </p:txBody>
+      </p:sp>
+      <p:sp>
+        <p:nvSpPr>
+          <p:cNvPr id="157" name="文字方塊 156"/>
+          <p:cNvSpPr txBox="1"/>
+          <p:nvPr/>
+        </p:nvSpPr>
+        <p:spPr>
+          <a:xfrm>
+            <a:off x="6248400" y="3200400"/>
+            <a:ext cx="511679" cy="230832"/>
+          </a:xfrm>
+          <a:prstGeom prst="rect">
+            <a:avLst/>
+          </a:prstGeom>
+          <a:noFill/>
+        </p:spPr>
+        <p:txBody>
+          <a:bodyPr wrap="none" rtlCol="0">
+            <a:spAutoFit/>
+          </a:bodyPr>
+          <a:lstStyle/>
+          <a:p>
+            <a:r>
+              <a:rPr lang="en-US" altLang="zh-TW" sz="900" dirty="0" smtClean="0"/>
+              <a:t>(0.9, </a:t>
+            </a:r>
+            <a:r>
+              <a:rPr lang="en-US" altLang="zh-TW" sz="900" dirty="0" smtClean="0"/>
+              <a:t>0)</a:t>
+            </a:r>
+            <a:endParaRPr lang="zh-TW" altLang="en-US" sz="900" dirty="0"/>
+          </a:p>
+        </p:txBody>
+      </p:sp>
+      <p:sp>
+        <p:nvSpPr>
+          <p:cNvPr id="158" name="文字方塊 157"/>
+          <p:cNvSpPr txBox="1"/>
+          <p:nvPr/>
+        </p:nvSpPr>
+        <p:spPr>
+          <a:xfrm>
+            <a:off x="6248400" y="4343400"/>
+            <a:ext cx="511679" cy="230832"/>
+          </a:xfrm>
+          <a:prstGeom prst="rect">
+            <a:avLst/>
+          </a:prstGeom>
+          <a:noFill/>
+        </p:spPr>
+        <p:txBody>
+          <a:bodyPr wrap="none" rtlCol="0">
+            <a:spAutoFit/>
+          </a:bodyPr>
+          <a:lstStyle/>
+          <a:p>
+            <a:r>
+              <a:rPr lang="en-US" altLang="zh-TW" sz="900" dirty="0" smtClean="0"/>
+              <a:t>(0.9, </a:t>
+            </a:r>
+            <a:r>
+              <a:rPr lang="en-US" altLang="zh-TW" sz="900" dirty="0" smtClean="0"/>
+              <a:t>0)</a:t>
+            </a:r>
+            <a:endParaRPr lang="zh-TW" altLang="en-US" sz="900" dirty="0"/>
+          </a:p>
+        </p:txBody>
+      </p:sp>
+      <p:sp>
+        <p:nvSpPr>
+          <p:cNvPr id="159" name="文字方塊 158"/>
+          <p:cNvSpPr txBox="1"/>
+          <p:nvPr/>
+        </p:nvSpPr>
+        <p:spPr>
+          <a:xfrm>
+            <a:off x="2133600" y="381000"/>
+            <a:ext cx="511679" cy="230832"/>
+          </a:xfrm>
+          <a:prstGeom prst="rect">
+            <a:avLst/>
+          </a:prstGeom>
+          <a:noFill/>
+        </p:spPr>
+        <p:txBody>
+          <a:bodyPr wrap="none" rtlCol="0">
+            <a:spAutoFit/>
+          </a:bodyPr>
+          <a:lstStyle/>
+          <a:p>
+            <a:r>
+              <a:rPr lang="en-US" altLang="zh-TW" sz="900" dirty="0" smtClean="0"/>
+              <a:t>(0.9, 0)</a:t>
+            </a:r>
+            <a:endParaRPr lang="zh-TW" altLang="en-US" sz="900" dirty="0"/>
+          </a:p>
+        </p:txBody>
+      </p:sp>
+      <p:sp>
+        <p:nvSpPr>
+          <p:cNvPr id="160" name="文字方塊 159"/>
+          <p:cNvSpPr txBox="1"/>
+          <p:nvPr/>
+        </p:nvSpPr>
+        <p:spPr>
+          <a:xfrm>
+            <a:off x="2057400" y="1828800"/>
+            <a:ext cx="511679" cy="230832"/>
+          </a:xfrm>
+          <a:prstGeom prst="rect">
+            <a:avLst/>
+          </a:prstGeom>
+          <a:noFill/>
+        </p:spPr>
+        <p:txBody>
+          <a:bodyPr wrap="none" rtlCol="0">
+            <a:spAutoFit/>
+          </a:bodyPr>
+          <a:lstStyle/>
+          <a:p>
+            <a:r>
+              <a:rPr lang="en-US" altLang="zh-TW" sz="900" dirty="0" smtClean="0"/>
+              <a:t>(</a:t>
+            </a:r>
+            <a:r>
+              <a:rPr lang="en-US" altLang="zh-TW" sz="900" dirty="0" smtClean="0"/>
+              <a:t>0.9, 0)</a:t>
+            </a:r>
+            <a:endParaRPr lang="zh-TW" altLang="en-US" sz="900" dirty="0"/>
+          </a:p>
+        </p:txBody>
+      </p:sp>
+      <p:sp>
+        <p:nvSpPr>
+          <p:cNvPr id="161" name="文字方塊 160"/>
+          <p:cNvSpPr txBox="1"/>
+          <p:nvPr/>
+        </p:nvSpPr>
+        <p:spPr>
+          <a:xfrm>
+            <a:off x="2057400" y="2895600"/>
+            <a:ext cx="511679" cy="230832"/>
+          </a:xfrm>
+          <a:prstGeom prst="rect">
+            <a:avLst/>
+          </a:prstGeom>
+          <a:noFill/>
+        </p:spPr>
+        <p:txBody>
+          <a:bodyPr wrap="none" rtlCol="0">
+            <a:spAutoFit/>
+          </a:bodyPr>
+          <a:lstStyle/>
+          <a:p>
+            <a:r>
+              <a:rPr lang="en-US" altLang="zh-TW" sz="900" dirty="0" smtClean="0"/>
+              <a:t>(0.9, </a:t>
+            </a:r>
+            <a:r>
+              <a:rPr lang="en-US" altLang="zh-TW" sz="900" dirty="0" smtClean="0"/>
+              <a:t>0)</a:t>
+            </a:r>
+            <a:endParaRPr lang="zh-TW" altLang="en-US" sz="900" dirty="0"/>
+          </a:p>
+        </p:txBody>
+      </p:sp>
+      <p:sp>
+        <p:nvSpPr>
+          <p:cNvPr id="162" name="文字方塊 161"/>
+          <p:cNvSpPr txBox="1"/>
+          <p:nvPr/>
+        </p:nvSpPr>
+        <p:spPr>
+          <a:xfrm>
+            <a:off x="2057400" y="3962400"/>
+            <a:ext cx="511679" cy="230832"/>
+          </a:xfrm>
+          <a:prstGeom prst="rect">
+            <a:avLst/>
+          </a:prstGeom>
+          <a:noFill/>
+        </p:spPr>
+        <p:txBody>
+          <a:bodyPr wrap="none" rtlCol="0">
+            <a:spAutoFit/>
+          </a:bodyPr>
+          <a:lstStyle/>
+          <a:p>
+            <a:r>
+              <a:rPr lang="en-US" altLang="zh-TW" sz="900" dirty="0" smtClean="0"/>
+              <a:t>(0.9, </a:t>
+            </a:r>
+            <a:r>
+              <a:rPr lang="en-US" altLang="zh-TW" sz="900" dirty="0" smtClean="0"/>
+              <a:t>0)</a:t>
+            </a:r>
+            <a:endParaRPr lang="zh-TW" altLang="en-US" sz="900" dirty="0"/>
+          </a:p>
+        </p:txBody>
+      </p:sp>
+      <p:sp>
+        <p:nvSpPr>
+          <p:cNvPr id="163" name="文字方塊 162"/>
+          <p:cNvSpPr txBox="1"/>
+          <p:nvPr/>
+        </p:nvSpPr>
+        <p:spPr>
+          <a:xfrm>
+            <a:off x="3200400" y="381000"/>
+            <a:ext cx="511679" cy="230832"/>
+          </a:xfrm>
+          <a:prstGeom prst="rect">
+            <a:avLst/>
+          </a:prstGeom>
+          <a:noFill/>
+        </p:spPr>
+        <p:txBody>
+          <a:bodyPr wrap="none" rtlCol="0">
+            <a:spAutoFit/>
+          </a:bodyPr>
+          <a:lstStyle/>
+          <a:p>
+            <a:r>
+              <a:rPr lang="en-US" altLang="zh-TW" sz="900" dirty="0" smtClean="0"/>
+              <a:t>(0.9, </a:t>
+            </a:r>
+            <a:r>
+              <a:rPr lang="en-US" altLang="zh-TW" sz="900" dirty="0" smtClean="0"/>
+              <a:t>0)</a:t>
+            </a:r>
+            <a:endParaRPr lang="zh-TW" altLang="en-US" sz="900" dirty="0"/>
+          </a:p>
+        </p:txBody>
+      </p:sp>
+      <p:sp>
+        <p:nvSpPr>
+          <p:cNvPr id="164" name="文字方塊 163"/>
+          <p:cNvSpPr txBox="1"/>
+          <p:nvPr/>
+        </p:nvSpPr>
+        <p:spPr>
+          <a:xfrm>
+            <a:off x="3124200" y="1828800"/>
+            <a:ext cx="511679" cy="230832"/>
+          </a:xfrm>
+          <a:prstGeom prst="rect">
+            <a:avLst/>
+          </a:prstGeom>
+          <a:noFill/>
+        </p:spPr>
+        <p:txBody>
+          <a:bodyPr wrap="none" rtlCol="0">
+            <a:spAutoFit/>
+          </a:bodyPr>
+          <a:lstStyle/>
+          <a:p>
+            <a:r>
+              <a:rPr lang="en-US" altLang="zh-TW" sz="900" dirty="0" smtClean="0"/>
+              <a:t>(0.9, </a:t>
+            </a:r>
+            <a:r>
+              <a:rPr lang="en-US" altLang="zh-TW" sz="900" dirty="0" smtClean="0"/>
+              <a:t>0)</a:t>
+            </a:r>
+            <a:endParaRPr lang="zh-TW" altLang="en-US" sz="900" dirty="0"/>
+          </a:p>
+        </p:txBody>
+      </p:sp>
+      <p:sp>
+        <p:nvSpPr>
+          <p:cNvPr id="165" name="文字方塊 164"/>
+          <p:cNvSpPr txBox="1"/>
+          <p:nvPr/>
+        </p:nvSpPr>
+        <p:spPr>
+          <a:xfrm>
+            <a:off x="3124200" y="2895600"/>
+            <a:ext cx="511679" cy="230832"/>
+          </a:xfrm>
+          <a:prstGeom prst="rect">
+            <a:avLst/>
+          </a:prstGeom>
+          <a:noFill/>
+        </p:spPr>
+        <p:txBody>
+          <a:bodyPr wrap="none" rtlCol="0">
+            <a:spAutoFit/>
+          </a:bodyPr>
+          <a:lstStyle/>
+          <a:p>
+            <a:r>
+              <a:rPr lang="en-US" altLang="zh-TW" sz="900" dirty="0" smtClean="0"/>
+              <a:t>(0.9, </a:t>
+            </a:r>
+            <a:r>
+              <a:rPr lang="en-US" altLang="zh-TW" sz="900" dirty="0" smtClean="0"/>
+              <a:t>0)</a:t>
+            </a:r>
+            <a:endParaRPr lang="zh-TW" altLang="en-US" sz="900" dirty="0"/>
+          </a:p>
+        </p:txBody>
+      </p:sp>
+      <p:sp>
+        <p:nvSpPr>
+          <p:cNvPr id="166" name="文字方塊 165"/>
+          <p:cNvSpPr txBox="1"/>
+          <p:nvPr/>
+        </p:nvSpPr>
+        <p:spPr>
+          <a:xfrm>
+            <a:off x="3124200" y="3962400"/>
+            <a:ext cx="511679" cy="230832"/>
+          </a:xfrm>
+          <a:prstGeom prst="rect">
+            <a:avLst/>
+          </a:prstGeom>
+          <a:noFill/>
+        </p:spPr>
+        <p:txBody>
+          <a:bodyPr wrap="none" rtlCol="0">
+            <a:spAutoFit/>
+          </a:bodyPr>
+          <a:lstStyle/>
+          <a:p>
+            <a:r>
+              <a:rPr lang="en-US" altLang="zh-TW" sz="900" dirty="0" smtClean="0"/>
+              <a:t>(0.9, </a:t>
+            </a:r>
+            <a:r>
+              <a:rPr lang="en-US" altLang="zh-TW" sz="900" dirty="0" smtClean="0"/>
+              <a:t>0)</a:t>
+            </a:r>
+            <a:endParaRPr lang="zh-TW" altLang="en-US" sz="900" dirty="0"/>
+          </a:p>
+        </p:txBody>
+      </p:sp>
+      <p:sp>
+        <p:nvSpPr>
+          <p:cNvPr id="167" name="文字方塊 166"/>
+          <p:cNvSpPr txBox="1"/>
+          <p:nvPr/>
+        </p:nvSpPr>
+        <p:spPr>
+          <a:xfrm>
+            <a:off x="4267200" y="381000"/>
+            <a:ext cx="511679" cy="230832"/>
+          </a:xfrm>
+          <a:prstGeom prst="rect">
+            <a:avLst/>
+          </a:prstGeom>
+          <a:noFill/>
+        </p:spPr>
+        <p:txBody>
+          <a:bodyPr wrap="none" rtlCol="0">
+            <a:spAutoFit/>
+          </a:bodyPr>
+          <a:lstStyle/>
+          <a:p>
+            <a:r>
+              <a:rPr lang="en-US" altLang="zh-TW" sz="900" dirty="0" smtClean="0"/>
+              <a:t>(0.9, </a:t>
+            </a:r>
+            <a:r>
+              <a:rPr lang="en-US" altLang="zh-TW" sz="900" dirty="0" smtClean="0"/>
+              <a:t>0)</a:t>
+            </a:r>
+            <a:endParaRPr lang="zh-TW" altLang="en-US" sz="900" dirty="0"/>
+          </a:p>
+        </p:txBody>
+      </p:sp>
+      <p:sp>
+        <p:nvSpPr>
+          <p:cNvPr id="168" name="文字方塊 167"/>
+          <p:cNvSpPr txBox="1"/>
+          <p:nvPr/>
+        </p:nvSpPr>
+        <p:spPr>
+          <a:xfrm>
+            <a:off x="5334000" y="381000"/>
+            <a:ext cx="511679" cy="230832"/>
+          </a:xfrm>
+          <a:prstGeom prst="rect">
+            <a:avLst/>
+          </a:prstGeom>
+          <a:noFill/>
+        </p:spPr>
+        <p:txBody>
+          <a:bodyPr wrap="none" rtlCol="0">
+            <a:spAutoFit/>
+          </a:bodyPr>
+          <a:lstStyle/>
+          <a:p>
+            <a:r>
+              <a:rPr lang="en-US" altLang="zh-TW" sz="900" dirty="0" smtClean="0"/>
+              <a:t>(0.9, </a:t>
+            </a:r>
+            <a:r>
+              <a:rPr lang="en-US" altLang="zh-TW" sz="900" dirty="0" smtClean="0"/>
+              <a:t>0)</a:t>
+            </a:r>
+            <a:endParaRPr lang="zh-TW" altLang="en-US" sz="900" dirty="0"/>
+          </a:p>
+        </p:txBody>
+      </p:sp>
+      <p:sp>
+        <p:nvSpPr>
+          <p:cNvPr id="169" name="文字方塊 168"/>
+          <p:cNvSpPr txBox="1"/>
+          <p:nvPr/>
+        </p:nvSpPr>
+        <p:spPr>
+          <a:xfrm>
+            <a:off x="4343400" y="1828800"/>
+            <a:ext cx="569387" cy="230832"/>
+          </a:xfrm>
+          <a:prstGeom prst="rect">
+            <a:avLst/>
+          </a:prstGeom>
+          <a:noFill/>
+        </p:spPr>
+        <p:txBody>
+          <a:bodyPr wrap="none" rtlCol="0">
+            <a:spAutoFit/>
+          </a:bodyPr>
+          <a:lstStyle/>
+          <a:p>
+            <a:r>
+              <a:rPr lang="en-US" altLang="zh-TW" sz="900" dirty="0" smtClean="0"/>
+              <a:t>(0.9, </a:t>
+            </a:r>
+            <a:r>
+              <a:rPr lang="en-US" altLang="zh-TW" sz="900" dirty="0" smtClean="0"/>
+              <a:t>18)</a:t>
+            </a:r>
+            <a:endParaRPr lang="zh-TW" altLang="en-US" sz="900" dirty="0"/>
+          </a:p>
+        </p:txBody>
+      </p:sp>
+      <p:sp>
+        <p:nvSpPr>
+          <p:cNvPr id="170" name="文字方塊 169"/>
+          <p:cNvSpPr txBox="1"/>
+          <p:nvPr/>
+        </p:nvSpPr>
+        <p:spPr>
+          <a:xfrm>
+            <a:off x="5410200" y="1828800"/>
+            <a:ext cx="633507" cy="230832"/>
+          </a:xfrm>
+          <a:prstGeom prst="rect">
+            <a:avLst/>
+          </a:prstGeom>
+          <a:noFill/>
+        </p:spPr>
+        <p:txBody>
+          <a:bodyPr wrap="none" rtlCol="0">
+            <a:spAutoFit/>
+          </a:bodyPr>
+          <a:lstStyle/>
+          <a:p>
+            <a:r>
+              <a:rPr lang="en-US" altLang="zh-TW" sz="900" dirty="0" smtClean="0"/>
+              <a:t>(0.9, </a:t>
+            </a:r>
+            <a:r>
+              <a:rPr lang="en-US" altLang="zh-TW" sz="900" dirty="0" smtClean="0"/>
+              <a:t>-1.5)</a:t>
+            </a:r>
+            <a:endParaRPr lang="zh-TW" altLang="en-US" sz="900" dirty="0"/>
+          </a:p>
+        </p:txBody>
+      </p:sp>
+      <p:sp>
+        <p:nvSpPr>
+          <p:cNvPr id="171" name="文字方塊 170"/>
+          <p:cNvSpPr txBox="1"/>
+          <p:nvPr/>
+        </p:nvSpPr>
+        <p:spPr>
+          <a:xfrm>
+            <a:off x="4323214" y="2895600"/>
+            <a:ext cx="659155" cy="230832"/>
+          </a:xfrm>
+          <a:prstGeom prst="rect">
+            <a:avLst/>
+          </a:prstGeom>
+          <a:noFill/>
+        </p:spPr>
+        <p:txBody>
+          <a:bodyPr wrap="none" rtlCol="0">
+            <a:spAutoFit/>
+          </a:bodyPr>
+          <a:lstStyle/>
+          <a:p>
+            <a:pPr algn="r"/>
+            <a:r>
+              <a:rPr lang="en-US" altLang="zh-TW" sz="900" dirty="0" smtClean="0"/>
+              <a:t>(0.0, </a:t>
+            </a:r>
+            <a:r>
+              <a:rPr lang="en-US" altLang="zh-TW" sz="900" dirty="0" smtClean="0"/>
+              <a:t> -1.5)</a:t>
+            </a:r>
+            <a:endParaRPr lang="zh-TW" altLang="en-US" sz="900" dirty="0"/>
+          </a:p>
+        </p:txBody>
+      </p:sp>
+      <p:sp>
+        <p:nvSpPr>
+          <p:cNvPr id="172" name="文字方塊 171"/>
+          <p:cNvSpPr txBox="1"/>
+          <p:nvPr/>
+        </p:nvSpPr>
+        <p:spPr>
+          <a:xfrm>
+            <a:off x="5537479" y="2895600"/>
+            <a:ext cx="511679" cy="230832"/>
+          </a:xfrm>
+          <a:prstGeom prst="rect">
+            <a:avLst/>
+          </a:prstGeom>
+          <a:noFill/>
+        </p:spPr>
+        <p:txBody>
+          <a:bodyPr wrap="none" rtlCol="0">
+            <a:spAutoFit/>
+          </a:bodyPr>
+          <a:lstStyle/>
+          <a:p>
+            <a:pPr algn="r"/>
+            <a:r>
+              <a:rPr lang="en-US" altLang="zh-TW" sz="900" dirty="0" smtClean="0"/>
+              <a:t>(0.9, </a:t>
+            </a:r>
+            <a:r>
+              <a:rPr lang="en-US" altLang="zh-TW" sz="900" dirty="0" smtClean="0"/>
+              <a:t>1)</a:t>
+            </a:r>
+            <a:endParaRPr lang="zh-TW" altLang="en-US" sz="900" dirty="0"/>
+          </a:p>
+        </p:txBody>
+      </p:sp>
+      <p:sp>
+        <p:nvSpPr>
+          <p:cNvPr id="173" name="文字方塊 172"/>
+          <p:cNvSpPr txBox="1"/>
+          <p:nvPr/>
+        </p:nvSpPr>
+        <p:spPr>
+          <a:xfrm>
+            <a:off x="4191000" y="3962400"/>
+            <a:ext cx="511679" cy="230832"/>
+          </a:xfrm>
+          <a:prstGeom prst="rect">
+            <a:avLst/>
+          </a:prstGeom>
+          <a:noFill/>
+        </p:spPr>
+        <p:txBody>
+          <a:bodyPr wrap="none" rtlCol="0">
+            <a:spAutoFit/>
+          </a:bodyPr>
+          <a:lstStyle/>
+          <a:p>
+            <a:r>
+              <a:rPr lang="en-US" altLang="zh-TW" sz="900" dirty="0" smtClean="0"/>
+              <a:t>(0.9, </a:t>
+            </a:r>
+            <a:r>
+              <a:rPr lang="en-US" altLang="zh-TW" sz="900" dirty="0" smtClean="0"/>
+              <a:t>0)</a:t>
+            </a:r>
+            <a:endParaRPr lang="zh-TW" altLang="en-US" sz="900" dirty="0"/>
+          </a:p>
+        </p:txBody>
+      </p:sp>
+      <p:sp>
+        <p:nvSpPr>
+          <p:cNvPr id="174" name="文字方塊 173"/>
+          <p:cNvSpPr txBox="1"/>
+          <p:nvPr/>
+        </p:nvSpPr>
+        <p:spPr>
+          <a:xfrm>
+            <a:off x="5257800" y="3962400"/>
+            <a:ext cx="511679" cy="230832"/>
+          </a:xfrm>
+          <a:prstGeom prst="rect">
+            <a:avLst/>
+          </a:prstGeom>
+          <a:noFill/>
+        </p:spPr>
+        <p:txBody>
+          <a:bodyPr wrap="none" rtlCol="0">
+            <a:spAutoFit/>
+          </a:bodyPr>
+          <a:lstStyle/>
+          <a:p>
+            <a:r>
+              <a:rPr lang="en-US" altLang="zh-TW" sz="900" dirty="0" smtClean="0"/>
+              <a:t>(0.9, </a:t>
+            </a:r>
+            <a:r>
+              <a:rPr lang="en-US" altLang="zh-TW" sz="900" dirty="0" smtClean="0"/>
+              <a:t>0)</a:t>
+            </a:r>
+            <a:endParaRPr lang="zh-TW" altLang="en-US" sz="900" dirty="0"/>
+          </a:p>
+        </p:txBody>
+      </p:sp>
+      <p:sp>
+        <p:nvSpPr>
+          <p:cNvPr id="177" name="文字方塊 176"/>
+          <p:cNvSpPr txBox="1"/>
+          <p:nvPr/>
+        </p:nvSpPr>
+        <p:spPr>
+          <a:xfrm>
+            <a:off x="2133600" y="4953000"/>
+            <a:ext cx="511679" cy="230832"/>
+          </a:xfrm>
+          <a:prstGeom prst="rect">
+            <a:avLst/>
+          </a:prstGeom>
+          <a:noFill/>
+        </p:spPr>
+        <p:txBody>
+          <a:bodyPr wrap="none" rtlCol="0">
+            <a:spAutoFit/>
+          </a:bodyPr>
+          <a:lstStyle/>
+          <a:p>
+            <a:r>
+              <a:rPr lang="en-US" altLang="zh-TW" sz="900" dirty="0" smtClean="0"/>
+              <a:t>(0.9, </a:t>
+            </a:r>
+            <a:r>
+              <a:rPr lang="en-US" altLang="zh-TW" sz="900" dirty="0" smtClean="0"/>
+              <a:t>0)</a:t>
+            </a:r>
+            <a:endParaRPr lang="zh-TW" altLang="en-US" sz="900" dirty="0"/>
+          </a:p>
+        </p:txBody>
+      </p:sp>
+      <p:sp>
+        <p:nvSpPr>
+          <p:cNvPr id="178" name="文字方塊 177"/>
+          <p:cNvSpPr txBox="1"/>
+          <p:nvPr/>
+        </p:nvSpPr>
+        <p:spPr>
+          <a:xfrm>
+            <a:off x="3200400" y="4953000"/>
+            <a:ext cx="511679" cy="230832"/>
+          </a:xfrm>
+          <a:prstGeom prst="rect">
+            <a:avLst/>
+          </a:prstGeom>
+          <a:noFill/>
+        </p:spPr>
+        <p:txBody>
+          <a:bodyPr wrap="none" rtlCol="0">
+            <a:spAutoFit/>
+          </a:bodyPr>
+          <a:lstStyle/>
+          <a:p>
+            <a:r>
+              <a:rPr lang="en-US" altLang="zh-TW" sz="900" dirty="0" smtClean="0"/>
+              <a:t>(0.9</a:t>
+            </a:r>
+            <a:r>
+              <a:rPr lang="en-US" altLang="zh-TW" sz="900" dirty="0" smtClean="0"/>
+              <a:t>, 0)</a:t>
+            </a:r>
+            <a:endParaRPr lang="zh-TW" altLang="en-US" sz="900" dirty="0"/>
+          </a:p>
+        </p:txBody>
+      </p:sp>
+      <p:sp>
+        <p:nvSpPr>
+          <p:cNvPr id="179" name="文字方塊 178"/>
+          <p:cNvSpPr txBox="1"/>
+          <p:nvPr/>
+        </p:nvSpPr>
+        <p:spPr>
+          <a:xfrm>
+            <a:off x="4267200" y="4953000"/>
+            <a:ext cx="511679" cy="230832"/>
+          </a:xfrm>
+          <a:prstGeom prst="rect">
+            <a:avLst/>
+          </a:prstGeom>
+          <a:noFill/>
+        </p:spPr>
+        <p:txBody>
+          <a:bodyPr wrap="none" rtlCol="0">
+            <a:spAutoFit/>
+          </a:bodyPr>
+          <a:lstStyle/>
+          <a:p>
+            <a:r>
+              <a:rPr lang="en-US" altLang="zh-TW" sz="900" dirty="0" smtClean="0"/>
+              <a:t>(0.9, </a:t>
+            </a:r>
+            <a:r>
+              <a:rPr lang="en-US" altLang="zh-TW" sz="900" dirty="0" smtClean="0"/>
+              <a:t>0)</a:t>
+            </a:r>
+            <a:endParaRPr lang="zh-TW" altLang="en-US" sz="900" dirty="0"/>
+          </a:p>
+        </p:txBody>
+      </p:sp>
+      <p:sp>
+        <p:nvSpPr>
+          <p:cNvPr id="180" name="文字方塊 179"/>
+          <p:cNvSpPr txBox="1"/>
+          <p:nvPr/>
+        </p:nvSpPr>
+        <p:spPr>
+          <a:xfrm>
+            <a:off x="5334000" y="4953000"/>
+            <a:ext cx="511679" cy="230832"/>
+          </a:xfrm>
+          <a:prstGeom prst="rect">
+            <a:avLst/>
+          </a:prstGeom>
+          <a:noFill/>
+        </p:spPr>
+        <p:txBody>
+          <a:bodyPr wrap="none" rtlCol="0">
+            <a:spAutoFit/>
+          </a:bodyPr>
+          <a:lstStyle/>
+          <a:p>
+            <a:r>
+              <a:rPr lang="en-US" altLang="zh-TW" sz="900" dirty="0" smtClean="0"/>
+              <a:t>(0.9, </a:t>
+            </a:r>
+            <a:r>
+              <a:rPr lang="en-US" altLang="zh-TW" sz="900" dirty="0" smtClean="0"/>
+              <a:t>0)</a:t>
+            </a:r>
+            <a:endParaRPr lang="zh-TW" altLang="en-US" sz="900" dirty="0"/>
+          </a:p>
+        </p:txBody>
+      </p:sp>
+      <p:sp>
+        <p:nvSpPr>
+          <p:cNvPr id="191" name="文字方塊 190"/>
+          <p:cNvSpPr txBox="1"/>
+          <p:nvPr/>
+        </p:nvSpPr>
+        <p:spPr>
+          <a:xfrm>
+            <a:off x="5181600" y="1066800"/>
+            <a:ext cx="511679" cy="230832"/>
+          </a:xfrm>
+          <a:prstGeom prst="rect">
+            <a:avLst/>
+          </a:prstGeom>
+          <a:noFill/>
+        </p:spPr>
+        <p:txBody>
+          <a:bodyPr wrap="none" rtlCol="0">
+            <a:spAutoFit/>
+          </a:bodyPr>
+          <a:lstStyle/>
+          <a:p>
+            <a:r>
+              <a:rPr lang="en-US" altLang="zh-TW" sz="900" dirty="0" smtClean="0"/>
+              <a:t>(</a:t>
+            </a:r>
+            <a:r>
+              <a:rPr lang="en-US" altLang="zh-TW" sz="900" dirty="0" smtClean="0"/>
+              <a:t>0.9, 0)</a:t>
+            </a:r>
+            <a:endParaRPr lang="zh-TW" altLang="en-US" sz="900" dirty="0"/>
+          </a:p>
+        </p:txBody>
+      </p:sp>
+      <p:sp>
+        <p:nvSpPr>
+          <p:cNvPr id="192" name="文字方塊 191"/>
+          <p:cNvSpPr txBox="1"/>
+          <p:nvPr/>
+        </p:nvSpPr>
+        <p:spPr>
+          <a:xfrm>
+            <a:off x="5105400" y="2209800"/>
+            <a:ext cx="569387" cy="230832"/>
+          </a:xfrm>
+          <a:prstGeom prst="rect">
+            <a:avLst/>
+          </a:prstGeom>
+          <a:noFill/>
+        </p:spPr>
+        <p:txBody>
+          <a:bodyPr wrap="none" rtlCol="0">
+            <a:spAutoFit/>
+          </a:bodyPr>
+          <a:lstStyle/>
+          <a:p>
+            <a:r>
+              <a:rPr lang="en-US" altLang="zh-TW" sz="900" dirty="0" smtClean="0"/>
+              <a:t>(0.9, </a:t>
+            </a:r>
+            <a:r>
+              <a:rPr lang="en-US" altLang="zh-TW" sz="900" dirty="0" smtClean="0"/>
+              <a:t>18</a:t>
+            </a:r>
+            <a:r>
+              <a:rPr lang="en-US" altLang="zh-TW" sz="900" dirty="0" smtClean="0"/>
+              <a:t>)</a:t>
+            </a:r>
+            <a:endParaRPr lang="zh-TW" altLang="en-US" sz="900" dirty="0"/>
+          </a:p>
+        </p:txBody>
+      </p:sp>
+      <p:sp>
+        <p:nvSpPr>
+          <p:cNvPr id="193" name="文字方塊 192"/>
+          <p:cNvSpPr txBox="1"/>
+          <p:nvPr/>
+        </p:nvSpPr>
+        <p:spPr>
+          <a:xfrm>
+            <a:off x="5181600" y="3200400"/>
+            <a:ext cx="659155" cy="230832"/>
+          </a:xfrm>
+          <a:prstGeom prst="rect">
+            <a:avLst/>
+          </a:prstGeom>
+          <a:noFill/>
+        </p:spPr>
+        <p:txBody>
+          <a:bodyPr wrap="none" rtlCol="0">
+            <a:spAutoFit/>
+          </a:bodyPr>
+          <a:lstStyle/>
+          <a:p>
+            <a:r>
+              <a:rPr lang="en-US" altLang="zh-TW" sz="900" dirty="0" smtClean="0"/>
+              <a:t>(0.0, </a:t>
+            </a:r>
+            <a:r>
+              <a:rPr lang="en-US" altLang="zh-TW" sz="900" dirty="0" smtClean="0"/>
+              <a:t> -1.5)</a:t>
+            </a:r>
+            <a:endParaRPr lang="zh-TW" altLang="en-US" sz="900" dirty="0"/>
+          </a:p>
+        </p:txBody>
+      </p:sp>
+      <p:sp>
+        <p:nvSpPr>
+          <p:cNvPr id="195" name="文字方塊 194"/>
+          <p:cNvSpPr txBox="1"/>
+          <p:nvPr/>
+        </p:nvSpPr>
+        <p:spPr>
+          <a:xfrm>
+            <a:off x="2362200" y="1066800"/>
+            <a:ext cx="511679" cy="230832"/>
+          </a:xfrm>
+          <a:prstGeom prst="rect">
+            <a:avLst/>
+          </a:prstGeom>
+          <a:noFill/>
+        </p:spPr>
+        <p:txBody>
+          <a:bodyPr wrap="none" rtlCol="0">
+            <a:spAutoFit/>
+          </a:bodyPr>
+          <a:lstStyle/>
+          <a:p>
+            <a:r>
+              <a:rPr lang="en-US" altLang="zh-TW" sz="900" dirty="0" smtClean="0"/>
+              <a:t>(0.9, </a:t>
+            </a:r>
+            <a:r>
+              <a:rPr lang="en-US" altLang="zh-TW" sz="900" dirty="0" smtClean="0"/>
+              <a:t>0)</a:t>
+            </a:r>
+            <a:endParaRPr lang="zh-TW" altLang="en-US" sz="900" dirty="0"/>
+          </a:p>
+        </p:txBody>
+      </p:sp>
+      <p:sp>
+        <p:nvSpPr>
+          <p:cNvPr id="196" name="文字方塊 195"/>
+          <p:cNvSpPr txBox="1"/>
+          <p:nvPr/>
+        </p:nvSpPr>
+        <p:spPr>
+          <a:xfrm>
+            <a:off x="2364463" y="2218099"/>
+            <a:ext cx="511679" cy="230832"/>
+          </a:xfrm>
+          <a:prstGeom prst="rect">
+            <a:avLst/>
+          </a:prstGeom>
+          <a:noFill/>
+        </p:spPr>
+        <p:txBody>
+          <a:bodyPr wrap="none" rtlCol="0">
+            <a:spAutoFit/>
+          </a:bodyPr>
+          <a:lstStyle/>
+          <a:p>
+            <a:r>
+              <a:rPr lang="en-US" altLang="zh-TW" sz="900" dirty="0" smtClean="0"/>
+              <a:t>(0.9, </a:t>
+            </a:r>
+            <a:r>
+              <a:rPr lang="en-US" altLang="zh-TW" sz="900" dirty="0" smtClean="0"/>
+              <a:t>0)</a:t>
+            </a:r>
+            <a:endParaRPr lang="zh-TW" altLang="en-US" sz="900" dirty="0"/>
+          </a:p>
+        </p:txBody>
+      </p:sp>
+      <p:sp>
+        <p:nvSpPr>
+          <p:cNvPr id="197" name="文字方塊 196"/>
+          <p:cNvSpPr txBox="1"/>
+          <p:nvPr/>
+        </p:nvSpPr>
+        <p:spPr>
+          <a:xfrm>
+            <a:off x="2438400" y="3200400"/>
+            <a:ext cx="511679" cy="230832"/>
+          </a:xfrm>
+          <a:prstGeom prst="rect">
+            <a:avLst/>
+          </a:prstGeom>
+          <a:noFill/>
+        </p:spPr>
+        <p:txBody>
+          <a:bodyPr wrap="none" rtlCol="0">
+            <a:spAutoFit/>
+          </a:bodyPr>
+          <a:lstStyle/>
+          <a:p>
+            <a:r>
+              <a:rPr lang="en-US" altLang="zh-TW" sz="900" dirty="0" smtClean="0"/>
+              <a:t>(0.9, </a:t>
+            </a:r>
+            <a:r>
+              <a:rPr lang="en-US" altLang="zh-TW" sz="900" dirty="0" smtClean="0"/>
+              <a:t>0)</a:t>
+            </a:r>
+            <a:endParaRPr lang="zh-TW" altLang="en-US" sz="900" dirty="0"/>
+          </a:p>
+        </p:txBody>
+      </p:sp>
+      <p:sp>
+        <p:nvSpPr>
+          <p:cNvPr id="198" name="文字方塊 197"/>
+          <p:cNvSpPr txBox="1"/>
+          <p:nvPr/>
+        </p:nvSpPr>
+        <p:spPr>
+          <a:xfrm>
+            <a:off x="2438400" y="4343400"/>
+            <a:ext cx="486030" cy="230832"/>
+          </a:xfrm>
+          <a:prstGeom prst="rect">
+            <a:avLst/>
+          </a:prstGeom>
+          <a:noFill/>
+        </p:spPr>
+        <p:txBody>
+          <a:bodyPr wrap="none" rtlCol="0">
+            <a:spAutoFit/>
+          </a:bodyPr>
+          <a:lstStyle/>
+          <a:p>
+            <a:r>
+              <a:rPr lang="en-US" altLang="zh-TW" sz="900" dirty="0" smtClean="0"/>
+              <a:t>(</a:t>
+            </a:r>
+            <a:r>
+              <a:rPr lang="en-US" altLang="zh-TW" sz="900" dirty="0" smtClean="0"/>
+              <a:t>0.9,0)</a:t>
+            </a:r>
+            <a:endParaRPr lang="zh-TW" altLang="en-US" sz="900" dirty="0"/>
+          </a:p>
+        </p:txBody>
+      </p:sp>
+      <p:sp>
+        <p:nvSpPr>
+          <p:cNvPr id="199" name="文字方塊 198"/>
+          <p:cNvSpPr txBox="1"/>
+          <p:nvPr/>
+        </p:nvSpPr>
+        <p:spPr>
+          <a:xfrm>
+            <a:off x="3429000" y="1066800"/>
+            <a:ext cx="511679" cy="230832"/>
+          </a:xfrm>
+          <a:prstGeom prst="rect">
+            <a:avLst/>
+          </a:prstGeom>
+          <a:noFill/>
+        </p:spPr>
+        <p:txBody>
+          <a:bodyPr wrap="none" rtlCol="0">
+            <a:spAutoFit/>
+          </a:bodyPr>
+          <a:lstStyle/>
+          <a:p>
+            <a:r>
+              <a:rPr lang="en-US" altLang="zh-TW" sz="900" dirty="0" smtClean="0"/>
+              <a:t>(0.9, </a:t>
+            </a:r>
+            <a:r>
+              <a:rPr lang="en-US" altLang="zh-TW" sz="900" dirty="0" smtClean="0"/>
+              <a:t>1</a:t>
+            </a:r>
+            <a:r>
+              <a:rPr lang="en-US" altLang="zh-TW" sz="900" dirty="0" smtClean="0"/>
+              <a:t>)</a:t>
+            </a:r>
+            <a:endParaRPr lang="zh-TW" altLang="en-US" sz="900" dirty="0"/>
+          </a:p>
+        </p:txBody>
+      </p:sp>
+      <p:sp>
+        <p:nvSpPr>
+          <p:cNvPr id="200" name="文字方塊 199"/>
+          <p:cNvSpPr txBox="1"/>
+          <p:nvPr/>
+        </p:nvSpPr>
+        <p:spPr>
+          <a:xfrm>
+            <a:off x="3431263" y="2218099"/>
+            <a:ext cx="633507" cy="230832"/>
+          </a:xfrm>
+          <a:prstGeom prst="rect">
+            <a:avLst/>
+          </a:prstGeom>
+          <a:noFill/>
+        </p:spPr>
+        <p:txBody>
+          <a:bodyPr wrap="none" rtlCol="0">
+            <a:spAutoFit/>
+          </a:bodyPr>
+          <a:lstStyle/>
+          <a:p>
+            <a:r>
+              <a:rPr lang="en-US" altLang="zh-TW" sz="900" dirty="0" smtClean="0"/>
+              <a:t>(0.9, </a:t>
+            </a:r>
+            <a:r>
+              <a:rPr lang="en-US" altLang="zh-TW" sz="900" dirty="0" smtClean="0"/>
+              <a:t>-</a:t>
+            </a:r>
+            <a:r>
+              <a:rPr lang="en-US" altLang="zh-TW" sz="900" dirty="0" smtClean="0"/>
+              <a:t>1.5)</a:t>
+            </a:r>
+            <a:endParaRPr lang="zh-TW" altLang="en-US" sz="900" dirty="0"/>
+          </a:p>
+        </p:txBody>
+      </p:sp>
+      <p:sp>
+        <p:nvSpPr>
+          <p:cNvPr id="201" name="文字方塊 200"/>
+          <p:cNvSpPr txBox="1"/>
+          <p:nvPr/>
+        </p:nvSpPr>
+        <p:spPr>
+          <a:xfrm>
+            <a:off x="3505200" y="3200400"/>
+            <a:ext cx="511679" cy="230832"/>
+          </a:xfrm>
+          <a:prstGeom prst="rect">
+            <a:avLst/>
+          </a:prstGeom>
+          <a:noFill/>
+        </p:spPr>
+        <p:txBody>
+          <a:bodyPr wrap="none" rtlCol="0">
+            <a:spAutoFit/>
+          </a:bodyPr>
+          <a:lstStyle/>
+          <a:p>
+            <a:r>
+              <a:rPr lang="en-US" altLang="zh-TW" sz="900" dirty="0" smtClean="0"/>
+              <a:t>(0.9, </a:t>
+            </a:r>
+            <a:r>
+              <a:rPr lang="en-US" altLang="zh-TW" sz="900" dirty="0" smtClean="0"/>
+              <a:t>0)</a:t>
+            </a:r>
+            <a:endParaRPr lang="zh-TW" altLang="en-US" sz="900" dirty="0"/>
+          </a:p>
+        </p:txBody>
+      </p:sp>
+      <p:sp>
+        <p:nvSpPr>
+          <p:cNvPr id="202" name="文字方塊 201"/>
+          <p:cNvSpPr txBox="1"/>
+          <p:nvPr/>
+        </p:nvSpPr>
+        <p:spPr>
+          <a:xfrm>
+            <a:off x="3505200" y="4343400"/>
+            <a:ext cx="511679" cy="230832"/>
+          </a:xfrm>
+          <a:prstGeom prst="rect">
+            <a:avLst/>
+          </a:prstGeom>
+          <a:noFill/>
+        </p:spPr>
+        <p:txBody>
+          <a:bodyPr wrap="none" rtlCol="0">
+            <a:spAutoFit/>
+          </a:bodyPr>
+          <a:lstStyle/>
+          <a:p>
+            <a:r>
+              <a:rPr lang="en-US" altLang="zh-TW" sz="900" dirty="0" smtClean="0"/>
+              <a:t>(0.9, </a:t>
+            </a:r>
+            <a:r>
+              <a:rPr lang="en-US" altLang="zh-TW" sz="900" dirty="0" smtClean="0"/>
+              <a:t>0)</a:t>
+            </a:r>
+            <a:endParaRPr lang="zh-TW" altLang="en-US" sz="900" dirty="0"/>
+          </a:p>
+        </p:txBody>
+      </p:sp>
+      <p:sp>
+        <p:nvSpPr>
+          <p:cNvPr id="203" name="文字方塊 202"/>
+          <p:cNvSpPr txBox="1"/>
+          <p:nvPr/>
+        </p:nvSpPr>
+        <p:spPr>
+          <a:xfrm>
+            <a:off x="4419600" y="1066800"/>
+            <a:ext cx="569387" cy="230832"/>
+          </a:xfrm>
+          <a:prstGeom prst="rect">
+            <a:avLst/>
+          </a:prstGeom>
+          <a:noFill/>
+        </p:spPr>
+        <p:txBody>
+          <a:bodyPr wrap="none" rtlCol="0">
+            <a:spAutoFit/>
+          </a:bodyPr>
+          <a:lstStyle/>
+          <a:p>
+            <a:r>
+              <a:rPr lang="en-US" altLang="zh-TW" sz="900" dirty="0" smtClean="0"/>
+              <a:t>(0.9, </a:t>
+            </a:r>
+            <a:r>
+              <a:rPr lang="en-US" altLang="zh-TW" sz="900" dirty="0" smtClean="0"/>
+              <a:t>18)</a:t>
+            </a:r>
+            <a:endParaRPr lang="zh-TW" altLang="en-US" sz="900" dirty="0"/>
+          </a:p>
+        </p:txBody>
+      </p:sp>
+      <p:sp>
+        <p:nvSpPr>
+          <p:cNvPr id="204" name="文字方塊 203"/>
+          <p:cNvSpPr txBox="1"/>
+          <p:nvPr/>
+        </p:nvSpPr>
+        <p:spPr>
+          <a:xfrm>
+            <a:off x="4343400" y="2209800"/>
+            <a:ext cx="659155" cy="230832"/>
+          </a:xfrm>
+          <a:prstGeom prst="rect">
+            <a:avLst/>
+          </a:prstGeom>
+          <a:noFill/>
+        </p:spPr>
+        <p:txBody>
+          <a:bodyPr wrap="none" rtlCol="0">
+            <a:spAutoFit/>
+          </a:bodyPr>
+          <a:lstStyle/>
+          <a:p>
+            <a:r>
+              <a:rPr lang="en-US" altLang="zh-TW" sz="900" dirty="0" smtClean="0"/>
+              <a:t>(0.0,  </a:t>
+            </a:r>
+            <a:r>
+              <a:rPr lang="en-US" altLang="zh-TW" sz="900" dirty="0" smtClean="0"/>
+              <a:t>-1.5</a:t>
+            </a:r>
+            <a:r>
+              <a:rPr lang="en-US" altLang="zh-TW" sz="900" dirty="0" smtClean="0"/>
+              <a:t>)</a:t>
+            </a:r>
+            <a:endParaRPr lang="zh-TW" altLang="en-US" sz="900" dirty="0"/>
+          </a:p>
+        </p:txBody>
+      </p:sp>
+      <p:sp>
+        <p:nvSpPr>
+          <p:cNvPr id="205" name="文字方塊 204"/>
+          <p:cNvSpPr txBox="1"/>
+          <p:nvPr/>
+        </p:nvSpPr>
+        <p:spPr>
+          <a:xfrm>
+            <a:off x="4495800" y="3200400"/>
+            <a:ext cx="511679" cy="230832"/>
+          </a:xfrm>
+          <a:prstGeom prst="rect">
+            <a:avLst/>
+          </a:prstGeom>
+          <a:noFill/>
+        </p:spPr>
+        <p:txBody>
+          <a:bodyPr wrap="none" rtlCol="0">
+            <a:spAutoFit/>
+          </a:bodyPr>
+          <a:lstStyle/>
+          <a:p>
+            <a:r>
+              <a:rPr lang="en-US" altLang="zh-TW" sz="900" dirty="0" smtClean="0"/>
+              <a:t>(0.9, </a:t>
+            </a:r>
+            <a:r>
+              <a:rPr lang="en-US" altLang="zh-TW" sz="900" dirty="0" smtClean="0"/>
+              <a:t>0)</a:t>
+            </a:r>
+            <a:endParaRPr lang="zh-TW" altLang="en-US" sz="900" dirty="0"/>
+          </a:p>
+        </p:txBody>
+      </p:sp>
+      <p:sp>
+        <p:nvSpPr>
+          <p:cNvPr id="206" name="文字方塊 205"/>
+          <p:cNvSpPr txBox="1"/>
+          <p:nvPr/>
+        </p:nvSpPr>
+        <p:spPr>
+          <a:xfrm>
+            <a:off x="4495800" y="4343400"/>
+            <a:ext cx="511679" cy="230832"/>
+          </a:xfrm>
+          <a:prstGeom prst="rect">
+            <a:avLst/>
+          </a:prstGeom>
+          <a:noFill/>
+        </p:spPr>
+        <p:txBody>
+          <a:bodyPr wrap="none" rtlCol="0">
+            <a:spAutoFit/>
+          </a:bodyPr>
+          <a:lstStyle/>
+          <a:p>
+            <a:r>
+              <a:rPr lang="en-US" altLang="zh-TW" sz="900" dirty="0" smtClean="0"/>
+              <a:t>(0.9, </a:t>
+            </a:r>
+            <a:r>
+              <a:rPr lang="en-US" altLang="zh-TW" sz="900" dirty="0" smtClean="0"/>
+              <a:t>0)</a:t>
+            </a:r>
+            <a:endParaRPr lang="zh-TW" altLang="en-US" sz="900" dirty="0"/>
+          </a:p>
+        </p:txBody>
+      </p:sp>
+      <p:sp>
+        <p:nvSpPr>
+          <p:cNvPr id="207" name="文字方塊 206"/>
+          <p:cNvSpPr txBox="1"/>
+          <p:nvPr/>
+        </p:nvSpPr>
+        <p:spPr>
+          <a:xfrm>
+            <a:off x="4470674" y="2514600"/>
+            <a:ext cx="511679" cy="230832"/>
+          </a:xfrm>
+          <a:prstGeom prst="rect">
+            <a:avLst/>
+          </a:prstGeom>
+          <a:noFill/>
+        </p:spPr>
+        <p:txBody>
+          <a:bodyPr wrap="none" rtlCol="0">
+            <a:spAutoFit/>
+          </a:bodyPr>
+          <a:lstStyle/>
+          <a:p>
+            <a:pPr algn="r"/>
+            <a:r>
+              <a:rPr lang="en-US" altLang="zh-TW" sz="900" dirty="0" smtClean="0"/>
+              <a:t>(0.9, </a:t>
+            </a:r>
+            <a:r>
+              <a:rPr lang="en-US" altLang="zh-TW" sz="900" dirty="0" smtClean="0"/>
+              <a:t>1)</a:t>
+            </a:r>
+            <a:endParaRPr lang="zh-TW" altLang="en-US" sz="900" dirty="0"/>
+          </a:p>
+        </p:txBody>
+      </p:sp>
+      <p:sp>
+        <p:nvSpPr>
+          <p:cNvPr id="208" name="文字方塊 207"/>
+          <p:cNvSpPr txBox="1"/>
+          <p:nvPr/>
+        </p:nvSpPr>
+        <p:spPr>
+          <a:xfrm>
+            <a:off x="5415655" y="2514600"/>
+            <a:ext cx="633507" cy="230832"/>
+          </a:xfrm>
+          <a:prstGeom prst="rect">
+            <a:avLst/>
+          </a:prstGeom>
+          <a:noFill/>
+        </p:spPr>
+        <p:txBody>
+          <a:bodyPr wrap="none" rtlCol="0">
+            <a:spAutoFit/>
+          </a:bodyPr>
+          <a:lstStyle/>
+          <a:p>
+            <a:pPr algn="r"/>
+            <a:r>
+              <a:rPr lang="en-US" altLang="zh-TW" sz="900" dirty="0" smtClean="0"/>
+              <a:t>(0.0, </a:t>
+            </a:r>
+            <a:r>
+              <a:rPr lang="en-US" altLang="zh-TW" sz="900" dirty="0" smtClean="0"/>
+              <a:t>-1.5)</a:t>
+            </a:r>
+            <a:endParaRPr lang="zh-TW" altLang="en-US" sz="900" dirty="0"/>
+          </a:p>
+        </p:txBody>
+      </p:sp>
+      <p:sp>
+        <p:nvSpPr>
+          <p:cNvPr id="209" name="文字方塊 208"/>
+          <p:cNvSpPr txBox="1"/>
+          <p:nvPr/>
+        </p:nvSpPr>
+        <p:spPr>
+          <a:xfrm>
+            <a:off x="4348842" y="1447800"/>
+            <a:ext cx="633507" cy="230832"/>
+          </a:xfrm>
+          <a:prstGeom prst="rect">
+            <a:avLst/>
+          </a:prstGeom>
+          <a:noFill/>
+        </p:spPr>
+        <p:txBody>
+          <a:bodyPr wrap="none" rtlCol="0">
+            <a:spAutoFit/>
+          </a:bodyPr>
+          <a:lstStyle/>
+          <a:p>
+            <a:pPr algn="r"/>
+            <a:r>
+              <a:rPr lang="en-US" altLang="zh-TW" sz="900" dirty="0" smtClean="0"/>
+              <a:t>(0.9</a:t>
+            </a:r>
+            <a:r>
+              <a:rPr lang="en-US" altLang="zh-TW" sz="900" dirty="0" smtClean="0"/>
+              <a:t>, -1.5)</a:t>
+            </a:r>
+            <a:endParaRPr lang="zh-TW" altLang="en-US" sz="900" dirty="0"/>
+          </a:p>
+        </p:txBody>
+      </p:sp>
+      <p:sp>
+        <p:nvSpPr>
+          <p:cNvPr id="210" name="文字方塊 209"/>
+          <p:cNvSpPr txBox="1"/>
+          <p:nvPr/>
+        </p:nvSpPr>
+        <p:spPr>
+          <a:xfrm>
+            <a:off x="5505412" y="1447800"/>
+            <a:ext cx="543739" cy="230832"/>
+          </a:xfrm>
+          <a:prstGeom prst="rect">
+            <a:avLst/>
+          </a:prstGeom>
+          <a:noFill/>
+        </p:spPr>
+        <p:txBody>
+          <a:bodyPr wrap="none" rtlCol="0">
+            <a:spAutoFit/>
+          </a:bodyPr>
+          <a:lstStyle/>
+          <a:p>
+            <a:pPr algn="r"/>
+            <a:r>
+              <a:rPr lang="en-US" altLang="zh-TW" sz="900" dirty="0" smtClean="0"/>
+              <a:t>(</a:t>
+            </a:r>
+            <a:r>
+              <a:rPr lang="en-US" altLang="zh-TW" sz="900" dirty="0" smtClean="0"/>
+              <a:t>0.9,18)</a:t>
+            </a:r>
+            <a:endParaRPr lang="zh-TW" altLang="en-US" sz="900" dirty="0"/>
+          </a:p>
+        </p:txBody>
+      </p:sp>
+      <p:sp>
+        <p:nvSpPr>
+          <p:cNvPr id="130" name="文字方塊 129"/>
+          <p:cNvSpPr txBox="1"/>
+          <p:nvPr/>
+        </p:nvSpPr>
+        <p:spPr>
+          <a:xfrm>
+            <a:off x="1143000" y="2209800"/>
+            <a:ext cx="609600" cy="230832"/>
+          </a:xfrm>
+          <a:prstGeom prst="rect">
+            <a:avLst/>
+          </a:prstGeom>
+          <a:noFill/>
+        </p:spPr>
+        <p:txBody>
+          <a:bodyPr wrap="square" rtlCol="0">
+            <a:spAutoFit/>
+          </a:bodyPr>
+          <a:lstStyle/>
+          <a:p>
+            <a:r>
+              <a:rPr lang="en-US" altLang="zh-TW" sz="900" dirty="0" smtClean="0"/>
+              <a:t>(0.9, </a:t>
+            </a:r>
+            <a:r>
+              <a:rPr lang="en-US" altLang="zh-TW" sz="900" dirty="0" smtClean="0"/>
+              <a:t>0)</a:t>
+            </a:r>
+            <a:endParaRPr lang="zh-TW" altLang="en-US" sz="900" dirty="0"/>
+          </a:p>
+        </p:txBody>
+      </p:sp>
+      <p:cxnSp>
+        <p:nvCxnSpPr>
+          <p:cNvPr id="136" name="肘形接點 135"/>
+          <p:cNvCxnSpPr>
+            <a:stCxn id="23" idx="0"/>
+            <a:endCxn id="76" idx="0"/>
+          </p:cNvCxnSpPr>
+          <p:nvPr/>
+        </p:nvCxnSpPr>
+        <p:spPr>
+          <a:xfrm rot="5400000" flipH="1" flipV="1">
+            <a:off x="1904004" y="1753597"/>
+            <a:ext cx="3047999" cy="3046006"/>
+          </a:xfrm>
+          <a:prstGeom prst="bentConnector2">
+            <a:avLst/>
+          </a:prstGeom>
+          <a:ln>
+            <a:solidFill>
+              <a:srgbClr val="FF0000"/>
+            </a:solidFill>
+            <a:tailEnd type="triangle"/>
+          </a:ln>
+        </p:spPr>
+        <p:style>
+          <a:lnRef idx="2">
+            <a:schemeClr val="accent2"/>
+          </a:lnRef>
+          <a:fillRef idx="0">
+            <a:schemeClr val="accent2"/>
+          </a:fillRef>
+          <a:effectRef idx="1">
+            <a:schemeClr val="accent2"/>
+          </a:effectRef>
+          <a:fontRef idx="minor">
+            <a:schemeClr val="tx1"/>
+          </a:fontRef>
+        </p:style>
+      </p:cxnSp>
     </p:spTree>
   </p:cSld>
   <p:clrMapOvr>

--- a/figures/figures.pptx
+++ b/figures/figures.pptx
@@ -5,7 +5,7 @@
     <p:sldMasterId id="2147483648" r:id="rId1"/>
   </p:sldMasterIdLst>
   <p:notesMasterIdLst>
-    <p:notesMasterId r:id="rId14"/>
+    <p:notesMasterId r:id="rId20"/>
   </p:notesMasterIdLst>
   <p:sldIdLst>
     <p:sldId id="256" r:id="rId2"/>
@@ -20,6 +20,12 @@
     <p:sldId id="264" r:id="rId11"/>
     <p:sldId id="265" r:id="rId12"/>
     <p:sldId id="262" r:id="rId13"/>
+    <p:sldId id="269" r:id="rId14"/>
+    <p:sldId id="270" r:id="rId15"/>
+    <p:sldId id="271" r:id="rId16"/>
+    <p:sldId id="273" r:id="rId17"/>
+    <p:sldId id="272" r:id="rId18"/>
+    <p:sldId id="274" r:id="rId19"/>
   </p:sldIdLst>
   <p:sldSz cx="9144000" cy="6858000" type="screen4x3"/>
   <p:notesSz cx="6858000" cy="9144000"/>
@@ -204,7 +210,7 @@
             <a:fld id="{507DC840-FE98-4570-9088-7CD08FF35371}" type="datetimeFigureOut">
               <a:rPr lang="en-US" smtClean="0"/>
               <a:pPr/>
-              <a:t>4/14/2011</a:t>
+              <a:t>5/24/2011</a:t>
             </a:fld>
             <a:endParaRPr lang="en-CA"/>
           </a:p>
@@ -1554,7 +1560,7 @@
             <a:fld id="{E8DC4A0C-9A40-4E9F-8BE1-0BD636236BA7}" type="datetimeFigureOut">
               <a:rPr lang="en-US" smtClean="0"/>
               <a:pPr/>
-              <a:t>4/14/2011</a:t>
+              <a:t>5/24/2011</a:t>
             </a:fld>
             <a:endParaRPr lang="en-CA"/>
           </a:p>
@@ -1721,7 +1727,7 @@
             <a:fld id="{E8DC4A0C-9A40-4E9F-8BE1-0BD636236BA7}" type="datetimeFigureOut">
               <a:rPr lang="en-US" smtClean="0"/>
               <a:pPr/>
-              <a:t>4/14/2011</a:t>
+              <a:t>5/24/2011</a:t>
             </a:fld>
             <a:endParaRPr lang="en-CA"/>
           </a:p>
@@ -1898,7 +1904,7 @@
             <a:fld id="{E8DC4A0C-9A40-4E9F-8BE1-0BD636236BA7}" type="datetimeFigureOut">
               <a:rPr lang="en-US" smtClean="0"/>
               <a:pPr/>
-              <a:t>4/14/2011</a:t>
+              <a:t>5/24/2011</a:t>
             </a:fld>
             <a:endParaRPr lang="en-CA"/>
           </a:p>
@@ -2065,7 +2071,7 @@
             <a:fld id="{E8DC4A0C-9A40-4E9F-8BE1-0BD636236BA7}" type="datetimeFigureOut">
               <a:rPr lang="en-US" smtClean="0"/>
               <a:pPr/>
-              <a:t>4/14/2011</a:t>
+              <a:t>5/24/2011</a:t>
             </a:fld>
             <a:endParaRPr lang="en-CA"/>
           </a:p>
@@ -2308,7 +2314,7 @@
             <a:fld id="{E8DC4A0C-9A40-4E9F-8BE1-0BD636236BA7}" type="datetimeFigureOut">
               <a:rPr lang="en-US" smtClean="0"/>
               <a:pPr/>
-              <a:t>4/14/2011</a:t>
+              <a:t>5/24/2011</a:t>
             </a:fld>
             <a:endParaRPr lang="en-CA"/>
           </a:p>
@@ -2593,7 +2599,7 @@
             <a:fld id="{E8DC4A0C-9A40-4E9F-8BE1-0BD636236BA7}" type="datetimeFigureOut">
               <a:rPr lang="en-US" smtClean="0"/>
               <a:pPr/>
-              <a:t>4/14/2011</a:t>
+              <a:t>5/24/2011</a:t>
             </a:fld>
             <a:endParaRPr lang="en-CA"/>
           </a:p>
@@ -3012,7 +3018,7 @@
             <a:fld id="{E8DC4A0C-9A40-4E9F-8BE1-0BD636236BA7}" type="datetimeFigureOut">
               <a:rPr lang="en-US" smtClean="0"/>
               <a:pPr/>
-              <a:t>4/14/2011</a:t>
+              <a:t>5/24/2011</a:t>
             </a:fld>
             <a:endParaRPr lang="en-CA"/>
           </a:p>
@@ -3127,7 +3133,7 @@
             <a:fld id="{E8DC4A0C-9A40-4E9F-8BE1-0BD636236BA7}" type="datetimeFigureOut">
               <a:rPr lang="en-US" smtClean="0"/>
               <a:pPr/>
-              <a:t>4/14/2011</a:t>
+              <a:t>5/24/2011</a:t>
             </a:fld>
             <a:endParaRPr lang="en-CA"/>
           </a:p>
@@ -3219,7 +3225,7 @@
             <a:fld id="{E8DC4A0C-9A40-4E9F-8BE1-0BD636236BA7}" type="datetimeFigureOut">
               <a:rPr lang="en-US" smtClean="0"/>
               <a:pPr/>
-              <a:t>4/14/2011</a:t>
+              <a:t>5/24/2011</a:t>
             </a:fld>
             <a:endParaRPr lang="en-CA"/>
           </a:p>
@@ -3493,7 +3499,7 @@
             <a:fld id="{E8DC4A0C-9A40-4E9F-8BE1-0BD636236BA7}" type="datetimeFigureOut">
               <a:rPr lang="en-US" smtClean="0"/>
               <a:pPr/>
-              <a:t>4/14/2011</a:t>
+              <a:t>5/24/2011</a:t>
             </a:fld>
             <a:endParaRPr lang="en-CA"/>
           </a:p>
@@ -3743,7 +3749,7 @@
             <a:fld id="{E8DC4A0C-9A40-4E9F-8BE1-0BD636236BA7}" type="datetimeFigureOut">
               <a:rPr lang="en-US" smtClean="0"/>
               <a:pPr/>
-              <a:t>4/14/2011</a:t>
+              <a:t>5/24/2011</a:t>
             </a:fld>
             <a:endParaRPr lang="en-CA"/>
           </a:p>
@@ -3953,7 +3959,7 @@
             <a:fld id="{E8DC4A0C-9A40-4E9F-8BE1-0BD636236BA7}" type="datetimeFigureOut">
               <a:rPr lang="en-US" smtClean="0"/>
               <a:pPr/>
-              <a:t>4/14/2011</a:t>
+              <a:t>5/24/2011</a:t>
             </a:fld>
             <a:endParaRPr lang="en-CA"/>
           </a:p>
@@ -10183,6 +10189,8446 @@
           </p:txBody>
         </p:sp>
       </p:grpSp>
+    </p:spTree>
+  </p:cSld>
+  <p:clrMapOvr>
+    <a:masterClrMapping/>
+  </p:clrMapOvr>
+</p:sld>
+</file>
+
+<file path=ppt/slides/slide13.xml><?xml version="1.0" encoding="utf-8"?>
+<p:sld xmlns:a="http://schemas.openxmlformats.org/drawingml/2006/main" xmlns:r="http://schemas.openxmlformats.org/officeDocument/2006/relationships" xmlns:p="http://schemas.openxmlformats.org/presentationml/2006/main">
+  <p:cSld>
+    <p:spTree>
+      <p:nvGrpSpPr>
+        <p:cNvPr id="1" name=""/>
+        <p:cNvGrpSpPr/>
+        <p:nvPr/>
+      </p:nvGrpSpPr>
+      <p:grpSpPr>
+        <a:xfrm>
+          <a:off x="0" y="0"/>
+          <a:ext cx="0" cy="0"/>
+          <a:chOff x="0" y="0"/>
+          <a:chExt cx="0" cy="0"/>
+        </a:xfrm>
+      </p:grpSpPr>
+      <p:graphicFrame>
+        <p:nvGraphicFramePr>
+          <p:cNvPr id="4" name="表格 3"/>
+          <p:cNvGraphicFramePr>
+            <a:graphicFrameLocks noGrp="1"/>
+          </p:cNvGraphicFramePr>
+          <p:nvPr/>
+        </p:nvGraphicFramePr>
+        <p:xfrm>
+          <a:off x="1371600" y="914400"/>
+          <a:ext cx="6096000" cy="5257800"/>
+        </p:xfrm>
+        <a:graphic>
+          <a:graphicData uri="http://schemas.openxmlformats.org/drawingml/2006/table">
+            <a:tbl>
+              <a:tblPr firstRow="1" bandRow="1">
+                <a:tableStyleId>{5940675A-B579-460E-94D1-54222C63F5DA}</a:tableStyleId>
+              </a:tblPr>
+              <a:tblGrid>
+                <a:gridCol w="1016000"/>
+                <a:gridCol w="1016000"/>
+                <a:gridCol w="1016000"/>
+                <a:gridCol w="1016000"/>
+                <a:gridCol w="1016000"/>
+                <a:gridCol w="1016000"/>
+              </a:tblGrid>
+              <a:tr h="876300">
+                <a:tc>
+                  <a:txBody>
+                    <a:bodyPr/>
+                    <a:lstStyle/>
+                    <a:p>
+                      <a:endParaRPr lang="zh-TW" altLang="en-US" dirty="0"/>
+                    </a:p>
+                  </a:txBody>
+                  <a:tcPr>
+                    <a:lnL w="38100" cap="flat" cmpd="sng" algn="ctr">
+                      <a:solidFill>
+                        <a:schemeClr val="tx1"/>
+                      </a:solidFill>
+                      <a:prstDash val="solid"/>
+                      <a:round/>
+                      <a:headEnd type="none" w="med" len="med"/>
+                      <a:tailEnd type="none" w="med" len="med"/>
+                    </a:lnL>
+                    <a:lnT w="38100" cap="flat" cmpd="sng" algn="ctr">
+                      <a:solidFill>
+                        <a:schemeClr val="tx1"/>
+                      </a:solidFill>
+                      <a:prstDash val="solid"/>
+                      <a:round/>
+                      <a:headEnd type="none" w="med" len="med"/>
+                      <a:tailEnd type="none" w="med" len="med"/>
+                    </a:lnT>
+                  </a:tcPr>
+                </a:tc>
+                <a:tc>
+                  <a:txBody>
+                    <a:bodyPr/>
+                    <a:lstStyle/>
+                    <a:p>
+                      <a:endParaRPr lang="zh-TW" altLang="en-US" dirty="0"/>
+                    </a:p>
+                  </a:txBody>
+                  <a:tcPr>
+                    <a:lnT w="38100" cap="flat" cmpd="sng" algn="ctr">
+                      <a:solidFill>
+                        <a:schemeClr val="tx1"/>
+                      </a:solidFill>
+                      <a:prstDash val="solid"/>
+                      <a:round/>
+                      <a:headEnd type="none" w="med" len="med"/>
+                      <a:tailEnd type="none" w="med" len="med"/>
+                    </a:lnT>
+                  </a:tcPr>
+                </a:tc>
+                <a:tc>
+                  <a:txBody>
+                    <a:bodyPr/>
+                    <a:lstStyle/>
+                    <a:p>
+                      <a:endParaRPr lang="zh-TW" altLang="en-US" dirty="0"/>
+                    </a:p>
+                  </a:txBody>
+                  <a:tcPr>
+                    <a:lnR w="38100" cap="flat" cmpd="sng" algn="ctr">
+                      <a:solidFill>
+                        <a:schemeClr val="tx1"/>
+                      </a:solidFill>
+                      <a:prstDash val="solid"/>
+                      <a:round/>
+                      <a:headEnd type="none" w="med" len="med"/>
+                      <a:tailEnd type="none" w="med" len="med"/>
+                    </a:lnR>
+                    <a:lnT w="38100" cap="flat" cmpd="sng" algn="ctr">
+                      <a:solidFill>
+                        <a:schemeClr val="tx1"/>
+                      </a:solidFill>
+                      <a:prstDash val="solid"/>
+                      <a:round/>
+                      <a:headEnd type="none" w="med" len="med"/>
+                      <a:tailEnd type="none" w="med" len="med"/>
+                    </a:lnT>
+                  </a:tcPr>
+                </a:tc>
+                <a:tc>
+                  <a:txBody>
+                    <a:bodyPr/>
+                    <a:lstStyle/>
+                    <a:p>
+                      <a:endParaRPr lang="zh-TW" altLang="en-US"/>
+                    </a:p>
+                  </a:txBody>
+                  <a:tcPr>
+                    <a:lnL w="38100" cap="flat" cmpd="sng" algn="ctr">
+                      <a:solidFill>
+                        <a:schemeClr val="tx1"/>
+                      </a:solidFill>
+                      <a:prstDash val="solid"/>
+                      <a:round/>
+                      <a:headEnd type="none" w="med" len="med"/>
+                      <a:tailEnd type="none" w="med" len="med"/>
+                    </a:lnL>
+                  </a:tcPr>
+                </a:tc>
+                <a:tc>
+                  <a:txBody>
+                    <a:bodyPr/>
+                    <a:lstStyle/>
+                    <a:p>
+                      <a:endParaRPr lang="zh-TW" altLang="en-US"/>
+                    </a:p>
+                  </a:txBody>
+                  <a:tcPr/>
+                </a:tc>
+                <a:tc>
+                  <a:txBody>
+                    <a:bodyPr/>
+                    <a:lstStyle/>
+                    <a:p>
+                      <a:endParaRPr lang="zh-TW" altLang="en-US" dirty="0"/>
+                    </a:p>
+                  </a:txBody>
+                  <a:tcPr/>
+                </a:tc>
+              </a:tr>
+              <a:tr h="876300">
+                <a:tc>
+                  <a:txBody>
+                    <a:bodyPr/>
+                    <a:lstStyle/>
+                    <a:p>
+                      <a:endParaRPr lang="zh-TW" altLang="en-US" dirty="0"/>
+                    </a:p>
+                  </a:txBody>
+                  <a:tcPr>
+                    <a:lnL w="38100" cap="flat" cmpd="sng" algn="ctr">
+                      <a:solidFill>
+                        <a:schemeClr val="tx1"/>
+                      </a:solidFill>
+                      <a:prstDash val="solid"/>
+                      <a:round/>
+                      <a:headEnd type="none" w="med" len="med"/>
+                      <a:tailEnd type="none" w="med" len="med"/>
+                    </a:lnL>
+                    <a:lnB w="38100" cap="flat" cmpd="sng" algn="ctr">
+                      <a:solidFill>
+                        <a:schemeClr val="tx1"/>
+                      </a:solidFill>
+                      <a:prstDash val="solid"/>
+                      <a:round/>
+                      <a:headEnd type="none" w="med" len="med"/>
+                      <a:tailEnd type="none" w="med" len="med"/>
+                    </a:lnB>
+                  </a:tcPr>
+                </a:tc>
+                <a:tc>
+                  <a:txBody>
+                    <a:bodyPr/>
+                    <a:lstStyle/>
+                    <a:p>
+                      <a:endParaRPr lang="zh-TW" altLang="en-US"/>
+                    </a:p>
+                  </a:txBody>
+                  <a:tcPr/>
+                </a:tc>
+                <a:tc>
+                  <a:txBody>
+                    <a:bodyPr/>
+                    <a:lstStyle/>
+                    <a:p>
+                      <a:endParaRPr lang="zh-TW" altLang="en-US" dirty="0"/>
+                    </a:p>
+                  </a:txBody>
+                  <a:tcPr>
+                    <a:lnB w="38100" cap="flat" cmpd="sng" algn="ctr">
+                      <a:solidFill>
+                        <a:schemeClr val="tx1"/>
+                      </a:solidFill>
+                      <a:prstDash val="solid"/>
+                      <a:round/>
+                      <a:headEnd type="none" w="med" len="med"/>
+                      <a:tailEnd type="none" w="med" len="med"/>
+                    </a:lnB>
+                  </a:tcPr>
+                </a:tc>
+                <a:tc>
+                  <a:txBody>
+                    <a:bodyPr/>
+                    <a:lstStyle/>
+                    <a:p>
+                      <a:endParaRPr lang="zh-TW" altLang="en-US" dirty="0"/>
+                    </a:p>
+                  </a:txBody>
+                  <a:tcPr>
+                    <a:lnB w="38100" cap="flat" cmpd="sng" algn="ctr">
+                      <a:solidFill>
+                        <a:schemeClr val="tx1"/>
+                      </a:solidFill>
+                      <a:prstDash val="solid"/>
+                      <a:round/>
+                      <a:headEnd type="none" w="med" len="med"/>
+                      <a:tailEnd type="none" w="med" len="med"/>
+                    </a:lnB>
+                  </a:tcPr>
+                </a:tc>
+                <a:tc>
+                  <a:txBody>
+                    <a:bodyPr/>
+                    <a:lstStyle/>
+                    <a:p>
+                      <a:endParaRPr lang="zh-TW" altLang="en-US"/>
+                    </a:p>
+                  </a:txBody>
+                  <a:tcPr/>
+                </a:tc>
+                <a:tc>
+                  <a:txBody>
+                    <a:bodyPr/>
+                    <a:lstStyle/>
+                    <a:p>
+                      <a:endParaRPr lang="zh-TW" altLang="en-US" dirty="0"/>
+                    </a:p>
+                  </a:txBody>
+                  <a:tcPr>
+                    <a:lnB w="38100" cap="flat" cmpd="sng" algn="ctr">
+                      <a:solidFill>
+                        <a:schemeClr val="tx1"/>
+                      </a:solidFill>
+                      <a:prstDash val="solid"/>
+                      <a:round/>
+                      <a:headEnd type="none" w="med" len="med"/>
+                      <a:tailEnd type="none" w="med" len="med"/>
+                    </a:lnB>
+                  </a:tcPr>
+                </a:tc>
+              </a:tr>
+              <a:tr h="876300">
+                <a:tc>
+                  <a:txBody>
+                    <a:bodyPr/>
+                    <a:lstStyle/>
+                    <a:p>
+                      <a:endParaRPr lang="zh-TW" altLang="en-US" dirty="0"/>
+                    </a:p>
+                  </a:txBody>
+                  <a:tcPr>
+                    <a:lnL w="38100" cap="flat" cmpd="sng" algn="ctr">
+                      <a:solidFill>
+                        <a:schemeClr val="tx1"/>
+                      </a:solidFill>
+                      <a:prstDash val="solid"/>
+                      <a:round/>
+                      <a:headEnd type="none" w="med" len="med"/>
+                      <a:tailEnd type="none" w="med" len="med"/>
+                    </a:lnL>
+                    <a:lnT w="38100" cap="flat" cmpd="sng" algn="ctr">
+                      <a:solidFill>
+                        <a:schemeClr val="tx1"/>
+                      </a:solidFill>
+                      <a:prstDash val="solid"/>
+                      <a:round/>
+                      <a:headEnd type="none" w="med" len="med"/>
+                      <a:tailEnd type="none" w="med" len="med"/>
+                    </a:lnT>
+                  </a:tcPr>
+                </a:tc>
+                <a:tc>
+                  <a:txBody>
+                    <a:bodyPr/>
+                    <a:lstStyle/>
+                    <a:p>
+                      <a:endParaRPr lang="zh-TW" altLang="en-US"/>
+                    </a:p>
+                  </a:txBody>
+                  <a:tcPr/>
+                </a:tc>
+                <a:tc>
+                  <a:txBody>
+                    <a:bodyPr/>
+                    <a:lstStyle/>
+                    <a:p>
+                      <a:endParaRPr lang="zh-TW" altLang="en-US" dirty="0"/>
+                    </a:p>
+                  </a:txBody>
+                  <a:tcPr>
+                    <a:lnT w="38100" cap="flat" cmpd="sng" algn="ctr">
+                      <a:solidFill>
+                        <a:schemeClr val="tx1"/>
+                      </a:solidFill>
+                      <a:prstDash val="solid"/>
+                      <a:round/>
+                      <a:headEnd type="none" w="med" len="med"/>
+                      <a:tailEnd type="none" w="med" len="med"/>
+                    </a:lnT>
+                  </a:tcPr>
+                </a:tc>
+                <a:tc>
+                  <a:txBody>
+                    <a:bodyPr/>
+                    <a:lstStyle/>
+                    <a:p>
+                      <a:endParaRPr lang="zh-TW" altLang="en-US"/>
+                    </a:p>
+                  </a:txBody>
+                  <a:tcPr>
+                    <a:lnT w="38100" cap="flat" cmpd="sng" algn="ctr">
+                      <a:solidFill>
+                        <a:schemeClr val="tx1"/>
+                      </a:solidFill>
+                      <a:prstDash val="solid"/>
+                      <a:round/>
+                      <a:headEnd type="none" w="med" len="med"/>
+                      <a:tailEnd type="none" w="med" len="med"/>
+                    </a:lnT>
+                  </a:tcPr>
+                </a:tc>
+                <a:tc>
+                  <a:txBody>
+                    <a:bodyPr/>
+                    <a:lstStyle/>
+                    <a:p>
+                      <a:endParaRPr lang="zh-TW" altLang="en-US"/>
+                    </a:p>
+                  </a:txBody>
+                  <a:tcPr/>
+                </a:tc>
+                <a:tc>
+                  <a:txBody>
+                    <a:bodyPr/>
+                    <a:lstStyle/>
+                    <a:p>
+                      <a:endParaRPr lang="zh-TW" altLang="en-US"/>
+                    </a:p>
+                  </a:txBody>
+                  <a:tcPr>
+                    <a:lnT w="38100" cap="flat" cmpd="sng" algn="ctr">
+                      <a:solidFill>
+                        <a:schemeClr val="tx1"/>
+                      </a:solidFill>
+                      <a:prstDash val="solid"/>
+                      <a:round/>
+                      <a:headEnd type="none" w="med" len="med"/>
+                      <a:tailEnd type="none" w="med" len="med"/>
+                    </a:lnT>
+                  </a:tcPr>
+                </a:tc>
+              </a:tr>
+              <a:tr h="876300">
+                <a:tc>
+                  <a:txBody>
+                    <a:bodyPr/>
+                    <a:lstStyle/>
+                    <a:p>
+                      <a:endParaRPr lang="zh-TW" altLang="en-US" dirty="0"/>
+                    </a:p>
+                  </a:txBody>
+                  <a:tcPr>
+                    <a:lnL w="38100" cap="flat" cmpd="sng" algn="ctr">
+                      <a:solidFill>
+                        <a:schemeClr val="tx1"/>
+                      </a:solidFill>
+                      <a:prstDash val="solid"/>
+                      <a:round/>
+                      <a:headEnd type="none" w="med" len="med"/>
+                      <a:tailEnd type="none" w="med" len="med"/>
+                    </a:lnL>
+                    <a:lnB w="38100" cap="flat" cmpd="sng" algn="ctr">
+                      <a:solidFill>
+                        <a:schemeClr val="tx1"/>
+                      </a:solidFill>
+                      <a:prstDash val="solid"/>
+                      <a:round/>
+                      <a:headEnd type="none" w="med" len="med"/>
+                      <a:tailEnd type="none" w="med" len="med"/>
+                    </a:lnB>
+                  </a:tcPr>
+                </a:tc>
+                <a:tc>
+                  <a:txBody>
+                    <a:bodyPr/>
+                    <a:lstStyle/>
+                    <a:p>
+                      <a:endParaRPr lang="zh-TW" altLang="en-US" dirty="0"/>
+                    </a:p>
+                  </a:txBody>
+                  <a:tcPr/>
+                </a:tc>
+                <a:tc>
+                  <a:txBody>
+                    <a:bodyPr/>
+                    <a:lstStyle/>
+                    <a:p>
+                      <a:endParaRPr lang="zh-TW" altLang="en-US" dirty="0"/>
+                    </a:p>
+                  </a:txBody>
+                  <a:tcPr>
+                    <a:lnB w="38100" cap="flat" cmpd="sng" algn="ctr">
+                      <a:solidFill>
+                        <a:schemeClr val="tx1"/>
+                      </a:solidFill>
+                      <a:prstDash val="solid"/>
+                      <a:round/>
+                      <a:headEnd type="none" w="med" len="med"/>
+                      <a:tailEnd type="none" w="med" len="med"/>
+                    </a:lnB>
+                  </a:tcPr>
+                </a:tc>
+                <a:tc>
+                  <a:txBody>
+                    <a:bodyPr/>
+                    <a:lstStyle/>
+                    <a:p>
+                      <a:endParaRPr lang="zh-TW" altLang="en-US" dirty="0"/>
+                    </a:p>
+                  </a:txBody>
+                  <a:tcPr>
+                    <a:lnB w="38100" cap="flat" cmpd="sng" algn="ctr">
+                      <a:solidFill>
+                        <a:schemeClr val="tx1"/>
+                      </a:solidFill>
+                      <a:prstDash val="solid"/>
+                      <a:round/>
+                      <a:headEnd type="none" w="med" len="med"/>
+                      <a:tailEnd type="none" w="med" len="med"/>
+                    </a:lnB>
+                  </a:tcPr>
+                </a:tc>
+                <a:tc>
+                  <a:txBody>
+                    <a:bodyPr/>
+                    <a:lstStyle/>
+                    <a:p>
+                      <a:endParaRPr lang="zh-TW" altLang="en-US"/>
+                    </a:p>
+                  </a:txBody>
+                  <a:tcPr/>
+                </a:tc>
+                <a:tc>
+                  <a:txBody>
+                    <a:bodyPr/>
+                    <a:lstStyle/>
+                    <a:p>
+                      <a:endParaRPr lang="zh-TW" altLang="en-US" dirty="0"/>
+                    </a:p>
+                  </a:txBody>
+                  <a:tcPr>
+                    <a:lnB w="38100" cap="flat" cmpd="sng" algn="ctr">
+                      <a:solidFill>
+                        <a:schemeClr val="tx1"/>
+                      </a:solidFill>
+                      <a:prstDash val="solid"/>
+                      <a:round/>
+                      <a:headEnd type="none" w="med" len="med"/>
+                      <a:tailEnd type="none" w="med" len="med"/>
+                    </a:lnB>
+                  </a:tcPr>
+                </a:tc>
+              </a:tr>
+              <a:tr h="876300">
+                <a:tc>
+                  <a:txBody>
+                    <a:bodyPr/>
+                    <a:lstStyle/>
+                    <a:p>
+                      <a:endParaRPr lang="zh-TW" altLang="en-US"/>
+                    </a:p>
+                  </a:txBody>
+                  <a:tcPr>
+                    <a:lnL w="38100" cap="flat" cmpd="sng" algn="ctr">
+                      <a:solidFill>
+                        <a:schemeClr val="tx1"/>
+                      </a:solidFill>
+                      <a:prstDash val="solid"/>
+                      <a:round/>
+                      <a:headEnd type="none" w="med" len="med"/>
+                      <a:tailEnd type="none" w="med" len="med"/>
+                    </a:lnL>
+                    <a:lnT w="38100" cap="flat" cmpd="sng" algn="ctr">
+                      <a:solidFill>
+                        <a:schemeClr val="tx1"/>
+                      </a:solidFill>
+                      <a:prstDash val="solid"/>
+                      <a:round/>
+                      <a:headEnd type="none" w="med" len="med"/>
+                      <a:tailEnd type="none" w="med" len="med"/>
+                    </a:lnT>
+                  </a:tcPr>
+                </a:tc>
+                <a:tc>
+                  <a:txBody>
+                    <a:bodyPr/>
+                    <a:lstStyle/>
+                    <a:p>
+                      <a:endParaRPr lang="zh-TW" altLang="en-US"/>
+                    </a:p>
+                  </a:txBody>
+                  <a:tcPr/>
+                </a:tc>
+                <a:tc>
+                  <a:txBody>
+                    <a:bodyPr/>
+                    <a:lstStyle/>
+                    <a:p>
+                      <a:endParaRPr lang="zh-TW" altLang="en-US"/>
+                    </a:p>
+                  </a:txBody>
+                  <a:tcPr>
+                    <a:lnT w="38100" cap="flat" cmpd="sng" algn="ctr">
+                      <a:solidFill>
+                        <a:schemeClr val="tx1"/>
+                      </a:solidFill>
+                      <a:prstDash val="solid"/>
+                      <a:round/>
+                      <a:headEnd type="none" w="med" len="med"/>
+                      <a:tailEnd type="none" w="med" len="med"/>
+                    </a:lnT>
+                  </a:tcPr>
+                </a:tc>
+                <a:tc>
+                  <a:txBody>
+                    <a:bodyPr/>
+                    <a:lstStyle/>
+                    <a:p>
+                      <a:endParaRPr lang="zh-TW" altLang="en-US"/>
+                    </a:p>
+                  </a:txBody>
+                  <a:tcPr>
+                    <a:lnT w="38100" cap="flat" cmpd="sng" algn="ctr">
+                      <a:solidFill>
+                        <a:schemeClr val="tx1"/>
+                      </a:solidFill>
+                      <a:prstDash val="solid"/>
+                      <a:round/>
+                      <a:headEnd type="none" w="med" len="med"/>
+                      <a:tailEnd type="none" w="med" len="med"/>
+                    </a:lnT>
+                  </a:tcPr>
+                </a:tc>
+                <a:tc>
+                  <a:txBody>
+                    <a:bodyPr/>
+                    <a:lstStyle/>
+                    <a:p>
+                      <a:endParaRPr lang="zh-TW" altLang="en-US"/>
+                    </a:p>
+                  </a:txBody>
+                  <a:tcPr/>
+                </a:tc>
+                <a:tc>
+                  <a:txBody>
+                    <a:bodyPr/>
+                    <a:lstStyle/>
+                    <a:p>
+                      <a:endParaRPr lang="zh-TW" altLang="en-US"/>
+                    </a:p>
+                  </a:txBody>
+                  <a:tcPr>
+                    <a:lnT w="38100" cap="flat" cmpd="sng" algn="ctr">
+                      <a:solidFill>
+                        <a:schemeClr val="tx1"/>
+                      </a:solidFill>
+                      <a:prstDash val="solid"/>
+                      <a:round/>
+                      <a:headEnd type="none" w="med" len="med"/>
+                      <a:tailEnd type="none" w="med" len="med"/>
+                    </a:lnT>
+                  </a:tcPr>
+                </a:tc>
+              </a:tr>
+              <a:tr h="876300">
+                <a:tc>
+                  <a:txBody>
+                    <a:bodyPr/>
+                    <a:lstStyle/>
+                    <a:p>
+                      <a:endParaRPr lang="zh-TW" altLang="en-US" dirty="0"/>
+                    </a:p>
+                  </a:txBody>
+                  <a:tcPr>
+                    <a:lnL w="38100" cap="flat" cmpd="sng" algn="ctr">
+                      <a:solidFill>
+                        <a:schemeClr val="tx1"/>
+                      </a:solidFill>
+                      <a:prstDash val="solid"/>
+                      <a:round/>
+                      <a:headEnd type="none" w="med" len="med"/>
+                      <a:tailEnd type="none" w="med" len="med"/>
+                    </a:lnL>
+                    <a:lnB w="38100" cap="flat" cmpd="sng" algn="ctr">
+                      <a:solidFill>
+                        <a:schemeClr val="tx1"/>
+                      </a:solidFill>
+                      <a:prstDash val="solid"/>
+                      <a:round/>
+                      <a:headEnd type="none" w="med" len="med"/>
+                      <a:tailEnd type="none" w="med" len="med"/>
+                    </a:lnB>
+                  </a:tcPr>
+                </a:tc>
+                <a:tc>
+                  <a:txBody>
+                    <a:bodyPr/>
+                    <a:lstStyle/>
+                    <a:p>
+                      <a:endParaRPr lang="zh-TW" altLang="en-US"/>
+                    </a:p>
+                  </a:txBody>
+                  <a:tcPr>
+                    <a:lnB w="38100" cap="flat" cmpd="sng" algn="ctr">
+                      <a:solidFill>
+                        <a:schemeClr val="tx1"/>
+                      </a:solidFill>
+                      <a:prstDash val="solid"/>
+                      <a:round/>
+                      <a:headEnd type="none" w="med" len="med"/>
+                      <a:tailEnd type="none" w="med" len="med"/>
+                    </a:lnB>
+                  </a:tcPr>
+                </a:tc>
+                <a:tc>
+                  <a:txBody>
+                    <a:bodyPr/>
+                    <a:lstStyle/>
+                    <a:p>
+                      <a:endParaRPr lang="zh-TW" altLang="en-US" dirty="0"/>
+                    </a:p>
+                  </a:txBody>
+                  <a:tcPr>
+                    <a:lnR w="38100" cap="flat" cmpd="sng" algn="ctr">
+                      <a:solidFill>
+                        <a:schemeClr val="tx1"/>
+                      </a:solidFill>
+                      <a:prstDash val="solid"/>
+                      <a:round/>
+                      <a:headEnd type="none" w="med" len="med"/>
+                      <a:tailEnd type="none" w="med" len="med"/>
+                    </a:lnR>
+                  </a:tcPr>
+                </a:tc>
+                <a:tc>
+                  <a:txBody>
+                    <a:bodyPr/>
+                    <a:lstStyle/>
+                    <a:p>
+                      <a:endParaRPr lang="zh-TW" altLang="en-US"/>
+                    </a:p>
+                  </a:txBody>
+                  <a:tcPr>
+                    <a:lnL w="38100" cap="flat" cmpd="sng" algn="ctr">
+                      <a:solidFill>
+                        <a:schemeClr val="tx1"/>
+                      </a:solidFill>
+                      <a:prstDash val="solid"/>
+                      <a:round/>
+                      <a:headEnd type="none" w="med" len="med"/>
+                      <a:tailEnd type="none" w="med" len="med"/>
+                    </a:lnL>
+                  </a:tcPr>
+                </a:tc>
+                <a:tc>
+                  <a:txBody>
+                    <a:bodyPr/>
+                    <a:lstStyle/>
+                    <a:p>
+                      <a:endParaRPr lang="zh-TW" altLang="en-US" dirty="0"/>
+                    </a:p>
+                  </a:txBody>
+                  <a:tcPr/>
+                </a:tc>
+                <a:tc>
+                  <a:txBody>
+                    <a:bodyPr/>
+                    <a:lstStyle/>
+                    <a:p>
+                      <a:endParaRPr lang="zh-TW" altLang="en-US" dirty="0"/>
+                    </a:p>
+                  </a:txBody>
+                  <a:tcPr/>
+                </a:tc>
+              </a:tr>
+            </a:tbl>
+          </a:graphicData>
+        </a:graphic>
+      </p:graphicFrame>
+    </p:spTree>
+  </p:cSld>
+  <p:clrMapOvr>
+    <a:masterClrMapping/>
+  </p:clrMapOvr>
+</p:sld>
+</file>
+
+<file path=ppt/slides/slide14.xml><?xml version="1.0" encoding="utf-8"?>
+<p:sld xmlns:a="http://schemas.openxmlformats.org/drawingml/2006/main" xmlns:r="http://schemas.openxmlformats.org/officeDocument/2006/relationships" xmlns:p="http://schemas.openxmlformats.org/presentationml/2006/main">
+  <p:cSld>
+    <p:spTree>
+      <p:nvGrpSpPr>
+        <p:cNvPr id="1" name=""/>
+        <p:cNvGrpSpPr/>
+        <p:nvPr/>
+      </p:nvGrpSpPr>
+      <p:grpSpPr>
+        <a:xfrm>
+          <a:off x="0" y="0"/>
+          <a:ext cx="0" cy="0"/>
+          <a:chOff x="0" y="0"/>
+          <a:chExt cx="0" cy="0"/>
+        </a:xfrm>
+      </p:grpSpPr>
+      <p:graphicFrame>
+        <p:nvGraphicFramePr>
+          <p:cNvPr id="5" name="表格 4"/>
+          <p:cNvGraphicFramePr>
+            <a:graphicFrameLocks noGrp="1"/>
+          </p:cNvGraphicFramePr>
+          <p:nvPr/>
+        </p:nvGraphicFramePr>
+        <p:xfrm>
+          <a:off x="1524000" y="914402"/>
+          <a:ext cx="6096000" cy="5257800"/>
+        </p:xfrm>
+        <a:graphic>
+          <a:graphicData uri="http://schemas.openxmlformats.org/drawingml/2006/table">
+            <a:tbl>
+              <a:tblPr>
+                <a:tableStyleId>{616DA210-FB5B-4158-B5E0-FEB733F419BA}</a:tableStyleId>
+              </a:tblPr>
+              <a:tblGrid>
+                <a:gridCol w="1016000"/>
+                <a:gridCol w="1016000"/>
+                <a:gridCol w="1016000"/>
+                <a:gridCol w="1016000"/>
+                <a:gridCol w="1016000"/>
+                <a:gridCol w="1016000"/>
+              </a:tblGrid>
+              <a:tr h="876300">
+                <a:tc>
+                  <a:txBody>
+                    <a:bodyPr/>
+                    <a:lstStyle/>
+                    <a:p>
+                      <a:endParaRPr lang="zh-TW" altLang="en-US" dirty="0"/>
+                    </a:p>
+                  </a:txBody>
+                  <a:tcPr>
+                    <a:lnL w="57150" cap="flat" cmpd="sng" algn="ctr">
+                      <a:solidFill>
+                        <a:schemeClr val="tx1"/>
+                      </a:solidFill>
+                      <a:prstDash val="solid"/>
+                      <a:round/>
+                      <a:headEnd type="none" w="med" len="med"/>
+                      <a:tailEnd type="none" w="med" len="med"/>
+                    </a:lnL>
+                    <a:lnR w="12700" cap="flat" cmpd="sng" algn="ctr">
+                      <a:solidFill>
+                        <a:schemeClr val="tx1"/>
+                      </a:solidFill>
+                      <a:prstDash val="solid"/>
+                      <a:round/>
+                      <a:headEnd type="none" w="med" len="med"/>
+                      <a:tailEnd type="none" w="med" len="med"/>
+                    </a:lnR>
+                    <a:lnT w="57150" cap="flat" cmpd="sng" algn="ctr">
+                      <a:solidFill>
+                        <a:schemeClr val="tx1"/>
+                      </a:solidFill>
+                      <a:prstDash val="solid"/>
+                      <a:round/>
+                      <a:headEnd type="none" w="med" len="med"/>
+                      <a:tailEnd type="none" w="med" len="med"/>
+                    </a:lnT>
+                    <a:lnB w="12700" cap="flat" cmpd="sng" algn="ctr">
+                      <a:solidFill>
+                        <a:schemeClr val="tx1"/>
+                      </a:solidFill>
+                      <a:prstDash val="solid"/>
+                      <a:round/>
+                      <a:headEnd type="none" w="med" len="med"/>
+                      <a:tailEnd type="none" w="med" len="med"/>
+                    </a:lnB>
+                    <a:lnTlToBr w="12700" cmpd="sng">
+                      <a:noFill/>
+                      <a:prstDash val="solid"/>
+                    </a:lnTlToBr>
+                    <a:lnBlToTr w="12700" cmpd="sng">
+                      <a:noFill/>
+                      <a:prstDash val="solid"/>
+                    </a:lnBlToTr>
+                  </a:tcPr>
+                </a:tc>
+                <a:tc>
+                  <a:txBody>
+                    <a:bodyPr/>
+                    <a:lstStyle/>
+                    <a:p>
+                      <a:endParaRPr lang="zh-TW" altLang="en-US" dirty="0"/>
+                    </a:p>
+                  </a:txBody>
+                  <a:tcPr>
+                    <a:lnL w="12700" cap="flat" cmpd="sng" algn="ctr">
+                      <a:solidFill>
+                        <a:schemeClr val="tx1"/>
+                      </a:solidFill>
+                      <a:prstDash val="solid"/>
+                      <a:round/>
+                      <a:headEnd type="none" w="med" len="med"/>
+                      <a:tailEnd type="none" w="med" len="med"/>
+                    </a:lnL>
+                    <a:lnR w="12700" cap="flat" cmpd="sng" algn="ctr">
+                      <a:solidFill>
+                        <a:schemeClr val="tx1"/>
+                      </a:solidFill>
+                      <a:prstDash val="solid"/>
+                      <a:round/>
+                      <a:headEnd type="none" w="med" len="med"/>
+                      <a:tailEnd type="none" w="med" len="med"/>
+                    </a:lnR>
+                    <a:lnT w="57150" cap="flat" cmpd="sng" algn="ctr">
+                      <a:solidFill>
+                        <a:schemeClr val="tx1"/>
+                      </a:solidFill>
+                      <a:prstDash val="solid"/>
+                      <a:round/>
+                      <a:headEnd type="none" w="med" len="med"/>
+                      <a:tailEnd type="none" w="med" len="med"/>
+                    </a:lnT>
+                    <a:lnB w="12700" cap="flat" cmpd="sng" algn="ctr">
+                      <a:solidFill>
+                        <a:schemeClr val="tx1"/>
+                      </a:solidFill>
+                      <a:prstDash val="solid"/>
+                      <a:round/>
+                      <a:headEnd type="none" w="med" len="med"/>
+                      <a:tailEnd type="none" w="med" len="med"/>
+                    </a:lnB>
+                  </a:tcPr>
+                </a:tc>
+                <a:tc>
+                  <a:txBody>
+                    <a:bodyPr/>
+                    <a:lstStyle/>
+                    <a:p>
+                      <a:endParaRPr lang="zh-TW" altLang="en-US" dirty="0"/>
+                    </a:p>
+                  </a:txBody>
+                  <a:tcPr>
+                    <a:lnL w="12700" cap="flat" cmpd="sng" algn="ctr">
+                      <a:solidFill>
+                        <a:schemeClr val="tx1"/>
+                      </a:solidFill>
+                      <a:prstDash val="solid"/>
+                      <a:round/>
+                      <a:headEnd type="none" w="med" len="med"/>
+                      <a:tailEnd type="none" w="med" len="med"/>
+                    </a:lnL>
+                    <a:lnR w="57150" cap="flat" cmpd="sng" algn="ctr">
+                      <a:solidFill>
+                        <a:schemeClr val="tx1"/>
+                      </a:solidFill>
+                      <a:prstDash val="solid"/>
+                      <a:round/>
+                      <a:headEnd type="none" w="med" len="med"/>
+                      <a:tailEnd type="none" w="med" len="med"/>
+                    </a:lnR>
+                    <a:lnT w="57150" cap="flat" cmpd="sng" algn="ctr">
+                      <a:solidFill>
+                        <a:schemeClr val="tx1"/>
+                      </a:solidFill>
+                      <a:prstDash val="solid"/>
+                      <a:round/>
+                      <a:headEnd type="none" w="med" len="med"/>
+                      <a:tailEnd type="none" w="med" len="med"/>
+                    </a:lnT>
+                    <a:lnB w="12700" cap="flat" cmpd="sng" algn="ctr">
+                      <a:solidFill>
+                        <a:schemeClr val="tx1"/>
+                      </a:solidFill>
+                      <a:prstDash val="solid"/>
+                      <a:round/>
+                      <a:headEnd type="none" w="med" len="med"/>
+                      <a:tailEnd type="none" w="med" len="med"/>
+                    </a:lnB>
+                  </a:tcPr>
+                </a:tc>
+                <a:tc>
+                  <a:txBody>
+                    <a:bodyPr/>
+                    <a:lstStyle/>
+                    <a:p>
+                      <a:endParaRPr lang="zh-TW" altLang="en-US" dirty="0"/>
+                    </a:p>
+                  </a:txBody>
+                  <a:tcPr>
+                    <a:lnL w="57150" cap="flat" cmpd="sng" algn="ctr">
+                      <a:solidFill>
+                        <a:schemeClr val="tx1"/>
+                      </a:solidFill>
+                      <a:prstDash val="solid"/>
+                      <a:round/>
+                      <a:headEnd type="none" w="med" len="med"/>
+                      <a:tailEnd type="none" w="med" len="med"/>
+                    </a:lnL>
+                    <a:lnR w="12700" cap="flat" cmpd="sng" algn="ctr">
+                      <a:solidFill>
+                        <a:schemeClr val="tx1"/>
+                      </a:solidFill>
+                      <a:prstDash val="solid"/>
+                      <a:round/>
+                      <a:headEnd type="none" w="med" len="med"/>
+                      <a:tailEnd type="none" w="med" len="med"/>
+                    </a:lnR>
+                    <a:lnT w="57150" cap="flat" cmpd="sng" algn="ctr">
+                      <a:solidFill>
+                        <a:schemeClr val="tx1"/>
+                      </a:solidFill>
+                      <a:prstDash val="solid"/>
+                      <a:round/>
+                      <a:headEnd type="none" w="med" len="med"/>
+                      <a:tailEnd type="none" w="med" len="med"/>
+                    </a:lnT>
+                    <a:lnB w="12700" cap="flat" cmpd="sng" algn="ctr">
+                      <a:solidFill>
+                        <a:schemeClr val="tx1"/>
+                      </a:solidFill>
+                      <a:prstDash val="solid"/>
+                      <a:round/>
+                      <a:headEnd type="none" w="med" len="med"/>
+                      <a:tailEnd type="none" w="med" len="med"/>
+                    </a:lnB>
+                  </a:tcPr>
+                </a:tc>
+                <a:tc>
+                  <a:txBody>
+                    <a:bodyPr/>
+                    <a:lstStyle/>
+                    <a:p>
+                      <a:endParaRPr lang="zh-TW" altLang="en-US" dirty="0"/>
+                    </a:p>
+                  </a:txBody>
+                  <a:tcPr>
+                    <a:lnL w="12700" cap="flat" cmpd="sng" algn="ctr">
+                      <a:solidFill>
+                        <a:schemeClr val="tx1"/>
+                      </a:solidFill>
+                      <a:prstDash val="solid"/>
+                      <a:round/>
+                      <a:headEnd type="none" w="med" len="med"/>
+                      <a:tailEnd type="none" w="med" len="med"/>
+                    </a:lnL>
+                    <a:lnR w="12700" cap="flat" cmpd="sng" algn="ctr">
+                      <a:solidFill>
+                        <a:schemeClr val="tx1"/>
+                      </a:solidFill>
+                      <a:prstDash val="solid"/>
+                      <a:round/>
+                      <a:headEnd type="none" w="med" len="med"/>
+                      <a:tailEnd type="none" w="med" len="med"/>
+                    </a:lnR>
+                    <a:lnT w="57150" cap="flat" cmpd="sng" algn="ctr">
+                      <a:solidFill>
+                        <a:schemeClr val="tx1"/>
+                      </a:solidFill>
+                      <a:prstDash val="solid"/>
+                      <a:round/>
+                      <a:headEnd type="none" w="med" len="med"/>
+                      <a:tailEnd type="none" w="med" len="med"/>
+                    </a:lnT>
+                    <a:lnB w="12700" cap="flat" cmpd="sng" algn="ctr">
+                      <a:solidFill>
+                        <a:schemeClr val="tx1"/>
+                      </a:solidFill>
+                      <a:prstDash val="solid"/>
+                      <a:round/>
+                      <a:headEnd type="none" w="med" len="med"/>
+                      <a:tailEnd type="none" w="med" len="med"/>
+                    </a:lnB>
+                  </a:tcPr>
+                </a:tc>
+                <a:tc>
+                  <a:txBody>
+                    <a:bodyPr/>
+                    <a:lstStyle/>
+                    <a:p>
+                      <a:endParaRPr lang="zh-TW" altLang="en-US" dirty="0"/>
+                    </a:p>
+                  </a:txBody>
+                  <a:tcPr>
+                    <a:lnL w="12700" cap="flat" cmpd="sng" algn="ctr">
+                      <a:solidFill>
+                        <a:schemeClr val="tx1"/>
+                      </a:solidFill>
+                      <a:prstDash val="solid"/>
+                      <a:round/>
+                      <a:headEnd type="none" w="med" len="med"/>
+                      <a:tailEnd type="none" w="med" len="med"/>
+                    </a:lnL>
+                    <a:lnR w="57150" cap="flat" cmpd="sng" algn="ctr">
+                      <a:solidFill>
+                        <a:schemeClr val="tx1"/>
+                      </a:solidFill>
+                      <a:prstDash val="solid"/>
+                      <a:round/>
+                      <a:headEnd type="none" w="med" len="med"/>
+                      <a:tailEnd type="none" w="med" len="med"/>
+                    </a:lnR>
+                    <a:lnT w="57150" cap="flat" cmpd="sng" algn="ctr">
+                      <a:solidFill>
+                        <a:schemeClr val="tx1"/>
+                      </a:solidFill>
+                      <a:prstDash val="solid"/>
+                      <a:round/>
+                      <a:headEnd type="none" w="med" len="med"/>
+                      <a:tailEnd type="none" w="med" len="med"/>
+                    </a:lnT>
+                    <a:lnB w="12700" cap="flat" cmpd="sng" algn="ctr">
+                      <a:solidFill>
+                        <a:schemeClr val="tx1"/>
+                      </a:solidFill>
+                      <a:prstDash val="solid"/>
+                      <a:round/>
+                      <a:headEnd type="none" w="med" len="med"/>
+                      <a:tailEnd type="none" w="med" len="med"/>
+                    </a:lnB>
+                  </a:tcPr>
+                </a:tc>
+              </a:tr>
+              <a:tr h="876300">
+                <a:tc>
+                  <a:txBody>
+                    <a:bodyPr/>
+                    <a:lstStyle/>
+                    <a:p>
+                      <a:endParaRPr lang="zh-TW" altLang="en-US" dirty="0"/>
+                    </a:p>
+                  </a:txBody>
+                  <a:tcPr>
+                    <a:lnL w="57150" cap="flat" cmpd="sng" algn="ctr">
+                      <a:solidFill>
+                        <a:schemeClr val="tx1"/>
+                      </a:solidFill>
+                      <a:prstDash val="solid"/>
+                      <a:round/>
+                      <a:headEnd type="none" w="med" len="med"/>
+                      <a:tailEnd type="none" w="med" len="med"/>
+                    </a:lnL>
+                    <a:lnR w="12700" cap="flat" cmpd="sng" algn="ctr">
+                      <a:solidFill>
+                        <a:schemeClr val="tx1"/>
+                      </a:solidFill>
+                      <a:prstDash val="solid"/>
+                      <a:round/>
+                      <a:headEnd type="none" w="med" len="med"/>
+                      <a:tailEnd type="none" w="med" len="med"/>
+                    </a:lnR>
+                    <a:lnT w="12700" cap="flat" cmpd="sng" algn="ctr">
+                      <a:solidFill>
+                        <a:schemeClr val="tx1"/>
+                      </a:solidFill>
+                      <a:prstDash val="solid"/>
+                      <a:round/>
+                      <a:headEnd type="none" w="med" len="med"/>
+                      <a:tailEnd type="none" w="med" len="med"/>
+                    </a:lnT>
+                    <a:lnB w="57150" cap="flat" cmpd="sng" algn="ctr">
+                      <a:solidFill>
+                        <a:schemeClr val="tx1"/>
+                      </a:solidFill>
+                      <a:prstDash val="solid"/>
+                      <a:round/>
+                      <a:headEnd type="none" w="med" len="med"/>
+                      <a:tailEnd type="none" w="med" len="med"/>
+                    </a:lnB>
+                  </a:tcPr>
+                </a:tc>
+                <a:tc>
+                  <a:txBody>
+                    <a:bodyPr/>
+                    <a:lstStyle/>
+                    <a:p>
+                      <a:pPr algn="ctr"/>
+                      <a:r>
+                        <a:rPr lang="en-US" altLang="zh-TW" sz="4800" dirty="0" smtClean="0"/>
+                        <a:t>S</a:t>
+                      </a:r>
+                      <a:endParaRPr lang="zh-TW" altLang="en-US" sz="4800" dirty="0"/>
+                    </a:p>
+                  </a:txBody>
+                  <a:tcPr>
+                    <a:lnL w="12700" cap="flat" cmpd="sng" algn="ctr">
+                      <a:solidFill>
+                        <a:schemeClr val="tx1"/>
+                      </a:solidFill>
+                      <a:prstDash val="solid"/>
+                      <a:round/>
+                      <a:headEnd type="none" w="med" len="med"/>
+                      <a:tailEnd type="none" w="med" len="med"/>
+                    </a:lnL>
+                    <a:lnR w="12700" cap="flat" cmpd="sng" algn="ctr">
+                      <a:solidFill>
+                        <a:schemeClr val="tx1"/>
+                      </a:solidFill>
+                      <a:prstDash val="solid"/>
+                      <a:round/>
+                      <a:headEnd type="none" w="med" len="med"/>
+                      <a:tailEnd type="none" w="med" len="med"/>
+                    </a:lnR>
+                    <a:lnT w="12700" cap="flat" cmpd="sng" algn="ctr">
+                      <a:solidFill>
+                        <a:schemeClr val="tx1"/>
+                      </a:solidFill>
+                      <a:prstDash val="solid"/>
+                      <a:round/>
+                      <a:headEnd type="none" w="med" len="med"/>
+                      <a:tailEnd type="none" w="med" len="med"/>
+                    </a:lnT>
+                    <a:lnB w="12700" cap="flat" cmpd="sng" algn="ctr">
+                      <a:solidFill>
+                        <a:schemeClr val="tx1"/>
+                      </a:solidFill>
+                      <a:prstDash val="solid"/>
+                      <a:round/>
+                      <a:headEnd type="none" w="med" len="med"/>
+                      <a:tailEnd type="none" w="med" len="med"/>
+                    </a:lnB>
+                  </a:tcPr>
+                </a:tc>
+                <a:tc>
+                  <a:txBody>
+                    <a:bodyPr/>
+                    <a:lstStyle/>
+                    <a:p>
+                      <a:endParaRPr lang="zh-TW" altLang="en-US" dirty="0"/>
+                    </a:p>
+                  </a:txBody>
+                  <a:tcPr>
+                    <a:lnL w="12700" cap="flat" cmpd="sng" algn="ctr">
+                      <a:solidFill>
+                        <a:schemeClr val="tx1"/>
+                      </a:solidFill>
+                      <a:prstDash val="solid"/>
+                      <a:round/>
+                      <a:headEnd type="none" w="med" len="med"/>
+                      <a:tailEnd type="none" w="med" len="med"/>
+                    </a:lnL>
+                    <a:lnR w="12700" cap="flat" cmpd="sng" algn="ctr">
+                      <a:solidFill>
+                        <a:schemeClr val="tx1"/>
+                      </a:solidFill>
+                      <a:prstDash val="solid"/>
+                      <a:round/>
+                      <a:headEnd type="none" w="med" len="med"/>
+                      <a:tailEnd type="none" w="med" len="med"/>
+                    </a:lnR>
+                    <a:lnT w="12700" cap="flat" cmpd="sng" algn="ctr">
+                      <a:solidFill>
+                        <a:schemeClr val="tx1"/>
+                      </a:solidFill>
+                      <a:prstDash val="solid"/>
+                      <a:round/>
+                      <a:headEnd type="none" w="med" len="med"/>
+                      <a:tailEnd type="none" w="med" len="med"/>
+                    </a:lnT>
+                    <a:lnB w="57150" cap="flat" cmpd="sng" algn="ctr">
+                      <a:solidFill>
+                        <a:schemeClr val="tx1"/>
+                      </a:solidFill>
+                      <a:prstDash val="solid"/>
+                      <a:round/>
+                      <a:headEnd type="none" w="med" len="med"/>
+                      <a:tailEnd type="none" w="med" len="med"/>
+                    </a:lnB>
+                  </a:tcPr>
+                </a:tc>
+                <a:tc>
+                  <a:txBody>
+                    <a:bodyPr/>
+                    <a:lstStyle/>
+                    <a:p>
+                      <a:endParaRPr lang="zh-TW" altLang="en-US" dirty="0"/>
+                    </a:p>
+                  </a:txBody>
+                  <a:tcPr>
+                    <a:lnL w="12700" cap="flat" cmpd="sng" algn="ctr">
+                      <a:solidFill>
+                        <a:schemeClr val="tx1"/>
+                      </a:solidFill>
+                      <a:prstDash val="solid"/>
+                      <a:round/>
+                      <a:headEnd type="none" w="med" len="med"/>
+                      <a:tailEnd type="none" w="med" len="med"/>
+                    </a:lnL>
+                    <a:lnR w="12700" cap="flat" cmpd="sng" algn="ctr">
+                      <a:solidFill>
+                        <a:schemeClr val="tx1"/>
+                      </a:solidFill>
+                      <a:prstDash val="solid"/>
+                      <a:round/>
+                      <a:headEnd type="none" w="med" len="med"/>
+                      <a:tailEnd type="none" w="med" len="med"/>
+                    </a:lnR>
+                    <a:lnT w="12700" cap="flat" cmpd="sng" algn="ctr">
+                      <a:solidFill>
+                        <a:schemeClr val="tx1"/>
+                      </a:solidFill>
+                      <a:prstDash val="solid"/>
+                      <a:round/>
+                      <a:headEnd type="none" w="med" len="med"/>
+                      <a:tailEnd type="none" w="med" len="med"/>
+                    </a:lnT>
+                    <a:lnB w="57150" cap="flat" cmpd="sng" algn="ctr">
+                      <a:solidFill>
+                        <a:schemeClr val="tx1"/>
+                      </a:solidFill>
+                      <a:prstDash val="solid"/>
+                      <a:round/>
+                      <a:headEnd type="none" w="med" len="med"/>
+                      <a:tailEnd type="none" w="med" len="med"/>
+                    </a:lnB>
+                  </a:tcPr>
+                </a:tc>
+                <a:tc>
+                  <a:txBody>
+                    <a:bodyPr/>
+                    <a:lstStyle/>
+                    <a:p>
+                      <a:endParaRPr lang="zh-TW" altLang="en-US" dirty="0"/>
+                    </a:p>
+                  </a:txBody>
+                  <a:tcPr>
+                    <a:lnL w="12700" cap="flat" cmpd="sng" algn="ctr">
+                      <a:solidFill>
+                        <a:schemeClr val="tx1"/>
+                      </a:solidFill>
+                      <a:prstDash val="solid"/>
+                      <a:round/>
+                      <a:headEnd type="none" w="med" len="med"/>
+                      <a:tailEnd type="none" w="med" len="med"/>
+                    </a:lnL>
+                    <a:lnR w="12700" cap="flat" cmpd="sng" algn="ctr">
+                      <a:solidFill>
+                        <a:schemeClr val="tx1"/>
+                      </a:solidFill>
+                      <a:prstDash val="solid"/>
+                      <a:round/>
+                      <a:headEnd type="none" w="med" len="med"/>
+                      <a:tailEnd type="none" w="med" len="med"/>
+                    </a:lnR>
+                    <a:lnT w="12700" cap="flat" cmpd="sng" algn="ctr">
+                      <a:solidFill>
+                        <a:schemeClr val="tx1"/>
+                      </a:solidFill>
+                      <a:prstDash val="solid"/>
+                      <a:round/>
+                      <a:headEnd type="none" w="med" len="med"/>
+                      <a:tailEnd type="none" w="med" len="med"/>
+                    </a:lnT>
+                    <a:lnB w="12700" cap="flat" cmpd="sng" algn="ctr">
+                      <a:solidFill>
+                        <a:schemeClr val="tx1"/>
+                      </a:solidFill>
+                      <a:prstDash val="solid"/>
+                      <a:round/>
+                      <a:headEnd type="none" w="med" len="med"/>
+                      <a:tailEnd type="none" w="med" len="med"/>
+                    </a:lnB>
+                  </a:tcPr>
+                </a:tc>
+                <a:tc>
+                  <a:txBody>
+                    <a:bodyPr/>
+                    <a:lstStyle/>
+                    <a:p>
+                      <a:endParaRPr lang="zh-TW" altLang="en-US"/>
+                    </a:p>
+                  </a:txBody>
+                  <a:tcPr>
+                    <a:lnL w="12700" cap="flat" cmpd="sng" algn="ctr">
+                      <a:solidFill>
+                        <a:schemeClr val="tx1"/>
+                      </a:solidFill>
+                      <a:prstDash val="solid"/>
+                      <a:round/>
+                      <a:headEnd type="none" w="med" len="med"/>
+                      <a:tailEnd type="none" w="med" len="med"/>
+                    </a:lnL>
+                    <a:lnR w="57150" cap="flat" cmpd="sng" algn="ctr">
+                      <a:solidFill>
+                        <a:schemeClr val="tx1"/>
+                      </a:solidFill>
+                      <a:prstDash val="solid"/>
+                      <a:round/>
+                      <a:headEnd type="none" w="med" len="med"/>
+                      <a:tailEnd type="none" w="med" len="med"/>
+                    </a:lnR>
+                    <a:lnT w="12700" cap="flat" cmpd="sng" algn="ctr">
+                      <a:solidFill>
+                        <a:schemeClr val="tx1"/>
+                      </a:solidFill>
+                      <a:prstDash val="solid"/>
+                      <a:round/>
+                      <a:headEnd type="none" w="med" len="med"/>
+                      <a:tailEnd type="none" w="med" len="med"/>
+                    </a:lnT>
+                    <a:lnB w="57150" cap="flat" cmpd="sng" algn="ctr">
+                      <a:solidFill>
+                        <a:schemeClr val="tx1"/>
+                      </a:solidFill>
+                      <a:prstDash val="solid"/>
+                      <a:round/>
+                      <a:headEnd type="none" w="med" len="med"/>
+                      <a:tailEnd type="none" w="med" len="med"/>
+                    </a:lnB>
+                  </a:tcPr>
+                </a:tc>
+              </a:tr>
+              <a:tr h="876300">
+                <a:tc>
+                  <a:txBody>
+                    <a:bodyPr/>
+                    <a:lstStyle/>
+                    <a:p>
+                      <a:endParaRPr lang="zh-TW" altLang="en-US" dirty="0"/>
+                    </a:p>
+                  </a:txBody>
+                  <a:tcPr>
+                    <a:lnL w="57150" cap="flat" cmpd="sng" algn="ctr">
+                      <a:solidFill>
+                        <a:schemeClr val="tx1"/>
+                      </a:solidFill>
+                      <a:prstDash val="solid"/>
+                      <a:round/>
+                      <a:headEnd type="none" w="med" len="med"/>
+                      <a:tailEnd type="none" w="med" len="med"/>
+                    </a:lnL>
+                    <a:lnR w="12700" cap="flat" cmpd="sng" algn="ctr">
+                      <a:solidFill>
+                        <a:schemeClr val="tx1"/>
+                      </a:solidFill>
+                      <a:prstDash val="solid"/>
+                      <a:round/>
+                      <a:headEnd type="none" w="med" len="med"/>
+                      <a:tailEnd type="none" w="med" len="med"/>
+                    </a:lnR>
+                    <a:lnT w="57150" cap="flat" cmpd="sng" algn="ctr">
+                      <a:solidFill>
+                        <a:schemeClr val="tx1"/>
+                      </a:solidFill>
+                      <a:prstDash val="solid"/>
+                      <a:round/>
+                      <a:headEnd type="none" w="med" len="med"/>
+                      <a:tailEnd type="none" w="med" len="med"/>
+                    </a:lnT>
+                    <a:lnB w="12700" cap="flat" cmpd="sng" algn="ctr">
+                      <a:solidFill>
+                        <a:schemeClr val="tx1"/>
+                      </a:solidFill>
+                      <a:prstDash val="solid"/>
+                      <a:round/>
+                      <a:headEnd type="none" w="med" len="med"/>
+                      <a:tailEnd type="none" w="med" len="med"/>
+                    </a:lnB>
+                  </a:tcPr>
+                </a:tc>
+                <a:tc>
+                  <a:txBody>
+                    <a:bodyPr/>
+                    <a:lstStyle/>
+                    <a:p>
+                      <a:endParaRPr lang="zh-TW" altLang="en-US" dirty="0"/>
+                    </a:p>
+                  </a:txBody>
+                  <a:tcPr>
+                    <a:lnL w="12700" cap="flat" cmpd="sng" algn="ctr">
+                      <a:solidFill>
+                        <a:schemeClr val="tx1"/>
+                      </a:solidFill>
+                      <a:prstDash val="solid"/>
+                      <a:round/>
+                      <a:headEnd type="none" w="med" len="med"/>
+                      <a:tailEnd type="none" w="med" len="med"/>
+                    </a:lnL>
+                    <a:lnR w="12700" cap="flat" cmpd="sng" algn="ctr">
+                      <a:solidFill>
+                        <a:schemeClr val="tx1"/>
+                      </a:solidFill>
+                      <a:prstDash val="solid"/>
+                      <a:round/>
+                      <a:headEnd type="none" w="med" len="med"/>
+                      <a:tailEnd type="none" w="med" len="med"/>
+                    </a:lnR>
+                    <a:lnT w="12700" cap="flat" cmpd="sng" algn="ctr">
+                      <a:solidFill>
+                        <a:schemeClr val="tx1"/>
+                      </a:solidFill>
+                      <a:prstDash val="solid"/>
+                      <a:round/>
+                      <a:headEnd type="none" w="med" len="med"/>
+                      <a:tailEnd type="none" w="med" len="med"/>
+                    </a:lnT>
+                    <a:lnB w="12700" cap="flat" cmpd="sng" algn="ctr">
+                      <a:solidFill>
+                        <a:schemeClr val="tx1"/>
+                      </a:solidFill>
+                      <a:prstDash val="solid"/>
+                      <a:round/>
+                      <a:headEnd type="none" w="med" len="med"/>
+                      <a:tailEnd type="none" w="med" len="med"/>
+                    </a:lnB>
+                  </a:tcPr>
+                </a:tc>
+                <a:tc>
+                  <a:txBody>
+                    <a:bodyPr/>
+                    <a:lstStyle/>
+                    <a:p>
+                      <a:endParaRPr lang="zh-TW" altLang="en-US" dirty="0"/>
+                    </a:p>
+                  </a:txBody>
+                  <a:tcPr>
+                    <a:lnL w="12700" cap="flat" cmpd="sng" algn="ctr">
+                      <a:solidFill>
+                        <a:schemeClr val="tx1"/>
+                      </a:solidFill>
+                      <a:prstDash val="solid"/>
+                      <a:round/>
+                      <a:headEnd type="none" w="med" len="med"/>
+                      <a:tailEnd type="none" w="med" len="med"/>
+                    </a:lnL>
+                    <a:lnR w="12700" cap="flat" cmpd="sng" algn="ctr">
+                      <a:solidFill>
+                        <a:schemeClr val="tx1"/>
+                      </a:solidFill>
+                      <a:prstDash val="solid"/>
+                      <a:round/>
+                      <a:headEnd type="none" w="med" len="med"/>
+                      <a:tailEnd type="none" w="med" len="med"/>
+                    </a:lnR>
+                    <a:lnT w="57150" cap="flat" cmpd="sng" algn="ctr">
+                      <a:solidFill>
+                        <a:schemeClr val="tx1"/>
+                      </a:solidFill>
+                      <a:prstDash val="solid"/>
+                      <a:round/>
+                      <a:headEnd type="none" w="med" len="med"/>
+                      <a:tailEnd type="none" w="med" len="med"/>
+                    </a:lnT>
+                    <a:lnB w="12700" cap="flat" cmpd="sng" algn="ctr">
+                      <a:solidFill>
+                        <a:schemeClr val="tx1"/>
+                      </a:solidFill>
+                      <a:prstDash val="solid"/>
+                      <a:round/>
+                      <a:headEnd type="none" w="med" len="med"/>
+                      <a:tailEnd type="none" w="med" len="med"/>
+                    </a:lnB>
+                  </a:tcPr>
+                </a:tc>
+                <a:tc>
+                  <a:txBody>
+                    <a:bodyPr/>
+                    <a:lstStyle/>
+                    <a:p>
+                      <a:pPr marL="0" algn="ctr" defTabSz="914400" rtl="0" eaLnBrk="1" latinLnBrk="0" hangingPunct="1"/>
+                      <a:r>
+                        <a:rPr lang="en-US" altLang="zh-TW" sz="4800" kern="1200" dirty="0" smtClean="0">
+                          <a:solidFill>
+                            <a:schemeClr val="tx1"/>
+                          </a:solidFill>
+                          <a:latin typeface="+mn-lt"/>
+                          <a:ea typeface="+mn-ea"/>
+                          <a:cs typeface="+mn-cs"/>
+                        </a:rPr>
+                        <a:t>A</a:t>
+                      </a:r>
+                      <a:endParaRPr lang="zh-TW" altLang="en-US" sz="4800" kern="1200" dirty="0" smtClean="0">
+                        <a:solidFill>
+                          <a:schemeClr val="tx1"/>
+                        </a:solidFill>
+                        <a:latin typeface="+mn-lt"/>
+                        <a:ea typeface="+mn-ea"/>
+                        <a:cs typeface="+mn-cs"/>
+                      </a:endParaRPr>
+                    </a:p>
+                  </a:txBody>
+                  <a:tcPr>
+                    <a:lnL w="12700" cap="flat" cmpd="sng" algn="ctr">
+                      <a:solidFill>
+                        <a:schemeClr val="tx1"/>
+                      </a:solidFill>
+                      <a:prstDash val="solid"/>
+                      <a:round/>
+                      <a:headEnd type="none" w="med" len="med"/>
+                      <a:tailEnd type="none" w="med" len="med"/>
+                    </a:lnL>
+                    <a:lnR w="12700" cap="flat" cmpd="sng" algn="ctr">
+                      <a:solidFill>
+                        <a:schemeClr val="tx1"/>
+                      </a:solidFill>
+                      <a:prstDash val="solid"/>
+                      <a:round/>
+                      <a:headEnd type="none" w="med" len="med"/>
+                      <a:tailEnd type="none" w="med" len="med"/>
+                    </a:lnR>
+                    <a:lnT w="57150" cap="flat" cmpd="sng" algn="ctr">
+                      <a:solidFill>
+                        <a:schemeClr val="tx1"/>
+                      </a:solidFill>
+                      <a:prstDash val="solid"/>
+                      <a:round/>
+                      <a:headEnd type="none" w="med" len="med"/>
+                      <a:tailEnd type="none" w="med" len="med"/>
+                    </a:lnT>
+                    <a:lnB w="12700" cap="flat" cmpd="sng" algn="ctr">
+                      <a:solidFill>
+                        <a:schemeClr val="tx1"/>
+                      </a:solidFill>
+                      <a:prstDash val="solid"/>
+                      <a:round/>
+                      <a:headEnd type="none" w="med" len="med"/>
+                      <a:tailEnd type="none" w="med" len="med"/>
+                    </a:lnB>
+                  </a:tcPr>
+                </a:tc>
+                <a:tc>
+                  <a:txBody>
+                    <a:bodyPr/>
+                    <a:lstStyle/>
+                    <a:p>
+                      <a:pPr marL="0" algn="ctr" defTabSz="914400" rtl="0" eaLnBrk="1" latinLnBrk="0" hangingPunct="1"/>
+                      <a:r>
+                        <a:rPr lang="en-US" altLang="zh-TW" sz="4800" kern="1200" dirty="0" smtClean="0">
+                          <a:solidFill>
+                            <a:schemeClr val="tx1"/>
+                          </a:solidFill>
+                          <a:latin typeface="+mn-lt"/>
+                          <a:ea typeface="+mn-ea"/>
+                          <a:cs typeface="+mn-cs"/>
+                        </a:rPr>
+                        <a:t>P</a:t>
+                      </a:r>
+                      <a:endParaRPr lang="zh-TW" altLang="en-US" sz="4800" kern="1200" dirty="0" smtClean="0">
+                        <a:solidFill>
+                          <a:schemeClr val="tx1"/>
+                        </a:solidFill>
+                        <a:latin typeface="+mn-lt"/>
+                        <a:ea typeface="+mn-ea"/>
+                        <a:cs typeface="+mn-cs"/>
+                      </a:endParaRPr>
+                    </a:p>
+                  </a:txBody>
+                  <a:tcPr>
+                    <a:lnL w="12700" cap="flat" cmpd="sng" algn="ctr">
+                      <a:solidFill>
+                        <a:schemeClr val="tx1"/>
+                      </a:solidFill>
+                      <a:prstDash val="solid"/>
+                      <a:round/>
+                      <a:headEnd type="none" w="med" len="med"/>
+                      <a:tailEnd type="none" w="med" len="med"/>
+                    </a:lnL>
+                    <a:lnR w="12700" cap="flat" cmpd="sng" algn="ctr">
+                      <a:solidFill>
+                        <a:schemeClr val="tx1"/>
+                      </a:solidFill>
+                      <a:prstDash val="solid"/>
+                      <a:round/>
+                      <a:headEnd type="none" w="med" len="med"/>
+                      <a:tailEnd type="none" w="med" len="med"/>
+                    </a:lnR>
+                    <a:lnT w="12700" cap="flat" cmpd="sng" algn="ctr">
+                      <a:solidFill>
+                        <a:schemeClr val="tx1"/>
+                      </a:solidFill>
+                      <a:prstDash val="solid"/>
+                      <a:round/>
+                      <a:headEnd type="none" w="med" len="med"/>
+                      <a:tailEnd type="none" w="med" len="med"/>
+                    </a:lnT>
+                    <a:lnB w="12700" cap="flat" cmpd="sng" algn="ctr">
+                      <a:solidFill>
+                        <a:schemeClr val="tx1"/>
+                      </a:solidFill>
+                      <a:prstDash val="solid"/>
+                      <a:round/>
+                      <a:headEnd type="none" w="med" len="med"/>
+                      <a:tailEnd type="none" w="med" len="med"/>
+                    </a:lnB>
+                  </a:tcPr>
+                </a:tc>
+                <a:tc>
+                  <a:txBody>
+                    <a:bodyPr/>
+                    <a:lstStyle/>
+                    <a:p>
+                      <a:endParaRPr lang="zh-TW" altLang="en-US"/>
+                    </a:p>
+                  </a:txBody>
+                  <a:tcPr>
+                    <a:lnL w="12700" cap="flat" cmpd="sng" algn="ctr">
+                      <a:solidFill>
+                        <a:schemeClr val="tx1"/>
+                      </a:solidFill>
+                      <a:prstDash val="solid"/>
+                      <a:round/>
+                      <a:headEnd type="none" w="med" len="med"/>
+                      <a:tailEnd type="none" w="med" len="med"/>
+                    </a:lnL>
+                    <a:lnR w="57150" cap="flat" cmpd="sng" algn="ctr">
+                      <a:solidFill>
+                        <a:schemeClr val="tx1"/>
+                      </a:solidFill>
+                      <a:prstDash val="solid"/>
+                      <a:round/>
+                      <a:headEnd type="none" w="med" len="med"/>
+                      <a:tailEnd type="none" w="med" len="med"/>
+                    </a:lnR>
+                    <a:lnT w="57150" cap="flat" cmpd="sng" algn="ctr">
+                      <a:solidFill>
+                        <a:schemeClr val="tx1"/>
+                      </a:solidFill>
+                      <a:prstDash val="solid"/>
+                      <a:round/>
+                      <a:headEnd type="none" w="med" len="med"/>
+                      <a:tailEnd type="none" w="med" len="med"/>
+                    </a:lnT>
+                    <a:lnB w="12700" cap="flat" cmpd="sng" algn="ctr">
+                      <a:solidFill>
+                        <a:schemeClr val="tx1"/>
+                      </a:solidFill>
+                      <a:prstDash val="solid"/>
+                      <a:round/>
+                      <a:headEnd type="none" w="med" len="med"/>
+                      <a:tailEnd type="none" w="med" len="med"/>
+                    </a:lnB>
+                  </a:tcPr>
+                </a:tc>
+              </a:tr>
+              <a:tr h="876300">
+                <a:tc>
+                  <a:txBody>
+                    <a:bodyPr/>
+                    <a:lstStyle/>
+                    <a:p>
+                      <a:endParaRPr lang="zh-TW" altLang="en-US"/>
+                    </a:p>
+                  </a:txBody>
+                  <a:tcPr>
+                    <a:lnL w="57150" cap="flat" cmpd="sng" algn="ctr">
+                      <a:solidFill>
+                        <a:schemeClr val="tx1"/>
+                      </a:solidFill>
+                      <a:prstDash val="solid"/>
+                      <a:round/>
+                      <a:headEnd type="none" w="med" len="med"/>
+                      <a:tailEnd type="none" w="med" len="med"/>
+                    </a:lnL>
+                    <a:lnR w="12700" cap="flat" cmpd="sng" algn="ctr">
+                      <a:solidFill>
+                        <a:schemeClr val="tx1"/>
+                      </a:solidFill>
+                      <a:prstDash val="solid"/>
+                      <a:round/>
+                      <a:headEnd type="none" w="med" len="med"/>
+                      <a:tailEnd type="none" w="med" len="med"/>
+                    </a:lnR>
+                    <a:lnT w="12700" cap="flat" cmpd="sng" algn="ctr">
+                      <a:solidFill>
+                        <a:schemeClr val="tx1"/>
+                      </a:solidFill>
+                      <a:prstDash val="solid"/>
+                      <a:round/>
+                      <a:headEnd type="none" w="med" len="med"/>
+                      <a:tailEnd type="none" w="med" len="med"/>
+                    </a:lnT>
+                    <a:lnB w="57150" cap="flat" cmpd="sng" algn="ctr">
+                      <a:solidFill>
+                        <a:schemeClr val="tx1"/>
+                      </a:solidFill>
+                      <a:prstDash val="solid"/>
+                      <a:round/>
+                      <a:headEnd type="none" w="med" len="med"/>
+                      <a:tailEnd type="none" w="med" len="med"/>
+                    </a:lnB>
+                  </a:tcPr>
+                </a:tc>
+                <a:tc>
+                  <a:txBody>
+                    <a:bodyPr/>
+                    <a:lstStyle/>
+                    <a:p>
+                      <a:endParaRPr lang="zh-TW" altLang="en-US" dirty="0"/>
+                    </a:p>
+                  </a:txBody>
+                  <a:tcPr>
+                    <a:lnL w="12700" cap="flat" cmpd="sng" algn="ctr">
+                      <a:solidFill>
+                        <a:schemeClr val="tx1"/>
+                      </a:solidFill>
+                      <a:prstDash val="solid"/>
+                      <a:round/>
+                      <a:headEnd type="none" w="med" len="med"/>
+                      <a:tailEnd type="none" w="med" len="med"/>
+                    </a:lnL>
+                    <a:lnR w="12700" cap="flat" cmpd="sng" algn="ctr">
+                      <a:solidFill>
+                        <a:schemeClr val="tx1"/>
+                      </a:solidFill>
+                      <a:prstDash val="solid"/>
+                      <a:round/>
+                      <a:headEnd type="none" w="med" len="med"/>
+                      <a:tailEnd type="none" w="med" len="med"/>
+                    </a:lnR>
+                    <a:lnT w="12700" cap="flat" cmpd="sng" algn="ctr">
+                      <a:solidFill>
+                        <a:schemeClr val="tx1"/>
+                      </a:solidFill>
+                      <a:prstDash val="solid"/>
+                      <a:round/>
+                      <a:headEnd type="none" w="med" len="med"/>
+                      <a:tailEnd type="none" w="med" len="med"/>
+                    </a:lnT>
+                    <a:lnB w="12700" cap="flat" cmpd="sng" algn="ctr">
+                      <a:solidFill>
+                        <a:schemeClr val="tx1"/>
+                      </a:solidFill>
+                      <a:prstDash val="solid"/>
+                      <a:round/>
+                      <a:headEnd type="none" w="med" len="med"/>
+                      <a:tailEnd type="none" w="med" len="med"/>
+                    </a:lnB>
+                  </a:tcPr>
+                </a:tc>
+                <a:tc>
+                  <a:txBody>
+                    <a:bodyPr/>
+                    <a:lstStyle/>
+                    <a:p>
+                      <a:endParaRPr lang="zh-TW" altLang="en-US" dirty="0"/>
+                    </a:p>
+                  </a:txBody>
+                  <a:tcPr>
+                    <a:lnL w="12700" cap="flat" cmpd="sng" algn="ctr">
+                      <a:solidFill>
+                        <a:schemeClr val="tx1"/>
+                      </a:solidFill>
+                      <a:prstDash val="solid"/>
+                      <a:round/>
+                      <a:headEnd type="none" w="med" len="med"/>
+                      <a:tailEnd type="none" w="med" len="med"/>
+                    </a:lnL>
+                    <a:lnR w="57150" cap="flat" cmpd="sng" algn="ctr">
+                      <a:solidFill>
+                        <a:schemeClr val="tx1"/>
+                      </a:solidFill>
+                      <a:prstDash val="solid"/>
+                      <a:round/>
+                      <a:headEnd type="none" w="med" len="med"/>
+                      <a:tailEnd type="none" w="med" len="med"/>
+                    </a:lnR>
+                    <a:lnT w="12700" cap="flat" cmpd="sng" algn="ctr">
+                      <a:solidFill>
+                        <a:schemeClr val="tx1"/>
+                      </a:solidFill>
+                      <a:prstDash val="solid"/>
+                      <a:round/>
+                      <a:headEnd type="none" w="med" len="med"/>
+                      <a:tailEnd type="none" w="med" len="med"/>
+                    </a:lnT>
+                    <a:lnB w="57150" cap="flat" cmpd="sng" algn="ctr">
+                      <a:solidFill>
+                        <a:schemeClr val="tx1"/>
+                      </a:solidFill>
+                      <a:prstDash val="solid"/>
+                      <a:round/>
+                      <a:headEnd type="none" w="med" len="med"/>
+                      <a:tailEnd type="none" w="med" len="med"/>
+                    </a:lnB>
+                  </a:tcPr>
+                </a:tc>
+                <a:tc>
+                  <a:txBody>
+                    <a:bodyPr/>
+                    <a:lstStyle/>
+                    <a:p>
+                      <a:endParaRPr lang="zh-TW" altLang="en-US" dirty="0"/>
+                    </a:p>
+                  </a:txBody>
+                  <a:tcPr>
+                    <a:lnL w="57150" cap="flat" cmpd="sng" algn="ctr">
+                      <a:solidFill>
+                        <a:schemeClr val="tx1"/>
+                      </a:solidFill>
+                      <a:prstDash val="solid"/>
+                      <a:round/>
+                      <a:headEnd type="none" w="med" len="med"/>
+                      <a:tailEnd type="none" w="med" len="med"/>
+                    </a:lnL>
+                    <a:lnR w="12700" cap="flat" cmpd="sng" algn="ctr">
+                      <a:solidFill>
+                        <a:schemeClr val="tx1"/>
+                      </a:solidFill>
+                      <a:prstDash val="solid"/>
+                      <a:round/>
+                      <a:headEnd type="none" w="med" len="med"/>
+                      <a:tailEnd type="none" w="med" len="med"/>
+                    </a:lnR>
+                    <a:lnT w="12700" cap="flat" cmpd="sng" algn="ctr">
+                      <a:solidFill>
+                        <a:schemeClr val="tx1"/>
+                      </a:solidFill>
+                      <a:prstDash val="solid"/>
+                      <a:round/>
+                      <a:headEnd type="none" w="med" len="med"/>
+                      <a:tailEnd type="none" w="med" len="med"/>
+                    </a:lnT>
+                    <a:lnB w="57150" cap="flat" cmpd="sng" algn="ctr">
+                      <a:solidFill>
+                        <a:schemeClr val="tx1"/>
+                      </a:solidFill>
+                      <a:prstDash val="solid"/>
+                      <a:round/>
+                      <a:headEnd type="none" w="med" len="med"/>
+                      <a:tailEnd type="none" w="med" len="med"/>
+                    </a:lnB>
+                  </a:tcPr>
+                </a:tc>
+                <a:tc>
+                  <a:txBody>
+                    <a:bodyPr/>
+                    <a:lstStyle/>
+                    <a:p>
+                      <a:endParaRPr lang="zh-TW" altLang="en-US" dirty="0"/>
+                    </a:p>
+                  </a:txBody>
+                  <a:tcPr>
+                    <a:lnL w="12700" cap="flat" cmpd="sng" algn="ctr">
+                      <a:solidFill>
+                        <a:schemeClr val="tx1"/>
+                      </a:solidFill>
+                      <a:prstDash val="solid"/>
+                      <a:round/>
+                      <a:headEnd type="none" w="med" len="med"/>
+                      <a:tailEnd type="none" w="med" len="med"/>
+                    </a:lnL>
+                    <a:lnR w="12700" cap="flat" cmpd="sng" algn="ctr">
+                      <a:solidFill>
+                        <a:schemeClr val="tx1"/>
+                      </a:solidFill>
+                      <a:prstDash val="solid"/>
+                      <a:round/>
+                      <a:headEnd type="none" w="med" len="med"/>
+                      <a:tailEnd type="none" w="med" len="med"/>
+                    </a:lnR>
+                    <a:lnT w="12700" cap="flat" cmpd="sng" algn="ctr">
+                      <a:solidFill>
+                        <a:schemeClr val="tx1"/>
+                      </a:solidFill>
+                      <a:prstDash val="solid"/>
+                      <a:round/>
+                      <a:headEnd type="none" w="med" len="med"/>
+                      <a:tailEnd type="none" w="med" len="med"/>
+                    </a:lnT>
+                    <a:lnB w="12700" cap="flat" cmpd="sng" algn="ctr">
+                      <a:solidFill>
+                        <a:schemeClr val="tx1"/>
+                      </a:solidFill>
+                      <a:prstDash val="solid"/>
+                      <a:round/>
+                      <a:headEnd type="none" w="med" len="med"/>
+                      <a:tailEnd type="none" w="med" len="med"/>
+                    </a:lnB>
+                  </a:tcPr>
+                </a:tc>
+                <a:tc>
+                  <a:txBody>
+                    <a:bodyPr/>
+                    <a:lstStyle/>
+                    <a:p>
+                      <a:endParaRPr lang="zh-TW" altLang="en-US"/>
+                    </a:p>
+                  </a:txBody>
+                  <a:tcPr>
+                    <a:lnL w="12700" cap="flat" cmpd="sng" algn="ctr">
+                      <a:solidFill>
+                        <a:schemeClr val="tx1"/>
+                      </a:solidFill>
+                      <a:prstDash val="solid"/>
+                      <a:round/>
+                      <a:headEnd type="none" w="med" len="med"/>
+                      <a:tailEnd type="none" w="med" len="med"/>
+                    </a:lnL>
+                    <a:lnR w="57150" cap="flat" cmpd="sng" algn="ctr">
+                      <a:solidFill>
+                        <a:schemeClr val="tx1"/>
+                      </a:solidFill>
+                      <a:prstDash val="solid"/>
+                      <a:round/>
+                      <a:headEnd type="none" w="med" len="med"/>
+                      <a:tailEnd type="none" w="med" len="med"/>
+                    </a:lnR>
+                    <a:lnT w="12700" cap="flat" cmpd="sng" algn="ctr">
+                      <a:solidFill>
+                        <a:schemeClr val="tx1"/>
+                      </a:solidFill>
+                      <a:prstDash val="solid"/>
+                      <a:round/>
+                      <a:headEnd type="none" w="med" len="med"/>
+                      <a:tailEnd type="none" w="med" len="med"/>
+                    </a:lnT>
+                    <a:lnB w="57150" cap="flat" cmpd="sng" algn="ctr">
+                      <a:solidFill>
+                        <a:schemeClr val="tx1"/>
+                      </a:solidFill>
+                      <a:prstDash val="solid"/>
+                      <a:round/>
+                      <a:headEnd type="none" w="med" len="med"/>
+                      <a:tailEnd type="none" w="med" len="med"/>
+                    </a:lnB>
+                  </a:tcPr>
+                </a:tc>
+              </a:tr>
+              <a:tr h="876300">
+                <a:tc>
+                  <a:txBody>
+                    <a:bodyPr/>
+                    <a:lstStyle/>
+                    <a:p>
+                      <a:endParaRPr lang="zh-TW" altLang="en-US" dirty="0"/>
+                    </a:p>
+                  </a:txBody>
+                  <a:tcPr>
+                    <a:lnL w="57150" cap="flat" cmpd="sng" algn="ctr">
+                      <a:solidFill>
+                        <a:schemeClr val="tx1"/>
+                      </a:solidFill>
+                      <a:prstDash val="solid"/>
+                      <a:round/>
+                      <a:headEnd type="none" w="med" len="med"/>
+                      <a:tailEnd type="none" w="med" len="med"/>
+                    </a:lnL>
+                    <a:lnR w="12700" cap="flat" cmpd="sng" algn="ctr">
+                      <a:solidFill>
+                        <a:schemeClr val="tx1"/>
+                      </a:solidFill>
+                      <a:prstDash val="solid"/>
+                      <a:round/>
+                      <a:headEnd type="none" w="med" len="med"/>
+                      <a:tailEnd type="none" w="med" len="med"/>
+                    </a:lnR>
+                    <a:lnT w="57150" cap="flat" cmpd="sng" algn="ctr">
+                      <a:solidFill>
+                        <a:schemeClr val="tx1"/>
+                      </a:solidFill>
+                      <a:prstDash val="solid"/>
+                      <a:round/>
+                      <a:headEnd type="none" w="med" len="med"/>
+                      <a:tailEnd type="none" w="med" len="med"/>
+                    </a:lnT>
+                    <a:lnB w="12700" cap="flat" cmpd="sng" algn="ctr">
+                      <a:solidFill>
+                        <a:schemeClr val="tx1"/>
+                      </a:solidFill>
+                      <a:prstDash val="solid"/>
+                      <a:round/>
+                      <a:headEnd type="none" w="med" len="med"/>
+                      <a:tailEnd type="none" w="med" len="med"/>
+                    </a:lnB>
+                  </a:tcPr>
+                </a:tc>
+                <a:tc>
+                  <a:txBody>
+                    <a:bodyPr/>
+                    <a:lstStyle/>
+                    <a:p>
+                      <a:pPr marL="0" algn="ctr" defTabSz="914400" rtl="0" eaLnBrk="1" latinLnBrk="0" hangingPunct="1"/>
+                      <a:r>
+                        <a:rPr lang="en-US" altLang="zh-TW" sz="4800" kern="1200" dirty="0" smtClean="0">
+                          <a:solidFill>
+                            <a:schemeClr val="tx1"/>
+                          </a:solidFill>
+                          <a:latin typeface="+mn-lt"/>
+                          <a:ea typeface="+mn-ea"/>
+                          <a:cs typeface="+mn-cs"/>
+                        </a:rPr>
+                        <a:t>P</a:t>
+                      </a:r>
+                      <a:endParaRPr lang="zh-TW" altLang="en-US" sz="4800" kern="1200" dirty="0" smtClean="0">
+                        <a:solidFill>
+                          <a:schemeClr val="tx1"/>
+                        </a:solidFill>
+                        <a:latin typeface="+mn-lt"/>
+                        <a:ea typeface="+mn-ea"/>
+                        <a:cs typeface="+mn-cs"/>
+                      </a:endParaRPr>
+                    </a:p>
+                  </a:txBody>
+                  <a:tcPr>
+                    <a:lnL w="12700" cap="flat" cmpd="sng" algn="ctr">
+                      <a:solidFill>
+                        <a:schemeClr val="tx1"/>
+                      </a:solidFill>
+                      <a:prstDash val="solid"/>
+                      <a:round/>
+                      <a:headEnd type="none" w="med" len="med"/>
+                      <a:tailEnd type="none" w="med" len="med"/>
+                    </a:lnL>
+                    <a:lnR w="12700" cap="flat" cmpd="sng" algn="ctr">
+                      <a:solidFill>
+                        <a:schemeClr val="tx1"/>
+                      </a:solidFill>
+                      <a:prstDash val="solid"/>
+                      <a:round/>
+                      <a:headEnd type="none" w="med" len="med"/>
+                      <a:tailEnd type="none" w="med" len="med"/>
+                    </a:lnR>
+                    <a:lnT w="12700" cap="flat" cmpd="sng" algn="ctr">
+                      <a:solidFill>
+                        <a:schemeClr val="tx1"/>
+                      </a:solidFill>
+                      <a:prstDash val="solid"/>
+                      <a:round/>
+                      <a:headEnd type="none" w="med" len="med"/>
+                      <a:tailEnd type="none" w="med" len="med"/>
+                    </a:lnT>
+                    <a:lnB w="12700" cap="flat" cmpd="sng" algn="ctr">
+                      <a:solidFill>
+                        <a:schemeClr val="tx1"/>
+                      </a:solidFill>
+                      <a:prstDash val="solid"/>
+                      <a:round/>
+                      <a:headEnd type="none" w="med" len="med"/>
+                      <a:tailEnd type="none" w="med" len="med"/>
+                    </a:lnB>
+                  </a:tcPr>
+                </a:tc>
+                <a:tc>
+                  <a:txBody>
+                    <a:bodyPr/>
+                    <a:lstStyle/>
+                    <a:p>
+                      <a:endParaRPr lang="zh-TW" altLang="en-US" dirty="0"/>
+                    </a:p>
+                  </a:txBody>
+                  <a:tcPr>
+                    <a:lnL w="12700" cap="flat" cmpd="sng" algn="ctr">
+                      <a:solidFill>
+                        <a:schemeClr val="tx1"/>
+                      </a:solidFill>
+                      <a:prstDash val="solid"/>
+                      <a:round/>
+                      <a:headEnd type="none" w="med" len="med"/>
+                      <a:tailEnd type="none" w="med" len="med"/>
+                    </a:lnL>
+                    <a:lnR w="12700" cap="flat" cmpd="sng" algn="ctr">
+                      <a:solidFill>
+                        <a:schemeClr val="tx1"/>
+                      </a:solidFill>
+                      <a:prstDash val="solid"/>
+                      <a:round/>
+                      <a:headEnd type="none" w="med" len="med"/>
+                      <a:tailEnd type="none" w="med" len="med"/>
+                    </a:lnR>
+                    <a:lnT w="57150" cap="flat" cmpd="sng" algn="ctr">
+                      <a:solidFill>
+                        <a:schemeClr val="tx1"/>
+                      </a:solidFill>
+                      <a:prstDash val="solid"/>
+                      <a:round/>
+                      <a:headEnd type="none" w="med" len="med"/>
+                      <a:tailEnd type="none" w="med" len="med"/>
+                    </a:lnT>
+                    <a:lnB w="12700" cap="flat" cmpd="sng" algn="ctr">
+                      <a:solidFill>
+                        <a:schemeClr val="tx1"/>
+                      </a:solidFill>
+                      <a:prstDash val="solid"/>
+                      <a:round/>
+                      <a:headEnd type="none" w="med" len="med"/>
+                      <a:tailEnd type="none" w="med" len="med"/>
+                    </a:lnB>
+                  </a:tcPr>
+                </a:tc>
+                <a:tc>
+                  <a:txBody>
+                    <a:bodyPr/>
+                    <a:lstStyle/>
+                    <a:p>
+                      <a:pPr marL="0" algn="ctr" defTabSz="914400" rtl="0" eaLnBrk="1" latinLnBrk="0" hangingPunct="1"/>
+                      <a:r>
+                        <a:rPr lang="en-US" altLang="zh-TW" sz="4800" kern="1200" dirty="0" smtClean="0">
+                          <a:solidFill>
+                            <a:schemeClr val="tx1"/>
+                          </a:solidFill>
+                          <a:latin typeface="+mn-lt"/>
+                          <a:ea typeface="+mn-ea"/>
+                          <a:cs typeface="+mn-cs"/>
+                        </a:rPr>
+                        <a:t>B</a:t>
+                      </a:r>
+                      <a:endParaRPr lang="zh-TW" altLang="en-US" sz="4800" kern="1200" dirty="0" smtClean="0">
+                        <a:solidFill>
+                          <a:schemeClr val="tx1"/>
+                        </a:solidFill>
+                        <a:latin typeface="+mn-lt"/>
+                        <a:ea typeface="+mn-ea"/>
+                        <a:cs typeface="+mn-cs"/>
+                      </a:endParaRPr>
+                    </a:p>
+                  </a:txBody>
+                  <a:tcPr>
+                    <a:lnL w="12700" cap="flat" cmpd="sng" algn="ctr">
+                      <a:solidFill>
+                        <a:schemeClr val="tx1"/>
+                      </a:solidFill>
+                      <a:prstDash val="solid"/>
+                      <a:round/>
+                      <a:headEnd type="none" w="med" len="med"/>
+                      <a:tailEnd type="none" w="med" len="med"/>
+                    </a:lnL>
+                    <a:lnR w="12700" cap="flat" cmpd="sng" algn="ctr">
+                      <a:solidFill>
+                        <a:schemeClr val="tx1"/>
+                      </a:solidFill>
+                      <a:prstDash val="solid"/>
+                      <a:round/>
+                      <a:headEnd type="none" w="med" len="med"/>
+                      <a:tailEnd type="none" w="med" len="med"/>
+                    </a:lnR>
+                    <a:lnT w="57150" cap="flat" cmpd="sng" algn="ctr">
+                      <a:solidFill>
+                        <a:schemeClr val="tx1"/>
+                      </a:solidFill>
+                      <a:prstDash val="solid"/>
+                      <a:round/>
+                      <a:headEnd type="none" w="med" len="med"/>
+                      <a:tailEnd type="none" w="med" len="med"/>
+                    </a:lnT>
+                    <a:lnB w="12700" cap="flat" cmpd="sng" algn="ctr">
+                      <a:solidFill>
+                        <a:schemeClr val="tx1"/>
+                      </a:solidFill>
+                      <a:prstDash val="solid"/>
+                      <a:round/>
+                      <a:headEnd type="none" w="med" len="med"/>
+                      <a:tailEnd type="none" w="med" len="med"/>
+                    </a:lnB>
+                  </a:tcPr>
+                </a:tc>
+                <a:tc>
+                  <a:txBody>
+                    <a:bodyPr/>
+                    <a:lstStyle/>
+                    <a:p>
+                      <a:pPr marL="0" algn="ctr" defTabSz="914400" rtl="0" eaLnBrk="1" latinLnBrk="0" hangingPunct="1"/>
+                      <a:r>
+                        <a:rPr lang="en-US" altLang="zh-TW" sz="4800" kern="1200" dirty="0" smtClean="0">
+                          <a:solidFill>
+                            <a:schemeClr val="tx1"/>
+                          </a:solidFill>
+                          <a:latin typeface="+mn-lt"/>
+                          <a:ea typeface="+mn-ea"/>
+                          <a:cs typeface="+mn-cs"/>
+                        </a:rPr>
+                        <a:t>P</a:t>
+                      </a:r>
+                      <a:endParaRPr lang="zh-TW" altLang="en-US" sz="4800" kern="1200" dirty="0" smtClean="0">
+                        <a:solidFill>
+                          <a:schemeClr val="tx1"/>
+                        </a:solidFill>
+                        <a:latin typeface="+mn-lt"/>
+                        <a:ea typeface="+mn-ea"/>
+                        <a:cs typeface="+mn-cs"/>
+                      </a:endParaRPr>
+                    </a:p>
+                  </a:txBody>
+                  <a:tcPr>
+                    <a:lnL w="12700" cap="flat" cmpd="sng" algn="ctr">
+                      <a:solidFill>
+                        <a:schemeClr val="tx1"/>
+                      </a:solidFill>
+                      <a:prstDash val="solid"/>
+                      <a:round/>
+                      <a:headEnd type="none" w="med" len="med"/>
+                      <a:tailEnd type="none" w="med" len="med"/>
+                    </a:lnL>
+                    <a:lnR w="12700" cap="flat" cmpd="sng" algn="ctr">
+                      <a:solidFill>
+                        <a:schemeClr val="tx1"/>
+                      </a:solidFill>
+                      <a:prstDash val="solid"/>
+                      <a:round/>
+                      <a:headEnd type="none" w="med" len="med"/>
+                      <a:tailEnd type="none" w="med" len="med"/>
+                    </a:lnR>
+                    <a:lnT w="12700" cap="flat" cmpd="sng" algn="ctr">
+                      <a:solidFill>
+                        <a:schemeClr val="tx1"/>
+                      </a:solidFill>
+                      <a:prstDash val="solid"/>
+                      <a:round/>
+                      <a:headEnd type="none" w="med" len="med"/>
+                      <a:tailEnd type="none" w="med" len="med"/>
+                    </a:lnT>
+                    <a:lnB w="12700" cap="flat" cmpd="sng" algn="ctr">
+                      <a:solidFill>
+                        <a:schemeClr val="tx1"/>
+                      </a:solidFill>
+                      <a:prstDash val="solid"/>
+                      <a:round/>
+                      <a:headEnd type="none" w="med" len="med"/>
+                      <a:tailEnd type="none" w="med" len="med"/>
+                    </a:lnB>
+                  </a:tcPr>
+                </a:tc>
+                <a:tc>
+                  <a:txBody>
+                    <a:bodyPr/>
+                    <a:lstStyle/>
+                    <a:p>
+                      <a:endParaRPr lang="zh-TW" altLang="en-US"/>
+                    </a:p>
+                  </a:txBody>
+                  <a:tcPr>
+                    <a:lnL w="12700" cap="flat" cmpd="sng" algn="ctr">
+                      <a:solidFill>
+                        <a:schemeClr val="tx1"/>
+                      </a:solidFill>
+                      <a:prstDash val="solid"/>
+                      <a:round/>
+                      <a:headEnd type="none" w="med" len="med"/>
+                      <a:tailEnd type="none" w="med" len="med"/>
+                    </a:lnL>
+                    <a:lnR w="57150" cap="flat" cmpd="sng" algn="ctr">
+                      <a:solidFill>
+                        <a:schemeClr val="tx1"/>
+                      </a:solidFill>
+                      <a:prstDash val="solid"/>
+                      <a:round/>
+                      <a:headEnd type="none" w="med" len="med"/>
+                      <a:tailEnd type="none" w="med" len="med"/>
+                    </a:lnR>
+                    <a:lnT w="57150" cap="flat" cmpd="sng" algn="ctr">
+                      <a:solidFill>
+                        <a:schemeClr val="tx1"/>
+                      </a:solidFill>
+                      <a:prstDash val="solid"/>
+                      <a:round/>
+                      <a:headEnd type="none" w="med" len="med"/>
+                      <a:tailEnd type="none" w="med" len="med"/>
+                    </a:lnT>
+                    <a:lnB w="12700" cap="flat" cmpd="sng" algn="ctr">
+                      <a:solidFill>
+                        <a:schemeClr val="tx1"/>
+                      </a:solidFill>
+                      <a:prstDash val="solid"/>
+                      <a:round/>
+                      <a:headEnd type="none" w="med" len="med"/>
+                      <a:tailEnd type="none" w="med" len="med"/>
+                    </a:lnB>
+                  </a:tcPr>
+                </a:tc>
+              </a:tr>
+              <a:tr h="876300">
+                <a:tc>
+                  <a:txBody>
+                    <a:bodyPr/>
+                    <a:lstStyle/>
+                    <a:p>
+                      <a:endParaRPr lang="zh-TW" altLang="en-US"/>
+                    </a:p>
+                  </a:txBody>
+                  <a:tcPr>
+                    <a:lnL w="57150" cap="flat" cmpd="sng" algn="ctr">
+                      <a:solidFill>
+                        <a:schemeClr val="tx1"/>
+                      </a:solidFill>
+                      <a:prstDash val="solid"/>
+                      <a:round/>
+                      <a:headEnd type="none" w="med" len="med"/>
+                      <a:tailEnd type="none" w="med" len="med"/>
+                    </a:lnL>
+                    <a:lnR w="12700" cap="flat" cmpd="sng" algn="ctr">
+                      <a:solidFill>
+                        <a:schemeClr val="tx1"/>
+                      </a:solidFill>
+                      <a:prstDash val="solid"/>
+                      <a:round/>
+                      <a:headEnd type="none" w="med" len="med"/>
+                      <a:tailEnd type="none" w="med" len="med"/>
+                    </a:lnR>
+                    <a:lnT w="12700" cap="flat" cmpd="sng" algn="ctr">
+                      <a:solidFill>
+                        <a:schemeClr val="tx1"/>
+                      </a:solidFill>
+                      <a:prstDash val="solid"/>
+                      <a:round/>
+                      <a:headEnd type="none" w="med" len="med"/>
+                      <a:tailEnd type="none" w="med" len="med"/>
+                    </a:lnT>
+                    <a:lnB w="57150" cap="flat" cmpd="sng" algn="ctr">
+                      <a:solidFill>
+                        <a:schemeClr val="tx1"/>
+                      </a:solidFill>
+                      <a:prstDash val="solid"/>
+                      <a:round/>
+                      <a:headEnd type="none" w="med" len="med"/>
+                      <a:tailEnd type="none" w="med" len="med"/>
+                    </a:lnB>
+                  </a:tcPr>
+                </a:tc>
+                <a:tc>
+                  <a:txBody>
+                    <a:bodyPr/>
+                    <a:lstStyle/>
+                    <a:p>
+                      <a:endParaRPr lang="zh-TW" altLang="en-US" dirty="0"/>
+                    </a:p>
+                  </a:txBody>
+                  <a:tcPr>
+                    <a:lnL w="12700" cap="flat" cmpd="sng" algn="ctr">
+                      <a:solidFill>
+                        <a:schemeClr val="tx1"/>
+                      </a:solidFill>
+                      <a:prstDash val="solid"/>
+                      <a:round/>
+                      <a:headEnd type="none" w="med" len="med"/>
+                      <a:tailEnd type="none" w="med" len="med"/>
+                    </a:lnL>
+                    <a:lnR w="12700" cap="flat" cmpd="sng" algn="ctr">
+                      <a:solidFill>
+                        <a:schemeClr val="tx1"/>
+                      </a:solidFill>
+                      <a:prstDash val="solid"/>
+                      <a:round/>
+                      <a:headEnd type="none" w="med" len="med"/>
+                      <a:tailEnd type="none" w="med" len="med"/>
+                    </a:lnR>
+                    <a:lnT w="12700" cap="flat" cmpd="sng" algn="ctr">
+                      <a:solidFill>
+                        <a:schemeClr val="tx1"/>
+                      </a:solidFill>
+                      <a:prstDash val="solid"/>
+                      <a:round/>
+                      <a:headEnd type="none" w="med" len="med"/>
+                      <a:tailEnd type="none" w="med" len="med"/>
+                    </a:lnT>
+                    <a:lnB w="57150" cap="flat" cmpd="sng" algn="ctr">
+                      <a:solidFill>
+                        <a:schemeClr val="tx1"/>
+                      </a:solidFill>
+                      <a:prstDash val="solid"/>
+                      <a:round/>
+                      <a:headEnd type="none" w="med" len="med"/>
+                      <a:tailEnd type="none" w="med" len="med"/>
+                    </a:lnB>
+                  </a:tcPr>
+                </a:tc>
+                <a:tc>
+                  <a:txBody>
+                    <a:bodyPr/>
+                    <a:lstStyle/>
+                    <a:p>
+                      <a:endParaRPr lang="zh-TW" altLang="en-US"/>
+                    </a:p>
+                  </a:txBody>
+                  <a:tcPr>
+                    <a:lnL w="12700" cap="flat" cmpd="sng" algn="ctr">
+                      <a:solidFill>
+                        <a:schemeClr val="tx1"/>
+                      </a:solidFill>
+                      <a:prstDash val="solid"/>
+                      <a:round/>
+                      <a:headEnd type="none" w="med" len="med"/>
+                      <a:tailEnd type="none" w="med" len="med"/>
+                    </a:lnL>
+                    <a:lnR w="57150" cap="flat" cmpd="sng" algn="ctr">
+                      <a:solidFill>
+                        <a:schemeClr val="tx1"/>
+                      </a:solidFill>
+                      <a:prstDash val="solid"/>
+                      <a:round/>
+                      <a:headEnd type="none" w="med" len="med"/>
+                      <a:tailEnd type="none" w="med" len="med"/>
+                    </a:lnR>
+                    <a:lnT w="12700" cap="flat" cmpd="sng" algn="ctr">
+                      <a:solidFill>
+                        <a:schemeClr val="tx1"/>
+                      </a:solidFill>
+                      <a:prstDash val="solid"/>
+                      <a:round/>
+                      <a:headEnd type="none" w="med" len="med"/>
+                      <a:tailEnd type="none" w="med" len="med"/>
+                    </a:lnT>
+                    <a:lnB w="57150" cap="flat" cmpd="sng" algn="ctr">
+                      <a:solidFill>
+                        <a:schemeClr val="tx1"/>
+                      </a:solidFill>
+                      <a:prstDash val="solid"/>
+                      <a:round/>
+                      <a:headEnd type="none" w="med" len="med"/>
+                      <a:tailEnd type="none" w="med" len="med"/>
+                    </a:lnB>
+                  </a:tcPr>
+                </a:tc>
+                <a:tc>
+                  <a:txBody>
+                    <a:bodyPr/>
+                    <a:lstStyle/>
+                    <a:p>
+                      <a:endParaRPr lang="zh-TW" altLang="en-US"/>
+                    </a:p>
+                  </a:txBody>
+                  <a:tcPr>
+                    <a:lnL w="57150" cap="flat" cmpd="sng" algn="ctr">
+                      <a:solidFill>
+                        <a:schemeClr val="tx1"/>
+                      </a:solidFill>
+                      <a:prstDash val="solid"/>
+                      <a:round/>
+                      <a:headEnd type="none" w="med" len="med"/>
+                      <a:tailEnd type="none" w="med" len="med"/>
+                    </a:lnL>
+                    <a:lnR w="12700" cap="flat" cmpd="sng" algn="ctr">
+                      <a:solidFill>
+                        <a:schemeClr val="tx1"/>
+                      </a:solidFill>
+                      <a:prstDash val="solid"/>
+                      <a:round/>
+                      <a:headEnd type="none" w="med" len="med"/>
+                      <a:tailEnd type="none" w="med" len="med"/>
+                    </a:lnR>
+                    <a:lnT w="12700" cap="flat" cmpd="sng" algn="ctr">
+                      <a:solidFill>
+                        <a:schemeClr val="tx1"/>
+                      </a:solidFill>
+                      <a:prstDash val="solid"/>
+                      <a:round/>
+                      <a:headEnd type="none" w="med" len="med"/>
+                      <a:tailEnd type="none" w="med" len="med"/>
+                    </a:lnT>
+                    <a:lnB w="57150" cap="flat" cmpd="sng" algn="ctr">
+                      <a:solidFill>
+                        <a:schemeClr val="tx1"/>
+                      </a:solidFill>
+                      <a:prstDash val="solid"/>
+                      <a:round/>
+                      <a:headEnd type="none" w="med" len="med"/>
+                      <a:tailEnd type="none" w="med" len="med"/>
+                    </a:lnB>
+                  </a:tcPr>
+                </a:tc>
+                <a:tc>
+                  <a:txBody>
+                    <a:bodyPr/>
+                    <a:lstStyle/>
+                    <a:p>
+                      <a:endParaRPr lang="zh-TW" altLang="en-US"/>
+                    </a:p>
+                  </a:txBody>
+                  <a:tcPr>
+                    <a:lnL w="12700" cap="flat" cmpd="sng" algn="ctr">
+                      <a:solidFill>
+                        <a:schemeClr val="tx1"/>
+                      </a:solidFill>
+                      <a:prstDash val="solid"/>
+                      <a:round/>
+                      <a:headEnd type="none" w="med" len="med"/>
+                      <a:tailEnd type="none" w="med" len="med"/>
+                    </a:lnL>
+                    <a:lnR w="12700" cap="flat" cmpd="sng" algn="ctr">
+                      <a:solidFill>
+                        <a:schemeClr val="tx1"/>
+                      </a:solidFill>
+                      <a:prstDash val="solid"/>
+                      <a:round/>
+                      <a:headEnd type="none" w="med" len="med"/>
+                      <a:tailEnd type="none" w="med" len="med"/>
+                    </a:lnR>
+                    <a:lnT w="12700" cap="flat" cmpd="sng" algn="ctr">
+                      <a:solidFill>
+                        <a:schemeClr val="tx1"/>
+                      </a:solidFill>
+                      <a:prstDash val="solid"/>
+                      <a:round/>
+                      <a:headEnd type="none" w="med" len="med"/>
+                      <a:tailEnd type="none" w="med" len="med"/>
+                    </a:lnT>
+                    <a:lnB w="57150" cap="flat" cmpd="sng" algn="ctr">
+                      <a:solidFill>
+                        <a:schemeClr val="tx1"/>
+                      </a:solidFill>
+                      <a:prstDash val="solid"/>
+                      <a:round/>
+                      <a:headEnd type="none" w="med" len="med"/>
+                      <a:tailEnd type="none" w="med" len="med"/>
+                    </a:lnB>
+                  </a:tcPr>
+                </a:tc>
+                <a:tc>
+                  <a:txBody>
+                    <a:bodyPr/>
+                    <a:lstStyle/>
+                    <a:p>
+                      <a:endParaRPr lang="zh-TW" altLang="en-US" dirty="0"/>
+                    </a:p>
+                  </a:txBody>
+                  <a:tcPr>
+                    <a:lnL w="12700" cap="flat" cmpd="sng" algn="ctr">
+                      <a:solidFill>
+                        <a:schemeClr val="tx1"/>
+                      </a:solidFill>
+                      <a:prstDash val="solid"/>
+                      <a:round/>
+                      <a:headEnd type="none" w="med" len="med"/>
+                      <a:tailEnd type="none" w="med" len="med"/>
+                    </a:lnL>
+                    <a:lnR w="57150" cap="flat" cmpd="sng" algn="ctr">
+                      <a:solidFill>
+                        <a:schemeClr val="tx1"/>
+                      </a:solidFill>
+                      <a:prstDash val="solid"/>
+                      <a:round/>
+                      <a:headEnd type="none" w="med" len="med"/>
+                      <a:tailEnd type="none" w="med" len="med"/>
+                    </a:lnR>
+                    <a:lnT w="12700" cap="flat" cmpd="sng" algn="ctr">
+                      <a:solidFill>
+                        <a:schemeClr val="tx1"/>
+                      </a:solidFill>
+                      <a:prstDash val="solid"/>
+                      <a:round/>
+                      <a:headEnd type="none" w="med" len="med"/>
+                      <a:tailEnd type="none" w="med" len="med"/>
+                    </a:lnT>
+                    <a:lnB w="57150" cap="flat" cmpd="sng" algn="ctr">
+                      <a:solidFill>
+                        <a:schemeClr val="tx1"/>
+                      </a:solidFill>
+                      <a:prstDash val="solid"/>
+                      <a:round/>
+                      <a:headEnd type="none" w="med" len="med"/>
+                      <a:tailEnd type="none" w="med" len="med"/>
+                    </a:lnB>
+                  </a:tcPr>
+                </a:tc>
+              </a:tr>
+            </a:tbl>
+          </a:graphicData>
+        </a:graphic>
+      </p:graphicFrame>
+    </p:spTree>
+  </p:cSld>
+  <p:clrMapOvr>
+    <a:masterClrMapping/>
+  </p:clrMapOvr>
+</p:sld>
+</file>
+
+<file path=ppt/slides/slide15.xml><?xml version="1.0" encoding="utf-8"?>
+<p:sld xmlns:a="http://schemas.openxmlformats.org/drawingml/2006/main" xmlns:r="http://schemas.openxmlformats.org/officeDocument/2006/relationships" xmlns:p="http://schemas.openxmlformats.org/presentationml/2006/main">
+  <p:cSld>
+    <p:spTree>
+      <p:nvGrpSpPr>
+        <p:cNvPr id="1" name=""/>
+        <p:cNvGrpSpPr/>
+        <p:nvPr/>
+      </p:nvGrpSpPr>
+      <p:grpSpPr>
+        <a:xfrm>
+          <a:off x="0" y="0"/>
+          <a:ext cx="0" cy="0"/>
+          <a:chOff x="0" y="0"/>
+          <a:chExt cx="0" cy="0"/>
+        </a:xfrm>
+      </p:grpSpPr>
+      <p:graphicFrame>
+        <p:nvGraphicFramePr>
+          <p:cNvPr id="5" name="表格 4"/>
+          <p:cNvGraphicFramePr>
+            <a:graphicFrameLocks noGrp="1"/>
+          </p:cNvGraphicFramePr>
+          <p:nvPr/>
+        </p:nvGraphicFramePr>
+        <p:xfrm>
+          <a:off x="1524000" y="914402"/>
+          <a:ext cx="6096000" cy="5257800"/>
+        </p:xfrm>
+        <a:graphic>
+          <a:graphicData uri="http://schemas.openxmlformats.org/drawingml/2006/table">
+            <a:tbl>
+              <a:tblPr>
+                <a:tableStyleId>{616DA210-FB5B-4158-B5E0-FEB733F419BA}</a:tableStyleId>
+              </a:tblPr>
+              <a:tblGrid>
+                <a:gridCol w="1016000"/>
+                <a:gridCol w="1016000"/>
+                <a:gridCol w="1016000"/>
+                <a:gridCol w="1016000"/>
+                <a:gridCol w="1016000"/>
+                <a:gridCol w="1016000"/>
+              </a:tblGrid>
+              <a:tr h="876300">
+                <a:tc>
+                  <a:txBody>
+                    <a:bodyPr/>
+                    <a:lstStyle/>
+                    <a:p>
+                      <a:endParaRPr lang="zh-TW" altLang="en-US" dirty="0"/>
+                    </a:p>
+                  </a:txBody>
+                  <a:tcPr>
+                    <a:lnL w="57150" cap="flat" cmpd="sng" algn="ctr">
+                      <a:solidFill>
+                        <a:schemeClr val="tx1"/>
+                      </a:solidFill>
+                      <a:prstDash val="solid"/>
+                      <a:round/>
+                      <a:headEnd type="none" w="med" len="med"/>
+                      <a:tailEnd type="none" w="med" len="med"/>
+                    </a:lnL>
+                    <a:lnR w="12700" cap="flat" cmpd="sng" algn="ctr">
+                      <a:solidFill>
+                        <a:schemeClr val="tx1"/>
+                      </a:solidFill>
+                      <a:prstDash val="solid"/>
+                      <a:round/>
+                      <a:headEnd type="none" w="med" len="med"/>
+                      <a:tailEnd type="none" w="med" len="med"/>
+                    </a:lnR>
+                    <a:lnT w="57150" cap="flat" cmpd="sng" algn="ctr">
+                      <a:solidFill>
+                        <a:schemeClr val="tx1"/>
+                      </a:solidFill>
+                      <a:prstDash val="solid"/>
+                      <a:round/>
+                      <a:headEnd type="none" w="med" len="med"/>
+                      <a:tailEnd type="none" w="med" len="med"/>
+                    </a:lnT>
+                    <a:lnB w="12700" cap="flat" cmpd="sng" algn="ctr">
+                      <a:solidFill>
+                        <a:schemeClr val="tx1"/>
+                      </a:solidFill>
+                      <a:prstDash val="solid"/>
+                      <a:round/>
+                      <a:headEnd type="none" w="med" len="med"/>
+                      <a:tailEnd type="none" w="med" len="med"/>
+                    </a:lnB>
+                    <a:lnTlToBr w="12700" cmpd="sng">
+                      <a:noFill/>
+                      <a:prstDash val="solid"/>
+                    </a:lnTlToBr>
+                    <a:lnBlToTr w="12700" cmpd="sng">
+                      <a:noFill/>
+                      <a:prstDash val="solid"/>
+                    </a:lnBlToTr>
+                  </a:tcPr>
+                </a:tc>
+                <a:tc>
+                  <a:txBody>
+                    <a:bodyPr/>
+                    <a:lstStyle/>
+                    <a:p>
+                      <a:endParaRPr lang="zh-TW" altLang="en-US" dirty="0"/>
+                    </a:p>
+                  </a:txBody>
+                  <a:tcPr>
+                    <a:lnL w="12700" cap="flat" cmpd="sng" algn="ctr">
+                      <a:solidFill>
+                        <a:schemeClr val="tx1"/>
+                      </a:solidFill>
+                      <a:prstDash val="solid"/>
+                      <a:round/>
+                      <a:headEnd type="none" w="med" len="med"/>
+                      <a:tailEnd type="none" w="med" len="med"/>
+                    </a:lnL>
+                    <a:lnR w="12700" cap="flat" cmpd="sng" algn="ctr">
+                      <a:solidFill>
+                        <a:schemeClr val="tx1"/>
+                      </a:solidFill>
+                      <a:prstDash val="solid"/>
+                      <a:round/>
+                      <a:headEnd type="none" w="med" len="med"/>
+                      <a:tailEnd type="none" w="med" len="med"/>
+                    </a:lnR>
+                    <a:lnT w="57150" cap="flat" cmpd="sng" algn="ctr">
+                      <a:solidFill>
+                        <a:schemeClr val="tx1"/>
+                      </a:solidFill>
+                      <a:prstDash val="solid"/>
+                      <a:round/>
+                      <a:headEnd type="none" w="med" len="med"/>
+                      <a:tailEnd type="none" w="med" len="med"/>
+                    </a:lnT>
+                    <a:lnB w="12700" cap="flat" cmpd="sng" algn="ctr">
+                      <a:solidFill>
+                        <a:schemeClr val="tx1"/>
+                      </a:solidFill>
+                      <a:prstDash val="solid"/>
+                      <a:round/>
+                      <a:headEnd type="none" w="med" len="med"/>
+                      <a:tailEnd type="none" w="med" len="med"/>
+                    </a:lnB>
+                  </a:tcPr>
+                </a:tc>
+                <a:tc>
+                  <a:txBody>
+                    <a:bodyPr/>
+                    <a:lstStyle/>
+                    <a:p>
+                      <a:endParaRPr lang="zh-TW" altLang="en-US" dirty="0"/>
+                    </a:p>
+                  </a:txBody>
+                  <a:tcPr>
+                    <a:lnL w="12700" cap="flat" cmpd="sng" algn="ctr">
+                      <a:solidFill>
+                        <a:schemeClr val="tx1"/>
+                      </a:solidFill>
+                      <a:prstDash val="solid"/>
+                      <a:round/>
+                      <a:headEnd type="none" w="med" len="med"/>
+                      <a:tailEnd type="none" w="med" len="med"/>
+                    </a:lnL>
+                    <a:lnR w="57150" cap="flat" cmpd="sng" algn="ctr">
+                      <a:solidFill>
+                        <a:schemeClr val="tx1"/>
+                      </a:solidFill>
+                      <a:prstDash val="solid"/>
+                      <a:round/>
+                      <a:headEnd type="none" w="med" len="med"/>
+                      <a:tailEnd type="none" w="med" len="med"/>
+                    </a:lnR>
+                    <a:lnT w="57150" cap="flat" cmpd="sng" algn="ctr">
+                      <a:solidFill>
+                        <a:schemeClr val="tx1"/>
+                      </a:solidFill>
+                      <a:prstDash val="solid"/>
+                      <a:round/>
+                      <a:headEnd type="none" w="med" len="med"/>
+                      <a:tailEnd type="none" w="med" len="med"/>
+                    </a:lnT>
+                    <a:lnB w="12700" cap="flat" cmpd="sng" algn="ctr">
+                      <a:solidFill>
+                        <a:schemeClr val="tx1"/>
+                      </a:solidFill>
+                      <a:prstDash val="solid"/>
+                      <a:round/>
+                      <a:headEnd type="none" w="med" len="med"/>
+                      <a:tailEnd type="none" w="med" len="med"/>
+                    </a:lnB>
+                  </a:tcPr>
+                </a:tc>
+                <a:tc>
+                  <a:txBody>
+                    <a:bodyPr/>
+                    <a:lstStyle/>
+                    <a:p>
+                      <a:endParaRPr lang="zh-TW" altLang="en-US" dirty="0"/>
+                    </a:p>
+                  </a:txBody>
+                  <a:tcPr>
+                    <a:lnL w="57150" cap="flat" cmpd="sng" algn="ctr">
+                      <a:solidFill>
+                        <a:schemeClr val="tx1"/>
+                      </a:solidFill>
+                      <a:prstDash val="solid"/>
+                      <a:round/>
+                      <a:headEnd type="none" w="med" len="med"/>
+                      <a:tailEnd type="none" w="med" len="med"/>
+                    </a:lnL>
+                    <a:lnR w="12700" cap="flat" cmpd="sng" algn="ctr">
+                      <a:solidFill>
+                        <a:schemeClr val="tx1"/>
+                      </a:solidFill>
+                      <a:prstDash val="solid"/>
+                      <a:round/>
+                      <a:headEnd type="none" w="med" len="med"/>
+                      <a:tailEnd type="none" w="med" len="med"/>
+                    </a:lnR>
+                    <a:lnT w="57150" cap="flat" cmpd="sng" algn="ctr">
+                      <a:solidFill>
+                        <a:schemeClr val="tx1"/>
+                      </a:solidFill>
+                      <a:prstDash val="solid"/>
+                      <a:round/>
+                      <a:headEnd type="none" w="med" len="med"/>
+                      <a:tailEnd type="none" w="med" len="med"/>
+                    </a:lnT>
+                    <a:lnB w="12700" cap="flat" cmpd="sng" algn="ctr">
+                      <a:solidFill>
+                        <a:schemeClr val="tx1"/>
+                      </a:solidFill>
+                      <a:prstDash val="solid"/>
+                      <a:round/>
+                      <a:headEnd type="none" w="med" len="med"/>
+                      <a:tailEnd type="none" w="med" len="med"/>
+                    </a:lnB>
+                  </a:tcPr>
+                </a:tc>
+                <a:tc>
+                  <a:txBody>
+                    <a:bodyPr/>
+                    <a:lstStyle/>
+                    <a:p>
+                      <a:endParaRPr lang="zh-TW" altLang="en-US" dirty="0"/>
+                    </a:p>
+                  </a:txBody>
+                  <a:tcPr>
+                    <a:lnL w="12700" cap="flat" cmpd="sng" algn="ctr">
+                      <a:solidFill>
+                        <a:schemeClr val="tx1"/>
+                      </a:solidFill>
+                      <a:prstDash val="solid"/>
+                      <a:round/>
+                      <a:headEnd type="none" w="med" len="med"/>
+                      <a:tailEnd type="none" w="med" len="med"/>
+                    </a:lnL>
+                    <a:lnR w="12700" cap="flat" cmpd="sng" algn="ctr">
+                      <a:solidFill>
+                        <a:schemeClr val="tx1"/>
+                      </a:solidFill>
+                      <a:prstDash val="solid"/>
+                      <a:round/>
+                      <a:headEnd type="none" w="med" len="med"/>
+                      <a:tailEnd type="none" w="med" len="med"/>
+                    </a:lnR>
+                    <a:lnT w="57150" cap="flat" cmpd="sng" algn="ctr">
+                      <a:solidFill>
+                        <a:schemeClr val="tx1"/>
+                      </a:solidFill>
+                      <a:prstDash val="solid"/>
+                      <a:round/>
+                      <a:headEnd type="none" w="med" len="med"/>
+                      <a:tailEnd type="none" w="med" len="med"/>
+                    </a:lnT>
+                    <a:lnB w="12700" cap="flat" cmpd="sng" algn="ctr">
+                      <a:solidFill>
+                        <a:schemeClr val="tx1"/>
+                      </a:solidFill>
+                      <a:prstDash val="solid"/>
+                      <a:round/>
+                      <a:headEnd type="none" w="med" len="med"/>
+                      <a:tailEnd type="none" w="med" len="med"/>
+                    </a:lnB>
+                  </a:tcPr>
+                </a:tc>
+                <a:tc>
+                  <a:txBody>
+                    <a:bodyPr/>
+                    <a:lstStyle/>
+                    <a:p>
+                      <a:endParaRPr lang="zh-TW" altLang="en-US" dirty="0"/>
+                    </a:p>
+                  </a:txBody>
+                  <a:tcPr>
+                    <a:lnL w="12700" cap="flat" cmpd="sng" algn="ctr">
+                      <a:solidFill>
+                        <a:schemeClr val="tx1"/>
+                      </a:solidFill>
+                      <a:prstDash val="solid"/>
+                      <a:round/>
+                      <a:headEnd type="none" w="med" len="med"/>
+                      <a:tailEnd type="none" w="med" len="med"/>
+                    </a:lnL>
+                    <a:lnR w="57150" cap="flat" cmpd="sng" algn="ctr">
+                      <a:solidFill>
+                        <a:schemeClr val="tx1"/>
+                      </a:solidFill>
+                      <a:prstDash val="solid"/>
+                      <a:round/>
+                      <a:headEnd type="none" w="med" len="med"/>
+                      <a:tailEnd type="none" w="med" len="med"/>
+                    </a:lnR>
+                    <a:lnT w="57150" cap="flat" cmpd="sng" algn="ctr">
+                      <a:solidFill>
+                        <a:schemeClr val="tx1"/>
+                      </a:solidFill>
+                      <a:prstDash val="solid"/>
+                      <a:round/>
+                      <a:headEnd type="none" w="med" len="med"/>
+                      <a:tailEnd type="none" w="med" len="med"/>
+                    </a:lnT>
+                    <a:lnB w="12700" cap="flat" cmpd="sng" algn="ctr">
+                      <a:solidFill>
+                        <a:schemeClr val="tx1"/>
+                      </a:solidFill>
+                      <a:prstDash val="solid"/>
+                      <a:round/>
+                      <a:headEnd type="none" w="med" len="med"/>
+                      <a:tailEnd type="none" w="med" len="med"/>
+                    </a:lnB>
+                  </a:tcPr>
+                </a:tc>
+              </a:tr>
+              <a:tr h="876300">
+                <a:tc>
+                  <a:txBody>
+                    <a:bodyPr/>
+                    <a:lstStyle/>
+                    <a:p>
+                      <a:endParaRPr lang="zh-TW" altLang="en-US" dirty="0"/>
+                    </a:p>
+                  </a:txBody>
+                  <a:tcPr>
+                    <a:lnL w="57150" cap="flat" cmpd="sng" algn="ctr">
+                      <a:solidFill>
+                        <a:schemeClr val="tx1"/>
+                      </a:solidFill>
+                      <a:prstDash val="solid"/>
+                      <a:round/>
+                      <a:headEnd type="none" w="med" len="med"/>
+                      <a:tailEnd type="none" w="med" len="med"/>
+                    </a:lnL>
+                    <a:lnR w="12700" cap="flat" cmpd="sng" algn="ctr">
+                      <a:solidFill>
+                        <a:schemeClr val="tx1"/>
+                      </a:solidFill>
+                      <a:prstDash val="solid"/>
+                      <a:round/>
+                      <a:headEnd type="none" w="med" len="med"/>
+                      <a:tailEnd type="none" w="med" len="med"/>
+                    </a:lnR>
+                    <a:lnT w="12700" cap="flat" cmpd="sng" algn="ctr">
+                      <a:solidFill>
+                        <a:schemeClr val="tx1"/>
+                      </a:solidFill>
+                      <a:prstDash val="solid"/>
+                      <a:round/>
+                      <a:headEnd type="none" w="med" len="med"/>
+                      <a:tailEnd type="none" w="med" len="med"/>
+                    </a:lnT>
+                    <a:lnB w="57150" cap="flat" cmpd="sng" algn="ctr">
+                      <a:solidFill>
+                        <a:schemeClr val="tx1"/>
+                      </a:solidFill>
+                      <a:prstDash val="solid"/>
+                      <a:round/>
+                      <a:headEnd type="none" w="med" len="med"/>
+                      <a:tailEnd type="none" w="med" len="med"/>
+                    </a:lnB>
+                  </a:tcPr>
+                </a:tc>
+                <a:tc>
+                  <a:txBody>
+                    <a:bodyPr/>
+                    <a:lstStyle/>
+                    <a:p>
+                      <a:pPr algn="ctr"/>
+                      <a:r>
+                        <a:rPr lang="en-US" altLang="zh-TW" sz="4800" dirty="0" smtClean="0"/>
+                        <a:t>S</a:t>
+                      </a:r>
+                      <a:endParaRPr lang="zh-TW" altLang="en-US" sz="4800" dirty="0"/>
+                    </a:p>
+                  </a:txBody>
+                  <a:tcPr>
+                    <a:lnL w="12700" cap="flat" cmpd="sng" algn="ctr">
+                      <a:solidFill>
+                        <a:schemeClr val="tx1"/>
+                      </a:solidFill>
+                      <a:prstDash val="solid"/>
+                      <a:round/>
+                      <a:headEnd type="none" w="med" len="med"/>
+                      <a:tailEnd type="none" w="med" len="med"/>
+                    </a:lnL>
+                    <a:lnR w="12700" cap="flat" cmpd="sng" algn="ctr">
+                      <a:solidFill>
+                        <a:schemeClr val="tx1"/>
+                      </a:solidFill>
+                      <a:prstDash val="solid"/>
+                      <a:round/>
+                      <a:headEnd type="none" w="med" len="med"/>
+                      <a:tailEnd type="none" w="med" len="med"/>
+                    </a:lnR>
+                    <a:lnT w="12700" cap="flat" cmpd="sng" algn="ctr">
+                      <a:solidFill>
+                        <a:schemeClr val="tx1"/>
+                      </a:solidFill>
+                      <a:prstDash val="solid"/>
+                      <a:round/>
+                      <a:headEnd type="none" w="med" len="med"/>
+                      <a:tailEnd type="none" w="med" len="med"/>
+                    </a:lnT>
+                    <a:lnB w="12700" cap="flat" cmpd="sng" algn="ctr">
+                      <a:solidFill>
+                        <a:schemeClr val="tx1"/>
+                      </a:solidFill>
+                      <a:prstDash val="solid"/>
+                      <a:round/>
+                      <a:headEnd type="none" w="med" len="med"/>
+                      <a:tailEnd type="none" w="med" len="med"/>
+                    </a:lnB>
+                  </a:tcPr>
+                </a:tc>
+                <a:tc>
+                  <a:txBody>
+                    <a:bodyPr/>
+                    <a:lstStyle/>
+                    <a:p>
+                      <a:endParaRPr lang="zh-TW" altLang="en-US" dirty="0"/>
+                    </a:p>
+                  </a:txBody>
+                  <a:tcPr>
+                    <a:lnL w="12700" cap="flat" cmpd="sng" algn="ctr">
+                      <a:solidFill>
+                        <a:schemeClr val="tx1"/>
+                      </a:solidFill>
+                      <a:prstDash val="solid"/>
+                      <a:round/>
+                      <a:headEnd type="none" w="med" len="med"/>
+                      <a:tailEnd type="none" w="med" len="med"/>
+                    </a:lnL>
+                    <a:lnR w="12700" cap="flat" cmpd="sng" algn="ctr">
+                      <a:solidFill>
+                        <a:schemeClr val="tx1"/>
+                      </a:solidFill>
+                      <a:prstDash val="solid"/>
+                      <a:round/>
+                      <a:headEnd type="none" w="med" len="med"/>
+                      <a:tailEnd type="none" w="med" len="med"/>
+                    </a:lnR>
+                    <a:lnT w="12700" cap="flat" cmpd="sng" algn="ctr">
+                      <a:solidFill>
+                        <a:schemeClr val="tx1"/>
+                      </a:solidFill>
+                      <a:prstDash val="solid"/>
+                      <a:round/>
+                      <a:headEnd type="none" w="med" len="med"/>
+                      <a:tailEnd type="none" w="med" len="med"/>
+                    </a:lnT>
+                    <a:lnB w="57150" cap="flat" cmpd="sng" algn="ctr">
+                      <a:solidFill>
+                        <a:schemeClr val="tx1"/>
+                      </a:solidFill>
+                      <a:prstDash val="solid"/>
+                      <a:round/>
+                      <a:headEnd type="none" w="med" len="med"/>
+                      <a:tailEnd type="none" w="med" len="med"/>
+                    </a:lnB>
+                  </a:tcPr>
+                </a:tc>
+                <a:tc>
+                  <a:txBody>
+                    <a:bodyPr/>
+                    <a:lstStyle/>
+                    <a:p>
+                      <a:endParaRPr lang="zh-TW" altLang="en-US" dirty="0"/>
+                    </a:p>
+                  </a:txBody>
+                  <a:tcPr>
+                    <a:lnL w="12700" cap="flat" cmpd="sng" algn="ctr">
+                      <a:solidFill>
+                        <a:schemeClr val="tx1"/>
+                      </a:solidFill>
+                      <a:prstDash val="solid"/>
+                      <a:round/>
+                      <a:headEnd type="none" w="med" len="med"/>
+                      <a:tailEnd type="none" w="med" len="med"/>
+                    </a:lnL>
+                    <a:lnR w="12700" cap="flat" cmpd="sng" algn="ctr">
+                      <a:solidFill>
+                        <a:schemeClr val="tx1"/>
+                      </a:solidFill>
+                      <a:prstDash val="solid"/>
+                      <a:round/>
+                      <a:headEnd type="none" w="med" len="med"/>
+                      <a:tailEnd type="none" w="med" len="med"/>
+                    </a:lnR>
+                    <a:lnT w="12700" cap="flat" cmpd="sng" algn="ctr">
+                      <a:solidFill>
+                        <a:schemeClr val="tx1"/>
+                      </a:solidFill>
+                      <a:prstDash val="solid"/>
+                      <a:round/>
+                      <a:headEnd type="none" w="med" len="med"/>
+                      <a:tailEnd type="none" w="med" len="med"/>
+                    </a:lnT>
+                    <a:lnB w="57150" cap="flat" cmpd="sng" algn="ctr">
+                      <a:solidFill>
+                        <a:schemeClr val="tx1"/>
+                      </a:solidFill>
+                      <a:prstDash val="solid"/>
+                      <a:round/>
+                      <a:headEnd type="none" w="med" len="med"/>
+                      <a:tailEnd type="none" w="med" len="med"/>
+                    </a:lnB>
+                  </a:tcPr>
+                </a:tc>
+                <a:tc>
+                  <a:txBody>
+                    <a:bodyPr/>
+                    <a:lstStyle/>
+                    <a:p>
+                      <a:endParaRPr lang="zh-TW" altLang="en-US" dirty="0"/>
+                    </a:p>
+                  </a:txBody>
+                  <a:tcPr>
+                    <a:lnL w="12700" cap="flat" cmpd="sng" algn="ctr">
+                      <a:solidFill>
+                        <a:schemeClr val="tx1"/>
+                      </a:solidFill>
+                      <a:prstDash val="solid"/>
+                      <a:round/>
+                      <a:headEnd type="none" w="med" len="med"/>
+                      <a:tailEnd type="none" w="med" len="med"/>
+                    </a:lnL>
+                    <a:lnR w="12700" cap="flat" cmpd="sng" algn="ctr">
+                      <a:solidFill>
+                        <a:schemeClr val="tx1"/>
+                      </a:solidFill>
+                      <a:prstDash val="solid"/>
+                      <a:round/>
+                      <a:headEnd type="none" w="med" len="med"/>
+                      <a:tailEnd type="none" w="med" len="med"/>
+                    </a:lnR>
+                    <a:lnT w="12700" cap="flat" cmpd="sng" algn="ctr">
+                      <a:solidFill>
+                        <a:schemeClr val="tx1"/>
+                      </a:solidFill>
+                      <a:prstDash val="solid"/>
+                      <a:round/>
+                      <a:headEnd type="none" w="med" len="med"/>
+                      <a:tailEnd type="none" w="med" len="med"/>
+                    </a:lnT>
+                    <a:lnB w="12700" cap="flat" cmpd="sng" algn="ctr">
+                      <a:solidFill>
+                        <a:schemeClr val="tx1"/>
+                      </a:solidFill>
+                      <a:prstDash val="solid"/>
+                      <a:round/>
+                      <a:headEnd type="none" w="med" len="med"/>
+                      <a:tailEnd type="none" w="med" len="med"/>
+                    </a:lnB>
+                  </a:tcPr>
+                </a:tc>
+                <a:tc>
+                  <a:txBody>
+                    <a:bodyPr/>
+                    <a:lstStyle/>
+                    <a:p>
+                      <a:endParaRPr lang="zh-TW" altLang="en-US"/>
+                    </a:p>
+                  </a:txBody>
+                  <a:tcPr>
+                    <a:lnL w="12700" cap="flat" cmpd="sng" algn="ctr">
+                      <a:solidFill>
+                        <a:schemeClr val="tx1"/>
+                      </a:solidFill>
+                      <a:prstDash val="solid"/>
+                      <a:round/>
+                      <a:headEnd type="none" w="med" len="med"/>
+                      <a:tailEnd type="none" w="med" len="med"/>
+                    </a:lnL>
+                    <a:lnR w="57150" cap="flat" cmpd="sng" algn="ctr">
+                      <a:solidFill>
+                        <a:schemeClr val="tx1"/>
+                      </a:solidFill>
+                      <a:prstDash val="solid"/>
+                      <a:round/>
+                      <a:headEnd type="none" w="med" len="med"/>
+                      <a:tailEnd type="none" w="med" len="med"/>
+                    </a:lnR>
+                    <a:lnT w="12700" cap="flat" cmpd="sng" algn="ctr">
+                      <a:solidFill>
+                        <a:schemeClr val="tx1"/>
+                      </a:solidFill>
+                      <a:prstDash val="solid"/>
+                      <a:round/>
+                      <a:headEnd type="none" w="med" len="med"/>
+                      <a:tailEnd type="none" w="med" len="med"/>
+                    </a:lnT>
+                    <a:lnB w="57150" cap="flat" cmpd="sng" algn="ctr">
+                      <a:solidFill>
+                        <a:schemeClr val="tx1"/>
+                      </a:solidFill>
+                      <a:prstDash val="solid"/>
+                      <a:round/>
+                      <a:headEnd type="none" w="med" len="med"/>
+                      <a:tailEnd type="none" w="med" len="med"/>
+                    </a:lnB>
+                  </a:tcPr>
+                </a:tc>
+              </a:tr>
+              <a:tr h="876300">
+                <a:tc>
+                  <a:txBody>
+                    <a:bodyPr/>
+                    <a:lstStyle/>
+                    <a:p>
+                      <a:endParaRPr lang="zh-TW" altLang="en-US" dirty="0"/>
+                    </a:p>
+                  </a:txBody>
+                  <a:tcPr>
+                    <a:lnL w="57150" cap="flat" cmpd="sng" algn="ctr">
+                      <a:solidFill>
+                        <a:schemeClr val="tx1"/>
+                      </a:solidFill>
+                      <a:prstDash val="solid"/>
+                      <a:round/>
+                      <a:headEnd type="none" w="med" len="med"/>
+                      <a:tailEnd type="none" w="med" len="med"/>
+                    </a:lnL>
+                    <a:lnR w="12700" cap="flat" cmpd="sng" algn="ctr">
+                      <a:solidFill>
+                        <a:schemeClr val="tx1"/>
+                      </a:solidFill>
+                      <a:prstDash val="solid"/>
+                      <a:round/>
+                      <a:headEnd type="none" w="med" len="med"/>
+                      <a:tailEnd type="none" w="med" len="med"/>
+                    </a:lnR>
+                    <a:lnT w="57150" cap="flat" cmpd="sng" algn="ctr">
+                      <a:solidFill>
+                        <a:schemeClr val="tx1"/>
+                      </a:solidFill>
+                      <a:prstDash val="solid"/>
+                      <a:round/>
+                      <a:headEnd type="none" w="med" len="med"/>
+                      <a:tailEnd type="none" w="med" len="med"/>
+                    </a:lnT>
+                    <a:lnB w="12700" cap="flat" cmpd="sng" algn="ctr">
+                      <a:solidFill>
+                        <a:schemeClr val="tx1"/>
+                      </a:solidFill>
+                      <a:prstDash val="solid"/>
+                      <a:round/>
+                      <a:headEnd type="none" w="med" len="med"/>
+                      <a:tailEnd type="none" w="med" len="med"/>
+                    </a:lnB>
+                  </a:tcPr>
+                </a:tc>
+                <a:tc>
+                  <a:txBody>
+                    <a:bodyPr/>
+                    <a:lstStyle/>
+                    <a:p>
+                      <a:endParaRPr lang="zh-TW" altLang="en-US" dirty="0"/>
+                    </a:p>
+                  </a:txBody>
+                  <a:tcPr>
+                    <a:lnL w="12700" cap="flat" cmpd="sng" algn="ctr">
+                      <a:solidFill>
+                        <a:schemeClr val="tx1"/>
+                      </a:solidFill>
+                      <a:prstDash val="solid"/>
+                      <a:round/>
+                      <a:headEnd type="none" w="med" len="med"/>
+                      <a:tailEnd type="none" w="med" len="med"/>
+                    </a:lnL>
+                    <a:lnR w="12700" cap="flat" cmpd="sng" algn="ctr">
+                      <a:solidFill>
+                        <a:schemeClr val="tx1"/>
+                      </a:solidFill>
+                      <a:prstDash val="solid"/>
+                      <a:round/>
+                      <a:headEnd type="none" w="med" len="med"/>
+                      <a:tailEnd type="none" w="med" len="med"/>
+                    </a:lnR>
+                    <a:lnT w="12700" cap="flat" cmpd="sng" algn="ctr">
+                      <a:solidFill>
+                        <a:schemeClr val="tx1"/>
+                      </a:solidFill>
+                      <a:prstDash val="solid"/>
+                      <a:round/>
+                      <a:headEnd type="none" w="med" len="med"/>
+                      <a:tailEnd type="none" w="med" len="med"/>
+                    </a:lnT>
+                    <a:lnB w="12700" cap="flat" cmpd="sng" algn="ctr">
+                      <a:solidFill>
+                        <a:schemeClr val="tx1"/>
+                      </a:solidFill>
+                      <a:prstDash val="solid"/>
+                      <a:round/>
+                      <a:headEnd type="none" w="med" len="med"/>
+                      <a:tailEnd type="none" w="med" len="med"/>
+                    </a:lnB>
+                  </a:tcPr>
+                </a:tc>
+                <a:tc>
+                  <a:txBody>
+                    <a:bodyPr/>
+                    <a:lstStyle/>
+                    <a:p>
+                      <a:endParaRPr lang="zh-TW" altLang="en-US" dirty="0"/>
+                    </a:p>
+                  </a:txBody>
+                  <a:tcPr>
+                    <a:lnL w="12700" cap="flat" cmpd="sng" algn="ctr">
+                      <a:solidFill>
+                        <a:schemeClr val="tx1"/>
+                      </a:solidFill>
+                      <a:prstDash val="solid"/>
+                      <a:round/>
+                      <a:headEnd type="none" w="med" len="med"/>
+                      <a:tailEnd type="none" w="med" len="med"/>
+                    </a:lnL>
+                    <a:lnR w="12700" cap="flat" cmpd="sng" algn="ctr">
+                      <a:solidFill>
+                        <a:schemeClr val="tx1"/>
+                      </a:solidFill>
+                      <a:prstDash val="solid"/>
+                      <a:round/>
+                      <a:headEnd type="none" w="med" len="med"/>
+                      <a:tailEnd type="none" w="med" len="med"/>
+                    </a:lnR>
+                    <a:lnT w="57150" cap="flat" cmpd="sng" algn="ctr">
+                      <a:solidFill>
+                        <a:schemeClr val="tx1"/>
+                      </a:solidFill>
+                      <a:prstDash val="solid"/>
+                      <a:round/>
+                      <a:headEnd type="none" w="med" len="med"/>
+                      <a:tailEnd type="none" w="med" len="med"/>
+                    </a:lnT>
+                    <a:lnB w="12700" cap="flat" cmpd="sng" algn="ctr">
+                      <a:solidFill>
+                        <a:schemeClr val="tx1"/>
+                      </a:solidFill>
+                      <a:prstDash val="solid"/>
+                      <a:round/>
+                      <a:headEnd type="none" w="med" len="med"/>
+                      <a:tailEnd type="none" w="med" len="med"/>
+                    </a:lnB>
+                  </a:tcPr>
+                </a:tc>
+                <a:tc>
+                  <a:txBody>
+                    <a:bodyPr/>
+                    <a:lstStyle/>
+                    <a:p>
+                      <a:pPr marL="0" algn="ctr" defTabSz="914400" rtl="0" eaLnBrk="1" latinLnBrk="0" hangingPunct="1"/>
+                      <a:r>
+                        <a:rPr lang="en-US" altLang="zh-TW" sz="4800" kern="1200" dirty="0" smtClean="0">
+                          <a:solidFill>
+                            <a:schemeClr val="tx1"/>
+                          </a:solidFill>
+                          <a:latin typeface="+mn-lt"/>
+                          <a:ea typeface="+mn-ea"/>
+                          <a:cs typeface="+mn-cs"/>
+                        </a:rPr>
+                        <a:t>A</a:t>
+                      </a:r>
+                      <a:endParaRPr lang="zh-TW" altLang="en-US" sz="4800" kern="1200" dirty="0" smtClean="0">
+                        <a:solidFill>
+                          <a:schemeClr val="tx1"/>
+                        </a:solidFill>
+                        <a:latin typeface="+mn-lt"/>
+                        <a:ea typeface="+mn-ea"/>
+                        <a:cs typeface="+mn-cs"/>
+                      </a:endParaRPr>
+                    </a:p>
+                  </a:txBody>
+                  <a:tcPr>
+                    <a:lnL w="12700" cap="flat" cmpd="sng" algn="ctr">
+                      <a:solidFill>
+                        <a:schemeClr val="tx1"/>
+                      </a:solidFill>
+                      <a:prstDash val="solid"/>
+                      <a:round/>
+                      <a:headEnd type="none" w="med" len="med"/>
+                      <a:tailEnd type="none" w="med" len="med"/>
+                    </a:lnL>
+                    <a:lnR w="12700" cap="flat" cmpd="sng" algn="ctr">
+                      <a:solidFill>
+                        <a:schemeClr val="tx1"/>
+                      </a:solidFill>
+                      <a:prstDash val="solid"/>
+                      <a:round/>
+                      <a:headEnd type="none" w="med" len="med"/>
+                      <a:tailEnd type="none" w="med" len="med"/>
+                    </a:lnR>
+                    <a:lnT w="57150" cap="flat" cmpd="sng" algn="ctr">
+                      <a:solidFill>
+                        <a:schemeClr val="tx1"/>
+                      </a:solidFill>
+                      <a:prstDash val="solid"/>
+                      <a:round/>
+                      <a:headEnd type="none" w="med" len="med"/>
+                      <a:tailEnd type="none" w="med" len="med"/>
+                    </a:lnT>
+                    <a:lnB w="12700" cap="flat" cmpd="sng" algn="ctr">
+                      <a:solidFill>
+                        <a:schemeClr val="tx1"/>
+                      </a:solidFill>
+                      <a:prstDash val="solid"/>
+                      <a:round/>
+                      <a:headEnd type="none" w="med" len="med"/>
+                      <a:tailEnd type="none" w="med" len="med"/>
+                    </a:lnB>
+                  </a:tcPr>
+                </a:tc>
+                <a:tc>
+                  <a:txBody>
+                    <a:bodyPr/>
+                    <a:lstStyle/>
+                    <a:p>
+                      <a:pPr marL="0" algn="ctr" defTabSz="914400" rtl="0" eaLnBrk="1" latinLnBrk="0" hangingPunct="1"/>
+                      <a:r>
+                        <a:rPr lang="en-US" altLang="zh-TW" sz="4800" kern="1200" dirty="0" smtClean="0">
+                          <a:solidFill>
+                            <a:schemeClr val="tx1"/>
+                          </a:solidFill>
+                          <a:latin typeface="+mn-lt"/>
+                          <a:ea typeface="+mn-ea"/>
+                          <a:cs typeface="+mn-cs"/>
+                        </a:rPr>
+                        <a:t>P</a:t>
+                      </a:r>
+                      <a:endParaRPr lang="zh-TW" altLang="en-US" sz="4800" kern="1200" dirty="0" smtClean="0">
+                        <a:solidFill>
+                          <a:schemeClr val="tx1"/>
+                        </a:solidFill>
+                        <a:latin typeface="+mn-lt"/>
+                        <a:ea typeface="+mn-ea"/>
+                        <a:cs typeface="+mn-cs"/>
+                      </a:endParaRPr>
+                    </a:p>
+                  </a:txBody>
+                  <a:tcPr>
+                    <a:lnL w="12700" cap="flat" cmpd="sng" algn="ctr">
+                      <a:solidFill>
+                        <a:schemeClr val="tx1"/>
+                      </a:solidFill>
+                      <a:prstDash val="solid"/>
+                      <a:round/>
+                      <a:headEnd type="none" w="med" len="med"/>
+                      <a:tailEnd type="none" w="med" len="med"/>
+                    </a:lnL>
+                    <a:lnR w="12700" cap="flat" cmpd="sng" algn="ctr">
+                      <a:solidFill>
+                        <a:schemeClr val="tx1"/>
+                      </a:solidFill>
+                      <a:prstDash val="solid"/>
+                      <a:round/>
+                      <a:headEnd type="none" w="med" len="med"/>
+                      <a:tailEnd type="none" w="med" len="med"/>
+                    </a:lnR>
+                    <a:lnT w="12700" cap="flat" cmpd="sng" algn="ctr">
+                      <a:solidFill>
+                        <a:schemeClr val="tx1"/>
+                      </a:solidFill>
+                      <a:prstDash val="solid"/>
+                      <a:round/>
+                      <a:headEnd type="none" w="med" len="med"/>
+                      <a:tailEnd type="none" w="med" len="med"/>
+                    </a:lnT>
+                    <a:lnB w="12700" cap="flat" cmpd="sng" algn="ctr">
+                      <a:solidFill>
+                        <a:schemeClr val="tx1"/>
+                      </a:solidFill>
+                      <a:prstDash val="solid"/>
+                      <a:round/>
+                      <a:headEnd type="none" w="med" len="med"/>
+                      <a:tailEnd type="none" w="med" len="med"/>
+                    </a:lnB>
+                  </a:tcPr>
+                </a:tc>
+                <a:tc>
+                  <a:txBody>
+                    <a:bodyPr/>
+                    <a:lstStyle/>
+                    <a:p>
+                      <a:endParaRPr lang="zh-TW" altLang="en-US"/>
+                    </a:p>
+                  </a:txBody>
+                  <a:tcPr>
+                    <a:lnL w="12700" cap="flat" cmpd="sng" algn="ctr">
+                      <a:solidFill>
+                        <a:schemeClr val="tx1"/>
+                      </a:solidFill>
+                      <a:prstDash val="solid"/>
+                      <a:round/>
+                      <a:headEnd type="none" w="med" len="med"/>
+                      <a:tailEnd type="none" w="med" len="med"/>
+                    </a:lnL>
+                    <a:lnR w="57150" cap="flat" cmpd="sng" algn="ctr">
+                      <a:solidFill>
+                        <a:schemeClr val="tx1"/>
+                      </a:solidFill>
+                      <a:prstDash val="solid"/>
+                      <a:round/>
+                      <a:headEnd type="none" w="med" len="med"/>
+                      <a:tailEnd type="none" w="med" len="med"/>
+                    </a:lnR>
+                    <a:lnT w="57150" cap="flat" cmpd="sng" algn="ctr">
+                      <a:solidFill>
+                        <a:schemeClr val="tx1"/>
+                      </a:solidFill>
+                      <a:prstDash val="solid"/>
+                      <a:round/>
+                      <a:headEnd type="none" w="med" len="med"/>
+                      <a:tailEnd type="none" w="med" len="med"/>
+                    </a:lnT>
+                    <a:lnB w="12700" cap="flat" cmpd="sng" algn="ctr">
+                      <a:solidFill>
+                        <a:schemeClr val="tx1"/>
+                      </a:solidFill>
+                      <a:prstDash val="solid"/>
+                      <a:round/>
+                      <a:headEnd type="none" w="med" len="med"/>
+                      <a:tailEnd type="none" w="med" len="med"/>
+                    </a:lnB>
+                  </a:tcPr>
+                </a:tc>
+              </a:tr>
+              <a:tr h="876300">
+                <a:tc>
+                  <a:txBody>
+                    <a:bodyPr/>
+                    <a:lstStyle/>
+                    <a:p>
+                      <a:endParaRPr lang="zh-TW" altLang="en-US"/>
+                    </a:p>
+                  </a:txBody>
+                  <a:tcPr>
+                    <a:lnL w="57150" cap="flat" cmpd="sng" algn="ctr">
+                      <a:solidFill>
+                        <a:schemeClr val="tx1"/>
+                      </a:solidFill>
+                      <a:prstDash val="solid"/>
+                      <a:round/>
+                      <a:headEnd type="none" w="med" len="med"/>
+                      <a:tailEnd type="none" w="med" len="med"/>
+                    </a:lnL>
+                    <a:lnR w="12700" cap="flat" cmpd="sng" algn="ctr">
+                      <a:solidFill>
+                        <a:schemeClr val="tx1"/>
+                      </a:solidFill>
+                      <a:prstDash val="solid"/>
+                      <a:round/>
+                      <a:headEnd type="none" w="med" len="med"/>
+                      <a:tailEnd type="none" w="med" len="med"/>
+                    </a:lnR>
+                    <a:lnT w="12700" cap="flat" cmpd="sng" algn="ctr">
+                      <a:solidFill>
+                        <a:schemeClr val="tx1"/>
+                      </a:solidFill>
+                      <a:prstDash val="solid"/>
+                      <a:round/>
+                      <a:headEnd type="none" w="med" len="med"/>
+                      <a:tailEnd type="none" w="med" len="med"/>
+                    </a:lnT>
+                    <a:lnB w="57150" cap="flat" cmpd="sng" algn="ctr">
+                      <a:solidFill>
+                        <a:schemeClr val="tx1"/>
+                      </a:solidFill>
+                      <a:prstDash val="solid"/>
+                      <a:round/>
+                      <a:headEnd type="none" w="med" len="med"/>
+                      <a:tailEnd type="none" w="med" len="med"/>
+                    </a:lnB>
+                  </a:tcPr>
+                </a:tc>
+                <a:tc>
+                  <a:txBody>
+                    <a:bodyPr/>
+                    <a:lstStyle/>
+                    <a:p>
+                      <a:endParaRPr lang="zh-TW" altLang="en-US" dirty="0"/>
+                    </a:p>
+                  </a:txBody>
+                  <a:tcPr>
+                    <a:lnL w="12700" cap="flat" cmpd="sng" algn="ctr">
+                      <a:solidFill>
+                        <a:schemeClr val="tx1"/>
+                      </a:solidFill>
+                      <a:prstDash val="solid"/>
+                      <a:round/>
+                      <a:headEnd type="none" w="med" len="med"/>
+                      <a:tailEnd type="none" w="med" len="med"/>
+                    </a:lnL>
+                    <a:lnR w="12700" cap="flat" cmpd="sng" algn="ctr">
+                      <a:solidFill>
+                        <a:schemeClr val="tx1"/>
+                      </a:solidFill>
+                      <a:prstDash val="solid"/>
+                      <a:round/>
+                      <a:headEnd type="none" w="med" len="med"/>
+                      <a:tailEnd type="none" w="med" len="med"/>
+                    </a:lnR>
+                    <a:lnT w="12700" cap="flat" cmpd="sng" algn="ctr">
+                      <a:solidFill>
+                        <a:schemeClr val="tx1"/>
+                      </a:solidFill>
+                      <a:prstDash val="solid"/>
+                      <a:round/>
+                      <a:headEnd type="none" w="med" len="med"/>
+                      <a:tailEnd type="none" w="med" len="med"/>
+                    </a:lnT>
+                    <a:lnB w="12700" cap="flat" cmpd="sng" algn="ctr">
+                      <a:solidFill>
+                        <a:schemeClr val="tx1"/>
+                      </a:solidFill>
+                      <a:prstDash val="solid"/>
+                      <a:round/>
+                      <a:headEnd type="none" w="med" len="med"/>
+                      <a:tailEnd type="none" w="med" len="med"/>
+                    </a:lnB>
+                  </a:tcPr>
+                </a:tc>
+                <a:tc>
+                  <a:txBody>
+                    <a:bodyPr/>
+                    <a:lstStyle/>
+                    <a:p>
+                      <a:endParaRPr lang="zh-TW" altLang="en-US" dirty="0"/>
+                    </a:p>
+                  </a:txBody>
+                  <a:tcPr>
+                    <a:lnL w="12700" cap="flat" cmpd="sng" algn="ctr">
+                      <a:solidFill>
+                        <a:schemeClr val="tx1"/>
+                      </a:solidFill>
+                      <a:prstDash val="solid"/>
+                      <a:round/>
+                      <a:headEnd type="none" w="med" len="med"/>
+                      <a:tailEnd type="none" w="med" len="med"/>
+                    </a:lnL>
+                    <a:lnR w="57150" cap="flat" cmpd="sng" algn="ctr">
+                      <a:solidFill>
+                        <a:schemeClr val="tx1"/>
+                      </a:solidFill>
+                      <a:prstDash val="solid"/>
+                      <a:round/>
+                      <a:headEnd type="none" w="med" len="med"/>
+                      <a:tailEnd type="none" w="med" len="med"/>
+                    </a:lnR>
+                    <a:lnT w="12700" cap="flat" cmpd="sng" algn="ctr">
+                      <a:solidFill>
+                        <a:schemeClr val="tx1"/>
+                      </a:solidFill>
+                      <a:prstDash val="solid"/>
+                      <a:round/>
+                      <a:headEnd type="none" w="med" len="med"/>
+                      <a:tailEnd type="none" w="med" len="med"/>
+                    </a:lnT>
+                    <a:lnB w="57150" cap="flat" cmpd="sng" algn="ctr">
+                      <a:solidFill>
+                        <a:schemeClr val="tx1"/>
+                      </a:solidFill>
+                      <a:prstDash val="solid"/>
+                      <a:round/>
+                      <a:headEnd type="none" w="med" len="med"/>
+                      <a:tailEnd type="none" w="med" len="med"/>
+                    </a:lnB>
+                  </a:tcPr>
+                </a:tc>
+                <a:tc>
+                  <a:txBody>
+                    <a:bodyPr/>
+                    <a:lstStyle/>
+                    <a:p>
+                      <a:endParaRPr lang="zh-TW" altLang="en-US" dirty="0"/>
+                    </a:p>
+                  </a:txBody>
+                  <a:tcPr>
+                    <a:lnL w="57150" cap="flat" cmpd="sng" algn="ctr">
+                      <a:solidFill>
+                        <a:schemeClr val="tx1"/>
+                      </a:solidFill>
+                      <a:prstDash val="solid"/>
+                      <a:round/>
+                      <a:headEnd type="none" w="med" len="med"/>
+                      <a:tailEnd type="none" w="med" len="med"/>
+                    </a:lnL>
+                    <a:lnR w="12700" cap="flat" cmpd="sng" algn="ctr">
+                      <a:solidFill>
+                        <a:schemeClr val="tx1"/>
+                      </a:solidFill>
+                      <a:prstDash val="solid"/>
+                      <a:round/>
+                      <a:headEnd type="none" w="med" len="med"/>
+                      <a:tailEnd type="none" w="med" len="med"/>
+                    </a:lnR>
+                    <a:lnT w="12700" cap="flat" cmpd="sng" algn="ctr">
+                      <a:solidFill>
+                        <a:schemeClr val="tx1"/>
+                      </a:solidFill>
+                      <a:prstDash val="solid"/>
+                      <a:round/>
+                      <a:headEnd type="none" w="med" len="med"/>
+                      <a:tailEnd type="none" w="med" len="med"/>
+                    </a:lnT>
+                    <a:lnB w="57150" cap="flat" cmpd="sng" algn="ctr">
+                      <a:solidFill>
+                        <a:schemeClr val="tx1"/>
+                      </a:solidFill>
+                      <a:prstDash val="solid"/>
+                      <a:round/>
+                      <a:headEnd type="none" w="med" len="med"/>
+                      <a:tailEnd type="none" w="med" len="med"/>
+                    </a:lnB>
+                  </a:tcPr>
+                </a:tc>
+                <a:tc>
+                  <a:txBody>
+                    <a:bodyPr/>
+                    <a:lstStyle/>
+                    <a:p>
+                      <a:endParaRPr lang="zh-TW" altLang="en-US" dirty="0"/>
+                    </a:p>
+                  </a:txBody>
+                  <a:tcPr>
+                    <a:lnL w="12700" cap="flat" cmpd="sng" algn="ctr">
+                      <a:solidFill>
+                        <a:schemeClr val="tx1"/>
+                      </a:solidFill>
+                      <a:prstDash val="solid"/>
+                      <a:round/>
+                      <a:headEnd type="none" w="med" len="med"/>
+                      <a:tailEnd type="none" w="med" len="med"/>
+                    </a:lnL>
+                    <a:lnR w="12700" cap="flat" cmpd="sng" algn="ctr">
+                      <a:solidFill>
+                        <a:schemeClr val="tx1"/>
+                      </a:solidFill>
+                      <a:prstDash val="solid"/>
+                      <a:round/>
+                      <a:headEnd type="none" w="med" len="med"/>
+                      <a:tailEnd type="none" w="med" len="med"/>
+                    </a:lnR>
+                    <a:lnT w="12700" cap="flat" cmpd="sng" algn="ctr">
+                      <a:solidFill>
+                        <a:schemeClr val="tx1"/>
+                      </a:solidFill>
+                      <a:prstDash val="solid"/>
+                      <a:round/>
+                      <a:headEnd type="none" w="med" len="med"/>
+                      <a:tailEnd type="none" w="med" len="med"/>
+                    </a:lnT>
+                    <a:lnB w="12700" cap="flat" cmpd="sng" algn="ctr">
+                      <a:solidFill>
+                        <a:schemeClr val="tx1"/>
+                      </a:solidFill>
+                      <a:prstDash val="solid"/>
+                      <a:round/>
+                      <a:headEnd type="none" w="med" len="med"/>
+                      <a:tailEnd type="none" w="med" len="med"/>
+                    </a:lnB>
+                  </a:tcPr>
+                </a:tc>
+                <a:tc>
+                  <a:txBody>
+                    <a:bodyPr/>
+                    <a:lstStyle/>
+                    <a:p>
+                      <a:endParaRPr lang="zh-TW" altLang="en-US"/>
+                    </a:p>
+                  </a:txBody>
+                  <a:tcPr>
+                    <a:lnL w="12700" cap="flat" cmpd="sng" algn="ctr">
+                      <a:solidFill>
+                        <a:schemeClr val="tx1"/>
+                      </a:solidFill>
+                      <a:prstDash val="solid"/>
+                      <a:round/>
+                      <a:headEnd type="none" w="med" len="med"/>
+                      <a:tailEnd type="none" w="med" len="med"/>
+                    </a:lnL>
+                    <a:lnR w="57150" cap="flat" cmpd="sng" algn="ctr">
+                      <a:solidFill>
+                        <a:schemeClr val="tx1"/>
+                      </a:solidFill>
+                      <a:prstDash val="solid"/>
+                      <a:round/>
+                      <a:headEnd type="none" w="med" len="med"/>
+                      <a:tailEnd type="none" w="med" len="med"/>
+                    </a:lnR>
+                    <a:lnT w="12700" cap="flat" cmpd="sng" algn="ctr">
+                      <a:solidFill>
+                        <a:schemeClr val="tx1"/>
+                      </a:solidFill>
+                      <a:prstDash val="solid"/>
+                      <a:round/>
+                      <a:headEnd type="none" w="med" len="med"/>
+                      <a:tailEnd type="none" w="med" len="med"/>
+                    </a:lnT>
+                    <a:lnB w="57150" cap="flat" cmpd="sng" algn="ctr">
+                      <a:solidFill>
+                        <a:schemeClr val="tx1"/>
+                      </a:solidFill>
+                      <a:prstDash val="solid"/>
+                      <a:round/>
+                      <a:headEnd type="none" w="med" len="med"/>
+                      <a:tailEnd type="none" w="med" len="med"/>
+                    </a:lnB>
+                  </a:tcPr>
+                </a:tc>
+              </a:tr>
+              <a:tr h="876300">
+                <a:tc>
+                  <a:txBody>
+                    <a:bodyPr/>
+                    <a:lstStyle/>
+                    <a:p>
+                      <a:endParaRPr lang="zh-TW" altLang="en-US" dirty="0"/>
+                    </a:p>
+                  </a:txBody>
+                  <a:tcPr>
+                    <a:lnL w="57150" cap="flat" cmpd="sng" algn="ctr">
+                      <a:solidFill>
+                        <a:schemeClr val="tx1"/>
+                      </a:solidFill>
+                      <a:prstDash val="solid"/>
+                      <a:round/>
+                      <a:headEnd type="none" w="med" len="med"/>
+                      <a:tailEnd type="none" w="med" len="med"/>
+                    </a:lnL>
+                    <a:lnR w="12700" cap="flat" cmpd="sng" algn="ctr">
+                      <a:solidFill>
+                        <a:schemeClr val="tx1"/>
+                      </a:solidFill>
+                      <a:prstDash val="solid"/>
+                      <a:round/>
+                      <a:headEnd type="none" w="med" len="med"/>
+                      <a:tailEnd type="none" w="med" len="med"/>
+                    </a:lnR>
+                    <a:lnT w="57150" cap="flat" cmpd="sng" algn="ctr">
+                      <a:solidFill>
+                        <a:schemeClr val="tx1"/>
+                      </a:solidFill>
+                      <a:prstDash val="solid"/>
+                      <a:round/>
+                      <a:headEnd type="none" w="med" len="med"/>
+                      <a:tailEnd type="none" w="med" len="med"/>
+                    </a:lnT>
+                    <a:lnB w="12700" cap="flat" cmpd="sng" algn="ctr">
+                      <a:solidFill>
+                        <a:schemeClr val="tx1"/>
+                      </a:solidFill>
+                      <a:prstDash val="solid"/>
+                      <a:round/>
+                      <a:headEnd type="none" w="med" len="med"/>
+                      <a:tailEnd type="none" w="med" len="med"/>
+                    </a:lnB>
+                  </a:tcPr>
+                </a:tc>
+                <a:tc>
+                  <a:txBody>
+                    <a:bodyPr/>
+                    <a:lstStyle/>
+                    <a:p>
+                      <a:pPr marL="0" algn="ctr" defTabSz="914400" rtl="0" eaLnBrk="1" latinLnBrk="0" hangingPunct="1"/>
+                      <a:r>
+                        <a:rPr lang="en-US" altLang="zh-TW" sz="4800" kern="1200" dirty="0" smtClean="0">
+                          <a:solidFill>
+                            <a:schemeClr val="tx1"/>
+                          </a:solidFill>
+                          <a:latin typeface="+mn-lt"/>
+                          <a:ea typeface="+mn-ea"/>
+                          <a:cs typeface="+mn-cs"/>
+                        </a:rPr>
+                        <a:t>P</a:t>
+                      </a:r>
+                      <a:endParaRPr lang="zh-TW" altLang="en-US" sz="4800" kern="1200" dirty="0" smtClean="0">
+                        <a:solidFill>
+                          <a:schemeClr val="tx1"/>
+                        </a:solidFill>
+                        <a:latin typeface="+mn-lt"/>
+                        <a:ea typeface="+mn-ea"/>
+                        <a:cs typeface="+mn-cs"/>
+                      </a:endParaRPr>
+                    </a:p>
+                  </a:txBody>
+                  <a:tcPr>
+                    <a:lnL w="12700" cap="flat" cmpd="sng" algn="ctr">
+                      <a:solidFill>
+                        <a:schemeClr val="tx1"/>
+                      </a:solidFill>
+                      <a:prstDash val="solid"/>
+                      <a:round/>
+                      <a:headEnd type="none" w="med" len="med"/>
+                      <a:tailEnd type="none" w="med" len="med"/>
+                    </a:lnL>
+                    <a:lnR w="12700" cap="flat" cmpd="sng" algn="ctr">
+                      <a:solidFill>
+                        <a:schemeClr val="tx1"/>
+                      </a:solidFill>
+                      <a:prstDash val="solid"/>
+                      <a:round/>
+                      <a:headEnd type="none" w="med" len="med"/>
+                      <a:tailEnd type="none" w="med" len="med"/>
+                    </a:lnR>
+                    <a:lnT w="12700" cap="flat" cmpd="sng" algn="ctr">
+                      <a:solidFill>
+                        <a:schemeClr val="tx1"/>
+                      </a:solidFill>
+                      <a:prstDash val="solid"/>
+                      <a:round/>
+                      <a:headEnd type="none" w="med" len="med"/>
+                      <a:tailEnd type="none" w="med" len="med"/>
+                    </a:lnT>
+                    <a:lnB w="12700" cap="flat" cmpd="sng" algn="ctr">
+                      <a:solidFill>
+                        <a:schemeClr val="tx1"/>
+                      </a:solidFill>
+                      <a:prstDash val="solid"/>
+                      <a:round/>
+                      <a:headEnd type="none" w="med" len="med"/>
+                      <a:tailEnd type="none" w="med" len="med"/>
+                    </a:lnB>
+                  </a:tcPr>
+                </a:tc>
+                <a:tc>
+                  <a:txBody>
+                    <a:bodyPr/>
+                    <a:lstStyle/>
+                    <a:p>
+                      <a:endParaRPr lang="zh-TW" altLang="en-US" dirty="0"/>
+                    </a:p>
+                  </a:txBody>
+                  <a:tcPr>
+                    <a:lnL w="12700" cap="flat" cmpd="sng" algn="ctr">
+                      <a:solidFill>
+                        <a:schemeClr val="tx1"/>
+                      </a:solidFill>
+                      <a:prstDash val="solid"/>
+                      <a:round/>
+                      <a:headEnd type="none" w="med" len="med"/>
+                      <a:tailEnd type="none" w="med" len="med"/>
+                    </a:lnL>
+                    <a:lnR w="12700" cap="flat" cmpd="sng" algn="ctr">
+                      <a:solidFill>
+                        <a:schemeClr val="tx1"/>
+                      </a:solidFill>
+                      <a:prstDash val="solid"/>
+                      <a:round/>
+                      <a:headEnd type="none" w="med" len="med"/>
+                      <a:tailEnd type="none" w="med" len="med"/>
+                    </a:lnR>
+                    <a:lnT w="57150" cap="flat" cmpd="sng" algn="ctr">
+                      <a:solidFill>
+                        <a:schemeClr val="tx1"/>
+                      </a:solidFill>
+                      <a:prstDash val="solid"/>
+                      <a:round/>
+                      <a:headEnd type="none" w="med" len="med"/>
+                      <a:tailEnd type="none" w="med" len="med"/>
+                    </a:lnT>
+                    <a:lnB w="12700" cap="flat" cmpd="sng" algn="ctr">
+                      <a:solidFill>
+                        <a:schemeClr val="tx1"/>
+                      </a:solidFill>
+                      <a:prstDash val="solid"/>
+                      <a:round/>
+                      <a:headEnd type="none" w="med" len="med"/>
+                      <a:tailEnd type="none" w="med" len="med"/>
+                    </a:lnB>
+                  </a:tcPr>
+                </a:tc>
+                <a:tc>
+                  <a:txBody>
+                    <a:bodyPr/>
+                    <a:lstStyle/>
+                    <a:p>
+                      <a:pPr marL="0" algn="ctr" defTabSz="914400" rtl="0" eaLnBrk="1" latinLnBrk="0" hangingPunct="1"/>
+                      <a:r>
+                        <a:rPr lang="en-US" altLang="zh-TW" sz="4800" kern="1200" dirty="0" smtClean="0">
+                          <a:solidFill>
+                            <a:schemeClr val="tx1"/>
+                          </a:solidFill>
+                          <a:latin typeface="+mn-lt"/>
+                          <a:ea typeface="+mn-ea"/>
+                          <a:cs typeface="+mn-cs"/>
+                        </a:rPr>
+                        <a:t>B</a:t>
+                      </a:r>
+                      <a:endParaRPr lang="zh-TW" altLang="en-US" sz="4800" kern="1200" dirty="0" smtClean="0">
+                        <a:solidFill>
+                          <a:schemeClr val="tx1"/>
+                        </a:solidFill>
+                        <a:latin typeface="+mn-lt"/>
+                        <a:ea typeface="+mn-ea"/>
+                        <a:cs typeface="+mn-cs"/>
+                      </a:endParaRPr>
+                    </a:p>
+                  </a:txBody>
+                  <a:tcPr>
+                    <a:lnL w="12700" cap="flat" cmpd="sng" algn="ctr">
+                      <a:solidFill>
+                        <a:schemeClr val="tx1"/>
+                      </a:solidFill>
+                      <a:prstDash val="solid"/>
+                      <a:round/>
+                      <a:headEnd type="none" w="med" len="med"/>
+                      <a:tailEnd type="none" w="med" len="med"/>
+                    </a:lnL>
+                    <a:lnR w="12700" cap="flat" cmpd="sng" algn="ctr">
+                      <a:solidFill>
+                        <a:schemeClr val="tx1"/>
+                      </a:solidFill>
+                      <a:prstDash val="solid"/>
+                      <a:round/>
+                      <a:headEnd type="none" w="med" len="med"/>
+                      <a:tailEnd type="none" w="med" len="med"/>
+                    </a:lnR>
+                    <a:lnT w="57150" cap="flat" cmpd="sng" algn="ctr">
+                      <a:solidFill>
+                        <a:schemeClr val="tx1"/>
+                      </a:solidFill>
+                      <a:prstDash val="solid"/>
+                      <a:round/>
+                      <a:headEnd type="none" w="med" len="med"/>
+                      <a:tailEnd type="none" w="med" len="med"/>
+                    </a:lnT>
+                    <a:lnB w="12700" cap="flat" cmpd="sng" algn="ctr">
+                      <a:solidFill>
+                        <a:schemeClr val="tx1"/>
+                      </a:solidFill>
+                      <a:prstDash val="solid"/>
+                      <a:round/>
+                      <a:headEnd type="none" w="med" len="med"/>
+                      <a:tailEnd type="none" w="med" len="med"/>
+                    </a:lnB>
+                  </a:tcPr>
+                </a:tc>
+                <a:tc>
+                  <a:txBody>
+                    <a:bodyPr/>
+                    <a:lstStyle/>
+                    <a:p>
+                      <a:pPr marL="0" algn="ctr" defTabSz="914400" rtl="0" eaLnBrk="1" latinLnBrk="0" hangingPunct="1"/>
+                      <a:r>
+                        <a:rPr lang="en-US" altLang="zh-TW" sz="4800" kern="1200" dirty="0" smtClean="0">
+                          <a:solidFill>
+                            <a:schemeClr val="tx1"/>
+                          </a:solidFill>
+                          <a:latin typeface="+mn-lt"/>
+                          <a:ea typeface="+mn-ea"/>
+                          <a:cs typeface="+mn-cs"/>
+                        </a:rPr>
+                        <a:t>P</a:t>
+                      </a:r>
+                      <a:endParaRPr lang="zh-TW" altLang="en-US" sz="4800" kern="1200" dirty="0" smtClean="0">
+                        <a:solidFill>
+                          <a:schemeClr val="tx1"/>
+                        </a:solidFill>
+                        <a:latin typeface="+mn-lt"/>
+                        <a:ea typeface="+mn-ea"/>
+                        <a:cs typeface="+mn-cs"/>
+                      </a:endParaRPr>
+                    </a:p>
+                  </a:txBody>
+                  <a:tcPr>
+                    <a:lnL w="12700" cap="flat" cmpd="sng" algn="ctr">
+                      <a:solidFill>
+                        <a:schemeClr val="tx1"/>
+                      </a:solidFill>
+                      <a:prstDash val="solid"/>
+                      <a:round/>
+                      <a:headEnd type="none" w="med" len="med"/>
+                      <a:tailEnd type="none" w="med" len="med"/>
+                    </a:lnL>
+                    <a:lnR w="12700" cap="flat" cmpd="sng" algn="ctr">
+                      <a:solidFill>
+                        <a:schemeClr val="tx1"/>
+                      </a:solidFill>
+                      <a:prstDash val="solid"/>
+                      <a:round/>
+                      <a:headEnd type="none" w="med" len="med"/>
+                      <a:tailEnd type="none" w="med" len="med"/>
+                    </a:lnR>
+                    <a:lnT w="12700" cap="flat" cmpd="sng" algn="ctr">
+                      <a:solidFill>
+                        <a:schemeClr val="tx1"/>
+                      </a:solidFill>
+                      <a:prstDash val="solid"/>
+                      <a:round/>
+                      <a:headEnd type="none" w="med" len="med"/>
+                      <a:tailEnd type="none" w="med" len="med"/>
+                    </a:lnT>
+                    <a:lnB w="12700" cap="flat" cmpd="sng" algn="ctr">
+                      <a:solidFill>
+                        <a:schemeClr val="tx1"/>
+                      </a:solidFill>
+                      <a:prstDash val="solid"/>
+                      <a:round/>
+                      <a:headEnd type="none" w="med" len="med"/>
+                      <a:tailEnd type="none" w="med" len="med"/>
+                    </a:lnB>
+                  </a:tcPr>
+                </a:tc>
+                <a:tc>
+                  <a:txBody>
+                    <a:bodyPr/>
+                    <a:lstStyle/>
+                    <a:p>
+                      <a:endParaRPr lang="zh-TW" altLang="en-US"/>
+                    </a:p>
+                  </a:txBody>
+                  <a:tcPr>
+                    <a:lnL w="12700" cap="flat" cmpd="sng" algn="ctr">
+                      <a:solidFill>
+                        <a:schemeClr val="tx1"/>
+                      </a:solidFill>
+                      <a:prstDash val="solid"/>
+                      <a:round/>
+                      <a:headEnd type="none" w="med" len="med"/>
+                      <a:tailEnd type="none" w="med" len="med"/>
+                    </a:lnL>
+                    <a:lnR w="57150" cap="flat" cmpd="sng" algn="ctr">
+                      <a:solidFill>
+                        <a:schemeClr val="tx1"/>
+                      </a:solidFill>
+                      <a:prstDash val="solid"/>
+                      <a:round/>
+                      <a:headEnd type="none" w="med" len="med"/>
+                      <a:tailEnd type="none" w="med" len="med"/>
+                    </a:lnR>
+                    <a:lnT w="57150" cap="flat" cmpd="sng" algn="ctr">
+                      <a:solidFill>
+                        <a:schemeClr val="tx1"/>
+                      </a:solidFill>
+                      <a:prstDash val="solid"/>
+                      <a:round/>
+                      <a:headEnd type="none" w="med" len="med"/>
+                      <a:tailEnd type="none" w="med" len="med"/>
+                    </a:lnT>
+                    <a:lnB w="12700" cap="flat" cmpd="sng" algn="ctr">
+                      <a:solidFill>
+                        <a:schemeClr val="tx1"/>
+                      </a:solidFill>
+                      <a:prstDash val="solid"/>
+                      <a:round/>
+                      <a:headEnd type="none" w="med" len="med"/>
+                      <a:tailEnd type="none" w="med" len="med"/>
+                    </a:lnB>
+                  </a:tcPr>
+                </a:tc>
+              </a:tr>
+              <a:tr h="876300">
+                <a:tc>
+                  <a:txBody>
+                    <a:bodyPr/>
+                    <a:lstStyle/>
+                    <a:p>
+                      <a:endParaRPr lang="zh-TW" altLang="en-US"/>
+                    </a:p>
+                  </a:txBody>
+                  <a:tcPr>
+                    <a:lnL w="57150" cap="flat" cmpd="sng" algn="ctr">
+                      <a:solidFill>
+                        <a:schemeClr val="tx1"/>
+                      </a:solidFill>
+                      <a:prstDash val="solid"/>
+                      <a:round/>
+                      <a:headEnd type="none" w="med" len="med"/>
+                      <a:tailEnd type="none" w="med" len="med"/>
+                    </a:lnL>
+                    <a:lnR w="12700" cap="flat" cmpd="sng" algn="ctr">
+                      <a:solidFill>
+                        <a:schemeClr val="tx1"/>
+                      </a:solidFill>
+                      <a:prstDash val="solid"/>
+                      <a:round/>
+                      <a:headEnd type="none" w="med" len="med"/>
+                      <a:tailEnd type="none" w="med" len="med"/>
+                    </a:lnR>
+                    <a:lnT w="12700" cap="flat" cmpd="sng" algn="ctr">
+                      <a:solidFill>
+                        <a:schemeClr val="tx1"/>
+                      </a:solidFill>
+                      <a:prstDash val="solid"/>
+                      <a:round/>
+                      <a:headEnd type="none" w="med" len="med"/>
+                      <a:tailEnd type="none" w="med" len="med"/>
+                    </a:lnT>
+                    <a:lnB w="57150" cap="flat" cmpd="sng" algn="ctr">
+                      <a:solidFill>
+                        <a:schemeClr val="tx1"/>
+                      </a:solidFill>
+                      <a:prstDash val="solid"/>
+                      <a:round/>
+                      <a:headEnd type="none" w="med" len="med"/>
+                      <a:tailEnd type="none" w="med" len="med"/>
+                    </a:lnB>
+                  </a:tcPr>
+                </a:tc>
+                <a:tc>
+                  <a:txBody>
+                    <a:bodyPr/>
+                    <a:lstStyle/>
+                    <a:p>
+                      <a:endParaRPr lang="zh-TW" altLang="en-US" dirty="0"/>
+                    </a:p>
+                  </a:txBody>
+                  <a:tcPr>
+                    <a:lnL w="12700" cap="flat" cmpd="sng" algn="ctr">
+                      <a:solidFill>
+                        <a:schemeClr val="tx1"/>
+                      </a:solidFill>
+                      <a:prstDash val="solid"/>
+                      <a:round/>
+                      <a:headEnd type="none" w="med" len="med"/>
+                      <a:tailEnd type="none" w="med" len="med"/>
+                    </a:lnL>
+                    <a:lnR w="12700" cap="flat" cmpd="sng" algn="ctr">
+                      <a:solidFill>
+                        <a:schemeClr val="tx1"/>
+                      </a:solidFill>
+                      <a:prstDash val="solid"/>
+                      <a:round/>
+                      <a:headEnd type="none" w="med" len="med"/>
+                      <a:tailEnd type="none" w="med" len="med"/>
+                    </a:lnR>
+                    <a:lnT w="12700" cap="flat" cmpd="sng" algn="ctr">
+                      <a:solidFill>
+                        <a:schemeClr val="tx1"/>
+                      </a:solidFill>
+                      <a:prstDash val="solid"/>
+                      <a:round/>
+                      <a:headEnd type="none" w="med" len="med"/>
+                      <a:tailEnd type="none" w="med" len="med"/>
+                    </a:lnT>
+                    <a:lnB w="57150" cap="flat" cmpd="sng" algn="ctr">
+                      <a:solidFill>
+                        <a:schemeClr val="tx1"/>
+                      </a:solidFill>
+                      <a:prstDash val="solid"/>
+                      <a:round/>
+                      <a:headEnd type="none" w="med" len="med"/>
+                      <a:tailEnd type="none" w="med" len="med"/>
+                    </a:lnB>
+                  </a:tcPr>
+                </a:tc>
+                <a:tc>
+                  <a:txBody>
+                    <a:bodyPr/>
+                    <a:lstStyle/>
+                    <a:p>
+                      <a:endParaRPr lang="zh-TW" altLang="en-US"/>
+                    </a:p>
+                  </a:txBody>
+                  <a:tcPr>
+                    <a:lnL w="12700" cap="flat" cmpd="sng" algn="ctr">
+                      <a:solidFill>
+                        <a:schemeClr val="tx1"/>
+                      </a:solidFill>
+                      <a:prstDash val="solid"/>
+                      <a:round/>
+                      <a:headEnd type="none" w="med" len="med"/>
+                      <a:tailEnd type="none" w="med" len="med"/>
+                    </a:lnL>
+                    <a:lnR w="57150" cap="flat" cmpd="sng" algn="ctr">
+                      <a:solidFill>
+                        <a:schemeClr val="tx1"/>
+                      </a:solidFill>
+                      <a:prstDash val="solid"/>
+                      <a:round/>
+                      <a:headEnd type="none" w="med" len="med"/>
+                      <a:tailEnd type="none" w="med" len="med"/>
+                    </a:lnR>
+                    <a:lnT w="12700" cap="flat" cmpd="sng" algn="ctr">
+                      <a:solidFill>
+                        <a:schemeClr val="tx1"/>
+                      </a:solidFill>
+                      <a:prstDash val="solid"/>
+                      <a:round/>
+                      <a:headEnd type="none" w="med" len="med"/>
+                      <a:tailEnd type="none" w="med" len="med"/>
+                    </a:lnT>
+                    <a:lnB w="57150" cap="flat" cmpd="sng" algn="ctr">
+                      <a:solidFill>
+                        <a:schemeClr val="tx1"/>
+                      </a:solidFill>
+                      <a:prstDash val="solid"/>
+                      <a:round/>
+                      <a:headEnd type="none" w="med" len="med"/>
+                      <a:tailEnd type="none" w="med" len="med"/>
+                    </a:lnB>
+                  </a:tcPr>
+                </a:tc>
+                <a:tc>
+                  <a:txBody>
+                    <a:bodyPr/>
+                    <a:lstStyle/>
+                    <a:p>
+                      <a:endParaRPr lang="zh-TW" altLang="en-US"/>
+                    </a:p>
+                  </a:txBody>
+                  <a:tcPr>
+                    <a:lnL w="57150" cap="flat" cmpd="sng" algn="ctr">
+                      <a:solidFill>
+                        <a:schemeClr val="tx1"/>
+                      </a:solidFill>
+                      <a:prstDash val="solid"/>
+                      <a:round/>
+                      <a:headEnd type="none" w="med" len="med"/>
+                      <a:tailEnd type="none" w="med" len="med"/>
+                    </a:lnL>
+                    <a:lnR w="12700" cap="flat" cmpd="sng" algn="ctr">
+                      <a:solidFill>
+                        <a:schemeClr val="tx1"/>
+                      </a:solidFill>
+                      <a:prstDash val="solid"/>
+                      <a:round/>
+                      <a:headEnd type="none" w="med" len="med"/>
+                      <a:tailEnd type="none" w="med" len="med"/>
+                    </a:lnR>
+                    <a:lnT w="12700" cap="flat" cmpd="sng" algn="ctr">
+                      <a:solidFill>
+                        <a:schemeClr val="tx1"/>
+                      </a:solidFill>
+                      <a:prstDash val="solid"/>
+                      <a:round/>
+                      <a:headEnd type="none" w="med" len="med"/>
+                      <a:tailEnd type="none" w="med" len="med"/>
+                    </a:lnT>
+                    <a:lnB w="57150" cap="flat" cmpd="sng" algn="ctr">
+                      <a:solidFill>
+                        <a:schemeClr val="tx1"/>
+                      </a:solidFill>
+                      <a:prstDash val="solid"/>
+                      <a:round/>
+                      <a:headEnd type="none" w="med" len="med"/>
+                      <a:tailEnd type="none" w="med" len="med"/>
+                    </a:lnB>
+                  </a:tcPr>
+                </a:tc>
+                <a:tc>
+                  <a:txBody>
+                    <a:bodyPr/>
+                    <a:lstStyle/>
+                    <a:p>
+                      <a:endParaRPr lang="zh-TW" altLang="en-US"/>
+                    </a:p>
+                  </a:txBody>
+                  <a:tcPr>
+                    <a:lnL w="12700" cap="flat" cmpd="sng" algn="ctr">
+                      <a:solidFill>
+                        <a:schemeClr val="tx1"/>
+                      </a:solidFill>
+                      <a:prstDash val="solid"/>
+                      <a:round/>
+                      <a:headEnd type="none" w="med" len="med"/>
+                      <a:tailEnd type="none" w="med" len="med"/>
+                    </a:lnL>
+                    <a:lnR w="12700" cap="flat" cmpd="sng" algn="ctr">
+                      <a:solidFill>
+                        <a:schemeClr val="tx1"/>
+                      </a:solidFill>
+                      <a:prstDash val="solid"/>
+                      <a:round/>
+                      <a:headEnd type="none" w="med" len="med"/>
+                      <a:tailEnd type="none" w="med" len="med"/>
+                    </a:lnR>
+                    <a:lnT w="12700" cap="flat" cmpd="sng" algn="ctr">
+                      <a:solidFill>
+                        <a:schemeClr val="tx1"/>
+                      </a:solidFill>
+                      <a:prstDash val="solid"/>
+                      <a:round/>
+                      <a:headEnd type="none" w="med" len="med"/>
+                      <a:tailEnd type="none" w="med" len="med"/>
+                    </a:lnT>
+                    <a:lnB w="57150" cap="flat" cmpd="sng" algn="ctr">
+                      <a:solidFill>
+                        <a:schemeClr val="tx1"/>
+                      </a:solidFill>
+                      <a:prstDash val="solid"/>
+                      <a:round/>
+                      <a:headEnd type="none" w="med" len="med"/>
+                      <a:tailEnd type="none" w="med" len="med"/>
+                    </a:lnB>
+                  </a:tcPr>
+                </a:tc>
+                <a:tc>
+                  <a:txBody>
+                    <a:bodyPr/>
+                    <a:lstStyle/>
+                    <a:p>
+                      <a:endParaRPr lang="zh-TW" altLang="en-US" dirty="0"/>
+                    </a:p>
+                  </a:txBody>
+                  <a:tcPr>
+                    <a:lnL w="12700" cap="flat" cmpd="sng" algn="ctr">
+                      <a:solidFill>
+                        <a:schemeClr val="tx1"/>
+                      </a:solidFill>
+                      <a:prstDash val="solid"/>
+                      <a:round/>
+                      <a:headEnd type="none" w="med" len="med"/>
+                      <a:tailEnd type="none" w="med" len="med"/>
+                    </a:lnL>
+                    <a:lnR w="57150" cap="flat" cmpd="sng" algn="ctr">
+                      <a:solidFill>
+                        <a:schemeClr val="tx1"/>
+                      </a:solidFill>
+                      <a:prstDash val="solid"/>
+                      <a:round/>
+                      <a:headEnd type="none" w="med" len="med"/>
+                      <a:tailEnd type="none" w="med" len="med"/>
+                    </a:lnR>
+                    <a:lnT w="12700" cap="flat" cmpd="sng" algn="ctr">
+                      <a:solidFill>
+                        <a:schemeClr val="tx1"/>
+                      </a:solidFill>
+                      <a:prstDash val="solid"/>
+                      <a:round/>
+                      <a:headEnd type="none" w="med" len="med"/>
+                      <a:tailEnd type="none" w="med" len="med"/>
+                    </a:lnT>
+                    <a:lnB w="57150" cap="flat" cmpd="sng" algn="ctr">
+                      <a:solidFill>
+                        <a:schemeClr val="tx1"/>
+                      </a:solidFill>
+                      <a:prstDash val="solid"/>
+                      <a:round/>
+                      <a:headEnd type="none" w="med" len="med"/>
+                      <a:tailEnd type="none" w="med" len="med"/>
+                    </a:lnB>
+                  </a:tcPr>
+                </a:tc>
+              </a:tr>
+            </a:tbl>
+          </a:graphicData>
+        </a:graphic>
+      </p:graphicFrame>
+      <p:sp>
+        <p:nvSpPr>
+          <p:cNvPr id="3" name="文字方塊 2"/>
+          <p:cNvSpPr txBox="1"/>
+          <p:nvPr/>
+        </p:nvSpPr>
+        <p:spPr>
+          <a:xfrm>
+            <a:off x="3733800" y="990600"/>
+            <a:ext cx="685800" cy="1569660"/>
+          </a:xfrm>
+          <a:prstGeom prst="rect">
+            <a:avLst/>
+          </a:prstGeom>
+          <a:noFill/>
+        </p:spPr>
+        <p:txBody>
+          <a:bodyPr wrap="square" rtlCol="0">
+            <a:spAutoFit/>
+          </a:bodyPr>
+          <a:lstStyle/>
+          <a:p>
+            <a:r>
+              <a:rPr lang="en-US" altLang="zh-TW" sz="9600" dirty="0" smtClean="0">
+                <a:solidFill>
+                  <a:schemeClr val="bg1">
+                    <a:lumMod val="75000"/>
+                  </a:schemeClr>
+                </a:solidFill>
+              </a:rPr>
+              <a:t>1</a:t>
+            </a:r>
+            <a:endParaRPr lang="zh-TW" altLang="en-US" sz="9600" dirty="0">
+              <a:solidFill>
+                <a:schemeClr val="bg1">
+                  <a:lumMod val="75000"/>
+                </a:schemeClr>
+              </a:solidFill>
+            </a:endParaRPr>
+          </a:p>
+        </p:txBody>
+      </p:sp>
+      <p:sp>
+        <p:nvSpPr>
+          <p:cNvPr id="4" name="文字方塊 3"/>
+          <p:cNvSpPr txBox="1"/>
+          <p:nvPr/>
+        </p:nvSpPr>
+        <p:spPr>
+          <a:xfrm>
+            <a:off x="6858000" y="990600"/>
+            <a:ext cx="685800" cy="1569660"/>
+          </a:xfrm>
+          <a:prstGeom prst="rect">
+            <a:avLst/>
+          </a:prstGeom>
+          <a:noFill/>
+        </p:spPr>
+        <p:txBody>
+          <a:bodyPr wrap="square" rtlCol="0">
+            <a:spAutoFit/>
+          </a:bodyPr>
+          <a:lstStyle/>
+          <a:p>
+            <a:r>
+              <a:rPr lang="en-US" altLang="zh-TW" sz="9600" dirty="0" smtClean="0">
+                <a:solidFill>
+                  <a:schemeClr val="bg1">
+                    <a:lumMod val="75000"/>
+                  </a:schemeClr>
+                </a:solidFill>
+              </a:rPr>
+              <a:t>2</a:t>
+            </a:r>
+            <a:endParaRPr lang="zh-TW" altLang="en-US" sz="9600" dirty="0">
+              <a:solidFill>
+                <a:schemeClr val="bg1">
+                  <a:lumMod val="75000"/>
+                </a:schemeClr>
+              </a:solidFill>
+            </a:endParaRPr>
+          </a:p>
+        </p:txBody>
+      </p:sp>
+      <p:sp>
+        <p:nvSpPr>
+          <p:cNvPr id="6" name="文字方塊 5"/>
+          <p:cNvSpPr txBox="1"/>
+          <p:nvPr/>
+        </p:nvSpPr>
+        <p:spPr>
+          <a:xfrm>
+            <a:off x="3733800" y="2743200"/>
+            <a:ext cx="685800" cy="1569660"/>
+          </a:xfrm>
+          <a:prstGeom prst="rect">
+            <a:avLst/>
+          </a:prstGeom>
+          <a:noFill/>
+        </p:spPr>
+        <p:txBody>
+          <a:bodyPr wrap="square" rtlCol="0">
+            <a:spAutoFit/>
+          </a:bodyPr>
+          <a:lstStyle/>
+          <a:p>
+            <a:r>
+              <a:rPr lang="en-US" altLang="zh-TW" sz="9600" dirty="0" smtClean="0">
+                <a:solidFill>
+                  <a:schemeClr val="bg1">
+                    <a:lumMod val="75000"/>
+                  </a:schemeClr>
+                </a:solidFill>
+              </a:rPr>
+              <a:t>3</a:t>
+            </a:r>
+            <a:endParaRPr lang="zh-TW" altLang="en-US" sz="9600" dirty="0">
+              <a:solidFill>
+                <a:schemeClr val="bg1">
+                  <a:lumMod val="75000"/>
+                </a:schemeClr>
+              </a:solidFill>
+            </a:endParaRPr>
+          </a:p>
+        </p:txBody>
+      </p:sp>
+      <p:sp>
+        <p:nvSpPr>
+          <p:cNvPr id="7" name="文字方塊 6"/>
+          <p:cNvSpPr txBox="1"/>
+          <p:nvPr/>
+        </p:nvSpPr>
+        <p:spPr>
+          <a:xfrm>
+            <a:off x="6858000" y="2743200"/>
+            <a:ext cx="685800" cy="1569660"/>
+          </a:xfrm>
+          <a:prstGeom prst="rect">
+            <a:avLst/>
+          </a:prstGeom>
+          <a:noFill/>
+        </p:spPr>
+        <p:txBody>
+          <a:bodyPr wrap="square" rtlCol="0">
+            <a:spAutoFit/>
+          </a:bodyPr>
+          <a:lstStyle/>
+          <a:p>
+            <a:r>
+              <a:rPr lang="en-US" altLang="zh-TW" sz="9600" dirty="0" smtClean="0">
+                <a:solidFill>
+                  <a:schemeClr val="bg1">
+                    <a:lumMod val="75000"/>
+                  </a:schemeClr>
+                </a:solidFill>
+              </a:rPr>
+              <a:t>4</a:t>
+            </a:r>
+            <a:endParaRPr lang="zh-TW" altLang="en-US" sz="9600" dirty="0">
+              <a:solidFill>
+                <a:schemeClr val="bg1">
+                  <a:lumMod val="75000"/>
+                </a:schemeClr>
+              </a:solidFill>
+            </a:endParaRPr>
+          </a:p>
+        </p:txBody>
+      </p:sp>
+      <p:sp>
+        <p:nvSpPr>
+          <p:cNvPr id="8" name="文字方塊 7"/>
+          <p:cNvSpPr txBox="1"/>
+          <p:nvPr/>
+        </p:nvSpPr>
+        <p:spPr>
+          <a:xfrm>
+            <a:off x="3733800" y="4495800"/>
+            <a:ext cx="685800" cy="1569660"/>
+          </a:xfrm>
+          <a:prstGeom prst="rect">
+            <a:avLst/>
+          </a:prstGeom>
+          <a:noFill/>
+        </p:spPr>
+        <p:txBody>
+          <a:bodyPr wrap="square" rtlCol="0">
+            <a:spAutoFit/>
+          </a:bodyPr>
+          <a:lstStyle/>
+          <a:p>
+            <a:r>
+              <a:rPr lang="en-US" altLang="zh-TW" sz="9600" dirty="0" smtClean="0">
+                <a:solidFill>
+                  <a:schemeClr val="bg1">
+                    <a:lumMod val="75000"/>
+                  </a:schemeClr>
+                </a:solidFill>
+              </a:rPr>
+              <a:t>5</a:t>
+            </a:r>
+            <a:endParaRPr lang="zh-TW" altLang="en-US" sz="9600" dirty="0">
+              <a:solidFill>
+                <a:schemeClr val="bg1">
+                  <a:lumMod val="75000"/>
+                </a:schemeClr>
+              </a:solidFill>
+            </a:endParaRPr>
+          </a:p>
+        </p:txBody>
+      </p:sp>
+      <p:sp>
+        <p:nvSpPr>
+          <p:cNvPr id="9" name="文字方塊 8"/>
+          <p:cNvSpPr txBox="1"/>
+          <p:nvPr/>
+        </p:nvSpPr>
+        <p:spPr>
+          <a:xfrm>
+            <a:off x="6858000" y="4495800"/>
+            <a:ext cx="685800" cy="1569660"/>
+          </a:xfrm>
+          <a:prstGeom prst="rect">
+            <a:avLst/>
+          </a:prstGeom>
+          <a:noFill/>
+        </p:spPr>
+        <p:txBody>
+          <a:bodyPr wrap="square" rtlCol="0">
+            <a:spAutoFit/>
+          </a:bodyPr>
+          <a:lstStyle/>
+          <a:p>
+            <a:r>
+              <a:rPr lang="en-US" altLang="zh-TW" sz="9600" dirty="0" smtClean="0">
+                <a:solidFill>
+                  <a:schemeClr val="bg1">
+                    <a:lumMod val="75000"/>
+                  </a:schemeClr>
+                </a:solidFill>
+              </a:rPr>
+              <a:t>6</a:t>
+            </a:r>
+            <a:endParaRPr lang="zh-TW" altLang="en-US" sz="9600" dirty="0">
+              <a:solidFill>
+                <a:schemeClr val="bg1">
+                  <a:lumMod val="75000"/>
+                </a:schemeClr>
+              </a:solidFill>
+            </a:endParaRPr>
+          </a:p>
+        </p:txBody>
+      </p:sp>
+    </p:spTree>
+  </p:cSld>
+  <p:clrMapOvr>
+    <a:masterClrMapping/>
+  </p:clrMapOvr>
+</p:sld>
+</file>
+
+<file path=ppt/slides/slide16.xml><?xml version="1.0" encoding="utf-8"?>
+<p:sld xmlns:a="http://schemas.openxmlformats.org/drawingml/2006/main" xmlns:r="http://schemas.openxmlformats.org/officeDocument/2006/relationships" xmlns:p="http://schemas.openxmlformats.org/presentationml/2006/main">
+  <p:cSld>
+    <p:spTree>
+      <p:nvGrpSpPr>
+        <p:cNvPr id="1" name=""/>
+        <p:cNvGrpSpPr/>
+        <p:nvPr/>
+      </p:nvGrpSpPr>
+      <p:grpSpPr>
+        <a:xfrm>
+          <a:off x="0" y="0"/>
+          <a:ext cx="0" cy="0"/>
+          <a:chOff x="0" y="0"/>
+          <a:chExt cx="0" cy="0"/>
+        </a:xfrm>
+      </p:grpSpPr>
+      <p:graphicFrame>
+        <p:nvGraphicFramePr>
+          <p:cNvPr id="5" name="表格 4"/>
+          <p:cNvGraphicFramePr>
+            <a:graphicFrameLocks noGrp="1"/>
+          </p:cNvGraphicFramePr>
+          <p:nvPr/>
+        </p:nvGraphicFramePr>
+        <p:xfrm>
+          <a:off x="1524000" y="914402"/>
+          <a:ext cx="6248400" cy="5486400"/>
+        </p:xfrm>
+        <a:graphic>
+          <a:graphicData uri="http://schemas.openxmlformats.org/drawingml/2006/table">
+            <a:tbl>
+              <a:tblPr>
+                <a:tableStyleId>{616DA210-FB5B-4158-B5E0-FEB733F419BA}</a:tableStyleId>
+              </a:tblPr>
+              <a:tblGrid>
+                <a:gridCol w="1041400"/>
+                <a:gridCol w="1041400"/>
+                <a:gridCol w="1041400"/>
+                <a:gridCol w="1041400"/>
+                <a:gridCol w="1041400"/>
+                <a:gridCol w="1041400"/>
+              </a:tblGrid>
+              <a:tr h="914400">
+                <a:tc>
+                  <a:txBody>
+                    <a:bodyPr/>
+                    <a:lstStyle/>
+                    <a:p>
+                      <a:endParaRPr lang="zh-TW" altLang="en-US" dirty="0"/>
+                    </a:p>
+                  </a:txBody>
+                  <a:tcPr>
+                    <a:lnL w="57150" cap="flat" cmpd="sng" algn="ctr">
+                      <a:solidFill>
+                        <a:schemeClr val="tx1"/>
+                      </a:solidFill>
+                      <a:prstDash val="solid"/>
+                      <a:round/>
+                      <a:headEnd type="none" w="med" len="med"/>
+                      <a:tailEnd type="none" w="med" len="med"/>
+                    </a:lnL>
+                    <a:lnR w="12700" cap="flat" cmpd="sng" algn="ctr">
+                      <a:solidFill>
+                        <a:schemeClr val="tx1"/>
+                      </a:solidFill>
+                      <a:prstDash val="solid"/>
+                      <a:round/>
+                      <a:headEnd type="none" w="med" len="med"/>
+                      <a:tailEnd type="none" w="med" len="med"/>
+                    </a:lnR>
+                    <a:lnT w="57150" cap="flat" cmpd="sng" algn="ctr">
+                      <a:solidFill>
+                        <a:schemeClr val="tx1"/>
+                      </a:solidFill>
+                      <a:prstDash val="solid"/>
+                      <a:round/>
+                      <a:headEnd type="none" w="med" len="med"/>
+                      <a:tailEnd type="none" w="med" len="med"/>
+                    </a:lnT>
+                    <a:lnB w="12700" cap="flat" cmpd="sng" algn="ctr">
+                      <a:solidFill>
+                        <a:schemeClr val="tx1"/>
+                      </a:solidFill>
+                      <a:prstDash val="solid"/>
+                      <a:round/>
+                      <a:headEnd type="none" w="med" len="med"/>
+                      <a:tailEnd type="none" w="med" len="med"/>
+                    </a:lnB>
+                    <a:lnTlToBr w="12700" cmpd="sng">
+                      <a:noFill/>
+                      <a:prstDash val="solid"/>
+                    </a:lnTlToBr>
+                    <a:lnBlToTr w="12700" cmpd="sng">
+                      <a:noFill/>
+                      <a:prstDash val="solid"/>
+                    </a:lnBlToTr>
+                  </a:tcPr>
+                </a:tc>
+                <a:tc>
+                  <a:txBody>
+                    <a:bodyPr/>
+                    <a:lstStyle/>
+                    <a:p>
+                      <a:endParaRPr lang="zh-TW" altLang="en-US" dirty="0"/>
+                    </a:p>
+                  </a:txBody>
+                  <a:tcPr>
+                    <a:lnL w="12700" cap="flat" cmpd="sng" algn="ctr">
+                      <a:solidFill>
+                        <a:schemeClr val="tx1"/>
+                      </a:solidFill>
+                      <a:prstDash val="solid"/>
+                      <a:round/>
+                      <a:headEnd type="none" w="med" len="med"/>
+                      <a:tailEnd type="none" w="med" len="med"/>
+                    </a:lnL>
+                    <a:lnR w="12700" cap="flat" cmpd="sng" algn="ctr">
+                      <a:solidFill>
+                        <a:schemeClr val="tx1"/>
+                      </a:solidFill>
+                      <a:prstDash val="solid"/>
+                      <a:round/>
+                      <a:headEnd type="none" w="med" len="med"/>
+                      <a:tailEnd type="none" w="med" len="med"/>
+                    </a:lnR>
+                    <a:lnT w="57150" cap="flat" cmpd="sng" algn="ctr">
+                      <a:solidFill>
+                        <a:schemeClr val="tx1"/>
+                      </a:solidFill>
+                      <a:prstDash val="solid"/>
+                      <a:round/>
+                      <a:headEnd type="none" w="med" len="med"/>
+                      <a:tailEnd type="none" w="med" len="med"/>
+                    </a:lnT>
+                    <a:lnB w="12700" cap="flat" cmpd="sng" algn="ctr">
+                      <a:solidFill>
+                        <a:schemeClr val="tx1"/>
+                      </a:solidFill>
+                      <a:prstDash val="solid"/>
+                      <a:round/>
+                      <a:headEnd type="none" w="med" len="med"/>
+                      <a:tailEnd type="none" w="med" len="med"/>
+                    </a:lnB>
+                  </a:tcPr>
+                </a:tc>
+                <a:tc>
+                  <a:txBody>
+                    <a:bodyPr/>
+                    <a:lstStyle/>
+                    <a:p>
+                      <a:endParaRPr lang="zh-TW" altLang="en-US" dirty="0"/>
+                    </a:p>
+                  </a:txBody>
+                  <a:tcPr>
+                    <a:lnL w="12700" cap="flat" cmpd="sng" algn="ctr">
+                      <a:solidFill>
+                        <a:schemeClr val="tx1"/>
+                      </a:solidFill>
+                      <a:prstDash val="solid"/>
+                      <a:round/>
+                      <a:headEnd type="none" w="med" len="med"/>
+                      <a:tailEnd type="none" w="med" len="med"/>
+                    </a:lnL>
+                    <a:lnR w="57150" cap="flat" cmpd="sng" algn="ctr">
+                      <a:solidFill>
+                        <a:schemeClr val="tx1"/>
+                      </a:solidFill>
+                      <a:prstDash val="solid"/>
+                      <a:round/>
+                      <a:headEnd type="none" w="med" len="med"/>
+                      <a:tailEnd type="none" w="med" len="med"/>
+                    </a:lnR>
+                    <a:lnT w="57150" cap="flat" cmpd="sng" algn="ctr">
+                      <a:solidFill>
+                        <a:schemeClr val="tx1"/>
+                      </a:solidFill>
+                      <a:prstDash val="solid"/>
+                      <a:round/>
+                      <a:headEnd type="none" w="med" len="med"/>
+                      <a:tailEnd type="none" w="med" len="med"/>
+                    </a:lnT>
+                    <a:lnB w="12700" cap="flat" cmpd="sng" algn="ctr">
+                      <a:solidFill>
+                        <a:schemeClr val="tx1"/>
+                      </a:solidFill>
+                      <a:prstDash val="solid"/>
+                      <a:round/>
+                      <a:headEnd type="none" w="med" len="med"/>
+                      <a:tailEnd type="none" w="med" len="med"/>
+                    </a:lnB>
+                  </a:tcPr>
+                </a:tc>
+                <a:tc>
+                  <a:txBody>
+                    <a:bodyPr/>
+                    <a:lstStyle/>
+                    <a:p>
+                      <a:endParaRPr lang="zh-TW" altLang="en-US" dirty="0"/>
+                    </a:p>
+                  </a:txBody>
+                  <a:tcPr>
+                    <a:lnL w="57150" cap="flat" cmpd="sng" algn="ctr">
+                      <a:solidFill>
+                        <a:schemeClr val="tx1"/>
+                      </a:solidFill>
+                      <a:prstDash val="solid"/>
+                      <a:round/>
+                      <a:headEnd type="none" w="med" len="med"/>
+                      <a:tailEnd type="none" w="med" len="med"/>
+                    </a:lnL>
+                    <a:lnR w="12700" cap="flat" cmpd="sng" algn="ctr">
+                      <a:solidFill>
+                        <a:schemeClr val="tx1"/>
+                      </a:solidFill>
+                      <a:prstDash val="solid"/>
+                      <a:round/>
+                      <a:headEnd type="none" w="med" len="med"/>
+                      <a:tailEnd type="none" w="med" len="med"/>
+                    </a:lnR>
+                    <a:lnT w="57150" cap="flat" cmpd="sng" algn="ctr">
+                      <a:solidFill>
+                        <a:schemeClr val="tx1"/>
+                      </a:solidFill>
+                      <a:prstDash val="solid"/>
+                      <a:round/>
+                      <a:headEnd type="none" w="med" len="med"/>
+                      <a:tailEnd type="none" w="med" len="med"/>
+                    </a:lnT>
+                    <a:lnB w="12700" cap="flat" cmpd="sng" algn="ctr">
+                      <a:solidFill>
+                        <a:schemeClr val="tx1"/>
+                      </a:solidFill>
+                      <a:prstDash val="solid"/>
+                      <a:round/>
+                      <a:headEnd type="none" w="med" len="med"/>
+                      <a:tailEnd type="none" w="med" len="med"/>
+                    </a:lnB>
+                  </a:tcPr>
+                </a:tc>
+                <a:tc>
+                  <a:txBody>
+                    <a:bodyPr/>
+                    <a:lstStyle/>
+                    <a:p>
+                      <a:endParaRPr lang="zh-TW" altLang="en-US" dirty="0"/>
+                    </a:p>
+                  </a:txBody>
+                  <a:tcPr>
+                    <a:lnL w="12700" cap="flat" cmpd="sng" algn="ctr">
+                      <a:solidFill>
+                        <a:schemeClr val="tx1"/>
+                      </a:solidFill>
+                      <a:prstDash val="solid"/>
+                      <a:round/>
+                      <a:headEnd type="none" w="med" len="med"/>
+                      <a:tailEnd type="none" w="med" len="med"/>
+                    </a:lnL>
+                    <a:lnR w="12700" cap="flat" cmpd="sng" algn="ctr">
+                      <a:solidFill>
+                        <a:schemeClr val="tx1"/>
+                      </a:solidFill>
+                      <a:prstDash val="solid"/>
+                      <a:round/>
+                      <a:headEnd type="none" w="med" len="med"/>
+                      <a:tailEnd type="none" w="med" len="med"/>
+                    </a:lnR>
+                    <a:lnT w="57150" cap="flat" cmpd="sng" algn="ctr">
+                      <a:solidFill>
+                        <a:schemeClr val="tx1"/>
+                      </a:solidFill>
+                      <a:prstDash val="solid"/>
+                      <a:round/>
+                      <a:headEnd type="none" w="med" len="med"/>
+                      <a:tailEnd type="none" w="med" len="med"/>
+                    </a:lnT>
+                    <a:lnB w="12700" cap="flat" cmpd="sng" algn="ctr">
+                      <a:solidFill>
+                        <a:schemeClr val="tx1"/>
+                      </a:solidFill>
+                      <a:prstDash val="solid"/>
+                      <a:round/>
+                      <a:headEnd type="none" w="med" len="med"/>
+                      <a:tailEnd type="none" w="med" len="med"/>
+                    </a:lnB>
+                  </a:tcPr>
+                </a:tc>
+                <a:tc>
+                  <a:txBody>
+                    <a:bodyPr/>
+                    <a:lstStyle/>
+                    <a:p>
+                      <a:endParaRPr lang="zh-TW" altLang="en-US" dirty="0"/>
+                    </a:p>
+                  </a:txBody>
+                  <a:tcPr>
+                    <a:lnL w="12700" cap="flat" cmpd="sng" algn="ctr">
+                      <a:solidFill>
+                        <a:schemeClr val="tx1"/>
+                      </a:solidFill>
+                      <a:prstDash val="solid"/>
+                      <a:round/>
+                      <a:headEnd type="none" w="med" len="med"/>
+                      <a:tailEnd type="none" w="med" len="med"/>
+                    </a:lnL>
+                    <a:lnR w="57150" cap="flat" cmpd="sng" algn="ctr">
+                      <a:solidFill>
+                        <a:schemeClr val="tx1"/>
+                      </a:solidFill>
+                      <a:prstDash val="solid"/>
+                      <a:round/>
+                      <a:headEnd type="none" w="med" len="med"/>
+                      <a:tailEnd type="none" w="med" len="med"/>
+                    </a:lnR>
+                    <a:lnT w="57150" cap="flat" cmpd="sng" algn="ctr">
+                      <a:solidFill>
+                        <a:schemeClr val="tx1"/>
+                      </a:solidFill>
+                      <a:prstDash val="solid"/>
+                      <a:round/>
+                      <a:headEnd type="none" w="med" len="med"/>
+                      <a:tailEnd type="none" w="med" len="med"/>
+                    </a:lnT>
+                    <a:lnB w="12700" cap="flat" cmpd="sng" algn="ctr">
+                      <a:solidFill>
+                        <a:schemeClr val="tx1"/>
+                      </a:solidFill>
+                      <a:prstDash val="solid"/>
+                      <a:round/>
+                      <a:headEnd type="none" w="med" len="med"/>
+                      <a:tailEnd type="none" w="med" len="med"/>
+                    </a:lnB>
+                  </a:tcPr>
+                </a:tc>
+              </a:tr>
+              <a:tr h="914400">
+                <a:tc>
+                  <a:txBody>
+                    <a:bodyPr/>
+                    <a:lstStyle/>
+                    <a:p>
+                      <a:endParaRPr lang="zh-TW" altLang="en-US" dirty="0"/>
+                    </a:p>
+                  </a:txBody>
+                  <a:tcPr>
+                    <a:lnL w="57150" cap="flat" cmpd="sng" algn="ctr">
+                      <a:solidFill>
+                        <a:schemeClr val="tx1"/>
+                      </a:solidFill>
+                      <a:prstDash val="solid"/>
+                      <a:round/>
+                      <a:headEnd type="none" w="med" len="med"/>
+                      <a:tailEnd type="none" w="med" len="med"/>
+                    </a:lnL>
+                    <a:lnR w="12700" cap="flat" cmpd="sng" algn="ctr">
+                      <a:solidFill>
+                        <a:schemeClr val="tx1"/>
+                      </a:solidFill>
+                      <a:prstDash val="solid"/>
+                      <a:round/>
+                      <a:headEnd type="none" w="med" len="med"/>
+                      <a:tailEnd type="none" w="med" len="med"/>
+                    </a:lnR>
+                    <a:lnT w="12700" cap="flat" cmpd="sng" algn="ctr">
+                      <a:solidFill>
+                        <a:schemeClr val="tx1"/>
+                      </a:solidFill>
+                      <a:prstDash val="solid"/>
+                      <a:round/>
+                      <a:headEnd type="none" w="med" len="med"/>
+                      <a:tailEnd type="none" w="med" len="med"/>
+                    </a:lnT>
+                    <a:lnB w="57150" cap="flat" cmpd="sng" algn="ctr">
+                      <a:solidFill>
+                        <a:schemeClr val="tx1"/>
+                      </a:solidFill>
+                      <a:prstDash val="solid"/>
+                      <a:round/>
+                      <a:headEnd type="none" w="med" len="med"/>
+                      <a:tailEnd type="none" w="med" len="med"/>
+                    </a:lnB>
+                  </a:tcPr>
+                </a:tc>
+                <a:tc>
+                  <a:txBody>
+                    <a:bodyPr/>
+                    <a:lstStyle/>
+                    <a:p>
+                      <a:pPr algn="ctr"/>
+                      <a:r>
+                        <a:rPr lang="en-US" altLang="zh-TW" sz="4800" dirty="0" smtClean="0"/>
+                        <a:t>S</a:t>
+                      </a:r>
+                      <a:endParaRPr lang="zh-TW" altLang="en-US" sz="4800" dirty="0"/>
+                    </a:p>
+                  </a:txBody>
+                  <a:tcPr>
+                    <a:lnL w="12700" cap="flat" cmpd="sng" algn="ctr">
+                      <a:solidFill>
+                        <a:schemeClr val="tx1"/>
+                      </a:solidFill>
+                      <a:prstDash val="solid"/>
+                      <a:round/>
+                      <a:headEnd type="none" w="med" len="med"/>
+                      <a:tailEnd type="none" w="med" len="med"/>
+                    </a:lnL>
+                    <a:lnR w="12700" cap="flat" cmpd="sng" algn="ctr">
+                      <a:solidFill>
+                        <a:schemeClr val="tx1"/>
+                      </a:solidFill>
+                      <a:prstDash val="solid"/>
+                      <a:round/>
+                      <a:headEnd type="none" w="med" len="med"/>
+                      <a:tailEnd type="none" w="med" len="med"/>
+                    </a:lnR>
+                    <a:lnT w="12700" cap="flat" cmpd="sng" algn="ctr">
+                      <a:solidFill>
+                        <a:schemeClr val="tx1"/>
+                      </a:solidFill>
+                      <a:prstDash val="solid"/>
+                      <a:round/>
+                      <a:headEnd type="none" w="med" len="med"/>
+                      <a:tailEnd type="none" w="med" len="med"/>
+                    </a:lnT>
+                    <a:lnB w="12700" cap="flat" cmpd="sng" algn="ctr">
+                      <a:solidFill>
+                        <a:schemeClr val="tx1"/>
+                      </a:solidFill>
+                      <a:prstDash val="solid"/>
+                      <a:round/>
+                      <a:headEnd type="none" w="med" len="med"/>
+                      <a:tailEnd type="none" w="med" len="med"/>
+                    </a:lnB>
+                  </a:tcPr>
+                </a:tc>
+                <a:tc>
+                  <a:txBody>
+                    <a:bodyPr/>
+                    <a:lstStyle/>
+                    <a:p>
+                      <a:endParaRPr lang="zh-TW" altLang="en-US" dirty="0"/>
+                    </a:p>
+                  </a:txBody>
+                  <a:tcPr>
+                    <a:lnL w="12700" cap="flat" cmpd="sng" algn="ctr">
+                      <a:solidFill>
+                        <a:schemeClr val="tx1"/>
+                      </a:solidFill>
+                      <a:prstDash val="solid"/>
+                      <a:round/>
+                      <a:headEnd type="none" w="med" len="med"/>
+                      <a:tailEnd type="none" w="med" len="med"/>
+                    </a:lnL>
+                    <a:lnR w="12700" cap="flat" cmpd="sng" algn="ctr">
+                      <a:solidFill>
+                        <a:schemeClr val="tx1"/>
+                      </a:solidFill>
+                      <a:prstDash val="solid"/>
+                      <a:round/>
+                      <a:headEnd type="none" w="med" len="med"/>
+                      <a:tailEnd type="none" w="med" len="med"/>
+                    </a:lnR>
+                    <a:lnT w="12700" cap="flat" cmpd="sng" algn="ctr">
+                      <a:solidFill>
+                        <a:schemeClr val="tx1"/>
+                      </a:solidFill>
+                      <a:prstDash val="solid"/>
+                      <a:round/>
+                      <a:headEnd type="none" w="med" len="med"/>
+                      <a:tailEnd type="none" w="med" len="med"/>
+                    </a:lnT>
+                    <a:lnB w="57150" cap="flat" cmpd="sng" algn="ctr">
+                      <a:solidFill>
+                        <a:schemeClr val="tx1"/>
+                      </a:solidFill>
+                      <a:prstDash val="solid"/>
+                      <a:round/>
+                      <a:headEnd type="none" w="med" len="med"/>
+                      <a:tailEnd type="none" w="med" len="med"/>
+                    </a:lnB>
+                  </a:tcPr>
+                </a:tc>
+                <a:tc>
+                  <a:txBody>
+                    <a:bodyPr/>
+                    <a:lstStyle/>
+                    <a:p>
+                      <a:endParaRPr lang="zh-TW" altLang="en-US" dirty="0"/>
+                    </a:p>
+                  </a:txBody>
+                  <a:tcPr>
+                    <a:lnL w="12700" cap="flat" cmpd="sng" algn="ctr">
+                      <a:solidFill>
+                        <a:schemeClr val="tx1"/>
+                      </a:solidFill>
+                      <a:prstDash val="solid"/>
+                      <a:round/>
+                      <a:headEnd type="none" w="med" len="med"/>
+                      <a:tailEnd type="none" w="med" len="med"/>
+                    </a:lnL>
+                    <a:lnR w="12700" cap="flat" cmpd="sng" algn="ctr">
+                      <a:solidFill>
+                        <a:schemeClr val="tx1"/>
+                      </a:solidFill>
+                      <a:prstDash val="solid"/>
+                      <a:round/>
+                      <a:headEnd type="none" w="med" len="med"/>
+                      <a:tailEnd type="none" w="med" len="med"/>
+                    </a:lnR>
+                    <a:lnT w="12700" cap="flat" cmpd="sng" algn="ctr">
+                      <a:solidFill>
+                        <a:schemeClr val="tx1"/>
+                      </a:solidFill>
+                      <a:prstDash val="solid"/>
+                      <a:round/>
+                      <a:headEnd type="none" w="med" len="med"/>
+                      <a:tailEnd type="none" w="med" len="med"/>
+                    </a:lnT>
+                    <a:lnB w="57150" cap="flat" cmpd="sng" algn="ctr">
+                      <a:solidFill>
+                        <a:schemeClr val="tx1"/>
+                      </a:solidFill>
+                      <a:prstDash val="solid"/>
+                      <a:round/>
+                      <a:headEnd type="none" w="med" len="med"/>
+                      <a:tailEnd type="none" w="med" len="med"/>
+                    </a:lnB>
+                  </a:tcPr>
+                </a:tc>
+                <a:tc>
+                  <a:txBody>
+                    <a:bodyPr/>
+                    <a:lstStyle/>
+                    <a:p>
+                      <a:endParaRPr lang="zh-TW" altLang="en-US" dirty="0"/>
+                    </a:p>
+                  </a:txBody>
+                  <a:tcPr>
+                    <a:lnL w="12700" cap="flat" cmpd="sng" algn="ctr">
+                      <a:solidFill>
+                        <a:schemeClr val="tx1"/>
+                      </a:solidFill>
+                      <a:prstDash val="solid"/>
+                      <a:round/>
+                      <a:headEnd type="none" w="med" len="med"/>
+                      <a:tailEnd type="none" w="med" len="med"/>
+                    </a:lnL>
+                    <a:lnR w="12700" cap="flat" cmpd="sng" algn="ctr">
+                      <a:solidFill>
+                        <a:schemeClr val="tx1"/>
+                      </a:solidFill>
+                      <a:prstDash val="solid"/>
+                      <a:round/>
+                      <a:headEnd type="none" w="med" len="med"/>
+                      <a:tailEnd type="none" w="med" len="med"/>
+                    </a:lnR>
+                    <a:lnT w="12700" cap="flat" cmpd="sng" algn="ctr">
+                      <a:solidFill>
+                        <a:schemeClr val="tx1"/>
+                      </a:solidFill>
+                      <a:prstDash val="solid"/>
+                      <a:round/>
+                      <a:headEnd type="none" w="med" len="med"/>
+                      <a:tailEnd type="none" w="med" len="med"/>
+                    </a:lnT>
+                    <a:lnB w="12700" cap="flat" cmpd="sng" algn="ctr">
+                      <a:solidFill>
+                        <a:schemeClr val="tx1"/>
+                      </a:solidFill>
+                      <a:prstDash val="solid"/>
+                      <a:round/>
+                      <a:headEnd type="none" w="med" len="med"/>
+                      <a:tailEnd type="none" w="med" len="med"/>
+                    </a:lnB>
+                  </a:tcPr>
+                </a:tc>
+                <a:tc>
+                  <a:txBody>
+                    <a:bodyPr/>
+                    <a:lstStyle/>
+                    <a:p>
+                      <a:endParaRPr lang="zh-TW" altLang="en-US"/>
+                    </a:p>
+                  </a:txBody>
+                  <a:tcPr>
+                    <a:lnL w="12700" cap="flat" cmpd="sng" algn="ctr">
+                      <a:solidFill>
+                        <a:schemeClr val="tx1"/>
+                      </a:solidFill>
+                      <a:prstDash val="solid"/>
+                      <a:round/>
+                      <a:headEnd type="none" w="med" len="med"/>
+                      <a:tailEnd type="none" w="med" len="med"/>
+                    </a:lnL>
+                    <a:lnR w="57150" cap="flat" cmpd="sng" algn="ctr">
+                      <a:solidFill>
+                        <a:schemeClr val="tx1"/>
+                      </a:solidFill>
+                      <a:prstDash val="solid"/>
+                      <a:round/>
+                      <a:headEnd type="none" w="med" len="med"/>
+                      <a:tailEnd type="none" w="med" len="med"/>
+                    </a:lnR>
+                    <a:lnT w="12700" cap="flat" cmpd="sng" algn="ctr">
+                      <a:solidFill>
+                        <a:schemeClr val="tx1"/>
+                      </a:solidFill>
+                      <a:prstDash val="solid"/>
+                      <a:round/>
+                      <a:headEnd type="none" w="med" len="med"/>
+                      <a:tailEnd type="none" w="med" len="med"/>
+                    </a:lnT>
+                    <a:lnB w="57150" cap="flat" cmpd="sng" algn="ctr">
+                      <a:solidFill>
+                        <a:schemeClr val="tx1"/>
+                      </a:solidFill>
+                      <a:prstDash val="solid"/>
+                      <a:round/>
+                      <a:headEnd type="none" w="med" len="med"/>
+                      <a:tailEnd type="none" w="med" len="med"/>
+                    </a:lnB>
+                  </a:tcPr>
+                </a:tc>
+              </a:tr>
+              <a:tr h="914400">
+                <a:tc>
+                  <a:txBody>
+                    <a:bodyPr/>
+                    <a:lstStyle/>
+                    <a:p>
+                      <a:endParaRPr lang="zh-TW" altLang="en-US" dirty="0"/>
+                    </a:p>
+                  </a:txBody>
+                  <a:tcPr>
+                    <a:lnL w="57150" cap="flat" cmpd="sng" algn="ctr">
+                      <a:solidFill>
+                        <a:schemeClr val="tx1"/>
+                      </a:solidFill>
+                      <a:prstDash val="solid"/>
+                      <a:round/>
+                      <a:headEnd type="none" w="med" len="med"/>
+                      <a:tailEnd type="none" w="med" len="med"/>
+                    </a:lnL>
+                    <a:lnR w="12700" cap="flat" cmpd="sng" algn="ctr">
+                      <a:solidFill>
+                        <a:schemeClr val="tx1"/>
+                      </a:solidFill>
+                      <a:prstDash val="solid"/>
+                      <a:round/>
+                      <a:headEnd type="none" w="med" len="med"/>
+                      <a:tailEnd type="none" w="med" len="med"/>
+                    </a:lnR>
+                    <a:lnT w="57150" cap="flat" cmpd="sng" algn="ctr">
+                      <a:solidFill>
+                        <a:schemeClr val="tx1"/>
+                      </a:solidFill>
+                      <a:prstDash val="solid"/>
+                      <a:round/>
+                      <a:headEnd type="none" w="med" len="med"/>
+                      <a:tailEnd type="none" w="med" len="med"/>
+                    </a:lnT>
+                    <a:lnB w="12700" cap="flat" cmpd="sng" algn="ctr">
+                      <a:solidFill>
+                        <a:schemeClr val="tx1"/>
+                      </a:solidFill>
+                      <a:prstDash val="solid"/>
+                      <a:round/>
+                      <a:headEnd type="none" w="med" len="med"/>
+                      <a:tailEnd type="none" w="med" len="med"/>
+                    </a:lnB>
+                  </a:tcPr>
+                </a:tc>
+                <a:tc>
+                  <a:txBody>
+                    <a:bodyPr/>
+                    <a:lstStyle/>
+                    <a:p>
+                      <a:endParaRPr lang="zh-TW" altLang="en-US" dirty="0"/>
+                    </a:p>
+                  </a:txBody>
+                  <a:tcPr>
+                    <a:lnL w="12700" cap="flat" cmpd="sng" algn="ctr">
+                      <a:solidFill>
+                        <a:schemeClr val="tx1"/>
+                      </a:solidFill>
+                      <a:prstDash val="solid"/>
+                      <a:round/>
+                      <a:headEnd type="none" w="med" len="med"/>
+                      <a:tailEnd type="none" w="med" len="med"/>
+                    </a:lnL>
+                    <a:lnR w="12700" cap="flat" cmpd="sng" algn="ctr">
+                      <a:solidFill>
+                        <a:schemeClr val="tx1"/>
+                      </a:solidFill>
+                      <a:prstDash val="solid"/>
+                      <a:round/>
+                      <a:headEnd type="none" w="med" len="med"/>
+                      <a:tailEnd type="none" w="med" len="med"/>
+                    </a:lnR>
+                    <a:lnT w="12700" cap="flat" cmpd="sng" algn="ctr">
+                      <a:solidFill>
+                        <a:schemeClr val="tx1"/>
+                      </a:solidFill>
+                      <a:prstDash val="solid"/>
+                      <a:round/>
+                      <a:headEnd type="none" w="med" len="med"/>
+                      <a:tailEnd type="none" w="med" len="med"/>
+                    </a:lnT>
+                    <a:lnB w="12700" cap="flat" cmpd="sng" algn="ctr">
+                      <a:solidFill>
+                        <a:schemeClr val="tx1"/>
+                      </a:solidFill>
+                      <a:prstDash val="solid"/>
+                      <a:round/>
+                      <a:headEnd type="none" w="med" len="med"/>
+                      <a:tailEnd type="none" w="med" len="med"/>
+                    </a:lnB>
+                  </a:tcPr>
+                </a:tc>
+                <a:tc>
+                  <a:txBody>
+                    <a:bodyPr/>
+                    <a:lstStyle/>
+                    <a:p>
+                      <a:endParaRPr lang="zh-TW" altLang="en-US" dirty="0"/>
+                    </a:p>
+                  </a:txBody>
+                  <a:tcPr>
+                    <a:lnL w="12700" cap="flat" cmpd="sng" algn="ctr">
+                      <a:solidFill>
+                        <a:schemeClr val="tx1"/>
+                      </a:solidFill>
+                      <a:prstDash val="solid"/>
+                      <a:round/>
+                      <a:headEnd type="none" w="med" len="med"/>
+                      <a:tailEnd type="none" w="med" len="med"/>
+                    </a:lnL>
+                    <a:lnR w="12700" cap="flat" cmpd="sng" algn="ctr">
+                      <a:solidFill>
+                        <a:schemeClr val="tx1"/>
+                      </a:solidFill>
+                      <a:prstDash val="solid"/>
+                      <a:round/>
+                      <a:headEnd type="none" w="med" len="med"/>
+                      <a:tailEnd type="none" w="med" len="med"/>
+                    </a:lnR>
+                    <a:lnT w="57150" cap="flat" cmpd="sng" algn="ctr">
+                      <a:solidFill>
+                        <a:schemeClr val="tx1"/>
+                      </a:solidFill>
+                      <a:prstDash val="solid"/>
+                      <a:round/>
+                      <a:headEnd type="none" w="med" len="med"/>
+                      <a:tailEnd type="none" w="med" len="med"/>
+                    </a:lnT>
+                    <a:lnB w="12700" cap="flat" cmpd="sng" algn="ctr">
+                      <a:solidFill>
+                        <a:schemeClr val="tx1"/>
+                      </a:solidFill>
+                      <a:prstDash val="solid"/>
+                      <a:round/>
+                      <a:headEnd type="none" w="med" len="med"/>
+                      <a:tailEnd type="none" w="med" len="med"/>
+                    </a:lnB>
+                  </a:tcPr>
+                </a:tc>
+                <a:tc>
+                  <a:txBody>
+                    <a:bodyPr/>
+                    <a:lstStyle/>
+                    <a:p>
+                      <a:pPr marL="0" algn="ctr" defTabSz="914400" rtl="0" eaLnBrk="1" latinLnBrk="0" hangingPunct="1"/>
+                      <a:r>
+                        <a:rPr lang="en-US" altLang="zh-TW" sz="4800" kern="1200" dirty="0" smtClean="0">
+                          <a:solidFill>
+                            <a:schemeClr val="tx1"/>
+                          </a:solidFill>
+                          <a:latin typeface="+mn-lt"/>
+                          <a:ea typeface="+mn-ea"/>
+                          <a:cs typeface="+mn-cs"/>
+                        </a:rPr>
+                        <a:t>A</a:t>
+                      </a:r>
+                      <a:endParaRPr lang="zh-TW" altLang="en-US" sz="4800" kern="1200" dirty="0" smtClean="0">
+                        <a:solidFill>
+                          <a:schemeClr val="tx1"/>
+                        </a:solidFill>
+                        <a:latin typeface="+mn-lt"/>
+                        <a:ea typeface="+mn-ea"/>
+                        <a:cs typeface="+mn-cs"/>
+                      </a:endParaRPr>
+                    </a:p>
+                  </a:txBody>
+                  <a:tcPr>
+                    <a:lnL w="12700" cap="flat" cmpd="sng" algn="ctr">
+                      <a:solidFill>
+                        <a:schemeClr val="tx1"/>
+                      </a:solidFill>
+                      <a:prstDash val="solid"/>
+                      <a:round/>
+                      <a:headEnd type="none" w="med" len="med"/>
+                      <a:tailEnd type="none" w="med" len="med"/>
+                    </a:lnL>
+                    <a:lnR w="12700" cap="flat" cmpd="sng" algn="ctr">
+                      <a:solidFill>
+                        <a:schemeClr val="tx1"/>
+                      </a:solidFill>
+                      <a:prstDash val="solid"/>
+                      <a:round/>
+                      <a:headEnd type="none" w="med" len="med"/>
+                      <a:tailEnd type="none" w="med" len="med"/>
+                    </a:lnR>
+                    <a:lnT w="57150" cap="flat" cmpd="sng" algn="ctr">
+                      <a:solidFill>
+                        <a:schemeClr val="tx1"/>
+                      </a:solidFill>
+                      <a:prstDash val="solid"/>
+                      <a:round/>
+                      <a:headEnd type="none" w="med" len="med"/>
+                      <a:tailEnd type="none" w="med" len="med"/>
+                    </a:lnT>
+                    <a:lnB w="12700" cap="flat" cmpd="sng" algn="ctr">
+                      <a:solidFill>
+                        <a:schemeClr val="tx1"/>
+                      </a:solidFill>
+                      <a:prstDash val="solid"/>
+                      <a:round/>
+                      <a:headEnd type="none" w="med" len="med"/>
+                      <a:tailEnd type="none" w="med" len="med"/>
+                    </a:lnB>
+                  </a:tcPr>
+                </a:tc>
+                <a:tc>
+                  <a:txBody>
+                    <a:bodyPr/>
+                    <a:lstStyle/>
+                    <a:p>
+                      <a:pPr marL="0" algn="ctr" defTabSz="914400" rtl="0" eaLnBrk="1" latinLnBrk="0" hangingPunct="1"/>
+                      <a:r>
+                        <a:rPr lang="en-US" altLang="zh-TW" sz="4800" kern="1200" dirty="0" smtClean="0">
+                          <a:solidFill>
+                            <a:schemeClr val="tx1"/>
+                          </a:solidFill>
+                          <a:latin typeface="+mn-lt"/>
+                          <a:ea typeface="+mn-ea"/>
+                          <a:cs typeface="+mn-cs"/>
+                        </a:rPr>
+                        <a:t>P</a:t>
+                      </a:r>
+                      <a:endParaRPr lang="zh-TW" altLang="en-US" sz="4800" kern="1200" dirty="0" smtClean="0">
+                        <a:solidFill>
+                          <a:schemeClr val="tx1"/>
+                        </a:solidFill>
+                        <a:latin typeface="+mn-lt"/>
+                        <a:ea typeface="+mn-ea"/>
+                        <a:cs typeface="+mn-cs"/>
+                      </a:endParaRPr>
+                    </a:p>
+                  </a:txBody>
+                  <a:tcPr>
+                    <a:lnL w="12700" cap="flat" cmpd="sng" algn="ctr">
+                      <a:solidFill>
+                        <a:schemeClr val="tx1"/>
+                      </a:solidFill>
+                      <a:prstDash val="solid"/>
+                      <a:round/>
+                      <a:headEnd type="none" w="med" len="med"/>
+                      <a:tailEnd type="none" w="med" len="med"/>
+                    </a:lnL>
+                    <a:lnR w="12700" cap="flat" cmpd="sng" algn="ctr">
+                      <a:solidFill>
+                        <a:schemeClr val="tx1"/>
+                      </a:solidFill>
+                      <a:prstDash val="solid"/>
+                      <a:round/>
+                      <a:headEnd type="none" w="med" len="med"/>
+                      <a:tailEnd type="none" w="med" len="med"/>
+                    </a:lnR>
+                    <a:lnT w="12700" cap="flat" cmpd="sng" algn="ctr">
+                      <a:solidFill>
+                        <a:schemeClr val="tx1"/>
+                      </a:solidFill>
+                      <a:prstDash val="solid"/>
+                      <a:round/>
+                      <a:headEnd type="none" w="med" len="med"/>
+                      <a:tailEnd type="none" w="med" len="med"/>
+                    </a:lnT>
+                    <a:lnB w="12700" cap="flat" cmpd="sng" algn="ctr">
+                      <a:solidFill>
+                        <a:schemeClr val="tx1"/>
+                      </a:solidFill>
+                      <a:prstDash val="solid"/>
+                      <a:round/>
+                      <a:headEnd type="none" w="med" len="med"/>
+                      <a:tailEnd type="none" w="med" len="med"/>
+                    </a:lnB>
+                  </a:tcPr>
+                </a:tc>
+                <a:tc>
+                  <a:txBody>
+                    <a:bodyPr/>
+                    <a:lstStyle/>
+                    <a:p>
+                      <a:endParaRPr lang="zh-TW" altLang="en-US"/>
+                    </a:p>
+                  </a:txBody>
+                  <a:tcPr>
+                    <a:lnL w="12700" cap="flat" cmpd="sng" algn="ctr">
+                      <a:solidFill>
+                        <a:schemeClr val="tx1"/>
+                      </a:solidFill>
+                      <a:prstDash val="solid"/>
+                      <a:round/>
+                      <a:headEnd type="none" w="med" len="med"/>
+                      <a:tailEnd type="none" w="med" len="med"/>
+                    </a:lnL>
+                    <a:lnR w="57150" cap="flat" cmpd="sng" algn="ctr">
+                      <a:solidFill>
+                        <a:schemeClr val="tx1"/>
+                      </a:solidFill>
+                      <a:prstDash val="solid"/>
+                      <a:round/>
+                      <a:headEnd type="none" w="med" len="med"/>
+                      <a:tailEnd type="none" w="med" len="med"/>
+                    </a:lnR>
+                    <a:lnT w="57150" cap="flat" cmpd="sng" algn="ctr">
+                      <a:solidFill>
+                        <a:schemeClr val="tx1"/>
+                      </a:solidFill>
+                      <a:prstDash val="solid"/>
+                      <a:round/>
+                      <a:headEnd type="none" w="med" len="med"/>
+                      <a:tailEnd type="none" w="med" len="med"/>
+                    </a:lnT>
+                    <a:lnB w="12700" cap="flat" cmpd="sng" algn="ctr">
+                      <a:solidFill>
+                        <a:schemeClr val="tx1"/>
+                      </a:solidFill>
+                      <a:prstDash val="solid"/>
+                      <a:round/>
+                      <a:headEnd type="none" w="med" len="med"/>
+                      <a:tailEnd type="none" w="med" len="med"/>
+                    </a:lnB>
+                  </a:tcPr>
+                </a:tc>
+              </a:tr>
+              <a:tr h="914400">
+                <a:tc>
+                  <a:txBody>
+                    <a:bodyPr/>
+                    <a:lstStyle/>
+                    <a:p>
+                      <a:endParaRPr lang="zh-TW" altLang="en-US"/>
+                    </a:p>
+                  </a:txBody>
+                  <a:tcPr>
+                    <a:lnL w="57150" cap="flat" cmpd="sng" algn="ctr">
+                      <a:solidFill>
+                        <a:schemeClr val="tx1"/>
+                      </a:solidFill>
+                      <a:prstDash val="solid"/>
+                      <a:round/>
+                      <a:headEnd type="none" w="med" len="med"/>
+                      <a:tailEnd type="none" w="med" len="med"/>
+                    </a:lnL>
+                    <a:lnR w="12700" cap="flat" cmpd="sng" algn="ctr">
+                      <a:solidFill>
+                        <a:schemeClr val="tx1"/>
+                      </a:solidFill>
+                      <a:prstDash val="solid"/>
+                      <a:round/>
+                      <a:headEnd type="none" w="med" len="med"/>
+                      <a:tailEnd type="none" w="med" len="med"/>
+                    </a:lnR>
+                    <a:lnT w="12700" cap="flat" cmpd="sng" algn="ctr">
+                      <a:solidFill>
+                        <a:schemeClr val="tx1"/>
+                      </a:solidFill>
+                      <a:prstDash val="solid"/>
+                      <a:round/>
+                      <a:headEnd type="none" w="med" len="med"/>
+                      <a:tailEnd type="none" w="med" len="med"/>
+                    </a:lnT>
+                    <a:lnB w="57150" cap="flat" cmpd="sng" algn="ctr">
+                      <a:solidFill>
+                        <a:schemeClr val="tx1"/>
+                      </a:solidFill>
+                      <a:prstDash val="solid"/>
+                      <a:round/>
+                      <a:headEnd type="none" w="med" len="med"/>
+                      <a:tailEnd type="none" w="med" len="med"/>
+                    </a:lnB>
+                  </a:tcPr>
+                </a:tc>
+                <a:tc>
+                  <a:txBody>
+                    <a:bodyPr/>
+                    <a:lstStyle/>
+                    <a:p>
+                      <a:endParaRPr lang="zh-TW" altLang="en-US" dirty="0"/>
+                    </a:p>
+                  </a:txBody>
+                  <a:tcPr>
+                    <a:lnL w="12700" cap="flat" cmpd="sng" algn="ctr">
+                      <a:solidFill>
+                        <a:schemeClr val="tx1"/>
+                      </a:solidFill>
+                      <a:prstDash val="solid"/>
+                      <a:round/>
+                      <a:headEnd type="none" w="med" len="med"/>
+                      <a:tailEnd type="none" w="med" len="med"/>
+                    </a:lnL>
+                    <a:lnR w="12700" cap="flat" cmpd="sng" algn="ctr">
+                      <a:solidFill>
+                        <a:schemeClr val="tx1"/>
+                      </a:solidFill>
+                      <a:prstDash val="solid"/>
+                      <a:round/>
+                      <a:headEnd type="none" w="med" len="med"/>
+                      <a:tailEnd type="none" w="med" len="med"/>
+                    </a:lnR>
+                    <a:lnT w="12700" cap="flat" cmpd="sng" algn="ctr">
+                      <a:solidFill>
+                        <a:schemeClr val="tx1"/>
+                      </a:solidFill>
+                      <a:prstDash val="solid"/>
+                      <a:round/>
+                      <a:headEnd type="none" w="med" len="med"/>
+                      <a:tailEnd type="none" w="med" len="med"/>
+                    </a:lnT>
+                    <a:lnB w="12700" cap="flat" cmpd="sng" algn="ctr">
+                      <a:solidFill>
+                        <a:schemeClr val="tx1"/>
+                      </a:solidFill>
+                      <a:prstDash val="solid"/>
+                      <a:round/>
+                      <a:headEnd type="none" w="med" len="med"/>
+                      <a:tailEnd type="none" w="med" len="med"/>
+                    </a:lnB>
+                  </a:tcPr>
+                </a:tc>
+                <a:tc>
+                  <a:txBody>
+                    <a:bodyPr/>
+                    <a:lstStyle/>
+                    <a:p>
+                      <a:endParaRPr lang="zh-TW" altLang="en-US" dirty="0"/>
+                    </a:p>
+                  </a:txBody>
+                  <a:tcPr>
+                    <a:lnL w="12700" cap="flat" cmpd="sng" algn="ctr">
+                      <a:solidFill>
+                        <a:schemeClr val="tx1"/>
+                      </a:solidFill>
+                      <a:prstDash val="solid"/>
+                      <a:round/>
+                      <a:headEnd type="none" w="med" len="med"/>
+                      <a:tailEnd type="none" w="med" len="med"/>
+                    </a:lnL>
+                    <a:lnR w="57150" cap="flat" cmpd="sng" algn="ctr">
+                      <a:solidFill>
+                        <a:schemeClr val="tx1"/>
+                      </a:solidFill>
+                      <a:prstDash val="solid"/>
+                      <a:round/>
+                      <a:headEnd type="none" w="med" len="med"/>
+                      <a:tailEnd type="none" w="med" len="med"/>
+                    </a:lnR>
+                    <a:lnT w="12700" cap="flat" cmpd="sng" algn="ctr">
+                      <a:solidFill>
+                        <a:schemeClr val="tx1"/>
+                      </a:solidFill>
+                      <a:prstDash val="solid"/>
+                      <a:round/>
+                      <a:headEnd type="none" w="med" len="med"/>
+                      <a:tailEnd type="none" w="med" len="med"/>
+                    </a:lnT>
+                    <a:lnB w="57150" cap="flat" cmpd="sng" algn="ctr">
+                      <a:solidFill>
+                        <a:schemeClr val="tx1"/>
+                      </a:solidFill>
+                      <a:prstDash val="solid"/>
+                      <a:round/>
+                      <a:headEnd type="none" w="med" len="med"/>
+                      <a:tailEnd type="none" w="med" len="med"/>
+                    </a:lnB>
+                  </a:tcPr>
+                </a:tc>
+                <a:tc>
+                  <a:txBody>
+                    <a:bodyPr/>
+                    <a:lstStyle/>
+                    <a:p>
+                      <a:endParaRPr lang="zh-TW" altLang="en-US" dirty="0"/>
+                    </a:p>
+                  </a:txBody>
+                  <a:tcPr>
+                    <a:lnL w="57150" cap="flat" cmpd="sng" algn="ctr">
+                      <a:solidFill>
+                        <a:schemeClr val="tx1"/>
+                      </a:solidFill>
+                      <a:prstDash val="solid"/>
+                      <a:round/>
+                      <a:headEnd type="none" w="med" len="med"/>
+                      <a:tailEnd type="none" w="med" len="med"/>
+                    </a:lnL>
+                    <a:lnR w="12700" cap="flat" cmpd="sng" algn="ctr">
+                      <a:solidFill>
+                        <a:schemeClr val="tx1"/>
+                      </a:solidFill>
+                      <a:prstDash val="solid"/>
+                      <a:round/>
+                      <a:headEnd type="none" w="med" len="med"/>
+                      <a:tailEnd type="none" w="med" len="med"/>
+                    </a:lnR>
+                    <a:lnT w="12700" cap="flat" cmpd="sng" algn="ctr">
+                      <a:solidFill>
+                        <a:schemeClr val="tx1"/>
+                      </a:solidFill>
+                      <a:prstDash val="solid"/>
+                      <a:round/>
+                      <a:headEnd type="none" w="med" len="med"/>
+                      <a:tailEnd type="none" w="med" len="med"/>
+                    </a:lnT>
+                    <a:lnB w="57150" cap="flat" cmpd="sng" algn="ctr">
+                      <a:solidFill>
+                        <a:schemeClr val="tx1"/>
+                      </a:solidFill>
+                      <a:prstDash val="solid"/>
+                      <a:round/>
+                      <a:headEnd type="none" w="med" len="med"/>
+                      <a:tailEnd type="none" w="med" len="med"/>
+                    </a:lnB>
+                  </a:tcPr>
+                </a:tc>
+                <a:tc>
+                  <a:txBody>
+                    <a:bodyPr/>
+                    <a:lstStyle/>
+                    <a:p>
+                      <a:endParaRPr lang="zh-TW" altLang="en-US" dirty="0"/>
+                    </a:p>
+                  </a:txBody>
+                  <a:tcPr>
+                    <a:lnL w="12700" cap="flat" cmpd="sng" algn="ctr">
+                      <a:solidFill>
+                        <a:schemeClr val="tx1"/>
+                      </a:solidFill>
+                      <a:prstDash val="solid"/>
+                      <a:round/>
+                      <a:headEnd type="none" w="med" len="med"/>
+                      <a:tailEnd type="none" w="med" len="med"/>
+                    </a:lnL>
+                    <a:lnR w="12700" cap="flat" cmpd="sng" algn="ctr">
+                      <a:solidFill>
+                        <a:schemeClr val="tx1"/>
+                      </a:solidFill>
+                      <a:prstDash val="solid"/>
+                      <a:round/>
+                      <a:headEnd type="none" w="med" len="med"/>
+                      <a:tailEnd type="none" w="med" len="med"/>
+                    </a:lnR>
+                    <a:lnT w="12700" cap="flat" cmpd="sng" algn="ctr">
+                      <a:solidFill>
+                        <a:schemeClr val="tx1"/>
+                      </a:solidFill>
+                      <a:prstDash val="solid"/>
+                      <a:round/>
+                      <a:headEnd type="none" w="med" len="med"/>
+                      <a:tailEnd type="none" w="med" len="med"/>
+                    </a:lnT>
+                    <a:lnB w="12700" cap="flat" cmpd="sng" algn="ctr">
+                      <a:solidFill>
+                        <a:schemeClr val="tx1"/>
+                      </a:solidFill>
+                      <a:prstDash val="solid"/>
+                      <a:round/>
+                      <a:headEnd type="none" w="med" len="med"/>
+                      <a:tailEnd type="none" w="med" len="med"/>
+                    </a:lnB>
+                  </a:tcPr>
+                </a:tc>
+                <a:tc>
+                  <a:txBody>
+                    <a:bodyPr/>
+                    <a:lstStyle/>
+                    <a:p>
+                      <a:endParaRPr lang="zh-TW" altLang="en-US"/>
+                    </a:p>
+                  </a:txBody>
+                  <a:tcPr>
+                    <a:lnL w="12700" cap="flat" cmpd="sng" algn="ctr">
+                      <a:solidFill>
+                        <a:schemeClr val="tx1"/>
+                      </a:solidFill>
+                      <a:prstDash val="solid"/>
+                      <a:round/>
+                      <a:headEnd type="none" w="med" len="med"/>
+                      <a:tailEnd type="none" w="med" len="med"/>
+                    </a:lnL>
+                    <a:lnR w="57150" cap="flat" cmpd="sng" algn="ctr">
+                      <a:solidFill>
+                        <a:schemeClr val="tx1"/>
+                      </a:solidFill>
+                      <a:prstDash val="solid"/>
+                      <a:round/>
+                      <a:headEnd type="none" w="med" len="med"/>
+                      <a:tailEnd type="none" w="med" len="med"/>
+                    </a:lnR>
+                    <a:lnT w="12700" cap="flat" cmpd="sng" algn="ctr">
+                      <a:solidFill>
+                        <a:schemeClr val="tx1"/>
+                      </a:solidFill>
+                      <a:prstDash val="solid"/>
+                      <a:round/>
+                      <a:headEnd type="none" w="med" len="med"/>
+                      <a:tailEnd type="none" w="med" len="med"/>
+                    </a:lnT>
+                    <a:lnB w="57150" cap="flat" cmpd="sng" algn="ctr">
+                      <a:solidFill>
+                        <a:schemeClr val="tx1"/>
+                      </a:solidFill>
+                      <a:prstDash val="solid"/>
+                      <a:round/>
+                      <a:headEnd type="none" w="med" len="med"/>
+                      <a:tailEnd type="none" w="med" len="med"/>
+                    </a:lnB>
+                  </a:tcPr>
+                </a:tc>
+              </a:tr>
+              <a:tr h="914400">
+                <a:tc>
+                  <a:txBody>
+                    <a:bodyPr/>
+                    <a:lstStyle/>
+                    <a:p>
+                      <a:endParaRPr lang="zh-TW" altLang="en-US" dirty="0"/>
+                    </a:p>
+                  </a:txBody>
+                  <a:tcPr>
+                    <a:lnL w="57150" cap="flat" cmpd="sng" algn="ctr">
+                      <a:solidFill>
+                        <a:schemeClr val="tx1"/>
+                      </a:solidFill>
+                      <a:prstDash val="solid"/>
+                      <a:round/>
+                      <a:headEnd type="none" w="med" len="med"/>
+                      <a:tailEnd type="none" w="med" len="med"/>
+                    </a:lnL>
+                    <a:lnR w="12700" cap="flat" cmpd="sng" algn="ctr">
+                      <a:solidFill>
+                        <a:schemeClr val="tx1"/>
+                      </a:solidFill>
+                      <a:prstDash val="solid"/>
+                      <a:round/>
+                      <a:headEnd type="none" w="med" len="med"/>
+                      <a:tailEnd type="none" w="med" len="med"/>
+                    </a:lnR>
+                    <a:lnT w="57150" cap="flat" cmpd="sng" algn="ctr">
+                      <a:solidFill>
+                        <a:schemeClr val="tx1"/>
+                      </a:solidFill>
+                      <a:prstDash val="solid"/>
+                      <a:round/>
+                      <a:headEnd type="none" w="med" len="med"/>
+                      <a:tailEnd type="none" w="med" len="med"/>
+                    </a:lnT>
+                    <a:lnB w="12700" cap="flat" cmpd="sng" algn="ctr">
+                      <a:solidFill>
+                        <a:schemeClr val="tx1"/>
+                      </a:solidFill>
+                      <a:prstDash val="solid"/>
+                      <a:round/>
+                      <a:headEnd type="none" w="med" len="med"/>
+                      <a:tailEnd type="none" w="med" len="med"/>
+                    </a:lnB>
+                  </a:tcPr>
+                </a:tc>
+                <a:tc>
+                  <a:txBody>
+                    <a:bodyPr/>
+                    <a:lstStyle/>
+                    <a:p>
+                      <a:pPr marL="0" algn="ctr" defTabSz="914400" rtl="0" eaLnBrk="1" latinLnBrk="0" hangingPunct="1"/>
+                      <a:r>
+                        <a:rPr lang="en-US" altLang="zh-TW" sz="4800" kern="1200" dirty="0" smtClean="0">
+                          <a:solidFill>
+                            <a:schemeClr val="tx1"/>
+                          </a:solidFill>
+                          <a:latin typeface="+mn-lt"/>
+                          <a:ea typeface="+mn-ea"/>
+                          <a:cs typeface="+mn-cs"/>
+                        </a:rPr>
+                        <a:t>P</a:t>
+                      </a:r>
+                      <a:endParaRPr lang="zh-TW" altLang="en-US" sz="4800" kern="1200" dirty="0" smtClean="0">
+                        <a:solidFill>
+                          <a:schemeClr val="tx1"/>
+                        </a:solidFill>
+                        <a:latin typeface="+mn-lt"/>
+                        <a:ea typeface="+mn-ea"/>
+                        <a:cs typeface="+mn-cs"/>
+                      </a:endParaRPr>
+                    </a:p>
+                  </a:txBody>
+                  <a:tcPr>
+                    <a:lnL w="12700" cap="flat" cmpd="sng" algn="ctr">
+                      <a:solidFill>
+                        <a:schemeClr val="tx1"/>
+                      </a:solidFill>
+                      <a:prstDash val="solid"/>
+                      <a:round/>
+                      <a:headEnd type="none" w="med" len="med"/>
+                      <a:tailEnd type="none" w="med" len="med"/>
+                    </a:lnL>
+                    <a:lnR w="12700" cap="flat" cmpd="sng" algn="ctr">
+                      <a:solidFill>
+                        <a:schemeClr val="tx1"/>
+                      </a:solidFill>
+                      <a:prstDash val="solid"/>
+                      <a:round/>
+                      <a:headEnd type="none" w="med" len="med"/>
+                      <a:tailEnd type="none" w="med" len="med"/>
+                    </a:lnR>
+                    <a:lnT w="12700" cap="flat" cmpd="sng" algn="ctr">
+                      <a:solidFill>
+                        <a:schemeClr val="tx1"/>
+                      </a:solidFill>
+                      <a:prstDash val="solid"/>
+                      <a:round/>
+                      <a:headEnd type="none" w="med" len="med"/>
+                      <a:tailEnd type="none" w="med" len="med"/>
+                    </a:lnT>
+                    <a:lnB w="12700" cap="flat" cmpd="sng" algn="ctr">
+                      <a:solidFill>
+                        <a:schemeClr val="tx1"/>
+                      </a:solidFill>
+                      <a:prstDash val="solid"/>
+                      <a:round/>
+                      <a:headEnd type="none" w="med" len="med"/>
+                      <a:tailEnd type="none" w="med" len="med"/>
+                    </a:lnB>
+                  </a:tcPr>
+                </a:tc>
+                <a:tc>
+                  <a:txBody>
+                    <a:bodyPr/>
+                    <a:lstStyle/>
+                    <a:p>
+                      <a:endParaRPr lang="zh-TW" altLang="en-US" dirty="0"/>
+                    </a:p>
+                  </a:txBody>
+                  <a:tcPr>
+                    <a:lnL w="12700" cap="flat" cmpd="sng" algn="ctr">
+                      <a:solidFill>
+                        <a:schemeClr val="tx1"/>
+                      </a:solidFill>
+                      <a:prstDash val="solid"/>
+                      <a:round/>
+                      <a:headEnd type="none" w="med" len="med"/>
+                      <a:tailEnd type="none" w="med" len="med"/>
+                    </a:lnL>
+                    <a:lnR w="12700" cap="flat" cmpd="sng" algn="ctr">
+                      <a:solidFill>
+                        <a:schemeClr val="tx1"/>
+                      </a:solidFill>
+                      <a:prstDash val="solid"/>
+                      <a:round/>
+                      <a:headEnd type="none" w="med" len="med"/>
+                      <a:tailEnd type="none" w="med" len="med"/>
+                    </a:lnR>
+                    <a:lnT w="57150" cap="flat" cmpd="sng" algn="ctr">
+                      <a:solidFill>
+                        <a:schemeClr val="tx1"/>
+                      </a:solidFill>
+                      <a:prstDash val="solid"/>
+                      <a:round/>
+                      <a:headEnd type="none" w="med" len="med"/>
+                      <a:tailEnd type="none" w="med" len="med"/>
+                    </a:lnT>
+                    <a:lnB w="12700" cap="flat" cmpd="sng" algn="ctr">
+                      <a:solidFill>
+                        <a:schemeClr val="tx1"/>
+                      </a:solidFill>
+                      <a:prstDash val="solid"/>
+                      <a:round/>
+                      <a:headEnd type="none" w="med" len="med"/>
+                      <a:tailEnd type="none" w="med" len="med"/>
+                    </a:lnB>
+                  </a:tcPr>
+                </a:tc>
+                <a:tc>
+                  <a:txBody>
+                    <a:bodyPr/>
+                    <a:lstStyle/>
+                    <a:p>
+                      <a:pPr marL="0" algn="ctr" defTabSz="914400" rtl="0" eaLnBrk="1" latinLnBrk="0" hangingPunct="1"/>
+                      <a:r>
+                        <a:rPr lang="en-US" altLang="zh-TW" sz="4800" kern="1200" dirty="0" smtClean="0">
+                          <a:solidFill>
+                            <a:schemeClr val="tx1"/>
+                          </a:solidFill>
+                          <a:latin typeface="+mn-lt"/>
+                          <a:ea typeface="+mn-ea"/>
+                          <a:cs typeface="+mn-cs"/>
+                        </a:rPr>
+                        <a:t>B</a:t>
+                      </a:r>
+                      <a:endParaRPr lang="zh-TW" altLang="en-US" sz="4800" kern="1200" dirty="0" smtClean="0">
+                        <a:solidFill>
+                          <a:schemeClr val="tx1"/>
+                        </a:solidFill>
+                        <a:latin typeface="+mn-lt"/>
+                        <a:ea typeface="+mn-ea"/>
+                        <a:cs typeface="+mn-cs"/>
+                      </a:endParaRPr>
+                    </a:p>
+                  </a:txBody>
+                  <a:tcPr>
+                    <a:lnL w="12700" cap="flat" cmpd="sng" algn="ctr">
+                      <a:solidFill>
+                        <a:schemeClr val="tx1"/>
+                      </a:solidFill>
+                      <a:prstDash val="solid"/>
+                      <a:round/>
+                      <a:headEnd type="none" w="med" len="med"/>
+                      <a:tailEnd type="none" w="med" len="med"/>
+                    </a:lnL>
+                    <a:lnR w="12700" cap="flat" cmpd="sng" algn="ctr">
+                      <a:solidFill>
+                        <a:schemeClr val="tx1"/>
+                      </a:solidFill>
+                      <a:prstDash val="solid"/>
+                      <a:round/>
+                      <a:headEnd type="none" w="med" len="med"/>
+                      <a:tailEnd type="none" w="med" len="med"/>
+                    </a:lnR>
+                    <a:lnT w="57150" cap="flat" cmpd="sng" algn="ctr">
+                      <a:solidFill>
+                        <a:schemeClr val="tx1"/>
+                      </a:solidFill>
+                      <a:prstDash val="solid"/>
+                      <a:round/>
+                      <a:headEnd type="none" w="med" len="med"/>
+                      <a:tailEnd type="none" w="med" len="med"/>
+                    </a:lnT>
+                    <a:lnB w="12700" cap="flat" cmpd="sng" algn="ctr">
+                      <a:solidFill>
+                        <a:schemeClr val="tx1"/>
+                      </a:solidFill>
+                      <a:prstDash val="solid"/>
+                      <a:round/>
+                      <a:headEnd type="none" w="med" len="med"/>
+                      <a:tailEnd type="none" w="med" len="med"/>
+                    </a:lnB>
+                  </a:tcPr>
+                </a:tc>
+                <a:tc>
+                  <a:txBody>
+                    <a:bodyPr/>
+                    <a:lstStyle/>
+                    <a:p>
+                      <a:pPr marL="0" algn="ctr" defTabSz="914400" rtl="0" eaLnBrk="1" latinLnBrk="0" hangingPunct="1"/>
+                      <a:r>
+                        <a:rPr lang="en-US" altLang="zh-TW" sz="4800" kern="1200" dirty="0" smtClean="0">
+                          <a:solidFill>
+                            <a:schemeClr val="tx1"/>
+                          </a:solidFill>
+                          <a:latin typeface="+mn-lt"/>
+                          <a:ea typeface="+mn-ea"/>
+                          <a:cs typeface="+mn-cs"/>
+                        </a:rPr>
+                        <a:t>P</a:t>
+                      </a:r>
+                      <a:endParaRPr lang="zh-TW" altLang="en-US" sz="4800" kern="1200" dirty="0" smtClean="0">
+                        <a:solidFill>
+                          <a:schemeClr val="tx1"/>
+                        </a:solidFill>
+                        <a:latin typeface="+mn-lt"/>
+                        <a:ea typeface="+mn-ea"/>
+                        <a:cs typeface="+mn-cs"/>
+                      </a:endParaRPr>
+                    </a:p>
+                  </a:txBody>
+                  <a:tcPr>
+                    <a:lnL w="12700" cap="flat" cmpd="sng" algn="ctr">
+                      <a:solidFill>
+                        <a:schemeClr val="tx1"/>
+                      </a:solidFill>
+                      <a:prstDash val="solid"/>
+                      <a:round/>
+                      <a:headEnd type="none" w="med" len="med"/>
+                      <a:tailEnd type="none" w="med" len="med"/>
+                    </a:lnL>
+                    <a:lnR w="12700" cap="flat" cmpd="sng" algn="ctr">
+                      <a:solidFill>
+                        <a:schemeClr val="tx1"/>
+                      </a:solidFill>
+                      <a:prstDash val="solid"/>
+                      <a:round/>
+                      <a:headEnd type="none" w="med" len="med"/>
+                      <a:tailEnd type="none" w="med" len="med"/>
+                    </a:lnR>
+                    <a:lnT w="12700" cap="flat" cmpd="sng" algn="ctr">
+                      <a:solidFill>
+                        <a:schemeClr val="tx1"/>
+                      </a:solidFill>
+                      <a:prstDash val="solid"/>
+                      <a:round/>
+                      <a:headEnd type="none" w="med" len="med"/>
+                      <a:tailEnd type="none" w="med" len="med"/>
+                    </a:lnT>
+                    <a:lnB w="12700" cap="flat" cmpd="sng" algn="ctr">
+                      <a:solidFill>
+                        <a:schemeClr val="tx1"/>
+                      </a:solidFill>
+                      <a:prstDash val="solid"/>
+                      <a:round/>
+                      <a:headEnd type="none" w="med" len="med"/>
+                      <a:tailEnd type="none" w="med" len="med"/>
+                    </a:lnB>
+                  </a:tcPr>
+                </a:tc>
+                <a:tc>
+                  <a:txBody>
+                    <a:bodyPr/>
+                    <a:lstStyle/>
+                    <a:p>
+                      <a:endParaRPr lang="zh-TW" altLang="en-US"/>
+                    </a:p>
+                  </a:txBody>
+                  <a:tcPr>
+                    <a:lnL w="12700" cap="flat" cmpd="sng" algn="ctr">
+                      <a:solidFill>
+                        <a:schemeClr val="tx1"/>
+                      </a:solidFill>
+                      <a:prstDash val="solid"/>
+                      <a:round/>
+                      <a:headEnd type="none" w="med" len="med"/>
+                      <a:tailEnd type="none" w="med" len="med"/>
+                    </a:lnL>
+                    <a:lnR w="57150" cap="flat" cmpd="sng" algn="ctr">
+                      <a:solidFill>
+                        <a:schemeClr val="tx1"/>
+                      </a:solidFill>
+                      <a:prstDash val="solid"/>
+                      <a:round/>
+                      <a:headEnd type="none" w="med" len="med"/>
+                      <a:tailEnd type="none" w="med" len="med"/>
+                    </a:lnR>
+                    <a:lnT w="57150" cap="flat" cmpd="sng" algn="ctr">
+                      <a:solidFill>
+                        <a:schemeClr val="tx1"/>
+                      </a:solidFill>
+                      <a:prstDash val="solid"/>
+                      <a:round/>
+                      <a:headEnd type="none" w="med" len="med"/>
+                      <a:tailEnd type="none" w="med" len="med"/>
+                    </a:lnT>
+                    <a:lnB w="12700" cap="flat" cmpd="sng" algn="ctr">
+                      <a:solidFill>
+                        <a:schemeClr val="tx1"/>
+                      </a:solidFill>
+                      <a:prstDash val="solid"/>
+                      <a:round/>
+                      <a:headEnd type="none" w="med" len="med"/>
+                      <a:tailEnd type="none" w="med" len="med"/>
+                    </a:lnB>
+                  </a:tcPr>
+                </a:tc>
+              </a:tr>
+              <a:tr h="914400">
+                <a:tc>
+                  <a:txBody>
+                    <a:bodyPr/>
+                    <a:lstStyle/>
+                    <a:p>
+                      <a:endParaRPr lang="zh-TW" altLang="en-US"/>
+                    </a:p>
+                  </a:txBody>
+                  <a:tcPr>
+                    <a:lnL w="57150" cap="flat" cmpd="sng" algn="ctr">
+                      <a:solidFill>
+                        <a:schemeClr val="tx1"/>
+                      </a:solidFill>
+                      <a:prstDash val="solid"/>
+                      <a:round/>
+                      <a:headEnd type="none" w="med" len="med"/>
+                      <a:tailEnd type="none" w="med" len="med"/>
+                    </a:lnL>
+                    <a:lnR w="12700" cap="flat" cmpd="sng" algn="ctr">
+                      <a:solidFill>
+                        <a:schemeClr val="tx1"/>
+                      </a:solidFill>
+                      <a:prstDash val="solid"/>
+                      <a:round/>
+                      <a:headEnd type="none" w="med" len="med"/>
+                      <a:tailEnd type="none" w="med" len="med"/>
+                    </a:lnR>
+                    <a:lnT w="12700" cap="flat" cmpd="sng" algn="ctr">
+                      <a:solidFill>
+                        <a:schemeClr val="tx1"/>
+                      </a:solidFill>
+                      <a:prstDash val="solid"/>
+                      <a:round/>
+                      <a:headEnd type="none" w="med" len="med"/>
+                      <a:tailEnd type="none" w="med" len="med"/>
+                    </a:lnT>
+                    <a:lnB w="57150" cap="flat" cmpd="sng" algn="ctr">
+                      <a:solidFill>
+                        <a:schemeClr val="tx1"/>
+                      </a:solidFill>
+                      <a:prstDash val="solid"/>
+                      <a:round/>
+                      <a:headEnd type="none" w="med" len="med"/>
+                      <a:tailEnd type="none" w="med" len="med"/>
+                    </a:lnB>
+                  </a:tcPr>
+                </a:tc>
+                <a:tc>
+                  <a:txBody>
+                    <a:bodyPr/>
+                    <a:lstStyle/>
+                    <a:p>
+                      <a:endParaRPr lang="zh-TW" altLang="en-US" dirty="0"/>
+                    </a:p>
+                  </a:txBody>
+                  <a:tcPr>
+                    <a:lnL w="12700" cap="flat" cmpd="sng" algn="ctr">
+                      <a:solidFill>
+                        <a:schemeClr val="tx1"/>
+                      </a:solidFill>
+                      <a:prstDash val="solid"/>
+                      <a:round/>
+                      <a:headEnd type="none" w="med" len="med"/>
+                      <a:tailEnd type="none" w="med" len="med"/>
+                    </a:lnL>
+                    <a:lnR w="12700" cap="flat" cmpd="sng" algn="ctr">
+                      <a:solidFill>
+                        <a:schemeClr val="tx1"/>
+                      </a:solidFill>
+                      <a:prstDash val="solid"/>
+                      <a:round/>
+                      <a:headEnd type="none" w="med" len="med"/>
+                      <a:tailEnd type="none" w="med" len="med"/>
+                    </a:lnR>
+                    <a:lnT w="12700" cap="flat" cmpd="sng" algn="ctr">
+                      <a:solidFill>
+                        <a:schemeClr val="tx1"/>
+                      </a:solidFill>
+                      <a:prstDash val="solid"/>
+                      <a:round/>
+                      <a:headEnd type="none" w="med" len="med"/>
+                      <a:tailEnd type="none" w="med" len="med"/>
+                    </a:lnT>
+                    <a:lnB w="57150" cap="flat" cmpd="sng" algn="ctr">
+                      <a:solidFill>
+                        <a:schemeClr val="tx1"/>
+                      </a:solidFill>
+                      <a:prstDash val="solid"/>
+                      <a:round/>
+                      <a:headEnd type="none" w="med" len="med"/>
+                      <a:tailEnd type="none" w="med" len="med"/>
+                    </a:lnB>
+                  </a:tcPr>
+                </a:tc>
+                <a:tc>
+                  <a:txBody>
+                    <a:bodyPr/>
+                    <a:lstStyle/>
+                    <a:p>
+                      <a:endParaRPr lang="zh-TW" altLang="en-US"/>
+                    </a:p>
+                  </a:txBody>
+                  <a:tcPr>
+                    <a:lnL w="12700" cap="flat" cmpd="sng" algn="ctr">
+                      <a:solidFill>
+                        <a:schemeClr val="tx1"/>
+                      </a:solidFill>
+                      <a:prstDash val="solid"/>
+                      <a:round/>
+                      <a:headEnd type="none" w="med" len="med"/>
+                      <a:tailEnd type="none" w="med" len="med"/>
+                    </a:lnL>
+                    <a:lnR w="57150" cap="flat" cmpd="sng" algn="ctr">
+                      <a:solidFill>
+                        <a:schemeClr val="tx1"/>
+                      </a:solidFill>
+                      <a:prstDash val="solid"/>
+                      <a:round/>
+                      <a:headEnd type="none" w="med" len="med"/>
+                      <a:tailEnd type="none" w="med" len="med"/>
+                    </a:lnR>
+                    <a:lnT w="12700" cap="flat" cmpd="sng" algn="ctr">
+                      <a:solidFill>
+                        <a:schemeClr val="tx1"/>
+                      </a:solidFill>
+                      <a:prstDash val="solid"/>
+                      <a:round/>
+                      <a:headEnd type="none" w="med" len="med"/>
+                      <a:tailEnd type="none" w="med" len="med"/>
+                    </a:lnT>
+                    <a:lnB w="57150" cap="flat" cmpd="sng" algn="ctr">
+                      <a:solidFill>
+                        <a:schemeClr val="tx1"/>
+                      </a:solidFill>
+                      <a:prstDash val="solid"/>
+                      <a:round/>
+                      <a:headEnd type="none" w="med" len="med"/>
+                      <a:tailEnd type="none" w="med" len="med"/>
+                    </a:lnB>
+                  </a:tcPr>
+                </a:tc>
+                <a:tc>
+                  <a:txBody>
+                    <a:bodyPr/>
+                    <a:lstStyle/>
+                    <a:p>
+                      <a:endParaRPr lang="zh-TW" altLang="en-US"/>
+                    </a:p>
+                  </a:txBody>
+                  <a:tcPr>
+                    <a:lnL w="57150" cap="flat" cmpd="sng" algn="ctr">
+                      <a:solidFill>
+                        <a:schemeClr val="tx1"/>
+                      </a:solidFill>
+                      <a:prstDash val="solid"/>
+                      <a:round/>
+                      <a:headEnd type="none" w="med" len="med"/>
+                      <a:tailEnd type="none" w="med" len="med"/>
+                    </a:lnL>
+                    <a:lnR w="12700" cap="flat" cmpd="sng" algn="ctr">
+                      <a:solidFill>
+                        <a:schemeClr val="tx1"/>
+                      </a:solidFill>
+                      <a:prstDash val="solid"/>
+                      <a:round/>
+                      <a:headEnd type="none" w="med" len="med"/>
+                      <a:tailEnd type="none" w="med" len="med"/>
+                    </a:lnR>
+                    <a:lnT w="12700" cap="flat" cmpd="sng" algn="ctr">
+                      <a:solidFill>
+                        <a:schemeClr val="tx1"/>
+                      </a:solidFill>
+                      <a:prstDash val="solid"/>
+                      <a:round/>
+                      <a:headEnd type="none" w="med" len="med"/>
+                      <a:tailEnd type="none" w="med" len="med"/>
+                    </a:lnT>
+                    <a:lnB w="57150" cap="flat" cmpd="sng" algn="ctr">
+                      <a:solidFill>
+                        <a:schemeClr val="tx1"/>
+                      </a:solidFill>
+                      <a:prstDash val="solid"/>
+                      <a:round/>
+                      <a:headEnd type="none" w="med" len="med"/>
+                      <a:tailEnd type="none" w="med" len="med"/>
+                    </a:lnB>
+                  </a:tcPr>
+                </a:tc>
+                <a:tc>
+                  <a:txBody>
+                    <a:bodyPr/>
+                    <a:lstStyle/>
+                    <a:p>
+                      <a:endParaRPr lang="zh-TW" altLang="en-US"/>
+                    </a:p>
+                  </a:txBody>
+                  <a:tcPr>
+                    <a:lnL w="12700" cap="flat" cmpd="sng" algn="ctr">
+                      <a:solidFill>
+                        <a:schemeClr val="tx1"/>
+                      </a:solidFill>
+                      <a:prstDash val="solid"/>
+                      <a:round/>
+                      <a:headEnd type="none" w="med" len="med"/>
+                      <a:tailEnd type="none" w="med" len="med"/>
+                    </a:lnL>
+                    <a:lnR w="12700" cap="flat" cmpd="sng" algn="ctr">
+                      <a:solidFill>
+                        <a:schemeClr val="tx1"/>
+                      </a:solidFill>
+                      <a:prstDash val="solid"/>
+                      <a:round/>
+                      <a:headEnd type="none" w="med" len="med"/>
+                      <a:tailEnd type="none" w="med" len="med"/>
+                    </a:lnR>
+                    <a:lnT w="12700" cap="flat" cmpd="sng" algn="ctr">
+                      <a:solidFill>
+                        <a:schemeClr val="tx1"/>
+                      </a:solidFill>
+                      <a:prstDash val="solid"/>
+                      <a:round/>
+                      <a:headEnd type="none" w="med" len="med"/>
+                      <a:tailEnd type="none" w="med" len="med"/>
+                    </a:lnT>
+                    <a:lnB w="57150" cap="flat" cmpd="sng" algn="ctr">
+                      <a:solidFill>
+                        <a:schemeClr val="tx1"/>
+                      </a:solidFill>
+                      <a:prstDash val="solid"/>
+                      <a:round/>
+                      <a:headEnd type="none" w="med" len="med"/>
+                      <a:tailEnd type="none" w="med" len="med"/>
+                    </a:lnB>
+                  </a:tcPr>
+                </a:tc>
+                <a:tc>
+                  <a:txBody>
+                    <a:bodyPr/>
+                    <a:lstStyle/>
+                    <a:p>
+                      <a:endParaRPr lang="zh-TW" altLang="en-US" dirty="0"/>
+                    </a:p>
+                  </a:txBody>
+                  <a:tcPr>
+                    <a:lnL w="12700" cap="flat" cmpd="sng" algn="ctr">
+                      <a:solidFill>
+                        <a:schemeClr val="tx1"/>
+                      </a:solidFill>
+                      <a:prstDash val="solid"/>
+                      <a:round/>
+                      <a:headEnd type="none" w="med" len="med"/>
+                      <a:tailEnd type="none" w="med" len="med"/>
+                    </a:lnL>
+                    <a:lnR w="57150" cap="flat" cmpd="sng" algn="ctr">
+                      <a:solidFill>
+                        <a:schemeClr val="tx1"/>
+                      </a:solidFill>
+                      <a:prstDash val="solid"/>
+                      <a:round/>
+                      <a:headEnd type="none" w="med" len="med"/>
+                      <a:tailEnd type="none" w="med" len="med"/>
+                    </a:lnR>
+                    <a:lnT w="12700" cap="flat" cmpd="sng" algn="ctr">
+                      <a:solidFill>
+                        <a:schemeClr val="tx1"/>
+                      </a:solidFill>
+                      <a:prstDash val="solid"/>
+                      <a:round/>
+                      <a:headEnd type="none" w="med" len="med"/>
+                      <a:tailEnd type="none" w="med" len="med"/>
+                    </a:lnT>
+                    <a:lnB w="57150" cap="flat" cmpd="sng" algn="ctr">
+                      <a:solidFill>
+                        <a:schemeClr val="tx1"/>
+                      </a:solidFill>
+                      <a:prstDash val="solid"/>
+                      <a:round/>
+                      <a:headEnd type="none" w="med" len="med"/>
+                      <a:tailEnd type="none" w="med" len="med"/>
+                    </a:lnB>
+                  </a:tcPr>
+                </a:tc>
+              </a:tr>
+            </a:tbl>
+          </a:graphicData>
+        </a:graphic>
+      </p:graphicFrame>
+      <p:sp>
+        <p:nvSpPr>
+          <p:cNvPr id="3" name="文字方塊 2"/>
+          <p:cNvSpPr txBox="1"/>
+          <p:nvPr/>
+        </p:nvSpPr>
+        <p:spPr>
+          <a:xfrm>
+            <a:off x="3733799" y="990599"/>
+            <a:ext cx="702945" cy="1569660"/>
+          </a:xfrm>
+          <a:prstGeom prst="rect">
+            <a:avLst/>
+          </a:prstGeom>
+          <a:noFill/>
+        </p:spPr>
+        <p:txBody>
+          <a:bodyPr wrap="square" rtlCol="0">
+            <a:spAutoFit/>
+          </a:bodyPr>
+          <a:lstStyle/>
+          <a:p>
+            <a:r>
+              <a:rPr lang="en-US" altLang="zh-TW" sz="9600" dirty="0" smtClean="0">
+                <a:solidFill>
+                  <a:schemeClr val="bg1">
+                    <a:lumMod val="75000"/>
+                  </a:schemeClr>
+                </a:solidFill>
+              </a:rPr>
+              <a:t>1</a:t>
+            </a:r>
+            <a:endParaRPr lang="zh-TW" altLang="en-US" sz="9600" dirty="0">
+              <a:solidFill>
+                <a:schemeClr val="bg1">
+                  <a:lumMod val="75000"/>
+                </a:schemeClr>
+              </a:solidFill>
+            </a:endParaRPr>
+          </a:p>
+        </p:txBody>
+      </p:sp>
+      <p:sp>
+        <p:nvSpPr>
+          <p:cNvPr id="4" name="文字方塊 3"/>
+          <p:cNvSpPr txBox="1"/>
+          <p:nvPr/>
+        </p:nvSpPr>
+        <p:spPr>
+          <a:xfrm>
+            <a:off x="6857999" y="990599"/>
+            <a:ext cx="702945" cy="1569660"/>
+          </a:xfrm>
+          <a:prstGeom prst="rect">
+            <a:avLst/>
+          </a:prstGeom>
+          <a:noFill/>
+        </p:spPr>
+        <p:txBody>
+          <a:bodyPr wrap="square" rtlCol="0">
+            <a:spAutoFit/>
+          </a:bodyPr>
+          <a:lstStyle/>
+          <a:p>
+            <a:r>
+              <a:rPr lang="en-US" altLang="zh-TW" sz="9600" dirty="0" smtClean="0">
+                <a:solidFill>
+                  <a:schemeClr val="bg1">
+                    <a:lumMod val="75000"/>
+                  </a:schemeClr>
+                </a:solidFill>
+              </a:rPr>
+              <a:t>2</a:t>
+            </a:r>
+            <a:endParaRPr lang="zh-TW" altLang="en-US" sz="9600" dirty="0">
+              <a:solidFill>
+                <a:schemeClr val="bg1">
+                  <a:lumMod val="75000"/>
+                </a:schemeClr>
+              </a:solidFill>
+            </a:endParaRPr>
+          </a:p>
+        </p:txBody>
+      </p:sp>
+      <p:sp>
+        <p:nvSpPr>
+          <p:cNvPr id="6" name="文字方塊 5"/>
+          <p:cNvSpPr txBox="1"/>
+          <p:nvPr/>
+        </p:nvSpPr>
+        <p:spPr>
+          <a:xfrm>
+            <a:off x="3733799" y="2743199"/>
+            <a:ext cx="702945" cy="1569660"/>
+          </a:xfrm>
+          <a:prstGeom prst="rect">
+            <a:avLst/>
+          </a:prstGeom>
+          <a:noFill/>
+        </p:spPr>
+        <p:txBody>
+          <a:bodyPr wrap="square" rtlCol="0">
+            <a:spAutoFit/>
+          </a:bodyPr>
+          <a:lstStyle/>
+          <a:p>
+            <a:r>
+              <a:rPr lang="en-US" altLang="zh-TW" sz="9600" dirty="0" smtClean="0">
+                <a:solidFill>
+                  <a:schemeClr val="bg1">
+                    <a:lumMod val="75000"/>
+                  </a:schemeClr>
+                </a:solidFill>
+              </a:rPr>
+              <a:t>3</a:t>
+            </a:r>
+            <a:endParaRPr lang="zh-TW" altLang="en-US" sz="9600" dirty="0">
+              <a:solidFill>
+                <a:schemeClr val="bg1">
+                  <a:lumMod val="75000"/>
+                </a:schemeClr>
+              </a:solidFill>
+            </a:endParaRPr>
+          </a:p>
+        </p:txBody>
+      </p:sp>
+      <p:sp>
+        <p:nvSpPr>
+          <p:cNvPr id="7" name="文字方塊 6"/>
+          <p:cNvSpPr txBox="1"/>
+          <p:nvPr/>
+        </p:nvSpPr>
+        <p:spPr>
+          <a:xfrm>
+            <a:off x="6857999" y="2743199"/>
+            <a:ext cx="702945" cy="1569660"/>
+          </a:xfrm>
+          <a:prstGeom prst="rect">
+            <a:avLst/>
+          </a:prstGeom>
+          <a:noFill/>
+        </p:spPr>
+        <p:txBody>
+          <a:bodyPr wrap="square" rtlCol="0">
+            <a:spAutoFit/>
+          </a:bodyPr>
+          <a:lstStyle/>
+          <a:p>
+            <a:r>
+              <a:rPr lang="en-US" altLang="zh-TW" sz="9600" dirty="0" smtClean="0">
+                <a:solidFill>
+                  <a:schemeClr val="bg1">
+                    <a:lumMod val="75000"/>
+                  </a:schemeClr>
+                </a:solidFill>
+              </a:rPr>
+              <a:t>4</a:t>
+            </a:r>
+            <a:endParaRPr lang="zh-TW" altLang="en-US" sz="9600" dirty="0">
+              <a:solidFill>
+                <a:schemeClr val="bg1">
+                  <a:lumMod val="75000"/>
+                </a:schemeClr>
+              </a:solidFill>
+            </a:endParaRPr>
+          </a:p>
+        </p:txBody>
+      </p:sp>
+      <p:sp>
+        <p:nvSpPr>
+          <p:cNvPr id="8" name="文字方塊 7"/>
+          <p:cNvSpPr txBox="1"/>
+          <p:nvPr/>
+        </p:nvSpPr>
+        <p:spPr>
+          <a:xfrm>
+            <a:off x="3733799" y="4495799"/>
+            <a:ext cx="702945" cy="1569660"/>
+          </a:xfrm>
+          <a:prstGeom prst="rect">
+            <a:avLst/>
+          </a:prstGeom>
+          <a:noFill/>
+        </p:spPr>
+        <p:txBody>
+          <a:bodyPr wrap="square" rtlCol="0">
+            <a:spAutoFit/>
+          </a:bodyPr>
+          <a:lstStyle/>
+          <a:p>
+            <a:r>
+              <a:rPr lang="en-US" altLang="zh-TW" sz="9600" dirty="0" smtClean="0">
+                <a:solidFill>
+                  <a:schemeClr val="bg1">
+                    <a:lumMod val="75000"/>
+                  </a:schemeClr>
+                </a:solidFill>
+              </a:rPr>
+              <a:t>5</a:t>
+            </a:r>
+            <a:endParaRPr lang="zh-TW" altLang="en-US" sz="9600" dirty="0">
+              <a:solidFill>
+                <a:schemeClr val="bg1">
+                  <a:lumMod val="75000"/>
+                </a:schemeClr>
+              </a:solidFill>
+            </a:endParaRPr>
+          </a:p>
+        </p:txBody>
+      </p:sp>
+      <p:sp>
+        <p:nvSpPr>
+          <p:cNvPr id="9" name="文字方塊 8"/>
+          <p:cNvSpPr txBox="1"/>
+          <p:nvPr/>
+        </p:nvSpPr>
+        <p:spPr>
+          <a:xfrm>
+            <a:off x="6857999" y="4495799"/>
+            <a:ext cx="702945" cy="1569660"/>
+          </a:xfrm>
+          <a:prstGeom prst="rect">
+            <a:avLst/>
+          </a:prstGeom>
+          <a:noFill/>
+        </p:spPr>
+        <p:txBody>
+          <a:bodyPr wrap="square" rtlCol="0">
+            <a:spAutoFit/>
+          </a:bodyPr>
+          <a:lstStyle/>
+          <a:p>
+            <a:r>
+              <a:rPr lang="en-US" altLang="zh-TW" sz="9600" dirty="0" smtClean="0">
+                <a:solidFill>
+                  <a:schemeClr val="bg1">
+                    <a:lumMod val="75000"/>
+                  </a:schemeClr>
+                </a:solidFill>
+              </a:rPr>
+              <a:t>6</a:t>
+            </a:r>
+            <a:endParaRPr lang="zh-TW" altLang="en-US" sz="9600" dirty="0">
+              <a:solidFill>
+                <a:schemeClr val="bg1">
+                  <a:lumMod val="75000"/>
+                </a:schemeClr>
+              </a:solidFill>
+            </a:endParaRPr>
+          </a:p>
+        </p:txBody>
+      </p:sp>
+      <p:sp>
+        <p:nvSpPr>
+          <p:cNvPr id="10" name="文字方塊 9"/>
+          <p:cNvSpPr txBox="1"/>
+          <p:nvPr/>
+        </p:nvSpPr>
+        <p:spPr>
+          <a:xfrm>
+            <a:off x="914400" y="914400"/>
+            <a:ext cx="381000" cy="5632311"/>
+          </a:xfrm>
+          <a:prstGeom prst="rect">
+            <a:avLst/>
+          </a:prstGeom>
+          <a:noFill/>
+        </p:spPr>
+        <p:txBody>
+          <a:bodyPr wrap="square" rtlCol="0">
+            <a:spAutoFit/>
+          </a:bodyPr>
+          <a:lstStyle/>
+          <a:p>
+            <a:r>
+              <a:rPr lang="en-US" altLang="zh-TW" sz="6000" dirty="0" smtClean="0"/>
+              <a:t>0</a:t>
+            </a:r>
+          </a:p>
+          <a:p>
+            <a:r>
+              <a:rPr lang="en-US" altLang="zh-TW" sz="6000" dirty="0" smtClean="0"/>
+              <a:t>1</a:t>
+            </a:r>
+          </a:p>
+          <a:p>
+            <a:r>
+              <a:rPr lang="en-US" altLang="zh-TW" sz="6000" dirty="0" smtClean="0"/>
+              <a:t>2</a:t>
+            </a:r>
+          </a:p>
+          <a:p>
+            <a:r>
+              <a:rPr lang="en-US" altLang="zh-TW" sz="6000" dirty="0" smtClean="0"/>
+              <a:t>3</a:t>
+            </a:r>
+          </a:p>
+          <a:p>
+            <a:r>
+              <a:rPr lang="en-US" altLang="zh-TW" sz="6000" dirty="0" smtClean="0"/>
+              <a:t>4</a:t>
+            </a:r>
+          </a:p>
+          <a:p>
+            <a:r>
+              <a:rPr lang="en-US" altLang="zh-TW" sz="6000" dirty="0" smtClean="0"/>
+              <a:t>5</a:t>
+            </a:r>
+            <a:endParaRPr lang="zh-TW" altLang="en-US" sz="6000" dirty="0"/>
+          </a:p>
+        </p:txBody>
+      </p:sp>
+      <p:sp>
+        <p:nvSpPr>
+          <p:cNvPr id="11" name="文字方塊 10"/>
+          <p:cNvSpPr txBox="1"/>
+          <p:nvPr/>
+        </p:nvSpPr>
+        <p:spPr>
+          <a:xfrm>
+            <a:off x="1524000" y="0"/>
+            <a:ext cx="6096000" cy="1015663"/>
+          </a:xfrm>
+          <a:prstGeom prst="rect">
+            <a:avLst/>
+          </a:prstGeom>
+          <a:noFill/>
+        </p:spPr>
+        <p:txBody>
+          <a:bodyPr wrap="square" rtlCol="0">
+            <a:spAutoFit/>
+          </a:bodyPr>
+          <a:lstStyle/>
+          <a:p>
+            <a:pPr algn="just"/>
+            <a:r>
+              <a:rPr lang="en-US" altLang="zh-TW" sz="6000" dirty="0" smtClean="0"/>
+              <a:t> 0    1    2    3   4    5 </a:t>
+            </a:r>
+            <a:endParaRPr lang="zh-TW" altLang="en-US" sz="6000" dirty="0"/>
+          </a:p>
+        </p:txBody>
+      </p:sp>
+    </p:spTree>
+  </p:cSld>
+  <p:clrMapOvr>
+    <a:masterClrMapping/>
+  </p:clrMapOvr>
+</p:sld>
+</file>
+
+<file path=ppt/slides/slide17.xml><?xml version="1.0" encoding="utf-8"?>
+<p:sld xmlns:a="http://schemas.openxmlformats.org/drawingml/2006/main" xmlns:r="http://schemas.openxmlformats.org/officeDocument/2006/relationships" xmlns:p="http://schemas.openxmlformats.org/presentationml/2006/main">
+  <p:cSld>
+    <p:spTree>
+      <p:nvGrpSpPr>
+        <p:cNvPr id="1" name=""/>
+        <p:cNvGrpSpPr/>
+        <p:nvPr/>
+      </p:nvGrpSpPr>
+      <p:grpSpPr>
+        <a:xfrm>
+          <a:off x="0" y="0"/>
+          <a:ext cx="0" cy="0"/>
+          <a:chOff x="0" y="0"/>
+          <a:chExt cx="0" cy="0"/>
+        </a:xfrm>
+      </p:grpSpPr>
+      <p:sp>
+        <p:nvSpPr>
+          <p:cNvPr id="4" name="矩形 3"/>
+          <p:cNvSpPr/>
+          <p:nvPr/>
+        </p:nvSpPr>
+        <p:spPr>
+          <a:xfrm>
+            <a:off x="3200400" y="1295400"/>
+            <a:ext cx="1295400" cy="780585"/>
+          </a:xfrm>
+          <a:prstGeom prst="rect">
+            <a:avLst/>
+          </a:prstGeom>
+          <a:solidFill>
+            <a:schemeClr val="bg1"/>
+          </a:solidFill>
+          <a:ln w="31750"/>
+        </p:spPr>
+        <p:style>
+          <a:lnRef idx="2">
+            <a:schemeClr val="dk1">
+              <a:shade val="50000"/>
+            </a:schemeClr>
+          </a:lnRef>
+          <a:fillRef idx="1">
+            <a:schemeClr val="dk1"/>
+          </a:fillRef>
+          <a:effectRef idx="0">
+            <a:schemeClr val="dk1"/>
+          </a:effectRef>
+          <a:fontRef idx="minor">
+            <a:schemeClr val="lt1"/>
+          </a:fontRef>
+        </p:style>
+        <p:txBody>
+          <a:bodyPr rtlCol="0" anchor="ctr"/>
+          <a:lstStyle/>
+          <a:p>
+            <a:pPr algn="ctr"/>
+            <a:r>
+              <a:rPr lang="en-US" altLang="zh-TW" sz="2400" dirty="0" smtClean="0">
+                <a:solidFill>
+                  <a:schemeClr val="tx1"/>
+                </a:solidFill>
+              </a:rPr>
+              <a:t>Root</a:t>
+            </a:r>
+            <a:endParaRPr lang="zh-TW" altLang="en-US" sz="2400" dirty="0">
+              <a:solidFill>
+                <a:schemeClr val="tx1"/>
+              </a:solidFill>
+            </a:endParaRPr>
+          </a:p>
+        </p:txBody>
+      </p:sp>
+      <p:sp>
+        <p:nvSpPr>
+          <p:cNvPr id="5" name="矩形 4"/>
+          <p:cNvSpPr/>
+          <p:nvPr/>
+        </p:nvSpPr>
+        <p:spPr>
+          <a:xfrm>
+            <a:off x="1828800" y="3124200"/>
+            <a:ext cx="1219200" cy="780585"/>
+          </a:xfrm>
+          <a:prstGeom prst="rect">
+            <a:avLst/>
+          </a:prstGeom>
+          <a:solidFill>
+            <a:schemeClr val="bg1"/>
+          </a:solidFill>
+          <a:ln w="31750"/>
+        </p:spPr>
+        <p:style>
+          <a:lnRef idx="2">
+            <a:schemeClr val="dk1">
+              <a:shade val="50000"/>
+            </a:schemeClr>
+          </a:lnRef>
+          <a:fillRef idx="1">
+            <a:schemeClr val="dk1"/>
+          </a:fillRef>
+          <a:effectRef idx="0">
+            <a:schemeClr val="dk1"/>
+          </a:effectRef>
+          <a:fontRef idx="minor">
+            <a:schemeClr val="lt1"/>
+          </a:fontRef>
+        </p:style>
+        <p:txBody>
+          <a:bodyPr rtlCol="0" anchor="ctr"/>
+          <a:lstStyle/>
+          <a:p>
+            <a:pPr algn="ctr"/>
+            <a:r>
+              <a:rPr lang="en-US" altLang="zh-TW" sz="2400" dirty="0" smtClean="0">
+                <a:solidFill>
+                  <a:schemeClr val="tx1"/>
+                </a:solidFill>
+              </a:rPr>
+              <a:t>Move(1)</a:t>
+            </a:r>
+            <a:endParaRPr lang="zh-TW" altLang="en-US" sz="2400" dirty="0">
+              <a:solidFill>
+                <a:schemeClr val="tx1"/>
+              </a:solidFill>
+            </a:endParaRPr>
+          </a:p>
+        </p:txBody>
+      </p:sp>
+      <p:sp>
+        <p:nvSpPr>
+          <p:cNvPr id="6" name="矩形 5"/>
+          <p:cNvSpPr/>
+          <p:nvPr/>
+        </p:nvSpPr>
+        <p:spPr>
+          <a:xfrm>
+            <a:off x="4876800" y="3124200"/>
+            <a:ext cx="1219200" cy="780585"/>
+          </a:xfrm>
+          <a:prstGeom prst="rect">
+            <a:avLst/>
+          </a:prstGeom>
+          <a:solidFill>
+            <a:schemeClr val="bg1"/>
+          </a:solidFill>
+          <a:ln w="31750"/>
+        </p:spPr>
+        <p:style>
+          <a:lnRef idx="2">
+            <a:schemeClr val="dk1">
+              <a:shade val="50000"/>
+            </a:schemeClr>
+          </a:lnRef>
+          <a:fillRef idx="1">
+            <a:schemeClr val="dk1"/>
+          </a:fillRef>
+          <a:effectRef idx="0">
+            <a:schemeClr val="dk1"/>
+          </a:effectRef>
+          <a:fontRef idx="minor">
+            <a:schemeClr val="lt1"/>
+          </a:fontRef>
+        </p:style>
+        <p:txBody>
+          <a:bodyPr rtlCol="0" anchor="ctr"/>
+          <a:lstStyle/>
+          <a:p>
+            <a:pPr algn="ctr"/>
+            <a:r>
+              <a:rPr lang="en-US" altLang="zh-TW" sz="2400" dirty="0" smtClean="0">
+                <a:solidFill>
+                  <a:schemeClr val="tx1"/>
+                </a:solidFill>
+              </a:rPr>
+              <a:t>Move(6)</a:t>
+            </a:r>
+            <a:endParaRPr lang="zh-TW" altLang="en-US" sz="2400" dirty="0">
+              <a:solidFill>
+                <a:schemeClr val="tx1"/>
+              </a:solidFill>
+            </a:endParaRPr>
+          </a:p>
+        </p:txBody>
+      </p:sp>
+      <p:cxnSp>
+        <p:nvCxnSpPr>
+          <p:cNvPr id="8" name="直線單箭頭接點 7"/>
+          <p:cNvCxnSpPr>
+            <a:endCxn id="5" idx="0"/>
+          </p:cNvCxnSpPr>
+          <p:nvPr/>
+        </p:nvCxnSpPr>
+        <p:spPr>
+          <a:xfrm rot="10800000" flipV="1">
+            <a:off x="2438400" y="2057400"/>
+            <a:ext cx="1219200" cy="1066800"/>
+          </a:xfrm>
+          <a:prstGeom prst="straightConnector1">
+            <a:avLst/>
+          </a:prstGeom>
+          <a:ln w="31750">
+            <a:solidFill>
+              <a:schemeClr val="tx1"/>
+            </a:solidFill>
+            <a:tailEnd type="arrow"/>
+          </a:ln>
+        </p:spPr>
+        <p:style>
+          <a:lnRef idx="1">
+            <a:schemeClr val="accent1"/>
+          </a:lnRef>
+          <a:fillRef idx="0">
+            <a:schemeClr val="accent1"/>
+          </a:fillRef>
+          <a:effectRef idx="0">
+            <a:schemeClr val="accent1"/>
+          </a:effectRef>
+          <a:fontRef idx="minor">
+            <a:schemeClr val="tx1"/>
+          </a:fontRef>
+        </p:style>
+      </p:cxnSp>
+      <p:cxnSp>
+        <p:nvCxnSpPr>
+          <p:cNvPr id="10" name="直線單箭頭接點 9"/>
+          <p:cNvCxnSpPr>
+            <a:endCxn id="6" idx="0"/>
+          </p:cNvCxnSpPr>
+          <p:nvPr/>
+        </p:nvCxnSpPr>
+        <p:spPr>
+          <a:xfrm>
+            <a:off x="3962402" y="2057402"/>
+            <a:ext cx="1523998" cy="1066798"/>
+          </a:xfrm>
+          <a:prstGeom prst="straightConnector1">
+            <a:avLst/>
+          </a:prstGeom>
+          <a:ln w="31750">
+            <a:solidFill>
+              <a:schemeClr val="tx1"/>
+            </a:solidFill>
+            <a:tailEnd type="arrow"/>
+          </a:ln>
+        </p:spPr>
+        <p:style>
+          <a:lnRef idx="1">
+            <a:schemeClr val="accent1"/>
+          </a:lnRef>
+          <a:fillRef idx="0">
+            <a:schemeClr val="accent1"/>
+          </a:fillRef>
+          <a:effectRef idx="0">
+            <a:schemeClr val="accent1"/>
+          </a:effectRef>
+          <a:fontRef idx="minor">
+            <a:schemeClr val="tx1"/>
+          </a:fontRef>
+        </p:style>
+      </p:cxnSp>
+      <p:sp>
+        <p:nvSpPr>
+          <p:cNvPr id="11" name="文字方塊 10"/>
+          <p:cNvSpPr txBox="1"/>
+          <p:nvPr/>
+        </p:nvSpPr>
+        <p:spPr>
+          <a:xfrm>
+            <a:off x="3505200" y="2895600"/>
+            <a:ext cx="838200" cy="1126011"/>
+          </a:xfrm>
+          <a:prstGeom prst="rect">
+            <a:avLst/>
+          </a:prstGeom>
+          <a:noFill/>
+        </p:spPr>
+        <p:txBody>
+          <a:bodyPr wrap="square" rtlCol="0">
+            <a:spAutoFit/>
+          </a:bodyPr>
+          <a:lstStyle/>
+          <a:p>
+            <a:pPr algn="ctr"/>
+            <a:r>
+              <a:rPr lang="en-US" altLang="zh-TW" sz="4400" dirty="0" smtClean="0"/>
+              <a:t>…</a:t>
+            </a:r>
+            <a:endParaRPr lang="zh-TW" altLang="en-US" sz="4400" dirty="0"/>
+          </a:p>
+        </p:txBody>
+      </p:sp>
+      <p:sp>
+        <p:nvSpPr>
+          <p:cNvPr id="12" name="矩形 11"/>
+          <p:cNvSpPr/>
+          <p:nvPr/>
+        </p:nvSpPr>
+        <p:spPr>
+          <a:xfrm>
+            <a:off x="1143000" y="5086815"/>
+            <a:ext cx="1219200" cy="780585"/>
+          </a:xfrm>
+          <a:prstGeom prst="rect">
+            <a:avLst/>
+          </a:prstGeom>
+          <a:solidFill>
+            <a:schemeClr val="bg1"/>
+          </a:solidFill>
+          <a:ln w="31750"/>
+        </p:spPr>
+        <p:style>
+          <a:lnRef idx="2">
+            <a:schemeClr val="dk1">
+              <a:shade val="50000"/>
+            </a:schemeClr>
+          </a:lnRef>
+          <a:fillRef idx="1">
+            <a:schemeClr val="dk1"/>
+          </a:fillRef>
+          <a:effectRef idx="0">
+            <a:schemeClr val="dk1"/>
+          </a:effectRef>
+          <a:fontRef idx="minor">
+            <a:schemeClr val="lt1"/>
+          </a:fontRef>
+        </p:style>
+        <p:txBody>
+          <a:bodyPr rtlCol="0" anchor="ctr"/>
+          <a:lstStyle/>
+          <a:p>
+            <a:pPr algn="ctr"/>
+            <a:r>
+              <a:rPr lang="en-US" altLang="zh-TW" sz="2400" dirty="0" smtClean="0">
+                <a:solidFill>
+                  <a:schemeClr val="tx1"/>
+                </a:solidFill>
+              </a:rPr>
+              <a:t>North</a:t>
+            </a:r>
+            <a:endParaRPr lang="zh-TW" altLang="en-US" sz="2400" dirty="0">
+              <a:solidFill>
+                <a:schemeClr val="tx1"/>
+              </a:solidFill>
+            </a:endParaRPr>
+          </a:p>
+        </p:txBody>
+      </p:sp>
+      <p:sp>
+        <p:nvSpPr>
+          <p:cNvPr id="13" name="矩形 12"/>
+          <p:cNvSpPr/>
+          <p:nvPr/>
+        </p:nvSpPr>
+        <p:spPr>
+          <a:xfrm>
+            <a:off x="2667000" y="5086815"/>
+            <a:ext cx="1219200" cy="780585"/>
+          </a:xfrm>
+          <a:prstGeom prst="rect">
+            <a:avLst/>
+          </a:prstGeom>
+          <a:solidFill>
+            <a:schemeClr val="bg1"/>
+          </a:solidFill>
+          <a:ln w="31750"/>
+        </p:spPr>
+        <p:style>
+          <a:lnRef idx="2">
+            <a:schemeClr val="dk1">
+              <a:shade val="50000"/>
+            </a:schemeClr>
+          </a:lnRef>
+          <a:fillRef idx="1">
+            <a:schemeClr val="dk1"/>
+          </a:fillRef>
+          <a:effectRef idx="0">
+            <a:schemeClr val="dk1"/>
+          </a:effectRef>
+          <a:fontRef idx="minor">
+            <a:schemeClr val="lt1"/>
+          </a:fontRef>
+        </p:style>
+        <p:txBody>
+          <a:bodyPr rtlCol="0" anchor="ctr"/>
+          <a:lstStyle/>
+          <a:p>
+            <a:pPr algn="ctr"/>
+            <a:r>
+              <a:rPr lang="en-US" altLang="zh-TW" sz="2400" dirty="0" smtClean="0">
+                <a:solidFill>
+                  <a:schemeClr val="tx1"/>
+                </a:solidFill>
+              </a:rPr>
+              <a:t>South</a:t>
+            </a:r>
+            <a:endParaRPr lang="zh-TW" altLang="en-US" sz="2400" dirty="0">
+              <a:solidFill>
+                <a:schemeClr val="tx1"/>
+              </a:solidFill>
+            </a:endParaRPr>
+          </a:p>
+        </p:txBody>
+      </p:sp>
+      <p:sp>
+        <p:nvSpPr>
+          <p:cNvPr id="14" name="矩形 13"/>
+          <p:cNvSpPr/>
+          <p:nvPr/>
+        </p:nvSpPr>
+        <p:spPr>
+          <a:xfrm>
+            <a:off x="4191000" y="5086815"/>
+            <a:ext cx="1219200" cy="780585"/>
+          </a:xfrm>
+          <a:prstGeom prst="rect">
+            <a:avLst/>
+          </a:prstGeom>
+          <a:solidFill>
+            <a:schemeClr val="bg1"/>
+          </a:solidFill>
+          <a:ln w="31750"/>
+        </p:spPr>
+        <p:style>
+          <a:lnRef idx="2">
+            <a:schemeClr val="dk1">
+              <a:shade val="50000"/>
+            </a:schemeClr>
+          </a:lnRef>
+          <a:fillRef idx="1">
+            <a:schemeClr val="dk1"/>
+          </a:fillRef>
+          <a:effectRef idx="0">
+            <a:schemeClr val="dk1"/>
+          </a:effectRef>
+          <a:fontRef idx="minor">
+            <a:schemeClr val="lt1"/>
+          </a:fontRef>
+        </p:style>
+        <p:txBody>
+          <a:bodyPr rtlCol="0" anchor="ctr"/>
+          <a:lstStyle/>
+          <a:p>
+            <a:pPr algn="ctr"/>
+            <a:r>
+              <a:rPr lang="en-US" altLang="zh-TW" sz="2400" dirty="0" smtClean="0">
+                <a:solidFill>
+                  <a:schemeClr val="tx1"/>
+                </a:solidFill>
+              </a:rPr>
+              <a:t>East</a:t>
+            </a:r>
+            <a:endParaRPr lang="zh-TW" altLang="en-US" sz="2400" dirty="0">
+              <a:solidFill>
+                <a:schemeClr val="tx1"/>
+              </a:solidFill>
+            </a:endParaRPr>
+          </a:p>
+        </p:txBody>
+      </p:sp>
+      <p:sp>
+        <p:nvSpPr>
+          <p:cNvPr id="15" name="矩形 14"/>
+          <p:cNvSpPr/>
+          <p:nvPr/>
+        </p:nvSpPr>
+        <p:spPr>
+          <a:xfrm>
+            <a:off x="5638800" y="5086815"/>
+            <a:ext cx="1219200" cy="780585"/>
+          </a:xfrm>
+          <a:prstGeom prst="rect">
+            <a:avLst/>
+          </a:prstGeom>
+          <a:solidFill>
+            <a:schemeClr val="bg1"/>
+          </a:solidFill>
+          <a:ln w="31750"/>
+        </p:spPr>
+        <p:style>
+          <a:lnRef idx="2">
+            <a:schemeClr val="dk1">
+              <a:shade val="50000"/>
+            </a:schemeClr>
+          </a:lnRef>
+          <a:fillRef idx="1">
+            <a:schemeClr val="dk1"/>
+          </a:fillRef>
+          <a:effectRef idx="0">
+            <a:schemeClr val="dk1"/>
+          </a:effectRef>
+          <a:fontRef idx="minor">
+            <a:schemeClr val="lt1"/>
+          </a:fontRef>
+        </p:style>
+        <p:txBody>
+          <a:bodyPr rtlCol="0" anchor="ctr"/>
+          <a:lstStyle/>
+          <a:p>
+            <a:pPr algn="ctr"/>
+            <a:r>
+              <a:rPr lang="en-US" altLang="zh-TW" sz="2400" dirty="0" smtClean="0">
+                <a:solidFill>
+                  <a:schemeClr val="tx1"/>
+                </a:solidFill>
+              </a:rPr>
+              <a:t>West</a:t>
+            </a:r>
+            <a:endParaRPr lang="zh-TW" altLang="en-US" sz="2400" dirty="0">
+              <a:solidFill>
+                <a:schemeClr val="tx1"/>
+              </a:solidFill>
+            </a:endParaRPr>
+          </a:p>
+        </p:txBody>
+      </p:sp>
+      <p:cxnSp>
+        <p:nvCxnSpPr>
+          <p:cNvPr id="17" name="直線單箭頭接點 16"/>
+          <p:cNvCxnSpPr>
+            <a:endCxn id="12" idx="0"/>
+          </p:cNvCxnSpPr>
+          <p:nvPr/>
+        </p:nvCxnSpPr>
+        <p:spPr>
+          <a:xfrm rot="5400000">
+            <a:off x="1418993" y="4219807"/>
+            <a:ext cx="1200615" cy="533400"/>
+          </a:xfrm>
+          <a:prstGeom prst="straightConnector1">
+            <a:avLst/>
+          </a:prstGeom>
+          <a:ln w="31750">
+            <a:solidFill>
+              <a:schemeClr val="tx1"/>
+            </a:solidFill>
+            <a:tailEnd type="arrow"/>
+          </a:ln>
+        </p:spPr>
+        <p:style>
+          <a:lnRef idx="1">
+            <a:schemeClr val="accent1"/>
+          </a:lnRef>
+          <a:fillRef idx="0">
+            <a:schemeClr val="accent1"/>
+          </a:fillRef>
+          <a:effectRef idx="0">
+            <a:schemeClr val="accent1"/>
+          </a:effectRef>
+          <a:fontRef idx="minor">
+            <a:schemeClr val="tx1"/>
+          </a:fontRef>
+        </p:style>
+      </p:cxnSp>
+      <p:cxnSp>
+        <p:nvCxnSpPr>
+          <p:cNvPr id="21" name="直線單箭頭接點 20"/>
+          <p:cNvCxnSpPr>
+            <a:endCxn id="13" idx="0"/>
+          </p:cNvCxnSpPr>
+          <p:nvPr/>
+        </p:nvCxnSpPr>
+        <p:spPr>
+          <a:xfrm rot="16200000" flipH="1">
+            <a:off x="2333393" y="4143607"/>
+            <a:ext cx="1200615" cy="685800"/>
+          </a:xfrm>
+          <a:prstGeom prst="straightConnector1">
+            <a:avLst/>
+          </a:prstGeom>
+          <a:ln w="31750">
+            <a:solidFill>
+              <a:schemeClr val="tx1"/>
+            </a:solidFill>
+            <a:tailEnd type="arrow"/>
+          </a:ln>
+        </p:spPr>
+        <p:style>
+          <a:lnRef idx="1">
+            <a:schemeClr val="accent1"/>
+          </a:lnRef>
+          <a:fillRef idx="0">
+            <a:schemeClr val="accent1"/>
+          </a:fillRef>
+          <a:effectRef idx="0">
+            <a:schemeClr val="accent1"/>
+          </a:effectRef>
+          <a:fontRef idx="minor">
+            <a:schemeClr val="tx1"/>
+          </a:fontRef>
+        </p:style>
+      </p:cxnSp>
+      <p:cxnSp>
+        <p:nvCxnSpPr>
+          <p:cNvPr id="23" name="直線單箭頭接點 22"/>
+          <p:cNvCxnSpPr>
+            <a:endCxn id="14" idx="0"/>
+          </p:cNvCxnSpPr>
+          <p:nvPr/>
+        </p:nvCxnSpPr>
+        <p:spPr>
+          <a:xfrm rot="5400000">
+            <a:off x="4466993" y="4219807"/>
+            <a:ext cx="1200615" cy="533400"/>
+          </a:xfrm>
+          <a:prstGeom prst="straightConnector1">
+            <a:avLst/>
+          </a:prstGeom>
+          <a:ln w="31750">
+            <a:solidFill>
+              <a:schemeClr val="tx1"/>
+            </a:solidFill>
+            <a:tailEnd type="arrow"/>
+          </a:ln>
+        </p:spPr>
+        <p:style>
+          <a:lnRef idx="1">
+            <a:schemeClr val="accent1"/>
+          </a:lnRef>
+          <a:fillRef idx="0">
+            <a:schemeClr val="accent1"/>
+          </a:fillRef>
+          <a:effectRef idx="0">
+            <a:schemeClr val="accent1"/>
+          </a:effectRef>
+          <a:fontRef idx="minor">
+            <a:schemeClr val="tx1"/>
+          </a:fontRef>
+        </p:style>
+      </p:cxnSp>
+      <p:cxnSp>
+        <p:nvCxnSpPr>
+          <p:cNvPr id="25" name="直線單箭頭接點 24"/>
+          <p:cNvCxnSpPr>
+            <a:endCxn id="15" idx="0"/>
+          </p:cNvCxnSpPr>
+          <p:nvPr/>
+        </p:nvCxnSpPr>
+        <p:spPr>
+          <a:xfrm rot="16200000" flipH="1">
+            <a:off x="5343293" y="4181707"/>
+            <a:ext cx="1200615" cy="609600"/>
+          </a:xfrm>
+          <a:prstGeom prst="straightConnector1">
+            <a:avLst/>
+          </a:prstGeom>
+          <a:ln w="31750">
+            <a:solidFill>
+              <a:schemeClr val="tx1"/>
+            </a:solidFill>
+            <a:tailEnd type="arrow"/>
+          </a:ln>
+        </p:spPr>
+        <p:style>
+          <a:lnRef idx="1">
+            <a:schemeClr val="accent1"/>
+          </a:lnRef>
+          <a:fillRef idx="0">
+            <a:schemeClr val="accent1"/>
+          </a:fillRef>
+          <a:effectRef idx="0">
+            <a:schemeClr val="accent1"/>
+          </a:effectRef>
+          <a:fontRef idx="minor">
+            <a:schemeClr val="tx1"/>
+          </a:fontRef>
+        </p:style>
+      </p:cxnSp>
+    </p:spTree>
+  </p:cSld>
+  <p:clrMapOvr>
+    <a:masterClrMapping/>
+  </p:clrMapOvr>
+</p:sld>
+</file>
+
+<file path=ppt/slides/slide18.xml><?xml version="1.0" encoding="utf-8"?>
+<p:sld xmlns:a="http://schemas.openxmlformats.org/drawingml/2006/main" xmlns:r="http://schemas.openxmlformats.org/officeDocument/2006/relationships" xmlns:p="http://schemas.openxmlformats.org/presentationml/2006/main">
+  <p:cSld>
+    <p:spTree>
+      <p:nvGrpSpPr>
+        <p:cNvPr id="1" name=""/>
+        <p:cNvGrpSpPr/>
+        <p:nvPr/>
+      </p:nvGrpSpPr>
+      <p:grpSpPr>
+        <a:xfrm>
+          <a:off x="0" y="0"/>
+          <a:ext cx="0" cy="0"/>
+          <a:chOff x="0" y="0"/>
+          <a:chExt cx="0" cy="0"/>
+        </a:xfrm>
+      </p:grpSpPr>
+      <p:sp>
+        <p:nvSpPr>
+          <p:cNvPr id="4" name="矩形 3"/>
+          <p:cNvSpPr/>
+          <p:nvPr/>
+        </p:nvSpPr>
+        <p:spPr>
+          <a:xfrm>
+            <a:off x="3200400" y="1295400"/>
+            <a:ext cx="1295400" cy="780585"/>
+          </a:xfrm>
+          <a:prstGeom prst="rect">
+            <a:avLst/>
+          </a:prstGeom>
+          <a:solidFill>
+            <a:schemeClr val="bg1"/>
+          </a:solidFill>
+          <a:ln w="31750"/>
+        </p:spPr>
+        <p:style>
+          <a:lnRef idx="2">
+            <a:schemeClr val="dk1">
+              <a:shade val="50000"/>
+            </a:schemeClr>
+          </a:lnRef>
+          <a:fillRef idx="1">
+            <a:schemeClr val="dk1"/>
+          </a:fillRef>
+          <a:effectRef idx="0">
+            <a:schemeClr val="dk1"/>
+          </a:effectRef>
+          <a:fontRef idx="minor">
+            <a:schemeClr val="lt1"/>
+          </a:fontRef>
+        </p:style>
+        <p:txBody>
+          <a:bodyPr rtlCol="0" anchor="ctr"/>
+          <a:lstStyle/>
+          <a:p>
+            <a:pPr algn="ctr"/>
+            <a:r>
+              <a:rPr lang="en-US" altLang="zh-TW" sz="2400" dirty="0" smtClean="0">
+                <a:solidFill>
+                  <a:schemeClr val="tx1"/>
+                </a:solidFill>
+              </a:rPr>
+              <a:t>Root</a:t>
+            </a:r>
+            <a:endParaRPr lang="zh-TW" altLang="en-US" sz="2400" dirty="0">
+              <a:solidFill>
+                <a:schemeClr val="tx1"/>
+              </a:solidFill>
+            </a:endParaRPr>
+          </a:p>
+        </p:txBody>
+      </p:sp>
+      <p:sp>
+        <p:nvSpPr>
+          <p:cNvPr id="5" name="矩形 4"/>
+          <p:cNvSpPr/>
+          <p:nvPr/>
+        </p:nvSpPr>
+        <p:spPr>
+          <a:xfrm>
+            <a:off x="1981200" y="2971800"/>
+            <a:ext cx="1219200" cy="780585"/>
+          </a:xfrm>
+          <a:prstGeom prst="rect">
+            <a:avLst/>
+          </a:prstGeom>
+          <a:solidFill>
+            <a:schemeClr val="bg1"/>
+          </a:solidFill>
+          <a:ln w="31750"/>
+        </p:spPr>
+        <p:style>
+          <a:lnRef idx="2">
+            <a:schemeClr val="dk1">
+              <a:shade val="50000"/>
+            </a:schemeClr>
+          </a:lnRef>
+          <a:fillRef idx="1">
+            <a:schemeClr val="dk1"/>
+          </a:fillRef>
+          <a:effectRef idx="0">
+            <a:schemeClr val="dk1"/>
+          </a:effectRef>
+          <a:fontRef idx="minor">
+            <a:schemeClr val="lt1"/>
+          </a:fontRef>
+        </p:style>
+        <p:txBody>
+          <a:bodyPr rtlCol="0" anchor="ctr"/>
+          <a:lstStyle/>
+          <a:p>
+            <a:pPr algn="ctr"/>
+            <a:r>
+              <a:rPr lang="en-US" altLang="zh-TW" sz="2400" dirty="0" smtClean="0">
+                <a:solidFill>
+                  <a:schemeClr val="tx1"/>
+                </a:solidFill>
+              </a:rPr>
+              <a:t>Move(1)</a:t>
+            </a:r>
+            <a:endParaRPr lang="zh-TW" altLang="en-US" sz="2400" dirty="0">
+              <a:solidFill>
+                <a:schemeClr val="tx1"/>
+              </a:solidFill>
+            </a:endParaRPr>
+          </a:p>
+        </p:txBody>
+      </p:sp>
+      <p:sp>
+        <p:nvSpPr>
+          <p:cNvPr id="6" name="矩形 5"/>
+          <p:cNvSpPr/>
+          <p:nvPr/>
+        </p:nvSpPr>
+        <p:spPr>
+          <a:xfrm>
+            <a:off x="4572000" y="2971800"/>
+            <a:ext cx="1219200" cy="780585"/>
+          </a:xfrm>
+          <a:prstGeom prst="rect">
+            <a:avLst/>
+          </a:prstGeom>
+          <a:solidFill>
+            <a:schemeClr val="bg1"/>
+          </a:solidFill>
+          <a:ln w="31750"/>
+        </p:spPr>
+        <p:style>
+          <a:lnRef idx="2">
+            <a:schemeClr val="dk1">
+              <a:shade val="50000"/>
+            </a:schemeClr>
+          </a:lnRef>
+          <a:fillRef idx="1">
+            <a:schemeClr val="dk1"/>
+          </a:fillRef>
+          <a:effectRef idx="0">
+            <a:schemeClr val="dk1"/>
+          </a:effectRef>
+          <a:fontRef idx="minor">
+            <a:schemeClr val="lt1"/>
+          </a:fontRef>
+        </p:style>
+        <p:txBody>
+          <a:bodyPr rtlCol="0" anchor="ctr"/>
+          <a:lstStyle/>
+          <a:p>
+            <a:pPr algn="ctr"/>
+            <a:r>
+              <a:rPr lang="en-US" altLang="zh-TW" sz="2400" dirty="0" smtClean="0">
+                <a:solidFill>
+                  <a:schemeClr val="tx1"/>
+                </a:solidFill>
+              </a:rPr>
+              <a:t>Move(6)</a:t>
+            </a:r>
+            <a:endParaRPr lang="zh-TW" altLang="en-US" sz="2400" dirty="0">
+              <a:solidFill>
+                <a:schemeClr val="tx1"/>
+              </a:solidFill>
+            </a:endParaRPr>
+          </a:p>
+        </p:txBody>
+      </p:sp>
+      <p:cxnSp>
+        <p:nvCxnSpPr>
+          <p:cNvPr id="8" name="直線單箭頭接點 7"/>
+          <p:cNvCxnSpPr>
+            <a:stCxn id="4" idx="2"/>
+            <a:endCxn id="5" idx="0"/>
+          </p:cNvCxnSpPr>
+          <p:nvPr/>
+        </p:nvCxnSpPr>
+        <p:spPr>
+          <a:xfrm rot="5400000">
+            <a:off x="2771543" y="1895242"/>
+            <a:ext cx="895815" cy="1257300"/>
+          </a:xfrm>
+          <a:prstGeom prst="straightConnector1">
+            <a:avLst/>
+          </a:prstGeom>
+          <a:ln w="31750">
+            <a:solidFill>
+              <a:schemeClr val="tx1"/>
+            </a:solidFill>
+            <a:tailEnd type="arrow"/>
+          </a:ln>
+        </p:spPr>
+        <p:style>
+          <a:lnRef idx="1">
+            <a:schemeClr val="accent1"/>
+          </a:lnRef>
+          <a:fillRef idx="0">
+            <a:schemeClr val="accent1"/>
+          </a:fillRef>
+          <a:effectRef idx="0">
+            <a:schemeClr val="accent1"/>
+          </a:effectRef>
+          <a:fontRef idx="minor">
+            <a:schemeClr val="tx1"/>
+          </a:fontRef>
+        </p:style>
+      </p:cxnSp>
+      <p:cxnSp>
+        <p:nvCxnSpPr>
+          <p:cNvPr id="10" name="直線單箭頭接點 9"/>
+          <p:cNvCxnSpPr>
+            <a:stCxn id="4" idx="2"/>
+            <a:endCxn id="6" idx="0"/>
+          </p:cNvCxnSpPr>
+          <p:nvPr/>
+        </p:nvCxnSpPr>
+        <p:spPr>
+          <a:xfrm rot="16200000" flipH="1">
+            <a:off x="4066943" y="1857142"/>
+            <a:ext cx="895815" cy="1333500"/>
+          </a:xfrm>
+          <a:prstGeom prst="straightConnector1">
+            <a:avLst/>
+          </a:prstGeom>
+          <a:ln w="31750">
+            <a:solidFill>
+              <a:schemeClr val="tx1"/>
+            </a:solidFill>
+            <a:tailEnd type="arrow"/>
+          </a:ln>
+        </p:spPr>
+        <p:style>
+          <a:lnRef idx="1">
+            <a:schemeClr val="accent1"/>
+          </a:lnRef>
+          <a:fillRef idx="0">
+            <a:schemeClr val="accent1"/>
+          </a:fillRef>
+          <a:effectRef idx="0">
+            <a:schemeClr val="accent1"/>
+          </a:effectRef>
+          <a:fontRef idx="minor">
+            <a:schemeClr val="tx1"/>
+          </a:fontRef>
+        </p:style>
+      </p:cxnSp>
+      <p:sp>
+        <p:nvSpPr>
+          <p:cNvPr id="11" name="文字方塊 10"/>
+          <p:cNvSpPr txBox="1"/>
+          <p:nvPr/>
+        </p:nvSpPr>
+        <p:spPr>
+          <a:xfrm>
+            <a:off x="3505200" y="2743200"/>
+            <a:ext cx="838200" cy="1126011"/>
+          </a:xfrm>
+          <a:prstGeom prst="rect">
+            <a:avLst/>
+          </a:prstGeom>
+          <a:noFill/>
+        </p:spPr>
+        <p:txBody>
+          <a:bodyPr wrap="square" rtlCol="0">
+            <a:spAutoFit/>
+          </a:bodyPr>
+          <a:lstStyle/>
+          <a:p>
+            <a:pPr algn="ctr"/>
+            <a:r>
+              <a:rPr lang="en-US" altLang="zh-TW" sz="4400" dirty="0" smtClean="0"/>
+              <a:t>…</a:t>
+            </a:r>
+            <a:endParaRPr lang="zh-TW" altLang="en-US" sz="4400" dirty="0"/>
+          </a:p>
+        </p:txBody>
+      </p:sp>
+      <p:sp>
+        <p:nvSpPr>
+          <p:cNvPr id="12" name="矩形 11"/>
+          <p:cNvSpPr/>
+          <p:nvPr/>
+        </p:nvSpPr>
+        <p:spPr>
+          <a:xfrm>
+            <a:off x="1143000" y="5086815"/>
+            <a:ext cx="1219200" cy="780585"/>
+          </a:xfrm>
+          <a:prstGeom prst="rect">
+            <a:avLst/>
+          </a:prstGeom>
+          <a:solidFill>
+            <a:schemeClr val="bg1"/>
+          </a:solidFill>
+          <a:ln w="31750"/>
+        </p:spPr>
+        <p:style>
+          <a:lnRef idx="2">
+            <a:schemeClr val="dk1">
+              <a:shade val="50000"/>
+            </a:schemeClr>
+          </a:lnRef>
+          <a:fillRef idx="1">
+            <a:schemeClr val="dk1"/>
+          </a:fillRef>
+          <a:effectRef idx="0">
+            <a:schemeClr val="dk1"/>
+          </a:effectRef>
+          <a:fontRef idx="minor">
+            <a:schemeClr val="lt1"/>
+          </a:fontRef>
+        </p:style>
+        <p:txBody>
+          <a:bodyPr rtlCol="0" anchor="ctr"/>
+          <a:lstStyle/>
+          <a:p>
+            <a:pPr algn="ctr"/>
+            <a:r>
+              <a:rPr lang="en-US" altLang="zh-TW" sz="2400" dirty="0" smtClean="0">
+                <a:solidFill>
+                  <a:schemeClr val="tx1"/>
+                </a:solidFill>
+              </a:rPr>
+              <a:t>North</a:t>
+            </a:r>
+            <a:endParaRPr lang="zh-TW" altLang="en-US" sz="2400" dirty="0">
+              <a:solidFill>
+                <a:schemeClr val="tx1"/>
+              </a:solidFill>
+            </a:endParaRPr>
+          </a:p>
+        </p:txBody>
+      </p:sp>
+      <p:sp>
+        <p:nvSpPr>
+          <p:cNvPr id="13" name="矩形 12"/>
+          <p:cNvSpPr/>
+          <p:nvPr/>
+        </p:nvSpPr>
+        <p:spPr>
+          <a:xfrm>
+            <a:off x="2667000" y="5086815"/>
+            <a:ext cx="1219200" cy="780585"/>
+          </a:xfrm>
+          <a:prstGeom prst="rect">
+            <a:avLst/>
+          </a:prstGeom>
+          <a:solidFill>
+            <a:schemeClr val="bg1"/>
+          </a:solidFill>
+          <a:ln w="31750"/>
+        </p:spPr>
+        <p:style>
+          <a:lnRef idx="2">
+            <a:schemeClr val="dk1">
+              <a:shade val="50000"/>
+            </a:schemeClr>
+          </a:lnRef>
+          <a:fillRef idx="1">
+            <a:schemeClr val="dk1"/>
+          </a:fillRef>
+          <a:effectRef idx="0">
+            <a:schemeClr val="dk1"/>
+          </a:effectRef>
+          <a:fontRef idx="minor">
+            <a:schemeClr val="lt1"/>
+          </a:fontRef>
+        </p:style>
+        <p:txBody>
+          <a:bodyPr rtlCol="0" anchor="ctr"/>
+          <a:lstStyle/>
+          <a:p>
+            <a:pPr algn="ctr"/>
+            <a:r>
+              <a:rPr lang="en-US" altLang="zh-TW" sz="2400" dirty="0" smtClean="0">
+                <a:solidFill>
+                  <a:schemeClr val="tx1"/>
+                </a:solidFill>
+              </a:rPr>
+              <a:t>South</a:t>
+            </a:r>
+            <a:endParaRPr lang="zh-TW" altLang="en-US" sz="2400" dirty="0">
+              <a:solidFill>
+                <a:schemeClr val="tx1"/>
+              </a:solidFill>
+            </a:endParaRPr>
+          </a:p>
+        </p:txBody>
+      </p:sp>
+      <p:sp>
+        <p:nvSpPr>
+          <p:cNvPr id="14" name="矩形 13"/>
+          <p:cNvSpPr/>
+          <p:nvPr/>
+        </p:nvSpPr>
+        <p:spPr>
+          <a:xfrm>
+            <a:off x="4191000" y="5086815"/>
+            <a:ext cx="1219200" cy="780585"/>
+          </a:xfrm>
+          <a:prstGeom prst="rect">
+            <a:avLst/>
+          </a:prstGeom>
+          <a:solidFill>
+            <a:schemeClr val="bg1"/>
+          </a:solidFill>
+          <a:ln w="31750"/>
+        </p:spPr>
+        <p:style>
+          <a:lnRef idx="2">
+            <a:schemeClr val="dk1">
+              <a:shade val="50000"/>
+            </a:schemeClr>
+          </a:lnRef>
+          <a:fillRef idx="1">
+            <a:schemeClr val="dk1"/>
+          </a:fillRef>
+          <a:effectRef idx="0">
+            <a:schemeClr val="dk1"/>
+          </a:effectRef>
+          <a:fontRef idx="minor">
+            <a:schemeClr val="lt1"/>
+          </a:fontRef>
+        </p:style>
+        <p:txBody>
+          <a:bodyPr rtlCol="0" anchor="ctr"/>
+          <a:lstStyle/>
+          <a:p>
+            <a:pPr algn="ctr"/>
+            <a:r>
+              <a:rPr lang="en-US" altLang="zh-TW" sz="2400" dirty="0" smtClean="0">
+                <a:solidFill>
+                  <a:schemeClr val="tx1"/>
+                </a:solidFill>
+              </a:rPr>
+              <a:t>East</a:t>
+            </a:r>
+            <a:endParaRPr lang="zh-TW" altLang="en-US" sz="2400" dirty="0">
+              <a:solidFill>
+                <a:schemeClr val="tx1"/>
+              </a:solidFill>
+            </a:endParaRPr>
+          </a:p>
+        </p:txBody>
+      </p:sp>
+      <p:sp>
+        <p:nvSpPr>
+          <p:cNvPr id="15" name="矩形 14"/>
+          <p:cNvSpPr/>
+          <p:nvPr/>
+        </p:nvSpPr>
+        <p:spPr>
+          <a:xfrm>
+            <a:off x="5638800" y="5086815"/>
+            <a:ext cx="1219200" cy="780585"/>
+          </a:xfrm>
+          <a:prstGeom prst="rect">
+            <a:avLst/>
+          </a:prstGeom>
+          <a:solidFill>
+            <a:schemeClr val="bg1"/>
+          </a:solidFill>
+          <a:ln w="31750"/>
+        </p:spPr>
+        <p:style>
+          <a:lnRef idx="2">
+            <a:schemeClr val="dk1">
+              <a:shade val="50000"/>
+            </a:schemeClr>
+          </a:lnRef>
+          <a:fillRef idx="1">
+            <a:schemeClr val="dk1"/>
+          </a:fillRef>
+          <a:effectRef idx="0">
+            <a:schemeClr val="dk1"/>
+          </a:effectRef>
+          <a:fontRef idx="minor">
+            <a:schemeClr val="lt1"/>
+          </a:fontRef>
+        </p:style>
+        <p:txBody>
+          <a:bodyPr rtlCol="0" anchor="ctr"/>
+          <a:lstStyle/>
+          <a:p>
+            <a:pPr algn="ctr"/>
+            <a:r>
+              <a:rPr lang="en-US" altLang="zh-TW" sz="2400" dirty="0" smtClean="0">
+                <a:solidFill>
+                  <a:schemeClr val="tx1"/>
+                </a:solidFill>
+              </a:rPr>
+              <a:t>West</a:t>
+            </a:r>
+            <a:endParaRPr lang="zh-TW" altLang="en-US" sz="2400" dirty="0">
+              <a:solidFill>
+                <a:schemeClr val="tx1"/>
+              </a:solidFill>
+            </a:endParaRPr>
+          </a:p>
+        </p:txBody>
+      </p:sp>
+      <p:cxnSp>
+        <p:nvCxnSpPr>
+          <p:cNvPr id="17" name="直線單箭頭接點 16"/>
+          <p:cNvCxnSpPr>
+            <a:stCxn id="5" idx="2"/>
+            <a:endCxn id="12" idx="0"/>
+          </p:cNvCxnSpPr>
+          <p:nvPr/>
+        </p:nvCxnSpPr>
+        <p:spPr>
+          <a:xfrm rot="5400000">
+            <a:off x="1504485" y="4000500"/>
+            <a:ext cx="1334430" cy="838200"/>
+          </a:xfrm>
+          <a:prstGeom prst="straightConnector1">
+            <a:avLst/>
+          </a:prstGeom>
+          <a:ln w="31750">
+            <a:solidFill>
+              <a:schemeClr val="tx1"/>
+            </a:solidFill>
+            <a:tailEnd type="arrow"/>
+          </a:ln>
+        </p:spPr>
+        <p:style>
+          <a:lnRef idx="1">
+            <a:schemeClr val="accent1"/>
+          </a:lnRef>
+          <a:fillRef idx="0">
+            <a:schemeClr val="accent1"/>
+          </a:fillRef>
+          <a:effectRef idx="0">
+            <a:schemeClr val="accent1"/>
+          </a:effectRef>
+          <a:fontRef idx="minor">
+            <a:schemeClr val="tx1"/>
+          </a:fontRef>
+        </p:style>
+      </p:cxnSp>
+      <p:cxnSp>
+        <p:nvCxnSpPr>
+          <p:cNvPr id="21" name="直線單箭頭接點 20"/>
+          <p:cNvCxnSpPr>
+            <a:stCxn id="5" idx="2"/>
+            <a:endCxn id="13" idx="0"/>
+          </p:cNvCxnSpPr>
+          <p:nvPr/>
+        </p:nvCxnSpPr>
+        <p:spPr>
+          <a:xfrm rot="16200000" flipH="1">
+            <a:off x="2266485" y="4076700"/>
+            <a:ext cx="1334430" cy="685800"/>
+          </a:xfrm>
+          <a:prstGeom prst="straightConnector1">
+            <a:avLst/>
+          </a:prstGeom>
+          <a:ln w="31750">
+            <a:solidFill>
+              <a:schemeClr val="tx1"/>
+            </a:solidFill>
+            <a:tailEnd type="arrow"/>
+          </a:ln>
+        </p:spPr>
+        <p:style>
+          <a:lnRef idx="1">
+            <a:schemeClr val="accent1"/>
+          </a:lnRef>
+          <a:fillRef idx="0">
+            <a:schemeClr val="accent1"/>
+          </a:fillRef>
+          <a:effectRef idx="0">
+            <a:schemeClr val="accent1"/>
+          </a:effectRef>
+          <a:fontRef idx="minor">
+            <a:schemeClr val="tx1"/>
+          </a:fontRef>
+        </p:style>
+      </p:cxnSp>
+      <p:cxnSp>
+        <p:nvCxnSpPr>
+          <p:cNvPr id="23" name="直線單箭頭接點 22"/>
+          <p:cNvCxnSpPr>
+            <a:stCxn id="6" idx="2"/>
+            <a:endCxn id="14" idx="0"/>
+          </p:cNvCxnSpPr>
+          <p:nvPr/>
+        </p:nvCxnSpPr>
+        <p:spPr>
+          <a:xfrm rot="5400000">
+            <a:off x="4323885" y="4229100"/>
+            <a:ext cx="1334430" cy="381000"/>
+          </a:xfrm>
+          <a:prstGeom prst="straightConnector1">
+            <a:avLst/>
+          </a:prstGeom>
+          <a:ln w="31750">
+            <a:solidFill>
+              <a:schemeClr val="tx1"/>
+            </a:solidFill>
+            <a:tailEnd type="arrow"/>
+          </a:ln>
+        </p:spPr>
+        <p:style>
+          <a:lnRef idx="1">
+            <a:schemeClr val="accent1"/>
+          </a:lnRef>
+          <a:fillRef idx="0">
+            <a:schemeClr val="accent1"/>
+          </a:fillRef>
+          <a:effectRef idx="0">
+            <a:schemeClr val="accent1"/>
+          </a:effectRef>
+          <a:fontRef idx="minor">
+            <a:schemeClr val="tx1"/>
+          </a:fontRef>
+        </p:style>
+      </p:cxnSp>
+      <p:cxnSp>
+        <p:nvCxnSpPr>
+          <p:cNvPr id="25" name="直線單箭頭接點 24"/>
+          <p:cNvCxnSpPr>
+            <a:stCxn id="6" idx="2"/>
+            <a:endCxn id="15" idx="0"/>
+          </p:cNvCxnSpPr>
+          <p:nvPr/>
+        </p:nvCxnSpPr>
+        <p:spPr>
+          <a:xfrm rot="16200000" flipH="1">
+            <a:off x="5047785" y="3886200"/>
+            <a:ext cx="1334430" cy="1066800"/>
+          </a:xfrm>
+          <a:prstGeom prst="straightConnector1">
+            <a:avLst/>
+          </a:prstGeom>
+          <a:ln w="31750">
+            <a:solidFill>
+              <a:schemeClr val="tx1"/>
+            </a:solidFill>
+            <a:tailEnd type="arrow"/>
+          </a:ln>
+        </p:spPr>
+        <p:style>
+          <a:lnRef idx="1">
+            <a:schemeClr val="accent1"/>
+          </a:lnRef>
+          <a:fillRef idx="0">
+            <a:schemeClr val="accent1"/>
+          </a:fillRef>
+          <a:effectRef idx="0">
+            <a:schemeClr val="accent1"/>
+          </a:effectRef>
+          <a:fontRef idx="minor">
+            <a:schemeClr val="tx1"/>
+          </a:fontRef>
+        </p:style>
+      </p:cxnSp>
+      <p:cxnSp>
+        <p:nvCxnSpPr>
+          <p:cNvPr id="16" name="直線單箭頭接點 15"/>
+          <p:cNvCxnSpPr>
+            <a:stCxn id="5" idx="2"/>
+            <a:endCxn id="14" idx="0"/>
+          </p:cNvCxnSpPr>
+          <p:nvPr/>
+        </p:nvCxnSpPr>
+        <p:spPr>
+          <a:xfrm rot="16200000" flipH="1">
+            <a:off x="3028485" y="3314700"/>
+            <a:ext cx="1334430" cy="2209800"/>
+          </a:xfrm>
+          <a:prstGeom prst="straightConnector1">
+            <a:avLst/>
+          </a:prstGeom>
+          <a:ln w="31750">
+            <a:solidFill>
+              <a:schemeClr val="tx1"/>
+            </a:solidFill>
+            <a:tailEnd type="arrow"/>
+          </a:ln>
+        </p:spPr>
+        <p:style>
+          <a:lnRef idx="1">
+            <a:schemeClr val="accent1"/>
+          </a:lnRef>
+          <a:fillRef idx="0">
+            <a:schemeClr val="accent1"/>
+          </a:fillRef>
+          <a:effectRef idx="0">
+            <a:schemeClr val="accent1"/>
+          </a:effectRef>
+          <a:fontRef idx="minor">
+            <a:schemeClr val="tx1"/>
+          </a:fontRef>
+        </p:style>
+      </p:cxnSp>
+      <p:cxnSp>
+        <p:nvCxnSpPr>
+          <p:cNvPr id="30" name="直線單箭頭接點 29"/>
+          <p:cNvCxnSpPr>
+            <a:stCxn id="5" idx="2"/>
+            <a:endCxn id="15" idx="0"/>
+          </p:cNvCxnSpPr>
+          <p:nvPr/>
+        </p:nvCxnSpPr>
+        <p:spPr>
+          <a:xfrm rot="16200000" flipH="1">
+            <a:off x="3752385" y="2590800"/>
+            <a:ext cx="1334430" cy="3657600"/>
+          </a:xfrm>
+          <a:prstGeom prst="straightConnector1">
+            <a:avLst/>
+          </a:prstGeom>
+          <a:ln w="31750">
+            <a:solidFill>
+              <a:schemeClr val="tx1"/>
+            </a:solidFill>
+            <a:tailEnd type="arrow"/>
+          </a:ln>
+        </p:spPr>
+        <p:style>
+          <a:lnRef idx="1">
+            <a:schemeClr val="accent1"/>
+          </a:lnRef>
+          <a:fillRef idx="0">
+            <a:schemeClr val="accent1"/>
+          </a:fillRef>
+          <a:effectRef idx="0">
+            <a:schemeClr val="accent1"/>
+          </a:effectRef>
+          <a:fontRef idx="minor">
+            <a:schemeClr val="tx1"/>
+          </a:fontRef>
+        </p:style>
+      </p:cxnSp>
+      <p:cxnSp>
+        <p:nvCxnSpPr>
+          <p:cNvPr id="33" name="直線單箭頭接點 32"/>
+          <p:cNvCxnSpPr>
+            <a:stCxn id="6" idx="2"/>
+            <a:endCxn id="13" idx="0"/>
+          </p:cNvCxnSpPr>
+          <p:nvPr/>
+        </p:nvCxnSpPr>
+        <p:spPr>
+          <a:xfrm rot="5400000">
+            <a:off x="3561885" y="3467100"/>
+            <a:ext cx="1334430" cy="1905000"/>
+          </a:xfrm>
+          <a:prstGeom prst="straightConnector1">
+            <a:avLst/>
+          </a:prstGeom>
+          <a:ln w="31750">
+            <a:solidFill>
+              <a:schemeClr val="tx1"/>
+            </a:solidFill>
+            <a:tailEnd type="arrow"/>
+          </a:ln>
+        </p:spPr>
+        <p:style>
+          <a:lnRef idx="1">
+            <a:schemeClr val="accent1"/>
+          </a:lnRef>
+          <a:fillRef idx="0">
+            <a:schemeClr val="accent1"/>
+          </a:fillRef>
+          <a:effectRef idx="0">
+            <a:schemeClr val="accent1"/>
+          </a:effectRef>
+          <a:fontRef idx="minor">
+            <a:schemeClr val="tx1"/>
+          </a:fontRef>
+        </p:style>
+      </p:cxnSp>
+      <p:cxnSp>
+        <p:nvCxnSpPr>
+          <p:cNvPr id="36" name="直線單箭頭接點 35"/>
+          <p:cNvCxnSpPr>
+            <a:stCxn id="6" idx="2"/>
+            <a:endCxn id="12" idx="0"/>
+          </p:cNvCxnSpPr>
+          <p:nvPr/>
+        </p:nvCxnSpPr>
+        <p:spPr>
+          <a:xfrm rot="5400000">
+            <a:off x="2799885" y="2705100"/>
+            <a:ext cx="1334430" cy="3429000"/>
+          </a:xfrm>
+          <a:prstGeom prst="straightConnector1">
+            <a:avLst/>
+          </a:prstGeom>
+          <a:ln w="31750">
+            <a:solidFill>
+              <a:schemeClr val="tx1"/>
+            </a:solidFill>
+            <a:tailEnd type="arrow"/>
+          </a:ln>
+        </p:spPr>
+        <p:style>
+          <a:lnRef idx="1">
+            <a:schemeClr val="accent1"/>
+          </a:lnRef>
+          <a:fillRef idx="0">
+            <a:schemeClr val="accent1"/>
+          </a:fillRef>
+          <a:effectRef idx="0">
+            <a:schemeClr val="accent1"/>
+          </a:effectRef>
+          <a:fontRef idx="minor">
+            <a:schemeClr val="tx1"/>
+          </a:fontRef>
+        </p:style>
+      </p:cxnSp>
     </p:spTree>
   </p:cSld>
   <p:clrMapOvr>
@@ -23543,11 +31989,7 @@
           <a:p>
             <a:r>
               <a:rPr lang="en-US" altLang="zh-TW" sz="900" dirty="0" smtClean="0"/>
-              <a:t>(0.9</a:t>
-            </a:r>
-            <a:r>
-              <a:rPr lang="en-US" altLang="zh-TW" sz="900" dirty="0" smtClean="0"/>
-              <a:t>, 0)</a:t>
+              <a:t>(0.9, 0)</a:t>
             </a:r>
             <a:endParaRPr lang="zh-TW" altLang="en-US" sz="900" dirty="0"/>
           </a:p>
@@ -23577,15 +32019,7 @@
           <a:p>
             <a:r>
               <a:rPr lang="en-US" altLang="zh-TW" sz="900" dirty="0" smtClean="0"/>
-              <a:t>(0.9, </a:t>
-            </a:r>
-            <a:r>
-              <a:rPr lang="en-US" altLang="zh-TW" sz="900" dirty="0" smtClean="0"/>
-              <a:t>0</a:t>
-            </a:r>
-            <a:r>
-              <a:rPr lang="en-US" altLang="zh-TW" sz="900" dirty="0" smtClean="0"/>
-              <a:t>)</a:t>
+              <a:t>(0.9, 0)</a:t>
             </a:r>
             <a:endParaRPr lang="zh-TW" altLang="en-US" sz="900" dirty="0"/>
           </a:p>
@@ -23615,11 +32049,7 @@
           <a:p>
             <a:r>
               <a:rPr lang="en-US" altLang="zh-TW" sz="900" dirty="0" smtClean="0"/>
-              <a:t>(0.9, </a:t>
-            </a:r>
-            <a:r>
-              <a:rPr lang="en-US" altLang="zh-TW" sz="900" dirty="0" smtClean="0"/>
-              <a:t>0)</a:t>
+              <a:t>(0.9, 0)</a:t>
             </a:r>
             <a:endParaRPr lang="zh-TW" altLang="en-US" sz="900" dirty="0"/>
           </a:p>
@@ -23649,15 +32079,7 @@
           <a:p>
             <a:r>
               <a:rPr lang="en-US" altLang="zh-TW" sz="900" dirty="0" smtClean="0"/>
-              <a:t>(0.9, </a:t>
-            </a:r>
-            <a:r>
-              <a:rPr lang="en-US" altLang="zh-TW" sz="900" dirty="0" smtClean="0"/>
-              <a:t>1</a:t>
-            </a:r>
-            <a:r>
-              <a:rPr lang="en-US" altLang="zh-TW" sz="900" dirty="0" smtClean="0"/>
-              <a:t>)</a:t>
+              <a:t>(0.9, 1)</a:t>
             </a:r>
             <a:endParaRPr lang="zh-TW" altLang="en-US" sz="900" dirty="0"/>
           </a:p>
@@ -23687,11 +32109,7 @@
           <a:p>
             <a:r>
               <a:rPr lang="en-US" altLang="zh-TW" sz="900" dirty="0" smtClean="0"/>
-              <a:t>(0.9, </a:t>
-            </a:r>
-            <a:r>
-              <a:rPr lang="en-US" altLang="zh-TW" sz="900" dirty="0" smtClean="0"/>
-              <a:t>-1.5)</a:t>
+              <a:t>(0.9, -1.5)</a:t>
             </a:r>
             <a:endParaRPr lang="zh-TW" altLang="en-US" sz="900" dirty="0"/>
           </a:p>
@@ -23721,11 +32139,7 @@
           <a:p>
             <a:r>
               <a:rPr lang="en-US" altLang="zh-TW" sz="900" dirty="0" smtClean="0"/>
-              <a:t>(0.9, </a:t>
-            </a:r>
-            <a:r>
-              <a:rPr lang="en-US" altLang="zh-TW" sz="900" dirty="0" smtClean="0"/>
-              <a:t>0)</a:t>
+              <a:t>(0.9, 0)</a:t>
             </a:r>
             <a:endParaRPr lang="zh-TW" altLang="en-US" sz="900" dirty="0"/>
           </a:p>
@@ -23755,11 +32169,7 @@
           <a:p>
             <a:r>
               <a:rPr lang="en-US" altLang="zh-TW" sz="900" dirty="0" smtClean="0"/>
-              <a:t>(0.9, </a:t>
-            </a:r>
-            <a:r>
-              <a:rPr lang="en-US" altLang="zh-TW" sz="900" dirty="0" smtClean="0"/>
-              <a:t>0)</a:t>
+              <a:t>(0.9, 0)</a:t>
             </a:r>
             <a:endParaRPr lang="zh-TW" altLang="en-US" sz="900" dirty="0"/>
           </a:p>
@@ -23819,11 +32229,7 @@
           <a:p>
             <a:r>
               <a:rPr lang="en-US" altLang="zh-TW" sz="900" dirty="0" smtClean="0"/>
-              <a:t>(</a:t>
-            </a:r>
-            <a:r>
-              <a:rPr lang="en-US" altLang="zh-TW" sz="900" dirty="0" smtClean="0"/>
-              <a:t>0.9, 0)</a:t>
+              <a:t>(0.9, 0)</a:t>
             </a:r>
             <a:endParaRPr lang="zh-TW" altLang="en-US" sz="900" dirty="0"/>
           </a:p>
@@ -23853,11 +32259,7 @@
           <a:p>
             <a:r>
               <a:rPr lang="en-US" altLang="zh-TW" sz="900" dirty="0" smtClean="0"/>
-              <a:t>(0.9, </a:t>
-            </a:r>
-            <a:r>
-              <a:rPr lang="en-US" altLang="zh-TW" sz="900" dirty="0" smtClean="0"/>
-              <a:t>0)</a:t>
+              <a:t>(0.9, 0)</a:t>
             </a:r>
             <a:endParaRPr lang="zh-TW" altLang="en-US" sz="900" dirty="0"/>
           </a:p>
@@ -23887,11 +32289,7 @@
           <a:p>
             <a:r>
               <a:rPr lang="en-US" altLang="zh-TW" sz="900" dirty="0" smtClean="0"/>
-              <a:t>(0.9, </a:t>
-            </a:r>
-            <a:r>
-              <a:rPr lang="en-US" altLang="zh-TW" sz="900" dirty="0" smtClean="0"/>
-              <a:t>0)</a:t>
+              <a:t>(0.9, 0)</a:t>
             </a:r>
             <a:endParaRPr lang="zh-TW" altLang="en-US" sz="900" dirty="0"/>
           </a:p>
@@ -23921,11 +32319,7 @@
           <a:p>
             <a:r>
               <a:rPr lang="en-US" altLang="zh-TW" sz="900" dirty="0" smtClean="0"/>
-              <a:t>(0.9, </a:t>
-            </a:r>
-            <a:r>
-              <a:rPr lang="en-US" altLang="zh-TW" sz="900" dirty="0" smtClean="0"/>
-              <a:t>0)</a:t>
+              <a:t>(0.9, 0)</a:t>
             </a:r>
             <a:endParaRPr lang="zh-TW" altLang="en-US" sz="900" dirty="0"/>
           </a:p>
@@ -23955,11 +32349,7 @@
           <a:p>
             <a:r>
               <a:rPr lang="en-US" altLang="zh-TW" sz="900" dirty="0" smtClean="0"/>
-              <a:t>(0.9, </a:t>
-            </a:r>
-            <a:r>
-              <a:rPr lang="en-US" altLang="zh-TW" sz="900" dirty="0" smtClean="0"/>
-              <a:t>0)</a:t>
+              <a:t>(0.9, 0)</a:t>
             </a:r>
             <a:endParaRPr lang="zh-TW" altLang="en-US" sz="900" dirty="0"/>
           </a:p>
@@ -23989,11 +32379,7 @@
           <a:p>
             <a:r>
               <a:rPr lang="en-US" altLang="zh-TW" sz="900" dirty="0" smtClean="0"/>
-              <a:t>(0.9, </a:t>
-            </a:r>
-            <a:r>
-              <a:rPr lang="en-US" altLang="zh-TW" sz="900" dirty="0" smtClean="0"/>
-              <a:t>0)</a:t>
+              <a:t>(0.9, 0)</a:t>
             </a:r>
             <a:endParaRPr lang="zh-TW" altLang="en-US" sz="900" dirty="0"/>
           </a:p>
@@ -24023,11 +32409,7 @@
           <a:p>
             <a:r>
               <a:rPr lang="en-US" altLang="zh-TW" sz="900" dirty="0" smtClean="0"/>
-              <a:t>(0.9, </a:t>
-            </a:r>
-            <a:r>
-              <a:rPr lang="en-US" altLang="zh-TW" sz="900" dirty="0" smtClean="0"/>
-              <a:t>0)</a:t>
+              <a:t>(0.9, 0)</a:t>
             </a:r>
             <a:endParaRPr lang="zh-TW" altLang="en-US" sz="900" dirty="0"/>
           </a:p>
@@ -24057,11 +32439,7 @@
           <a:p>
             <a:r>
               <a:rPr lang="en-US" altLang="zh-TW" sz="900" dirty="0" smtClean="0"/>
-              <a:t>(0.9, </a:t>
-            </a:r>
-            <a:r>
-              <a:rPr lang="en-US" altLang="zh-TW" sz="900" dirty="0" smtClean="0"/>
-              <a:t>0)</a:t>
+              <a:t>(0.9, 0)</a:t>
             </a:r>
             <a:endParaRPr lang="zh-TW" altLang="en-US" sz="900" dirty="0"/>
           </a:p>
@@ -24091,11 +32469,7 @@
           <a:p>
             <a:r>
               <a:rPr lang="en-US" altLang="zh-TW" sz="900" dirty="0" smtClean="0"/>
-              <a:t>(0.9, </a:t>
-            </a:r>
-            <a:r>
-              <a:rPr lang="en-US" altLang="zh-TW" sz="900" dirty="0" smtClean="0"/>
-              <a:t>0)</a:t>
+              <a:t>(0.9, 0)</a:t>
             </a:r>
             <a:endParaRPr lang="zh-TW" altLang="en-US" sz="900" dirty="0"/>
           </a:p>
@@ -24125,11 +32499,7 @@
           <a:p>
             <a:r>
               <a:rPr lang="en-US" altLang="zh-TW" sz="900" dirty="0" smtClean="0"/>
-              <a:t>(0.9, </a:t>
-            </a:r>
-            <a:r>
-              <a:rPr lang="en-US" altLang="zh-TW" sz="900" dirty="0" smtClean="0"/>
-              <a:t>18)</a:t>
+              <a:t>(0.9, 18)</a:t>
             </a:r>
             <a:endParaRPr lang="zh-TW" altLang="en-US" sz="900" dirty="0"/>
           </a:p>
@@ -24159,11 +32529,7 @@
           <a:p>
             <a:r>
               <a:rPr lang="en-US" altLang="zh-TW" sz="900" dirty="0" smtClean="0"/>
-              <a:t>(0.9, </a:t>
-            </a:r>
-            <a:r>
-              <a:rPr lang="en-US" altLang="zh-TW" sz="900" dirty="0" smtClean="0"/>
-              <a:t>-1.5)</a:t>
+              <a:t>(0.9, -1.5)</a:t>
             </a:r>
             <a:endParaRPr lang="zh-TW" altLang="en-US" sz="900" dirty="0"/>
           </a:p>
@@ -24194,11 +32560,7 @@
             <a:pPr algn="r"/>
             <a:r>
               <a:rPr lang="en-US" altLang="zh-TW" sz="900" dirty="0" smtClean="0"/>
-              <a:t>(0.0, </a:t>
-            </a:r>
-            <a:r>
-              <a:rPr lang="en-US" altLang="zh-TW" sz="900" dirty="0" smtClean="0"/>
-              <a:t> -1.5)</a:t>
+              <a:t>(0.0,  -1.5)</a:t>
             </a:r>
             <a:endParaRPr lang="zh-TW" altLang="en-US" sz="900" dirty="0"/>
           </a:p>
@@ -24229,11 +32591,7 @@
             <a:pPr algn="r"/>
             <a:r>
               <a:rPr lang="en-US" altLang="zh-TW" sz="900" dirty="0" smtClean="0"/>
-              <a:t>(0.9, </a:t>
-            </a:r>
-            <a:r>
-              <a:rPr lang="en-US" altLang="zh-TW" sz="900" dirty="0" smtClean="0"/>
-              <a:t>1)</a:t>
+              <a:t>(0.9, 1)</a:t>
             </a:r>
             <a:endParaRPr lang="zh-TW" altLang="en-US" sz="900" dirty="0"/>
           </a:p>
@@ -24263,11 +32621,7 @@
           <a:p>
             <a:r>
               <a:rPr lang="en-US" altLang="zh-TW" sz="900" dirty="0" smtClean="0"/>
-              <a:t>(0.9, </a:t>
-            </a:r>
-            <a:r>
-              <a:rPr lang="en-US" altLang="zh-TW" sz="900" dirty="0" smtClean="0"/>
-              <a:t>0)</a:t>
+              <a:t>(0.9, 0)</a:t>
             </a:r>
             <a:endParaRPr lang="zh-TW" altLang="en-US" sz="900" dirty="0"/>
           </a:p>
@@ -24297,11 +32651,7 @@
           <a:p>
             <a:r>
               <a:rPr lang="en-US" altLang="zh-TW" sz="900" dirty="0" smtClean="0"/>
-              <a:t>(0.9, </a:t>
-            </a:r>
-            <a:r>
-              <a:rPr lang="en-US" altLang="zh-TW" sz="900" dirty="0" smtClean="0"/>
-              <a:t>0)</a:t>
+              <a:t>(0.9, 0)</a:t>
             </a:r>
             <a:endParaRPr lang="zh-TW" altLang="en-US" sz="900" dirty="0"/>
           </a:p>
@@ -24331,11 +32681,7 @@
           <a:p>
             <a:r>
               <a:rPr lang="en-US" altLang="zh-TW" sz="900" dirty="0" smtClean="0"/>
-              <a:t>(0.9, </a:t>
-            </a:r>
-            <a:r>
-              <a:rPr lang="en-US" altLang="zh-TW" sz="900" dirty="0" smtClean="0"/>
-              <a:t>0)</a:t>
+              <a:t>(0.9, 0)</a:t>
             </a:r>
             <a:endParaRPr lang="zh-TW" altLang="en-US" sz="900" dirty="0"/>
           </a:p>
@@ -24365,11 +32711,7 @@
           <a:p>
             <a:r>
               <a:rPr lang="en-US" altLang="zh-TW" sz="900" dirty="0" smtClean="0"/>
-              <a:t>(0.9</a:t>
-            </a:r>
-            <a:r>
-              <a:rPr lang="en-US" altLang="zh-TW" sz="900" dirty="0" smtClean="0"/>
-              <a:t>, 0)</a:t>
+              <a:t>(0.9, 0)</a:t>
             </a:r>
             <a:endParaRPr lang="zh-TW" altLang="en-US" sz="900" dirty="0"/>
           </a:p>
@@ -24399,11 +32741,7 @@
           <a:p>
             <a:r>
               <a:rPr lang="en-US" altLang="zh-TW" sz="900" dirty="0" smtClean="0"/>
-              <a:t>(0.9, </a:t>
-            </a:r>
-            <a:r>
-              <a:rPr lang="en-US" altLang="zh-TW" sz="900" dirty="0" smtClean="0"/>
-              <a:t>0)</a:t>
+              <a:t>(0.9, 0)</a:t>
             </a:r>
             <a:endParaRPr lang="zh-TW" altLang="en-US" sz="900" dirty="0"/>
           </a:p>
@@ -24433,11 +32771,7 @@
           <a:p>
             <a:r>
               <a:rPr lang="en-US" altLang="zh-TW" sz="900" dirty="0" smtClean="0"/>
-              <a:t>(0.9, </a:t>
-            </a:r>
-            <a:r>
-              <a:rPr lang="en-US" altLang="zh-TW" sz="900" dirty="0" smtClean="0"/>
-              <a:t>0)</a:t>
+              <a:t>(0.9, 0)</a:t>
             </a:r>
             <a:endParaRPr lang="zh-TW" altLang="en-US" sz="900" dirty="0"/>
           </a:p>
@@ -24467,11 +32801,7 @@
           <a:p>
             <a:r>
               <a:rPr lang="en-US" altLang="zh-TW" sz="900" dirty="0" smtClean="0"/>
-              <a:t>(</a:t>
-            </a:r>
-            <a:r>
-              <a:rPr lang="en-US" altLang="zh-TW" sz="900" dirty="0" smtClean="0"/>
-              <a:t>0.9, 0)</a:t>
+              <a:t>(0.9, 0)</a:t>
             </a:r>
             <a:endParaRPr lang="zh-TW" altLang="en-US" sz="900" dirty="0"/>
           </a:p>
@@ -24501,15 +32831,7 @@
           <a:p>
             <a:r>
               <a:rPr lang="en-US" altLang="zh-TW" sz="900" dirty="0" smtClean="0"/>
-              <a:t>(0.9, </a:t>
-            </a:r>
-            <a:r>
-              <a:rPr lang="en-US" altLang="zh-TW" sz="900" dirty="0" smtClean="0"/>
-              <a:t>18</a:t>
-            </a:r>
-            <a:r>
-              <a:rPr lang="en-US" altLang="zh-TW" sz="900" dirty="0" smtClean="0"/>
-              <a:t>)</a:t>
+              <a:t>(0.9, 18)</a:t>
             </a:r>
             <a:endParaRPr lang="zh-TW" altLang="en-US" sz="900" dirty="0"/>
           </a:p>
@@ -24539,11 +32861,7 @@
           <a:p>
             <a:r>
               <a:rPr lang="en-US" altLang="zh-TW" sz="900" dirty="0" smtClean="0"/>
-              <a:t>(0.0, </a:t>
-            </a:r>
-            <a:r>
-              <a:rPr lang="en-US" altLang="zh-TW" sz="900" dirty="0" smtClean="0"/>
-              <a:t> -1.5)</a:t>
+              <a:t>(0.0,  -1.5)</a:t>
             </a:r>
             <a:endParaRPr lang="zh-TW" altLang="en-US" sz="900" dirty="0"/>
           </a:p>
@@ -24573,11 +32891,7 @@
           <a:p>
             <a:r>
               <a:rPr lang="en-US" altLang="zh-TW" sz="900" dirty="0" smtClean="0"/>
-              <a:t>(0.9, </a:t>
-            </a:r>
-            <a:r>
-              <a:rPr lang="en-US" altLang="zh-TW" sz="900" dirty="0" smtClean="0"/>
-              <a:t>0)</a:t>
+              <a:t>(0.9, 0)</a:t>
             </a:r>
             <a:endParaRPr lang="zh-TW" altLang="en-US" sz="900" dirty="0"/>
           </a:p>
@@ -24607,11 +32921,7 @@
           <a:p>
             <a:r>
               <a:rPr lang="en-US" altLang="zh-TW" sz="900" dirty="0" smtClean="0"/>
-              <a:t>(0.9, </a:t>
-            </a:r>
-            <a:r>
-              <a:rPr lang="en-US" altLang="zh-TW" sz="900" dirty="0" smtClean="0"/>
-              <a:t>0)</a:t>
+              <a:t>(0.9, 0)</a:t>
             </a:r>
             <a:endParaRPr lang="zh-TW" altLang="en-US" sz="900" dirty="0"/>
           </a:p>
@@ -24641,11 +32951,7 @@
           <a:p>
             <a:r>
               <a:rPr lang="en-US" altLang="zh-TW" sz="900" dirty="0" smtClean="0"/>
-              <a:t>(0.9, </a:t>
-            </a:r>
-            <a:r>
-              <a:rPr lang="en-US" altLang="zh-TW" sz="900" dirty="0" smtClean="0"/>
-              <a:t>0)</a:t>
+              <a:t>(0.9, 0)</a:t>
             </a:r>
             <a:endParaRPr lang="zh-TW" altLang="en-US" sz="900" dirty="0"/>
           </a:p>
@@ -24675,11 +32981,7 @@
           <a:p>
             <a:r>
               <a:rPr lang="en-US" altLang="zh-TW" sz="900" dirty="0" smtClean="0"/>
-              <a:t>(</a:t>
-            </a:r>
-            <a:r>
-              <a:rPr lang="en-US" altLang="zh-TW" sz="900" dirty="0" smtClean="0"/>
-              <a:t>0.9,0)</a:t>
+              <a:t>(0.9,0)</a:t>
             </a:r>
             <a:endParaRPr lang="zh-TW" altLang="en-US" sz="900" dirty="0"/>
           </a:p>
@@ -24709,15 +33011,7 @@
           <a:p>
             <a:r>
               <a:rPr lang="en-US" altLang="zh-TW" sz="900" dirty="0" smtClean="0"/>
-              <a:t>(0.9, </a:t>
-            </a:r>
-            <a:r>
-              <a:rPr lang="en-US" altLang="zh-TW" sz="900" dirty="0" smtClean="0"/>
-              <a:t>1</a:t>
-            </a:r>
-            <a:r>
-              <a:rPr lang="en-US" altLang="zh-TW" sz="900" dirty="0" smtClean="0"/>
-              <a:t>)</a:t>
+              <a:t>(0.9, 1)</a:t>
             </a:r>
             <a:endParaRPr lang="zh-TW" altLang="en-US" sz="900" dirty="0"/>
           </a:p>
@@ -24747,15 +33041,7 @@
           <a:p>
             <a:r>
               <a:rPr lang="en-US" altLang="zh-TW" sz="900" dirty="0" smtClean="0"/>
-              <a:t>(0.9, </a:t>
-            </a:r>
-            <a:r>
-              <a:rPr lang="en-US" altLang="zh-TW" sz="900" dirty="0" smtClean="0"/>
-              <a:t>-</a:t>
-            </a:r>
-            <a:r>
-              <a:rPr lang="en-US" altLang="zh-TW" sz="900" dirty="0" smtClean="0"/>
-              <a:t>1.5)</a:t>
+              <a:t>(0.9, -1.5)</a:t>
             </a:r>
             <a:endParaRPr lang="zh-TW" altLang="en-US" sz="900" dirty="0"/>
           </a:p>
@@ -24785,11 +33071,7 @@
           <a:p>
             <a:r>
               <a:rPr lang="en-US" altLang="zh-TW" sz="900" dirty="0" smtClean="0"/>
-              <a:t>(0.9, </a:t>
-            </a:r>
-            <a:r>
-              <a:rPr lang="en-US" altLang="zh-TW" sz="900" dirty="0" smtClean="0"/>
-              <a:t>0)</a:t>
+              <a:t>(0.9, 0)</a:t>
             </a:r>
             <a:endParaRPr lang="zh-TW" altLang="en-US" sz="900" dirty="0"/>
           </a:p>
@@ -24819,11 +33101,7 @@
           <a:p>
             <a:r>
               <a:rPr lang="en-US" altLang="zh-TW" sz="900" dirty="0" smtClean="0"/>
-              <a:t>(0.9, </a:t>
-            </a:r>
-            <a:r>
-              <a:rPr lang="en-US" altLang="zh-TW" sz="900" dirty="0" smtClean="0"/>
-              <a:t>0)</a:t>
+              <a:t>(0.9, 0)</a:t>
             </a:r>
             <a:endParaRPr lang="zh-TW" altLang="en-US" sz="900" dirty="0"/>
           </a:p>
@@ -24853,11 +33131,7 @@
           <a:p>
             <a:r>
               <a:rPr lang="en-US" altLang="zh-TW" sz="900" dirty="0" smtClean="0"/>
-              <a:t>(0.9, </a:t>
-            </a:r>
-            <a:r>
-              <a:rPr lang="en-US" altLang="zh-TW" sz="900" dirty="0" smtClean="0"/>
-              <a:t>18)</a:t>
+              <a:t>(0.9, 18)</a:t>
             </a:r>
             <a:endParaRPr lang="zh-TW" altLang="en-US" sz="900" dirty="0"/>
           </a:p>
@@ -24887,15 +33161,7 @@
           <a:p>
             <a:r>
               <a:rPr lang="en-US" altLang="zh-TW" sz="900" dirty="0" smtClean="0"/>
-              <a:t>(0.0,  </a:t>
-            </a:r>
-            <a:r>
-              <a:rPr lang="en-US" altLang="zh-TW" sz="900" dirty="0" smtClean="0"/>
-              <a:t>-1.5</a:t>
-            </a:r>
-            <a:r>
-              <a:rPr lang="en-US" altLang="zh-TW" sz="900" dirty="0" smtClean="0"/>
-              <a:t>)</a:t>
+              <a:t>(0.0,  -1.5)</a:t>
             </a:r>
             <a:endParaRPr lang="zh-TW" altLang="en-US" sz="900" dirty="0"/>
           </a:p>
@@ -24925,11 +33191,7 @@
           <a:p>
             <a:r>
               <a:rPr lang="en-US" altLang="zh-TW" sz="900" dirty="0" smtClean="0"/>
-              <a:t>(0.9, </a:t>
-            </a:r>
-            <a:r>
-              <a:rPr lang="en-US" altLang="zh-TW" sz="900" dirty="0" smtClean="0"/>
-              <a:t>0)</a:t>
+              <a:t>(0.9, 0)</a:t>
             </a:r>
             <a:endParaRPr lang="zh-TW" altLang="en-US" sz="900" dirty="0"/>
           </a:p>
@@ -24959,11 +33221,7 @@
           <a:p>
             <a:r>
               <a:rPr lang="en-US" altLang="zh-TW" sz="900" dirty="0" smtClean="0"/>
-              <a:t>(0.9, </a:t>
-            </a:r>
-            <a:r>
-              <a:rPr lang="en-US" altLang="zh-TW" sz="900" dirty="0" smtClean="0"/>
-              <a:t>0)</a:t>
+              <a:t>(0.9, 0)</a:t>
             </a:r>
             <a:endParaRPr lang="zh-TW" altLang="en-US" sz="900" dirty="0"/>
           </a:p>
@@ -24994,11 +33252,7 @@
             <a:pPr algn="r"/>
             <a:r>
               <a:rPr lang="en-US" altLang="zh-TW" sz="900" dirty="0" smtClean="0"/>
-              <a:t>(0.9, </a:t>
-            </a:r>
-            <a:r>
-              <a:rPr lang="en-US" altLang="zh-TW" sz="900" dirty="0" smtClean="0"/>
-              <a:t>1)</a:t>
+              <a:t>(0.9, 1)</a:t>
             </a:r>
             <a:endParaRPr lang="zh-TW" altLang="en-US" sz="900" dirty="0"/>
           </a:p>
@@ -25029,11 +33283,7 @@
             <a:pPr algn="r"/>
             <a:r>
               <a:rPr lang="en-US" altLang="zh-TW" sz="900" dirty="0" smtClean="0"/>
-              <a:t>(0.0, </a:t>
-            </a:r>
-            <a:r>
-              <a:rPr lang="en-US" altLang="zh-TW" sz="900" dirty="0" smtClean="0"/>
-              <a:t>-1.5)</a:t>
+              <a:t>(0.0, -1.5)</a:t>
             </a:r>
             <a:endParaRPr lang="zh-TW" altLang="en-US" sz="900" dirty="0"/>
           </a:p>
@@ -25064,11 +33314,7 @@
             <a:pPr algn="r"/>
             <a:r>
               <a:rPr lang="en-US" altLang="zh-TW" sz="900" dirty="0" smtClean="0"/>
-              <a:t>(0.9</a:t>
-            </a:r>
-            <a:r>
-              <a:rPr lang="en-US" altLang="zh-TW" sz="900" dirty="0" smtClean="0"/>
-              <a:t>, -1.5)</a:t>
+              <a:t>(0.9, -1.5)</a:t>
             </a:r>
             <a:endParaRPr lang="zh-TW" altLang="en-US" sz="900" dirty="0"/>
           </a:p>
@@ -25099,11 +33345,7 @@
             <a:pPr algn="r"/>
             <a:r>
               <a:rPr lang="en-US" altLang="zh-TW" sz="900" dirty="0" smtClean="0"/>
-              <a:t>(</a:t>
-            </a:r>
-            <a:r>
-              <a:rPr lang="en-US" altLang="zh-TW" sz="900" dirty="0" smtClean="0"/>
-              <a:t>0.9,18)</a:t>
+              <a:t>(0.9,18)</a:t>
             </a:r>
             <a:endParaRPr lang="zh-TW" altLang="en-US" sz="900" dirty="0"/>
           </a:p>
@@ -25133,11 +33375,7 @@
           <a:p>
             <a:r>
               <a:rPr lang="en-US" altLang="zh-TW" sz="900" dirty="0" smtClean="0"/>
-              <a:t>(0.9, </a:t>
-            </a:r>
-            <a:r>
-              <a:rPr lang="en-US" altLang="zh-TW" sz="900" dirty="0" smtClean="0"/>
-              <a:t>0)</a:t>
+              <a:t>(0.9, 0)</a:t>
             </a:r>
             <a:endParaRPr lang="zh-TW" altLang="en-US" sz="900" dirty="0"/>
           </a:p>
